--- a/UMLDiagrams.pptx
+++ b/UMLDiagrams.pptx
@@ -5,7 +5,7 @@
     <p:sldMasterId id="2147483648" r:id="rId1"/>
   </p:sldMasterIdLst>
   <p:notesMasterIdLst>
-    <p:notesMasterId r:id="rId12"/>
+    <p:notesMasterId r:id="rId14"/>
   </p:notesMasterIdLst>
   <p:sldIdLst>
     <p:sldId id="256" r:id="rId2"/>
@@ -18,6 +18,8 @@
     <p:sldId id="350" r:id="rId9"/>
     <p:sldId id="351" r:id="rId10"/>
     <p:sldId id="352" r:id="rId11"/>
+    <p:sldId id="353" r:id="rId12"/>
+    <p:sldId id="354" r:id="rId13"/>
   </p:sldIdLst>
   <p:sldSz cx="12192000" cy="6858000"/>
   <p:notesSz cx="6858000" cy="9144000"/>
@@ -127,6 +129,7 @@
 <file path=ppt/revisionInfo.xml><?xml version="1.0" encoding="utf-8"?>
 <p1510:revInfo xmlns:a="http://schemas.openxmlformats.org/drawingml/2006/main" xmlns:r="http://schemas.openxmlformats.org/officeDocument/2006/relationships" xmlns:p1510="http://schemas.microsoft.com/office/powerpoint/2015/10/main">
   <p1510:revLst>
+    <p1510:client id="{034AA59E-D954-44E8-84AB-C770C7EA240B}" v="1" dt="2023-09-08T09:15:22.816"/>
     <p1510:client id="{E9F11F39-A95D-418E-B556-65980428252A}" v="126" dt="2023-09-08T07:33:41.531"/>
   </p1510:revLst>
 </p1510:revInfo>
@@ -134,6 +137,29 @@
 
 <file path=ppt/changesInfos/changesInfo1.xml><?xml version="1.0" encoding="utf-8"?>
 <pc:chgInfo xmlns:a="http://schemas.openxmlformats.org/drawingml/2006/main" xmlns:r="http://schemas.openxmlformats.org/officeDocument/2006/relationships" xmlns:ac="http://schemas.microsoft.com/office/drawing/2013/main/command" xmlns:pc="http://schemas.microsoft.com/office/powerpoint/2013/main/command">
+  <pc:docChgLst>
+    <pc:chgData name="Manaswini Ray" userId="451f23f8-43b4-4daa-9511-0c9fb98bad1c" providerId="ADAL" clId="{034AA59E-D954-44E8-84AB-C770C7EA240B}"/>
+    <pc:docChg chg="addSld modSld">
+      <pc:chgData name="Manaswini Ray" userId="451f23f8-43b4-4daa-9511-0c9fb98bad1c" providerId="ADAL" clId="{034AA59E-D954-44E8-84AB-C770C7EA240B}" dt="2023-09-08T09:15:22.816" v="1"/>
+      <pc:docMkLst>
+        <pc:docMk/>
+      </pc:docMkLst>
+      <pc:sldChg chg="new">
+        <pc:chgData name="Manaswini Ray" userId="451f23f8-43b4-4daa-9511-0c9fb98bad1c" providerId="ADAL" clId="{034AA59E-D954-44E8-84AB-C770C7EA240B}" dt="2023-09-08T09:15:19.640" v="0" actId="680"/>
+        <pc:sldMkLst>
+          <pc:docMk/>
+          <pc:sldMk cId="2067811099" sldId="353"/>
+        </pc:sldMkLst>
+      </pc:sldChg>
+      <pc:sldChg chg="add">
+        <pc:chgData name="Manaswini Ray" userId="451f23f8-43b4-4daa-9511-0c9fb98bad1c" providerId="ADAL" clId="{034AA59E-D954-44E8-84AB-C770C7EA240B}" dt="2023-09-08T09:15:22.816" v="1"/>
+        <pc:sldMkLst>
+          <pc:docMk/>
+          <pc:sldMk cId="1651114426" sldId="354"/>
+        </pc:sldMkLst>
+      </pc:sldChg>
+    </pc:docChg>
+  </pc:docChgLst>
   <pc:docChgLst>
     <pc:chgData name="Manaswini Ray" userId="451f23f8-43b4-4daa-9511-0c9fb98bad1c" providerId="ADAL" clId="{E9F11F39-A95D-418E-B556-65980428252A}"/>
     <pc:docChg chg="undo custSel addSld modSld">
@@ -2685,7 +2711,7 @@
           <a:p>
             <a:fld id="{DA65EFA3-2408-462E-A228-C020DF9C1D92}" type="datetimeFigureOut">
               <a:rPr lang="en-IN" smtClean="0"/>
-              <a:t>07-09-2023</a:t>
+              <a:t>08-09-2023</a:t>
             </a:fld>
             <a:endParaRPr lang="en-IN"/>
           </a:p>
@@ -3186,7 +3212,7 @@
           <a:p>
             <a:fld id="{DBA864D8-E328-4C18-B44D-9296865D5C31}" type="datetimeFigureOut">
               <a:rPr lang="en-IN" smtClean="0"/>
-              <a:t>07-09-2023</a:t>
+              <a:t>08-09-2023</a:t>
             </a:fld>
             <a:endParaRPr lang="en-IN"/>
           </a:p>
@@ -3386,7 +3412,7 @@
           <a:p>
             <a:fld id="{DBA864D8-E328-4C18-B44D-9296865D5C31}" type="datetimeFigureOut">
               <a:rPr lang="en-IN" smtClean="0"/>
-              <a:t>07-09-2023</a:t>
+              <a:t>08-09-2023</a:t>
             </a:fld>
             <a:endParaRPr lang="en-IN"/>
           </a:p>
@@ -3596,7 +3622,7 @@
           <a:p>
             <a:fld id="{DBA864D8-E328-4C18-B44D-9296865D5C31}" type="datetimeFigureOut">
               <a:rPr lang="en-IN" smtClean="0"/>
-              <a:t>07-09-2023</a:t>
+              <a:t>08-09-2023</a:t>
             </a:fld>
             <a:endParaRPr lang="en-IN"/>
           </a:p>
@@ -3863,7 +3889,7 @@
           <a:p>
             <a:fld id="{DBA864D8-E328-4C18-B44D-9296865D5C31}" type="datetimeFigureOut">
               <a:rPr lang="en-IN" smtClean="0"/>
-              <a:t>07-09-2023</a:t>
+              <a:t>08-09-2023</a:t>
             </a:fld>
             <a:endParaRPr lang="en-IN"/>
           </a:p>
@@ -4139,7 +4165,7 @@
           <a:p>
             <a:fld id="{DBA864D8-E328-4C18-B44D-9296865D5C31}" type="datetimeFigureOut">
               <a:rPr lang="en-IN" smtClean="0"/>
-              <a:t>07-09-2023</a:t>
+              <a:t>08-09-2023</a:t>
             </a:fld>
             <a:endParaRPr lang="en-IN"/>
           </a:p>
@@ -4407,7 +4433,7 @@
           <a:p>
             <a:fld id="{DBA864D8-E328-4C18-B44D-9296865D5C31}" type="datetimeFigureOut">
               <a:rPr lang="en-IN" smtClean="0"/>
-              <a:t>07-09-2023</a:t>
+              <a:t>08-09-2023</a:t>
             </a:fld>
             <a:endParaRPr lang="en-IN"/>
           </a:p>
@@ -4822,7 +4848,7 @@
           <a:p>
             <a:fld id="{DBA864D8-E328-4C18-B44D-9296865D5C31}" type="datetimeFigureOut">
               <a:rPr lang="en-IN" smtClean="0"/>
-              <a:t>07-09-2023</a:t>
+              <a:t>08-09-2023</a:t>
             </a:fld>
             <a:endParaRPr lang="en-IN"/>
           </a:p>
@@ -4964,7 +4990,7 @@
           <a:p>
             <a:fld id="{DBA864D8-E328-4C18-B44D-9296865D5C31}" type="datetimeFigureOut">
               <a:rPr lang="en-IN" smtClean="0"/>
-              <a:t>07-09-2023</a:t>
+              <a:t>08-09-2023</a:t>
             </a:fld>
             <a:endParaRPr lang="en-IN"/>
           </a:p>
@@ -5077,7 +5103,7 @@
           <a:p>
             <a:fld id="{DBA864D8-E328-4C18-B44D-9296865D5C31}" type="datetimeFigureOut">
               <a:rPr lang="en-IN" smtClean="0"/>
-              <a:t>07-09-2023</a:t>
+              <a:t>08-09-2023</a:t>
             </a:fld>
             <a:endParaRPr lang="en-IN"/>
           </a:p>
@@ -5390,7 +5416,7 @@
           <a:p>
             <a:fld id="{DBA864D8-E328-4C18-B44D-9296865D5C31}" type="datetimeFigureOut">
               <a:rPr lang="en-IN" smtClean="0"/>
-              <a:t>07-09-2023</a:t>
+              <a:t>08-09-2023</a:t>
             </a:fld>
             <a:endParaRPr lang="en-IN"/>
           </a:p>
@@ -5679,7 +5705,7 @@
           <a:p>
             <a:fld id="{DBA864D8-E328-4C18-B44D-9296865D5C31}" type="datetimeFigureOut">
               <a:rPr lang="en-IN" smtClean="0"/>
-              <a:t>07-09-2023</a:t>
+              <a:t>08-09-2023</a:t>
             </a:fld>
             <a:endParaRPr lang="en-IN"/>
           </a:p>
@@ -5922,7 +5948,7 @@
           <a:p>
             <a:fld id="{DBA864D8-E328-4C18-B44D-9296865D5C31}" type="datetimeFigureOut">
               <a:rPr lang="en-IN" smtClean="0"/>
-              <a:t>07-09-2023</a:t>
+              <a:t>08-09-2023</a:t>
             </a:fld>
             <a:endParaRPr lang="en-IN"/>
           </a:p>
@@ -7863,6 +7889,867 @@
     <p:extLst>
       <p:ext uri="{BB962C8B-B14F-4D97-AF65-F5344CB8AC3E}">
         <p14:creationId xmlns:p14="http://schemas.microsoft.com/office/powerpoint/2010/main" val="133632842"/>
+      </p:ext>
+    </p:extLst>
+  </p:cSld>
+  <p:clrMapOvr>
+    <a:masterClrMapping/>
+  </p:clrMapOvr>
+</p:sld>
+</file>
+
+<file path=ppt/slides/slide11.xml><?xml version="1.0" encoding="utf-8"?>
+<p:sld xmlns:a="http://schemas.openxmlformats.org/drawingml/2006/main" xmlns:r="http://schemas.openxmlformats.org/officeDocument/2006/relationships" xmlns:p="http://schemas.openxmlformats.org/presentationml/2006/main">
+  <p:cSld>
+    <p:spTree>
+      <p:nvGrpSpPr>
+        <p:cNvPr id="1" name=""/>
+        <p:cNvGrpSpPr/>
+        <p:nvPr/>
+      </p:nvGrpSpPr>
+      <p:grpSpPr>
+        <a:xfrm>
+          <a:off x="0" y="0"/>
+          <a:ext cx="0" cy="0"/>
+          <a:chOff x="0" y="0"/>
+          <a:chExt cx="0" cy="0"/>
+        </a:xfrm>
+      </p:grpSpPr>
+    </p:spTree>
+    <p:extLst>
+      <p:ext uri="{BB962C8B-B14F-4D97-AF65-F5344CB8AC3E}">
+        <p14:creationId xmlns:p14="http://schemas.microsoft.com/office/powerpoint/2010/main" val="2067811099"/>
+      </p:ext>
+    </p:extLst>
+  </p:cSld>
+  <p:clrMapOvr>
+    <a:masterClrMapping/>
+  </p:clrMapOvr>
+</p:sld>
+</file>
+
+<file path=ppt/slides/slide12.xml><?xml version="1.0" encoding="utf-8"?>
+<p:sld xmlns:a="http://schemas.openxmlformats.org/drawingml/2006/main" xmlns:r="http://schemas.openxmlformats.org/officeDocument/2006/relationships" xmlns:p="http://schemas.openxmlformats.org/presentationml/2006/main">
+  <p:cSld>
+    <p:spTree>
+      <p:nvGrpSpPr>
+        <p:cNvPr id="1" name=""/>
+        <p:cNvGrpSpPr/>
+        <p:nvPr/>
+      </p:nvGrpSpPr>
+      <p:grpSpPr>
+        <a:xfrm>
+          <a:off x="0" y="0"/>
+          <a:ext cx="0" cy="0"/>
+          <a:chOff x="0" y="0"/>
+          <a:chExt cx="0" cy="0"/>
+        </a:xfrm>
+      </p:grpSpPr>
+      <p:sp>
+        <p:nvSpPr>
+          <p:cNvPr id="2" name="TextBox 1">
+            <a:extLst>
+              <a:ext uri="{FF2B5EF4-FFF2-40B4-BE49-F238E27FC236}">
+                <a16:creationId xmlns:a16="http://schemas.microsoft.com/office/drawing/2014/main" id="{A852AB77-2756-26BF-B040-B2E68B0C97D7}"/>
+              </a:ext>
+            </a:extLst>
+          </p:cNvPr>
+          <p:cNvSpPr txBox="1"/>
+          <p:nvPr/>
+        </p:nvSpPr>
+        <p:spPr>
+          <a:xfrm>
+            <a:off x="252248" y="393403"/>
+            <a:ext cx="6138040" cy="400110"/>
+          </a:xfrm>
+          <a:prstGeom prst="rect">
+            <a:avLst/>
+          </a:prstGeom>
+          <a:noFill/>
+        </p:spPr>
+        <p:txBody>
+          <a:bodyPr wrap="square">
+            <a:spAutoFit/>
+          </a:bodyPr>
+          <a:lstStyle/>
+          <a:p>
+            <a:r>
+              <a:rPr lang="en-US" sz="2000" b="1" u="sng" dirty="0" err="1">
+                <a:solidFill>
+                  <a:srgbClr val="000000"/>
+                </a:solidFill>
+              </a:rPr>
+              <a:t>FlyWeight</a:t>
+            </a:r>
+            <a:r>
+              <a:rPr lang="en-IN" sz="2000" b="1" u="sng" dirty="0">
+                <a:solidFill>
+                  <a:srgbClr val="000000"/>
+                </a:solidFill>
+              </a:rPr>
+              <a:t> Design Pattern</a:t>
+            </a:r>
+            <a:endParaRPr lang="en-IN" sz="2000" b="1" u="sng" dirty="0"/>
+          </a:p>
+        </p:txBody>
+      </p:sp>
+      <p:sp>
+        <p:nvSpPr>
+          <p:cNvPr id="3" name="Rectangle 2">
+            <a:extLst>
+              <a:ext uri="{FF2B5EF4-FFF2-40B4-BE49-F238E27FC236}">
+                <a16:creationId xmlns:a16="http://schemas.microsoft.com/office/drawing/2014/main" id="{0BDDB1C8-ABD4-F3AC-3A1D-D084C474C56E}"/>
+              </a:ext>
+            </a:extLst>
+          </p:cNvPr>
+          <p:cNvSpPr/>
+          <p:nvPr/>
+        </p:nvSpPr>
+        <p:spPr>
+          <a:xfrm>
+            <a:off x="2748169" y="1590261"/>
+            <a:ext cx="2991679" cy="1212574"/>
+          </a:xfrm>
+          <a:prstGeom prst="rect">
+            <a:avLst/>
+          </a:prstGeom>
+          <a:noFill/>
+          <a:ln>
+            <a:solidFill>
+              <a:schemeClr val="bg2">
+                <a:lumMod val="10000"/>
+              </a:schemeClr>
+            </a:solidFill>
+          </a:ln>
+        </p:spPr>
+        <p:style>
+          <a:lnRef idx="2">
+            <a:schemeClr val="accent1">
+              <a:shade val="50000"/>
+            </a:schemeClr>
+          </a:lnRef>
+          <a:fillRef idx="1">
+            <a:schemeClr val="accent1"/>
+          </a:fillRef>
+          <a:effectRef idx="0">
+            <a:schemeClr val="accent1"/>
+          </a:effectRef>
+          <a:fontRef idx="minor">
+            <a:schemeClr val="lt1"/>
+          </a:fontRef>
+        </p:style>
+        <p:txBody>
+          <a:bodyPr rtlCol="0" anchor="ctr"/>
+          <a:lstStyle/>
+          <a:p>
+            <a:pPr algn="ctr"/>
+            <a:endParaRPr lang="en-IN"/>
+          </a:p>
+        </p:txBody>
+      </p:sp>
+      <p:cxnSp>
+        <p:nvCxnSpPr>
+          <p:cNvPr id="4" name="Straight Connector 3">
+            <a:extLst>
+              <a:ext uri="{FF2B5EF4-FFF2-40B4-BE49-F238E27FC236}">
+                <a16:creationId xmlns:a16="http://schemas.microsoft.com/office/drawing/2014/main" id="{D8BACCDB-5705-38CD-6F2F-E82C6A80FBD7}"/>
+              </a:ext>
+            </a:extLst>
+          </p:cNvPr>
+          <p:cNvCxnSpPr>
+            <a:stCxn id="3" idx="1"/>
+            <a:endCxn id="3" idx="3"/>
+          </p:cNvCxnSpPr>
+          <p:nvPr/>
+        </p:nvCxnSpPr>
+        <p:spPr>
+          <a:xfrm>
+            <a:off x="2748169" y="2196548"/>
+            <a:ext cx="2991679" cy="0"/>
+          </a:xfrm>
+          <a:prstGeom prst="line">
+            <a:avLst/>
+          </a:prstGeom>
+          <a:ln>
+            <a:solidFill>
+              <a:schemeClr val="tx1">
+                <a:lumMod val="95000"/>
+                <a:lumOff val="5000"/>
+              </a:schemeClr>
+            </a:solidFill>
+          </a:ln>
+        </p:spPr>
+        <p:style>
+          <a:lnRef idx="1">
+            <a:schemeClr val="accent1"/>
+          </a:lnRef>
+          <a:fillRef idx="0">
+            <a:schemeClr val="accent1"/>
+          </a:fillRef>
+          <a:effectRef idx="0">
+            <a:schemeClr val="accent1"/>
+          </a:effectRef>
+          <a:fontRef idx="minor">
+            <a:schemeClr val="tx1"/>
+          </a:fontRef>
+        </p:style>
+      </p:cxnSp>
+      <p:sp>
+        <p:nvSpPr>
+          <p:cNvPr id="5" name="TextBox 4">
+            <a:extLst>
+              <a:ext uri="{FF2B5EF4-FFF2-40B4-BE49-F238E27FC236}">
+                <a16:creationId xmlns:a16="http://schemas.microsoft.com/office/drawing/2014/main" id="{DBE537F2-A8B0-250D-DCF1-7721CE4075DA}"/>
+              </a:ext>
+            </a:extLst>
+          </p:cNvPr>
+          <p:cNvSpPr txBox="1"/>
+          <p:nvPr/>
+        </p:nvSpPr>
+        <p:spPr>
+          <a:xfrm>
+            <a:off x="583216" y="1332637"/>
+            <a:ext cx="1373138" cy="369332"/>
+          </a:xfrm>
+          <a:prstGeom prst="rect">
+            <a:avLst/>
+          </a:prstGeom>
+          <a:noFill/>
+        </p:spPr>
+        <p:txBody>
+          <a:bodyPr wrap="square" rtlCol="0">
+            <a:spAutoFit/>
+          </a:bodyPr>
+          <a:lstStyle/>
+          <a:p>
+            <a:r>
+              <a:rPr lang="en-US" dirty="0"/>
+              <a:t>Client</a:t>
+            </a:r>
+            <a:endParaRPr lang="en-IN" dirty="0"/>
+          </a:p>
+        </p:txBody>
+      </p:sp>
+      <p:sp>
+        <p:nvSpPr>
+          <p:cNvPr id="6" name="TextBox 5">
+            <a:extLst>
+              <a:ext uri="{FF2B5EF4-FFF2-40B4-BE49-F238E27FC236}">
+                <a16:creationId xmlns:a16="http://schemas.microsoft.com/office/drawing/2014/main" id="{F44D0D04-BCD7-6EA6-0F5A-D013AE623C4B}"/>
+              </a:ext>
+            </a:extLst>
+          </p:cNvPr>
+          <p:cNvSpPr txBox="1"/>
+          <p:nvPr/>
+        </p:nvSpPr>
+        <p:spPr>
+          <a:xfrm>
+            <a:off x="2773015" y="1708739"/>
+            <a:ext cx="2613993" cy="369332"/>
+          </a:xfrm>
+          <a:prstGeom prst="rect">
+            <a:avLst/>
+          </a:prstGeom>
+          <a:noFill/>
+        </p:spPr>
+        <p:txBody>
+          <a:bodyPr wrap="square" rtlCol="0">
+            <a:spAutoFit/>
+          </a:bodyPr>
+          <a:lstStyle/>
+          <a:p>
+            <a:r>
+              <a:rPr lang="en-US" dirty="0"/>
+              <a:t>Circle</a:t>
+            </a:r>
+            <a:endParaRPr lang="en-IN" dirty="0"/>
+          </a:p>
+        </p:txBody>
+      </p:sp>
+      <p:sp>
+        <p:nvSpPr>
+          <p:cNvPr id="7" name="TextBox 6">
+            <a:extLst>
+              <a:ext uri="{FF2B5EF4-FFF2-40B4-BE49-F238E27FC236}">
+                <a16:creationId xmlns:a16="http://schemas.microsoft.com/office/drawing/2014/main" id="{5043DB44-CC03-F82D-B0CD-116190FC902D}"/>
+              </a:ext>
+            </a:extLst>
+          </p:cNvPr>
+          <p:cNvSpPr txBox="1"/>
+          <p:nvPr/>
+        </p:nvSpPr>
+        <p:spPr>
+          <a:xfrm>
+            <a:off x="2773015" y="2308076"/>
+            <a:ext cx="2613993" cy="369332"/>
+          </a:xfrm>
+          <a:prstGeom prst="rect">
+            <a:avLst/>
+          </a:prstGeom>
+          <a:noFill/>
+        </p:spPr>
+        <p:txBody>
+          <a:bodyPr wrap="square" rtlCol="0">
+            <a:spAutoFit/>
+          </a:bodyPr>
+          <a:lstStyle/>
+          <a:p>
+            <a:r>
+              <a:rPr lang="en-US" dirty="0" err="1"/>
+              <a:t>DrawCircle</a:t>
+            </a:r>
+            <a:r>
+              <a:rPr lang="en-US" dirty="0"/>
+              <a:t>()</a:t>
+            </a:r>
+          </a:p>
+        </p:txBody>
+      </p:sp>
+      <p:cxnSp>
+        <p:nvCxnSpPr>
+          <p:cNvPr id="8" name="Straight Arrow Connector 17">
+            <a:extLst>
+              <a:ext uri="{FF2B5EF4-FFF2-40B4-BE49-F238E27FC236}">
+                <a16:creationId xmlns:a16="http://schemas.microsoft.com/office/drawing/2014/main" id="{DB1EF2C1-4893-B870-C94E-730F84F45DC8}"/>
+              </a:ext>
+            </a:extLst>
+          </p:cNvPr>
+          <p:cNvCxnSpPr>
+            <a:cxnSpLocks/>
+            <a:endCxn id="3" idx="1"/>
+          </p:cNvCxnSpPr>
+          <p:nvPr/>
+        </p:nvCxnSpPr>
+        <p:spPr>
+          <a:xfrm>
+            <a:off x="2304223" y="1529995"/>
+            <a:ext cx="443946" cy="666553"/>
+          </a:xfrm>
+          <a:prstGeom prst="bentConnector3">
+            <a:avLst>
+              <a:gd name="adj1" fmla="val 50000"/>
+            </a:avLst>
+          </a:prstGeom>
+          <a:ln>
+            <a:tailEnd type="triangle"/>
+          </a:ln>
+        </p:spPr>
+        <p:style>
+          <a:lnRef idx="1">
+            <a:schemeClr val="dk1"/>
+          </a:lnRef>
+          <a:fillRef idx="0">
+            <a:schemeClr val="dk1"/>
+          </a:fillRef>
+          <a:effectRef idx="0">
+            <a:schemeClr val="dk1"/>
+          </a:effectRef>
+          <a:fontRef idx="minor">
+            <a:schemeClr val="tx1"/>
+          </a:fontRef>
+        </p:style>
+      </p:cxnSp>
+      <p:sp>
+        <p:nvSpPr>
+          <p:cNvPr id="9" name="Rectangle 8">
+            <a:extLst>
+              <a:ext uri="{FF2B5EF4-FFF2-40B4-BE49-F238E27FC236}">
+                <a16:creationId xmlns:a16="http://schemas.microsoft.com/office/drawing/2014/main" id="{18747D76-9D92-047D-BBAD-044BE25FCD7F}"/>
+              </a:ext>
+            </a:extLst>
+          </p:cNvPr>
+          <p:cNvSpPr/>
+          <p:nvPr/>
+        </p:nvSpPr>
+        <p:spPr>
+          <a:xfrm>
+            <a:off x="252248" y="1147106"/>
+            <a:ext cx="2051975" cy="765777"/>
+          </a:xfrm>
+          <a:prstGeom prst="rect">
+            <a:avLst/>
+          </a:prstGeom>
+          <a:noFill/>
+          <a:ln>
+            <a:solidFill>
+              <a:schemeClr val="bg2">
+                <a:lumMod val="10000"/>
+              </a:schemeClr>
+            </a:solidFill>
+          </a:ln>
+        </p:spPr>
+        <p:style>
+          <a:lnRef idx="2">
+            <a:schemeClr val="accent1">
+              <a:shade val="50000"/>
+            </a:schemeClr>
+          </a:lnRef>
+          <a:fillRef idx="1">
+            <a:schemeClr val="accent1"/>
+          </a:fillRef>
+          <a:effectRef idx="0">
+            <a:schemeClr val="accent1"/>
+          </a:effectRef>
+          <a:fontRef idx="minor">
+            <a:schemeClr val="lt1"/>
+          </a:fontRef>
+        </p:style>
+        <p:txBody>
+          <a:bodyPr rtlCol="0" anchor="ctr"/>
+          <a:lstStyle/>
+          <a:p>
+            <a:pPr algn="ctr"/>
+            <a:endParaRPr lang="en-IN"/>
+          </a:p>
+        </p:txBody>
+      </p:sp>
+      <p:sp>
+        <p:nvSpPr>
+          <p:cNvPr id="10" name="Rectangle 9">
+            <a:extLst>
+              <a:ext uri="{FF2B5EF4-FFF2-40B4-BE49-F238E27FC236}">
+                <a16:creationId xmlns:a16="http://schemas.microsoft.com/office/drawing/2014/main" id="{4900A943-8CCD-CAB5-EE44-5A9DD17BBC21}"/>
+              </a:ext>
+            </a:extLst>
+          </p:cNvPr>
+          <p:cNvSpPr/>
+          <p:nvPr/>
+        </p:nvSpPr>
+        <p:spPr>
+          <a:xfrm>
+            <a:off x="6896098" y="1947681"/>
+            <a:ext cx="2991679" cy="1212574"/>
+          </a:xfrm>
+          <a:prstGeom prst="rect">
+            <a:avLst/>
+          </a:prstGeom>
+          <a:noFill/>
+          <a:ln>
+            <a:solidFill>
+              <a:schemeClr val="bg2">
+                <a:lumMod val="10000"/>
+              </a:schemeClr>
+            </a:solidFill>
+          </a:ln>
+        </p:spPr>
+        <p:style>
+          <a:lnRef idx="2">
+            <a:schemeClr val="accent1">
+              <a:shade val="50000"/>
+            </a:schemeClr>
+          </a:lnRef>
+          <a:fillRef idx="1">
+            <a:schemeClr val="accent1"/>
+          </a:fillRef>
+          <a:effectRef idx="0">
+            <a:schemeClr val="accent1"/>
+          </a:effectRef>
+          <a:fontRef idx="minor">
+            <a:schemeClr val="lt1"/>
+          </a:fontRef>
+        </p:style>
+        <p:txBody>
+          <a:bodyPr rtlCol="0" anchor="ctr"/>
+          <a:lstStyle/>
+          <a:p>
+            <a:pPr algn="ctr"/>
+            <a:endParaRPr lang="en-IN"/>
+          </a:p>
+        </p:txBody>
+      </p:sp>
+      <p:cxnSp>
+        <p:nvCxnSpPr>
+          <p:cNvPr id="11" name="Straight Connector 10">
+            <a:extLst>
+              <a:ext uri="{FF2B5EF4-FFF2-40B4-BE49-F238E27FC236}">
+                <a16:creationId xmlns:a16="http://schemas.microsoft.com/office/drawing/2014/main" id="{8EB0827C-F477-91E7-6BF7-B26F8967ACBB}"/>
+              </a:ext>
+            </a:extLst>
+          </p:cNvPr>
+          <p:cNvCxnSpPr>
+            <a:stCxn id="10" idx="1"/>
+            <a:endCxn id="10" idx="3"/>
+          </p:cNvCxnSpPr>
+          <p:nvPr/>
+        </p:nvCxnSpPr>
+        <p:spPr>
+          <a:xfrm>
+            <a:off x="6896098" y="2553968"/>
+            <a:ext cx="2991679" cy="0"/>
+          </a:xfrm>
+          <a:prstGeom prst="line">
+            <a:avLst/>
+          </a:prstGeom>
+          <a:ln>
+            <a:solidFill>
+              <a:schemeClr val="tx1">
+                <a:lumMod val="95000"/>
+                <a:lumOff val="5000"/>
+              </a:schemeClr>
+            </a:solidFill>
+          </a:ln>
+        </p:spPr>
+        <p:style>
+          <a:lnRef idx="1">
+            <a:schemeClr val="accent1"/>
+          </a:lnRef>
+          <a:fillRef idx="0">
+            <a:schemeClr val="accent1"/>
+          </a:fillRef>
+          <a:effectRef idx="0">
+            <a:schemeClr val="accent1"/>
+          </a:effectRef>
+          <a:fontRef idx="minor">
+            <a:schemeClr val="tx1"/>
+          </a:fontRef>
+        </p:style>
+      </p:cxnSp>
+      <p:sp>
+        <p:nvSpPr>
+          <p:cNvPr id="12" name="TextBox 11">
+            <a:extLst>
+              <a:ext uri="{FF2B5EF4-FFF2-40B4-BE49-F238E27FC236}">
+                <a16:creationId xmlns:a16="http://schemas.microsoft.com/office/drawing/2014/main" id="{726910F0-E6BA-52AC-FA19-0C1E72ADBAD6}"/>
+              </a:ext>
+            </a:extLst>
+          </p:cNvPr>
+          <p:cNvSpPr txBox="1"/>
+          <p:nvPr/>
+        </p:nvSpPr>
+        <p:spPr>
+          <a:xfrm>
+            <a:off x="6920944" y="2066159"/>
+            <a:ext cx="2613993" cy="369332"/>
+          </a:xfrm>
+          <a:prstGeom prst="rect">
+            <a:avLst/>
+          </a:prstGeom>
+          <a:noFill/>
+        </p:spPr>
+        <p:txBody>
+          <a:bodyPr wrap="square" rtlCol="0">
+            <a:spAutoFit/>
+          </a:bodyPr>
+          <a:lstStyle/>
+          <a:p>
+            <a:r>
+              <a:rPr lang="en-US" dirty="0" err="1"/>
+              <a:t>ICircle</a:t>
+            </a:r>
+            <a:endParaRPr lang="en-IN" dirty="0"/>
+          </a:p>
+        </p:txBody>
+      </p:sp>
+      <p:sp>
+        <p:nvSpPr>
+          <p:cNvPr id="13" name="TextBox 12">
+            <a:extLst>
+              <a:ext uri="{FF2B5EF4-FFF2-40B4-BE49-F238E27FC236}">
+                <a16:creationId xmlns:a16="http://schemas.microsoft.com/office/drawing/2014/main" id="{B70AD450-5CDF-8F20-6CDB-0D538CE889BC}"/>
+              </a:ext>
+            </a:extLst>
+          </p:cNvPr>
+          <p:cNvSpPr txBox="1"/>
+          <p:nvPr/>
+        </p:nvSpPr>
+        <p:spPr>
+          <a:xfrm>
+            <a:off x="6920944" y="2665496"/>
+            <a:ext cx="2613993" cy="369332"/>
+          </a:xfrm>
+          <a:prstGeom prst="rect">
+            <a:avLst/>
+          </a:prstGeom>
+          <a:noFill/>
+        </p:spPr>
+        <p:txBody>
+          <a:bodyPr wrap="square" rtlCol="0">
+            <a:spAutoFit/>
+          </a:bodyPr>
+          <a:lstStyle/>
+          <a:p>
+            <a:r>
+              <a:rPr lang="en-US" dirty="0" err="1"/>
+              <a:t>DrawCircle</a:t>
+            </a:r>
+            <a:r>
+              <a:rPr lang="en-US" dirty="0"/>
+              <a:t>()</a:t>
+            </a:r>
+          </a:p>
+        </p:txBody>
+      </p:sp>
+      <p:cxnSp>
+        <p:nvCxnSpPr>
+          <p:cNvPr id="14" name="Straight Arrow Connector 17">
+            <a:extLst>
+              <a:ext uri="{FF2B5EF4-FFF2-40B4-BE49-F238E27FC236}">
+                <a16:creationId xmlns:a16="http://schemas.microsoft.com/office/drawing/2014/main" id="{D0C5C679-C414-A304-6390-CEA10A4CE879}"/>
+              </a:ext>
+            </a:extLst>
+          </p:cNvPr>
+          <p:cNvCxnSpPr>
+            <a:cxnSpLocks/>
+            <a:stCxn id="3" idx="3"/>
+            <a:endCxn id="10" idx="1"/>
+          </p:cNvCxnSpPr>
+          <p:nvPr/>
+        </p:nvCxnSpPr>
+        <p:spPr>
+          <a:xfrm>
+            <a:off x="5739848" y="2196548"/>
+            <a:ext cx="1156250" cy="357420"/>
+          </a:xfrm>
+          <a:prstGeom prst="bentConnector3">
+            <a:avLst>
+              <a:gd name="adj1" fmla="val 50000"/>
+            </a:avLst>
+          </a:prstGeom>
+          <a:ln>
+            <a:tailEnd type="triangle"/>
+          </a:ln>
+        </p:spPr>
+        <p:style>
+          <a:lnRef idx="1">
+            <a:schemeClr val="dk1"/>
+          </a:lnRef>
+          <a:fillRef idx="0">
+            <a:schemeClr val="dk1"/>
+          </a:fillRef>
+          <a:effectRef idx="0">
+            <a:schemeClr val="dk1"/>
+          </a:effectRef>
+          <a:fontRef idx="minor">
+            <a:schemeClr val="tx1"/>
+          </a:fontRef>
+        </p:style>
+      </p:cxnSp>
+      <p:sp>
+        <p:nvSpPr>
+          <p:cNvPr id="16" name="Rectangle 15">
+            <a:extLst>
+              <a:ext uri="{FF2B5EF4-FFF2-40B4-BE49-F238E27FC236}">
+                <a16:creationId xmlns:a16="http://schemas.microsoft.com/office/drawing/2014/main" id="{BB643D8F-579A-FD2C-56C6-76E933A1B19D}"/>
+              </a:ext>
+            </a:extLst>
+          </p:cNvPr>
+          <p:cNvSpPr/>
+          <p:nvPr/>
+        </p:nvSpPr>
+        <p:spPr>
+          <a:xfrm>
+            <a:off x="6935056" y="4349340"/>
+            <a:ext cx="2991679" cy="1212574"/>
+          </a:xfrm>
+          <a:prstGeom prst="rect">
+            <a:avLst/>
+          </a:prstGeom>
+          <a:noFill/>
+          <a:ln>
+            <a:solidFill>
+              <a:schemeClr val="bg2">
+                <a:lumMod val="10000"/>
+              </a:schemeClr>
+            </a:solidFill>
+          </a:ln>
+        </p:spPr>
+        <p:style>
+          <a:lnRef idx="2">
+            <a:schemeClr val="accent1">
+              <a:shade val="50000"/>
+            </a:schemeClr>
+          </a:lnRef>
+          <a:fillRef idx="1">
+            <a:schemeClr val="accent1"/>
+          </a:fillRef>
+          <a:effectRef idx="0">
+            <a:schemeClr val="accent1"/>
+          </a:effectRef>
+          <a:fontRef idx="minor">
+            <a:schemeClr val="lt1"/>
+          </a:fontRef>
+        </p:style>
+        <p:txBody>
+          <a:bodyPr rtlCol="0" anchor="ctr"/>
+          <a:lstStyle/>
+          <a:p>
+            <a:pPr algn="ctr"/>
+            <a:endParaRPr lang="en-IN"/>
+          </a:p>
+        </p:txBody>
+      </p:sp>
+      <p:cxnSp>
+        <p:nvCxnSpPr>
+          <p:cNvPr id="17" name="Straight Connector 16">
+            <a:extLst>
+              <a:ext uri="{FF2B5EF4-FFF2-40B4-BE49-F238E27FC236}">
+                <a16:creationId xmlns:a16="http://schemas.microsoft.com/office/drawing/2014/main" id="{1A3B5C1F-C7D9-F745-C853-F84E2870990D}"/>
+              </a:ext>
+            </a:extLst>
+          </p:cNvPr>
+          <p:cNvCxnSpPr>
+            <a:stCxn id="16" idx="1"/>
+            <a:endCxn id="16" idx="3"/>
+          </p:cNvCxnSpPr>
+          <p:nvPr/>
+        </p:nvCxnSpPr>
+        <p:spPr>
+          <a:xfrm>
+            <a:off x="6935056" y="4955627"/>
+            <a:ext cx="2991679" cy="0"/>
+          </a:xfrm>
+          <a:prstGeom prst="line">
+            <a:avLst/>
+          </a:prstGeom>
+          <a:ln>
+            <a:solidFill>
+              <a:schemeClr val="tx1">
+                <a:lumMod val="95000"/>
+                <a:lumOff val="5000"/>
+              </a:schemeClr>
+            </a:solidFill>
+          </a:ln>
+        </p:spPr>
+        <p:style>
+          <a:lnRef idx="1">
+            <a:schemeClr val="accent1"/>
+          </a:lnRef>
+          <a:fillRef idx="0">
+            <a:schemeClr val="accent1"/>
+          </a:fillRef>
+          <a:effectRef idx="0">
+            <a:schemeClr val="accent1"/>
+          </a:effectRef>
+          <a:fontRef idx="minor">
+            <a:schemeClr val="tx1"/>
+          </a:fontRef>
+        </p:style>
+      </p:cxnSp>
+      <p:sp>
+        <p:nvSpPr>
+          <p:cNvPr id="18" name="TextBox 17">
+            <a:extLst>
+              <a:ext uri="{FF2B5EF4-FFF2-40B4-BE49-F238E27FC236}">
+                <a16:creationId xmlns:a16="http://schemas.microsoft.com/office/drawing/2014/main" id="{BF5F4CA9-D0C3-BFE1-8346-9A36DE40D307}"/>
+              </a:ext>
+            </a:extLst>
+          </p:cNvPr>
+          <p:cNvSpPr txBox="1"/>
+          <p:nvPr/>
+        </p:nvSpPr>
+        <p:spPr>
+          <a:xfrm>
+            <a:off x="6959902" y="4467818"/>
+            <a:ext cx="2613993" cy="369332"/>
+          </a:xfrm>
+          <a:prstGeom prst="rect">
+            <a:avLst/>
+          </a:prstGeom>
+          <a:noFill/>
+        </p:spPr>
+        <p:txBody>
+          <a:bodyPr wrap="square" rtlCol="0">
+            <a:spAutoFit/>
+          </a:bodyPr>
+          <a:lstStyle/>
+          <a:p>
+            <a:r>
+              <a:rPr lang="en-US" dirty="0" err="1"/>
+              <a:t>CircleFactory</a:t>
+            </a:r>
+            <a:endParaRPr lang="en-IN" dirty="0"/>
+          </a:p>
+        </p:txBody>
+      </p:sp>
+      <p:sp>
+        <p:nvSpPr>
+          <p:cNvPr id="19" name="TextBox 18">
+            <a:extLst>
+              <a:ext uri="{FF2B5EF4-FFF2-40B4-BE49-F238E27FC236}">
+                <a16:creationId xmlns:a16="http://schemas.microsoft.com/office/drawing/2014/main" id="{65388593-B236-A155-EF4D-3E214215FB3E}"/>
+              </a:ext>
+            </a:extLst>
+          </p:cNvPr>
+          <p:cNvSpPr txBox="1"/>
+          <p:nvPr/>
+        </p:nvSpPr>
+        <p:spPr>
+          <a:xfrm>
+            <a:off x="6959902" y="5067155"/>
+            <a:ext cx="2613993" cy="369332"/>
+          </a:xfrm>
+          <a:prstGeom prst="rect">
+            <a:avLst/>
+          </a:prstGeom>
+          <a:noFill/>
+        </p:spPr>
+        <p:txBody>
+          <a:bodyPr wrap="square" rtlCol="0">
+            <a:spAutoFit/>
+          </a:bodyPr>
+          <a:lstStyle/>
+          <a:p>
+            <a:r>
+              <a:rPr lang="en-US" dirty="0" err="1"/>
+              <a:t>GetCircle</a:t>
+            </a:r>
+            <a:r>
+              <a:rPr lang="en-US" dirty="0"/>
+              <a:t>()</a:t>
+            </a:r>
+          </a:p>
+        </p:txBody>
+      </p:sp>
+      <p:cxnSp>
+        <p:nvCxnSpPr>
+          <p:cNvPr id="20" name="Straight Arrow Connector 17">
+            <a:extLst>
+              <a:ext uri="{FF2B5EF4-FFF2-40B4-BE49-F238E27FC236}">
+                <a16:creationId xmlns:a16="http://schemas.microsoft.com/office/drawing/2014/main" id="{5263F54B-A4F8-3108-2920-54DC24544B6A}"/>
+              </a:ext>
+            </a:extLst>
+          </p:cNvPr>
+          <p:cNvCxnSpPr>
+            <a:cxnSpLocks/>
+            <a:stCxn id="10" idx="2"/>
+            <a:endCxn id="16" idx="1"/>
+          </p:cNvCxnSpPr>
+          <p:nvPr/>
+        </p:nvCxnSpPr>
+        <p:spPr>
+          <a:xfrm rot="5400000">
+            <a:off x="6765811" y="3329500"/>
+            <a:ext cx="1795372" cy="1456882"/>
+          </a:xfrm>
+          <a:prstGeom prst="bentConnector4">
+            <a:avLst>
+              <a:gd name="adj1" fmla="val 33115"/>
+              <a:gd name="adj2" fmla="val 115691"/>
+            </a:avLst>
+          </a:prstGeom>
+          <a:ln>
+            <a:tailEnd type="triangle"/>
+          </a:ln>
+        </p:spPr>
+        <p:style>
+          <a:lnRef idx="1">
+            <a:schemeClr val="dk1"/>
+          </a:lnRef>
+          <a:fillRef idx="0">
+            <a:schemeClr val="dk1"/>
+          </a:fillRef>
+          <a:effectRef idx="0">
+            <a:schemeClr val="dk1"/>
+          </a:effectRef>
+          <a:fontRef idx="minor">
+            <a:schemeClr val="tx1"/>
+          </a:fontRef>
+        </p:style>
+      </p:cxnSp>
+    </p:spTree>
+    <p:extLst>
+      <p:ext uri="{BB962C8B-B14F-4D97-AF65-F5344CB8AC3E}">
+        <p14:creationId xmlns:p14="http://schemas.microsoft.com/office/powerpoint/2010/main" val="1651114426"/>
       </p:ext>
     </p:extLst>
   </p:cSld>

--- a/UMLDiagrams.pptx
+++ b/UMLDiagrams.pptx
@@ -18,8 +18,8 @@
     <p:sldId id="350" r:id="rId9"/>
     <p:sldId id="351" r:id="rId10"/>
     <p:sldId id="352" r:id="rId11"/>
-    <p:sldId id="353" r:id="rId12"/>
-    <p:sldId id="354" r:id="rId13"/>
+    <p:sldId id="354" r:id="rId12"/>
+    <p:sldId id="355" r:id="rId13"/>
   </p:sldIdLst>
   <p:sldSz cx="12192000" cy="6858000"/>
   <p:notesSz cx="6858000" cy="9144000"/>
@@ -129,8 +129,7 @@
 <file path=ppt/revisionInfo.xml><?xml version="1.0" encoding="utf-8"?>
 <p1510:revInfo xmlns:a="http://schemas.openxmlformats.org/drawingml/2006/main" xmlns:r="http://schemas.openxmlformats.org/officeDocument/2006/relationships" xmlns:p1510="http://schemas.microsoft.com/office/powerpoint/2015/10/main">
   <p1510:revLst>
-    <p1510:client id="{034AA59E-D954-44E8-84AB-C770C7EA240B}" v="1" dt="2023-09-08T09:15:22.816"/>
-    <p1510:client id="{E9F11F39-A95D-418E-B556-65980428252A}" v="126" dt="2023-09-08T07:33:41.531"/>
+    <p1510:client id="{034AA59E-D954-44E8-84AB-C770C7EA240B}" v="10" dt="2023-09-11T08:01:24.073"/>
   </p1510:revLst>
 </p1510:revInfo>
 </file>
@@ -139,13 +138,13 @@
 <pc:chgInfo xmlns:a="http://schemas.openxmlformats.org/drawingml/2006/main" xmlns:r="http://schemas.openxmlformats.org/officeDocument/2006/relationships" xmlns:ac="http://schemas.microsoft.com/office/drawing/2013/main/command" xmlns:pc="http://schemas.microsoft.com/office/powerpoint/2013/main/command">
   <pc:docChgLst>
     <pc:chgData name="Manaswini Ray" userId="451f23f8-43b4-4daa-9511-0c9fb98bad1c" providerId="ADAL" clId="{034AA59E-D954-44E8-84AB-C770C7EA240B}"/>
-    <pc:docChg chg="addSld modSld">
-      <pc:chgData name="Manaswini Ray" userId="451f23f8-43b4-4daa-9511-0c9fb98bad1c" providerId="ADAL" clId="{034AA59E-D954-44E8-84AB-C770C7EA240B}" dt="2023-09-08T09:15:22.816" v="1"/>
+    <pc:docChg chg="custSel addSld delSld modSld">
+      <pc:chgData name="Manaswini Ray" userId="451f23f8-43b4-4daa-9511-0c9fb98bad1c" providerId="ADAL" clId="{034AA59E-D954-44E8-84AB-C770C7EA240B}" dt="2023-09-11T08:02:38.331" v="172" actId="20577"/>
       <pc:docMkLst>
         <pc:docMk/>
       </pc:docMkLst>
-      <pc:sldChg chg="new">
-        <pc:chgData name="Manaswini Ray" userId="451f23f8-43b4-4daa-9511-0c9fb98bad1c" providerId="ADAL" clId="{034AA59E-D954-44E8-84AB-C770C7EA240B}" dt="2023-09-08T09:15:19.640" v="0" actId="680"/>
+      <pc:sldChg chg="new del">
+        <pc:chgData name="Manaswini Ray" userId="451f23f8-43b4-4daa-9511-0c9fb98bad1c" providerId="ADAL" clId="{034AA59E-D954-44E8-84AB-C770C7EA240B}" dt="2023-09-11T06:36:59.563" v="2" actId="2696"/>
         <pc:sldMkLst>
           <pc:docMk/>
           <pc:sldMk cId="2067811099" sldId="353"/>
@@ -157,6 +156,253 @@
           <pc:docMk/>
           <pc:sldMk cId="1651114426" sldId="354"/>
         </pc:sldMkLst>
+      </pc:sldChg>
+      <pc:sldChg chg="addSp delSp modSp new mod">
+        <pc:chgData name="Manaswini Ray" userId="451f23f8-43b4-4daa-9511-0c9fb98bad1c" providerId="ADAL" clId="{034AA59E-D954-44E8-84AB-C770C7EA240B}" dt="2023-09-11T08:02:38.331" v="172" actId="20577"/>
+        <pc:sldMkLst>
+          <pc:docMk/>
+          <pc:sldMk cId="2287967513" sldId="355"/>
+        </pc:sldMkLst>
+        <pc:spChg chg="add mod">
+          <ac:chgData name="Manaswini Ray" userId="451f23f8-43b4-4daa-9511-0c9fb98bad1c" providerId="ADAL" clId="{034AA59E-D954-44E8-84AB-C770C7EA240B}" dt="2023-09-11T07:56:53.143" v="26" actId="20577"/>
+          <ac:spMkLst>
+            <pc:docMk/>
+            <pc:sldMk cId="2287967513" sldId="355"/>
+            <ac:spMk id="2" creationId="{835AB179-8F6B-2165-D246-D2E29D03C3A8}"/>
+          </ac:spMkLst>
+        </pc:spChg>
+        <pc:spChg chg="add mod">
+          <ac:chgData name="Manaswini Ray" userId="451f23f8-43b4-4daa-9511-0c9fb98bad1c" providerId="ADAL" clId="{034AA59E-D954-44E8-84AB-C770C7EA240B}" dt="2023-09-11T07:57:04.178" v="27"/>
+          <ac:spMkLst>
+            <pc:docMk/>
+            <pc:sldMk cId="2287967513" sldId="355"/>
+            <ac:spMk id="3" creationId="{D12F0ED9-0FBF-2DA7-6751-82319C36B78E}"/>
+          </ac:spMkLst>
+        </pc:spChg>
+        <pc:spChg chg="add mod">
+          <ac:chgData name="Manaswini Ray" userId="451f23f8-43b4-4daa-9511-0c9fb98bad1c" providerId="ADAL" clId="{034AA59E-D954-44E8-84AB-C770C7EA240B}" dt="2023-09-11T07:57:04.178" v="27"/>
+          <ac:spMkLst>
+            <pc:docMk/>
+            <pc:sldMk cId="2287967513" sldId="355"/>
+            <ac:spMk id="5" creationId="{0CCD7F8D-4358-18D4-C017-982F57B116E7}"/>
+          </ac:spMkLst>
+        </pc:spChg>
+        <pc:spChg chg="add mod">
+          <ac:chgData name="Manaswini Ray" userId="451f23f8-43b4-4daa-9511-0c9fb98bad1c" providerId="ADAL" clId="{034AA59E-D954-44E8-84AB-C770C7EA240B}" dt="2023-09-11T08:01:48.293" v="109" actId="20577"/>
+          <ac:spMkLst>
+            <pc:docMk/>
+            <pc:sldMk cId="2287967513" sldId="355"/>
+            <ac:spMk id="6" creationId="{1EFF0EDB-6E74-D46A-1E0B-F9344EE3AFC6}"/>
+          </ac:spMkLst>
+        </pc:spChg>
+        <pc:spChg chg="add mod">
+          <ac:chgData name="Manaswini Ray" userId="451f23f8-43b4-4daa-9511-0c9fb98bad1c" providerId="ADAL" clId="{034AA59E-D954-44E8-84AB-C770C7EA240B}" dt="2023-09-11T08:01:55.191" v="118" actId="20577"/>
+          <ac:spMkLst>
+            <pc:docMk/>
+            <pc:sldMk cId="2287967513" sldId="355"/>
+            <ac:spMk id="7" creationId="{A46F9A2A-D9EB-EEE5-248D-59E217989448}"/>
+          </ac:spMkLst>
+        </pc:spChg>
+        <pc:spChg chg="add mod">
+          <ac:chgData name="Manaswini Ray" userId="451f23f8-43b4-4daa-9511-0c9fb98bad1c" providerId="ADAL" clId="{034AA59E-D954-44E8-84AB-C770C7EA240B}" dt="2023-09-11T07:57:04.178" v="27"/>
+          <ac:spMkLst>
+            <pc:docMk/>
+            <pc:sldMk cId="2287967513" sldId="355"/>
+            <ac:spMk id="9" creationId="{A7B6ACD3-862A-85D5-108A-B8041CA1E65A}"/>
+          </ac:spMkLst>
+        </pc:spChg>
+        <pc:spChg chg="add mod">
+          <ac:chgData name="Manaswini Ray" userId="451f23f8-43b4-4daa-9511-0c9fb98bad1c" providerId="ADAL" clId="{034AA59E-D954-44E8-84AB-C770C7EA240B}" dt="2023-09-11T07:59:33.623" v="64" actId="1076"/>
+          <ac:spMkLst>
+            <pc:docMk/>
+            <pc:sldMk cId="2287967513" sldId="355"/>
+            <ac:spMk id="10" creationId="{C8CF39E1-0DD0-1DA3-2C27-07D015F3A9D0}"/>
+          </ac:spMkLst>
+        </pc:spChg>
+        <pc:spChg chg="add mod">
+          <ac:chgData name="Manaswini Ray" userId="451f23f8-43b4-4daa-9511-0c9fb98bad1c" providerId="ADAL" clId="{034AA59E-D954-44E8-84AB-C770C7EA240B}" dt="2023-09-11T08:02:21.870" v="131" actId="20577"/>
+          <ac:spMkLst>
+            <pc:docMk/>
+            <pc:sldMk cId="2287967513" sldId="355"/>
+            <ac:spMk id="12" creationId="{685FFF75-6D2C-D77A-9709-B8E92DAD32B6}"/>
+          </ac:spMkLst>
+        </pc:spChg>
+        <pc:spChg chg="add mod">
+          <ac:chgData name="Manaswini Ray" userId="451f23f8-43b4-4daa-9511-0c9fb98bad1c" providerId="ADAL" clId="{034AA59E-D954-44E8-84AB-C770C7EA240B}" dt="2023-09-11T08:02:09.802" v="119"/>
+          <ac:spMkLst>
+            <pc:docMk/>
+            <pc:sldMk cId="2287967513" sldId="355"/>
+            <ac:spMk id="13" creationId="{F4F316A8-7FD0-3A31-D2A8-AB0DD74D7040}"/>
+          </ac:spMkLst>
+        </pc:spChg>
+        <pc:spChg chg="add mod">
+          <ac:chgData name="Manaswini Ray" userId="451f23f8-43b4-4daa-9511-0c9fb98bad1c" providerId="ADAL" clId="{034AA59E-D954-44E8-84AB-C770C7EA240B}" dt="2023-09-11T07:59:33.623" v="64" actId="1076"/>
+          <ac:spMkLst>
+            <pc:docMk/>
+            <pc:sldMk cId="2287967513" sldId="355"/>
+            <ac:spMk id="15" creationId="{32BC5508-23A0-591B-51EA-AA3EA8D7BD8F}"/>
+          </ac:spMkLst>
+        </pc:spChg>
+        <pc:spChg chg="add mod">
+          <ac:chgData name="Manaswini Ray" userId="451f23f8-43b4-4daa-9511-0c9fb98bad1c" providerId="ADAL" clId="{034AA59E-D954-44E8-84AB-C770C7EA240B}" dt="2023-09-11T08:02:28.228" v="151" actId="20577"/>
+          <ac:spMkLst>
+            <pc:docMk/>
+            <pc:sldMk cId="2287967513" sldId="355"/>
+            <ac:spMk id="17" creationId="{40EE7777-DB05-15C3-9457-43842F5743A1}"/>
+          </ac:spMkLst>
+        </pc:spChg>
+        <pc:spChg chg="add mod">
+          <ac:chgData name="Manaswini Ray" userId="451f23f8-43b4-4daa-9511-0c9fb98bad1c" providerId="ADAL" clId="{034AA59E-D954-44E8-84AB-C770C7EA240B}" dt="2023-09-11T08:02:11.978" v="120"/>
+          <ac:spMkLst>
+            <pc:docMk/>
+            <pc:sldMk cId="2287967513" sldId="355"/>
+            <ac:spMk id="18" creationId="{E33B5ADF-BFA2-690B-F2DB-6454BFE52C4A}"/>
+          </ac:spMkLst>
+        </pc:spChg>
+        <pc:spChg chg="add mod">
+          <ac:chgData name="Manaswini Ray" userId="451f23f8-43b4-4daa-9511-0c9fb98bad1c" providerId="ADAL" clId="{034AA59E-D954-44E8-84AB-C770C7EA240B}" dt="2023-09-11T07:59:47.160" v="65" actId="1076"/>
+          <ac:spMkLst>
+            <pc:docMk/>
+            <pc:sldMk cId="2287967513" sldId="355"/>
+            <ac:spMk id="21" creationId="{F697A603-51E1-4DC1-3B27-20D6DAE415F2}"/>
+          </ac:spMkLst>
+        </pc:spChg>
+        <pc:spChg chg="add mod">
+          <ac:chgData name="Manaswini Ray" userId="451f23f8-43b4-4daa-9511-0c9fb98bad1c" providerId="ADAL" clId="{034AA59E-D954-44E8-84AB-C770C7EA240B}" dt="2023-09-11T08:02:38.331" v="172" actId="20577"/>
+          <ac:spMkLst>
+            <pc:docMk/>
+            <pc:sldMk cId="2287967513" sldId="355"/>
+            <ac:spMk id="23" creationId="{6D3C5BB6-5C2D-7AD6-E24B-EAC6B3862B4A}"/>
+          </ac:spMkLst>
+        </pc:spChg>
+        <pc:spChg chg="add mod">
+          <ac:chgData name="Manaswini Ray" userId="451f23f8-43b4-4daa-9511-0c9fb98bad1c" providerId="ADAL" clId="{034AA59E-D954-44E8-84AB-C770C7EA240B}" dt="2023-09-11T08:02:13.951" v="121"/>
+          <ac:spMkLst>
+            <pc:docMk/>
+            <pc:sldMk cId="2287967513" sldId="355"/>
+            <ac:spMk id="24" creationId="{BEC9D2FC-6309-7C5D-C867-4269E1ADB596}"/>
+          </ac:spMkLst>
+        </pc:spChg>
+        <pc:spChg chg="add mod">
+          <ac:chgData name="Manaswini Ray" userId="451f23f8-43b4-4daa-9511-0c9fb98bad1c" providerId="ADAL" clId="{034AA59E-D954-44E8-84AB-C770C7EA240B}" dt="2023-09-11T08:01:13.317" v="77" actId="1076"/>
+          <ac:spMkLst>
+            <pc:docMk/>
+            <pc:sldMk cId="2287967513" sldId="355"/>
+            <ac:spMk id="36" creationId="{14381826-9466-72BD-5D6F-DD355532E7E0}"/>
+          </ac:spMkLst>
+        </pc:spChg>
+        <pc:spChg chg="add mod">
+          <ac:chgData name="Manaswini Ray" userId="451f23f8-43b4-4daa-9511-0c9fb98bad1c" providerId="ADAL" clId="{034AA59E-D954-44E8-84AB-C770C7EA240B}" dt="2023-09-11T08:01:13.317" v="77" actId="1076"/>
+          <ac:spMkLst>
+            <pc:docMk/>
+            <pc:sldMk cId="2287967513" sldId="355"/>
+            <ac:spMk id="38" creationId="{37649B48-6C20-7FB1-E853-F46076AFB019}"/>
+          </ac:spMkLst>
+        </pc:spChg>
+        <pc:spChg chg="add mod">
+          <ac:chgData name="Manaswini Ray" userId="451f23f8-43b4-4daa-9511-0c9fb98bad1c" providerId="ADAL" clId="{034AA59E-D954-44E8-84AB-C770C7EA240B}" dt="2023-09-11T08:01:13.317" v="77" actId="1076"/>
+          <ac:spMkLst>
+            <pc:docMk/>
+            <pc:sldMk cId="2287967513" sldId="355"/>
+            <ac:spMk id="39" creationId="{3410EC67-D79A-73E6-ADEE-78017D190028}"/>
+          </ac:spMkLst>
+        </pc:spChg>
+        <pc:cxnChg chg="add mod">
+          <ac:chgData name="Manaswini Ray" userId="451f23f8-43b4-4daa-9511-0c9fb98bad1c" providerId="ADAL" clId="{034AA59E-D954-44E8-84AB-C770C7EA240B}" dt="2023-09-11T07:57:04.178" v="27"/>
+          <ac:cxnSpMkLst>
+            <pc:docMk/>
+            <pc:sldMk cId="2287967513" sldId="355"/>
+            <ac:cxnSpMk id="4" creationId="{DE3DC06F-B9FA-8B77-DFBE-AE539ED1C012}"/>
+          </ac:cxnSpMkLst>
+        </pc:cxnChg>
+        <pc:cxnChg chg="add mod">
+          <ac:chgData name="Manaswini Ray" userId="451f23f8-43b4-4daa-9511-0c9fb98bad1c" providerId="ADAL" clId="{034AA59E-D954-44E8-84AB-C770C7EA240B}" dt="2023-09-11T08:01:23.399" v="80" actId="1076"/>
+          <ac:cxnSpMkLst>
+            <pc:docMk/>
+            <pc:sldMk cId="2287967513" sldId="355"/>
+            <ac:cxnSpMk id="8" creationId="{D3CBB509-870A-0E78-E68A-F77C45809B4F}"/>
+          </ac:cxnSpMkLst>
+        </pc:cxnChg>
+        <pc:cxnChg chg="add mod">
+          <ac:chgData name="Manaswini Ray" userId="451f23f8-43b4-4daa-9511-0c9fb98bad1c" providerId="ADAL" clId="{034AA59E-D954-44E8-84AB-C770C7EA240B}" dt="2023-09-11T07:59:33.623" v="64" actId="1076"/>
+          <ac:cxnSpMkLst>
+            <pc:docMk/>
+            <pc:sldMk cId="2287967513" sldId="355"/>
+            <ac:cxnSpMk id="11" creationId="{72E3DCAC-FDBF-2438-0603-009039A57C3D}"/>
+          </ac:cxnSpMkLst>
+        </pc:cxnChg>
+        <pc:cxnChg chg="add mod">
+          <ac:chgData name="Manaswini Ray" userId="451f23f8-43b4-4daa-9511-0c9fb98bad1c" providerId="ADAL" clId="{034AA59E-D954-44E8-84AB-C770C7EA240B}" dt="2023-09-11T08:00:24.518" v="73" actId="14100"/>
+          <ac:cxnSpMkLst>
+            <pc:docMk/>
+            <pc:sldMk cId="2287967513" sldId="355"/>
+            <ac:cxnSpMk id="14" creationId="{80439A62-C621-6661-8C20-A9E39062C19E}"/>
+          </ac:cxnSpMkLst>
+        </pc:cxnChg>
+        <pc:cxnChg chg="add mod">
+          <ac:chgData name="Manaswini Ray" userId="451f23f8-43b4-4daa-9511-0c9fb98bad1c" providerId="ADAL" clId="{034AA59E-D954-44E8-84AB-C770C7EA240B}" dt="2023-09-11T07:59:33.623" v="64" actId="1076"/>
+          <ac:cxnSpMkLst>
+            <pc:docMk/>
+            <pc:sldMk cId="2287967513" sldId="355"/>
+            <ac:cxnSpMk id="16" creationId="{7657C6DF-B7B9-34BA-C651-5AA9A4F7E4A5}"/>
+          </ac:cxnSpMkLst>
+        </pc:cxnChg>
+        <pc:cxnChg chg="add del mod">
+          <ac:chgData name="Manaswini Ray" userId="451f23f8-43b4-4daa-9511-0c9fb98bad1c" providerId="ADAL" clId="{034AA59E-D954-44E8-84AB-C770C7EA240B}" dt="2023-09-11T07:58:54.094" v="59" actId="478"/>
+          <ac:cxnSpMkLst>
+            <pc:docMk/>
+            <pc:sldMk cId="2287967513" sldId="355"/>
+            <ac:cxnSpMk id="19" creationId="{24FAF18A-9DDA-7E07-52BE-A7F7DDB3E350}"/>
+          </ac:cxnSpMkLst>
+        </pc:cxnChg>
+        <pc:cxnChg chg="add mod">
+          <ac:chgData name="Manaswini Ray" userId="451f23f8-43b4-4daa-9511-0c9fb98bad1c" providerId="ADAL" clId="{034AA59E-D954-44E8-84AB-C770C7EA240B}" dt="2023-09-11T07:59:47.160" v="65" actId="1076"/>
+          <ac:cxnSpMkLst>
+            <pc:docMk/>
+            <pc:sldMk cId="2287967513" sldId="355"/>
+            <ac:cxnSpMk id="22" creationId="{2CC3010C-F697-B99F-E2C1-29A453A7FE53}"/>
+          </ac:cxnSpMkLst>
+        </pc:cxnChg>
+        <pc:cxnChg chg="add mod">
+          <ac:chgData name="Manaswini Ray" userId="451f23f8-43b4-4daa-9511-0c9fb98bad1c" providerId="ADAL" clId="{034AA59E-D954-44E8-84AB-C770C7EA240B}" dt="2023-09-11T07:59:57.717" v="69" actId="14100"/>
+          <ac:cxnSpMkLst>
+            <pc:docMk/>
+            <pc:sldMk cId="2287967513" sldId="355"/>
+            <ac:cxnSpMk id="28" creationId="{D7C6304B-B993-7561-4EEE-CD15D767E76E}"/>
+          </ac:cxnSpMkLst>
+        </pc:cxnChg>
+        <pc:cxnChg chg="add mod">
+          <ac:chgData name="Manaswini Ray" userId="451f23f8-43b4-4daa-9511-0c9fb98bad1c" providerId="ADAL" clId="{034AA59E-D954-44E8-84AB-C770C7EA240B}" dt="2023-09-11T08:00:16.695" v="72" actId="14100"/>
+          <ac:cxnSpMkLst>
+            <pc:docMk/>
+            <pc:sldMk cId="2287967513" sldId="355"/>
+            <ac:cxnSpMk id="31" creationId="{EFC741AF-DF29-B635-86FE-0938B7471DE9}"/>
+          </ac:cxnSpMkLst>
+        </pc:cxnChg>
+        <pc:cxnChg chg="add del mod">
+          <ac:chgData name="Manaswini Ray" userId="451f23f8-43b4-4daa-9511-0c9fb98bad1c" providerId="ADAL" clId="{034AA59E-D954-44E8-84AB-C770C7EA240B}" dt="2023-09-11T08:01:06.354" v="75"/>
+          <ac:cxnSpMkLst>
+            <pc:docMk/>
+            <pc:sldMk cId="2287967513" sldId="355"/>
+            <ac:cxnSpMk id="35" creationId="{076B1242-CEA8-8F77-F7C9-117F13D70D1A}"/>
+          </ac:cxnSpMkLst>
+        </pc:cxnChg>
+        <pc:cxnChg chg="add mod">
+          <ac:chgData name="Manaswini Ray" userId="451f23f8-43b4-4daa-9511-0c9fb98bad1c" providerId="ADAL" clId="{034AA59E-D954-44E8-84AB-C770C7EA240B}" dt="2023-09-11T08:01:13.317" v="77" actId="1076"/>
+          <ac:cxnSpMkLst>
+            <pc:docMk/>
+            <pc:sldMk cId="2287967513" sldId="355"/>
+            <ac:cxnSpMk id="37" creationId="{6DFE7C34-27C6-39AA-432A-94209CC5FDBC}"/>
+          </ac:cxnSpMkLst>
+        </pc:cxnChg>
+        <pc:cxnChg chg="add mod">
+          <ac:chgData name="Manaswini Ray" userId="451f23f8-43b4-4daa-9511-0c9fb98bad1c" providerId="ADAL" clId="{034AA59E-D954-44E8-84AB-C770C7EA240B}" dt="2023-09-11T08:01:30.466" v="83" actId="14100"/>
+          <ac:cxnSpMkLst>
+            <pc:docMk/>
+            <pc:sldMk cId="2287967513" sldId="355"/>
+            <ac:cxnSpMk id="42" creationId="{A70104BE-4953-4292-9710-10699A2A1241}"/>
+          </ac:cxnSpMkLst>
+        </pc:cxnChg>
       </pc:sldChg>
     </pc:docChg>
   </pc:docChgLst>
@@ -2711,7 +2957,7 @@
           <a:p>
             <a:fld id="{DA65EFA3-2408-462E-A228-C020DF9C1D92}" type="datetimeFigureOut">
               <a:rPr lang="en-IN" smtClean="0"/>
-              <a:t>08-09-2023</a:t>
+              <a:t>11-09-2023</a:t>
             </a:fld>
             <a:endParaRPr lang="en-IN"/>
           </a:p>
@@ -3212,7 +3458,7 @@
           <a:p>
             <a:fld id="{DBA864D8-E328-4C18-B44D-9296865D5C31}" type="datetimeFigureOut">
               <a:rPr lang="en-IN" smtClean="0"/>
-              <a:t>08-09-2023</a:t>
+              <a:t>11-09-2023</a:t>
             </a:fld>
             <a:endParaRPr lang="en-IN"/>
           </a:p>
@@ -3412,7 +3658,7 @@
           <a:p>
             <a:fld id="{DBA864D8-E328-4C18-B44D-9296865D5C31}" type="datetimeFigureOut">
               <a:rPr lang="en-IN" smtClean="0"/>
-              <a:t>08-09-2023</a:t>
+              <a:t>11-09-2023</a:t>
             </a:fld>
             <a:endParaRPr lang="en-IN"/>
           </a:p>
@@ -3622,7 +3868,7 @@
           <a:p>
             <a:fld id="{DBA864D8-E328-4C18-B44D-9296865D5C31}" type="datetimeFigureOut">
               <a:rPr lang="en-IN" smtClean="0"/>
-              <a:t>08-09-2023</a:t>
+              <a:t>11-09-2023</a:t>
             </a:fld>
             <a:endParaRPr lang="en-IN"/>
           </a:p>
@@ -3889,7 +4135,7 @@
           <a:p>
             <a:fld id="{DBA864D8-E328-4C18-B44D-9296865D5C31}" type="datetimeFigureOut">
               <a:rPr lang="en-IN" smtClean="0"/>
-              <a:t>08-09-2023</a:t>
+              <a:t>11-09-2023</a:t>
             </a:fld>
             <a:endParaRPr lang="en-IN"/>
           </a:p>
@@ -4165,7 +4411,7 @@
           <a:p>
             <a:fld id="{DBA864D8-E328-4C18-B44D-9296865D5C31}" type="datetimeFigureOut">
               <a:rPr lang="en-IN" smtClean="0"/>
-              <a:t>08-09-2023</a:t>
+              <a:t>11-09-2023</a:t>
             </a:fld>
             <a:endParaRPr lang="en-IN"/>
           </a:p>
@@ -4433,7 +4679,7 @@
           <a:p>
             <a:fld id="{DBA864D8-E328-4C18-B44D-9296865D5C31}" type="datetimeFigureOut">
               <a:rPr lang="en-IN" smtClean="0"/>
-              <a:t>08-09-2023</a:t>
+              <a:t>11-09-2023</a:t>
             </a:fld>
             <a:endParaRPr lang="en-IN"/>
           </a:p>
@@ -4848,7 +5094,7 @@
           <a:p>
             <a:fld id="{DBA864D8-E328-4C18-B44D-9296865D5C31}" type="datetimeFigureOut">
               <a:rPr lang="en-IN" smtClean="0"/>
-              <a:t>08-09-2023</a:t>
+              <a:t>11-09-2023</a:t>
             </a:fld>
             <a:endParaRPr lang="en-IN"/>
           </a:p>
@@ -4990,7 +5236,7 @@
           <a:p>
             <a:fld id="{DBA864D8-E328-4C18-B44D-9296865D5C31}" type="datetimeFigureOut">
               <a:rPr lang="en-IN" smtClean="0"/>
-              <a:t>08-09-2023</a:t>
+              <a:t>11-09-2023</a:t>
             </a:fld>
             <a:endParaRPr lang="en-IN"/>
           </a:p>
@@ -5103,7 +5349,7 @@
           <a:p>
             <a:fld id="{DBA864D8-E328-4C18-B44D-9296865D5C31}" type="datetimeFigureOut">
               <a:rPr lang="en-IN" smtClean="0"/>
-              <a:t>08-09-2023</a:t>
+              <a:t>11-09-2023</a:t>
             </a:fld>
             <a:endParaRPr lang="en-IN"/>
           </a:p>
@@ -5416,7 +5662,7 @@
           <a:p>
             <a:fld id="{DBA864D8-E328-4C18-B44D-9296865D5C31}" type="datetimeFigureOut">
               <a:rPr lang="en-IN" smtClean="0"/>
-              <a:t>08-09-2023</a:t>
+              <a:t>11-09-2023</a:t>
             </a:fld>
             <a:endParaRPr lang="en-IN"/>
           </a:p>
@@ -5705,7 +5951,7 @@
           <a:p>
             <a:fld id="{DBA864D8-E328-4C18-B44D-9296865D5C31}" type="datetimeFigureOut">
               <a:rPr lang="en-IN" smtClean="0"/>
-              <a:t>08-09-2023</a:t>
+              <a:t>11-09-2023</a:t>
             </a:fld>
             <a:endParaRPr lang="en-IN"/>
           </a:p>
@@ -5948,7 +6194,7 @@
           <a:p>
             <a:fld id="{DBA864D8-E328-4C18-B44D-9296865D5C31}" type="datetimeFigureOut">
               <a:rPr lang="en-IN" smtClean="0"/>
-              <a:t>08-09-2023</a:t>
+              <a:t>11-09-2023</a:t>
             </a:fld>
             <a:endParaRPr lang="en-IN"/>
           </a:p>
@@ -7915,10 +8161,811 @@
           <a:chExt cx="0" cy="0"/>
         </a:xfrm>
       </p:grpSpPr>
+      <p:sp>
+        <p:nvSpPr>
+          <p:cNvPr id="2" name="TextBox 1">
+            <a:extLst>
+              <a:ext uri="{FF2B5EF4-FFF2-40B4-BE49-F238E27FC236}">
+                <a16:creationId xmlns:a16="http://schemas.microsoft.com/office/drawing/2014/main" id="{A852AB77-2756-26BF-B040-B2E68B0C97D7}"/>
+              </a:ext>
+            </a:extLst>
+          </p:cNvPr>
+          <p:cNvSpPr txBox="1"/>
+          <p:nvPr/>
+        </p:nvSpPr>
+        <p:spPr>
+          <a:xfrm>
+            <a:off x="252248" y="393403"/>
+            <a:ext cx="6138040" cy="400110"/>
+          </a:xfrm>
+          <a:prstGeom prst="rect">
+            <a:avLst/>
+          </a:prstGeom>
+          <a:noFill/>
+        </p:spPr>
+        <p:txBody>
+          <a:bodyPr wrap="square">
+            <a:spAutoFit/>
+          </a:bodyPr>
+          <a:lstStyle/>
+          <a:p>
+            <a:r>
+              <a:rPr lang="en-US" sz="2000" b="1" u="sng" dirty="0" err="1">
+                <a:solidFill>
+                  <a:srgbClr val="000000"/>
+                </a:solidFill>
+              </a:rPr>
+              <a:t>FlyWeight</a:t>
+            </a:r>
+            <a:r>
+              <a:rPr lang="en-IN" sz="2000" b="1" u="sng" dirty="0">
+                <a:solidFill>
+                  <a:srgbClr val="000000"/>
+                </a:solidFill>
+              </a:rPr>
+              <a:t> Design Pattern</a:t>
+            </a:r>
+            <a:endParaRPr lang="en-IN" sz="2000" b="1" u="sng" dirty="0"/>
+          </a:p>
+        </p:txBody>
+      </p:sp>
+      <p:sp>
+        <p:nvSpPr>
+          <p:cNvPr id="3" name="Rectangle 2">
+            <a:extLst>
+              <a:ext uri="{FF2B5EF4-FFF2-40B4-BE49-F238E27FC236}">
+                <a16:creationId xmlns:a16="http://schemas.microsoft.com/office/drawing/2014/main" id="{0BDDB1C8-ABD4-F3AC-3A1D-D084C474C56E}"/>
+              </a:ext>
+            </a:extLst>
+          </p:cNvPr>
+          <p:cNvSpPr/>
+          <p:nvPr/>
+        </p:nvSpPr>
+        <p:spPr>
+          <a:xfrm>
+            <a:off x="2748169" y="1590261"/>
+            <a:ext cx="2991679" cy="1212574"/>
+          </a:xfrm>
+          <a:prstGeom prst="rect">
+            <a:avLst/>
+          </a:prstGeom>
+          <a:noFill/>
+          <a:ln>
+            <a:solidFill>
+              <a:schemeClr val="bg2">
+                <a:lumMod val="10000"/>
+              </a:schemeClr>
+            </a:solidFill>
+          </a:ln>
+        </p:spPr>
+        <p:style>
+          <a:lnRef idx="2">
+            <a:schemeClr val="accent1">
+              <a:shade val="50000"/>
+            </a:schemeClr>
+          </a:lnRef>
+          <a:fillRef idx="1">
+            <a:schemeClr val="accent1"/>
+          </a:fillRef>
+          <a:effectRef idx="0">
+            <a:schemeClr val="accent1"/>
+          </a:effectRef>
+          <a:fontRef idx="minor">
+            <a:schemeClr val="lt1"/>
+          </a:fontRef>
+        </p:style>
+        <p:txBody>
+          <a:bodyPr rtlCol="0" anchor="ctr"/>
+          <a:lstStyle/>
+          <a:p>
+            <a:pPr algn="ctr"/>
+            <a:endParaRPr lang="en-IN"/>
+          </a:p>
+        </p:txBody>
+      </p:sp>
+      <p:cxnSp>
+        <p:nvCxnSpPr>
+          <p:cNvPr id="4" name="Straight Connector 3">
+            <a:extLst>
+              <a:ext uri="{FF2B5EF4-FFF2-40B4-BE49-F238E27FC236}">
+                <a16:creationId xmlns:a16="http://schemas.microsoft.com/office/drawing/2014/main" id="{D8BACCDB-5705-38CD-6F2F-E82C6A80FBD7}"/>
+              </a:ext>
+            </a:extLst>
+          </p:cNvPr>
+          <p:cNvCxnSpPr>
+            <a:stCxn id="3" idx="1"/>
+            <a:endCxn id="3" idx="3"/>
+          </p:cNvCxnSpPr>
+          <p:nvPr/>
+        </p:nvCxnSpPr>
+        <p:spPr>
+          <a:xfrm>
+            <a:off x="2748169" y="2196548"/>
+            <a:ext cx="2991679" cy="0"/>
+          </a:xfrm>
+          <a:prstGeom prst="line">
+            <a:avLst/>
+          </a:prstGeom>
+          <a:ln>
+            <a:solidFill>
+              <a:schemeClr val="tx1">
+                <a:lumMod val="95000"/>
+                <a:lumOff val="5000"/>
+              </a:schemeClr>
+            </a:solidFill>
+          </a:ln>
+        </p:spPr>
+        <p:style>
+          <a:lnRef idx="1">
+            <a:schemeClr val="accent1"/>
+          </a:lnRef>
+          <a:fillRef idx="0">
+            <a:schemeClr val="accent1"/>
+          </a:fillRef>
+          <a:effectRef idx="0">
+            <a:schemeClr val="accent1"/>
+          </a:effectRef>
+          <a:fontRef idx="minor">
+            <a:schemeClr val="tx1"/>
+          </a:fontRef>
+        </p:style>
+      </p:cxnSp>
+      <p:sp>
+        <p:nvSpPr>
+          <p:cNvPr id="5" name="TextBox 4">
+            <a:extLst>
+              <a:ext uri="{FF2B5EF4-FFF2-40B4-BE49-F238E27FC236}">
+                <a16:creationId xmlns:a16="http://schemas.microsoft.com/office/drawing/2014/main" id="{DBE537F2-A8B0-250D-DCF1-7721CE4075DA}"/>
+              </a:ext>
+            </a:extLst>
+          </p:cNvPr>
+          <p:cNvSpPr txBox="1"/>
+          <p:nvPr/>
+        </p:nvSpPr>
+        <p:spPr>
+          <a:xfrm>
+            <a:off x="583216" y="1332637"/>
+            <a:ext cx="1373138" cy="369332"/>
+          </a:xfrm>
+          <a:prstGeom prst="rect">
+            <a:avLst/>
+          </a:prstGeom>
+          <a:noFill/>
+        </p:spPr>
+        <p:txBody>
+          <a:bodyPr wrap="square" rtlCol="0">
+            <a:spAutoFit/>
+          </a:bodyPr>
+          <a:lstStyle/>
+          <a:p>
+            <a:r>
+              <a:rPr lang="en-US" dirty="0"/>
+              <a:t>Client</a:t>
+            </a:r>
+            <a:endParaRPr lang="en-IN" dirty="0"/>
+          </a:p>
+        </p:txBody>
+      </p:sp>
+      <p:sp>
+        <p:nvSpPr>
+          <p:cNvPr id="6" name="TextBox 5">
+            <a:extLst>
+              <a:ext uri="{FF2B5EF4-FFF2-40B4-BE49-F238E27FC236}">
+                <a16:creationId xmlns:a16="http://schemas.microsoft.com/office/drawing/2014/main" id="{F44D0D04-BCD7-6EA6-0F5A-D013AE623C4B}"/>
+              </a:ext>
+            </a:extLst>
+          </p:cNvPr>
+          <p:cNvSpPr txBox="1"/>
+          <p:nvPr/>
+        </p:nvSpPr>
+        <p:spPr>
+          <a:xfrm>
+            <a:off x="2773015" y="1708739"/>
+            <a:ext cx="2613993" cy="369332"/>
+          </a:xfrm>
+          <a:prstGeom prst="rect">
+            <a:avLst/>
+          </a:prstGeom>
+          <a:noFill/>
+        </p:spPr>
+        <p:txBody>
+          <a:bodyPr wrap="square" rtlCol="0">
+            <a:spAutoFit/>
+          </a:bodyPr>
+          <a:lstStyle/>
+          <a:p>
+            <a:r>
+              <a:rPr lang="en-US" dirty="0"/>
+              <a:t>Circle</a:t>
+            </a:r>
+            <a:endParaRPr lang="en-IN" dirty="0"/>
+          </a:p>
+        </p:txBody>
+      </p:sp>
+      <p:sp>
+        <p:nvSpPr>
+          <p:cNvPr id="7" name="TextBox 6">
+            <a:extLst>
+              <a:ext uri="{FF2B5EF4-FFF2-40B4-BE49-F238E27FC236}">
+                <a16:creationId xmlns:a16="http://schemas.microsoft.com/office/drawing/2014/main" id="{5043DB44-CC03-F82D-B0CD-116190FC902D}"/>
+              </a:ext>
+            </a:extLst>
+          </p:cNvPr>
+          <p:cNvSpPr txBox="1"/>
+          <p:nvPr/>
+        </p:nvSpPr>
+        <p:spPr>
+          <a:xfrm>
+            <a:off x="2773015" y="2308076"/>
+            <a:ext cx="2613993" cy="369332"/>
+          </a:xfrm>
+          <a:prstGeom prst="rect">
+            <a:avLst/>
+          </a:prstGeom>
+          <a:noFill/>
+        </p:spPr>
+        <p:txBody>
+          <a:bodyPr wrap="square" rtlCol="0">
+            <a:spAutoFit/>
+          </a:bodyPr>
+          <a:lstStyle/>
+          <a:p>
+            <a:r>
+              <a:rPr lang="en-US" dirty="0" err="1"/>
+              <a:t>DrawCircle</a:t>
+            </a:r>
+            <a:r>
+              <a:rPr lang="en-US" dirty="0"/>
+              <a:t>()</a:t>
+            </a:r>
+          </a:p>
+        </p:txBody>
+      </p:sp>
+      <p:cxnSp>
+        <p:nvCxnSpPr>
+          <p:cNvPr id="8" name="Straight Arrow Connector 17">
+            <a:extLst>
+              <a:ext uri="{FF2B5EF4-FFF2-40B4-BE49-F238E27FC236}">
+                <a16:creationId xmlns:a16="http://schemas.microsoft.com/office/drawing/2014/main" id="{DB1EF2C1-4893-B870-C94E-730F84F45DC8}"/>
+              </a:ext>
+            </a:extLst>
+          </p:cNvPr>
+          <p:cNvCxnSpPr>
+            <a:cxnSpLocks/>
+            <a:endCxn id="3" idx="1"/>
+          </p:cNvCxnSpPr>
+          <p:nvPr/>
+        </p:nvCxnSpPr>
+        <p:spPr>
+          <a:xfrm>
+            <a:off x="2304223" y="1529995"/>
+            <a:ext cx="443946" cy="666553"/>
+          </a:xfrm>
+          <a:prstGeom prst="bentConnector3">
+            <a:avLst>
+              <a:gd name="adj1" fmla="val 50000"/>
+            </a:avLst>
+          </a:prstGeom>
+          <a:ln>
+            <a:tailEnd type="triangle"/>
+          </a:ln>
+        </p:spPr>
+        <p:style>
+          <a:lnRef idx="1">
+            <a:schemeClr val="dk1"/>
+          </a:lnRef>
+          <a:fillRef idx="0">
+            <a:schemeClr val="dk1"/>
+          </a:fillRef>
+          <a:effectRef idx="0">
+            <a:schemeClr val="dk1"/>
+          </a:effectRef>
+          <a:fontRef idx="minor">
+            <a:schemeClr val="tx1"/>
+          </a:fontRef>
+        </p:style>
+      </p:cxnSp>
+      <p:sp>
+        <p:nvSpPr>
+          <p:cNvPr id="9" name="Rectangle 8">
+            <a:extLst>
+              <a:ext uri="{FF2B5EF4-FFF2-40B4-BE49-F238E27FC236}">
+                <a16:creationId xmlns:a16="http://schemas.microsoft.com/office/drawing/2014/main" id="{18747D76-9D92-047D-BBAD-044BE25FCD7F}"/>
+              </a:ext>
+            </a:extLst>
+          </p:cNvPr>
+          <p:cNvSpPr/>
+          <p:nvPr/>
+        </p:nvSpPr>
+        <p:spPr>
+          <a:xfrm>
+            <a:off x="252248" y="1147106"/>
+            <a:ext cx="2051975" cy="765777"/>
+          </a:xfrm>
+          <a:prstGeom prst="rect">
+            <a:avLst/>
+          </a:prstGeom>
+          <a:noFill/>
+          <a:ln>
+            <a:solidFill>
+              <a:schemeClr val="bg2">
+                <a:lumMod val="10000"/>
+              </a:schemeClr>
+            </a:solidFill>
+          </a:ln>
+        </p:spPr>
+        <p:style>
+          <a:lnRef idx="2">
+            <a:schemeClr val="accent1">
+              <a:shade val="50000"/>
+            </a:schemeClr>
+          </a:lnRef>
+          <a:fillRef idx="1">
+            <a:schemeClr val="accent1"/>
+          </a:fillRef>
+          <a:effectRef idx="0">
+            <a:schemeClr val="accent1"/>
+          </a:effectRef>
+          <a:fontRef idx="minor">
+            <a:schemeClr val="lt1"/>
+          </a:fontRef>
+        </p:style>
+        <p:txBody>
+          <a:bodyPr rtlCol="0" anchor="ctr"/>
+          <a:lstStyle/>
+          <a:p>
+            <a:pPr algn="ctr"/>
+            <a:endParaRPr lang="en-IN"/>
+          </a:p>
+        </p:txBody>
+      </p:sp>
+      <p:sp>
+        <p:nvSpPr>
+          <p:cNvPr id="10" name="Rectangle 9">
+            <a:extLst>
+              <a:ext uri="{FF2B5EF4-FFF2-40B4-BE49-F238E27FC236}">
+                <a16:creationId xmlns:a16="http://schemas.microsoft.com/office/drawing/2014/main" id="{4900A943-8CCD-CAB5-EE44-5A9DD17BBC21}"/>
+              </a:ext>
+            </a:extLst>
+          </p:cNvPr>
+          <p:cNvSpPr/>
+          <p:nvPr/>
+        </p:nvSpPr>
+        <p:spPr>
+          <a:xfrm>
+            <a:off x="6896098" y="1947681"/>
+            <a:ext cx="2991679" cy="1212574"/>
+          </a:xfrm>
+          <a:prstGeom prst="rect">
+            <a:avLst/>
+          </a:prstGeom>
+          <a:noFill/>
+          <a:ln>
+            <a:solidFill>
+              <a:schemeClr val="bg2">
+                <a:lumMod val="10000"/>
+              </a:schemeClr>
+            </a:solidFill>
+          </a:ln>
+        </p:spPr>
+        <p:style>
+          <a:lnRef idx="2">
+            <a:schemeClr val="accent1">
+              <a:shade val="50000"/>
+            </a:schemeClr>
+          </a:lnRef>
+          <a:fillRef idx="1">
+            <a:schemeClr val="accent1"/>
+          </a:fillRef>
+          <a:effectRef idx="0">
+            <a:schemeClr val="accent1"/>
+          </a:effectRef>
+          <a:fontRef idx="minor">
+            <a:schemeClr val="lt1"/>
+          </a:fontRef>
+        </p:style>
+        <p:txBody>
+          <a:bodyPr rtlCol="0" anchor="ctr"/>
+          <a:lstStyle/>
+          <a:p>
+            <a:pPr algn="ctr"/>
+            <a:endParaRPr lang="en-IN"/>
+          </a:p>
+        </p:txBody>
+      </p:sp>
+      <p:cxnSp>
+        <p:nvCxnSpPr>
+          <p:cNvPr id="11" name="Straight Connector 10">
+            <a:extLst>
+              <a:ext uri="{FF2B5EF4-FFF2-40B4-BE49-F238E27FC236}">
+                <a16:creationId xmlns:a16="http://schemas.microsoft.com/office/drawing/2014/main" id="{8EB0827C-F477-91E7-6BF7-B26F8967ACBB}"/>
+              </a:ext>
+            </a:extLst>
+          </p:cNvPr>
+          <p:cNvCxnSpPr>
+            <a:stCxn id="10" idx="1"/>
+            <a:endCxn id="10" idx="3"/>
+          </p:cNvCxnSpPr>
+          <p:nvPr/>
+        </p:nvCxnSpPr>
+        <p:spPr>
+          <a:xfrm>
+            <a:off x="6896098" y="2553968"/>
+            <a:ext cx="2991679" cy="0"/>
+          </a:xfrm>
+          <a:prstGeom prst="line">
+            <a:avLst/>
+          </a:prstGeom>
+          <a:ln>
+            <a:solidFill>
+              <a:schemeClr val="tx1">
+                <a:lumMod val="95000"/>
+                <a:lumOff val="5000"/>
+              </a:schemeClr>
+            </a:solidFill>
+          </a:ln>
+        </p:spPr>
+        <p:style>
+          <a:lnRef idx="1">
+            <a:schemeClr val="accent1"/>
+          </a:lnRef>
+          <a:fillRef idx="0">
+            <a:schemeClr val="accent1"/>
+          </a:fillRef>
+          <a:effectRef idx="0">
+            <a:schemeClr val="accent1"/>
+          </a:effectRef>
+          <a:fontRef idx="minor">
+            <a:schemeClr val="tx1"/>
+          </a:fontRef>
+        </p:style>
+      </p:cxnSp>
+      <p:sp>
+        <p:nvSpPr>
+          <p:cNvPr id="12" name="TextBox 11">
+            <a:extLst>
+              <a:ext uri="{FF2B5EF4-FFF2-40B4-BE49-F238E27FC236}">
+                <a16:creationId xmlns:a16="http://schemas.microsoft.com/office/drawing/2014/main" id="{726910F0-E6BA-52AC-FA19-0C1E72ADBAD6}"/>
+              </a:ext>
+            </a:extLst>
+          </p:cNvPr>
+          <p:cNvSpPr txBox="1"/>
+          <p:nvPr/>
+        </p:nvSpPr>
+        <p:spPr>
+          <a:xfrm>
+            <a:off x="6920944" y="2066159"/>
+            <a:ext cx="2613993" cy="369332"/>
+          </a:xfrm>
+          <a:prstGeom prst="rect">
+            <a:avLst/>
+          </a:prstGeom>
+          <a:noFill/>
+        </p:spPr>
+        <p:txBody>
+          <a:bodyPr wrap="square" rtlCol="0">
+            <a:spAutoFit/>
+          </a:bodyPr>
+          <a:lstStyle/>
+          <a:p>
+            <a:r>
+              <a:rPr lang="en-US" dirty="0" err="1"/>
+              <a:t>ICircle</a:t>
+            </a:r>
+            <a:endParaRPr lang="en-IN" dirty="0"/>
+          </a:p>
+        </p:txBody>
+      </p:sp>
+      <p:sp>
+        <p:nvSpPr>
+          <p:cNvPr id="13" name="TextBox 12">
+            <a:extLst>
+              <a:ext uri="{FF2B5EF4-FFF2-40B4-BE49-F238E27FC236}">
+                <a16:creationId xmlns:a16="http://schemas.microsoft.com/office/drawing/2014/main" id="{B70AD450-5CDF-8F20-6CDB-0D538CE889BC}"/>
+              </a:ext>
+            </a:extLst>
+          </p:cNvPr>
+          <p:cNvSpPr txBox="1"/>
+          <p:nvPr/>
+        </p:nvSpPr>
+        <p:spPr>
+          <a:xfrm>
+            <a:off x="6920944" y="2665496"/>
+            <a:ext cx="2613993" cy="369332"/>
+          </a:xfrm>
+          <a:prstGeom prst="rect">
+            <a:avLst/>
+          </a:prstGeom>
+          <a:noFill/>
+        </p:spPr>
+        <p:txBody>
+          <a:bodyPr wrap="square" rtlCol="0">
+            <a:spAutoFit/>
+          </a:bodyPr>
+          <a:lstStyle/>
+          <a:p>
+            <a:r>
+              <a:rPr lang="en-US" dirty="0" err="1"/>
+              <a:t>DrawCircle</a:t>
+            </a:r>
+            <a:r>
+              <a:rPr lang="en-US" dirty="0"/>
+              <a:t>()</a:t>
+            </a:r>
+          </a:p>
+        </p:txBody>
+      </p:sp>
+      <p:cxnSp>
+        <p:nvCxnSpPr>
+          <p:cNvPr id="14" name="Straight Arrow Connector 17">
+            <a:extLst>
+              <a:ext uri="{FF2B5EF4-FFF2-40B4-BE49-F238E27FC236}">
+                <a16:creationId xmlns:a16="http://schemas.microsoft.com/office/drawing/2014/main" id="{D0C5C679-C414-A304-6390-CEA10A4CE879}"/>
+              </a:ext>
+            </a:extLst>
+          </p:cNvPr>
+          <p:cNvCxnSpPr>
+            <a:cxnSpLocks/>
+            <a:stCxn id="3" idx="3"/>
+            <a:endCxn id="10" idx="1"/>
+          </p:cNvCxnSpPr>
+          <p:nvPr/>
+        </p:nvCxnSpPr>
+        <p:spPr>
+          <a:xfrm>
+            <a:off x="5739848" y="2196548"/>
+            <a:ext cx="1156250" cy="357420"/>
+          </a:xfrm>
+          <a:prstGeom prst="bentConnector3">
+            <a:avLst>
+              <a:gd name="adj1" fmla="val 50000"/>
+            </a:avLst>
+          </a:prstGeom>
+          <a:ln>
+            <a:tailEnd type="triangle"/>
+          </a:ln>
+        </p:spPr>
+        <p:style>
+          <a:lnRef idx="1">
+            <a:schemeClr val="dk1"/>
+          </a:lnRef>
+          <a:fillRef idx="0">
+            <a:schemeClr val="dk1"/>
+          </a:fillRef>
+          <a:effectRef idx="0">
+            <a:schemeClr val="dk1"/>
+          </a:effectRef>
+          <a:fontRef idx="minor">
+            <a:schemeClr val="tx1"/>
+          </a:fontRef>
+        </p:style>
+      </p:cxnSp>
+      <p:sp>
+        <p:nvSpPr>
+          <p:cNvPr id="16" name="Rectangle 15">
+            <a:extLst>
+              <a:ext uri="{FF2B5EF4-FFF2-40B4-BE49-F238E27FC236}">
+                <a16:creationId xmlns:a16="http://schemas.microsoft.com/office/drawing/2014/main" id="{BB643D8F-579A-FD2C-56C6-76E933A1B19D}"/>
+              </a:ext>
+            </a:extLst>
+          </p:cNvPr>
+          <p:cNvSpPr/>
+          <p:nvPr/>
+        </p:nvSpPr>
+        <p:spPr>
+          <a:xfrm>
+            <a:off x="6935056" y="4349340"/>
+            <a:ext cx="2991679" cy="1212574"/>
+          </a:xfrm>
+          <a:prstGeom prst="rect">
+            <a:avLst/>
+          </a:prstGeom>
+          <a:noFill/>
+          <a:ln>
+            <a:solidFill>
+              <a:schemeClr val="bg2">
+                <a:lumMod val="10000"/>
+              </a:schemeClr>
+            </a:solidFill>
+          </a:ln>
+        </p:spPr>
+        <p:style>
+          <a:lnRef idx="2">
+            <a:schemeClr val="accent1">
+              <a:shade val="50000"/>
+            </a:schemeClr>
+          </a:lnRef>
+          <a:fillRef idx="1">
+            <a:schemeClr val="accent1"/>
+          </a:fillRef>
+          <a:effectRef idx="0">
+            <a:schemeClr val="accent1"/>
+          </a:effectRef>
+          <a:fontRef idx="minor">
+            <a:schemeClr val="lt1"/>
+          </a:fontRef>
+        </p:style>
+        <p:txBody>
+          <a:bodyPr rtlCol="0" anchor="ctr"/>
+          <a:lstStyle/>
+          <a:p>
+            <a:pPr algn="ctr"/>
+            <a:endParaRPr lang="en-IN"/>
+          </a:p>
+        </p:txBody>
+      </p:sp>
+      <p:cxnSp>
+        <p:nvCxnSpPr>
+          <p:cNvPr id="17" name="Straight Connector 16">
+            <a:extLst>
+              <a:ext uri="{FF2B5EF4-FFF2-40B4-BE49-F238E27FC236}">
+                <a16:creationId xmlns:a16="http://schemas.microsoft.com/office/drawing/2014/main" id="{1A3B5C1F-C7D9-F745-C853-F84E2870990D}"/>
+              </a:ext>
+            </a:extLst>
+          </p:cNvPr>
+          <p:cNvCxnSpPr>
+            <a:stCxn id="16" idx="1"/>
+            <a:endCxn id="16" idx="3"/>
+          </p:cNvCxnSpPr>
+          <p:nvPr/>
+        </p:nvCxnSpPr>
+        <p:spPr>
+          <a:xfrm>
+            <a:off x="6935056" y="4955627"/>
+            <a:ext cx="2991679" cy="0"/>
+          </a:xfrm>
+          <a:prstGeom prst="line">
+            <a:avLst/>
+          </a:prstGeom>
+          <a:ln>
+            <a:solidFill>
+              <a:schemeClr val="tx1">
+                <a:lumMod val="95000"/>
+                <a:lumOff val="5000"/>
+              </a:schemeClr>
+            </a:solidFill>
+          </a:ln>
+        </p:spPr>
+        <p:style>
+          <a:lnRef idx="1">
+            <a:schemeClr val="accent1"/>
+          </a:lnRef>
+          <a:fillRef idx="0">
+            <a:schemeClr val="accent1"/>
+          </a:fillRef>
+          <a:effectRef idx="0">
+            <a:schemeClr val="accent1"/>
+          </a:effectRef>
+          <a:fontRef idx="minor">
+            <a:schemeClr val="tx1"/>
+          </a:fontRef>
+        </p:style>
+      </p:cxnSp>
+      <p:sp>
+        <p:nvSpPr>
+          <p:cNvPr id="18" name="TextBox 17">
+            <a:extLst>
+              <a:ext uri="{FF2B5EF4-FFF2-40B4-BE49-F238E27FC236}">
+                <a16:creationId xmlns:a16="http://schemas.microsoft.com/office/drawing/2014/main" id="{BF5F4CA9-D0C3-BFE1-8346-9A36DE40D307}"/>
+              </a:ext>
+            </a:extLst>
+          </p:cNvPr>
+          <p:cNvSpPr txBox="1"/>
+          <p:nvPr/>
+        </p:nvSpPr>
+        <p:spPr>
+          <a:xfrm>
+            <a:off x="6959902" y="4467818"/>
+            <a:ext cx="2613993" cy="369332"/>
+          </a:xfrm>
+          <a:prstGeom prst="rect">
+            <a:avLst/>
+          </a:prstGeom>
+          <a:noFill/>
+        </p:spPr>
+        <p:txBody>
+          <a:bodyPr wrap="square" rtlCol="0">
+            <a:spAutoFit/>
+          </a:bodyPr>
+          <a:lstStyle/>
+          <a:p>
+            <a:r>
+              <a:rPr lang="en-US" dirty="0" err="1"/>
+              <a:t>CircleFactory</a:t>
+            </a:r>
+            <a:endParaRPr lang="en-IN" dirty="0"/>
+          </a:p>
+        </p:txBody>
+      </p:sp>
+      <p:sp>
+        <p:nvSpPr>
+          <p:cNvPr id="19" name="TextBox 18">
+            <a:extLst>
+              <a:ext uri="{FF2B5EF4-FFF2-40B4-BE49-F238E27FC236}">
+                <a16:creationId xmlns:a16="http://schemas.microsoft.com/office/drawing/2014/main" id="{65388593-B236-A155-EF4D-3E214215FB3E}"/>
+              </a:ext>
+            </a:extLst>
+          </p:cNvPr>
+          <p:cNvSpPr txBox="1"/>
+          <p:nvPr/>
+        </p:nvSpPr>
+        <p:spPr>
+          <a:xfrm>
+            <a:off x="6959902" y="5067155"/>
+            <a:ext cx="2613993" cy="369332"/>
+          </a:xfrm>
+          <a:prstGeom prst="rect">
+            <a:avLst/>
+          </a:prstGeom>
+          <a:noFill/>
+        </p:spPr>
+        <p:txBody>
+          <a:bodyPr wrap="square" rtlCol="0">
+            <a:spAutoFit/>
+          </a:bodyPr>
+          <a:lstStyle/>
+          <a:p>
+            <a:r>
+              <a:rPr lang="en-US" dirty="0" err="1"/>
+              <a:t>GetCircle</a:t>
+            </a:r>
+            <a:r>
+              <a:rPr lang="en-US" dirty="0"/>
+              <a:t>()</a:t>
+            </a:r>
+          </a:p>
+        </p:txBody>
+      </p:sp>
+      <p:cxnSp>
+        <p:nvCxnSpPr>
+          <p:cNvPr id="20" name="Straight Arrow Connector 17">
+            <a:extLst>
+              <a:ext uri="{FF2B5EF4-FFF2-40B4-BE49-F238E27FC236}">
+                <a16:creationId xmlns:a16="http://schemas.microsoft.com/office/drawing/2014/main" id="{5263F54B-A4F8-3108-2920-54DC24544B6A}"/>
+              </a:ext>
+            </a:extLst>
+          </p:cNvPr>
+          <p:cNvCxnSpPr>
+            <a:cxnSpLocks/>
+            <a:stCxn id="10" idx="2"/>
+            <a:endCxn id="16" idx="1"/>
+          </p:cNvCxnSpPr>
+          <p:nvPr/>
+        </p:nvCxnSpPr>
+        <p:spPr>
+          <a:xfrm rot="5400000">
+            <a:off x="6765811" y="3329500"/>
+            <a:ext cx="1795372" cy="1456882"/>
+          </a:xfrm>
+          <a:prstGeom prst="bentConnector4">
+            <a:avLst>
+              <a:gd name="adj1" fmla="val 33115"/>
+              <a:gd name="adj2" fmla="val 115691"/>
+            </a:avLst>
+          </a:prstGeom>
+          <a:ln>
+            <a:tailEnd type="triangle"/>
+          </a:ln>
+        </p:spPr>
+        <p:style>
+          <a:lnRef idx="1">
+            <a:schemeClr val="dk1"/>
+          </a:lnRef>
+          <a:fillRef idx="0">
+            <a:schemeClr val="dk1"/>
+          </a:fillRef>
+          <a:effectRef idx="0">
+            <a:schemeClr val="dk1"/>
+          </a:effectRef>
+          <a:fontRef idx="minor">
+            <a:schemeClr val="tx1"/>
+          </a:fontRef>
+        </p:style>
+      </p:cxnSp>
     </p:spTree>
     <p:extLst>
       <p:ext uri="{BB962C8B-B14F-4D97-AF65-F5344CB8AC3E}">
-        <p14:creationId xmlns:p14="http://schemas.microsoft.com/office/powerpoint/2010/main" val="2067811099"/>
+        <p14:creationId xmlns:p14="http://schemas.microsoft.com/office/powerpoint/2010/main" val="1651114426"/>
       </p:ext>
     </p:extLst>
   </p:cSld>
@@ -7950,7 +8997,7 @@
           <p:cNvPr id="2" name="TextBox 1">
             <a:extLst>
               <a:ext uri="{FF2B5EF4-FFF2-40B4-BE49-F238E27FC236}">
-                <a16:creationId xmlns:a16="http://schemas.microsoft.com/office/drawing/2014/main" id="{A852AB77-2756-26BF-B040-B2E68B0C97D7}"/>
+                <a16:creationId xmlns:a16="http://schemas.microsoft.com/office/drawing/2014/main" id="{835AB179-8F6B-2165-D246-D2E29D03C3A8}"/>
               </a:ext>
             </a:extLst>
           </p:cNvPr>
@@ -7973,13 +9020,21 @@
           </a:bodyPr>
           <a:lstStyle/>
           <a:p>
+            <a:r>
+              <a:rPr lang="en-US" sz="2000" b="1" u="sng" dirty="0">
+                <a:solidFill>
+                  <a:srgbClr val="000000"/>
+                </a:solidFill>
+              </a:rPr>
+              <a:t>Chain Of </a:t>
+            </a:r>
             <a:r>
               <a:rPr lang="en-US" sz="2000" b="1" u="sng" dirty="0" err="1">
                 <a:solidFill>
                   <a:srgbClr val="000000"/>
                 </a:solidFill>
               </a:rPr>
-              <a:t>FlyWeight</a:t>
+              <a:t>Resposibility</a:t>
             </a:r>
             <a:r>
               <a:rPr lang="en-IN" sz="2000" b="1" u="sng" dirty="0">
@@ -7998,7 +9053,7 @@
           <p:cNvPr id="3" name="Rectangle 2">
             <a:extLst>
               <a:ext uri="{FF2B5EF4-FFF2-40B4-BE49-F238E27FC236}">
-                <a16:creationId xmlns:a16="http://schemas.microsoft.com/office/drawing/2014/main" id="{0BDDB1C8-ABD4-F3AC-3A1D-D084C474C56E}"/>
+                <a16:creationId xmlns:a16="http://schemas.microsoft.com/office/drawing/2014/main" id="{D12F0ED9-0FBF-2DA7-6751-82319C36B78E}"/>
               </a:ext>
             </a:extLst>
           </p:cNvPr>
@@ -8052,7 +9107,7 @@
           <p:cNvPr id="4" name="Straight Connector 3">
             <a:extLst>
               <a:ext uri="{FF2B5EF4-FFF2-40B4-BE49-F238E27FC236}">
-                <a16:creationId xmlns:a16="http://schemas.microsoft.com/office/drawing/2014/main" id="{D8BACCDB-5705-38CD-6F2F-E82C6A80FBD7}"/>
+                <a16:creationId xmlns:a16="http://schemas.microsoft.com/office/drawing/2014/main" id="{DE3DC06F-B9FA-8B77-DFBE-AE539ED1C012}"/>
               </a:ext>
             </a:extLst>
           </p:cNvPr>
@@ -8099,7 +9154,7 @@
           <p:cNvPr id="5" name="TextBox 4">
             <a:extLst>
               <a:ext uri="{FF2B5EF4-FFF2-40B4-BE49-F238E27FC236}">
-                <a16:creationId xmlns:a16="http://schemas.microsoft.com/office/drawing/2014/main" id="{DBE537F2-A8B0-250D-DCF1-7721CE4075DA}"/>
+                <a16:creationId xmlns:a16="http://schemas.microsoft.com/office/drawing/2014/main" id="{0CCD7F8D-4358-18D4-C017-982F57B116E7}"/>
               </a:ext>
             </a:extLst>
           </p:cNvPr>
@@ -8135,7 +9190,7 @@
           <p:cNvPr id="6" name="TextBox 5">
             <a:extLst>
               <a:ext uri="{FF2B5EF4-FFF2-40B4-BE49-F238E27FC236}">
-                <a16:creationId xmlns:a16="http://schemas.microsoft.com/office/drawing/2014/main" id="{F44D0D04-BCD7-6EA6-0F5A-D013AE623C4B}"/>
+                <a16:creationId xmlns:a16="http://schemas.microsoft.com/office/drawing/2014/main" id="{1EFF0EDB-6E74-D46A-1E0B-F9344EE3AFC6}"/>
               </a:ext>
             </a:extLst>
           </p:cNvPr>
@@ -8159,8 +9214,8 @@
           <a:lstStyle/>
           <a:p>
             <a:r>
-              <a:rPr lang="en-US" dirty="0"/>
-              <a:t>Circle</a:t>
+              <a:rPr lang="en-US" dirty="0" err="1"/>
+              <a:t>ExpenseApprovalChain</a:t>
             </a:r>
             <a:endParaRPr lang="en-IN" dirty="0"/>
           </a:p>
@@ -8171,7 +9226,7 @@
           <p:cNvPr id="7" name="TextBox 6">
             <a:extLst>
               <a:ext uri="{FF2B5EF4-FFF2-40B4-BE49-F238E27FC236}">
-                <a16:creationId xmlns:a16="http://schemas.microsoft.com/office/drawing/2014/main" id="{5043DB44-CC03-F82D-B0CD-116190FC902D}"/>
+                <a16:creationId xmlns:a16="http://schemas.microsoft.com/office/drawing/2014/main" id="{A46F9A2A-D9EB-EEE5-248D-59E217989448}"/>
               </a:ext>
             </a:extLst>
           </p:cNvPr>
@@ -8196,7 +9251,7 @@
           <a:p>
             <a:r>
               <a:rPr lang="en-US" dirty="0" err="1"/>
-              <a:t>DrawCircle</a:t>
+              <a:t>ExpenseApproval</a:t>
             </a:r>
             <a:r>
               <a:rPr lang="en-US" dirty="0"/>
@@ -8210,20 +9265,19 @@
           <p:cNvPr id="8" name="Straight Arrow Connector 17">
             <a:extLst>
               <a:ext uri="{FF2B5EF4-FFF2-40B4-BE49-F238E27FC236}">
-                <a16:creationId xmlns:a16="http://schemas.microsoft.com/office/drawing/2014/main" id="{DB1EF2C1-4893-B870-C94E-730F84F45DC8}"/>
+                <a16:creationId xmlns:a16="http://schemas.microsoft.com/office/drawing/2014/main" id="{D3CBB509-870A-0E78-E68A-F77C45809B4F}"/>
               </a:ext>
             </a:extLst>
           </p:cNvPr>
           <p:cNvCxnSpPr>
             <a:cxnSpLocks/>
-            <a:endCxn id="3" idx="1"/>
           </p:cNvCxnSpPr>
           <p:nvPr/>
         </p:nvCxnSpPr>
         <p:spPr>
-          <a:xfrm>
-            <a:off x="2304223" y="1529995"/>
-            <a:ext cx="443946" cy="666553"/>
+          <a:xfrm rot="16200000" flipH="1">
+            <a:off x="830561" y="2360558"/>
+            <a:ext cx="1921336" cy="1025987"/>
           </a:xfrm>
           <a:prstGeom prst="bentConnector3">
             <a:avLst>
@@ -8254,7 +9308,7 @@
           <p:cNvPr id="9" name="Rectangle 8">
             <a:extLst>
               <a:ext uri="{FF2B5EF4-FFF2-40B4-BE49-F238E27FC236}">
-                <a16:creationId xmlns:a16="http://schemas.microsoft.com/office/drawing/2014/main" id="{18747D76-9D92-047D-BBAD-044BE25FCD7F}"/>
+                <a16:creationId xmlns:a16="http://schemas.microsoft.com/office/drawing/2014/main" id="{A7B6ACD3-862A-85D5-108A-B8041CA1E65A}"/>
               </a:ext>
             </a:extLst>
           </p:cNvPr>
@@ -8308,7 +9362,7 @@
           <p:cNvPr id="10" name="Rectangle 9">
             <a:extLst>
               <a:ext uri="{FF2B5EF4-FFF2-40B4-BE49-F238E27FC236}">
-                <a16:creationId xmlns:a16="http://schemas.microsoft.com/office/drawing/2014/main" id="{4900A943-8CCD-CAB5-EE44-5A9DD17BBC21}"/>
+                <a16:creationId xmlns:a16="http://schemas.microsoft.com/office/drawing/2014/main" id="{C8CF39E1-0DD0-1DA3-2C27-07D015F3A9D0}"/>
               </a:ext>
             </a:extLst>
           </p:cNvPr>
@@ -8317,7 +9371,7 @@
         </p:nvSpPr>
         <p:spPr>
           <a:xfrm>
-            <a:off x="6896098" y="1947681"/>
+            <a:off x="7292408" y="322458"/>
             <a:ext cx="2991679" cy="1212574"/>
           </a:xfrm>
           <a:prstGeom prst="rect">
@@ -8362,7 +9416,7 @@
           <p:cNvPr id="11" name="Straight Connector 10">
             <a:extLst>
               <a:ext uri="{FF2B5EF4-FFF2-40B4-BE49-F238E27FC236}">
-                <a16:creationId xmlns:a16="http://schemas.microsoft.com/office/drawing/2014/main" id="{8EB0827C-F477-91E7-6BF7-B26F8967ACBB}"/>
+                <a16:creationId xmlns:a16="http://schemas.microsoft.com/office/drawing/2014/main" id="{72E3DCAC-FDBF-2438-0603-009039A57C3D}"/>
               </a:ext>
             </a:extLst>
           </p:cNvPr>
@@ -8374,7 +9428,7 @@
         </p:nvCxnSpPr>
         <p:spPr>
           <a:xfrm>
-            <a:off x="6896098" y="2553968"/>
+            <a:off x="7292408" y="928745"/>
             <a:ext cx="2991679" cy="0"/>
           </a:xfrm>
           <a:prstGeom prst="line">
@@ -8409,7 +9463,7 @@
           <p:cNvPr id="12" name="TextBox 11">
             <a:extLst>
               <a:ext uri="{FF2B5EF4-FFF2-40B4-BE49-F238E27FC236}">
-                <a16:creationId xmlns:a16="http://schemas.microsoft.com/office/drawing/2014/main" id="{726910F0-E6BA-52AC-FA19-0C1E72ADBAD6}"/>
+                <a16:creationId xmlns:a16="http://schemas.microsoft.com/office/drawing/2014/main" id="{685FFF75-6D2C-D77A-9709-B8E92DAD32B6}"/>
               </a:ext>
             </a:extLst>
           </p:cNvPr>
@@ -8418,7 +9472,7 @@
         </p:nvSpPr>
         <p:spPr>
           <a:xfrm>
-            <a:off x="6920944" y="2066159"/>
+            <a:off x="7317254" y="440936"/>
             <a:ext cx="2613993" cy="369332"/>
           </a:xfrm>
           <a:prstGeom prst="rect">
@@ -8433,8 +9487,8 @@
           <a:lstStyle/>
           <a:p>
             <a:r>
-              <a:rPr lang="en-US" dirty="0" err="1"/>
-              <a:t>ICircle</a:t>
+              <a:rPr lang="en-US" dirty="0"/>
+              <a:t>Supervisor</a:t>
             </a:r>
             <a:endParaRPr lang="en-IN" dirty="0"/>
           </a:p>
@@ -8445,7 +9499,7 @@
           <p:cNvPr id="13" name="TextBox 12">
             <a:extLst>
               <a:ext uri="{FF2B5EF4-FFF2-40B4-BE49-F238E27FC236}">
-                <a16:creationId xmlns:a16="http://schemas.microsoft.com/office/drawing/2014/main" id="{B70AD450-5CDF-8F20-6CDB-0D538CE889BC}"/>
+                <a16:creationId xmlns:a16="http://schemas.microsoft.com/office/drawing/2014/main" id="{F4F316A8-7FD0-3A31-D2A8-AB0DD74D7040}"/>
               </a:ext>
             </a:extLst>
           </p:cNvPr>
@@ -8454,7 +9508,7 @@
         </p:nvSpPr>
         <p:spPr>
           <a:xfrm>
-            <a:off x="6920944" y="2665496"/>
+            <a:off x="7317254" y="1040273"/>
             <a:ext cx="2613993" cy="369332"/>
           </a:xfrm>
           <a:prstGeom prst="rect">
@@ -8470,7 +9524,7 @@
           <a:p>
             <a:r>
               <a:rPr lang="en-US" dirty="0" err="1"/>
-              <a:t>DrawCircle</a:t>
+              <a:t>HandleExpense</a:t>
             </a:r>
             <a:r>
               <a:rPr lang="en-US" dirty="0"/>
@@ -8484,25 +9538,23 @@
           <p:cNvPr id="14" name="Straight Arrow Connector 17">
             <a:extLst>
               <a:ext uri="{FF2B5EF4-FFF2-40B4-BE49-F238E27FC236}">
-                <a16:creationId xmlns:a16="http://schemas.microsoft.com/office/drawing/2014/main" id="{D0C5C679-C414-A304-6390-CEA10A4CE879}"/>
+                <a16:creationId xmlns:a16="http://schemas.microsoft.com/office/drawing/2014/main" id="{80439A62-C621-6661-8C20-A9E39062C19E}"/>
               </a:ext>
             </a:extLst>
           </p:cNvPr>
           <p:cNvCxnSpPr>
             <a:cxnSpLocks/>
-            <a:stCxn id="3" idx="3"/>
-            <a:endCxn id="10" idx="1"/>
           </p:cNvCxnSpPr>
           <p:nvPr/>
         </p:nvCxnSpPr>
         <p:spPr>
-          <a:xfrm>
-            <a:off x="5739848" y="2196548"/>
-            <a:ext cx="1156250" cy="357420"/>
+          <a:xfrm flipV="1">
+            <a:off x="5739848" y="926227"/>
+            <a:ext cx="1552560" cy="1267803"/>
           </a:xfrm>
           <a:prstGeom prst="bentConnector3">
             <a:avLst>
-              <a:gd name="adj1" fmla="val 50000"/>
+              <a:gd name="adj1" fmla="val 50677"/>
             </a:avLst>
           </a:prstGeom>
           <a:ln>
@@ -8526,10 +9578,10 @@
       </p:cxnSp>
       <p:sp>
         <p:nvSpPr>
-          <p:cNvPr id="16" name="Rectangle 15">
-            <a:extLst>
-              <a:ext uri="{FF2B5EF4-FFF2-40B4-BE49-F238E27FC236}">
-                <a16:creationId xmlns:a16="http://schemas.microsoft.com/office/drawing/2014/main" id="{BB643D8F-579A-FD2C-56C6-76E933A1B19D}"/>
+          <p:cNvPr id="15" name="Rectangle 14">
+            <a:extLst>
+              <a:ext uri="{FF2B5EF4-FFF2-40B4-BE49-F238E27FC236}">
+                <a16:creationId xmlns:a16="http://schemas.microsoft.com/office/drawing/2014/main" id="{32BC5508-23A0-591B-51EA-AA3EA8D7BD8F}"/>
               </a:ext>
             </a:extLst>
           </p:cNvPr>
@@ -8538,7 +9590,7 @@
         </p:nvSpPr>
         <p:spPr>
           <a:xfrm>
-            <a:off x="6935056" y="4349340"/>
+            <a:off x="7317254" y="1917920"/>
             <a:ext cx="2991679" cy="1212574"/>
           </a:xfrm>
           <a:prstGeom prst="rect">
@@ -8580,22 +9632,22 @@
       </p:sp>
       <p:cxnSp>
         <p:nvCxnSpPr>
-          <p:cNvPr id="17" name="Straight Connector 16">
-            <a:extLst>
-              <a:ext uri="{FF2B5EF4-FFF2-40B4-BE49-F238E27FC236}">
-                <a16:creationId xmlns:a16="http://schemas.microsoft.com/office/drawing/2014/main" id="{1A3B5C1F-C7D9-F745-C853-F84E2870990D}"/>
+          <p:cNvPr id="16" name="Straight Connector 15">
+            <a:extLst>
+              <a:ext uri="{FF2B5EF4-FFF2-40B4-BE49-F238E27FC236}">
+                <a16:creationId xmlns:a16="http://schemas.microsoft.com/office/drawing/2014/main" id="{7657C6DF-B7B9-34BA-C651-5AA9A4F7E4A5}"/>
               </a:ext>
             </a:extLst>
           </p:cNvPr>
           <p:cNvCxnSpPr>
-            <a:stCxn id="16" idx="1"/>
-            <a:endCxn id="16" idx="3"/>
+            <a:stCxn id="15" idx="1"/>
+            <a:endCxn id="15" idx="3"/>
           </p:cNvCxnSpPr>
           <p:nvPr/>
         </p:nvCxnSpPr>
         <p:spPr>
           <a:xfrm>
-            <a:off x="6935056" y="4955627"/>
+            <a:off x="7317254" y="2524207"/>
             <a:ext cx="2991679" cy="0"/>
           </a:xfrm>
           <a:prstGeom prst="line">
@@ -8627,10 +9679,10 @@
       </p:cxnSp>
       <p:sp>
         <p:nvSpPr>
-          <p:cNvPr id="18" name="TextBox 17">
-            <a:extLst>
-              <a:ext uri="{FF2B5EF4-FFF2-40B4-BE49-F238E27FC236}">
-                <a16:creationId xmlns:a16="http://schemas.microsoft.com/office/drawing/2014/main" id="{BF5F4CA9-D0C3-BFE1-8346-9A36DE40D307}"/>
+          <p:cNvPr id="17" name="TextBox 16">
+            <a:extLst>
+              <a:ext uri="{FF2B5EF4-FFF2-40B4-BE49-F238E27FC236}">
+                <a16:creationId xmlns:a16="http://schemas.microsoft.com/office/drawing/2014/main" id="{40EE7777-DB05-15C3-9457-43842F5743A1}"/>
               </a:ext>
             </a:extLst>
           </p:cNvPr>
@@ -8639,7 +9691,7 @@
         </p:nvSpPr>
         <p:spPr>
           <a:xfrm>
-            <a:off x="6959902" y="4467818"/>
+            <a:off x="7342100" y="2036398"/>
             <a:ext cx="2613993" cy="369332"/>
           </a:xfrm>
           <a:prstGeom prst="rect">
@@ -8655,7 +9707,7 @@
           <a:p>
             <a:r>
               <a:rPr lang="en-US" dirty="0" err="1"/>
-              <a:t>CircleFactory</a:t>
+              <a:t>DepartmentSupervisor</a:t>
             </a:r>
             <a:endParaRPr lang="en-IN" dirty="0"/>
           </a:p>
@@ -8663,10 +9715,10 @@
       </p:sp>
       <p:sp>
         <p:nvSpPr>
-          <p:cNvPr id="19" name="TextBox 18">
-            <a:extLst>
-              <a:ext uri="{FF2B5EF4-FFF2-40B4-BE49-F238E27FC236}">
-                <a16:creationId xmlns:a16="http://schemas.microsoft.com/office/drawing/2014/main" id="{65388593-B236-A155-EF4D-3E214215FB3E}"/>
+          <p:cNvPr id="18" name="TextBox 17">
+            <a:extLst>
+              <a:ext uri="{FF2B5EF4-FFF2-40B4-BE49-F238E27FC236}">
+                <a16:creationId xmlns:a16="http://schemas.microsoft.com/office/drawing/2014/main" id="{E33B5ADF-BFA2-690B-F2DB-6454BFE52C4A}"/>
               </a:ext>
             </a:extLst>
           </p:cNvPr>
@@ -8675,7 +9727,7 @@
         </p:nvSpPr>
         <p:spPr>
           <a:xfrm>
-            <a:off x="6959902" y="5067155"/>
+            <a:off x="7342100" y="2635735"/>
             <a:ext cx="2613993" cy="369332"/>
           </a:xfrm>
           <a:prstGeom prst="rect">
@@ -8691,7 +9743,7 @@
           <a:p>
             <a:r>
               <a:rPr lang="en-US" dirty="0" err="1"/>
-              <a:t>GetCircle</a:t>
+              <a:t>HandleExpense</a:t>
             </a:r>
             <a:r>
               <a:rPr lang="en-US" dirty="0"/>
@@ -8700,32 +9752,471 @@
           </a:p>
         </p:txBody>
       </p:sp>
+      <p:sp>
+        <p:nvSpPr>
+          <p:cNvPr id="21" name="Rectangle 20">
+            <a:extLst>
+              <a:ext uri="{FF2B5EF4-FFF2-40B4-BE49-F238E27FC236}">
+                <a16:creationId xmlns:a16="http://schemas.microsoft.com/office/drawing/2014/main" id="{F697A603-51E1-4DC1-3B27-20D6DAE415F2}"/>
+              </a:ext>
+            </a:extLst>
+          </p:cNvPr>
+          <p:cNvSpPr/>
+          <p:nvPr/>
+        </p:nvSpPr>
+        <p:spPr>
+          <a:xfrm>
+            <a:off x="7317254" y="3513381"/>
+            <a:ext cx="2991679" cy="1212574"/>
+          </a:xfrm>
+          <a:prstGeom prst="rect">
+            <a:avLst/>
+          </a:prstGeom>
+          <a:noFill/>
+          <a:ln>
+            <a:solidFill>
+              <a:schemeClr val="bg2">
+                <a:lumMod val="10000"/>
+              </a:schemeClr>
+            </a:solidFill>
+          </a:ln>
+        </p:spPr>
+        <p:style>
+          <a:lnRef idx="2">
+            <a:schemeClr val="accent1">
+              <a:shade val="50000"/>
+            </a:schemeClr>
+          </a:lnRef>
+          <a:fillRef idx="1">
+            <a:schemeClr val="accent1"/>
+          </a:fillRef>
+          <a:effectRef idx="0">
+            <a:schemeClr val="accent1"/>
+          </a:effectRef>
+          <a:fontRef idx="minor">
+            <a:schemeClr val="lt1"/>
+          </a:fontRef>
+        </p:style>
+        <p:txBody>
+          <a:bodyPr rtlCol="0" anchor="ctr"/>
+          <a:lstStyle/>
+          <a:p>
+            <a:pPr algn="ctr"/>
+            <a:endParaRPr lang="en-IN"/>
+          </a:p>
+        </p:txBody>
+      </p:sp>
       <p:cxnSp>
         <p:nvCxnSpPr>
-          <p:cNvPr id="20" name="Straight Arrow Connector 17">
-            <a:extLst>
-              <a:ext uri="{FF2B5EF4-FFF2-40B4-BE49-F238E27FC236}">
-                <a16:creationId xmlns:a16="http://schemas.microsoft.com/office/drawing/2014/main" id="{5263F54B-A4F8-3108-2920-54DC24544B6A}"/>
+          <p:cNvPr id="22" name="Straight Connector 21">
+            <a:extLst>
+              <a:ext uri="{FF2B5EF4-FFF2-40B4-BE49-F238E27FC236}">
+                <a16:creationId xmlns:a16="http://schemas.microsoft.com/office/drawing/2014/main" id="{2CC3010C-F697-B99F-E2C1-29A453A7FE53}"/>
+              </a:ext>
+            </a:extLst>
+          </p:cNvPr>
+          <p:cNvCxnSpPr>
+            <a:stCxn id="21" idx="1"/>
+            <a:endCxn id="21" idx="3"/>
+          </p:cNvCxnSpPr>
+          <p:nvPr/>
+        </p:nvCxnSpPr>
+        <p:spPr>
+          <a:xfrm>
+            <a:off x="7317254" y="4119668"/>
+            <a:ext cx="2991679" cy="0"/>
+          </a:xfrm>
+          <a:prstGeom prst="line">
+            <a:avLst/>
+          </a:prstGeom>
+          <a:ln>
+            <a:solidFill>
+              <a:schemeClr val="tx1">
+                <a:lumMod val="95000"/>
+                <a:lumOff val="5000"/>
+              </a:schemeClr>
+            </a:solidFill>
+          </a:ln>
+        </p:spPr>
+        <p:style>
+          <a:lnRef idx="1">
+            <a:schemeClr val="accent1"/>
+          </a:lnRef>
+          <a:fillRef idx="0">
+            <a:schemeClr val="accent1"/>
+          </a:fillRef>
+          <a:effectRef idx="0">
+            <a:schemeClr val="accent1"/>
+          </a:effectRef>
+          <a:fontRef idx="minor">
+            <a:schemeClr val="tx1"/>
+          </a:fontRef>
+        </p:style>
+      </p:cxnSp>
+      <p:sp>
+        <p:nvSpPr>
+          <p:cNvPr id="23" name="TextBox 22">
+            <a:extLst>
+              <a:ext uri="{FF2B5EF4-FFF2-40B4-BE49-F238E27FC236}">
+                <a16:creationId xmlns:a16="http://schemas.microsoft.com/office/drawing/2014/main" id="{6D3C5BB6-5C2D-7AD6-E24B-EAC6B3862B4A}"/>
+              </a:ext>
+            </a:extLst>
+          </p:cNvPr>
+          <p:cNvSpPr txBox="1"/>
+          <p:nvPr/>
+        </p:nvSpPr>
+        <p:spPr>
+          <a:xfrm>
+            <a:off x="7342100" y="3631859"/>
+            <a:ext cx="2613993" cy="369332"/>
+          </a:xfrm>
+          <a:prstGeom prst="rect">
+            <a:avLst/>
+          </a:prstGeom>
+          <a:noFill/>
+        </p:spPr>
+        <p:txBody>
+          <a:bodyPr wrap="square" rtlCol="0">
+            <a:spAutoFit/>
+          </a:bodyPr>
+          <a:lstStyle/>
+          <a:p>
+            <a:r>
+              <a:rPr lang="en-US"/>
+              <a:t>FinanceSupervisor</a:t>
+            </a:r>
+            <a:endParaRPr lang="en-IN" dirty="0"/>
+          </a:p>
+        </p:txBody>
+      </p:sp>
+      <p:sp>
+        <p:nvSpPr>
+          <p:cNvPr id="24" name="TextBox 23">
+            <a:extLst>
+              <a:ext uri="{FF2B5EF4-FFF2-40B4-BE49-F238E27FC236}">
+                <a16:creationId xmlns:a16="http://schemas.microsoft.com/office/drawing/2014/main" id="{BEC9D2FC-6309-7C5D-C867-4269E1ADB596}"/>
+              </a:ext>
+            </a:extLst>
+          </p:cNvPr>
+          <p:cNvSpPr txBox="1"/>
+          <p:nvPr/>
+        </p:nvSpPr>
+        <p:spPr>
+          <a:xfrm>
+            <a:off x="7342100" y="4231196"/>
+            <a:ext cx="2613993" cy="369332"/>
+          </a:xfrm>
+          <a:prstGeom prst="rect">
+            <a:avLst/>
+          </a:prstGeom>
+          <a:noFill/>
+        </p:spPr>
+        <p:txBody>
+          <a:bodyPr wrap="square" rtlCol="0">
+            <a:spAutoFit/>
+          </a:bodyPr>
+          <a:lstStyle/>
+          <a:p>
+            <a:r>
+              <a:rPr lang="en-US" dirty="0" err="1"/>
+              <a:t>HandleExpense</a:t>
+            </a:r>
+            <a:r>
+              <a:rPr lang="en-US" dirty="0"/>
+              <a:t>()</a:t>
+            </a:r>
+          </a:p>
+        </p:txBody>
+      </p:sp>
+      <p:cxnSp>
+        <p:nvCxnSpPr>
+          <p:cNvPr id="28" name="Straight Arrow Connector 17">
+            <a:extLst>
+              <a:ext uri="{FF2B5EF4-FFF2-40B4-BE49-F238E27FC236}">
+                <a16:creationId xmlns:a16="http://schemas.microsoft.com/office/drawing/2014/main" id="{D7C6304B-B993-7561-4EEE-CD15D767E76E}"/>
               </a:ext>
             </a:extLst>
           </p:cNvPr>
           <p:cNvCxnSpPr>
             <a:cxnSpLocks/>
-            <a:stCxn id="10" idx="2"/>
-            <a:endCxn id="16" idx="1"/>
+            <a:stCxn id="3" idx="3"/>
+            <a:endCxn id="15" idx="1"/>
           </p:cNvCxnSpPr>
           <p:nvPr/>
         </p:nvCxnSpPr>
         <p:spPr>
-          <a:xfrm rot="5400000">
-            <a:off x="6765811" y="3329500"/>
-            <a:ext cx="1795372" cy="1456882"/>
-          </a:xfrm>
-          <a:prstGeom prst="bentConnector4">
+          <a:xfrm>
+            <a:off x="5739848" y="2196548"/>
+            <a:ext cx="1577406" cy="327659"/>
+          </a:xfrm>
+          <a:prstGeom prst="bentConnector3">
             <a:avLst>
-              <a:gd name="adj1" fmla="val 33115"/>
-              <a:gd name="adj2" fmla="val 115691"/>
+              <a:gd name="adj1" fmla="val 50000"/>
             </a:avLst>
+          </a:prstGeom>
+          <a:ln>
+            <a:tailEnd type="triangle"/>
+          </a:ln>
+        </p:spPr>
+        <p:style>
+          <a:lnRef idx="1">
+            <a:schemeClr val="dk1"/>
+          </a:lnRef>
+          <a:fillRef idx="0">
+            <a:schemeClr val="dk1"/>
+          </a:fillRef>
+          <a:effectRef idx="0">
+            <a:schemeClr val="dk1"/>
+          </a:effectRef>
+          <a:fontRef idx="minor">
+            <a:schemeClr val="tx1"/>
+          </a:fontRef>
+        </p:style>
+      </p:cxnSp>
+      <p:cxnSp>
+        <p:nvCxnSpPr>
+          <p:cNvPr id="31" name="Straight Arrow Connector 17">
+            <a:extLst>
+              <a:ext uri="{FF2B5EF4-FFF2-40B4-BE49-F238E27FC236}">
+                <a16:creationId xmlns:a16="http://schemas.microsoft.com/office/drawing/2014/main" id="{EFC741AF-DF29-B635-86FE-0938B7471DE9}"/>
+              </a:ext>
+            </a:extLst>
+          </p:cNvPr>
+          <p:cNvCxnSpPr>
+            <a:cxnSpLocks/>
+            <a:stCxn id="3" idx="3"/>
+            <a:endCxn id="21" idx="1"/>
+          </p:cNvCxnSpPr>
+          <p:nvPr/>
+        </p:nvCxnSpPr>
+        <p:spPr>
+          <a:xfrm>
+            <a:off x="5739848" y="2196548"/>
+            <a:ext cx="1577406" cy="1923120"/>
+          </a:xfrm>
+          <a:prstGeom prst="bentConnector3">
+            <a:avLst>
+              <a:gd name="adj1" fmla="val 50000"/>
+            </a:avLst>
+          </a:prstGeom>
+          <a:ln>
+            <a:tailEnd type="triangle"/>
+          </a:ln>
+        </p:spPr>
+        <p:style>
+          <a:lnRef idx="1">
+            <a:schemeClr val="dk1"/>
+          </a:lnRef>
+          <a:fillRef idx="0">
+            <a:schemeClr val="dk1"/>
+          </a:fillRef>
+          <a:effectRef idx="0">
+            <a:schemeClr val="dk1"/>
+          </a:effectRef>
+          <a:fontRef idx="minor">
+            <a:schemeClr val="tx1"/>
+          </a:fontRef>
+        </p:style>
+      </p:cxnSp>
+      <p:sp>
+        <p:nvSpPr>
+          <p:cNvPr id="36" name="Rectangle 35">
+            <a:extLst>
+              <a:ext uri="{FF2B5EF4-FFF2-40B4-BE49-F238E27FC236}">
+                <a16:creationId xmlns:a16="http://schemas.microsoft.com/office/drawing/2014/main" id="{14381826-9466-72BD-5D6F-DD355532E7E0}"/>
+              </a:ext>
+            </a:extLst>
+          </p:cNvPr>
+          <p:cNvSpPr/>
+          <p:nvPr/>
+        </p:nvSpPr>
+        <p:spPr>
+          <a:xfrm>
+            <a:off x="808383" y="3834219"/>
+            <a:ext cx="2991679" cy="1212574"/>
+          </a:xfrm>
+          <a:prstGeom prst="rect">
+            <a:avLst/>
+          </a:prstGeom>
+          <a:noFill/>
+          <a:ln>
+            <a:solidFill>
+              <a:schemeClr val="bg2">
+                <a:lumMod val="10000"/>
+              </a:schemeClr>
+            </a:solidFill>
+          </a:ln>
+        </p:spPr>
+        <p:style>
+          <a:lnRef idx="2">
+            <a:schemeClr val="accent1">
+              <a:shade val="50000"/>
+            </a:schemeClr>
+          </a:lnRef>
+          <a:fillRef idx="1">
+            <a:schemeClr val="accent1"/>
+          </a:fillRef>
+          <a:effectRef idx="0">
+            <a:schemeClr val="accent1"/>
+          </a:effectRef>
+          <a:fontRef idx="minor">
+            <a:schemeClr val="lt1"/>
+          </a:fontRef>
+        </p:style>
+        <p:txBody>
+          <a:bodyPr rtlCol="0" anchor="ctr"/>
+          <a:lstStyle/>
+          <a:p>
+            <a:pPr algn="ctr"/>
+            <a:endParaRPr lang="en-IN"/>
+          </a:p>
+        </p:txBody>
+      </p:sp>
+      <p:cxnSp>
+        <p:nvCxnSpPr>
+          <p:cNvPr id="37" name="Straight Connector 36">
+            <a:extLst>
+              <a:ext uri="{FF2B5EF4-FFF2-40B4-BE49-F238E27FC236}">
+                <a16:creationId xmlns:a16="http://schemas.microsoft.com/office/drawing/2014/main" id="{6DFE7C34-27C6-39AA-432A-94209CC5FDBC}"/>
+              </a:ext>
+            </a:extLst>
+          </p:cNvPr>
+          <p:cNvCxnSpPr>
+            <a:stCxn id="36" idx="1"/>
+            <a:endCxn id="36" idx="3"/>
+          </p:cNvCxnSpPr>
+          <p:nvPr/>
+        </p:nvCxnSpPr>
+        <p:spPr>
+          <a:xfrm>
+            <a:off x="808383" y="4440506"/>
+            <a:ext cx="2991679" cy="0"/>
+          </a:xfrm>
+          <a:prstGeom prst="line">
+            <a:avLst/>
+          </a:prstGeom>
+          <a:ln>
+            <a:solidFill>
+              <a:schemeClr val="tx1">
+                <a:lumMod val="95000"/>
+                <a:lumOff val="5000"/>
+              </a:schemeClr>
+            </a:solidFill>
+          </a:ln>
+        </p:spPr>
+        <p:style>
+          <a:lnRef idx="1">
+            <a:schemeClr val="accent1"/>
+          </a:lnRef>
+          <a:fillRef idx="0">
+            <a:schemeClr val="accent1"/>
+          </a:fillRef>
+          <a:effectRef idx="0">
+            <a:schemeClr val="accent1"/>
+          </a:effectRef>
+          <a:fontRef idx="minor">
+            <a:schemeClr val="tx1"/>
+          </a:fontRef>
+        </p:style>
+      </p:cxnSp>
+      <p:sp>
+        <p:nvSpPr>
+          <p:cNvPr id="38" name="TextBox 37">
+            <a:extLst>
+              <a:ext uri="{FF2B5EF4-FFF2-40B4-BE49-F238E27FC236}">
+                <a16:creationId xmlns:a16="http://schemas.microsoft.com/office/drawing/2014/main" id="{37649B48-6C20-7FB1-E853-F46076AFB019}"/>
+              </a:ext>
+            </a:extLst>
+          </p:cNvPr>
+          <p:cNvSpPr txBox="1"/>
+          <p:nvPr/>
+        </p:nvSpPr>
+        <p:spPr>
+          <a:xfrm>
+            <a:off x="833229" y="3952697"/>
+            <a:ext cx="2613993" cy="369332"/>
+          </a:xfrm>
+          <a:prstGeom prst="rect">
+            <a:avLst/>
+          </a:prstGeom>
+          <a:noFill/>
+        </p:spPr>
+        <p:txBody>
+          <a:bodyPr wrap="square" rtlCol="0">
+            <a:spAutoFit/>
+          </a:bodyPr>
+          <a:lstStyle/>
+          <a:p>
+            <a:r>
+              <a:rPr lang="en-US" dirty="0" err="1"/>
+              <a:t>ChainHandler</a:t>
+            </a:r>
+            <a:endParaRPr lang="en-IN" dirty="0"/>
+          </a:p>
+        </p:txBody>
+      </p:sp>
+      <p:sp>
+        <p:nvSpPr>
+          <p:cNvPr id="39" name="TextBox 38">
+            <a:extLst>
+              <a:ext uri="{FF2B5EF4-FFF2-40B4-BE49-F238E27FC236}">
+                <a16:creationId xmlns:a16="http://schemas.microsoft.com/office/drawing/2014/main" id="{3410EC67-D79A-73E6-ADEE-78017D190028}"/>
+              </a:ext>
+            </a:extLst>
+          </p:cNvPr>
+          <p:cNvSpPr txBox="1"/>
+          <p:nvPr/>
+        </p:nvSpPr>
+        <p:spPr>
+          <a:xfrm>
+            <a:off x="833229" y="4552034"/>
+            <a:ext cx="2613993" cy="369332"/>
+          </a:xfrm>
+          <a:prstGeom prst="rect">
+            <a:avLst/>
+          </a:prstGeom>
+          <a:noFill/>
+        </p:spPr>
+        <p:txBody>
+          <a:bodyPr wrap="square" rtlCol="0">
+            <a:spAutoFit/>
+          </a:bodyPr>
+          <a:lstStyle/>
+          <a:p>
+            <a:r>
+              <a:rPr lang="en-US" dirty="0" err="1"/>
+              <a:t>HandleExpense</a:t>
+            </a:r>
+            <a:r>
+              <a:rPr lang="en-US" dirty="0"/>
+              <a:t>()</a:t>
+            </a:r>
+          </a:p>
+        </p:txBody>
+      </p:sp>
+      <p:cxnSp>
+        <p:nvCxnSpPr>
+          <p:cNvPr id="42" name="Straight Arrow Connector 17">
+            <a:extLst>
+              <a:ext uri="{FF2B5EF4-FFF2-40B4-BE49-F238E27FC236}">
+                <a16:creationId xmlns:a16="http://schemas.microsoft.com/office/drawing/2014/main" id="{A70104BE-4953-4292-9710-10699A2A1241}"/>
+              </a:ext>
+            </a:extLst>
+          </p:cNvPr>
+          <p:cNvCxnSpPr>
+            <a:cxnSpLocks/>
+            <a:stCxn id="36" idx="3"/>
+            <a:endCxn id="3" idx="2"/>
+          </p:cNvCxnSpPr>
+          <p:nvPr/>
+        </p:nvCxnSpPr>
+        <p:spPr>
+          <a:xfrm flipV="1">
+            <a:off x="3800062" y="2802835"/>
+            <a:ext cx="443947" cy="1637671"/>
+          </a:xfrm>
+          <a:prstGeom prst="bentConnector2">
+            <a:avLst/>
           </a:prstGeom>
           <a:ln>
             <a:tailEnd type="triangle"/>
@@ -8749,7 +10240,7 @@
     </p:spTree>
     <p:extLst>
       <p:ext uri="{BB962C8B-B14F-4D97-AF65-F5344CB8AC3E}">
-        <p14:creationId xmlns:p14="http://schemas.microsoft.com/office/powerpoint/2010/main" val="1651114426"/>
+        <p14:creationId xmlns:p14="http://schemas.microsoft.com/office/powerpoint/2010/main" val="2287967513"/>
       </p:ext>
     </p:extLst>
   </p:cSld>

--- a/UMLDiagrams.pptx
+++ b/UMLDiagrams.pptx
@@ -5,7 +5,7 @@
     <p:sldMasterId id="2147483648" r:id="rId1"/>
   </p:sldMasterIdLst>
   <p:notesMasterIdLst>
-    <p:notesMasterId r:id="rId14"/>
+    <p:notesMasterId r:id="rId15"/>
   </p:notesMasterIdLst>
   <p:sldIdLst>
     <p:sldId id="256" r:id="rId2"/>
@@ -20,6 +20,7 @@
     <p:sldId id="352" r:id="rId11"/>
     <p:sldId id="354" r:id="rId12"/>
     <p:sldId id="355" r:id="rId13"/>
+    <p:sldId id="356" r:id="rId14"/>
   </p:sldIdLst>
   <p:sldSz cx="12192000" cy="6858000"/>
   <p:notesSz cx="6858000" cy="9144000"/>
@@ -129,7 +130,7 @@
 <file path=ppt/revisionInfo.xml><?xml version="1.0" encoding="utf-8"?>
 <p1510:revInfo xmlns:a="http://schemas.openxmlformats.org/drawingml/2006/main" xmlns:r="http://schemas.openxmlformats.org/officeDocument/2006/relationships" xmlns:p1510="http://schemas.microsoft.com/office/powerpoint/2015/10/main">
   <p1510:revLst>
-    <p1510:client id="{034AA59E-D954-44E8-84AB-C770C7EA240B}" v="10" dt="2023-09-11T08:01:24.073"/>
+    <p1510:client id="{034AA59E-D954-44E8-84AB-C770C7EA240B}" v="21" dt="2023-09-11T10:16:40.185"/>
   </p1510:revLst>
 </p1510:revInfo>
 </file>
@@ -138,8 +139,8 @@
 <pc:chgInfo xmlns:a="http://schemas.openxmlformats.org/drawingml/2006/main" xmlns:r="http://schemas.openxmlformats.org/officeDocument/2006/relationships" xmlns:ac="http://schemas.microsoft.com/office/drawing/2013/main/command" xmlns:pc="http://schemas.microsoft.com/office/powerpoint/2013/main/command">
   <pc:docChgLst>
     <pc:chgData name="Manaswini Ray" userId="451f23f8-43b4-4daa-9511-0c9fb98bad1c" providerId="ADAL" clId="{034AA59E-D954-44E8-84AB-C770C7EA240B}"/>
-    <pc:docChg chg="custSel addSld delSld modSld">
-      <pc:chgData name="Manaswini Ray" userId="451f23f8-43b4-4daa-9511-0c9fb98bad1c" providerId="ADAL" clId="{034AA59E-D954-44E8-84AB-C770C7EA240B}" dt="2023-09-11T08:02:38.331" v="172" actId="20577"/>
+    <pc:docChg chg="undo custSel addSld delSld modSld">
+      <pc:chgData name="Manaswini Ray" userId="451f23f8-43b4-4daa-9511-0c9fb98bad1c" providerId="ADAL" clId="{034AA59E-D954-44E8-84AB-C770C7EA240B}" dt="2023-09-11T10:16:47.401" v="371" actId="14100"/>
       <pc:docMkLst>
         <pc:docMk/>
       </pc:docMkLst>
@@ -401,6 +402,325 @@
             <pc:docMk/>
             <pc:sldMk cId="2287967513" sldId="355"/>
             <ac:cxnSpMk id="42" creationId="{A70104BE-4953-4292-9710-10699A2A1241}"/>
+          </ac:cxnSpMkLst>
+        </pc:cxnChg>
+      </pc:sldChg>
+      <pc:sldChg chg="addSp delSp modSp new mod">
+        <pc:chgData name="Manaswini Ray" userId="451f23f8-43b4-4daa-9511-0c9fb98bad1c" providerId="ADAL" clId="{034AA59E-D954-44E8-84AB-C770C7EA240B}" dt="2023-09-11T10:16:47.401" v="371" actId="14100"/>
+        <pc:sldMkLst>
+          <pc:docMk/>
+          <pc:sldMk cId="177032187" sldId="356"/>
+        </pc:sldMkLst>
+        <pc:spChg chg="add del mod">
+          <ac:chgData name="Manaswini Ray" userId="451f23f8-43b4-4daa-9511-0c9fb98bad1c" providerId="ADAL" clId="{034AA59E-D954-44E8-84AB-C770C7EA240B}" dt="2023-09-11T10:10:10.514" v="185" actId="478"/>
+          <ac:spMkLst>
+            <pc:docMk/>
+            <pc:sldMk cId="177032187" sldId="356"/>
+            <ac:spMk id="2" creationId="{AB253826-CEBB-CD80-189B-0A4B5961FEB2}"/>
+          </ac:spMkLst>
+        </pc:spChg>
+        <pc:spChg chg="add mod">
+          <ac:chgData name="Manaswini Ray" userId="451f23f8-43b4-4daa-9511-0c9fb98bad1c" providerId="ADAL" clId="{034AA59E-D954-44E8-84AB-C770C7EA240B}" dt="2023-09-11T10:10:17.221" v="192" actId="20577"/>
+          <ac:spMkLst>
+            <pc:docMk/>
+            <pc:sldMk cId="177032187" sldId="356"/>
+            <ac:spMk id="3" creationId="{47700BED-AAF5-C553-25B7-1DF09E0D05A6}"/>
+          </ac:spMkLst>
+        </pc:spChg>
+        <pc:spChg chg="add mod">
+          <ac:chgData name="Manaswini Ray" userId="451f23f8-43b4-4daa-9511-0c9fb98bad1c" providerId="ADAL" clId="{034AA59E-D954-44E8-84AB-C770C7EA240B}" dt="2023-09-11T10:11:46.641" v="240" actId="14100"/>
+          <ac:spMkLst>
+            <pc:docMk/>
+            <pc:sldMk cId="177032187" sldId="356"/>
+            <ac:spMk id="4" creationId="{C686EFC5-D804-19A7-0E71-92E9FFDEC7D7}"/>
+          </ac:spMkLst>
+        </pc:spChg>
+        <pc:spChg chg="add mod">
+          <ac:chgData name="Manaswini Ray" userId="451f23f8-43b4-4daa-9511-0c9fb98bad1c" providerId="ADAL" clId="{034AA59E-D954-44E8-84AB-C770C7EA240B}" dt="2023-09-11T10:10:11.400" v="186"/>
+          <ac:spMkLst>
+            <pc:docMk/>
+            <pc:sldMk cId="177032187" sldId="356"/>
+            <ac:spMk id="6" creationId="{D79332FB-DACE-AFC9-8D33-EC2BFCD28731}"/>
+          </ac:spMkLst>
+        </pc:spChg>
+        <pc:spChg chg="add mod">
+          <ac:chgData name="Manaswini Ray" userId="451f23f8-43b4-4daa-9511-0c9fb98bad1c" providerId="ADAL" clId="{034AA59E-D954-44E8-84AB-C770C7EA240B}" dt="2023-09-11T10:10:52.859" v="218" actId="20577"/>
+          <ac:spMkLst>
+            <pc:docMk/>
+            <pc:sldMk cId="177032187" sldId="356"/>
+            <ac:spMk id="7" creationId="{317E7BDA-CA56-C349-4E65-DE638AC61D41}"/>
+          </ac:spMkLst>
+        </pc:spChg>
+        <pc:spChg chg="add mod">
+          <ac:chgData name="Manaswini Ray" userId="451f23f8-43b4-4daa-9511-0c9fb98bad1c" providerId="ADAL" clId="{034AA59E-D954-44E8-84AB-C770C7EA240B}" dt="2023-09-11T10:13:40.460" v="289" actId="1076"/>
+          <ac:spMkLst>
+            <pc:docMk/>
+            <pc:sldMk cId="177032187" sldId="356"/>
+            <ac:spMk id="8" creationId="{FF66FB64-87BC-D24F-CB80-17CE1B803EB8}"/>
+          </ac:spMkLst>
+        </pc:spChg>
+        <pc:spChg chg="add mod">
+          <ac:chgData name="Manaswini Ray" userId="451f23f8-43b4-4daa-9511-0c9fb98bad1c" providerId="ADAL" clId="{034AA59E-D954-44E8-84AB-C770C7EA240B}" dt="2023-09-11T10:10:11.400" v="186"/>
+          <ac:spMkLst>
+            <pc:docMk/>
+            <pc:sldMk cId="177032187" sldId="356"/>
+            <ac:spMk id="10" creationId="{3040F5E2-0BFC-9187-4405-19B50E0CF923}"/>
+          </ac:spMkLst>
+        </pc:spChg>
+        <pc:spChg chg="add mod">
+          <ac:chgData name="Manaswini Ray" userId="451f23f8-43b4-4daa-9511-0c9fb98bad1c" providerId="ADAL" clId="{034AA59E-D954-44E8-84AB-C770C7EA240B}" dt="2023-09-11T10:14:11.746" v="293" actId="14100"/>
+          <ac:spMkLst>
+            <pc:docMk/>
+            <pc:sldMk cId="177032187" sldId="356"/>
+            <ac:spMk id="11" creationId="{917B3302-44AF-CD30-34E5-1FACB84BBB28}"/>
+          </ac:spMkLst>
+        </pc:spChg>
+        <pc:spChg chg="add mod">
+          <ac:chgData name="Manaswini Ray" userId="451f23f8-43b4-4daa-9511-0c9fb98bad1c" providerId="ADAL" clId="{034AA59E-D954-44E8-84AB-C770C7EA240B}" dt="2023-09-11T10:13:32.113" v="288" actId="20577"/>
+          <ac:spMkLst>
+            <pc:docMk/>
+            <pc:sldMk cId="177032187" sldId="356"/>
+            <ac:spMk id="13" creationId="{4A44D4C2-74AC-8F92-A3DD-AABF8C0AD852}"/>
+          </ac:spMkLst>
+        </pc:spChg>
+        <pc:spChg chg="add del mod">
+          <ac:chgData name="Manaswini Ray" userId="451f23f8-43b4-4daa-9511-0c9fb98bad1c" providerId="ADAL" clId="{034AA59E-D954-44E8-84AB-C770C7EA240B}" dt="2023-09-11T10:14:35.515" v="300" actId="478"/>
+          <ac:spMkLst>
+            <pc:docMk/>
+            <pc:sldMk cId="177032187" sldId="356"/>
+            <ac:spMk id="14" creationId="{D3BFD05B-6978-CBC3-9A44-AAFED8F6EA2D}"/>
+          </ac:spMkLst>
+        </pc:spChg>
+        <pc:spChg chg="add mod">
+          <ac:chgData name="Manaswini Ray" userId="451f23f8-43b4-4daa-9511-0c9fb98bad1c" providerId="ADAL" clId="{034AA59E-D954-44E8-84AB-C770C7EA240B}" dt="2023-09-11T10:15:46.371" v="337" actId="1076"/>
+          <ac:spMkLst>
+            <pc:docMk/>
+            <pc:sldMk cId="177032187" sldId="356"/>
+            <ac:spMk id="16" creationId="{482D1245-3F5F-3536-A4D6-2E7C93CC6873}"/>
+          </ac:spMkLst>
+        </pc:spChg>
+        <pc:spChg chg="add mod">
+          <ac:chgData name="Manaswini Ray" userId="451f23f8-43b4-4daa-9511-0c9fb98bad1c" providerId="ADAL" clId="{034AA59E-D954-44E8-84AB-C770C7EA240B}" dt="2023-09-11T10:15:46.371" v="337" actId="1076"/>
+          <ac:spMkLst>
+            <pc:docMk/>
+            <pc:sldMk cId="177032187" sldId="356"/>
+            <ac:spMk id="18" creationId="{E0C7199B-3F6F-02EF-9E4E-EB4177951665}"/>
+          </ac:spMkLst>
+        </pc:spChg>
+        <pc:spChg chg="add del mod">
+          <ac:chgData name="Manaswini Ray" userId="451f23f8-43b4-4daa-9511-0c9fb98bad1c" providerId="ADAL" clId="{034AA59E-D954-44E8-84AB-C770C7EA240B}" dt="2023-09-11T10:15:06.791" v="311" actId="478"/>
+          <ac:spMkLst>
+            <pc:docMk/>
+            <pc:sldMk cId="177032187" sldId="356"/>
+            <ac:spMk id="19" creationId="{75B6AD93-7816-FC7C-982E-956825B6B902}"/>
+          </ac:spMkLst>
+        </pc:spChg>
+        <pc:spChg chg="add mod">
+          <ac:chgData name="Manaswini Ray" userId="451f23f8-43b4-4daa-9511-0c9fb98bad1c" providerId="ADAL" clId="{034AA59E-D954-44E8-84AB-C770C7EA240B}" dt="2023-09-11T10:14:51.384" v="305" actId="14100"/>
+          <ac:spMkLst>
+            <pc:docMk/>
+            <pc:sldMk cId="177032187" sldId="356"/>
+            <ac:spMk id="20" creationId="{CF06D752-349F-EE9E-E8E0-5CA35F50D3C3}"/>
+          </ac:spMkLst>
+        </pc:spChg>
+        <pc:spChg chg="add mod">
+          <ac:chgData name="Manaswini Ray" userId="451f23f8-43b4-4daa-9511-0c9fb98bad1c" providerId="ADAL" clId="{034AA59E-D954-44E8-84AB-C770C7EA240B}" dt="2023-09-11T10:15:22.019" v="323" actId="20577"/>
+          <ac:spMkLst>
+            <pc:docMk/>
+            <pc:sldMk cId="177032187" sldId="356"/>
+            <ac:spMk id="22" creationId="{2B4177B8-A26D-404C-3B5B-8D96197B1C37}"/>
+          </ac:spMkLst>
+        </pc:spChg>
+        <pc:spChg chg="add del mod">
+          <ac:chgData name="Manaswini Ray" userId="451f23f8-43b4-4daa-9511-0c9fb98bad1c" providerId="ADAL" clId="{034AA59E-D954-44E8-84AB-C770C7EA240B}" dt="2023-09-11T10:14:47.378" v="303" actId="478"/>
+          <ac:spMkLst>
+            <pc:docMk/>
+            <pc:sldMk cId="177032187" sldId="356"/>
+            <ac:spMk id="23" creationId="{71E2B404-92EC-F6E0-B304-26653447DC18}"/>
+          </ac:spMkLst>
+        </pc:spChg>
+        <pc:spChg chg="add del mod">
+          <ac:chgData name="Manaswini Ray" userId="451f23f8-43b4-4daa-9511-0c9fb98bad1c" providerId="ADAL" clId="{034AA59E-D954-44E8-84AB-C770C7EA240B}" dt="2023-09-11T10:10:25.499" v="195" actId="478"/>
+          <ac:spMkLst>
+            <pc:docMk/>
+            <pc:sldMk cId="177032187" sldId="356"/>
+            <ac:spMk id="26" creationId="{71CE25E2-7F12-60FD-FCA6-38A4FAE07FE9}"/>
+          </ac:spMkLst>
+        </pc:spChg>
+        <pc:spChg chg="add del mod">
+          <ac:chgData name="Manaswini Ray" userId="451f23f8-43b4-4daa-9511-0c9fb98bad1c" providerId="ADAL" clId="{034AA59E-D954-44E8-84AB-C770C7EA240B}" dt="2023-09-11T10:10:28.639" v="196" actId="478"/>
+          <ac:spMkLst>
+            <pc:docMk/>
+            <pc:sldMk cId="177032187" sldId="356"/>
+            <ac:spMk id="28" creationId="{ED3E0ACE-6433-A2CB-511B-13BA9414CF3D}"/>
+          </ac:spMkLst>
+        </pc:spChg>
+        <pc:spChg chg="add del mod">
+          <ac:chgData name="Manaswini Ray" userId="451f23f8-43b4-4daa-9511-0c9fb98bad1c" providerId="ADAL" clId="{034AA59E-D954-44E8-84AB-C770C7EA240B}" dt="2023-09-11T10:10:28.639" v="196" actId="478"/>
+          <ac:spMkLst>
+            <pc:docMk/>
+            <pc:sldMk cId="177032187" sldId="356"/>
+            <ac:spMk id="29" creationId="{742858E7-60AE-F11D-FFA2-10EC69546149}"/>
+          </ac:spMkLst>
+        </pc:spChg>
+        <pc:spChg chg="add mod">
+          <ac:chgData name="Manaswini Ray" userId="451f23f8-43b4-4daa-9511-0c9fb98bad1c" providerId="ADAL" clId="{034AA59E-D954-44E8-84AB-C770C7EA240B}" dt="2023-09-11T10:14:40.450" v="301" actId="1076"/>
+          <ac:spMkLst>
+            <pc:docMk/>
+            <pc:sldMk cId="177032187" sldId="356"/>
+            <ac:spMk id="59" creationId="{AAF2C172-1B8A-B0B3-A744-543C11437697}"/>
+          </ac:spMkLst>
+        </pc:spChg>
+        <pc:spChg chg="add mod">
+          <ac:chgData name="Manaswini Ray" userId="451f23f8-43b4-4daa-9511-0c9fb98bad1c" providerId="ADAL" clId="{034AA59E-D954-44E8-84AB-C770C7EA240B}" dt="2023-09-11T10:14:58.526" v="307" actId="1076"/>
+          <ac:spMkLst>
+            <pc:docMk/>
+            <pc:sldMk cId="177032187" sldId="356"/>
+            <ac:spMk id="60" creationId="{ECE70125-0E23-7A86-0537-5E5A671D5E10}"/>
+          </ac:spMkLst>
+        </pc:spChg>
+        <pc:spChg chg="add mod">
+          <ac:chgData name="Manaswini Ray" userId="451f23f8-43b4-4daa-9511-0c9fb98bad1c" providerId="ADAL" clId="{034AA59E-D954-44E8-84AB-C770C7EA240B}" dt="2023-09-11T10:15:46.371" v="337" actId="1076"/>
+          <ac:spMkLst>
+            <pc:docMk/>
+            <pc:sldMk cId="177032187" sldId="356"/>
+            <ac:spMk id="69" creationId="{B91DF25D-031F-A488-D5C8-71848D3C24F8}"/>
+          </ac:spMkLst>
+        </pc:spChg>
+        <pc:spChg chg="add del mod">
+          <ac:chgData name="Manaswini Ray" userId="451f23f8-43b4-4daa-9511-0c9fb98bad1c" providerId="ADAL" clId="{034AA59E-D954-44E8-84AB-C770C7EA240B}" dt="2023-09-11T10:15:32.016" v="334"/>
+          <ac:spMkLst>
+            <pc:docMk/>
+            <pc:sldMk cId="177032187" sldId="356"/>
+            <ac:spMk id="70" creationId="{BD2DA5BC-0ACF-0AAE-27FC-70162CA35A60}"/>
+          </ac:spMkLst>
+        </pc:spChg>
+        <pc:spChg chg="add mod">
+          <ac:chgData name="Manaswini Ray" userId="451f23f8-43b4-4daa-9511-0c9fb98bad1c" providerId="ADAL" clId="{034AA59E-D954-44E8-84AB-C770C7EA240B}" dt="2023-09-11T10:15:56.574" v="338" actId="1076"/>
+          <ac:spMkLst>
+            <pc:docMk/>
+            <pc:sldMk cId="177032187" sldId="356"/>
+            <ac:spMk id="71" creationId="{902DD32C-EC4F-EBFE-8F92-A6E25F740575}"/>
+          </ac:spMkLst>
+        </pc:spChg>
+        <pc:spChg chg="add mod">
+          <ac:chgData name="Manaswini Ray" userId="451f23f8-43b4-4daa-9511-0c9fb98bad1c" providerId="ADAL" clId="{034AA59E-D954-44E8-84AB-C770C7EA240B}" dt="2023-09-11T10:16:05.173" v="356" actId="20577"/>
+          <ac:spMkLst>
+            <pc:docMk/>
+            <pc:sldMk cId="177032187" sldId="356"/>
+            <ac:spMk id="73" creationId="{B63EFF87-E536-7AB9-7674-7DDF5DEB4EB8}"/>
+          </ac:spMkLst>
+        </pc:spChg>
+        <pc:spChg chg="add mod">
+          <ac:chgData name="Manaswini Ray" userId="451f23f8-43b4-4daa-9511-0c9fb98bad1c" providerId="ADAL" clId="{034AA59E-D954-44E8-84AB-C770C7EA240B}" dt="2023-09-11T10:15:56.574" v="338" actId="1076"/>
+          <ac:spMkLst>
+            <pc:docMk/>
+            <pc:sldMk cId="177032187" sldId="356"/>
+            <ac:spMk id="74" creationId="{9FA4EDB4-12AB-2F25-A41E-7AE2EFA315C0}"/>
+          </ac:spMkLst>
+        </pc:spChg>
+        <pc:cxnChg chg="add mod">
+          <ac:chgData name="Manaswini Ray" userId="451f23f8-43b4-4daa-9511-0c9fb98bad1c" providerId="ADAL" clId="{034AA59E-D954-44E8-84AB-C770C7EA240B}" dt="2023-09-11T10:12:33.850" v="245" actId="1076"/>
+          <ac:cxnSpMkLst>
+            <pc:docMk/>
+            <pc:sldMk cId="177032187" sldId="356"/>
+            <ac:cxnSpMk id="5" creationId="{0DCFB374-5871-A17E-FD9D-512A7FBF3A6B}"/>
+          </ac:cxnSpMkLst>
+        </pc:cxnChg>
+        <pc:cxnChg chg="add mod">
+          <ac:chgData name="Manaswini Ray" userId="451f23f8-43b4-4daa-9511-0c9fb98bad1c" providerId="ADAL" clId="{034AA59E-D954-44E8-84AB-C770C7EA240B}" dt="2023-09-11T10:13:40.460" v="289" actId="1076"/>
+          <ac:cxnSpMkLst>
+            <pc:docMk/>
+            <pc:sldMk cId="177032187" sldId="356"/>
+            <ac:cxnSpMk id="9" creationId="{FB696BA3-C47A-ADAD-C5A6-C19604543092}"/>
+          </ac:cxnSpMkLst>
+        </pc:cxnChg>
+        <pc:cxnChg chg="add mod">
+          <ac:chgData name="Manaswini Ray" userId="451f23f8-43b4-4daa-9511-0c9fb98bad1c" providerId="ADAL" clId="{034AA59E-D954-44E8-84AB-C770C7EA240B}" dt="2023-09-11T10:14:23.582" v="297" actId="1076"/>
+          <ac:cxnSpMkLst>
+            <pc:docMk/>
+            <pc:sldMk cId="177032187" sldId="356"/>
+            <ac:cxnSpMk id="12" creationId="{FB2C0331-65B3-73AC-AED0-A3E373893088}"/>
+          </ac:cxnSpMkLst>
+        </pc:cxnChg>
+        <pc:cxnChg chg="add mod">
+          <ac:chgData name="Manaswini Ray" userId="451f23f8-43b4-4daa-9511-0c9fb98bad1c" providerId="ADAL" clId="{034AA59E-D954-44E8-84AB-C770C7EA240B}" dt="2023-09-11T10:16:26.058" v="361" actId="14100"/>
+          <ac:cxnSpMkLst>
+            <pc:docMk/>
+            <pc:sldMk cId="177032187" sldId="356"/>
+            <ac:cxnSpMk id="15" creationId="{BCAE0049-25D1-4D23-A5BB-241D833E8263}"/>
+          </ac:cxnSpMkLst>
+        </pc:cxnChg>
+        <pc:cxnChg chg="add mod">
+          <ac:chgData name="Manaswini Ray" userId="451f23f8-43b4-4daa-9511-0c9fb98bad1c" providerId="ADAL" clId="{034AA59E-D954-44E8-84AB-C770C7EA240B}" dt="2023-09-11T10:15:46.371" v="337" actId="1076"/>
+          <ac:cxnSpMkLst>
+            <pc:docMk/>
+            <pc:sldMk cId="177032187" sldId="356"/>
+            <ac:cxnSpMk id="17" creationId="{68146648-037A-1CC5-4FD3-D94498BA9EA5}"/>
+          </ac:cxnSpMkLst>
+        </pc:cxnChg>
+        <pc:cxnChg chg="add mod">
+          <ac:chgData name="Manaswini Ray" userId="451f23f8-43b4-4daa-9511-0c9fb98bad1c" providerId="ADAL" clId="{034AA59E-D954-44E8-84AB-C770C7EA240B}" dt="2023-09-11T10:14:53.653" v="306" actId="1076"/>
+          <ac:cxnSpMkLst>
+            <pc:docMk/>
+            <pc:sldMk cId="177032187" sldId="356"/>
+            <ac:cxnSpMk id="21" creationId="{E1707F3A-DC4F-DB7A-F06C-2056D4D2095A}"/>
+          </ac:cxnSpMkLst>
+        </pc:cxnChg>
+        <pc:cxnChg chg="add mod">
+          <ac:chgData name="Manaswini Ray" userId="451f23f8-43b4-4daa-9511-0c9fb98bad1c" providerId="ADAL" clId="{034AA59E-D954-44E8-84AB-C770C7EA240B}" dt="2023-09-11T10:15:46.371" v="337" actId="1076"/>
+          <ac:cxnSpMkLst>
+            <pc:docMk/>
+            <pc:sldMk cId="177032187" sldId="356"/>
+            <ac:cxnSpMk id="24" creationId="{3E5667DE-6A7D-665B-F817-276EA7F92DEF}"/>
+          </ac:cxnSpMkLst>
+        </pc:cxnChg>
+        <pc:cxnChg chg="add mod">
+          <ac:chgData name="Manaswini Ray" userId="451f23f8-43b4-4daa-9511-0c9fb98bad1c" providerId="ADAL" clId="{034AA59E-D954-44E8-84AB-C770C7EA240B}" dt="2023-09-11T10:14:51.384" v="305" actId="14100"/>
+          <ac:cxnSpMkLst>
+            <pc:docMk/>
+            <pc:sldMk cId="177032187" sldId="356"/>
+            <ac:cxnSpMk id="25" creationId="{3BA56AA5-1877-232F-2C03-40E1AAD31CE9}"/>
+          </ac:cxnSpMkLst>
+        </pc:cxnChg>
+        <pc:cxnChg chg="add del mod">
+          <ac:chgData name="Manaswini Ray" userId="451f23f8-43b4-4daa-9511-0c9fb98bad1c" providerId="ADAL" clId="{034AA59E-D954-44E8-84AB-C770C7EA240B}" dt="2023-09-11T10:10:28.639" v="196" actId="478"/>
+          <ac:cxnSpMkLst>
+            <pc:docMk/>
+            <pc:sldMk cId="177032187" sldId="356"/>
+            <ac:cxnSpMk id="27" creationId="{DA886FCD-AA2C-8BF1-4D29-4E73962EA212}"/>
+          </ac:cxnSpMkLst>
+        </pc:cxnChg>
+        <pc:cxnChg chg="add del mod">
+          <ac:chgData name="Manaswini Ray" userId="451f23f8-43b4-4daa-9511-0c9fb98bad1c" providerId="ADAL" clId="{034AA59E-D954-44E8-84AB-C770C7EA240B}" dt="2023-09-11T10:10:31.265" v="197" actId="478"/>
+          <ac:cxnSpMkLst>
+            <pc:docMk/>
+            <pc:sldMk cId="177032187" sldId="356"/>
+            <ac:cxnSpMk id="30" creationId="{55EBDB1F-1731-FB27-C349-20991D64398C}"/>
+          </ac:cxnSpMkLst>
+        </pc:cxnChg>
+        <pc:cxnChg chg="add mod">
+          <ac:chgData name="Manaswini Ray" userId="451f23f8-43b4-4daa-9511-0c9fb98bad1c" providerId="ADAL" clId="{034AA59E-D954-44E8-84AB-C770C7EA240B}" dt="2023-09-11T10:15:56.574" v="338" actId="1076"/>
+          <ac:cxnSpMkLst>
+            <pc:docMk/>
+            <pc:sldMk cId="177032187" sldId="356"/>
+            <ac:cxnSpMk id="72" creationId="{9FF42B6B-B6F5-5A2D-B90D-A7E2EAF5E58D}"/>
+          </ac:cxnSpMkLst>
+        </pc:cxnChg>
+        <pc:cxnChg chg="add del mod">
+          <ac:chgData name="Manaswini Ray" userId="451f23f8-43b4-4daa-9511-0c9fb98bad1c" providerId="ADAL" clId="{034AA59E-D954-44E8-84AB-C770C7EA240B}" dt="2023-09-11T10:16:34.943" v="368"/>
+          <ac:cxnSpMkLst>
+            <pc:docMk/>
+            <pc:sldMk cId="177032187" sldId="356"/>
+            <ac:cxnSpMk id="76" creationId="{4882E5B4-E313-59B3-CA19-2DF66C455798}"/>
+          </ac:cxnSpMkLst>
+        </pc:cxnChg>
+        <pc:cxnChg chg="add mod">
+          <ac:chgData name="Manaswini Ray" userId="451f23f8-43b4-4daa-9511-0c9fb98bad1c" providerId="ADAL" clId="{034AA59E-D954-44E8-84AB-C770C7EA240B}" dt="2023-09-11T10:16:47.401" v="371" actId="14100"/>
+          <ac:cxnSpMkLst>
+            <pc:docMk/>
+            <pc:sldMk cId="177032187" sldId="356"/>
+            <ac:cxnSpMk id="82" creationId="{0E482E31-92EA-4588-3E88-6A2BDBD1359A}"/>
           </ac:cxnSpMkLst>
         </pc:cxnChg>
       </pc:sldChg>
@@ -10241,6 +10561,1388 @@
     <p:extLst>
       <p:ext uri="{BB962C8B-B14F-4D97-AF65-F5344CB8AC3E}">
         <p14:creationId xmlns:p14="http://schemas.microsoft.com/office/powerpoint/2010/main" val="2287967513"/>
+      </p:ext>
+    </p:extLst>
+  </p:cSld>
+  <p:clrMapOvr>
+    <a:masterClrMapping/>
+  </p:clrMapOvr>
+</p:sld>
+</file>
+
+<file path=ppt/slides/slide13.xml><?xml version="1.0" encoding="utf-8"?>
+<p:sld xmlns:a="http://schemas.openxmlformats.org/drawingml/2006/main" xmlns:r="http://schemas.openxmlformats.org/officeDocument/2006/relationships" xmlns:p="http://schemas.openxmlformats.org/presentationml/2006/main">
+  <p:cSld>
+    <p:spTree>
+      <p:nvGrpSpPr>
+        <p:cNvPr id="1" name=""/>
+        <p:cNvGrpSpPr/>
+        <p:nvPr/>
+      </p:nvGrpSpPr>
+      <p:grpSpPr>
+        <a:xfrm>
+          <a:off x="0" y="0"/>
+          <a:ext cx="0" cy="0"/>
+          <a:chOff x="0" y="0"/>
+          <a:chExt cx="0" cy="0"/>
+        </a:xfrm>
+      </p:grpSpPr>
+      <p:sp>
+        <p:nvSpPr>
+          <p:cNvPr id="3" name="TextBox 2">
+            <a:extLst>
+              <a:ext uri="{FF2B5EF4-FFF2-40B4-BE49-F238E27FC236}">
+                <a16:creationId xmlns:a16="http://schemas.microsoft.com/office/drawing/2014/main" id="{47700BED-AAF5-C553-25B7-1DF09E0D05A6}"/>
+              </a:ext>
+            </a:extLst>
+          </p:cNvPr>
+          <p:cNvSpPr txBox="1"/>
+          <p:nvPr/>
+        </p:nvSpPr>
+        <p:spPr>
+          <a:xfrm>
+            <a:off x="252248" y="393403"/>
+            <a:ext cx="6138040" cy="400110"/>
+          </a:xfrm>
+          <a:prstGeom prst="rect">
+            <a:avLst/>
+          </a:prstGeom>
+          <a:noFill/>
+        </p:spPr>
+        <p:txBody>
+          <a:bodyPr wrap="square">
+            <a:spAutoFit/>
+          </a:bodyPr>
+          <a:lstStyle/>
+          <a:p>
+            <a:r>
+              <a:rPr lang="en-US" sz="2000" b="1" u="sng" dirty="0">
+                <a:solidFill>
+                  <a:srgbClr val="000000"/>
+                </a:solidFill>
+              </a:rPr>
+              <a:t>State </a:t>
+            </a:r>
+            <a:r>
+              <a:rPr lang="en-IN" sz="2000" b="1" u="sng" dirty="0">
+                <a:solidFill>
+                  <a:srgbClr val="000000"/>
+                </a:solidFill>
+              </a:rPr>
+              <a:t>Design Pattern</a:t>
+            </a:r>
+            <a:endParaRPr lang="en-IN" sz="2000" b="1" u="sng" dirty="0"/>
+          </a:p>
+        </p:txBody>
+      </p:sp>
+      <p:sp>
+        <p:nvSpPr>
+          <p:cNvPr id="4" name="Rectangle 3">
+            <a:extLst>
+              <a:ext uri="{FF2B5EF4-FFF2-40B4-BE49-F238E27FC236}">
+                <a16:creationId xmlns:a16="http://schemas.microsoft.com/office/drawing/2014/main" id="{C686EFC5-D804-19A7-0E71-92E9FFDEC7D7}"/>
+              </a:ext>
+            </a:extLst>
+          </p:cNvPr>
+          <p:cNvSpPr/>
+          <p:nvPr/>
+        </p:nvSpPr>
+        <p:spPr>
+          <a:xfrm>
+            <a:off x="2748169" y="1587742"/>
+            <a:ext cx="2991679" cy="2301085"/>
+          </a:xfrm>
+          <a:prstGeom prst="rect">
+            <a:avLst/>
+          </a:prstGeom>
+          <a:noFill/>
+          <a:ln>
+            <a:solidFill>
+              <a:schemeClr val="bg2">
+                <a:lumMod val="10000"/>
+              </a:schemeClr>
+            </a:solidFill>
+          </a:ln>
+        </p:spPr>
+        <p:style>
+          <a:lnRef idx="2">
+            <a:schemeClr val="accent1">
+              <a:shade val="50000"/>
+            </a:schemeClr>
+          </a:lnRef>
+          <a:fillRef idx="1">
+            <a:schemeClr val="accent1"/>
+          </a:fillRef>
+          <a:effectRef idx="0">
+            <a:schemeClr val="accent1"/>
+          </a:effectRef>
+          <a:fontRef idx="minor">
+            <a:schemeClr val="lt1"/>
+          </a:fontRef>
+        </p:style>
+        <p:txBody>
+          <a:bodyPr rtlCol="0" anchor="ctr"/>
+          <a:lstStyle/>
+          <a:p>
+            <a:pPr algn="ctr"/>
+            <a:endParaRPr lang="en-IN"/>
+          </a:p>
+        </p:txBody>
+      </p:sp>
+      <p:cxnSp>
+        <p:nvCxnSpPr>
+          <p:cNvPr id="5" name="Straight Connector 4">
+            <a:extLst>
+              <a:ext uri="{FF2B5EF4-FFF2-40B4-BE49-F238E27FC236}">
+                <a16:creationId xmlns:a16="http://schemas.microsoft.com/office/drawing/2014/main" id="{0DCFB374-5871-A17E-FD9D-512A7FBF3A6B}"/>
+              </a:ext>
+            </a:extLst>
+          </p:cNvPr>
+          <p:cNvCxnSpPr>
+            <a:cxnSpLocks/>
+          </p:cNvCxnSpPr>
+          <p:nvPr/>
+        </p:nvCxnSpPr>
+        <p:spPr>
+          <a:xfrm>
+            <a:off x="2748168" y="2237170"/>
+            <a:ext cx="2991679" cy="0"/>
+          </a:xfrm>
+          <a:prstGeom prst="line">
+            <a:avLst/>
+          </a:prstGeom>
+          <a:ln>
+            <a:solidFill>
+              <a:schemeClr val="tx1">
+                <a:lumMod val="95000"/>
+                <a:lumOff val="5000"/>
+              </a:schemeClr>
+            </a:solidFill>
+          </a:ln>
+        </p:spPr>
+        <p:style>
+          <a:lnRef idx="1">
+            <a:schemeClr val="accent1"/>
+          </a:lnRef>
+          <a:fillRef idx="0">
+            <a:schemeClr val="accent1"/>
+          </a:fillRef>
+          <a:effectRef idx="0">
+            <a:schemeClr val="accent1"/>
+          </a:effectRef>
+          <a:fontRef idx="minor">
+            <a:schemeClr val="tx1"/>
+          </a:fontRef>
+        </p:style>
+      </p:cxnSp>
+      <p:sp>
+        <p:nvSpPr>
+          <p:cNvPr id="6" name="TextBox 5">
+            <a:extLst>
+              <a:ext uri="{FF2B5EF4-FFF2-40B4-BE49-F238E27FC236}">
+                <a16:creationId xmlns:a16="http://schemas.microsoft.com/office/drawing/2014/main" id="{D79332FB-DACE-AFC9-8D33-EC2BFCD28731}"/>
+              </a:ext>
+            </a:extLst>
+          </p:cNvPr>
+          <p:cNvSpPr txBox="1"/>
+          <p:nvPr/>
+        </p:nvSpPr>
+        <p:spPr>
+          <a:xfrm>
+            <a:off x="583216" y="1332637"/>
+            <a:ext cx="1373138" cy="369332"/>
+          </a:xfrm>
+          <a:prstGeom prst="rect">
+            <a:avLst/>
+          </a:prstGeom>
+          <a:noFill/>
+        </p:spPr>
+        <p:txBody>
+          <a:bodyPr wrap="square" rtlCol="0">
+            <a:spAutoFit/>
+          </a:bodyPr>
+          <a:lstStyle/>
+          <a:p>
+            <a:r>
+              <a:rPr lang="en-US" dirty="0"/>
+              <a:t>Client</a:t>
+            </a:r>
+            <a:endParaRPr lang="en-IN" dirty="0"/>
+          </a:p>
+        </p:txBody>
+      </p:sp>
+      <p:sp>
+        <p:nvSpPr>
+          <p:cNvPr id="7" name="TextBox 6">
+            <a:extLst>
+              <a:ext uri="{FF2B5EF4-FFF2-40B4-BE49-F238E27FC236}">
+                <a16:creationId xmlns:a16="http://schemas.microsoft.com/office/drawing/2014/main" id="{317E7BDA-CA56-C349-4E65-DE638AC61D41}"/>
+              </a:ext>
+            </a:extLst>
+          </p:cNvPr>
+          <p:cNvSpPr txBox="1"/>
+          <p:nvPr/>
+        </p:nvSpPr>
+        <p:spPr>
+          <a:xfrm>
+            <a:off x="2773015" y="1708739"/>
+            <a:ext cx="2613993" cy="369332"/>
+          </a:xfrm>
+          <a:prstGeom prst="rect">
+            <a:avLst/>
+          </a:prstGeom>
+          <a:noFill/>
+        </p:spPr>
+        <p:txBody>
+          <a:bodyPr wrap="square" rtlCol="0">
+            <a:spAutoFit/>
+          </a:bodyPr>
+          <a:lstStyle/>
+          <a:p>
+            <a:r>
+              <a:rPr lang="en-US" dirty="0" err="1"/>
+              <a:t>IUserState</a:t>
+            </a:r>
+            <a:endParaRPr lang="en-IN" dirty="0"/>
+          </a:p>
+        </p:txBody>
+      </p:sp>
+      <p:sp>
+        <p:nvSpPr>
+          <p:cNvPr id="8" name="TextBox 7">
+            <a:extLst>
+              <a:ext uri="{FF2B5EF4-FFF2-40B4-BE49-F238E27FC236}">
+                <a16:creationId xmlns:a16="http://schemas.microsoft.com/office/drawing/2014/main" id="{FF66FB64-87BC-D24F-CB80-17CE1B803EB8}"/>
+              </a:ext>
+            </a:extLst>
+          </p:cNvPr>
+          <p:cNvSpPr txBox="1"/>
+          <p:nvPr/>
+        </p:nvSpPr>
+        <p:spPr>
+          <a:xfrm>
+            <a:off x="2748168" y="2515421"/>
+            <a:ext cx="2613993" cy="1200329"/>
+          </a:xfrm>
+          <a:prstGeom prst="rect">
+            <a:avLst/>
+          </a:prstGeom>
+          <a:noFill/>
+        </p:spPr>
+        <p:txBody>
+          <a:bodyPr wrap="square" rtlCol="0">
+            <a:spAutoFit/>
+          </a:bodyPr>
+          <a:lstStyle/>
+          <a:p>
+            <a:r>
+              <a:rPr lang="en-US" dirty="0" err="1"/>
+              <a:t>SendMessage</a:t>
+            </a:r>
+            <a:r>
+              <a:rPr lang="en-US" dirty="0"/>
+              <a:t>()</a:t>
+            </a:r>
+          </a:p>
+          <a:p>
+            <a:r>
+              <a:rPr lang="en-US" dirty="0" err="1"/>
+              <a:t>ReceiveMessage</a:t>
+            </a:r>
+            <a:r>
+              <a:rPr lang="en-US" dirty="0"/>
+              <a:t>()</a:t>
+            </a:r>
+          </a:p>
+          <a:p>
+            <a:r>
+              <a:rPr lang="en-US" dirty="0" err="1"/>
+              <a:t>GetStatus</a:t>
+            </a:r>
+            <a:r>
+              <a:rPr lang="en-US" dirty="0"/>
+              <a:t>()</a:t>
+            </a:r>
+          </a:p>
+          <a:p>
+            <a:endParaRPr lang="en-US" dirty="0"/>
+          </a:p>
+        </p:txBody>
+      </p:sp>
+      <p:cxnSp>
+        <p:nvCxnSpPr>
+          <p:cNvPr id="9" name="Straight Arrow Connector 17">
+            <a:extLst>
+              <a:ext uri="{FF2B5EF4-FFF2-40B4-BE49-F238E27FC236}">
+                <a16:creationId xmlns:a16="http://schemas.microsoft.com/office/drawing/2014/main" id="{FB696BA3-C47A-ADAD-C5A6-C19604543092}"/>
+              </a:ext>
+            </a:extLst>
+          </p:cNvPr>
+          <p:cNvCxnSpPr>
+            <a:cxnSpLocks/>
+            <a:stCxn id="10" idx="2"/>
+            <a:endCxn id="8" idx="1"/>
+          </p:cNvCxnSpPr>
+          <p:nvPr/>
+        </p:nvCxnSpPr>
+        <p:spPr>
+          <a:xfrm rot="16200000" flipH="1">
+            <a:off x="1411851" y="1779268"/>
+            <a:ext cx="1202703" cy="1469932"/>
+          </a:xfrm>
+          <a:prstGeom prst="bentConnector2">
+            <a:avLst/>
+          </a:prstGeom>
+          <a:ln>
+            <a:tailEnd type="triangle"/>
+          </a:ln>
+        </p:spPr>
+        <p:style>
+          <a:lnRef idx="1">
+            <a:schemeClr val="dk1"/>
+          </a:lnRef>
+          <a:fillRef idx="0">
+            <a:schemeClr val="dk1"/>
+          </a:fillRef>
+          <a:effectRef idx="0">
+            <a:schemeClr val="dk1"/>
+          </a:effectRef>
+          <a:fontRef idx="minor">
+            <a:schemeClr val="tx1"/>
+          </a:fontRef>
+        </p:style>
+      </p:cxnSp>
+      <p:sp>
+        <p:nvSpPr>
+          <p:cNvPr id="10" name="Rectangle 9">
+            <a:extLst>
+              <a:ext uri="{FF2B5EF4-FFF2-40B4-BE49-F238E27FC236}">
+                <a16:creationId xmlns:a16="http://schemas.microsoft.com/office/drawing/2014/main" id="{3040F5E2-0BFC-9187-4405-19B50E0CF923}"/>
+              </a:ext>
+            </a:extLst>
+          </p:cNvPr>
+          <p:cNvSpPr/>
+          <p:nvPr/>
+        </p:nvSpPr>
+        <p:spPr>
+          <a:xfrm>
+            <a:off x="252248" y="1147106"/>
+            <a:ext cx="2051975" cy="765777"/>
+          </a:xfrm>
+          <a:prstGeom prst="rect">
+            <a:avLst/>
+          </a:prstGeom>
+          <a:noFill/>
+          <a:ln>
+            <a:solidFill>
+              <a:schemeClr val="bg2">
+                <a:lumMod val="10000"/>
+              </a:schemeClr>
+            </a:solidFill>
+          </a:ln>
+        </p:spPr>
+        <p:style>
+          <a:lnRef idx="2">
+            <a:schemeClr val="accent1">
+              <a:shade val="50000"/>
+            </a:schemeClr>
+          </a:lnRef>
+          <a:fillRef idx="1">
+            <a:schemeClr val="accent1"/>
+          </a:fillRef>
+          <a:effectRef idx="0">
+            <a:schemeClr val="accent1"/>
+          </a:effectRef>
+          <a:fontRef idx="minor">
+            <a:schemeClr val="lt1"/>
+          </a:fontRef>
+        </p:style>
+        <p:txBody>
+          <a:bodyPr rtlCol="0" anchor="ctr"/>
+          <a:lstStyle/>
+          <a:p>
+            <a:pPr algn="ctr"/>
+            <a:endParaRPr lang="en-IN"/>
+          </a:p>
+        </p:txBody>
+      </p:sp>
+      <p:sp>
+        <p:nvSpPr>
+          <p:cNvPr id="11" name="Rectangle 10">
+            <a:extLst>
+              <a:ext uri="{FF2B5EF4-FFF2-40B4-BE49-F238E27FC236}">
+                <a16:creationId xmlns:a16="http://schemas.microsoft.com/office/drawing/2014/main" id="{917B3302-44AF-CD30-34E5-1FACB84BBB28}"/>
+              </a:ext>
+            </a:extLst>
+          </p:cNvPr>
+          <p:cNvSpPr/>
+          <p:nvPr/>
+        </p:nvSpPr>
+        <p:spPr>
+          <a:xfrm>
+            <a:off x="7292408" y="322457"/>
+            <a:ext cx="2991679" cy="1755613"/>
+          </a:xfrm>
+          <a:prstGeom prst="rect">
+            <a:avLst/>
+          </a:prstGeom>
+          <a:noFill/>
+          <a:ln>
+            <a:solidFill>
+              <a:schemeClr val="bg2">
+                <a:lumMod val="10000"/>
+              </a:schemeClr>
+            </a:solidFill>
+          </a:ln>
+        </p:spPr>
+        <p:style>
+          <a:lnRef idx="2">
+            <a:schemeClr val="accent1">
+              <a:shade val="50000"/>
+            </a:schemeClr>
+          </a:lnRef>
+          <a:fillRef idx="1">
+            <a:schemeClr val="accent1"/>
+          </a:fillRef>
+          <a:effectRef idx="0">
+            <a:schemeClr val="accent1"/>
+          </a:effectRef>
+          <a:fontRef idx="minor">
+            <a:schemeClr val="lt1"/>
+          </a:fontRef>
+        </p:style>
+        <p:txBody>
+          <a:bodyPr rtlCol="0" anchor="ctr"/>
+          <a:lstStyle/>
+          <a:p>
+            <a:pPr algn="ctr"/>
+            <a:endParaRPr lang="en-IN"/>
+          </a:p>
+        </p:txBody>
+      </p:sp>
+      <p:cxnSp>
+        <p:nvCxnSpPr>
+          <p:cNvPr id="12" name="Straight Connector 11">
+            <a:extLst>
+              <a:ext uri="{FF2B5EF4-FFF2-40B4-BE49-F238E27FC236}">
+                <a16:creationId xmlns:a16="http://schemas.microsoft.com/office/drawing/2014/main" id="{FB2C0331-65B3-73AC-AED0-A3E373893088}"/>
+              </a:ext>
+            </a:extLst>
+          </p:cNvPr>
+          <p:cNvCxnSpPr>
+            <a:cxnSpLocks/>
+          </p:cNvCxnSpPr>
+          <p:nvPr/>
+        </p:nvCxnSpPr>
+        <p:spPr>
+          <a:xfrm>
+            <a:off x="7292408" y="958525"/>
+            <a:ext cx="2991679" cy="0"/>
+          </a:xfrm>
+          <a:prstGeom prst="line">
+            <a:avLst/>
+          </a:prstGeom>
+          <a:ln>
+            <a:solidFill>
+              <a:schemeClr val="tx1">
+                <a:lumMod val="95000"/>
+                <a:lumOff val="5000"/>
+              </a:schemeClr>
+            </a:solidFill>
+          </a:ln>
+        </p:spPr>
+        <p:style>
+          <a:lnRef idx="1">
+            <a:schemeClr val="accent1"/>
+          </a:lnRef>
+          <a:fillRef idx="0">
+            <a:schemeClr val="accent1"/>
+          </a:fillRef>
+          <a:effectRef idx="0">
+            <a:schemeClr val="accent1"/>
+          </a:effectRef>
+          <a:fontRef idx="minor">
+            <a:schemeClr val="tx1"/>
+          </a:fontRef>
+        </p:style>
+      </p:cxnSp>
+      <p:sp>
+        <p:nvSpPr>
+          <p:cNvPr id="13" name="TextBox 12">
+            <a:extLst>
+              <a:ext uri="{FF2B5EF4-FFF2-40B4-BE49-F238E27FC236}">
+                <a16:creationId xmlns:a16="http://schemas.microsoft.com/office/drawing/2014/main" id="{4A44D4C2-74AC-8F92-A3DD-AABF8C0AD852}"/>
+              </a:ext>
+            </a:extLst>
+          </p:cNvPr>
+          <p:cNvSpPr txBox="1"/>
+          <p:nvPr/>
+        </p:nvSpPr>
+        <p:spPr>
+          <a:xfrm>
+            <a:off x="7317254" y="440936"/>
+            <a:ext cx="2613993" cy="369332"/>
+          </a:xfrm>
+          <a:prstGeom prst="rect">
+            <a:avLst/>
+          </a:prstGeom>
+          <a:noFill/>
+        </p:spPr>
+        <p:txBody>
+          <a:bodyPr wrap="square" rtlCol="0">
+            <a:spAutoFit/>
+          </a:bodyPr>
+          <a:lstStyle/>
+          <a:p>
+            <a:r>
+              <a:rPr lang="en-US" dirty="0" err="1"/>
+              <a:t>OnlineState</a:t>
+            </a:r>
+            <a:endParaRPr lang="en-IN" dirty="0"/>
+          </a:p>
+        </p:txBody>
+      </p:sp>
+      <p:cxnSp>
+        <p:nvCxnSpPr>
+          <p:cNvPr id="15" name="Straight Arrow Connector 17">
+            <a:extLst>
+              <a:ext uri="{FF2B5EF4-FFF2-40B4-BE49-F238E27FC236}">
+                <a16:creationId xmlns:a16="http://schemas.microsoft.com/office/drawing/2014/main" id="{BCAE0049-25D1-4D23-A5BB-241D833E8263}"/>
+              </a:ext>
+            </a:extLst>
+          </p:cNvPr>
+          <p:cNvCxnSpPr>
+            <a:cxnSpLocks/>
+            <a:stCxn id="4" idx="3"/>
+          </p:cNvCxnSpPr>
+          <p:nvPr/>
+        </p:nvCxnSpPr>
+        <p:spPr>
+          <a:xfrm flipV="1">
+            <a:off x="5739848" y="1689802"/>
+            <a:ext cx="1577406" cy="1048483"/>
+          </a:xfrm>
+          <a:prstGeom prst="bentConnector3">
+            <a:avLst>
+              <a:gd name="adj1" fmla="val 50000"/>
+            </a:avLst>
+          </a:prstGeom>
+          <a:ln>
+            <a:tailEnd type="triangle"/>
+          </a:ln>
+        </p:spPr>
+        <p:style>
+          <a:lnRef idx="1">
+            <a:schemeClr val="dk1"/>
+          </a:lnRef>
+          <a:fillRef idx="0">
+            <a:schemeClr val="dk1"/>
+          </a:fillRef>
+          <a:effectRef idx="0">
+            <a:schemeClr val="dk1"/>
+          </a:effectRef>
+          <a:fontRef idx="minor">
+            <a:schemeClr val="tx1"/>
+          </a:fontRef>
+        </p:style>
+      </p:cxnSp>
+      <p:sp>
+        <p:nvSpPr>
+          <p:cNvPr id="16" name="Rectangle 15">
+            <a:extLst>
+              <a:ext uri="{FF2B5EF4-FFF2-40B4-BE49-F238E27FC236}">
+                <a16:creationId xmlns:a16="http://schemas.microsoft.com/office/drawing/2014/main" id="{482D1245-3F5F-3536-A4D6-2E7C93CC6873}"/>
+              </a:ext>
+            </a:extLst>
+          </p:cNvPr>
+          <p:cNvSpPr/>
+          <p:nvPr/>
+        </p:nvSpPr>
+        <p:spPr>
+          <a:xfrm>
+            <a:off x="7752004" y="4575991"/>
+            <a:ext cx="2991679" cy="2050545"/>
+          </a:xfrm>
+          <a:prstGeom prst="rect">
+            <a:avLst/>
+          </a:prstGeom>
+          <a:noFill/>
+          <a:ln>
+            <a:solidFill>
+              <a:schemeClr val="bg2">
+                <a:lumMod val="10000"/>
+              </a:schemeClr>
+            </a:solidFill>
+          </a:ln>
+        </p:spPr>
+        <p:style>
+          <a:lnRef idx="2">
+            <a:schemeClr val="accent1">
+              <a:shade val="50000"/>
+            </a:schemeClr>
+          </a:lnRef>
+          <a:fillRef idx="1">
+            <a:schemeClr val="accent1"/>
+          </a:fillRef>
+          <a:effectRef idx="0">
+            <a:schemeClr val="accent1"/>
+          </a:effectRef>
+          <a:fontRef idx="minor">
+            <a:schemeClr val="lt1"/>
+          </a:fontRef>
+        </p:style>
+        <p:txBody>
+          <a:bodyPr rtlCol="0" anchor="ctr"/>
+          <a:lstStyle/>
+          <a:p>
+            <a:pPr algn="ctr"/>
+            <a:endParaRPr lang="en-IN"/>
+          </a:p>
+        </p:txBody>
+      </p:sp>
+      <p:cxnSp>
+        <p:nvCxnSpPr>
+          <p:cNvPr id="17" name="Straight Connector 16">
+            <a:extLst>
+              <a:ext uri="{FF2B5EF4-FFF2-40B4-BE49-F238E27FC236}">
+                <a16:creationId xmlns:a16="http://schemas.microsoft.com/office/drawing/2014/main" id="{68146648-037A-1CC5-4FD3-D94498BA9EA5}"/>
+              </a:ext>
+            </a:extLst>
+          </p:cNvPr>
+          <p:cNvCxnSpPr>
+            <a:cxnSpLocks/>
+          </p:cNvCxnSpPr>
+          <p:nvPr/>
+        </p:nvCxnSpPr>
+        <p:spPr>
+          <a:xfrm>
+            <a:off x="7752004" y="5159830"/>
+            <a:ext cx="2991679" cy="0"/>
+          </a:xfrm>
+          <a:prstGeom prst="line">
+            <a:avLst/>
+          </a:prstGeom>
+          <a:ln>
+            <a:solidFill>
+              <a:schemeClr val="tx1">
+                <a:lumMod val="95000"/>
+                <a:lumOff val="5000"/>
+              </a:schemeClr>
+            </a:solidFill>
+          </a:ln>
+        </p:spPr>
+        <p:style>
+          <a:lnRef idx="1">
+            <a:schemeClr val="accent1"/>
+          </a:lnRef>
+          <a:fillRef idx="0">
+            <a:schemeClr val="accent1"/>
+          </a:fillRef>
+          <a:effectRef idx="0">
+            <a:schemeClr val="accent1"/>
+          </a:effectRef>
+          <a:fontRef idx="minor">
+            <a:schemeClr val="tx1"/>
+          </a:fontRef>
+        </p:style>
+      </p:cxnSp>
+      <p:sp>
+        <p:nvSpPr>
+          <p:cNvPr id="18" name="TextBox 17">
+            <a:extLst>
+              <a:ext uri="{FF2B5EF4-FFF2-40B4-BE49-F238E27FC236}">
+                <a16:creationId xmlns:a16="http://schemas.microsoft.com/office/drawing/2014/main" id="{E0C7199B-3F6F-02EF-9E4E-EB4177951665}"/>
+              </a:ext>
+            </a:extLst>
+          </p:cNvPr>
+          <p:cNvSpPr txBox="1"/>
+          <p:nvPr/>
+        </p:nvSpPr>
+        <p:spPr>
+          <a:xfrm>
+            <a:off x="7752004" y="4679517"/>
+            <a:ext cx="2613993" cy="369332"/>
+          </a:xfrm>
+          <a:prstGeom prst="rect">
+            <a:avLst/>
+          </a:prstGeom>
+          <a:noFill/>
+        </p:spPr>
+        <p:txBody>
+          <a:bodyPr wrap="square" rtlCol="0">
+            <a:spAutoFit/>
+          </a:bodyPr>
+          <a:lstStyle/>
+          <a:p>
+            <a:r>
+              <a:rPr lang="en-US" dirty="0" err="1"/>
+              <a:t>BusyState</a:t>
+            </a:r>
+            <a:endParaRPr lang="en-IN" dirty="0"/>
+          </a:p>
+        </p:txBody>
+      </p:sp>
+      <p:sp>
+        <p:nvSpPr>
+          <p:cNvPr id="20" name="Rectangle 19">
+            <a:extLst>
+              <a:ext uri="{FF2B5EF4-FFF2-40B4-BE49-F238E27FC236}">
+                <a16:creationId xmlns:a16="http://schemas.microsoft.com/office/drawing/2014/main" id="{CF06D752-349F-EE9E-E8E0-5CA35F50D3C3}"/>
+              </a:ext>
+            </a:extLst>
+          </p:cNvPr>
+          <p:cNvSpPr/>
+          <p:nvPr/>
+        </p:nvSpPr>
+        <p:spPr>
+          <a:xfrm>
+            <a:off x="3516335" y="5037254"/>
+            <a:ext cx="2991679" cy="1720898"/>
+          </a:xfrm>
+          <a:prstGeom prst="rect">
+            <a:avLst/>
+          </a:prstGeom>
+          <a:noFill/>
+          <a:ln>
+            <a:solidFill>
+              <a:schemeClr val="bg2">
+                <a:lumMod val="10000"/>
+              </a:schemeClr>
+            </a:solidFill>
+          </a:ln>
+        </p:spPr>
+        <p:style>
+          <a:lnRef idx="2">
+            <a:schemeClr val="accent1">
+              <a:shade val="50000"/>
+            </a:schemeClr>
+          </a:lnRef>
+          <a:fillRef idx="1">
+            <a:schemeClr val="accent1"/>
+          </a:fillRef>
+          <a:effectRef idx="0">
+            <a:schemeClr val="accent1"/>
+          </a:effectRef>
+          <a:fontRef idx="minor">
+            <a:schemeClr val="lt1"/>
+          </a:fontRef>
+        </p:style>
+        <p:txBody>
+          <a:bodyPr rtlCol="0" anchor="ctr"/>
+          <a:lstStyle/>
+          <a:p>
+            <a:pPr algn="ctr"/>
+            <a:endParaRPr lang="en-IN"/>
+          </a:p>
+        </p:txBody>
+      </p:sp>
+      <p:cxnSp>
+        <p:nvCxnSpPr>
+          <p:cNvPr id="21" name="Straight Connector 20">
+            <a:extLst>
+              <a:ext uri="{FF2B5EF4-FFF2-40B4-BE49-F238E27FC236}">
+                <a16:creationId xmlns:a16="http://schemas.microsoft.com/office/drawing/2014/main" id="{E1707F3A-DC4F-DB7A-F06C-2056D4D2095A}"/>
+              </a:ext>
+            </a:extLst>
+          </p:cNvPr>
+          <p:cNvCxnSpPr>
+            <a:cxnSpLocks/>
+          </p:cNvCxnSpPr>
+          <p:nvPr/>
+        </p:nvCxnSpPr>
+        <p:spPr>
+          <a:xfrm>
+            <a:off x="3516335" y="5559706"/>
+            <a:ext cx="2991679" cy="0"/>
+          </a:xfrm>
+          <a:prstGeom prst="line">
+            <a:avLst/>
+          </a:prstGeom>
+          <a:ln>
+            <a:solidFill>
+              <a:schemeClr val="tx1">
+                <a:lumMod val="95000"/>
+                <a:lumOff val="5000"/>
+              </a:schemeClr>
+            </a:solidFill>
+          </a:ln>
+        </p:spPr>
+        <p:style>
+          <a:lnRef idx="1">
+            <a:schemeClr val="accent1"/>
+          </a:lnRef>
+          <a:fillRef idx="0">
+            <a:schemeClr val="accent1"/>
+          </a:fillRef>
+          <a:effectRef idx="0">
+            <a:schemeClr val="accent1"/>
+          </a:effectRef>
+          <a:fontRef idx="minor">
+            <a:schemeClr val="tx1"/>
+          </a:fontRef>
+        </p:style>
+      </p:cxnSp>
+      <p:sp>
+        <p:nvSpPr>
+          <p:cNvPr id="22" name="TextBox 21">
+            <a:extLst>
+              <a:ext uri="{FF2B5EF4-FFF2-40B4-BE49-F238E27FC236}">
+                <a16:creationId xmlns:a16="http://schemas.microsoft.com/office/drawing/2014/main" id="{2B4177B8-A26D-404C-3B5B-8D96197B1C37}"/>
+              </a:ext>
+            </a:extLst>
+          </p:cNvPr>
+          <p:cNvSpPr txBox="1"/>
+          <p:nvPr/>
+        </p:nvSpPr>
+        <p:spPr>
+          <a:xfrm>
+            <a:off x="3516335" y="5146933"/>
+            <a:ext cx="2613993" cy="369332"/>
+          </a:xfrm>
+          <a:prstGeom prst="rect">
+            <a:avLst/>
+          </a:prstGeom>
+          <a:noFill/>
+        </p:spPr>
+        <p:txBody>
+          <a:bodyPr wrap="square" rtlCol="0">
+            <a:spAutoFit/>
+          </a:bodyPr>
+          <a:lstStyle/>
+          <a:p>
+            <a:r>
+              <a:rPr lang="en-US" dirty="0" err="1"/>
+              <a:t>AwayState</a:t>
+            </a:r>
+            <a:endParaRPr lang="en-IN" dirty="0"/>
+          </a:p>
+        </p:txBody>
+      </p:sp>
+      <p:cxnSp>
+        <p:nvCxnSpPr>
+          <p:cNvPr id="24" name="Straight Arrow Connector 17">
+            <a:extLst>
+              <a:ext uri="{FF2B5EF4-FFF2-40B4-BE49-F238E27FC236}">
+                <a16:creationId xmlns:a16="http://schemas.microsoft.com/office/drawing/2014/main" id="{3E5667DE-6A7D-665B-F817-276EA7F92DEF}"/>
+              </a:ext>
+            </a:extLst>
+          </p:cNvPr>
+          <p:cNvCxnSpPr>
+            <a:cxnSpLocks/>
+            <a:stCxn id="4" idx="3"/>
+            <a:endCxn id="16" idx="1"/>
+          </p:cNvCxnSpPr>
+          <p:nvPr/>
+        </p:nvCxnSpPr>
+        <p:spPr>
+          <a:xfrm>
+            <a:off x="5739848" y="2738285"/>
+            <a:ext cx="2012156" cy="2862979"/>
+          </a:xfrm>
+          <a:prstGeom prst="bentConnector3">
+            <a:avLst>
+              <a:gd name="adj1" fmla="val 50000"/>
+            </a:avLst>
+          </a:prstGeom>
+          <a:ln>
+            <a:tailEnd type="triangle"/>
+          </a:ln>
+        </p:spPr>
+        <p:style>
+          <a:lnRef idx="1">
+            <a:schemeClr val="dk1"/>
+          </a:lnRef>
+          <a:fillRef idx="0">
+            <a:schemeClr val="dk1"/>
+          </a:fillRef>
+          <a:effectRef idx="0">
+            <a:schemeClr val="dk1"/>
+          </a:effectRef>
+          <a:fontRef idx="minor">
+            <a:schemeClr val="tx1"/>
+          </a:fontRef>
+        </p:style>
+      </p:cxnSp>
+      <p:cxnSp>
+        <p:nvCxnSpPr>
+          <p:cNvPr id="25" name="Straight Arrow Connector 17">
+            <a:extLst>
+              <a:ext uri="{FF2B5EF4-FFF2-40B4-BE49-F238E27FC236}">
+                <a16:creationId xmlns:a16="http://schemas.microsoft.com/office/drawing/2014/main" id="{3BA56AA5-1877-232F-2C03-40E1AAD31CE9}"/>
+              </a:ext>
+            </a:extLst>
+          </p:cNvPr>
+          <p:cNvCxnSpPr>
+            <a:cxnSpLocks/>
+            <a:stCxn id="4" idx="3"/>
+            <a:endCxn id="20" idx="1"/>
+          </p:cNvCxnSpPr>
+          <p:nvPr/>
+        </p:nvCxnSpPr>
+        <p:spPr>
+          <a:xfrm flipH="1">
+            <a:off x="3516335" y="2738285"/>
+            <a:ext cx="2223513" cy="3159418"/>
+          </a:xfrm>
+          <a:prstGeom prst="bentConnector5">
+            <a:avLst>
+              <a:gd name="adj1" fmla="val -10281"/>
+              <a:gd name="adj2" fmla="val 54591"/>
+              <a:gd name="adj3" fmla="val 110281"/>
+            </a:avLst>
+          </a:prstGeom>
+          <a:ln>
+            <a:tailEnd type="triangle"/>
+          </a:ln>
+        </p:spPr>
+        <p:style>
+          <a:lnRef idx="1">
+            <a:schemeClr val="dk1"/>
+          </a:lnRef>
+          <a:fillRef idx="0">
+            <a:schemeClr val="dk1"/>
+          </a:fillRef>
+          <a:effectRef idx="0">
+            <a:schemeClr val="dk1"/>
+          </a:effectRef>
+          <a:fontRef idx="minor">
+            <a:schemeClr val="tx1"/>
+          </a:fontRef>
+        </p:style>
+      </p:cxnSp>
+      <p:sp>
+        <p:nvSpPr>
+          <p:cNvPr id="59" name="TextBox 58">
+            <a:extLst>
+              <a:ext uri="{FF2B5EF4-FFF2-40B4-BE49-F238E27FC236}">
+                <a16:creationId xmlns:a16="http://schemas.microsoft.com/office/drawing/2014/main" id="{AAF2C172-1B8A-B0B3-A744-543C11437697}"/>
+              </a:ext>
+            </a:extLst>
+          </p:cNvPr>
+          <p:cNvSpPr txBox="1"/>
+          <p:nvPr/>
+        </p:nvSpPr>
+        <p:spPr>
+          <a:xfrm>
+            <a:off x="7317253" y="987577"/>
+            <a:ext cx="2613993" cy="1200329"/>
+          </a:xfrm>
+          <a:prstGeom prst="rect">
+            <a:avLst/>
+          </a:prstGeom>
+          <a:noFill/>
+        </p:spPr>
+        <p:txBody>
+          <a:bodyPr wrap="square" rtlCol="0">
+            <a:spAutoFit/>
+          </a:bodyPr>
+          <a:lstStyle/>
+          <a:p>
+            <a:r>
+              <a:rPr lang="en-US" dirty="0" err="1"/>
+              <a:t>SendMessage</a:t>
+            </a:r>
+            <a:r>
+              <a:rPr lang="en-US" dirty="0"/>
+              <a:t>()</a:t>
+            </a:r>
+          </a:p>
+          <a:p>
+            <a:r>
+              <a:rPr lang="en-US" dirty="0" err="1"/>
+              <a:t>ReceiveMessage</a:t>
+            </a:r>
+            <a:r>
+              <a:rPr lang="en-US" dirty="0"/>
+              <a:t>()</a:t>
+            </a:r>
+          </a:p>
+          <a:p>
+            <a:r>
+              <a:rPr lang="en-US" dirty="0" err="1"/>
+              <a:t>GetStatus</a:t>
+            </a:r>
+            <a:r>
+              <a:rPr lang="en-US" dirty="0"/>
+              <a:t>()</a:t>
+            </a:r>
+          </a:p>
+          <a:p>
+            <a:endParaRPr lang="en-US" dirty="0"/>
+          </a:p>
+        </p:txBody>
+      </p:sp>
+      <p:sp>
+        <p:nvSpPr>
+          <p:cNvPr id="60" name="TextBox 59">
+            <a:extLst>
+              <a:ext uri="{FF2B5EF4-FFF2-40B4-BE49-F238E27FC236}">
+                <a16:creationId xmlns:a16="http://schemas.microsoft.com/office/drawing/2014/main" id="{ECE70125-0E23-7A86-0537-5E5A671D5E10}"/>
+              </a:ext>
+            </a:extLst>
+          </p:cNvPr>
+          <p:cNvSpPr txBox="1"/>
+          <p:nvPr/>
+        </p:nvSpPr>
+        <p:spPr>
+          <a:xfrm>
+            <a:off x="3516335" y="5601264"/>
+            <a:ext cx="2613993" cy="1200329"/>
+          </a:xfrm>
+          <a:prstGeom prst="rect">
+            <a:avLst/>
+          </a:prstGeom>
+          <a:noFill/>
+        </p:spPr>
+        <p:txBody>
+          <a:bodyPr wrap="square" rtlCol="0">
+            <a:spAutoFit/>
+          </a:bodyPr>
+          <a:lstStyle/>
+          <a:p>
+            <a:r>
+              <a:rPr lang="en-US" dirty="0" err="1"/>
+              <a:t>SendMessage</a:t>
+            </a:r>
+            <a:r>
+              <a:rPr lang="en-US" dirty="0"/>
+              <a:t>()</a:t>
+            </a:r>
+          </a:p>
+          <a:p>
+            <a:r>
+              <a:rPr lang="en-US" dirty="0" err="1"/>
+              <a:t>ReceiveMessage</a:t>
+            </a:r>
+            <a:r>
+              <a:rPr lang="en-US" dirty="0"/>
+              <a:t>()</a:t>
+            </a:r>
+          </a:p>
+          <a:p>
+            <a:r>
+              <a:rPr lang="en-US" dirty="0" err="1"/>
+              <a:t>GetStatus</a:t>
+            </a:r>
+            <a:r>
+              <a:rPr lang="en-US" dirty="0"/>
+              <a:t>()</a:t>
+            </a:r>
+          </a:p>
+          <a:p>
+            <a:endParaRPr lang="en-US" dirty="0"/>
+          </a:p>
+        </p:txBody>
+      </p:sp>
+      <p:sp>
+        <p:nvSpPr>
+          <p:cNvPr id="69" name="TextBox 68">
+            <a:extLst>
+              <a:ext uri="{FF2B5EF4-FFF2-40B4-BE49-F238E27FC236}">
+                <a16:creationId xmlns:a16="http://schemas.microsoft.com/office/drawing/2014/main" id="{B91DF25D-031F-A488-D5C8-71848D3C24F8}"/>
+              </a:ext>
+            </a:extLst>
+          </p:cNvPr>
+          <p:cNvSpPr txBox="1"/>
+          <p:nvPr/>
+        </p:nvSpPr>
+        <p:spPr>
+          <a:xfrm>
+            <a:off x="7752004" y="5377092"/>
+            <a:ext cx="2613993" cy="1200329"/>
+          </a:xfrm>
+          <a:prstGeom prst="rect">
+            <a:avLst/>
+          </a:prstGeom>
+          <a:noFill/>
+        </p:spPr>
+        <p:txBody>
+          <a:bodyPr wrap="square" rtlCol="0">
+            <a:spAutoFit/>
+          </a:bodyPr>
+          <a:lstStyle/>
+          <a:p>
+            <a:r>
+              <a:rPr lang="en-US" dirty="0" err="1"/>
+              <a:t>SendMessage</a:t>
+            </a:r>
+            <a:r>
+              <a:rPr lang="en-US" dirty="0"/>
+              <a:t>()</a:t>
+            </a:r>
+          </a:p>
+          <a:p>
+            <a:r>
+              <a:rPr lang="en-US" dirty="0" err="1"/>
+              <a:t>ReceiveMessage</a:t>
+            </a:r>
+            <a:r>
+              <a:rPr lang="en-US" dirty="0"/>
+              <a:t>()</a:t>
+            </a:r>
+          </a:p>
+          <a:p>
+            <a:r>
+              <a:rPr lang="en-US" dirty="0" err="1"/>
+              <a:t>GetStatus</a:t>
+            </a:r>
+            <a:r>
+              <a:rPr lang="en-US" dirty="0"/>
+              <a:t>()</a:t>
+            </a:r>
+          </a:p>
+          <a:p>
+            <a:endParaRPr lang="en-US" dirty="0"/>
+          </a:p>
+        </p:txBody>
+      </p:sp>
+      <p:sp>
+        <p:nvSpPr>
+          <p:cNvPr id="71" name="Rectangle 70">
+            <a:extLst>
+              <a:ext uri="{FF2B5EF4-FFF2-40B4-BE49-F238E27FC236}">
+                <a16:creationId xmlns:a16="http://schemas.microsoft.com/office/drawing/2014/main" id="{902DD32C-EC4F-EBFE-8F92-A6E25F740575}"/>
+              </a:ext>
+            </a:extLst>
+          </p:cNvPr>
+          <p:cNvSpPr/>
+          <p:nvPr/>
+        </p:nvSpPr>
+        <p:spPr>
+          <a:xfrm>
+            <a:off x="8435406" y="2321338"/>
+            <a:ext cx="2991679" cy="2050545"/>
+          </a:xfrm>
+          <a:prstGeom prst="rect">
+            <a:avLst/>
+          </a:prstGeom>
+          <a:noFill/>
+          <a:ln>
+            <a:solidFill>
+              <a:schemeClr val="bg2">
+                <a:lumMod val="10000"/>
+              </a:schemeClr>
+            </a:solidFill>
+          </a:ln>
+        </p:spPr>
+        <p:style>
+          <a:lnRef idx="2">
+            <a:schemeClr val="accent1">
+              <a:shade val="50000"/>
+            </a:schemeClr>
+          </a:lnRef>
+          <a:fillRef idx="1">
+            <a:schemeClr val="accent1"/>
+          </a:fillRef>
+          <a:effectRef idx="0">
+            <a:schemeClr val="accent1"/>
+          </a:effectRef>
+          <a:fontRef idx="minor">
+            <a:schemeClr val="lt1"/>
+          </a:fontRef>
+        </p:style>
+        <p:txBody>
+          <a:bodyPr rtlCol="0" anchor="ctr"/>
+          <a:lstStyle/>
+          <a:p>
+            <a:pPr algn="ctr"/>
+            <a:endParaRPr lang="en-IN"/>
+          </a:p>
+        </p:txBody>
+      </p:sp>
+      <p:cxnSp>
+        <p:nvCxnSpPr>
+          <p:cNvPr id="72" name="Straight Connector 71">
+            <a:extLst>
+              <a:ext uri="{FF2B5EF4-FFF2-40B4-BE49-F238E27FC236}">
+                <a16:creationId xmlns:a16="http://schemas.microsoft.com/office/drawing/2014/main" id="{9FF42B6B-B6F5-5A2D-B90D-A7E2EAF5E58D}"/>
+              </a:ext>
+            </a:extLst>
+          </p:cNvPr>
+          <p:cNvCxnSpPr>
+            <a:cxnSpLocks/>
+          </p:cNvCxnSpPr>
+          <p:nvPr/>
+        </p:nvCxnSpPr>
+        <p:spPr>
+          <a:xfrm>
+            <a:off x="8435406" y="2905177"/>
+            <a:ext cx="2991679" cy="0"/>
+          </a:xfrm>
+          <a:prstGeom prst="line">
+            <a:avLst/>
+          </a:prstGeom>
+          <a:ln>
+            <a:solidFill>
+              <a:schemeClr val="tx1">
+                <a:lumMod val="95000"/>
+                <a:lumOff val="5000"/>
+              </a:schemeClr>
+            </a:solidFill>
+          </a:ln>
+        </p:spPr>
+        <p:style>
+          <a:lnRef idx="1">
+            <a:schemeClr val="accent1"/>
+          </a:lnRef>
+          <a:fillRef idx="0">
+            <a:schemeClr val="accent1"/>
+          </a:fillRef>
+          <a:effectRef idx="0">
+            <a:schemeClr val="accent1"/>
+          </a:effectRef>
+          <a:fontRef idx="minor">
+            <a:schemeClr val="tx1"/>
+          </a:fontRef>
+        </p:style>
+      </p:cxnSp>
+      <p:sp>
+        <p:nvSpPr>
+          <p:cNvPr id="73" name="TextBox 72">
+            <a:extLst>
+              <a:ext uri="{FF2B5EF4-FFF2-40B4-BE49-F238E27FC236}">
+                <a16:creationId xmlns:a16="http://schemas.microsoft.com/office/drawing/2014/main" id="{B63EFF87-E536-7AB9-7674-7DDF5DEB4EB8}"/>
+              </a:ext>
+            </a:extLst>
+          </p:cNvPr>
+          <p:cNvSpPr txBox="1"/>
+          <p:nvPr/>
+        </p:nvSpPr>
+        <p:spPr>
+          <a:xfrm>
+            <a:off x="8435406" y="2424864"/>
+            <a:ext cx="2613993" cy="369332"/>
+          </a:xfrm>
+          <a:prstGeom prst="rect">
+            <a:avLst/>
+          </a:prstGeom>
+          <a:noFill/>
+        </p:spPr>
+        <p:txBody>
+          <a:bodyPr wrap="square" rtlCol="0">
+            <a:spAutoFit/>
+          </a:bodyPr>
+          <a:lstStyle/>
+          <a:p>
+            <a:r>
+              <a:rPr lang="en-US" dirty="0" err="1"/>
+              <a:t>OfflineState</a:t>
+            </a:r>
+            <a:endParaRPr lang="en-IN" dirty="0"/>
+          </a:p>
+        </p:txBody>
+      </p:sp>
+      <p:sp>
+        <p:nvSpPr>
+          <p:cNvPr id="74" name="TextBox 73">
+            <a:extLst>
+              <a:ext uri="{FF2B5EF4-FFF2-40B4-BE49-F238E27FC236}">
+                <a16:creationId xmlns:a16="http://schemas.microsoft.com/office/drawing/2014/main" id="{9FA4EDB4-12AB-2F25-A41E-7AE2EFA315C0}"/>
+              </a:ext>
+            </a:extLst>
+          </p:cNvPr>
+          <p:cNvSpPr txBox="1"/>
+          <p:nvPr/>
+        </p:nvSpPr>
+        <p:spPr>
+          <a:xfrm>
+            <a:off x="8435406" y="3122439"/>
+            <a:ext cx="2613993" cy="1200329"/>
+          </a:xfrm>
+          <a:prstGeom prst="rect">
+            <a:avLst/>
+          </a:prstGeom>
+          <a:noFill/>
+        </p:spPr>
+        <p:txBody>
+          <a:bodyPr wrap="square" rtlCol="0">
+            <a:spAutoFit/>
+          </a:bodyPr>
+          <a:lstStyle/>
+          <a:p>
+            <a:r>
+              <a:rPr lang="en-US" dirty="0" err="1"/>
+              <a:t>SendMessage</a:t>
+            </a:r>
+            <a:r>
+              <a:rPr lang="en-US" dirty="0"/>
+              <a:t>()</a:t>
+            </a:r>
+          </a:p>
+          <a:p>
+            <a:r>
+              <a:rPr lang="en-US" dirty="0" err="1"/>
+              <a:t>ReceiveMessage</a:t>
+            </a:r>
+            <a:r>
+              <a:rPr lang="en-US" dirty="0"/>
+              <a:t>()</a:t>
+            </a:r>
+          </a:p>
+          <a:p>
+            <a:r>
+              <a:rPr lang="en-US" dirty="0" err="1"/>
+              <a:t>GetStatus</a:t>
+            </a:r>
+            <a:r>
+              <a:rPr lang="en-US" dirty="0"/>
+              <a:t>()</a:t>
+            </a:r>
+          </a:p>
+          <a:p>
+            <a:endParaRPr lang="en-US" dirty="0"/>
+          </a:p>
+        </p:txBody>
+      </p:sp>
+      <p:cxnSp>
+        <p:nvCxnSpPr>
+          <p:cNvPr id="82" name="Straight Arrow Connector 17">
+            <a:extLst>
+              <a:ext uri="{FF2B5EF4-FFF2-40B4-BE49-F238E27FC236}">
+                <a16:creationId xmlns:a16="http://schemas.microsoft.com/office/drawing/2014/main" id="{0E482E31-92EA-4588-3E88-6A2BDBD1359A}"/>
+              </a:ext>
+            </a:extLst>
+          </p:cNvPr>
+          <p:cNvCxnSpPr>
+            <a:cxnSpLocks/>
+            <a:stCxn id="4" idx="3"/>
+            <a:endCxn id="74" idx="1"/>
+          </p:cNvCxnSpPr>
+          <p:nvPr/>
+        </p:nvCxnSpPr>
+        <p:spPr>
+          <a:xfrm>
+            <a:off x="5739848" y="2738285"/>
+            <a:ext cx="2695558" cy="984319"/>
+          </a:xfrm>
+          <a:prstGeom prst="bentConnector3">
+            <a:avLst>
+              <a:gd name="adj1" fmla="val 50000"/>
+            </a:avLst>
+          </a:prstGeom>
+          <a:ln>
+            <a:tailEnd type="triangle"/>
+          </a:ln>
+        </p:spPr>
+        <p:style>
+          <a:lnRef idx="1">
+            <a:schemeClr val="dk1"/>
+          </a:lnRef>
+          <a:fillRef idx="0">
+            <a:schemeClr val="dk1"/>
+          </a:fillRef>
+          <a:effectRef idx="0">
+            <a:schemeClr val="dk1"/>
+          </a:effectRef>
+          <a:fontRef idx="minor">
+            <a:schemeClr val="tx1"/>
+          </a:fontRef>
+        </p:style>
+      </p:cxnSp>
+    </p:spTree>
+    <p:extLst>
+      <p:ext uri="{BB962C8B-B14F-4D97-AF65-F5344CB8AC3E}">
+        <p14:creationId xmlns:p14="http://schemas.microsoft.com/office/powerpoint/2010/main" val="177032187"/>
       </p:ext>
     </p:extLst>
   </p:cSld>

--- a/UMLDiagrams.pptx
+++ b/UMLDiagrams.pptx
@@ -5,7 +5,7 @@
     <p:sldMasterId id="2147483648" r:id="rId1"/>
   </p:sldMasterIdLst>
   <p:notesMasterIdLst>
-    <p:notesMasterId r:id="rId15"/>
+    <p:notesMasterId r:id="rId16"/>
   </p:notesMasterIdLst>
   <p:sldIdLst>
     <p:sldId id="256" r:id="rId2"/>
@@ -21,6 +21,7 @@
     <p:sldId id="354" r:id="rId12"/>
     <p:sldId id="355" r:id="rId13"/>
     <p:sldId id="356" r:id="rId14"/>
+    <p:sldId id="357" r:id="rId15"/>
   </p:sldIdLst>
   <p:sldSz cx="12192000" cy="6858000"/>
   <p:notesSz cx="6858000" cy="9144000"/>
@@ -130,7 +131,7 @@
 <file path=ppt/revisionInfo.xml><?xml version="1.0" encoding="utf-8"?>
 <p1510:revInfo xmlns:a="http://schemas.openxmlformats.org/drawingml/2006/main" xmlns:r="http://schemas.openxmlformats.org/officeDocument/2006/relationships" xmlns:p1510="http://schemas.microsoft.com/office/powerpoint/2015/10/main">
   <p1510:revLst>
-    <p1510:client id="{034AA59E-D954-44E8-84AB-C770C7EA240B}" v="21" dt="2023-09-11T10:16:40.185"/>
+    <p1510:client id="{034AA59E-D954-44E8-84AB-C770C7EA240B}" v="22" dt="2023-09-12T06:06:51.001"/>
   </p1510:revLst>
 </p1510:revInfo>
 </file>
@@ -140,7 +141,7 @@
   <pc:docChgLst>
     <pc:chgData name="Manaswini Ray" userId="451f23f8-43b4-4daa-9511-0c9fb98bad1c" providerId="ADAL" clId="{034AA59E-D954-44E8-84AB-C770C7EA240B}"/>
     <pc:docChg chg="undo custSel addSld delSld modSld">
-      <pc:chgData name="Manaswini Ray" userId="451f23f8-43b4-4daa-9511-0c9fb98bad1c" providerId="ADAL" clId="{034AA59E-D954-44E8-84AB-C770C7EA240B}" dt="2023-09-11T10:16:47.401" v="371" actId="14100"/>
+      <pc:chgData name="Manaswini Ray" userId="451f23f8-43b4-4daa-9511-0c9fb98bad1c" providerId="ADAL" clId="{034AA59E-D954-44E8-84AB-C770C7EA240B}" dt="2023-09-12T06:09:59.970" v="529" actId="1076"/>
       <pc:docMkLst>
         <pc:docMk/>
       </pc:docMkLst>
@@ -721,6 +722,237 @@
             <pc:docMk/>
             <pc:sldMk cId="177032187" sldId="356"/>
             <ac:cxnSpMk id="82" creationId="{0E482E31-92EA-4588-3E88-6A2BDBD1359A}"/>
+          </ac:cxnSpMkLst>
+        </pc:cxnChg>
+      </pc:sldChg>
+      <pc:sldChg chg="addSp delSp modSp new mod">
+        <pc:chgData name="Manaswini Ray" userId="451f23f8-43b4-4daa-9511-0c9fb98bad1c" providerId="ADAL" clId="{034AA59E-D954-44E8-84AB-C770C7EA240B}" dt="2023-09-12T06:09:59.970" v="529" actId="1076"/>
+        <pc:sldMkLst>
+          <pc:docMk/>
+          <pc:sldMk cId="192732721" sldId="357"/>
+        </pc:sldMkLst>
+        <pc:spChg chg="add mod">
+          <ac:chgData name="Manaswini Ray" userId="451f23f8-43b4-4daa-9511-0c9fb98bad1c" providerId="ADAL" clId="{034AA59E-D954-44E8-84AB-C770C7EA240B}" dt="2023-09-12T06:06:55.119" v="381" actId="20577"/>
+          <ac:spMkLst>
+            <pc:docMk/>
+            <pc:sldMk cId="192732721" sldId="357"/>
+            <ac:spMk id="2" creationId="{A8851384-546E-0D03-D063-3FB06A0955A7}"/>
+          </ac:spMkLst>
+        </pc:spChg>
+        <pc:spChg chg="add mod">
+          <ac:chgData name="Manaswini Ray" userId="451f23f8-43b4-4daa-9511-0c9fb98bad1c" providerId="ADAL" clId="{034AA59E-D954-44E8-84AB-C770C7EA240B}" dt="2023-09-12T06:06:51.001" v="373"/>
+          <ac:spMkLst>
+            <pc:docMk/>
+            <pc:sldMk cId="192732721" sldId="357"/>
+            <ac:spMk id="3" creationId="{FC78CA9B-B140-9D31-2F75-3DF9E2B30E34}"/>
+          </ac:spMkLst>
+        </pc:spChg>
+        <pc:spChg chg="add mod">
+          <ac:chgData name="Manaswini Ray" userId="451f23f8-43b4-4daa-9511-0c9fb98bad1c" providerId="ADAL" clId="{034AA59E-D954-44E8-84AB-C770C7EA240B}" dt="2023-09-12T06:06:51.001" v="373"/>
+          <ac:spMkLst>
+            <pc:docMk/>
+            <pc:sldMk cId="192732721" sldId="357"/>
+            <ac:spMk id="5" creationId="{15D4D659-4BAD-C979-B911-7B1FB3596494}"/>
+          </ac:spMkLst>
+        </pc:spChg>
+        <pc:spChg chg="add mod">
+          <ac:chgData name="Manaswini Ray" userId="451f23f8-43b4-4daa-9511-0c9fb98bad1c" providerId="ADAL" clId="{034AA59E-D954-44E8-84AB-C770C7EA240B}" dt="2023-09-12T06:08:49.705" v="497" actId="14100"/>
+          <ac:spMkLst>
+            <pc:docMk/>
+            <pc:sldMk cId="192732721" sldId="357"/>
+            <ac:spMk id="6" creationId="{0D9BB29D-4245-5DC0-D82F-C8D6B0744372}"/>
+          </ac:spMkLst>
+        </pc:spChg>
+        <pc:spChg chg="add mod">
+          <ac:chgData name="Manaswini Ray" userId="451f23f8-43b4-4daa-9511-0c9fb98bad1c" providerId="ADAL" clId="{034AA59E-D954-44E8-84AB-C770C7EA240B}" dt="2023-09-12T06:08:59.025" v="500" actId="1076"/>
+          <ac:spMkLst>
+            <pc:docMk/>
+            <pc:sldMk cId="192732721" sldId="357"/>
+            <ac:spMk id="7" creationId="{97BCFE65-7D23-B7F9-E779-3CA5FEF3D28E}"/>
+          </ac:spMkLst>
+        </pc:spChg>
+        <pc:spChg chg="add mod">
+          <ac:chgData name="Manaswini Ray" userId="451f23f8-43b4-4daa-9511-0c9fb98bad1c" providerId="ADAL" clId="{034AA59E-D954-44E8-84AB-C770C7EA240B}" dt="2023-09-12T06:06:51.001" v="373"/>
+          <ac:spMkLst>
+            <pc:docMk/>
+            <pc:sldMk cId="192732721" sldId="357"/>
+            <ac:spMk id="9" creationId="{554D8650-4AD3-D8EE-DC39-9E977B311EEA}"/>
+          </ac:spMkLst>
+        </pc:spChg>
+        <pc:spChg chg="add mod">
+          <ac:chgData name="Manaswini Ray" userId="451f23f8-43b4-4daa-9511-0c9fb98bad1c" providerId="ADAL" clId="{034AA59E-D954-44E8-84AB-C770C7EA240B}" dt="2023-09-12T06:09:40.470" v="525" actId="14100"/>
+          <ac:spMkLst>
+            <pc:docMk/>
+            <pc:sldMk cId="192732721" sldId="357"/>
+            <ac:spMk id="10" creationId="{39C0F402-A35E-1FDF-4347-312F8C1CCC5D}"/>
+          </ac:spMkLst>
+        </pc:spChg>
+        <pc:spChg chg="add mod">
+          <ac:chgData name="Manaswini Ray" userId="451f23f8-43b4-4daa-9511-0c9fb98bad1c" providerId="ADAL" clId="{034AA59E-D954-44E8-84AB-C770C7EA240B}" dt="2023-09-12T06:09:23.994" v="511" actId="20577"/>
+          <ac:spMkLst>
+            <pc:docMk/>
+            <pc:sldMk cId="192732721" sldId="357"/>
+            <ac:spMk id="12" creationId="{067EE05B-E9CB-16C6-A7EE-ADAB962D4AB6}"/>
+          </ac:spMkLst>
+        </pc:spChg>
+        <pc:spChg chg="add del mod">
+          <ac:chgData name="Manaswini Ray" userId="451f23f8-43b4-4daa-9511-0c9fb98bad1c" providerId="ADAL" clId="{034AA59E-D954-44E8-84AB-C770C7EA240B}" dt="2023-09-12T06:07:07.179" v="382" actId="478"/>
+          <ac:spMkLst>
+            <pc:docMk/>
+            <pc:sldMk cId="192732721" sldId="357"/>
+            <ac:spMk id="14" creationId="{663BF65B-AEA0-DB9F-9496-5BF88C6C3FD0}"/>
+          </ac:spMkLst>
+        </pc:spChg>
+        <pc:spChg chg="add del mod">
+          <ac:chgData name="Manaswini Ray" userId="451f23f8-43b4-4daa-9511-0c9fb98bad1c" providerId="ADAL" clId="{034AA59E-D954-44E8-84AB-C770C7EA240B}" dt="2023-09-12T06:07:07.179" v="382" actId="478"/>
+          <ac:spMkLst>
+            <pc:docMk/>
+            <pc:sldMk cId="192732721" sldId="357"/>
+            <ac:spMk id="16" creationId="{5D173078-62B5-B148-FD4F-F6F9DA9E67C6}"/>
+          </ac:spMkLst>
+        </pc:spChg>
+        <pc:spChg chg="add del mod">
+          <ac:chgData name="Manaswini Ray" userId="451f23f8-43b4-4daa-9511-0c9fb98bad1c" providerId="ADAL" clId="{034AA59E-D954-44E8-84AB-C770C7EA240B}" dt="2023-09-12T06:07:07.179" v="382" actId="478"/>
+          <ac:spMkLst>
+            <pc:docMk/>
+            <pc:sldMk cId="192732721" sldId="357"/>
+            <ac:spMk id="17" creationId="{155DD5D9-0EBA-BCDA-7D41-D50C71D3A273}"/>
+          </ac:spMkLst>
+        </pc:spChg>
+        <pc:spChg chg="add del mod">
+          <ac:chgData name="Manaswini Ray" userId="451f23f8-43b4-4daa-9511-0c9fb98bad1c" providerId="ADAL" clId="{034AA59E-D954-44E8-84AB-C770C7EA240B}" dt="2023-09-12T06:07:07.179" v="382" actId="478"/>
+          <ac:spMkLst>
+            <pc:docMk/>
+            <pc:sldMk cId="192732721" sldId="357"/>
+            <ac:spMk id="19" creationId="{CB3CA9A5-CEF3-3BBD-B289-23AF8F4A8C87}"/>
+          </ac:spMkLst>
+        </pc:spChg>
+        <pc:spChg chg="add mod">
+          <ac:chgData name="Manaswini Ray" userId="451f23f8-43b4-4daa-9511-0c9fb98bad1c" providerId="ADAL" clId="{034AA59E-D954-44E8-84AB-C770C7EA240B}" dt="2023-09-12T06:09:45.463" v="526"/>
+          <ac:spMkLst>
+            <pc:docMk/>
+            <pc:sldMk cId="192732721" sldId="357"/>
+            <ac:spMk id="22" creationId="{E90A19C6-BA17-BC56-F24A-FAEE45302DE2}"/>
+          </ac:spMkLst>
+        </pc:spChg>
+        <pc:spChg chg="add del mod">
+          <ac:chgData name="Manaswini Ray" userId="451f23f8-43b4-4daa-9511-0c9fb98bad1c" providerId="ADAL" clId="{034AA59E-D954-44E8-84AB-C770C7EA240B}" dt="2023-09-12T06:07:07.179" v="382" actId="478"/>
+          <ac:spMkLst>
+            <pc:docMk/>
+            <pc:sldMk cId="192732721" sldId="357"/>
+            <ac:spMk id="23" creationId="{E7E53AAB-C751-D42C-D46E-32D82F1DD523}"/>
+          </ac:spMkLst>
+        </pc:spChg>
+        <pc:spChg chg="add del mod">
+          <ac:chgData name="Manaswini Ray" userId="451f23f8-43b4-4daa-9511-0c9fb98bad1c" providerId="ADAL" clId="{034AA59E-D954-44E8-84AB-C770C7EA240B}" dt="2023-09-12T06:07:07.179" v="382" actId="478"/>
+          <ac:spMkLst>
+            <pc:docMk/>
+            <pc:sldMk cId="192732721" sldId="357"/>
+            <ac:spMk id="24" creationId="{E345F398-78CB-FB54-877D-49D92F16E3BE}"/>
+          </ac:spMkLst>
+        </pc:spChg>
+        <pc:spChg chg="add mod">
+          <ac:chgData name="Manaswini Ray" userId="451f23f8-43b4-4daa-9511-0c9fb98bad1c" providerId="ADAL" clId="{034AA59E-D954-44E8-84AB-C770C7EA240B}" dt="2023-09-12T06:09:53.103" v="527" actId="14100"/>
+          <ac:spMkLst>
+            <pc:docMk/>
+            <pc:sldMk cId="192732721" sldId="357"/>
+            <ac:spMk id="25" creationId="{5EA03F13-C671-B8A3-3568-1DD3D8371592}"/>
+          </ac:spMkLst>
+        </pc:spChg>
+        <pc:spChg chg="add mod">
+          <ac:chgData name="Manaswini Ray" userId="451f23f8-43b4-4daa-9511-0c9fb98bad1c" providerId="ADAL" clId="{034AA59E-D954-44E8-84AB-C770C7EA240B}" dt="2023-09-12T06:09:29.408" v="524" actId="20577"/>
+          <ac:spMkLst>
+            <pc:docMk/>
+            <pc:sldMk cId="192732721" sldId="357"/>
+            <ac:spMk id="27" creationId="{BAB02D4C-F2C9-AF10-C7BF-D929EB3120E5}"/>
+          </ac:spMkLst>
+        </pc:spChg>
+        <pc:spChg chg="add mod">
+          <ac:chgData name="Manaswini Ray" userId="451f23f8-43b4-4daa-9511-0c9fb98bad1c" providerId="ADAL" clId="{034AA59E-D954-44E8-84AB-C770C7EA240B}" dt="2023-09-12T06:09:59.970" v="529" actId="1076"/>
+          <ac:spMkLst>
+            <pc:docMk/>
+            <pc:sldMk cId="192732721" sldId="357"/>
+            <ac:spMk id="28" creationId="{01FCC91E-1B87-F160-E14C-59D4331B2F97}"/>
+          </ac:spMkLst>
+        </pc:spChg>
+        <pc:cxnChg chg="add mod">
+          <ac:chgData name="Manaswini Ray" userId="451f23f8-43b4-4daa-9511-0c9fb98bad1c" providerId="ADAL" clId="{034AA59E-D954-44E8-84AB-C770C7EA240B}" dt="2023-09-12T06:08:55.798" v="499" actId="1076"/>
+          <ac:cxnSpMkLst>
+            <pc:docMk/>
+            <pc:sldMk cId="192732721" sldId="357"/>
+            <ac:cxnSpMk id="4" creationId="{9CCE4B34-D951-D55B-BEE6-7BAD38A73076}"/>
+          </ac:cxnSpMkLst>
+        </pc:cxnChg>
+        <pc:cxnChg chg="add mod">
+          <ac:chgData name="Manaswini Ray" userId="451f23f8-43b4-4daa-9511-0c9fb98bad1c" providerId="ADAL" clId="{034AA59E-D954-44E8-84AB-C770C7EA240B}" dt="2023-09-12T06:08:59.025" v="500" actId="1076"/>
+          <ac:cxnSpMkLst>
+            <pc:docMk/>
+            <pc:sldMk cId="192732721" sldId="357"/>
+            <ac:cxnSpMk id="8" creationId="{3756F977-DF99-6200-BE44-957716AC77E1}"/>
+          </ac:cxnSpMkLst>
+        </pc:cxnChg>
+        <pc:cxnChg chg="add mod">
+          <ac:chgData name="Manaswini Ray" userId="451f23f8-43b4-4daa-9511-0c9fb98bad1c" providerId="ADAL" clId="{034AA59E-D954-44E8-84AB-C770C7EA240B}" dt="2023-09-12T06:06:51.001" v="373"/>
+          <ac:cxnSpMkLst>
+            <pc:docMk/>
+            <pc:sldMk cId="192732721" sldId="357"/>
+            <ac:cxnSpMk id="11" creationId="{479F7E3D-10B3-C4B0-088C-5F5D6CD711D8}"/>
+          </ac:cxnSpMkLst>
+        </pc:cxnChg>
+        <pc:cxnChg chg="add mod">
+          <ac:chgData name="Manaswini Ray" userId="451f23f8-43b4-4daa-9511-0c9fb98bad1c" providerId="ADAL" clId="{034AA59E-D954-44E8-84AB-C770C7EA240B}" dt="2023-09-12T06:06:51.001" v="373"/>
+          <ac:cxnSpMkLst>
+            <pc:docMk/>
+            <pc:sldMk cId="192732721" sldId="357"/>
+            <ac:cxnSpMk id="13" creationId="{7D843023-FB08-A881-1E87-3AEE5637CAA5}"/>
+          </ac:cxnSpMkLst>
+        </pc:cxnChg>
+        <pc:cxnChg chg="add del mod">
+          <ac:chgData name="Manaswini Ray" userId="451f23f8-43b4-4daa-9511-0c9fb98bad1c" providerId="ADAL" clId="{034AA59E-D954-44E8-84AB-C770C7EA240B}" dt="2023-09-12T06:07:07.179" v="382" actId="478"/>
+          <ac:cxnSpMkLst>
+            <pc:docMk/>
+            <pc:sldMk cId="192732721" sldId="357"/>
+            <ac:cxnSpMk id="15" creationId="{127BF695-7C0C-5EB6-ABAB-44A23CD4841F}"/>
+          </ac:cxnSpMkLst>
+        </pc:cxnChg>
+        <pc:cxnChg chg="add del mod">
+          <ac:chgData name="Manaswini Ray" userId="451f23f8-43b4-4daa-9511-0c9fb98bad1c" providerId="ADAL" clId="{034AA59E-D954-44E8-84AB-C770C7EA240B}" dt="2023-09-12T06:07:07.179" v="382" actId="478"/>
+          <ac:cxnSpMkLst>
+            <pc:docMk/>
+            <pc:sldMk cId="192732721" sldId="357"/>
+            <ac:cxnSpMk id="18" creationId="{2855D972-EE43-A6C1-57DC-3A630BC1CC1E}"/>
+          </ac:cxnSpMkLst>
+        </pc:cxnChg>
+        <pc:cxnChg chg="add del mod">
+          <ac:chgData name="Manaswini Ray" userId="451f23f8-43b4-4daa-9511-0c9fb98bad1c" providerId="ADAL" clId="{034AA59E-D954-44E8-84AB-C770C7EA240B}" dt="2023-09-12T06:07:12.161" v="384" actId="478"/>
+          <ac:cxnSpMkLst>
+            <pc:docMk/>
+            <pc:sldMk cId="192732721" sldId="357"/>
+            <ac:cxnSpMk id="20" creationId="{1BEF32F4-2AE6-695E-4E11-C015D7B007C3}"/>
+          </ac:cxnSpMkLst>
+        </pc:cxnChg>
+        <pc:cxnChg chg="add del mod">
+          <ac:chgData name="Manaswini Ray" userId="451f23f8-43b4-4daa-9511-0c9fb98bad1c" providerId="ADAL" clId="{034AA59E-D954-44E8-84AB-C770C7EA240B}" dt="2023-09-12T06:07:09.766" v="383" actId="478"/>
+          <ac:cxnSpMkLst>
+            <pc:docMk/>
+            <pc:sldMk cId="192732721" sldId="357"/>
+            <ac:cxnSpMk id="21" creationId="{C53C6CFF-F94E-1454-AD2B-EA2B60CF7F59}"/>
+          </ac:cxnSpMkLst>
+        </pc:cxnChg>
+        <pc:cxnChg chg="add mod">
+          <ac:chgData name="Manaswini Ray" userId="451f23f8-43b4-4daa-9511-0c9fb98bad1c" providerId="ADAL" clId="{034AA59E-D954-44E8-84AB-C770C7EA240B}" dt="2023-09-12T06:07:21.262" v="385" actId="1076"/>
+          <ac:cxnSpMkLst>
+            <pc:docMk/>
+            <pc:sldMk cId="192732721" sldId="357"/>
+            <ac:cxnSpMk id="26" creationId="{63A25A13-CBB5-B342-2092-9ABF58C11691}"/>
+          </ac:cxnSpMkLst>
+        </pc:cxnChg>
+        <pc:cxnChg chg="add mod">
+          <ac:chgData name="Manaswini Ray" userId="451f23f8-43b4-4daa-9511-0c9fb98bad1c" providerId="ADAL" clId="{034AA59E-D954-44E8-84AB-C770C7EA240B}" dt="2023-09-12T06:09:59.970" v="529" actId="1076"/>
+          <ac:cxnSpMkLst>
+            <pc:docMk/>
+            <pc:sldMk cId="192732721" sldId="357"/>
+            <ac:cxnSpMk id="29" creationId="{BF048B4C-25AE-3D92-35D9-13FB36430248}"/>
           </ac:cxnSpMkLst>
         </pc:cxnChg>
       </pc:sldChg>
@@ -3277,7 +3509,7 @@
           <a:p>
             <a:fld id="{DA65EFA3-2408-462E-A228-C020DF9C1D92}" type="datetimeFigureOut">
               <a:rPr lang="en-IN" smtClean="0"/>
-              <a:t>11-09-2023</a:t>
+              <a:t>12-09-2023</a:t>
             </a:fld>
             <a:endParaRPr lang="en-IN"/>
           </a:p>
@@ -3778,7 +4010,7 @@
           <a:p>
             <a:fld id="{DBA864D8-E328-4C18-B44D-9296865D5C31}" type="datetimeFigureOut">
               <a:rPr lang="en-IN" smtClean="0"/>
-              <a:t>11-09-2023</a:t>
+              <a:t>12-09-2023</a:t>
             </a:fld>
             <a:endParaRPr lang="en-IN"/>
           </a:p>
@@ -3978,7 +4210,7 @@
           <a:p>
             <a:fld id="{DBA864D8-E328-4C18-B44D-9296865D5C31}" type="datetimeFigureOut">
               <a:rPr lang="en-IN" smtClean="0"/>
-              <a:t>11-09-2023</a:t>
+              <a:t>12-09-2023</a:t>
             </a:fld>
             <a:endParaRPr lang="en-IN"/>
           </a:p>
@@ -4188,7 +4420,7 @@
           <a:p>
             <a:fld id="{DBA864D8-E328-4C18-B44D-9296865D5C31}" type="datetimeFigureOut">
               <a:rPr lang="en-IN" smtClean="0"/>
-              <a:t>11-09-2023</a:t>
+              <a:t>12-09-2023</a:t>
             </a:fld>
             <a:endParaRPr lang="en-IN"/>
           </a:p>
@@ -4455,7 +4687,7 @@
           <a:p>
             <a:fld id="{DBA864D8-E328-4C18-B44D-9296865D5C31}" type="datetimeFigureOut">
               <a:rPr lang="en-IN" smtClean="0"/>
-              <a:t>11-09-2023</a:t>
+              <a:t>12-09-2023</a:t>
             </a:fld>
             <a:endParaRPr lang="en-IN"/>
           </a:p>
@@ -4731,7 +4963,7 @@
           <a:p>
             <a:fld id="{DBA864D8-E328-4C18-B44D-9296865D5C31}" type="datetimeFigureOut">
               <a:rPr lang="en-IN" smtClean="0"/>
-              <a:t>11-09-2023</a:t>
+              <a:t>12-09-2023</a:t>
             </a:fld>
             <a:endParaRPr lang="en-IN"/>
           </a:p>
@@ -4999,7 +5231,7 @@
           <a:p>
             <a:fld id="{DBA864D8-E328-4C18-B44D-9296865D5C31}" type="datetimeFigureOut">
               <a:rPr lang="en-IN" smtClean="0"/>
-              <a:t>11-09-2023</a:t>
+              <a:t>12-09-2023</a:t>
             </a:fld>
             <a:endParaRPr lang="en-IN"/>
           </a:p>
@@ -5414,7 +5646,7 @@
           <a:p>
             <a:fld id="{DBA864D8-E328-4C18-B44D-9296865D5C31}" type="datetimeFigureOut">
               <a:rPr lang="en-IN" smtClean="0"/>
-              <a:t>11-09-2023</a:t>
+              <a:t>12-09-2023</a:t>
             </a:fld>
             <a:endParaRPr lang="en-IN"/>
           </a:p>
@@ -5556,7 +5788,7 @@
           <a:p>
             <a:fld id="{DBA864D8-E328-4C18-B44D-9296865D5C31}" type="datetimeFigureOut">
               <a:rPr lang="en-IN" smtClean="0"/>
-              <a:t>11-09-2023</a:t>
+              <a:t>12-09-2023</a:t>
             </a:fld>
             <a:endParaRPr lang="en-IN"/>
           </a:p>
@@ -5669,7 +5901,7 @@
           <a:p>
             <a:fld id="{DBA864D8-E328-4C18-B44D-9296865D5C31}" type="datetimeFigureOut">
               <a:rPr lang="en-IN" smtClean="0"/>
-              <a:t>11-09-2023</a:t>
+              <a:t>12-09-2023</a:t>
             </a:fld>
             <a:endParaRPr lang="en-IN"/>
           </a:p>
@@ -5982,7 +6214,7 @@
           <a:p>
             <a:fld id="{DBA864D8-E328-4C18-B44D-9296865D5C31}" type="datetimeFigureOut">
               <a:rPr lang="en-IN" smtClean="0"/>
-              <a:t>11-09-2023</a:t>
+              <a:t>12-09-2023</a:t>
             </a:fld>
             <a:endParaRPr lang="en-IN"/>
           </a:p>
@@ -6271,7 +6503,7 @@
           <a:p>
             <a:fld id="{DBA864D8-E328-4C18-B44D-9296865D5C31}" type="datetimeFigureOut">
               <a:rPr lang="en-IN" smtClean="0"/>
-              <a:t>11-09-2023</a:t>
+              <a:t>12-09-2023</a:t>
             </a:fld>
             <a:endParaRPr lang="en-IN"/>
           </a:p>
@@ -6514,7 +6746,7 @@
           <a:p>
             <a:fld id="{DBA864D8-E328-4C18-B44D-9296865D5C31}" type="datetimeFigureOut">
               <a:rPr lang="en-IN" smtClean="0"/>
-              <a:t>11-09-2023</a:t>
+              <a:t>12-09-2023</a:t>
             </a:fld>
             <a:endParaRPr lang="en-IN"/>
           </a:p>
@@ -11943,6 +12175,958 @@
     <p:extLst>
       <p:ext uri="{BB962C8B-B14F-4D97-AF65-F5344CB8AC3E}">
         <p14:creationId xmlns:p14="http://schemas.microsoft.com/office/powerpoint/2010/main" val="177032187"/>
+      </p:ext>
+    </p:extLst>
+  </p:cSld>
+  <p:clrMapOvr>
+    <a:masterClrMapping/>
+  </p:clrMapOvr>
+</p:sld>
+</file>
+
+<file path=ppt/slides/slide14.xml><?xml version="1.0" encoding="utf-8"?>
+<p:sld xmlns:a="http://schemas.openxmlformats.org/drawingml/2006/main" xmlns:r="http://schemas.openxmlformats.org/officeDocument/2006/relationships" xmlns:p="http://schemas.openxmlformats.org/presentationml/2006/main">
+  <p:cSld>
+    <p:spTree>
+      <p:nvGrpSpPr>
+        <p:cNvPr id="1" name=""/>
+        <p:cNvGrpSpPr/>
+        <p:nvPr/>
+      </p:nvGrpSpPr>
+      <p:grpSpPr>
+        <a:xfrm>
+          <a:off x="0" y="0"/>
+          <a:ext cx="0" cy="0"/>
+          <a:chOff x="0" y="0"/>
+          <a:chExt cx="0" cy="0"/>
+        </a:xfrm>
+      </p:grpSpPr>
+      <p:sp>
+        <p:nvSpPr>
+          <p:cNvPr id="2" name="TextBox 1">
+            <a:extLst>
+              <a:ext uri="{FF2B5EF4-FFF2-40B4-BE49-F238E27FC236}">
+                <a16:creationId xmlns:a16="http://schemas.microsoft.com/office/drawing/2014/main" id="{A8851384-546E-0D03-D063-3FB06A0955A7}"/>
+              </a:ext>
+            </a:extLst>
+          </p:cNvPr>
+          <p:cNvSpPr txBox="1"/>
+          <p:nvPr/>
+        </p:nvSpPr>
+        <p:spPr>
+          <a:xfrm>
+            <a:off x="252248" y="393403"/>
+            <a:ext cx="6138040" cy="400110"/>
+          </a:xfrm>
+          <a:prstGeom prst="rect">
+            <a:avLst/>
+          </a:prstGeom>
+          <a:noFill/>
+        </p:spPr>
+        <p:txBody>
+          <a:bodyPr wrap="square">
+            <a:spAutoFit/>
+          </a:bodyPr>
+          <a:lstStyle/>
+          <a:p>
+            <a:r>
+              <a:rPr lang="en-US" sz="2000" b="1" u="sng" dirty="0">
+                <a:solidFill>
+                  <a:srgbClr val="000000"/>
+                </a:solidFill>
+              </a:rPr>
+              <a:t>Template </a:t>
+            </a:r>
+            <a:r>
+              <a:rPr lang="en-IN" sz="2000" b="1" u="sng" dirty="0">
+                <a:solidFill>
+                  <a:srgbClr val="000000"/>
+                </a:solidFill>
+              </a:rPr>
+              <a:t>Design Pattern</a:t>
+            </a:r>
+            <a:endParaRPr lang="en-IN" sz="2000" b="1" u="sng" dirty="0"/>
+          </a:p>
+        </p:txBody>
+      </p:sp>
+      <p:sp>
+        <p:nvSpPr>
+          <p:cNvPr id="3" name="Rectangle 2">
+            <a:extLst>
+              <a:ext uri="{FF2B5EF4-FFF2-40B4-BE49-F238E27FC236}">
+                <a16:creationId xmlns:a16="http://schemas.microsoft.com/office/drawing/2014/main" id="{FC78CA9B-B140-9D31-2F75-3DF9E2B30E34}"/>
+              </a:ext>
+            </a:extLst>
+          </p:cNvPr>
+          <p:cNvSpPr/>
+          <p:nvPr/>
+        </p:nvSpPr>
+        <p:spPr>
+          <a:xfrm>
+            <a:off x="2748169" y="1587742"/>
+            <a:ext cx="2991679" cy="2301085"/>
+          </a:xfrm>
+          <a:prstGeom prst="rect">
+            <a:avLst/>
+          </a:prstGeom>
+          <a:noFill/>
+          <a:ln>
+            <a:solidFill>
+              <a:schemeClr val="bg2">
+                <a:lumMod val="10000"/>
+              </a:schemeClr>
+            </a:solidFill>
+          </a:ln>
+        </p:spPr>
+        <p:style>
+          <a:lnRef idx="2">
+            <a:schemeClr val="accent1">
+              <a:shade val="50000"/>
+            </a:schemeClr>
+          </a:lnRef>
+          <a:fillRef idx="1">
+            <a:schemeClr val="accent1"/>
+          </a:fillRef>
+          <a:effectRef idx="0">
+            <a:schemeClr val="accent1"/>
+          </a:effectRef>
+          <a:fontRef idx="minor">
+            <a:schemeClr val="lt1"/>
+          </a:fontRef>
+        </p:style>
+        <p:txBody>
+          <a:bodyPr rtlCol="0" anchor="ctr"/>
+          <a:lstStyle/>
+          <a:p>
+            <a:pPr algn="ctr"/>
+            <a:endParaRPr lang="en-IN"/>
+          </a:p>
+        </p:txBody>
+      </p:sp>
+      <p:cxnSp>
+        <p:nvCxnSpPr>
+          <p:cNvPr id="4" name="Straight Connector 3">
+            <a:extLst>
+              <a:ext uri="{FF2B5EF4-FFF2-40B4-BE49-F238E27FC236}">
+                <a16:creationId xmlns:a16="http://schemas.microsoft.com/office/drawing/2014/main" id="{9CCE4B34-D951-D55B-BEE6-7BAD38A73076}"/>
+              </a:ext>
+            </a:extLst>
+          </p:cNvPr>
+          <p:cNvCxnSpPr>
+            <a:cxnSpLocks/>
+          </p:cNvCxnSpPr>
+          <p:nvPr/>
+        </p:nvCxnSpPr>
+        <p:spPr>
+          <a:xfrm>
+            <a:off x="2748168" y="2078070"/>
+            <a:ext cx="2991679" cy="0"/>
+          </a:xfrm>
+          <a:prstGeom prst="line">
+            <a:avLst/>
+          </a:prstGeom>
+          <a:ln>
+            <a:solidFill>
+              <a:schemeClr val="tx1">
+                <a:lumMod val="95000"/>
+                <a:lumOff val="5000"/>
+              </a:schemeClr>
+            </a:solidFill>
+          </a:ln>
+        </p:spPr>
+        <p:style>
+          <a:lnRef idx="1">
+            <a:schemeClr val="accent1"/>
+          </a:lnRef>
+          <a:fillRef idx="0">
+            <a:schemeClr val="accent1"/>
+          </a:fillRef>
+          <a:effectRef idx="0">
+            <a:schemeClr val="accent1"/>
+          </a:effectRef>
+          <a:fontRef idx="minor">
+            <a:schemeClr val="tx1"/>
+          </a:fontRef>
+        </p:style>
+      </p:cxnSp>
+      <p:sp>
+        <p:nvSpPr>
+          <p:cNvPr id="5" name="TextBox 4">
+            <a:extLst>
+              <a:ext uri="{FF2B5EF4-FFF2-40B4-BE49-F238E27FC236}">
+                <a16:creationId xmlns:a16="http://schemas.microsoft.com/office/drawing/2014/main" id="{15D4D659-4BAD-C979-B911-7B1FB3596494}"/>
+              </a:ext>
+            </a:extLst>
+          </p:cNvPr>
+          <p:cNvSpPr txBox="1"/>
+          <p:nvPr/>
+        </p:nvSpPr>
+        <p:spPr>
+          <a:xfrm>
+            <a:off x="583216" y="1332637"/>
+            <a:ext cx="1373138" cy="369332"/>
+          </a:xfrm>
+          <a:prstGeom prst="rect">
+            <a:avLst/>
+          </a:prstGeom>
+          <a:noFill/>
+        </p:spPr>
+        <p:txBody>
+          <a:bodyPr wrap="square" rtlCol="0">
+            <a:spAutoFit/>
+          </a:bodyPr>
+          <a:lstStyle/>
+          <a:p>
+            <a:r>
+              <a:rPr lang="en-US" dirty="0"/>
+              <a:t>Client</a:t>
+            </a:r>
+            <a:endParaRPr lang="en-IN" dirty="0"/>
+          </a:p>
+        </p:txBody>
+      </p:sp>
+      <p:sp>
+        <p:nvSpPr>
+          <p:cNvPr id="6" name="TextBox 5">
+            <a:extLst>
+              <a:ext uri="{FF2B5EF4-FFF2-40B4-BE49-F238E27FC236}">
+                <a16:creationId xmlns:a16="http://schemas.microsoft.com/office/drawing/2014/main" id="{0D9BB29D-4245-5DC0-D82F-C8D6B0744372}"/>
+              </a:ext>
+            </a:extLst>
+          </p:cNvPr>
+          <p:cNvSpPr txBox="1"/>
+          <p:nvPr/>
+        </p:nvSpPr>
+        <p:spPr>
+          <a:xfrm>
+            <a:off x="2773014" y="1665264"/>
+            <a:ext cx="2629303" cy="369332"/>
+          </a:xfrm>
+          <a:prstGeom prst="rect">
+            <a:avLst/>
+          </a:prstGeom>
+          <a:noFill/>
+        </p:spPr>
+        <p:txBody>
+          <a:bodyPr wrap="square" rtlCol="0">
+            <a:spAutoFit/>
+          </a:bodyPr>
+          <a:lstStyle/>
+          <a:p>
+            <a:r>
+              <a:rPr lang="en-US" dirty="0" err="1"/>
+              <a:t>OrderProcessTemplate</a:t>
+            </a:r>
+            <a:endParaRPr lang="en-IN" dirty="0"/>
+          </a:p>
+        </p:txBody>
+      </p:sp>
+      <p:sp>
+        <p:nvSpPr>
+          <p:cNvPr id="7" name="TextBox 6">
+            <a:extLst>
+              <a:ext uri="{FF2B5EF4-FFF2-40B4-BE49-F238E27FC236}">
+                <a16:creationId xmlns:a16="http://schemas.microsoft.com/office/drawing/2014/main" id="{97BCFE65-7D23-B7F9-E779-3CA5FEF3D28E}"/>
+              </a:ext>
+            </a:extLst>
+          </p:cNvPr>
+          <p:cNvSpPr txBox="1"/>
+          <p:nvPr/>
+        </p:nvSpPr>
+        <p:spPr>
+          <a:xfrm>
+            <a:off x="2748168" y="2103362"/>
+            <a:ext cx="2538535" cy="2096732"/>
+          </a:xfrm>
+          <a:prstGeom prst="rect">
+            <a:avLst/>
+          </a:prstGeom>
+          <a:noFill/>
+        </p:spPr>
+        <p:txBody>
+          <a:bodyPr wrap="square" rtlCol="0">
+            <a:spAutoFit/>
+          </a:bodyPr>
+          <a:lstStyle/>
+          <a:p>
+            <a:r>
+              <a:rPr lang="en-US" dirty="0" err="1"/>
+              <a:t>ProcessOrder</a:t>
+            </a:r>
+            <a:r>
+              <a:rPr lang="en-US" dirty="0"/>
+              <a:t>(){}</a:t>
+            </a:r>
+          </a:p>
+          <a:p>
+            <a:r>
+              <a:rPr lang="en-US" dirty="0" err="1"/>
+              <a:t>TakeOrder</a:t>
+            </a:r>
+            <a:r>
+              <a:rPr lang="en-US" dirty="0"/>
+              <a:t>()</a:t>
+            </a:r>
+          </a:p>
+          <a:p>
+            <a:r>
+              <a:rPr lang="en-US" dirty="0" err="1"/>
+              <a:t>PrepareOrder</a:t>
+            </a:r>
+            <a:r>
+              <a:rPr lang="en-US" dirty="0"/>
+              <a:t>()</a:t>
+            </a:r>
+          </a:p>
+          <a:p>
+            <a:r>
+              <a:rPr lang="en-US" dirty="0"/>
+              <a:t>Service()</a:t>
+            </a:r>
+          </a:p>
+          <a:p>
+            <a:r>
+              <a:rPr lang="en-US" dirty="0" err="1"/>
+              <a:t>IsPayment</a:t>
+            </a:r>
+            <a:r>
+              <a:rPr lang="en-US" dirty="0"/>
+              <a:t>()</a:t>
+            </a:r>
+          </a:p>
+          <a:p>
+            <a:r>
+              <a:rPr lang="en-US" dirty="0" err="1"/>
+              <a:t>ProcessPayment</a:t>
+            </a:r>
+            <a:r>
+              <a:rPr lang="en-US" dirty="0"/>
+              <a:t>()</a:t>
+            </a:r>
+          </a:p>
+          <a:p>
+            <a:endParaRPr lang="en-US" dirty="0"/>
+          </a:p>
+        </p:txBody>
+      </p:sp>
+      <p:cxnSp>
+        <p:nvCxnSpPr>
+          <p:cNvPr id="8" name="Straight Arrow Connector 17">
+            <a:extLst>
+              <a:ext uri="{FF2B5EF4-FFF2-40B4-BE49-F238E27FC236}">
+                <a16:creationId xmlns:a16="http://schemas.microsoft.com/office/drawing/2014/main" id="{3756F977-DF99-6200-BE44-957716AC77E1}"/>
+              </a:ext>
+            </a:extLst>
+          </p:cNvPr>
+          <p:cNvCxnSpPr>
+            <a:cxnSpLocks/>
+            <a:stCxn id="9" idx="2"/>
+            <a:endCxn id="7" idx="1"/>
+          </p:cNvCxnSpPr>
+          <p:nvPr/>
+        </p:nvCxnSpPr>
+        <p:spPr>
+          <a:xfrm rot="16200000" flipH="1">
+            <a:off x="1393780" y="1797339"/>
+            <a:ext cx="1238845" cy="1469932"/>
+          </a:xfrm>
+          <a:prstGeom prst="bentConnector2">
+            <a:avLst/>
+          </a:prstGeom>
+          <a:ln>
+            <a:tailEnd type="triangle"/>
+          </a:ln>
+        </p:spPr>
+        <p:style>
+          <a:lnRef idx="1">
+            <a:schemeClr val="dk1"/>
+          </a:lnRef>
+          <a:fillRef idx="0">
+            <a:schemeClr val="dk1"/>
+          </a:fillRef>
+          <a:effectRef idx="0">
+            <a:schemeClr val="dk1"/>
+          </a:effectRef>
+          <a:fontRef idx="minor">
+            <a:schemeClr val="tx1"/>
+          </a:fontRef>
+        </p:style>
+      </p:cxnSp>
+      <p:sp>
+        <p:nvSpPr>
+          <p:cNvPr id="9" name="Rectangle 8">
+            <a:extLst>
+              <a:ext uri="{FF2B5EF4-FFF2-40B4-BE49-F238E27FC236}">
+                <a16:creationId xmlns:a16="http://schemas.microsoft.com/office/drawing/2014/main" id="{554D8650-4AD3-D8EE-DC39-9E977B311EEA}"/>
+              </a:ext>
+            </a:extLst>
+          </p:cNvPr>
+          <p:cNvSpPr/>
+          <p:nvPr/>
+        </p:nvSpPr>
+        <p:spPr>
+          <a:xfrm>
+            <a:off x="252248" y="1147106"/>
+            <a:ext cx="2051975" cy="765777"/>
+          </a:xfrm>
+          <a:prstGeom prst="rect">
+            <a:avLst/>
+          </a:prstGeom>
+          <a:noFill/>
+          <a:ln>
+            <a:solidFill>
+              <a:schemeClr val="bg2">
+                <a:lumMod val="10000"/>
+              </a:schemeClr>
+            </a:solidFill>
+          </a:ln>
+        </p:spPr>
+        <p:style>
+          <a:lnRef idx="2">
+            <a:schemeClr val="accent1">
+              <a:shade val="50000"/>
+            </a:schemeClr>
+          </a:lnRef>
+          <a:fillRef idx="1">
+            <a:schemeClr val="accent1"/>
+          </a:fillRef>
+          <a:effectRef idx="0">
+            <a:schemeClr val="accent1"/>
+          </a:effectRef>
+          <a:fontRef idx="minor">
+            <a:schemeClr val="lt1"/>
+          </a:fontRef>
+        </p:style>
+        <p:txBody>
+          <a:bodyPr rtlCol="0" anchor="ctr"/>
+          <a:lstStyle/>
+          <a:p>
+            <a:pPr algn="ctr"/>
+            <a:endParaRPr lang="en-IN"/>
+          </a:p>
+        </p:txBody>
+      </p:sp>
+      <p:sp>
+        <p:nvSpPr>
+          <p:cNvPr id="10" name="Rectangle 9">
+            <a:extLst>
+              <a:ext uri="{FF2B5EF4-FFF2-40B4-BE49-F238E27FC236}">
+                <a16:creationId xmlns:a16="http://schemas.microsoft.com/office/drawing/2014/main" id="{39C0F402-A35E-1FDF-4347-312F8C1CCC5D}"/>
+              </a:ext>
+            </a:extLst>
+          </p:cNvPr>
+          <p:cNvSpPr/>
+          <p:nvPr/>
+        </p:nvSpPr>
+        <p:spPr>
+          <a:xfrm>
+            <a:off x="7292408" y="322457"/>
+            <a:ext cx="2991679" cy="2301085"/>
+          </a:xfrm>
+          <a:prstGeom prst="rect">
+            <a:avLst/>
+          </a:prstGeom>
+          <a:noFill/>
+          <a:ln>
+            <a:solidFill>
+              <a:schemeClr val="bg2">
+                <a:lumMod val="10000"/>
+              </a:schemeClr>
+            </a:solidFill>
+          </a:ln>
+        </p:spPr>
+        <p:style>
+          <a:lnRef idx="2">
+            <a:schemeClr val="accent1">
+              <a:shade val="50000"/>
+            </a:schemeClr>
+          </a:lnRef>
+          <a:fillRef idx="1">
+            <a:schemeClr val="accent1"/>
+          </a:fillRef>
+          <a:effectRef idx="0">
+            <a:schemeClr val="accent1"/>
+          </a:effectRef>
+          <a:fontRef idx="minor">
+            <a:schemeClr val="lt1"/>
+          </a:fontRef>
+        </p:style>
+        <p:txBody>
+          <a:bodyPr rtlCol="0" anchor="ctr"/>
+          <a:lstStyle/>
+          <a:p>
+            <a:pPr algn="ctr"/>
+            <a:endParaRPr lang="en-IN"/>
+          </a:p>
+        </p:txBody>
+      </p:sp>
+      <p:cxnSp>
+        <p:nvCxnSpPr>
+          <p:cNvPr id="11" name="Straight Connector 10">
+            <a:extLst>
+              <a:ext uri="{FF2B5EF4-FFF2-40B4-BE49-F238E27FC236}">
+                <a16:creationId xmlns:a16="http://schemas.microsoft.com/office/drawing/2014/main" id="{479F7E3D-10B3-C4B0-088C-5F5D6CD711D8}"/>
+              </a:ext>
+            </a:extLst>
+          </p:cNvPr>
+          <p:cNvCxnSpPr>
+            <a:cxnSpLocks/>
+          </p:cNvCxnSpPr>
+          <p:nvPr/>
+        </p:nvCxnSpPr>
+        <p:spPr>
+          <a:xfrm>
+            <a:off x="7292408" y="958525"/>
+            <a:ext cx="2991679" cy="0"/>
+          </a:xfrm>
+          <a:prstGeom prst="line">
+            <a:avLst/>
+          </a:prstGeom>
+          <a:ln>
+            <a:solidFill>
+              <a:schemeClr val="tx1">
+                <a:lumMod val="95000"/>
+                <a:lumOff val="5000"/>
+              </a:schemeClr>
+            </a:solidFill>
+          </a:ln>
+        </p:spPr>
+        <p:style>
+          <a:lnRef idx="1">
+            <a:schemeClr val="accent1"/>
+          </a:lnRef>
+          <a:fillRef idx="0">
+            <a:schemeClr val="accent1"/>
+          </a:fillRef>
+          <a:effectRef idx="0">
+            <a:schemeClr val="accent1"/>
+          </a:effectRef>
+          <a:fontRef idx="minor">
+            <a:schemeClr val="tx1"/>
+          </a:fontRef>
+        </p:style>
+      </p:cxnSp>
+      <p:sp>
+        <p:nvSpPr>
+          <p:cNvPr id="12" name="TextBox 11">
+            <a:extLst>
+              <a:ext uri="{FF2B5EF4-FFF2-40B4-BE49-F238E27FC236}">
+                <a16:creationId xmlns:a16="http://schemas.microsoft.com/office/drawing/2014/main" id="{067EE05B-E9CB-16C6-A7EE-ADAB962D4AB6}"/>
+              </a:ext>
+            </a:extLst>
+          </p:cNvPr>
+          <p:cNvSpPr txBox="1"/>
+          <p:nvPr/>
+        </p:nvSpPr>
+        <p:spPr>
+          <a:xfrm>
+            <a:off x="7317254" y="440936"/>
+            <a:ext cx="2613993" cy="369332"/>
+          </a:xfrm>
+          <a:prstGeom prst="rect">
+            <a:avLst/>
+          </a:prstGeom>
+          <a:noFill/>
+        </p:spPr>
+        <p:txBody>
+          <a:bodyPr wrap="square" rtlCol="0">
+            <a:spAutoFit/>
+          </a:bodyPr>
+          <a:lstStyle/>
+          <a:p>
+            <a:r>
+              <a:rPr lang="en-US" dirty="0" err="1"/>
+              <a:t>DineInOrder</a:t>
+            </a:r>
+            <a:endParaRPr lang="en-IN" dirty="0"/>
+          </a:p>
+        </p:txBody>
+      </p:sp>
+      <p:cxnSp>
+        <p:nvCxnSpPr>
+          <p:cNvPr id="13" name="Straight Arrow Connector 17">
+            <a:extLst>
+              <a:ext uri="{FF2B5EF4-FFF2-40B4-BE49-F238E27FC236}">
+                <a16:creationId xmlns:a16="http://schemas.microsoft.com/office/drawing/2014/main" id="{7D843023-FB08-A881-1E87-3AEE5637CAA5}"/>
+              </a:ext>
+            </a:extLst>
+          </p:cNvPr>
+          <p:cNvCxnSpPr>
+            <a:cxnSpLocks/>
+            <a:stCxn id="3" idx="3"/>
+          </p:cNvCxnSpPr>
+          <p:nvPr/>
+        </p:nvCxnSpPr>
+        <p:spPr>
+          <a:xfrm flipV="1">
+            <a:off x="5739848" y="1689802"/>
+            <a:ext cx="1577406" cy="1048483"/>
+          </a:xfrm>
+          <a:prstGeom prst="bentConnector3">
+            <a:avLst>
+              <a:gd name="adj1" fmla="val 50000"/>
+            </a:avLst>
+          </a:prstGeom>
+          <a:ln>
+            <a:tailEnd type="triangle"/>
+          </a:ln>
+        </p:spPr>
+        <p:style>
+          <a:lnRef idx="1">
+            <a:schemeClr val="dk1"/>
+          </a:lnRef>
+          <a:fillRef idx="0">
+            <a:schemeClr val="dk1"/>
+          </a:fillRef>
+          <a:effectRef idx="0">
+            <a:schemeClr val="dk1"/>
+          </a:effectRef>
+          <a:fontRef idx="minor">
+            <a:schemeClr val="tx1"/>
+          </a:fontRef>
+        </p:style>
+      </p:cxnSp>
+      <p:sp>
+        <p:nvSpPr>
+          <p:cNvPr id="22" name="TextBox 21">
+            <a:extLst>
+              <a:ext uri="{FF2B5EF4-FFF2-40B4-BE49-F238E27FC236}">
+                <a16:creationId xmlns:a16="http://schemas.microsoft.com/office/drawing/2014/main" id="{E90A19C6-BA17-BC56-F24A-FAEE45302DE2}"/>
+              </a:ext>
+            </a:extLst>
+          </p:cNvPr>
+          <p:cNvSpPr txBox="1"/>
+          <p:nvPr/>
+        </p:nvSpPr>
+        <p:spPr>
+          <a:xfrm>
+            <a:off x="7317253" y="987577"/>
+            <a:ext cx="2613993" cy="1754326"/>
+          </a:xfrm>
+          <a:prstGeom prst="rect">
+            <a:avLst/>
+          </a:prstGeom>
+          <a:noFill/>
+        </p:spPr>
+        <p:txBody>
+          <a:bodyPr wrap="square" rtlCol="0">
+            <a:spAutoFit/>
+          </a:bodyPr>
+          <a:lstStyle/>
+          <a:p>
+            <a:r>
+              <a:rPr lang="en-US" dirty="0" err="1"/>
+              <a:t>TakeOrder</a:t>
+            </a:r>
+            <a:r>
+              <a:rPr lang="en-US" dirty="0"/>
+              <a:t>()</a:t>
+            </a:r>
+          </a:p>
+          <a:p>
+            <a:r>
+              <a:rPr lang="en-US" dirty="0" err="1"/>
+              <a:t>PrepareOrder</a:t>
+            </a:r>
+            <a:r>
+              <a:rPr lang="en-US" dirty="0"/>
+              <a:t>()</a:t>
+            </a:r>
+          </a:p>
+          <a:p>
+            <a:r>
+              <a:rPr lang="en-US" dirty="0"/>
+              <a:t>Service()</a:t>
+            </a:r>
+          </a:p>
+          <a:p>
+            <a:r>
+              <a:rPr lang="en-US" dirty="0" err="1"/>
+              <a:t>IsPayment</a:t>
+            </a:r>
+            <a:r>
+              <a:rPr lang="en-US" dirty="0"/>
+              <a:t>()</a:t>
+            </a:r>
+          </a:p>
+          <a:p>
+            <a:r>
+              <a:rPr lang="en-US" dirty="0" err="1"/>
+              <a:t>ProcessPayment</a:t>
+            </a:r>
+            <a:r>
+              <a:rPr lang="en-US" dirty="0"/>
+              <a:t>()</a:t>
+            </a:r>
+          </a:p>
+          <a:p>
+            <a:endParaRPr lang="en-US" dirty="0"/>
+          </a:p>
+        </p:txBody>
+      </p:sp>
+      <p:sp>
+        <p:nvSpPr>
+          <p:cNvPr id="25" name="Rectangle 24">
+            <a:extLst>
+              <a:ext uri="{FF2B5EF4-FFF2-40B4-BE49-F238E27FC236}">
+                <a16:creationId xmlns:a16="http://schemas.microsoft.com/office/drawing/2014/main" id="{5EA03F13-C671-B8A3-3568-1DD3D8371592}"/>
+              </a:ext>
+            </a:extLst>
+          </p:cNvPr>
+          <p:cNvSpPr/>
+          <p:nvPr/>
+        </p:nvSpPr>
+        <p:spPr>
+          <a:xfrm>
+            <a:off x="7317253" y="3117653"/>
+            <a:ext cx="2991679" cy="2301080"/>
+          </a:xfrm>
+          <a:prstGeom prst="rect">
+            <a:avLst/>
+          </a:prstGeom>
+          <a:noFill/>
+          <a:ln>
+            <a:solidFill>
+              <a:schemeClr val="bg2">
+                <a:lumMod val="10000"/>
+              </a:schemeClr>
+            </a:solidFill>
+          </a:ln>
+        </p:spPr>
+        <p:style>
+          <a:lnRef idx="2">
+            <a:schemeClr val="accent1">
+              <a:shade val="50000"/>
+            </a:schemeClr>
+          </a:lnRef>
+          <a:fillRef idx="1">
+            <a:schemeClr val="accent1"/>
+          </a:fillRef>
+          <a:effectRef idx="0">
+            <a:schemeClr val="accent1"/>
+          </a:effectRef>
+          <a:fontRef idx="minor">
+            <a:schemeClr val="lt1"/>
+          </a:fontRef>
+        </p:style>
+        <p:txBody>
+          <a:bodyPr rtlCol="0" anchor="ctr"/>
+          <a:lstStyle/>
+          <a:p>
+            <a:pPr algn="ctr"/>
+            <a:endParaRPr lang="en-IN"/>
+          </a:p>
+        </p:txBody>
+      </p:sp>
+      <p:cxnSp>
+        <p:nvCxnSpPr>
+          <p:cNvPr id="26" name="Straight Connector 25">
+            <a:extLst>
+              <a:ext uri="{FF2B5EF4-FFF2-40B4-BE49-F238E27FC236}">
+                <a16:creationId xmlns:a16="http://schemas.microsoft.com/office/drawing/2014/main" id="{63A25A13-CBB5-B342-2092-9ABF58C11691}"/>
+              </a:ext>
+            </a:extLst>
+          </p:cNvPr>
+          <p:cNvCxnSpPr>
+            <a:cxnSpLocks/>
+          </p:cNvCxnSpPr>
+          <p:nvPr/>
+        </p:nvCxnSpPr>
+        <p:spPr>
+          <a:xfrm>
+            <a:off x="7317253" y="3701492"/>
+            <a:ext cx="2991679" cy="0"/>
+          </a:xfrm>
+          <a:prstGeom prst="line">
+            <a:avLst/>
+          </a:prstGeom>
+          <a:ln>
+            <a:solidFill>
+              <a:schemeClr val="tx1">
+                <a:lumMod val="95000"/>
+                <a:lumOff val="5000"/>
+              </a:schemeClr>
+            </a:solidFill>
+          </a:ln>
+        </p:spPr>
+        <p:style>
+          <a:lnRef idx="1">
+            <a:schemeClr val="accent1"/>
+          </a:lnRef>
+          <a:fillRef idx="0">
+            <a:schemeClr val="accent1"/>
+          </a:fillRef>
+          <a:effectRef idx="0">
+            <a:schemeClr val="accent1"/>
+          </a:effectRef>
+          <a:fontRef idx="minor">
+            <a:schemeClr val="tx1"/>
+          </a:fontRef>
+        </p:style>
+      </p:cxnSp>
+      <p:sp>
+        <p:nvSpPr>
+          <p:cNvPr id="27" name="TextBox 26">
+            <a:extLst>
+              <a:ext uri="{FF2B5EF4-FFF2-40B4-BE49-F238E27FC236}">
+                <a16:creationId xmlns:a16="http://schemas.microsoft.com/office/drawing/2014/main" id="{BAB02D4C-F2C9-AF10-C7BF-D929EB3120E5}"/>
+              </a:ext>
+            </a:extLst>
+          </p:cNvPr>
+          <p:cNvSpPr txBox="1"/>
+          <p:nvPr/>
+        </p:nvSpPr>
+        <p:spPr>
+          <a:xfrm>
+            <a:off x="7317253" y="3221179"/>
+            <a:ext cx="2613993" cy="369332"/>
+          </a:xfrm>
+          <a:prstGeom prst="rect">
+            <a:avLst/>
+          </a:prstGeom>
+          <a:noFill/>
+        </p:spPr>
+        <p:txBody>
+          <a:bodyPr wrap="square" rtlCol="0">
+            <a:spAutoFit/>
+          </a:bodyPr>
+          <a:lstStyle/>
+          <a:p>
+            <a:r>
+              <a:rPr lang="en-US" dirty="0" err="1"/>
+              <a:t>TakeAwayOrder</a:t>
+            </a:r>
+            <a:endParaRPr lang="en-IN" dirty="0"/>
+          </a:p>
+        </p:txBody>
+      </p:sp>
+      <p:sp>
+        <p:nvSpPr>
+          <p:cNvPr id="28" name="TextBox 27">
+            <a:extLst>
+              <a:ext uri="{FF2B5EF4-FFF2-40B4-BE49-F238E27FC236}">
+                <a16:creationId xmlns:a16="http://schemas.microsoft.com/office/drawing/2014/main" id="{01FCC91E-1B87-F160-E14C-59D4331B2F97}"/>
+              </a:ext>
+            </a:extLst>
+          </p:cNvPr>
+          <p:cNvSpPr txBox="1"/>
+          <p:nvPr/>
+        </p:nvSpPr>
+        <p:spPr>
+          <a:xfrm>
+            <a:off x="7317253" y="3812474"/>
+            <a:ext cx="2613993" cy="1754326"/>
+          </a:xfrm>
+          <a:prstGeom prst="rect">
+            <a:avLst/>
+          </a:prstGeom>
+          <a:noFill/>
+        </p:spPr>
+        <p:txBody>
+          <a:bodyPr wrap="square" rtlCol="0">
+            <a:spAutoFit/>
+          </a:bodyPr>
+          <a:lstStyle/>
+          <a:p>
+            <a:r>
+              <a:rPr lang="en-US" dirty="0" err="1"/>
+              <a:t>TakeOrder</a:t>
+            </a:r>
+            <a:r>
+              <a:rPr lang="en-US" dirty="0"/>
+              <a:t>()</a:t>
+            </a:r>
+          </a:p>
+          <a:p>
+            <a:r>
+              <a:rPr lang="en-US" dirty="0" err="1"/>
+              <a:t>PrepareOrder</a:t>
+            </a:r>
+            <a:r>
+              <a:rPr lang="en-US" dirty="0"/>
+              <a:t>()</a:t>
+            </a:r>
+          </a:p>
+          <a:p>
+            <a:r>
+              <a:rPr lang="en-US" dirty="0"/>
+              <a:t>Service()</a:t>
+            </a:r>
+          </a:p>
+          <a:p>
+            <a:r>
+              <a:rPr lang="en-US" dirty="0" err="1"/>
+              <a:t>IsPayment</a:t>
+            </a:r>
+            <a:r>
+              <a:rPr lang="en-US" dirty="0"/>
+              <a:t>()</a:t>
+            </a:r>
+          </a:p>
+          <a:p>
+            <a:r>
+              <a:rPr lang="en-US" dirty="0" err="1"/>
+              <a:t>ProcessPayment</a:t>
+            </a:r>
+            <a:r>
+              <a:rPr lang="en-US" dirty="0"/>
+              <a:t>()</a:t>
+            </a:r>
+          </a:p>
+          <a:p>
+            <a:endParaRPr lang="en-US" dirty="0"/>
+          </a:p>
+        </p:txBody>
+      </p:sp>
+      <p:cxnSp>
+        <p:nvCxnSpPr>
+          <p:cNvPr id="29" name="Straight Arrow Connector 17">
+            <a:extLst>
+              <a:ext uri="{FF2B5EF4-FFF2-40B4-BE49-F238E27FC236}">
+                <a16:creationId xmlns:a16="http://schemas.microsoft.com/office/drawing/2014/main" id="{BF048B4C-25AE-3D92-35D9-13FB36430248}"/>
+              </a:ext>
+            </a:extLst>
+          </p:cNvPr>
+          <p:cNvCxnSpPr>
+            <a:cxnSpLocks/>
+            <a:stCxn id="3" idx="3"/>
+            <a:endCxn id="28" idx="1"/>
+          </p:cNvCxnSpPr>
+          <p:nvPr/>
+        </p:nvCxnSpPr>
+        <p:spPr>
+          <a:xfrm>
+            <a:off x="5739848" y="2738285"/>
+            <a:ext cx="1577405" cy="1951352"/>
+          </a:xfrm>
+          <a:prstGeom prst="bentConnector3">
+            <a:avLst>
+              <a:gd name="adj1" fmla="val 50000"/>
+            </a:avLst>
+          </a:prstGeom>
+          <a:ln>
+            <a:tailEnd type="triangle"/>
+          </a:ln>
+        </p:spPr>
+        <p:style>
+          <a:lnRef idx="1">
+            <a:schemeClr val="dk1"/>
+          </a:lnRef>
+          <a:fillRef idx="0">
+            <a:schemeClr val="dk1"/>
+          </a:fillRef>
+          <a:effectRef idx="0">
+            <a:schemeClr val="dk1"/>
+          </a:effectRef>
+          <a:fontRef idx="minor">
+            <a:schemeClr val="tx1"/>
+          </a:fontRef>
+        </p:style>
+      </p:cxnSp>
+    </p:spTree>
+    <p:extLst>
+      <p:ext uri="{BB962C8B-B14F-4D97-AF65-F5344CB8AC3E}">
+        <p14:creationId xmlns:p14="http://schemas.microsoft.com/office/powerpoint/2010/main" val="192732721"/>
       </p:ext>
     </p:extLst>
   </p:cSld>

--- a/UMLDiagrams.pptx
+++ b/UMLDiagrams.pptx
@@ -5,7 +5,7 @@
     <p:sldMasterId id="2147483648" r:id="rId1"/>
   </p:sldMasterIdLst>
   <p:notesMasterIdLst>
-    <p:notesMasterId r:id="rId16"/>
+    <p:notesMasterId r:id="rId17"/>
   </p:notesMasterIdLst>
   <p:sldIdLst>
     <p:sldId id="256" r:id="rId2"/>
@@ -22,6 +22,7 @@
     <p:sldId id="355" r:id="rId13"/>
     <p:sldId id="356" r:id="rId14"/>
     <p:sldId id="357" r:id="rId15"/>
+    <p:sldId id="358" r:id="rId16"/>
   </p:sldIdLst>
   <p:sldSz cx="12192000" cy="6858000"/>
   <p:notesSz cx="6858000" cy="9144000"/>
@@ -131,7 +132,7 @@
 <file path=ppt/revisionInfo.xml><?xml version="1.0" encoding="utf-8"?>
 <p1510:revInfo xmlns:a="http://schemas.openxmlformats.org/drawingml/2006/main" xmlns:r="http://schemas.openxmlformats.org/officeDocument/2006/relationships" xmlns:p1510="http://schemas.microsoft.com/office/powerpoint/2015/10/main">
   <p1510:revLst>
-    <p1510:client id="{034AA59E-D954-44E8-84AB-C770C7EA240B}" v="22" dt="2023-09-12T06:06:51.001"/>
+    <p1510:client id="{034AA59E-D954-44E8-84AB-C770C7EA240B}" v="25" dt="2023-09-12T09:49:00.740"/>
   </p1510:revLst>
 </p1510:revInfo>
 </file>
@@ -141,7 +142,7 @@
   <pc:docChgLst>
     <pc:chgData name="Manaswini Ray" userId="451f23f8-43b4-4daa-9511-0c9fb98bad1c" providerId="ADAL" clId="{034AA59E-D954-44E8-84AB-C770C7EA240B}"/>
     <pc:docChg chg="undo custSel addSld delSld modSld">
-      <pc:chgData name="Manaswini Ray" userId="451f23f8-43b4-4daa-9511-0c9fb98bad1c" providerId="ADAL" clId="{034AA59E-D954-44E8-84AB-C770C7EA240B}" dt="2023-09-12T06:09:59.970" v="529" actId="1076"/>
+      <pc:chgData name="Manaswini Ray" userId="451f23f8-43b4-4daa-9511-0c9fb98bad1c" providerId="ADAL" clId="{034AA59E-D954-44E8-84AB-C770C7EA240B}" dt="2023-09-12T09:49:13.491" v="729" actId="14100"/>
       <pc:docMkLst>
         <pc:docMk/>
       </pc:docMkLst>
@@ -953,6 +954,253 @@
             <pc:docMk/>
             <pc:sldMk cId="192732721" sldId="357"/>
             <ac:cxnSpMk id="29" creationId="{BF048B4C-25AE-3D92-35D9-13FB36430248}"/>
+          </ac:cxnSpMkLst>
+        </pc:cxnChg>
+      </pc:sldChg>
+      <pc:sldChg chg="addSp delSp modSp new mod">
+        <pc:chgData name="Manaswini Ray" userId="451f23f8-43b4-4daa-9511-0c9fb98bad1c" providerId="ADAL" clId="{034AA59E-D954-44E8-84AB-C770C7EA240B}" dt="2023-09-12T09:49:13.491" v="729" actId="14100"/>
+        <pc:sldMkLst>
+          <pc:docMk/>
+          <pc:sldMk cId="1015724697" sldId="358"/>
+        </pc:sldMkLst>
+        <pc:spChg chg="add mod">
+          <ac:chgData name="Manaswini Ray" userId="451f23f8-43b4-4daa-9511-0c9fb98bad1c" providerId="ADAL" clId="{034AA59E-D954-44E8-84AB-C770C7EA240B}" dt="2023-09-12T09:45:04.477" v="538" actId="20577"/>
+          <ac:spMkLst>
+            <pc:docMk/>
+            <pc:sldMk cId="1015724697" sldId="358"/>
+            <ac:spMk id="2" creationId="{F2CB681B-00B7-DC2A-B933-41791CBE6EE5}"/>
+          </ac:spMkLst>
+        </pc:spChg>
+        <pc:spChg chg="add mod">
+          <ac:chgData name="Manaswini Ray" userId="451f23f8-43b4-4daa-9511-0c9fb98bad1c" providerId="ADAL" clId="{034AA59E-D954-44E8-84AB-C770C7EA240B}" dt="2023-09-12T09:46:58.612" v="650" actId="14100"/>
+          <ac:spMkLst>
+            <pc:docMk/>
+            <pc:sldMk cId="1015724697" sldId="358"/>
+            <ac:spMk id="3" creationId="{25B40630-E552-8ECB-4D3D-72685DAD09FA}"/>
+          </ac:spMkLst>
+        </pc:spChg>
+        <pc:spChg chg="add mod">
+          <ac:chgData name="Manaswini Ray" userId="451f23f8-43b4-4daa-9511-0c9fb98bad1c" providerId="ADAL" clId="{034AA59E-D954-44E8-84AB-C770C7EA240B}" dt="2023-09-12T09:45:00.627" v="531"/>
+          <ac:spMkLst>
+            <pc:docMk/>
+            <pc:sldMk cId="1015724697" sldId="358"/>
+            <ac:spMk id="5" creationId="{4FDD9501-9DD8-6ED0-7334-FA7E3BF3BEA0}"/>
+          </ac:spMkLst>
+        </pc:spChg>
+        <pc:spChg chg="add mod">
+          <ac:chgData name="Manaswini Ray" userId="451f23f8-43b4-4daa-9511-0c9fb98bad1c" providerId="ADAL" clId="{034AA59E-D954-44E8-84AB-C770C7EA240B}" dt="2023-09-12T09:46:24.636" v="613" actId="20577"/>
+          <ac:spMkLst>
+            <pc:docMk/>
+            <pc:sldMk cId="1015724697" sldId="358"/>
+            <ac:spMk id="6" creationId="{3A492E49-445E-8C6D-B4C3-ADD5485FAC6D}"/>
+          </ac:spMkLst>
+        </pc:spChg>
+        <pc:spChg chg="add mod">
+          <ac:chgData name="Manaswini Ray" userId="451f23f8-43b4-4daa-9511-0c9fb98bad1c" providerId="ADAL" clId="{034AA59E-D954-44E8-84AB-C770C7EA240B}" dt="2023-09-12T09:45:47.773" v="600" actId="20577"/>
+          <ac:spMkLst>
+            <pc:docMk/>
+            <pc:sldMk cId="1015724697" sldId="358"/>
+            <ac:spMk id="7" creationId="{A52759B5-EFC4-B298-C5E9-37B5E08596E3}"/>
+          </ac:spMkLst>
+        </pc:spChg>
+        <pc:spChg chg="add mod">
+          <ac:chgData name="Manaswini Ray" userId="451f23f8-43b4-4daa-9511-0c9fb98bad1c" providerId="ADAL" clId="{034AA59E-D954-44E8-84AB-C770C7EA240B}" dt="2023-09-12T09:45:00.627" v="531"/>
+          <ac:spMkLst>
+            <pc:docMk/>
+            <pc:sldMk cId="1015724697" sldId="358"/>
+            <ac:spMk id="9" creationId="{4925CB76-5A90-034E-6278-57B8C3291E7A}"/>
+          </ac:spMkLst>
+        </pc:spChg>
+        <pc:spChg chg="add mod">
+          <ac:chgData name="Manaswini Ray" userId="451f23f8-43b4-4daa-9511-0c9fb98bad1c" providerId="ADAL" clId="{034AA59E-D954-44E8-84AB-C770C7EA240B}" dt="2023-09-12T09:45:00.627" v="531"/>
+          <ac:spMkLst>
+            <pc:docMk/>
+            <pc:sldMk cId="1015724697" sldId="358"/>
+            <ac:spMk id="10" creationId="{8FA31426-98D5-75C1-4E2E-661384166974}"/>
+          </ac:spMkLst>
+        </pc:spChg>
+        <pc:spChg chg="add mod">
+          <ac:chgData name="Manaswini Ray" userId="451f23f8-43b4-4daa-9511-0c9fb98bad1c" providerId="ADAL" clId="{034AA59E-D954-44E8-84AB-C770C7EA240B}" dt="2023-09-12T09:46:16.603" v="612" actId="20577"/>
+          <ac:spMkLst>
+            <pc:docMk/>
+            <pc:sldMk cId="1015724697" sldId="358"/>
+            <ac:spMk id="12" creationId="{BE68C8C3-ADC8-30C1-A0C2-556EC8801832}"/>
+          </ac:spMkLst>
+        </pc:spChg>
+        <pc:spChg chg="add mod">
+          <ac:chgData name="Manaswini Ray" userId="451f23f8-43b4-4daa-9511-0c9fb98bad1c" providerId="ADAL" clId="{034AA59E-D954-44E8-84AB-C770C7EA240B}" dt="2023-09-12T09:48:49.418" v="721" actId="1076"/>
+          <ac:spMkLst>
+            <pc:docMk/>
+            <pc:sldMk cId="1015724697" sldId="358"/>
+            <ac:spMk id="14" creationId="{AEADE538-F99A-6DAB-1C8C-2C2525A72428}"/>
+          </ac:spMkLst>
+        </pc:spChg>
+        <pc:spChg chg="add mod">
+          <ac:chgData name="Manaswini Ray" userId="451f23f8-43b4-4daa-9511-0c9fb98bad1c" providerId="ADAL" clId="{034AA59E-D954-44E8-84AB-C770C7EA240B}" dt="2023-09-12T09:48:49.418" v="721" actId="1076"/>
+          <ac:spMkLst>
+            <pc:docMk/>
+            <pc:sldMk cId="1015724697" sldId="358"/>
+            <ac:spMk id="16" creationId="{9C9A4925-5924-02A9-D2F8-869F37DE56CA}"/>
+          </ac:spMkLst>
+        </pc:spChg>
+        <pc:spChg chg="add del mod">
+          <ac:chgData name="Manaswini Ray" userId="451f23f8-43b4-4daa-9511-0c9fb98bad1c" providerId="ADAL" clId="{034AA59E-D954-44E8-84AB-C770C7EA240B}" dt="2023-09-12T09:48:21.826" v="717" actId="478"/>
+          <ac:spMkLst>
+            <pc:docMk/>
+            <pc:sldMk cId="1015724697" sldId="358"/>
+            <ac:spMk id="17" creationId="{71C6E26B-D7E8-97D8-7A3E-B9893E016E7F}"/>
+          </ac:spMkLst>
+        </pc:spChg>
+        <pc:spChg chg="add del mod">
+          <ac:chgData name="Manaswini Ray" userId="451f23f8-43b4-4daa-9511-0c9fb98bad1c" providerId="ADAL" clId="{034AA59E-D954-44E8-84AB-C770C7EA240B}" dt="2023-09-12T09:48:30.738" v="718" actId="478"/>
+          <ac:spMkLst>
+            <pc:docMk/>
+            <pc:sldMk cId="1015724697" sldId="358"/>
+            <ac:spMk id="19" creationId="{493F8E19-1AD1-8A96-9C6E-9C0B579345EC}"/>
+          </ac:spMkLst>
+        </pc:spChg>
+        <pc:spChg chg="add mod">
+          <ac:chgData name="Manaswini Ray" userId="451f23f8-43b4-4daa-9511-0c9fb98bad1c" providerId="ADAL" clId="{034AA59E-D954-44E8-84AB-C770C7EA240B}" dt="2023-09-12T09:46:53.634" v="648" actId="20577"/>
+          <ac:spMkLst>
+            <pc:docMk/>
+            <pc:sldMk cId="1015724697" sldId="358"/>
+            <ac:spMk id="22" creationId="{D67C1322-2659-1D34-83BF-E04E54B83F71}"/>
+          </ac:spMkLst>
+        </pc:spChg>
+        <pc:spChg chg="add del mod">
+          <ac:chgData name="Manaswini Ray" userId="451f23f8-43b4-4daa-9511-0c9fb98bad1c" providerId="ADAL" clId="{034AA59E-D954-44E8-84AB-C770C7EA240B}" dt="2023-09-12T09:48:30.738" v="718" actId="478"/>
+          <ac:spMkLst>
+            <pc:docMk/>
+            <pc:sldMk cId="1015724697" sldId="358"/>
+            <ac:spMk id="23" creationId="{A885CB41-95A4-9AD7-95F5-F7BA4A2240C7}"/>
+          </ac:spMkLst>
+        </pc:spChg>
+        <pc:spChg chg="add mod">
+          <ac:chgData name="Manaswini Ray" userId="451f23f8-43b4-4daa-9511-0c9fb98bad1c" providerId="ADAL" clId="{034AA59E-D954-44E8-84AB-C770C7EA240B}" dt="2023-09-12T09:48:49.418" v="721" actId="1076"/>
+          <ac:spMkLst>
+            <pc:docMk/>
+            <pc:sldMk cId="1015724697" sldId="358"/>
+            <ac:spMk id="24" creationId="{69EE61E6-D212-FFBB-21D0-758EE0519DDF}"/>
+          </ac:spMkLst>
+        </pc:spChg>
+        <pc:spChg chg="add mod">
+          <ac:chgData name="Manaswini Ray" userId="451f23f8-43b4-4daa-9511-0c9fb98bad1c" providerId="ADAL" clId="{034AA59E-D954-44E8-84AB-C770C7EA240B}" dt="2023-09-12T09:48:43.512" v="720" actId="1076"/>
+          <ac:spMkLst>
+            <pc:docMk/>
+            <pc:sldMk cId="1015724697" sldId="358"/>
+            <ac:spMk id="25" creationId="{600707B9-8428-BCF3-A4D8-852FBA1B7248}"/>
+          </ac:spMkLst>
+        </pc:spChg>
+        <pc:spChg chg="add mod">
+          <ac:chgData name="Manaswini Ray" userId="451f23f8-43b4-4daa-9511-0c9fb98bad1c" providerId="ADAL" clId="{034AA59E-D954-44E8-84AB-C770C7EA240B}" dt="2023-09-12T09:48:43.512" v="720" actId="1076"/>
+          <ac:spMkLst>
+            <pc:docMk/>
+            <pc:sldMk cId="1015724697" sldId="358"/>
+            <ac:spMk id="27" creationId="{83CBF423-0784-E3E4-F7D2-BE176220764A}"/>
+          </ac:spMkLst>
+        </pc:spChg>
+        <pc:spChg chg="add mod">
+          <ac:chgData name="Manaswini Ray" userId="451f23f8-43b4-4daa-9511-0c9fb98bad1c" providerId="ADAL" clId="{034AA59E-D954-44E8-84AB-C770C7EA240B}" dt="2023-09-12T09:48:43.512" v="720" actId="1076"/>
+          <ac:spMkLst>
+            <pc:docMk/>
+            <pc:sldMk cId="1015724697" sldId="358"/>
+            <ac:spMk id="28" creationId="{113E73D3-E701-4501-3233-106A54959C37}"/>
+          </ac:spMkLst>
+        </pc:spChg>
+        <pc:cxnChg chg="add mod">
+          <ac:chgData name="Manaswini Ray" userId="451f23f8-43b4-4daa-9511-0c9fb98bad1c" providerId="ADAL" clId="{034AA59E-D954-44E8-84AB-C770C7EA240B}" dt="2023-09-12T09:45:00.627" v="531"/>
+          <ac:cxnSpMkLst>
+            <pc:docMk/>
+            <pc:sldMk cId="1015724697" sldId="358"/>
+            <ac:cxnSpMk id="4" creationId="{FE91AC64-2A6B-FC7C-2AFE-86A3BDF7FE58}"/>
+          </ac:cxnSpMkLst>
+        </pc:cxnChg>
+        <pc:cxnChg chg="add mod">
+          <ac:chgData name="Manaswini Ray" userId="451f23f8-43b4-4daa-9511-0c9fb98bad1c" providerId="ADAL" clId="{034AA59E-D954-44E8-84AB-C770C7EA240B}" dt="2023-09-12T09:45:47.773" v="600" actId="20577"/>
+          <ac:cxnSpMkLst>
+            <pc:docMk/>
+            <pc:sldMk cId="1015724697" sldId="358"/>
+            <ac:cxnSpMk id="8" creationId="{B5F5BEF4-7B62-211B-424D-41A93EB2C774}"/>
+          </ac:cxnSpMkLst>
+        </pc:cxnChg>
+        <pc:cxnChg chg="add mod">
+          <ac:chgData name="Manaswini Ray" userId="451f23f8-43b4-4daa-9511-0c9fb98bad1c" providerId="ADAL" clId="{034AA59E-D954-44E8-84AB-C770C7EA240B}" dt="2023-09-12T09:45:00.627" v="531"/>
+          <ac:cxnSpMkLst>
+            <pc:docMk/>
+            <pc:sldMk cId="1015724697" sldId="358"/>
+            <ac:cxnSpMk id="11" creationId="{D099C62A-9D22-7082-76F5-AE387AD9395B}"/>
+          </ac:cxnSpMkLst>
+        </pc:cxnChg>
+        <pc:cxnChg chg="add mod">
+          <ac:chgData name="Manaswini Ray" userId="451f23f8-43b4-4daa-9511-0c9fb98bad1c" providerId="ADAL" clId="{034AA59E-D954-44E8-84AB-C770C7EA240B}" dt="2023-09-12T09:48:52.273" v="722" actId="1076"/>
+          <ac:cxnSpMkLst>
+            <pc:docMk/>
+            <pc:sldMk cId="1015724697" sldId="358"/>
+            <ac:cxnSpMk id="13" creationId="{EB4081E2-CFDB-66F7-A551-ABE9DB42D28F}"/>
+          </ac:cxnSpMkLst>
+        </pc:cxnChg>
+        <pc:cxnChg chg="add mod">
+          <ac:chgData name="Manaswini Ray" userId="451f23f8-43b4-4daa-9511-0c9fb98bad1c" providerId="ADAL" clId="{034AA59E-D954-44E8-84AB-C770C7EA240B}" dt="2023-09-12T09:48:49.418" v="721" actId="1076"/>
+          <ac:cxnSpMkLst>
+            <pc:docMk/>
+            <pc:sldMk cId="1015724697" sldId="358"/>
+            <ac:cxnSpMk id="15" creationId="{D278CD99-E0A0-A26B-D180-7500F07CD370}"/>
+          </ac:cxnSpMkLst>
+        </pc:cxnChg>
+        <pc:cxnChg chg="add del mod">
+          <ac:chgData name="Manaswini Ray" userId="451f23f8-43b4-4daa-9511-0c9fb98bad1c" providerId="ADAL" clId="{034AA59E-D954-44E8-84AB-C770C7EA240B}" dt="2023-09-12T09:48:30.738" v="718" actId="478"/>
+          <ac:cxnSpMkLst>
+            <pc:docMk/>
+            <pc:sldMk cId="1015724697" sldId="358"/>
+            <ac:cxnSpMk id="18" creationId="{66C7229A-04B4-78DE-AC59-5B60B99DA864}"/>
+          </ac:cxnSpMkLst>
+        </pc:cxnChg>
+        <pc:cxnChg chg="add del mod">
+          <ac:chgData name="Manaswini Ray" userId="451f23f8-43b4-4daa-9511-0c9fb98bad1c" providerId="ADAL" clId="{034AA59E-D954-44E8-84AB-C770C7EA240B}" dt="2023-09-12T09:46:46.873" v="644" actId="478"/>
+          <ac:cxnSpMkLst>
+            <pc:docMk/>
+            <pc:sldMk cId="1015724697" sldId="358"/>
+            <ac:cxnSpMk id="20" creationId="{A3829F68-15AA-8164-27DE-CA2A2CAB3A6E}"/>
+          </ac:cxnSpMkLst>
+        </pc:cxnChg>
+        <pc:cxnChg chg="add del mod">
+          <ac:chgData name="Manaswini Ray" userId="451f23f8-43b4-4daa-9511-0c9fb98bad1c" providerId="ADAL" clId="{034AA59E-D954-44E8-84AB-C770C7EA240B}" dt="2023-09-12T09:46:44.824" v="643" actId="478"/>
+          <ac:cxnSpMkLst>
+            <pc:docMk/>
+            <pc:sldMk cId="1015724697" sldId="358"/>
+            <ac:cxnSpMk id="21" creationId="{C44B5B9E-CAE3-3622-DF8F-2FA4690219B0}"/>
+          </ac:cxnSpMkLst>
+        </pc:cxnChg>
+        <pc:cxnChg chg="add mod">
+          <ac:chgData name="Manaswini Ray" userId="451f23f8-43b4-4daa-9511-0c9fb98bad1c" providerId="ADAL" clId="{034AA59E-D954-44E8-84AB-C770C7EA240B}" dt="2023-09-12T09:48:43.512" v="720" actId="1076"/>
+          <ac:cxnSpMkLst>
+            <pc:docMk/>
+            <pc:sldMk cId="1015724697" sldId="358"/>
+            <ac:cxnSpMk id="26" creationId="{A226933B-C3C7-6279-6889-A694754EB90F}"/>
+          </ac:cxnSpMkLst>
+        </pc:cxnChg>
+        <pc:cxnChg chg="add del mod">
+          <ac:chgData name="Manaswini Ray" userId="451f23f8-43b4-4daa-9511-0c9fb98bad1c" providerId="ADAL" clId="{034AA59E-D954-44E8-84AB-C770C7EA240B}" dt="2023-09-12T09:46:49.196" v="646" actId="478"/>
+          <ac:cxnSpMkLst>
+            <pc:docMk/>
+            <pc:sldMk cId="1015724697" sldId="358"/>
+            <ac:cxnSpMk id="29" creationId="{2339DA3D-8E93-E32E-95D3-BD095A8E8680}"/>
+          </ac:cxnSpMkLst>
+        </pc:cxnChg>
+        <pc:cxnChg chg="add mod">
+          <ac:chgData name="Manaswini Ray" userId="451f23f8-43b4-4daa-9511-0c9fb98bad1c" providerId="ADAL" clId="{034AA59E-D954-44E8-84AB-C770C7EA240B}" dt="2023-09-12T09:48:59.448" v="725" actId="14100"/>
+          <ac:cxnSpMkLst>
+            <pc:docMk/>
+            <pc:sldMk cId="1015724697" sldId="358"/>
+            <ac:cxnSpMk id="31" creationId="{553546DA-C367-B04F-E5DE-D47D6D429573}"/>
+          </ac:cxnSpMkLst>
+        </pc:cxnChg>
+        <pc:cxnChg chg="add mod">
+          <ac:chgData name="Manaswini Ray" userId="451f23f8-43b4-4daa-9511-0c9fb98bad1c" providerId="ADAL" clId="{034AA59E-D954-44E8-84AB-C770C7EA240B}" dt="2023-09-12T09:49:13.491" v="729" actId="14100"/>
+          <ac:cxnSpMkLst>
+            <pc:docMk/>
+            <pc:sldMk cId="1015724697" sldId="358"/>
+            <ac:cxnSpMk id="34" creationId="{49E619A2-1E48-0393-CF9F-0BA7F4BB7CDD}"/>
           </ac:cxnSpMkLst>
         </pc:cxnChg>
       </pc:sldChg>
@@ -13127,6 +13375,1099 @@
     <p:extLst>
       <p:ext uri="{BB962C8B-B14F-4D97-AF65-F5344CB8AC3E}">
         <p14:creationId xmlns:p14="http://schemas.microsoft.com/office/powerpoint/2010/main" val="192732721"/>
+      </p:ext>
+    </p:extLst>
+  </p:cSld>
+  <p:clrMapOvr>
+    <a:masterClrMapping/>
+  </p:clrMapOvr>
+</p:sld>
+</file>
+
+<file path=ppt/slides/slide15.xml><?xml version="1.0" encoding="utf-8"?>
+<p:sld xmlns:a="http://schemas.openxmlformats.org/drawingml/2006/main" xmlns:r="http://schemas.openxmlformats.org/officeDocument/2006/relationships" xmlns:p="http://schemas.openxmlformats.org/presentationml/2006/main">
+  <p:cSld>
+    <p:spTree>
+      <p:nvGrpSpPr>
+        <p:cNvPr id="1" name=""/>
+        <p:cNvGrpSpPr/>
+        <p:nvPr/>
+      </p:nvGrpSpPr>
+      <p:grpSpPr>
+        <a:xfrm>
+          <a:off x="0" y="0"/>
+          <a:ext cx="0" cy="0"/>
+          <a:chOff x="0" y="0"/>
+          <a:chExt cx="0" cy="0"/>
+        </a:xfrm>
+      </p:grpSpPr>
+      <p:sp>
+        <p:nvSpPr>
+          <p:cNvPr id="2" name="TextBox 1">
+            <a:extLst>
+              <a:ext uri="{FF2B5EF4-FFF2-40B4-BE49-F238E27FC236}">
+                <a16:creationId xmlns:a16="http://schemas.microsoft.com/office/drawing/2014/main" id="{F2CB681B-00B7-DC2A-B933-41791CBE6EE5}"/>
+              </a:ext>
+            </a:extLst>
+          </p:cNvPr>
+          <p:cNvSpPr txBox="1"/>
+          <p:nvPr/>
+        </p:nvSpPr>
+        <p:spPr>
+          <a:xfrm>
+            <a:off x="252248" y="393403"/>
+            <a:ext cx="6138040" cy="400110"/>
+          </a:xfrm>
+          <a:prstGeom prst="rect">
+            <a:avLst/>
+          </a:prstGeom>
+          <a:noFill/>
+        </p:spPr>
+        <p:txBody>
+          <a:bodyPr wrap="square">
+            <a:spAutoFit/>
+          </a:bodyPr>
+          <a:lstStyle/>
+          <a:p>
+            <a:r>
+              <a:rPr lang="en-US" sz="2000" b="1" u="sng" dirty="0">
+                <a:solidFill>
+                  <a:srgbClr val="000000"/>
+                </a:solidFill>
+              </a:rPr>
+              <a:t>Command </a:t>
+            </a:r>
+            <a:r>
+              <a:rPr lang="en-IN" sz="2000" b="1" u="sng" dirty="0">
+                <a:solidFill>
+                  <a:srgbClr val="000000"/>
+                </a:solidFill>
+              </a:rPr>
+              <a:t>Design Pattern</a:t>
+            </a:r>
+            <a:endParaRPr lang="en-IN" sz="2000" b="1" u="sng" dirty="0"/>
+          </a:p>
+        </p:txBody>
+      </p:sp>
+      <p:sp>
+        <p:nvSpPr>
+          <p:cNvPr id="3" name="Rectangle 2">
+            <a:extLst>
+              <a:ext uri="{FF2B5EF4-FFF2-40B4-BE49-F238E27FC236}">
+                <a16:creationId xmlns:a16="http://schemas.microsoft.com/office/drawing/2014/main" id="{25B40630-E552-8ECB-4D3D-72685DAD09FA}"/>
+              </a:ext>
+            </a:extLst>
+          </p:cNvPr>
+          <p:cNvSpPr/>
+          <p:nvPr/>
+        </p:nvSpPr>
+        <p:spPr>
+          <a:xfrm>
+            <a:off x="2748168" y="1579830"/>
+            <a:ext cx="2991679" cy="1858921"/>
+          </a:xfrm>
+          <a:prstGeom prst="rect">
+            <a:avLst/>
+          </a:prstGeom>
+          <a:noFill/>
+          <a:ln>
+            <a:solidFill>
+              <a:schemeClr val="bg2">
+                <a:lumMod val="10000"/>
+              </a:schemeClr>
+            </a:solidFill>
+          </a:ln>
+        </p:spPr>
+        <p:style>
+          <a:lnRef idx="2">
+            <a:schemeClr val="accent1">
+              <a:shade val="50000"/>
+            </a:schemeClr>
+          </a:lnRef>
+          <a:fillRef idx="1">
+            <a:schemeClr val="accent1"/>
+          </a:fillRef>
+          <a:effectRef idx="0">
+            <a:schemeClr val="accent1"/>
+          </a:effectRef>
+          <a:fontRef idx="minor">
+            <a:schemeClr val="lt1"/>
+          </a:fontRef>
+        </p:style>
+        <p:txBody>
+          <a:bodyPr rtlCol="0" anchor="ctr"/>
+          <a:lstStyle/>
+          <a:p>
+            <a:pPr algn="ctr"/>
+            <a:endParaRPr lang="en-IN"/>
+          </a:p>
+        </p:txBody>
+      </p:sp>
+      <p:cxnSp>
+        <p:nvCxnSpPr>
+          <p:cNvPr id="4" name="Straight Connector 3">
+            <a:extLst>
+              <a:ext uri="{FF2B5EF4-FFF2-40B4-BE49-F238E27FC236}">
+                <a16:creationId xmlns:a16="http://schemas.microsoft.com/office/drawing/2014/main" id="{FE91AC64-2A6B-FC7C-2AFE-86A3BDF7FE58}"/>
+              </a:ext>
+            </a:extLst>
+          </p:cNvPr>
+          <p:cNvCxnSpPr>
+            <a:cxnSpLocks/>
+          </p:cNvCxnSpPr>
+          <p:nvPr/>
+        </p:nvCxnSpPr>
+        <p:spPr>
+          <a:xfrm>
+            <a:off x="2748168" y="2237170"/>
+            <a:ext cx="2991679" cy="0"/>
+          </a:xfrm>
+          <a:prstGeom prst="line">
+            <a:avLst/>
+          </a:prstGeom>
+          <a:ln>
+            <a:solidFill>
+              <a:schemeClr val="tx1">
+                <a:lumMod val="95000"/>
+                <a:lumOff val="5000"/>
+              </a:schemeClr>
+            </a:solidFill>
+          </a:ln>
+        </p:spPr>
+        <p:style>
+          <a:lnRef idx="1">
+            <a:schemeClr val="accent1"/>
+          </a:lnRef>
+          <a:fillRef idx="0">
+            <a:schemeClr val="accent1"/>
+          </a:fillRef>
+          <a:effectRef idx="0">
+            <a:schemeClr val="accent1"/>
+          </a:effectRef>
+          <a:fontRef idx="minor">
+            <a:schemeClr val="tx1"/>
+          </a:fontRef>
+        </p:style>
+      </p:cxnSp>
+      <p:sp>
+        <p:nvSpPr>
+          <p:cNvPr id="5" name="TextBox 4">
+            <a:extLst>
+              <a:ext uri="{FF2B5EF4-FFF2-40B4-BE49-F238E27FC236}">
+                <a16:creationId xmlns:a16="http://schemas.microsoft.com/office/drawing/2014/main" id="{4FDD9501-9DD8-6ED0-7334-FA7E3BF3BEA0}"/>
+              </a:ext>
+            </a:extLst>
+          </p:cNvPr>
+          <p:cNvSpPr txBox="1"/>
+          <p:nvPr/>
+        </p:nvSpPr>
+        <p:spPr>
+          <a:xfrm>
+            <a:off x="583216" y="1332637"/>
+            <a:ext cx="1373138" cy="369332"/>
+          </a:xfrm>
+          <a:prstGeom prst="rect">
+            <a:avLst/>
+          </a:prstGeom>
+          <a:noFill/>
+        </p:spPr>
+        <p:txBody>
+          <a:bodyPr wrap="square" rtlCol="0">
+            <a:spAutoFit/>
+          </a:bodyPr>
+          <a:lstStyle/>
+          <a:p>
+            <a:r>
+              <a:rPr lang="en-US" dirty="0"/>
+              <a:t>Client</a:t>
+            </a:r>
+            <a:endParaRPr lang="en-IN" dirty="0"/>
+          </a:p>
+        </p:txBody>
+      </p:sp>
+      <p:sp>
+        <p:nvSpPr>
+          <p:cNvPr id="6" name="TextBox 5">
+            <a:extLst>
+              <a:ext uri="{FF2B5EF4-FFF2-40B4-BE49-F238E27FC236}">
+                <a16:creationId xmlns:a16="http://schemas.microsoft.com/office/drawing/2014/main" id="{3A492E49-445E-8C6D-B4C3-ADD5485FAC6D}"/>
+              </a:ext>
+            </a:extLst>
+          </p:cNvPr>
+          <p:cNvSpPr txBox="1"/>
+          <p:nvPr/>
+        </p:nvSpPr>
+        <p:spPr>
+          <a:xfrm>
+            <a:off x="2773015" y="1708739"/>
+            <a:ext cx="2613993" cy="369332"/>
+          </a:xfrm>
+          <a:prstGeom prst="rect">
+            <a:avLst/>
+          </a:prstGeom>
+          <a:noFill/>
+        </p:spPr>
+        <p:txBody>
+          <a:bodyPr wrap="square" rtlCol="0">
+            <a:spAutoFit/>
+          </a:bodyPr>
+          <a:lstStyle/>
+          <a:p>
+            <a:r>
+              <a:rPr lang="en-US" dirty="0" err="1"/>
+              <a:t>IButton</a:t>
+            </a:r>
+            <a:endParaRPr lang="en-IN" dirty="0"/>
+          </a:p>
+        </p:txBody>
+      </p:sp>
+      <p:sp>
+        <p:nvSpPr>
+          <p:cNvPr id="7" name="TextBox 6">
+            <a:extLst>
+              <a:ext uri="{FF2B5EF4-FFF2-40B4-BE49-F238E27FC236}">
+                <a16:creationId xmlns:a16="http://schemas.microsoft.com/office/drawing/2014/main" id="{A52759B5-EFC4-B298-C5E9-37B5E08596E3}"/>
+              </a:ext>
+            </a:extLst>
+          </p:cNvPr>
+          <p:cNvSpPr txBox="1"/>
+          <p:nvPr/>
+        </p:nvSpPr>
+        <p:spPr>
+          <a:xfrm>
+            <a:off x="2748168" y="2515421"/>
+            <a:ext cx="2613993" cy="923330"/>
+          </a:xfrm>
+          <a:prstGeom prst="rect">
+            <a:avLst/>
+          </a:prstGeom>
+          <a:noFill/>
+        </p:spPr>
+        <p:txBody>
+          <a:bodyPr wrap="square" rtlCol="0">
+            <a:spAutoFit/>
+          </a:bodyPr>
+          <a:lstStyle/>
+          <a:p>
+            <a:r>
+              <a:rPr lang="en-US" dirty="0" err="1"/>
+              <a:t>PressForExectution</a:t>
+            </a:r>
+            <a:r>
+              <a:rPr lang="en-US" dirty="0"/>
+              <a:t>()</a:t>
+            </a:r>
+          </a:p>
+          <a:p>
+            <a:r>
+              <a:rPr lang="en-US" dirty="0" err="1"/>
+              <a:t>PressToStopExecution</a:t>
+            </a:r>
+            <a:r>
+              <a:rPr lang="en-US" dirty="0"/>
+              <a:t>()</a:t>
+            </a:r>
+          </a:p>
+          <a:p>
+            <a:endParaRPr lang="en-US" dirty="0"/>
+          </a:p>
+        </p:txBody>
+      </p:sp>
+      <p:cxnSp>
+        <p:nvCxnSpPr>
+          <p:cNvPr id="8" name="Straight Arrow Connector 17">
+            <a:extLst>
+              <a:ext uri="{FF2B5EF4-FFF2-40B4-BE49-F238E27FC236}">
+                <a16:creationId xmlns:a16="http://schemas.microsoft.com/office/drawing/2014/main" id="{B5F5BEF4-7B62-211B-424D-41A93EB2C774}"/>
+              </a:ext>
+            </a:extLst>
+          </p:cNvPr>
+          <p:cNvCxnSpPr>
+            <a:cxnSpLocks/>
+            <a:stCxn id="9" idx="2"/>
+            <a:endCxn id="7" idx="1"/>
+          </p:cNvCxnSpPr>
+          <p:nvPr/>
+        </p:nvCxnSpPr>
+        <p:spPr>
+          <a:xfrm rot="16200000" flipH="1">
+            <a:off x="1481101" y="1710018"/>
+            <a:ext cx="1064203" cy="1469932"/>
+          </a:xfrm>
+          <a:prstGeom prst="bentConnector2">
+            <a:avLst/>
+          </a:prstGeom>
+          <a:ln>
+            <a:tailEnd type="triangle"/>
+          </a:ln>
+        </p:spPr>
+        <p:style>
+          <a:lnRef idx="1">
+            <a:schemeClr val="dk1"/>
+          </a:lnRef>
+          <a:fillRef idx="0">
+            <a:schemeClr val="dk1"/>
+          </a:fillRef>
+          <a:effectRef idx="0">
+            <a:schemeClr val="dk1"/>
+          </a:effectRef>
+          <a:fontRef idx="minor">
+            <a:schemeClr val="tx1"/>
+          </a:fontRef>
+        </p:style>
+      </p:cxnSp>
+      <p:sp>
+        <p:nvSpPr>
+          <p:cNvPr id="9" name="Rectangle 8">
+            <a:extLst>
+              <a:ext uri="{FF2B5EF4-FFF2-40B4-BE49-F238E27FC236}">
+                <a16:creationId xmlns:a16="http://schemas.microsoft.com/office/drawing/2014/main" id="{4925CB76-5A90-034E-6278-57B8C3291E7A}"/>
+              </a:ext>
+            </a:extLst>
+          </p:cNvPr>
+          <p:cNvSpPr/>
+          <p:nvPr/>
+        </p:nvSpPr>
+        <p:spPr>
+          <a:xfrm>
+            <a:off x="252248" y="1147106"/>
+            <a:ext cx="2051975" cy="765777"/>
+          </a:xfrm>
+          <a:prstGeom prst="rect">
+            <a:avLst/>
+          </a:prstGeom>
+          <a:noFill/>
+          <a:ln>
+            <a:solidFill>
+              <a:schemeClr val="bg2">
+                <a:lumMod val="10000"/>
+              </a:schemeClr>
+            </a:solidFill>
+          </a:ln>
+        </p:spPr>
+        <p:style>
+          <a:lnRef idx="2">
+            <a:schemeClr val="accent1">
+              <a:shade val="50000"/>
+            </a:schemeClr>
+          </a:lnRef>
+          <a:fillRef idx="1">
+            <a:schemeClr val="accent1"/>
+          </a:fillRef>
+          <a:effectRef idx="0">
+            <a:schemeClr val="accent1"/>
+          </a:effectRef>
+          <a:fontRef idx="minor">
+            <a:schemeClr val="lt1"/>
+          </a:fontRef>
+        </p:style>
+        <p:txBody>
+          <a:bodyPr rtlCol="0" anchor="ctr"/>
+          <a:lstStyle/>
+          <a:p>
+            <a:pPr algn="ctr"/>
+            <a:endParaRPr lang="en-IN"/>
+          </a:p>
+        </p:txBody>
+      </p:sp>
+      <p:sp>
+        <p:nvSpPr>
+          <p:cNvPr id="10" name="Rectangle 9">
+            <a:extLst>
+              <a:ext uri="{FF2B5EF4-FFF2-40B4-BE49-F238E27FC236}">
+                <a16:creationId xmlns:a16="http://schemas.microsoft.com/office/drawing/2014/main" id="{8FA31426-98D5-75C1-4E2E-661384166974}"/>
+              </a:ext>
+            </a:extLst>
+          </p:cNvPr>
+          <p:cNvSpPr/>
+          <p:nvPr/>
+        </p:nvSpPr>
+        <p:spPr>
+          <a:xfrm>
+            <a:off x="7292408" y="322457"/>
+            <a:ext cx="2991679" cy="1755613"/>
+          </a:xfrm>
+          <a:prstGeom prst="rect">
+            <a:avLst/>
+          </a:prstGeom>
+          <a:noFill/>
+          <a:ln>
+            <a:solidFill>
+              <a:schemeClr val="bg2">
+                <a:lumMod val="10000"/>
+              </a:schemeClr>
+            </a:solidFill>
+          </a:ln>
+        </p:spPr>
+        <p:style>
+          <a:lnRef idx="2">
+            <a:schemeClr val="accent1">
+              <a:shade val="50000"/>
+            </a:schemeClr>
+          </a:lnRef>
+          <a:fillRef idx="1">
+            <a:schemeClr val="accent1"/>
+          </a:fillRef>
+          <a:effectRef idx="0">
+            <a:schemeClr val="accent1"/>
+          </a:effectRef>
+          <a:fontRef idx="minor">
+            <a:schemeClr val="lt1"/>
+          </a:fontRef>
+        </p:style>
+        <p:txBody>
+          <a:bodyPr rtlCol="0" anchor="ctr"/>
+          <a:lstStyle/>
+          <a:p>
+            <a:pPr algn="ctr"/>
+            <a:endParaRPr lang="en-IN"/>
+          </a:p>
+        </p:txBody>
+      </p:sp>
+      <p:cxnSp>
+        <p:nvCxnSpPr>
+          <p:cNvPr id="11" name="Straight Connector 10">
+            <a:extLst>
+              <a:ext uri="{FF2B5EF4-FFF2-40B4-BE49-F238E27FC236}">
+                <a16:creationId xmlns:a16="http://schemas.microsoft.com/office/drawing/2014/main" id="{D099C62A-9D22-7082-76F5-AE387AD9395B}"/>
+              </a:ext>
+            </a:extLst>
+          </p:cNvPr>
+          <p:cNvCxnSpPr>
+            <a:cxnSpLocks/>
+          </p:cNvCxnSpPr>
+          <p:nvPr/>
+        </p:nvCxnSpPr>
+        <p:spPr>
+          <a:xfrm>
+            <a:off x="7292408" y="958525"/>
+            <a:ext cx="2991679" cy="0"/>
+          </a:xfrm>
+          <a:prstGeom prst="line">
+            <a:avLst/>
+          </a:prstGeom>
+          <a:ln>
+            <a:solidFill>
+              <a:schemeClr val="tx1">
+                <a:lumMod val="95000"/>
+                <a:lumOff val="5000"/>
+              </a:schemeClr>
+            </a:solidFill>
+          </a:ln>
+        </p:spPr>
+        <p:style>
+          <a:lnRef idx="1">
+            <a:schemeClr val="accent1"/>
+          </a:lnRef>
+          <a:fillRef idx="0">
+            <a:schemeClr val="accent1"/>
+          </a:fillRef>
+          <a:effectRef idx="0">
+            <a:schemeClr val="accent1"/>
+          </a:effectRef>
+          <a:fontRef idx="minor">
+            <a:schemeClr val="tx1"/>
+          </a:fontRef>
+        </p:style>
+      </p:cxnSp>
+      <p:sp>
+        <p:nvSpPr>
+          <p:cNvPr id="12" name="TextBox 11">
+            <a:extLst>
+              <a:ext uri="{FF2B5EF4-FFF2-40B4-BE49-F238E27FC236}">
+                <a16:creationId xmlns:a16="http://schemas.microsoft.com/office/drawing/2014/main" id="{BE68C8C3-ADC8-30C1-A0C2-556EC8801832}"/>
+              </a:ext>
+            </a:extLst>
+          </p:cNvPr>
+          <p:cNvSpPr txBox="1"/>
+          <p:nvPr/>
+        </p:nvSpPr>
+        <p:spPr>
+          <a:xfrm>
+            <a:off x="7317254" y="440936"/>
+            <a:ext cx="2613993" cy="369332"/>
+          </a:xfrm>
+          <a:prstGeom prst="rect">
+            <a:avLst/>
+          </a:prstGeom>
+          <a:noFill/>
+        </p:spPr>
+        <p:txBody>
+          <a:bodyPr wrap="square" rtlCol="0">
+            <a:spAutoFit/>
+          </a:bodyPr>
+          <a:lstStyle/>
+          <a:p>
+            <a:r>
+              <a:rPr lang="en-US" dirty="0" err="1"/>
+              <a:t>ICommand</a:t>
+            </a:r>
+            <a:endParaRPr lang="en-IN" dirty="0"/>
+          </a:p>
+        </p:txBody>
+      </p:sp>
+      <p:cxnSp>
+        <p:nvCxnSpPr>
+          <p:cNvPr id="13" name="Straight Arrow Connector 17">
+            <a:extLst>
+              <a:ext uri="{FF2B5EF4-FFF2-40B4-BE49-F238E27FC236}">
+                <a16:creationId xmlns:a16="http://schemas.microsoft.com/office/drawing/2014/main" id="{EB4081E2-CFDB-66F7-A551-ABE9DB42D28F}"/>
+              </a:ext>
+            </a:extLst>
+          </p:cNvPr>
+          <p:cNvCxnSpPr>
+            <a:cxnSpLocks/>
+          </p:cNvCxnSpPr>
+          <p:nvPr/>
+        </p:nvCxnSpPr>
+        <p:spPr>
+          <a:xfrm flipV="1">
+            <a:off x="5739847" y="1682200"/>
+            <a:ext cx="1577406" cy="827401"/>
+          </a:xfrm>
+          <a:prstGeom prst="bentConnector3">
+            <a:avLst>
+              <a:gd name="adj1" fmla="val 50000"/>
+            </a:avLst>
+          </a:prstGeom>
+          <a:ln>
+            <a:tailEnd type="triangle"/>
+          </a:ln>
+        </p:spPr>
+        <p:style>
+          <a:lnRef idx="1">
+            <a:schemeClr val="dk1"/>
+          </a:lnRef>
+          <a:fillRef idx="0">
+            <a:schemeClr val="dk1"/>
+          </a:fillRef>
+          <a:effectRef idx="0">
+            <a:schemeClr val="dk1"/>
+          </a:effectRef>
+          <a:fontRef idx="minor">
+            <a:schemeClr val="tx1"/>
+          </a:fontRef>
+        </p:style>
+      </p:cxnSp>
+      <p:sp>
+        <p:nvSpPr>
+          <p:cNvPr id="14" name="Rectangle 13">
+            <a:extLst>
+              <a:ext uri="{FF2B5EF4-FFF2-40B4-BE49-F238E27FC236}">
+                <a16:creationId xmlns:a16="http://schemas.microsoft.com/office/drawing/2014/main" id="{AEADE538-F99A-6DAB-1C8C-2C2525A72428}"/>
+              </a:ext>
+            </a:extLst>
+          </p:cNvPr>
+          <p:cNvSpPr/>
+          <p:nvPr/>
+        </p:nvSpPr>
+        <p:spPr>
+          <a:xfrm>
+            <a:off x="4894448" y="4809586"/>
+            <a:ext cx="2991679" cy="1639456"/>
+          </a:xfrm>
+          <a:prstGeom prst="rect">
+            <a:avLst/>
+          </a:prstGeom>
+          <a:noFill/>
+          <a:ln>
+            <a:solidFill>
+              <a:schemeClr val="bg2">
+                <a:lumMod val="10000"/>
+              </a:schemeClr>
+            </a:solidFill>
+          </a:ln>
+        </p:spPr>
+        <p:style>
+          <a:lnRef idx="2">
+            <a:schemeClr val="accent1">
+              <a:shade val="50000"/>
+            </a:schemeClr>
+          </a:lnRef>
+          <a:fillRef idx="1">
+            <a:schemeClr val="accent1"/>
+          </a:fillRef>
+          <a:effectRef idx="0">
+            <a:schemeClr val="accent1"/>
+          </a:effectRef>
+          <a:fontRef idx="minor">
+            <a:schemeClr val="lt1"/>
+          </a:fontRef>
+        </p:style>
+        <p:txBody>
+          <a:bodyPr rtlCol="0" anchor="ctr"/>
+          <a:lstStyle/>
+          <a:p>
+            <a:pPr algn="ctr"/>
+            <a:endParaRPr lang="en-IN"/>
+          </a:p>
+        </p:txBody>
+      </p:sp>
+      <p:cxnSp>
+        <p:nvCxnSpPr>
+          <p:cNvPr id="15" name="Straight Connector 14">
+            <a:extLst>
+              <a:ext uri="{FF2B5EF4-FFF2-40B4-BE49-F238E27FC236}">
+                <a16:creationId xmlns:a16="http://schemas.microsoft.com/office/drawing/2014/main" id="{D278CD99-E0A0-A26B-D180-7500F07CD370}"/>
+              </a:ext>
+            </a:extLst>
+          </p:cNvPr>
+          <p:cNvCxnSpPr>
+            <a:cxnSpLocks/>
+          </p:cNvCxnSpPr>
+          <p:nvPr/>
+        </p:nvCxnSpPr>
+        <p:spPr>
+          <a:xfrm>
+            <a:off x="4894448" y="5393424"/>
+            <a:ext cx="2991679" cy="0"/>
+          </a:xfrm>
+          <a:prstGeom prst="line">
+            <a:avLst/>
+          </a:prstGeom>
+          <a:ln>
+            <a:solidFill>
+              <a:schemeClr val="tx1">
+                <a:lumMod val="95000"/>
+                <a:lumOff val="5000"/>
+              </a:schemeClr>
+            </a:solidFill>
+          </a:ln>
+        </p:spPr>
+        <p:style>
+          <a:lnRef idx="1">
+            <a:schemeClr val="accent1"/>
+          </a:lnRef>
+          <a:fillRef idx="0">
+            <a:schemeClr val="accent1"/>
+          </a:fillRef>
+          <a:effectRef idx="0">
+            <a:schemeClr val="accent1"/>
+          </a:effectRef>
+          <a:fontRef idx="minor">
+            <a:schemeClr val="tx1"/>
+          </a:fontRef>
+        </p:style>
+      </p:cxnSp>
+      <p:sp>
+        <p:nvSpPr>
+          <p:cNvPr id="16" name="TextBox 15">
+            <a:extLst>
+              <a:ext uri="{FF2B5EF4-FFF2-40B4-BE49-F238E27FC236}">
+                <a16:creationId xmlns:a16="http://schemas.microsoft.com/office/drawing/2014/main" id="{9C9A4925-5924-02A9-D2F8-869F37DE56CA}"/>
+              </a:ext>
+            </a:extLst>
+          </p:cNvPr>
+          <p:cNvSpPr txBox="1"/>
+          <p:nvPr/>
+        </p:nvSpPr>
+        <p:spPr>
+          <a:xfrm>
+            <a:off x="4894448" y="4913111"/>
+            <a:ext cx="2613993" cy="369332"/>
+          </a:xfrm>
+          <a:prstGeom prst="rect">
+            <a:avLst/>
+          </a:prstGeom>
+          <a:noFill/>
+        </p:spPr>
+        <p:txBody>
+          <a:bodyPr wrap="square" rtlCol="0">
+            <a:spAutoFit/>
+          </a:bodyPr>
+          <a:lstStyle/>
+          <a:p>
+            <a:r>
+              <a:rPr lang="en-US" dirty="0" err="1"/>
+              <a:t>ILight</a:t>
+            </a:r>
+            <a:endParaRPr lang="en-IN" dirty="0"/>
+          </a:p>
+        </p:txBody>
+      </p:sp>
+      <p:sp>
+        <p:nvSpPr>
+          <p:cNvPr id="22" name="TextBox 21">
+            <a:extLst>
+              <a:ext uri="{FF2B5EF4-FFF2-40B4-BE49-F238E27FC236}">
+                <a16:creationId xmlns:a16="http://schemas.microsoft.com/office/drawing/2014/main" id="{D67C1322-2659-1D34-83BF-E04E54B83F71}"/>
+              </a:ext>
+            </a:extLst>
+          </p:cNvPr>
+          <p:cNvSpPr txBox="1"/>
+          <p:nvPr/>
+        </p:nvSpPr>
+        <p:spPr>
+          <a:xfrm>
+            <a:off x="7317253" y="987577"/>
+            <a:ext cx="2613993" cy="646331"/>
+          </a:xfrm>
+          <a:prstGeom prst="rect">
+            <a:avLst/>
+          </a:prstGeom>
+          <a:noFill/>
+        </p:spPr>
+        <p:txBody>
+          <a:bodyPr wrap="square" rtlCol="0">
+            <a:spAutoFit/>
+          </a:bodyPr>
+          <a:lstStyle/>
+          <a:p>
+            <a:r>
+              <a:rPr lang="en-US" dirty="0" err="1"/>
+              <a:t>StartExecution</a:t>
+            </a:r>
+            <a:r>
+              <a:rPr lang="en-US" dirty="0"/>
+              <a:t>()</a:t>
+            </a:r>
+          </a:p>
+          <a:p>
+            <a:r>
+              <a:rPr lang="en-US" dirty="0" err="1"/>
+              <a:t>StopExecution</a:t>
+            </a:r>
+            <a:r>
+              <a:rPr lang="en-US" dirty="0"/>
+              <a:t>()</a:t>
+            </a:r>
+          </a:p>
+        </p:txBody>
+      </p:sp>
+      <p:sp>
+        <p:nvSpPr>
+          <p:cNvPr id="24" name="TextBox 23">
+            <a:extLst>
+              <a:ext uri="{FF2B5EF4-FFF2-40B4-BE49-F238E27FC236}">
+                <a16:creationId xmlns:a16="http://schemas.microsoft.com/office/drawing/2014/main" id="{69EE61E6-D212-FFBB-21D0-758EE0519DDF}"/>
+              </a:ext>
+            </a:extLst>
+          </p:cNvPr>
+          <p:cNvSpPr txBox="1"/>
+          <p:nvPr/>
+        </p:nvSpPr>
+        <p:spPr>
+          <a:xfrm>
+            <a:off x="4989042" y="5525711"/>
+            <a:ext cx="2613993" cy="923330"/>
+          </a:xfrm>
+          <a:prstGeom prst="rect">
+            <a:avLst/>
+          </a:prstGeom>
+          <a:noFill/>
+        </p:spPr>
+        <p:txBody>
+          <a:bodyPr wrap="square" rtlCol="0">
+            <a:spAutoFit/>
+          </a:bodyPr>
+          <a:lstStyle/>
+          <a:p>
+            <a:r>
+              <a:rPr lang="en-US" dirty="0" err="1"/>
+              <a:t>TurnOn</a:t>
+            </a:r>
+            <a:r>
+              <a:rPr lang="en-US" dirty="0"/>
+              <a:t>()</a:t>
+            </a:r>
+          </a:p>
+          <a:p>
+            <a:r>
+              <a:rPr lang="en-US" dirty="0" err="1"/>
+              <a:t>TurnOff</a:t>
+            </a:r>
+            <a:r>
+              <a:rPr lang="en-US" dirty="0"/>
+              <a:t>()</a:t>
+            </a:r>
+          </a:p>
+          <a:p>
+            <a:endParaRPr lang="en-US" dirty="0"/>
+          </a:p>
+        </p:txBody>
+      </p:sp>
+      <p:sp>
+        <p:nvSpPr>
+          <p:cNvPr id="25" name="Rectangle 24">
+            <a:extLst>
+              <a:ext uri="{FF2B5EF4-FFF2-40B4-BE49-F238E27FC236}">
+                <a16:creationId xmlns:a16="http://schemas.microsoft.com/office/drawing/2014/main" id="{600707B9-8428-BCF3-A4D8-852FBA1B7248}"/>
+              </a:ext>
+            </a:extLst>
+          </p:cNvPr>
+          <p:cNvSpPr/>
+          <p:nvPr/>
+        </p:nvSpPr>
+        <p:spPr>
+          <a:xfrm>
+            <a:off x="8435406" y="4740166"/>
+            <a:ext cx="2991679" cy="1724430"/>
+          </a:xfrm>
+          <a:prstGeom prst="rect">
+            <a:avLst/>
+          </a:prstGeom>
+          <a:noFill/>
+          <a:ln>
+            <a:solidFill>
+              <a:schemeClr val="bg2">
+                <a:lumMod val="10000"/>
+              </a:schemeClr>
+            </a:solidFill>
+          </a:ln>
+        </p:spPr>
+        <p:style>
+          <a:lnRef idx="2">
+            <a:schemeClr val="accent1">
+              <a:shade val="50000"/>
+            </a:schemeClr>
+          </a:lnRef>
+          <a:fillRef idx="1">
+            <a:schemeClr val="accent1"/>
+          </a:fillRef>
+          <a:effectRef idx="0">
+            <a:schemeClr val="accent1"/>
+          </a:effectRef>
+          <a:fontRef idx="minor">
+            <a:schemeClr val="lt1"/>
+          </a:fontRef>
+        </p:style>
+        <p:txBody>
+          <a:bodyPr rtlCol="0" anchor="ctr"/>
+          <a:lstStyle/>
+          <a:p>
+            <a:pPr algn="ctr"/>
+            <a:endParaRPr lang="en-IN"/>
+          </a:p>
+        </p:txBody>
+      </p:sp>
+      <p:cxnSp>
+        <p:nvCxnSpPr>
+          <p:cNvPr id="26" name="Straight Connector 25">
+            <a:extLst>
+              <a:ext uri="{FF2B5EF4-FFF2-40B4-BE49-F238E27FC236}">
+                <a16:creationId xmlns:a16="http://schemas.microsoft.com/office/drawing/2014/main" id="{A226933B-C3C7-6279-6889-A694754EB90F}"/>
+              </a:ext>
+            </a:extLst>
+          </p:cNvPr>
+          <p:cNvCxnSpPr>
+            <a:cxnSpLocks/>
+          </p:cNvCxnSpPr>
+          <p:nvPr/>
+        </p:nvCxnSpPr>
+        <p:spPr>
+          <a:xfrm>
+            <a:off x="8435406" y="5324004"/>
+            <a:ext cx="2991679" cy="0"/>
+          </a:xfrm>
+          <a:prstGeom prst="line">
+            <a:avLst/>
+          </a:prstGeom>
+          <a:ln>
+            <a:solidFill>
+              <a:schemeClr val="tx1">
+                <a:lumMod val="95000"/>
+                <a:lumOff val="5000"/>
+              </a:schemeClr>
+            </a:solidFill>
+          </a:ln>
+        </p:spPr>
+        <p:style>
+          <a:lnRef idx="1">
+            <a:schemeClr val="accent1"/>
+          </a:lnRef>
+          <a:fillRef idx="0">
+            <a:schemeClr val="accent1"/>
+          </a:fillRef>
+          <a:effectRef idx="0">
+            <a:schemeClr val="accent1"/>
+          </a:effectRef>
+          <a:fontRef idx="minor">
+            <a:schemeClr val="tx1"/>
+          </a:fontRef>
+        </p:style>
+      </p:cxnSp>
+      <p:sp>
+        <p:nvSpPr>
+          <p:cNvPr id="27" name="TextBox 26">
+            <a:extLst>
+              <a:ext uri="{FF2B5EF4-FFF2-40B4-BE49-F238E27FC236}">
+                <a16:creationId xmlns:a16="http://schemas.microsoft.com/office/drawing/2014/main" id="{83CBF423-0784-E3E4-F7D2-BE176220764A}"/>
+              </a:ext>
+            </a:extLst>
+          </p:cNvPr>
+          <p:cNvSpPr txBox="1"/>
+          <p:nvPr/>
+        </p:nvSpPr>
+        <p:spPr>
+          <a:xfrm>
+            <a:off x="8435406" y="4843691"/>
+            <a:ext cx="2613993" cy="369332"/>
+          </a:xfrm>
+          <a:prstGeom prst="rect">
+            <a:avLst/>
+          </a:prstGeom>
+          <a:noFill/>
+        </p:spPr>
+        <p:txBody>
+          <a:bodyPr wrap="square" rtlCol="0">
+            <a:spAutoFit/>
+          </a:bodyPr>
+          <a:lstStyle/>
+          <a:p>
+            <a:r>
+              <a:rPr lang="en-US" dirty="0" err="1"/>
+              <a:t>ICamera</a:t>
+            </a:r>
+            <a:endParaRPr lang="en-IN" dirty="0"/>
+          </a:p>
+        </p:txBody>
+      </p:sp>
+      <p:sp>
+        <p:nvSpPr>
+          <p:cNvPr id="28" name="TextBox 27">
+            <a:extLst>
+              <a:ext uri="{FF2B5EF4-FFF2-40B4-BE49-F238E27FC236}">
+                <a16:creationId xmlns:a16="http://schemas.microsoft.com/office/drawing/2014/main" id="{113E73D3-E701-4501-3233-106A54959C37}"/>
+              </a:ext>
+            </a:extLst>
+          </p:cNvPr>
+          <p:cNvSpPr txBox="1"/>
+          <p:nvPr/>
+        </p:nvSpPr>
+        <p:spPr>
+          <a:xfrm>
+            <a:off x="8435406" y="5541266"/>
+            <a:ext cx="2613993" cy="923330"/>
+          </a:xfrm>
+          <a:prstGeom prst="rect">
+            <a:avLst/>
+          </a:prstGeom>
+          <a:noFill/>
+        </p:spPr>
+        <p:txBody>
+          <a:bodyPr wrap="square" rtlCol="0">
+            <a:spAutoFit/>
+          </a:bodyPr>
+          <a:lstStyle/>
+          <a:p>
+            <a:r>
+              <a:rPr lang="en-US" dirty="0" err="1"/>
+              <a:t>StartRecording</a:t>
+            </a:r>
+            <a:r>
+              <a:rPr lang="en-US" dirty="0"/>
+              <a:t>()</a:t>
+            </a:r>
+          </a:p>
+          <a:p>
+            <a:r>
+              <a:rPr lang="en-US" dirty="0" err="1"/>
+              <a:t>StopRecording</a:t>
+            </a:r>
+            <a:r>
+              <a:rPr lang="en-US" dirty="0"/>
+              <a:t>()</a:t>
+            </a:r>
+          </a:p>
+          <a:p>
+            <a:endParaRPr lang="en-US" dirty="0"/>
+          </a:p>
+        </p:txBody>
+      </p:sp>
+      <p:cxnSp>
+        <p:nvCxnSpPr>
+          <p:cNvPr id="31" name="Straight Arrow Connector 17">
+            <a:extLst>
+              <a:ext uri="{FF2B5EF4-FFF2-40B4-BE49-F238E27FC236}">
+                <a16:creationId xmlns:a16="http://schemas.microsoft.com/office/drawing/2014/main" id="{553546DA-C367-B04F-E5DE-D47D6D429573}"/>
+              </a:ext>
+            </a:extLst>
+          </p:cNvPr>
+          <p:cNvCxnSpPr>
+            <a:cxnSpLocks/>
+            <a:stCxn id="14" idx="0"/>
+            <a:endCxn id="10" idx="2"/>
+          </p:cNvCxnSpPr>
+          <p:nvPr/>
+        </p:nvCxnSpPr>
+        <p:spPr>
+          <a:xfrm rot="5400000" flipH="1" flipV="1">
+            <a:off x="6223510" y="2244848"/>
+            <a:ext cx="2731516" cy="2397960"/>
+          </a:xfrm>
+          <a:prstGeom prst="bentConnector3">
+            <a:avLst>
+              <a:gd name="adj1" fmla="val 50000"/>
+            </a:avLst>
+          </a:prstGeom>
+          <a:ln>
+            <a:tailEnd type="triangle"/>
+          </a:ln>
+        </p:spPr>
+        <p:style>
+          <a:lnRef idx="1">
+            <a:schemeClr val="dk1"/>
+          </a:lnRef>
+          <a:fillRef idx="0">
+            <a:schemeClr val="dk1"/>
+          </a:fillRef>
+          <a:effectRef idx="0">
+            <a:schemeClr val="dk1"/>
+          </a:effectRef>
+          <a:fontRef idx="minor">
+            <a:schemeClr val="tx1"/>
+          </a:fontRef>
+        </p:style>
+      </p:cxnSp>
+      <p:cxnSp>
+        <p:nvCxnSpPr>
+          <p:cNvPr id="34" name="Straight Arrow Connector 17">
+            <a:extLst>
+              <a:ext uri="{FF2B5EF4-FFF2-40B4-BE49-F238E27FC236}">
+                <a16:creationId xmlns:a16="http://schemas.microsoft.com/office/drawing/2014/main" id="{49E619A2-1E48-0393-CF9F-0BA7F4BB7CDD}"/>
+              </a:ext>
+            </a:extLst>
+          </p:cNvPr>
+          <p:cNvCxnSpPr>
+            <a:cxnSpLocks/>
+            <a:stCxn id="25" idx="0"/>
+            <a:endCxn id="10" idx="2"/>
+          </p:cNvCxnSpPr>
+          <p:nvPr/>
+        </p:nvCxnSpPr>
+        <p:spPr>
+          <a:xfrm rot="16200000" flipV="1">
+            <a:off x="8028699" y="2837619"/>
+            <a:ext cx="2662096" cy="1142998"/>
+          </a:xfrm>
+          <a:prstGeom prst="bentConnector3">
+            <a:avLst>
+              <a:gd name="adj1" fmla="val 48816"/>
+            </a:avLst>
+          </a:prstGeom>
+          <a:ln>
+            <a:tailEnd type="triangle"/>
+          </a:ln>
+        </p:spPr>
+        <p:style>
+          <a:lnRef idx="1">
+            <a:schemeClr val="dk1"/>
+          </a:lnRef>
+          <a:fillRef idx="0">
+            <a:schemeClr val="dk1"/>
+          </a:fillRef>
+          <a:effectRef idx="0">
+            <a:schemeClr val="dk1"/>
+          </a:effectRef>
+          <a:fontRef idx="minor">
+            <a:schemeClr val="tx1"/>
+          </a:fontRef>
+        </p:style>
+      </p:cxnSp>
+    </p:spTree>
+    <p:extLst>
+      <p:ext uri="{BB962C8B-B14F-4D97-AF65-F5344CB8AC3E}">
+        <p14:creationId xmlns:p14="http://schemas.microsoft.com/office/powerpoint/2010/main" val="1015724697"/>
       </p:ext>
     </p:extLst>
   </p:cSld>

--- a/UMLDiagrams.pptx
+++ b/UMLDiagrams.pptx
@@ -5,7 +5,7 @@
     <p:sldMasterId id="2147483648" r:id="rId1"/>
   </p:sldMasterIdLst>
   <p:notesMasterIdLst>
-    <p:notesMasterId r:id="rId17"/>
+    <p:notesMasterId r:id="rId18"/>
   </p:notesMasterIdLst>
   <p:sldIdLst>
     <p:sldId id="256" r:id="rId2"/>
@@ -23,6 +23,7 @@
     <p:sldId id="356" r:id="rId14"/>
     <p:sldId id="357" r:id="rId15"/>
     <p:sldId id="358" r:id="rId16"/>
+    <p:sldId id="359" r:id="rId17"/>
   </p:sldIdLst>
   <p:sldSz cx="12192000" cy="6858000"/>
   <p:notesSz cx="6858000" cy="9144000"/>
@@ -132,7 +133,7 @@
 <file path=ppt/revisionInfo.xml><?xml version="1.0" encoding="utf-8"?>
 <p1510:revInfo xmlns:a="http://schemas.openxmlformats.org/drawingml/2006/main" xmlns:r="http://schemas.openxmlformats.org/officeDocument/2006/relationships" xmlns:p1510="http://schemas.microsoft.com/office/powerpoint/2015/10/main">
   <p1510:revLst>
-    <p1510:client id="{034AA59E-D954-44E8-84AB-C770C7EA240B}" v="25" dt="2023-09-12T09:49:00.740"/>
+    <p1510:client id="{034AA59E-D954-44E8-84AB-C770C7EA240B}" v="35" dt="2023-09-12T15:36:55.420"/>
   </p1510:revLst>
 </p1510:revInfo>
 </file>
@@ -142,7 +143,7 @@
   <pc:docChgLst>
     <pc:chgData name="Manaswini Ray" userId="451f23f8-43b4-4daa-9511-0c9fb98bad1c" providerId="ADAL" clId="{034AA59E-D954-44E8-84AB-C770C7EA240B}"/>
     <pc:docChg chg="undo custSel addSld delSld modSld">
-      <pc:chgData name="Manaswini Ray" userId="451f23f8-43b4-4daa-9511-0c9fb98bad1c" providerId="ADAL" clId="{034AA59E-D954-44E8-84AB-C770C7EA240B}" dt="2023-09-12T09:49:13.491" v="729" actId="14100"/>
+      <pc:chgData name="Manaswini Ray" userId="451f23f8-43b4-4daa-9511-0c9fb98bad1c" providerId="ADAL" clId="{034AA59E-D954-44E8-84AB-C770C7EA240B}" dt="2023-09-12T15:37:46.288" v="872" actId="14100"/>
       <pc:docMkLst>
         <pc:docMk/>
       </pc:docMkLst>
@@ -727,7 +728,7 @@
         </pc:cxnChg>
       </pc:sldChg>
       <pc:sldChg chg="addSp delSp modSp new mod">
-        <pc:chgData name="Manaswini Ray" userId="451f23f8-43b4-4daa-9511-0c9fb98bad1c" providerId="ADAL" clId="{034AA59E-D954-44E8-84AB-C770C7EA240B}" dt="2023-09-12T06:09:59.970" v="529" actId="1076"/>
+        <pc:chgData name="Manaswini Ray" userId="451f23f8-43b4-4daa-9511-0c9fb98bad1c" providerId="ADAL" clId="{034AA59E-D954-44E8-84AB-C770C7EA240B}" dt="2023-09-12T15:35:18.016" v="812" actId="1076"/>
         <pc:sldMkLst>
           <pc:docMk/>
           <pc:sldMk cId="192732721" sldId="357"/>
@@ -885,7 +886,7 @@
           </ac:cxnSpMkLst>
         </pc:cxnChg>
         <pc:cxnChg chg="add mod">
-          <ac:chgData name="Manaswini Ray" userId="451f23f8-43b4-4daa-9511-0c9fb98bad1c" providerId="ADAL" clId="{034AA59E-D954-44E8-84AB-C770C7EA240B}" dt="2023-09-12T06:08:59.025" v="500" actId="1076"/>
+          <ac:chgData name="Manaswini Ray" userId="451f23f8-43b4-4daa-9511-0c9fb98bad1c" providerId="ADAL" clId="{034AA59E-D954-44E8-84AB-C770C7EA240B}" dt="2023-09-12T15:35:18.016" v="812" actId="1076"/>
           <ac:cxnSpMkLst>
             <pc:docMk/>
             <pc:sldMk cId="192732721" sldId="357"/>
@@ -1201,6 +1202,189 @@
             <pc:docMk/>
             <pc:sldMk cId="1015724697" sldId="358"/>
             <ac:cxnSpMk id="34" creationId="{49E619A2-1E48-0393-CF9F-0BA7F4BB7CDD}"/>
+          </ac:cxnSpMkLst>
+        </pc:cxnChg>
+      </pc:sldChg>
+      <pc:sldChg chg="addSp delSp modSp new mod">
+        <pc:chgData name="Manaswini Ray" userId="451f23f8-43b4-4daa-9511-0c9fb98bad1c" providerId="ADAL" clId="{034AA59E-D954-44E8-84AB-C770C7EA240B}" dt="2023-09-12T15:37:46.288" v="872" actId="14100"/>
+        <pc:sldMkLst>
+          <pc:docMk/>
+          <pc:sldMk cId="276909994" sldId="359"/>
+        </pc:sldMkLst>
+        <pc:spChg chg="add mod">
+          <ac:chgData name="Manaswini Ray" userId="451f23f8-43b4-4daa-9511-0c9fb98bad1c" providerId="ADAL" clId="{034AA59E-D954-44E8-84AB-C770C7EA240B}" dt="2023-09-12T14:19:17.129" v="739" actId="20577"/>
+          <ac:spMkLst>
+            <pc:docMk/>
+            <pc:sldMk cId="276909994" sldId="359"/>
+            <ac:spMk id="2" creationId="{7466A32C-6025-1FB4-1B6E-CCB87072EDB5}"/>
+          </ac:spMkLst>
+        </pc:spChg>
+        <pc:spChg chg="add mod">
+          <ac:chgData name="Manaswini Ray" userId="451f23f8-43b4-4daa-9511-0c9fb98bad1c" providerId="ADAL" clId="{034AA59E-D954-44E8-84AB-C770C7EA240B}" dt="2023-09-12T15:37:46.288" v="872" actId="14100"/>
+          <ac:spMkLst>
+            <pc:docMk/>
+            <pc:sldMk cId="276909994" sldId="359"/>
+            <ac:spMk id="3" creationId="{BA402E4A-D9E9-3FAB-B49E-7887988597A2}"/>
+          </ac:spMkLst>
+        </pc:spChg>
+        <pc:spChg chg="add mod">
+          <ac:chgData name="Manaswini Ray" userId="451f23f8-43b4-4daa-9511-0c9fb98bad1c" providerId="ADAL" clId="{034AA59E-D954-44E8-84AB-C770C7EA240B}" dt="2023-09-12T14:19:02.317" v="731"/>
+          <ac:spMkLst>
+            <pc:docMk/>
+            <pc:sldMk cId="276909994" sldId="359"/>
+            <ac:spMk id="5" creationId="{A11AAD2E-18B8-5F11-E813-AB66BB44370C}"/>
+          </ac:spMkLst>
+        </pc:spChg>
+        <pc:spChg chg="add mod">
+          <ac:chgData name="Manaswini Ray" userId="451f23f8-43b4-4daa-9511-0c9fb98bad1c" providerId="ADAL" clId="{034AA59E-D954-44E8-84AB-C770C7EA240B}" dt="2023-09-12T14:19:44.856" v="748" actId="20577"/>
+          <ac:spMkLst>
+            <pc:docMk/>
+            <pc:sldMk cId="276909994" sldId="359"/>
+            <ac:spMk id="6" creationId="{A9C8A646-222D-67DB-13D6-6F085125D787}"/>
+          </ac:spMkLst>
+        </pc:spChg>
+        <pc:spChg chg="add mod">
+          <ac:chgData name="Manaswini Ray" userId="451f23f8-43b4-4daa-9511-0c9fb98bad1c" providerId="ADAL" clId="{034AA59E-D954-44E8-84AB-C770C7EA240B}" dt="2023-09-12T15:37:36.717" v="871" actId="14100"/>
+          <ac:spMkLst>
+            <pc:docMk/>
+            <pc:sldMk cId="276909994" sldId="359"/>
+            <ac:spMk id="7" creationId="{6273F961-0DE6-8ACA-4F04-9E8B11FA4359}"/>
+          </ac:spMkLst>
+        </pc:spChg>
+        <pc:spChg chg="add mod">
+          <ac:chgData name="Manaswini Ray" userId="451f23f8-43b4-4daa-9511-0c9fb98bad1c" providerId="ADAL" clId="{034AA59E-D954-44E8-84AB-C770C7EA240B}" dt="2023-09-12T14:19:02.317" v="731"/>
+          <ac:spMkLst>
+            <pc:docMk/>
+            <pc:sldMk cId="276909994" sldId="359"/>
+            <ac:spMk id="9" creationId="{E957BDD6-02E6-EB1A-ACE4-787B65DB38AE}"/>
+          </ac:spMkLst>
+        </pc:spChg>
+        <pc:spChg chg="add mod">
+          <ac:chgData name="Manaswini Ray" userId="451f23f8-43b4-4daa-9511-0c9fb98bad1c" providerId="ADAL" clId="{034AA59E-D954-44E8-84AB-C770C7EA240B}" dt="2023-09-12T14:23:50.517" v="792" actId="1076"/>
+          <ac:spMkLst>
+            <pc:docMk/>
+            <pc:sldMk cId="276909994" sldId="359"/>
+            <ac:spMk id="11" creationId="{B662329D-ED13-203D-6138-94FD215A99A2}"/>
+          </ac:spMkLst>
+        </pc:spChg>
+        <pc:spChg chg="add mod">
+          <ac:chgData name="Manaswini Ray" userId="451f23f8-43b4-4daa-9511-0c9fb98bad1c" providerId="ADAL" clId="{034AA59E-D954-44E8-84AB-C770C7EA240B}" dt="2023-09-12T14:23:55.720" v="803" actId="20577"/>
+          <ac:spMkLst>
+            <pc:docMk/>
+            <pc:sldMk cId="276909994" sldId="359"/>
+            <ac:spMk id="13" creationId="{CD6DD67D-96FD-4F09-B2C0-01F893C83D4D}"/>
+          </ac:spMkLst>
+        </pc:spChg>
+        <pc:spChg chg="add mod">
+          <ac:chgData name="Manaswini Ray" userId="451f23f8-43b4-4daa-9511-0c9fb98bad1c" providerId="ADAL" clId="{034AA59E-D954-44E8-84AB-C770C7EA240B}" dt="2023-09-12T14:24:12.307" v="811" actId="1076"/>
+          <ac:spMkLst>
+            <pc:docMk/>
+            <pc:sldMk cId="276909994" sldId="359"/>
+            <ac:spMk id="14" creationId="{E6FD0EB7-467D-9C98-FE45-1AE42C9F29E1}"/>
+          </ac:spMkLst>
+        </pc:spChg>
+        <pc:spChg chg="add mod">
+          <ac:chgData name="Manaswini Ray" userId="451f23f8-43b4-4daa-9511-0c9fb98bad1c" providerId="ADAL" clId="{034AA59E-D954-44E8-84AB-C770C7EA240B}" dt="2023-09-12T15:36:11.413" v="833" actId="20577"/>
+          <ac:spMkLst>
+            <pc:docMk/>
+            <pc:sldMk cId="276909994" sldId="359"/>
+            <ac:spMk id="19" creationId="{862C997D-5499-11DE-39F7-A82F4AEFC975}"/>
+          </ac:spMkLst>
+        </pc:spChg>
+        <pc:spChg chg="add mod">
+          <ac:chgData name="Manaswini Ray" userId="451f23f8-43b4-4daa-9511-0c9fb98bad1c" providerId="ADAL" clId="{034AA59E-D954-44E8-84AB-C770C7EA240B}" dt="2023-09-12T15:36:00.760" v="818" actId="1076"/>
+          <ac:spMkLst>
+            <pc:docMk/>
+            <pc:sldMk cId="276909994" sldId="359"/>
+            <ac:spMk id="20" creationId="{A30569DE-AE8D-2173-E844-989A69A5D095}"/>
+          </ac:spMkLst>
+        </pc:spChg>
+        <pc:spChg chg="add del mod">
+          <ac:chgData name="Manaswini Ray" userId="451f23f8-43b4-4daa-9511-0c9fb98bad1c" providerId="ADAL" clId="{034AA59E-D954-44E8-84AB-C770C7EA240B}" dt="2023-09-12T15:36:04.034" v="820"/>
+          <ac:spMkLst>
+            <pc:docMk/>
+            <pc:sldMk cId="276909994" sldId="359"/>
+            <ac:spMk id="21" creationId="{43B3A1ED-4B5D-BECF-981F-C7D471D46E32}"/>
+          </ac:spMkLst>
+        </pc:spChg>
+        <pc:spChg chg="add del mod">
+          <ac:chgData name="Manaswini Ray" userId="451f23f8-43b4-4daa-9511-0c9fb98bad1c" providerId="ADAL" clId="{034AA59E-D954-44E8-84AB-C770C7EA240B}" dt="2023-09-12T15:36:04.034" v="820"/>
+          <ac:spMkLst>
+            <pc:docMk/>
+            <pc:sldMk cId="276909994" sldId="359"/>
+            <ac:spMk id="22" creationId="{8069B44D-769F-FF4B-6653-80BC612D247F}"/>
+          </ac:spMkLst>
+        </pc:spChg>
+        <pc:spChg chg="add mod">
+          <ac:chgData name="Manaswini Ray" userId="451f23f8-43b4-4daa-9511-0c9fb98bad1c" providerId="ADAL" clId="{034AA59E-D954-44E8-84AB-C770C7EA240B}" dt="2023-09-12T15:36:20.067" v="837" actId="20577"/>
+          <ac:spMkLst>
+            <pc:docMk/>
+            <pc:sldMk cId="276909994" sldId="359"/>
+            <ac:spMk id="23" creationId="{9392D83D-8FF0-E5EF-B091-7C1A1F9BBC87}"/>
+          </ac:spMkLst>
+        </pc:spChg>
+        <pc:spChg chg="add mod">
+          <ac:chgData name="Manaswini Ray" userId="451f23f8-43b4-4daa-9511-0c9fb98bad1c" providerId="ADAL" clId="{034AA59E-D954-44E8-84AB-C770C7EA240B}" dt="2023-09-12T15:36:17.613" v="835" actId="1076"/>
+          <ac:spMkLst>
+            <pc:docMk/>
+            <pc:sldMk cId="276909994" sldId="359"/>
+            <ac:spMk id="24" creationId="{3A2769D0-A856-DABE-D473-E66083977391}"/>
+          </ac:spMkLst>
+        </pc:spChg>
+        <pc:cxnChg chg="add mod">
+          <ac:chgData name="Manaswini Ray" userId="451f23f8-43b4-4daa-9511-0c9fb98bad1c" providerId="ADAL" clId="{034AA59E-D954-44E8-84AB-C770C7EA240B}" dt="2023-09-12T14:19:02.317" v="731"/>
+          <ac:cxnSpMkLst>
+            <pc:docMk/>
+            <pc:sldMk cId="276909994" sldId="359"/>
+            <ac:cxnSpMk id="4" creationId="{C0D9FF7B-DF40-2A29-FEF9-605044CB6F9F}"/>
+          </ac:cxnSpMkLst>
+        </pc:cxnChg>
+        <pc:cxnChg chg="add del mod">
+          <ac:chgData name="Manaswini Ray" userId="451f23f8-43b4-4daa-9511-0c9fb98bad1c" providerId="ADAL" clId="{034AA59E-D954-44E8-84AB-C770C7EA240B}" dt="2023-09-12T14:23:42.512" v="790" actId="478"/>
+          <ac:cxnSpMkLst>
+            <pc:docMk/>
+            <pc:sldMk cId="276909994" sldId="359"/>
+            <ac:cxnSpMk id="8" creationId="{E745D394-B3DD-D45E-A4B8-C45F042B4C32}"/>
+          </ac:cxnSpMkLst>
+        </pc:cxnChg>
+        <pc:cxnChg chg="add mod">
+          <ac:chgData name="Manaswini Ray" userId="451f23f8-43b4-4daa-9511-0c9fb98bad1c" providerId="ADAL" clId="{034AA59E-D954-44E8-84AB-C770C7EA240B}" dt="2023-09-12T14:23:50.517" v="792" actId="1076"/>
+          <ac:cxnSpMkLst>
+            <pc:docMk/>
+            <pc:sldMk cId="276909994" sldId="359"/>
+            <ac:cxnSpMk id="12" creationId="{00A7FA0C-CC1C-423C-FED4-26F0ACA9AFFA}"/>
+          </ac:cxnSpMkLst>
+        </pc:cxnChg>
+        <pc:cxnChg chg="add mod">
+          <ac:chgData name="Manaswini Ray" userId="451f23f8-43b4-4daa-9511-0c9fb98bad1c" providerId="ADAL" clId="{034AA59E-D954-44E8-84AB-C770C7EA240B}" dt="2023-09-12T15:37:46.288" v="872" actId="14100"/>
+          <ac:cxnSpMkLst>
+            <pc:docMk/>
+            <pc:sldMk cId="276909994" sldId="359"/>
+            <ac:cxnSpMk id="15" creationId="{9CD247DB-1443-F0CD-DFDB-96FCFC0E5C99}"/>
+          </ac:cxnSpMkLst>
+        </pc:cxnChg>
+        <pc:cxnChg chg="add mod">
+          <ac:chgData name="Manaswini Ray" userId="451f23f8-43b4-4daa-9511-0c9fb98bad1c" providerId="ADAL" clId="{034AA59E-D954-44E8-84AB-C770C7EA240B}" dt="2023-09-12T15:37:46.288" v="872" actId="14100"/>
+          <ac:cxnSpMkLst>
+            <pc:docMk/>
+            <pc:sldMk cId="276909994" sldId="359"/>
+            <ac:cxnSpMk id="25" creationId="{F0017BCC-EE8D-5F33-DCD0-FCCA74C85AF5}"/>
+          </ac:cxnSpMkLst>
+        </pc:cxnChg>
+        <pc:cxnChg chg="add mod">
+          <ac:chgData name="Manaswini Ray" userId="451f23f8-43b4-4daa-9511-0c9fb98bad1c" providerId="ADAL" clId="{034AA59E-D954-44E8-84AB-C770C7EA240B}" dt="2023-09-12T15:37:46.288" v="872" actId="14100"/>
+          <ac:cxnSpMkLst>
+            <pc:docMk/>
+            <pc:sldMk cId="276909994" sldId="359"/>
+            <ac:cxnSpMk id="28" creationId="{62089C0C-C3AA-5EA0-511F-85527BE6763E}"/>
+          </ac:cxnSpMkLst>
+        </pc:cxnChg>
+        <pc:cxnChg chg="add mod">
+          <ac:chgData name="Manaswini Ray" userId="451f23f8-43b4-4daa-9511-0c9fb98bad1c" providerId="ADAL" clId="{034AA59E-D954-44E8-84AB-C770C7EA240B}" dt="2023-09-12T15:37:02.224" v="846" actId="14100"/>
+          <ac:cxnSpMkLst>
+            <pc:docMk/>
+            <pc:sldMk cId="276909994" sldId="359"/>
+            <ac:cxnSpMk id="31" creationId="{D3614B25-D716-99F5-DAC4-7A29F4E53D25}"/>
           </ac:cxnSpMkLst>
         </pc:cxnChg>
       </pc:sldChg>
@@ -12768,14 +12952,12 @@
           </p:cNvPr>
           <p:cNvCxnSpPr>
             <a:cxnSpLocks/>
-            <a:stCxn id="9" idx="2"/>
-            <a:endCxn id="7" idx="1"/>
           </p:cNvCxnSpPr>
           <p:nvPr/>
         </p:nvCxnSpPr>
         <p:spPr>
           <a:xfrm rot="16200000" flipH="1">
-            <a:off x="1393780" y="1797339"/>
+            <a:off x="1393781" y="1797340"/>
             <a:ext cx="1238845" cy="1469932"/>
           </a:xfrm>
           <a:prstGeom prst="bentConnector2">
@@ -14468,6 +14650,899 @@
     <p:extLst>
       <p:ext uri="{BB962C8B-B14F-4D97-AF65-F5344CB8AC3E}">
         <p14:creationId xmlns:p14="http://schemas.microsoft.com/office/powerpoint/2010/main" val="1015724697"/>
+      </p:ext>
+    </p:extLst>
+  </p:cSld>
+  <p:clrMapOvr>
+    <a:masterClrMapping/>
+  </p:clrMapOvr>
+</p:sld>
+</file>
+
+<file path=ppt/slides/slide16.xml><?xml version="1.0" encoding="utf-8"?>
+<p:sld xmlns:a="http://schemas.openxmlformats.org/drawingml/2006/main" xmlns:r="http://schemas.openxmlformats.org/officeDocument/2006/relationships" xmlns:p="http://schemas.openxmlformats.org/presentationml/2006/main">
+  <p:cSld>
+    <p:spTree>
+      <p:nvGrpSpPr>
+        <p:cNvPr id="1" name=""/>
+        <p:cNvGrpSpPr/>
+        <p:nvPr/>
+      </p:nvGrpSpPr>
+      <p:grpSpPr>
+        <a:xfrm>
+          <a:off x="0" y="0"/>
+          <a:ext cx="0" cy="0"/>
+          <a:chOff x="0" y="0"/>
+          <a:chExt cx="0" cy="0"/>
+        </a:xfrm>
+      </p:grpSpPr>
+      <p:sp>
+        <p:nvSpPr>
+          <p:cNvPr id="2" name="TextBox 1">
+            <a:extLst>
+              <a:ext uri="{FF2B5EF4-FFF2-40B4-BE49-F238E27FC236}">
+                <a16:creationId xmlns:a16="http://schemas.microsoft.com/office/drawing/2014/main" id="{7466A32C-6025-1FB4-1B6E-CCB87072EDB5}"/>
+              </a:ext>
+            </a:extLst>
+          </p:cNvPr>
+          <p:cNvSpPr txBox="1"/>
+          <p:nvPr/>
+        </p:nvSpPr>
+        <p:spPr>
+          <a:xfrm>
+            <a:off x="252248" y="393403"/>
+            <a:ext cx="6138040" cy="400110"/>
+          </a:xfrm>
+          <a:prstGeom prst="rect">
+            <a:avLst/>
+          </a:prstGeom>
+          <a:noFill/>
+        </p:spPr>
+        <p:txBody>
+          <a:bodyPr wrap="square">
+            <a:spAutoFit/>
+          </a:bodyPr>
+          <a:lstStyle/>
+          <a:p>
+            <a:r>
+              <a:rPr lang="en-US" sz="2000" b="1" u="sng" dirty="0">
+                <a:solidFill>
+                  <a:srgbClr val="000000"/>
+                </a:solidFill>
+              </a:rPr>
+              <a:t>Observer </a:t>
+            </a:r>
+            <a:r>
+              <a:rPr lang="en-IN" sz="2000" b="1" u="sng" dirty="0">
+                <a:solidFill>
+                  <a:srgbClr val="000000"/>
+                </a:solidFill>
+              </a:rPr>
+              <a:t>Design Pattern</a:t>
+            </a:r>
+            <a:endParaRPr lang="en-IN" sz="2000" b="1" u="sng" dirty="0"/>
+          </a:p>
+        </p:txBody>
+      </p:sp>
+      <p:sp>
+        <p:nvSpPr>
+          <p:cNvPr id="3" name="Rectangle 2">
+            <a:extLst>
+              <a:ext uri="{FF2B5EF4-FFF2-40B4-BE49-F238E27FC236}">
+                <a16:creationId xmlns:a16="http://schemas.microsoft.com/office/drawing/2014/main" id="{BA402E4A-D9E9-3FAB-B49E-7887988597A2}"/>
+              </a:ext>
+            </a:extLst>
+          </p:cNvPr>
+          <p:cNvSpPr/>
+          <p:nvPr/>
+        </p:nvSpPr>
+        <p:spPr>
+          <a:xfrm>
+            <a:off x="2748168" y="1579830"/>
+            <a:ext cx="2991679" cy="2102496"/>
+          </a:xfrm>
+          <a:prstGeom prst="rect">
+            <a:avLst/>
+          </a:prstGeom>
+          <a:noFill/>
+          <a:ln>
+            <a:solidFill>
+              <a:schemeClr val="bg2">
+                <a:lumMod val="10000"/>
+              </a:schemeClr>
+            </a:solidFill>
+          </a:ln>
+        </p:spPr>
+        <p:style>
+          <a:lnRef idx="2">
+            <a:schemeClr val="accent1">
+              <a:shade val="50000"/>
+            </a:schemeClr>
+          </a:lnRef>
+          <a:fillRef idx="1">
+            <a:schemeClr val="accent1"/>
+          </a:fillRef>
+          <a:effectRef idx="0">
+            <a:schemeClr val="accent1"/>
+          </a:effectRef>
+          <a:fontRef idx="minor">
+            <a:schemeClr val="lt1"/>
+          </a:fontRef>
+        </p:style>
+        <p:txBody>
+          <a:bodyPr rtlCol="0" anchor="ctr"/>
+          <a:lstStyle/>
+          <a:p>
+            <a:pPr algn="ctr"/>
+            <a:endParaRPr lang="en-IN"/>
+          </a:p>
+        </p:txBody>
+      </p:sp>
+      <p:cxnSp>
+        <p:nvCxnSpPr>
+          <p:cNvPr id="4" name="Straight Connector 3">
+            <a:extLst>
+              <a:ext uri="{FF2B5EF4-FFF2-40B4-BE49-F238E27FC236}">
+                <a16:creationId xmlns:a16="http://schemas.microsoft.com/office/drawing/2014/main" id="{C0D9FF7B-DF40-2A29-FEF9-605044CB6F9F}"/>
+              </a:ext>
+            </a:extLst>
+          </p:cNvPr>
+          <p:cNvCxnSpPr>
+            <a:cxnSpLocks/>
+          </p:cNvCxnSpPr>
+          <p:nvPr/>
+        </p:nvCxnSpPr>
+        <p:spPr>
+          <a:xfrm>
+            <a:off x="2748168" y="2237170"/>
+            <a:ext cx="2991679" cy="0"/>
+          </a:xfrm>
+          <a:prstGeom prst="line">
+            <a:avLst/>
+          </a:prstGeom>
+          <a:ln>
+            <a:solidFill>
+              <a:schemeClr val="tx1">
+                <a:lumMod val="95000"/>
+                <a:lumOff val="5000"/>
+              </a:schemeClr>
+            </a:solidFill>
+          </a:ln>
+        </p:spPr>
+        <p:style>
+          <a:lnRef idx="1">
+            <a:schemeClr val="accent1"/>
+          </a:lnRef>
+          <a:fillRef idx="0">
+            <a:schemeClr val="accent1"/>
+          </a:fillRef>
+          <a:effectRef idx="0">
+            <a:schemeClr val="accent1"/>
+          </a:effectRef>
+          <a:fontRef idx="minor">
+            <a:schemeClr val="tx1"/>
+          </a:fontRef>
+        </p:style>
+      </p:cxnSp>
+      <p:sp>
+        <p:nvSpPr>
+          <p:cNvPr id="5" name="TextBox 4">
+            <a:extLst>
+              <a:ext uri="{FF2B5EF4-FFF2-40B4-BE49-F238E27FC236}">
+                <a16:creationId xmlns:a16="http://schemas.microsoft.com/office/drawing/2014/main" id="{A11AAD2E-18B8-5F11-E813-AB66BB44370C}"/>
+              </a:ext>
+            </a:extLst>
+          </p:cNvPr>
+          <p:cNvSpPr txBox="1"/>
+          <p:nvPr/>
+        </p:nvSpPr>
+        <p:spPr>
+          <a:xfrm>
+            <a:off x="583216" y="1332637"/>
+            <a:ext cx="1373138" cy="369332"/>
+          </a:xfrm>
+          <a:prstGeom prst="rect">
+            <a:avLst/>
+          </a:prstGeom>
+          <a:noFill/>
+        </p:spPr>
+        <p:txBody>
+          <a:bodyPr wrap="square" rtlCol="0">
+            <a:spAutoFit/>
+          </a:bodyPr>
+          <a:lstStyle/>
+          <a:p>
+            <a:r>
+              <a:rPr lang="en-US" dirty="0"/>
+              <a:t>Client</a:t>
+            </a:r>
+            <a:endParaRPr lang="en-IN" dirty="0"/>
+          </a:p>
+        </p:txBody>
+      </p:sp>
+      <p:sp>
+        <p:nvSpPr>
+          <p:cNvPr id="6" name="TextBox 5">
+            <a:extLst>
+              <a:ext uri="{FF2B5EF4-FFF2-40B4-BE49-F238E27FC236}">
+                <a16:creationId xmlns:a16="http://schemas.microsoft.com/office/drawing/2014/main" id="{A9C8A646-222D-67DB-13D6-6F085125D787}"/>
+              </a:ext>
+            </a:extLst>
+          </p:cNvPr>
+          <p:cNvSpPr txBox="1"/>
+          <p:nvPr/>
+        </p:nvSpPr>
+        <p:spPr>
+          <a:xfrm>
+            <a:off x="2748168" y="1701969"/>
+            <a:ext cx="2613993" cy="369332"/>
+          </a:xfrm>
+          <a:prstGeom prst="rect">
+            <a:avLst/>
+          </a:prstGeom>
+          <a:noFill/>
+        </p:spPr>
+        <p:txBody>
+          <a:bodyPr wrap="square" rtlCol="0">
+            <a:spAutoFit/>
+          </a:bodyPr>
+          <a:lstStyle/>
+          <a:p>
+            <a:r>
+              <a:rPr lang="en-US" dirty="0" err="1"/>
+              <a:t>IYotuber</a:t>
+            </a:r>
+            <a:endParaRPr lang="en-IN" dirty="0"/>
+          </a:p>
+        </p:txBody>
+      </p:sp>
+      <p:sp>
+        <p:nvSpPr>
+          <p:cNvPr id="7" name="TextBox 6">
+            <a:extLst>
+              <a:ext uri="{FF2B5EF4-FFF2-40B4-BE49-F238E27FC236}">
+                <a16:creationId xmlns:a16="http://schemas.microsoft.com/office/drawing/2014/main" id="{6273F961-0DE6-8ACA-4F04-9E8B11FA4359}"/>
+              </a:ext>
+            </a:extLst>
+          </p:cNvPr>
+          <p:cNvSpPr txBox="1"/>
+          <p:nvPr/>
+        </p:nvSpPr>
+        <p:spPr>
+          <a:xfrm>
+            <a:off x="2748168" y="2321356"/>
+            <a:ext cx="2991679" cy="1200329"/>
+          </a:xfrm>
+          <a:prstGeom prst="rect">
+            <a:avLst/>
+          </a:prstGeom>
+          <a:noFill/>
+        </p:spPr>
+        <p:txBody>
+          <a:bodyPr wrap="square" rtlCol="0">
+            <a:spAutoFit/>
+          </a:bodyPr>
+          <a:lstStyle/>
+          <a:p>
+            <a:r>
+              <a:rPr lang="en-US" dirty="0"/>
+              <a:t>Subscribe()</a:t>
+            </a:r>
+          </a:p>
+          <a:p>
+            <a:r>
+              <a:rPr lang="en-US" dirty="0"/>
+              <a:t>Unsubscribe()</a:t>
+            </a:r>
+          </a:p>
+          <a:p>
+            <a:r>
+              <a:rPr lang="en-US" dirty="0" err="1"/>
+              <a:t>NotifySubscribers</a:t>
+            </a:r>
+            <a:r>
+              <a:rPr lang="en-US" dirty="0"/>
+              <a:t>()</a:t>
+            </a:r>
+          </a:p>
+          <a:p>
+            <a:r>
+              <a:rPr lang="en-US" dirty="0"/>
+              <a:t>//uses the update method</a:t>
+            </a:r>
+          </a:p>
+        </p:txBody>
+      </p:sp>
+      <p:sp>
+        <p:nvSpPr>
+          <p:cNvPr id="9" name="Rectangle 8">
+            <a:extLst>
+              <a:ext uri="{FF2B5EF4-FFF2-40B4-BE49-F238E27FC236}">
+                <a16:creationId xmlns:a16="http://schemas.microsoft.com/office/drawing/2014/main" id="{E957BDD6-02E6-EB1A-ACE4-787B65DB38AE}"/>
+              </a:ext>
+            </a:extLst>
+          </p:cNvPr>
+          <p:cNvSpPr/>
+          <p:nvPr/>
+        </p:nvSpPr>
+        <p:spPr>
+          <a:xfrm>
+            <a:off x="252248" y="1147106"/>
+            <a:ext cx="2051975" cy="765777"/>
+          </a:xfrm>
+          <a:prstGeom prst="rect">
+            <a:avLst/>
+          </a:prstGeom>
+          <a:noFill/>
+          <a:ln>
+            <a:solidFill>
+              <a:schemeClr val="bg2">
+                <a:lumMod val="10000"/>
+              </a:schemeClr>
+            </a:solidFill>
+          </a:ln>
+        </p:spPr>
+        <p:style>
+          <a:lnRef idx="2">
+            <a:schemeClr val="accent1">
+              <a:shade val="50000"/>
+            </a:schemeClr>
+          </a:lnRef>
+          <a:fillRef idx="1">
+            <a:schemeClr val="accent1"/>
+          </a:fillRef>
+          <a:effectRef idx="0">
+            <a:schemeClr val="accent1"/>
+          </a:effectRef>
+          <a:fontRef idx="minor">
+            <a:schemeClr val="lt1"/>
+          </a:fontRef>
+        </p:style>
+        <p:txBody>
+          <a:bodyPr rtlCol="0" anchor="ctr"/>
+          <a:lstStyle/>
+          <a:p>
+            <a:pPr algn="ctr"/>
+            <a:endParaRPr lang="en-IN"/>
+          </a:p>
+        </p:txBody>
+      </p:sp>
+      <p:sp>
+        <p:nvSpPr>
+          <p:cNvPr id="11" name="Rectangle 10">
+            <a:extLst>
+              <a:ext uri="{FF2B5EF4-FFF2-40B4-BE49-F238E27FC236}">
+                <a16:creationId xmlns:a16="http://schemas.microsoft.com/office/drawing/2014/main" id="{B662329D-ED13-203D-6138-94FD215A99A2}"/>
+              </a:ext>
+            </a:extLst>
+          </p:cNvPr>
+          <p:cNvSpPr/>
+          <p:nvPr/>
+        </p:nvSpPr>
+        <p:spPr>
+          <a:xfrm>
+            <a:off x="2616789" y="4226570"/>
+            <a:ext cx="2991679" cy="1858921"/>
+          </a:xfrm>
+          <a:prstGeom prst="rect">
+            <a:avLst/>
+          </a:prstGeom>
+          <a:noFill/>
+          <a:ln>
+            <a:solidFill>
+              <a:schemeClr val="bg2">
+                <a:lumMod val="10000"/>
+              </a:schemeClr>
+            </a:solidFill>
+          </a:ln>
+        </p:spPr>
+        <p:style>
+          <a:lnRef idx="2">
+            <a:schemeClr val="accent1">
+              <a:shade val="50000"/>
+            </a:schemeClr>
+          </a:lnRef>
+          <a:fillRef idx="1">
+            <a:schemeClr val="accent1"/>
+          </a:fillRef>
+          <a:effectRef idx="0">
+            <a:schemeClr val="accent1"/>
+          </a:effectRef>
+          <a:fontRef idx="minor">
+            <a:schemeClr val="lt1"/>
+          </a:fontRef>
+        </p:style>
+        <p:txBody>
+          <a:bodyPr rtlCol="0" anchor="ctr"/>
+          <a:lstStyle/>
+          <a:p>
+            <a:pPr algn="ctr"/>
+            <a:endParaRPr lang="en-IN"/>
+          </a:p>
+        </p:txBody>
+      </p:sp>
+      <p:cxnSp>
+        <p:nvCxnSpPr>
+          <p:cNvPr id="12" name="Straight Connector 11">
+            <a:extLst>
+              <a:ext uri="{FF2B5EF4-FFF2-40B4-BE49-F238E27FC236}">
+                <a16:creationId xmlns:a16="http://schemas.microsoft.com/office/drawing/2014/main" id="{00A7FA0C-CC1C-423C-FED4-26F0ACA9AFFA}"/>
+              </a:ext>
+            </a:extLst>
+          </p:cNvPr>
+          <p:cNvCxnSpPr>
+            <a:cxnSpLocks/>
+          </p:cNvCxnSpPr>
+          <p:nvPr/>
+        </p:nvCxnSpPr>
+        <p:spPr>
+          <a:xfrm>
+            <a:off x="2616789" y="4883910"/>
+            <a:ext cx="2991679" cy="0"/>
+          </a:xfrm>
+          <a:prstGeom prst="line">
+            <a:avLst/>
+          </a:prstGeom>
+          <a:ln>
+            <a:solidFill>
+              <a:schemeClr val="tx1">
+                <a:lumMod val="95000"/>
+                <a:lumOff val="5000"/>
+              </a:schemeClr>
+            </a:solidFill>
+          </a:ln>
+        </p:spPr>
+        <p:style>
+          <a:lnRef idx="1">
+            <a:schemeClr val="accent1"/>
+          </a:lnRef>
+          <a:fillRef idx="0">
+            <a:schemeClr val="accent1"/>
+          </a:fillRef>
+          <a:effectRef idx="0">
+            <a:schemeClr val="accent1"/>
+          </a:effectRef>
+          <a:fontRef idx="minor">
+            <a:schemeClr val="tx1"/>
+          </a:fontRef>
+        </p:style>
+      </p:cxnSp>
+      <p:sp>
+        <p:nvSpPr>
+          <p:cNvPr id="13" name="TextBox 12">
+            <a:extLst>
+              <a:ext uri="{FF2B5EF4-FFF2-40B4-BE49-F238E27FC236}">
+                <a16:creationId xmlns:a16="http://schemas.microsoft.com/office/drawing/2014/main" id="{CD6DD67D-96FD-4F09-B2C0-01F893C83D4D}"/>
+              </a:ext>
+            </a:extLst>
+          </p:cNvPr>
+          <p:cNvSpPr txBox="1"/>
+          <p:nvPr/>
+        </p:nvSpPr>
+        <p:spPr>
+          <a:xfrm>
+            <a:off x="2616789" y="4348709"/>
+            <a:ext cx="2613993" cy="369332"/>
+          </a:xfrm>
+          <a:prstGeom prst="rect">
+            <a:avLst/>
+          </a:prstGeom>
+          <a:noFill/>
+        </p:spPr>
+        <p:txBody>
+          <a:bodyPr wrap="square" rtlCol="0">
+            <a:spAutoFit/>
+          </a:bodyPr>
+          <a:lstStyle/>
+          <a:p>
+            <a:r>
+              <a:rPr lang="en-US" dirty="0" err="1"/>
+              <a:t>ISubscriber</a:t>
+            </a:r>
+            <a:endParaRPr lang="en-IN" dirty="0"/>
+          </a:p>
+        </p:txBody>
+      </p:sp>
+      <p:sp>
+        <p:nvSpPr>
+          <p:cNvPr id="14" name="TextBox 13">
+            <a:extLst>
+              <a:ext uri="{FF2B5EF4-FFF2-40B4-BE49-F238E27FC236}">
+                <a16:creationId xmlns:a16="http://schemas.microsoft.com/office/drawing/2014/main" id="{E6FD0EB7-467D-9C98-FE45-1AE42C9F29E1}"/>
+              </a:ext>
+            </a:extLst>
+          </p:cNvPr>
+          <p:cNvSpPr txBox="1"/>
+          <p:nvPr/>
+        </p:nvSpPr>
+        <p:spPr>
+          <a:xfrm>
+            <a:off x="2616789" y="5054594"/>
+            <a:ext cx="2613993" cy="646331"/>
+          </a:xfrm>
+          <a:prstGeom prst="rect">
+            <a:avLst/>
+          </a:prstGeom>
+          <a:noFill/>
+        </p:spPr>
+        <p:txBody>
+          <a:bodyPr wrap="square" rtlCol="0">
+            <a:spAutoFit/>
+          </a:bodyPr>
+          <a:lstStyle/>
+          <a:p>
+            <a:r>
+              <a:rPr lang="en-US" dirty="0"/>
+              <a:t>Update()</a:t>
+            </a:r>
+          </a:p>
+          <a:p>
+            <a:endParaRPr lang="en-US" dirty="0"/>
+          </a:p>
+        </p:txBody>
+      </p:sp>
+      <p:cxnSp>
+        <p:nvCxnSpPr>
+          <p:cNvPr id="15" name="Straight Arrow Connector 17">
+            <a:extLst>
+              <a:ext uri="{FF2B5EF4-FFF2-40B4-BE49-F238E27FC236}">
+                <a16:creationId xmlns:a16="http://schemas.microsoft.com/office/drawing/2014/main" id="{9CD247DB-1443-F0CD-DFDB-96FCFC0E5C99}"/>
+              </a:ext>
+            </a:extLst>
+          </p:cNvPr>
+          <p:cNvCxnSpPr>
+            <a:cxnSpLocks/>
+            <a:stCxn id="3" idx="3"/>
+            <a:endCxn id="11" idx="0"/>
+          </p:cNvCxnSpPr>
+          <p:nvPr/>
+        </p:nvCxnSpPr>
+        <p:spPr>
+          <a:xfrm flipH="1">
+            <a:off x="4112629" y="2631078"/>
+            <a:ext cx="1627218" cy="1595492"/>
+          </a:xfrm>
+          <a:prstGeom prst="bentConnector4">
+            <a:avLst>
+              <a:gd name="adj1" fmla="val -14049"/>
+              <a:gd name="adj2" fmla="val 82944"/>
+            </a:avLst>
+          </a:prstGeom>
+          <a:ln>
+            <a:tailEnd type="triangle"/>
+          </a:ln>
+        </p:spPr>
+        <p:style>
+          <a:lnRef idx="1">
+            <a:schemeClr val="dk1"/>
+          </a:lnRef>
+          <a:fillRef idx="0">
+            <a:schemeClr val="dk1"/>
+          </a:fillRef>
+          <a:effectRef idx="0">
+            <a:schemeClr val="dk1"/>
+          </a:effectRef>
+          <a:fontRef idx="minor">
+            <a:schemeClr val="tx1"/>
+          </a:fontRef>
+        </p:style>
+      </p:cxnSp>
+      <p:sp>
+        <p:nvSpPr>
+          <p:cNvPr id="19" name="TextBox 18">
+            <a:extLst>
+              <a:ext uri="{FF2B5EF4-FFF2-40B4-BE49-F238E27FC236}">
+                <a16:creationId xmlns:a16="http://schemas.microsoft.com/office/drawing/2014/main" id="{862C997D-5499-11DE-39F7-A82F4AEFC975}"/>
+              </a:ext>
+            </a:extLst>
+          </p:cNvPr>
+          <p:cNvSpPr txBox="1"/>
+          <p:nvPr/>
+        </p:nvSpPr>
+        <p:spPr>
+          <a:xfrm>
+            <a:off x="7273050" y="802766"/>
+            <a:ext cx="1373138" cy="369332"/>
+          </a:xfrm>
+          <a:prstGeom prst="rect">
+            <a:avLst/>
+          </a:prstGeom>
+          <a:noFill/>
+        </p:spPr>
+        <p:txBody>
+          <a:bodyPr wrap="square" rtlCol="0">
+            <a:spAutoFit/>
+          </a:bodyPr>
+          <a:lstStyle/>
+          <a:p>
+            <a:r>
+              <a:rPr lang="en-US" dirty="0"/>
+              <a:t>Subscriber1</a:t>
+            </a:r>
+            <a:endParaRPr lang="en-IN" dirty="0"/>
+          </a:p>
+        </p:txBody>
+      </p:sp>
+      <p:sp>
+        <p:nvSpPr>
+          <p:cNvPr id="20" name="Rectangle 19">
+            <a:extLst>
+              <a:ext uri="{FF2B5EF4-FFF2-40B4-BE49-F238E27FC236}">
+                <a16:creationId xmlns:a16="http://schemas.microsoft.com/office/drawing/2014/main" id="{A30569DE-AE8D-2173-E844-989A69A5D095}"/>
+              </a:ext>
+            </a:extLst>
+          </p:cNvPr>
+          <p:cNvSpPr/>
+          <p:nvPr/>
+        </p:nvSpPr>
+        <p:spPr>
+          <a:xfrm>
+            <a:off x="6942082" y="617235"/>
+            <a:ext cx="2051975" cy="765777"/>
+          </a:xfrm>
+          <a:prstGeom prst="rect">
+            <a:avLst/>
+          </a:prstGeom>
+          <a:noFill/>
+          <a:ln>
+            <a:solidFill>
+              <a:schemeClr val="bg2">
+                <a:lumMod val="10000"/>
+              </a:schemeClr>
+            </a:solidFill>
+          </a:ln>
+        </p:spPr>
+        <p:style>
+          <a:lnRef idx="2">
+            <a:schemeClr val="accent1">
+              <a:shade val="50000"/>
+            </a:schemeClr>
+          </a:lnRef>
+          <a:fillRef idx="1">
+            <a:schemeClr val="accent1"/>
+          </a:fillRef>
+          <a:effectRef idx="0">
+            <a:schemeClr val="accent1"/>
+          </a:effectRef>
+          <a:fontRef idx="minor">
+            <a:schemeClr val="lt1"/>
+          </a:fontRef>
+        </p:style>
+        <p:txBody>
+          <a:bodyPr rtlCol="0" anchor="ctr"/>
+          <a:lstStyle/>
+          <a:p>
+            <a:pPr algn="ctr"/>
+            <a:endParaRPr lang="en-IN"/>
+          </a:p>
+        </p:txBody>
+      </p:sp>
+      <p:sp>
+        <p:nvSpPr>
+          <p:cNvPr id="23" name="TextBox 22">
+            <a:extLst>
+              <a:ext uri="{FF2B5EF4-FFF2-40B4-BE49-F238E27FC236}">
+                <a16:creationId xmlns:a16="http://schemas.microsoft.com/office/drawing/2014/main" id="{9392D83D-8FF0-E5EF-B091-7C1A1F9BBC87}"/>
+              </a:ext>
+            </a:extLst>
+          </p:cNvPr>
+          <p:cNvSpPr txBox="1"/>
+          <p:nvPr/>
+        </p:nvSpPr>
+        <p:spPr>
+          <a:xfrm>
+            <a:off x="7273050" y="2256832"/>
+            <a:ext cx="1373138" cy="369332"/>
+          </a:xfrm>
+          <a:prstGeom prst="rect">
+            <a:avLst/>
+          </a:prstGeom>
+          <a:noFill/>
+        </p:spPr>
+        <p:txBody>
+          <a:bodyPr wrap="square" rtlCol="0">
+            <a:spAutoFit/>
+          </a:bodyPr>
+          <a:lstStyle/>
+          <a:p>
+            <a:r>
+              <a:rPr lang="en-US" dirty="0"/>
+              <a:t>Subscriber2</a:t>
+            </a:r>
+            <a:endParaRPr lang="en-IN" dirty="0"/>
+          </a:p>
+        </p:txBody>
+      </p:sp>
+      <p:sp>
+        <p:nvSpPr>
+          <p:cNvPr id="24" name="Rectangle 23">
+            <a:extLst>
+              <a:ext uri="{FF2B5EF4-FFF2-40B4-BE49-F238E27FC236}">
+                <a16:creationId xmlns:a16="http://schemas.microsoft.com/office/drawing/2014/main" id="{3A2769D0-A856-DABE-D473-E66083977391}"/>
+              </a:ext>
+            </a:extLst>
+          </p:cNvPr>
+          <p:cNvSpPr/>
+          <p:nvPr/>
+        </p:nvSpPr>
+        <p:spPr>
+          <a:xfrm>
+            <a:off x="6942082" y="2071301"/>
+            <a:ext cx="2051975" cy="765777"/>
+          </a:xfrm>
+          <a:prstGeom prst="rect">
+            <a:avLst/>
+          </a:prstGeom>
+          <a:noFill/>
+          <a:ln>
+            <a:solidFill>
+              <a:schemeClr val="bg2">
+                <a:lumMod val="10000"/>
+              </a:schemeClr>
+            </a:solidFill>
+          </a:ln>
+        </p:spPr>
+        <p:style>
+          <a:lnRef idx="2">
+            <a:schemeClr val="accent1">
+              <a:shade val="50000"/>
+            </a:schemeClr>
+          </a:lnRef>
+          <a:fillRef idx="1">
+            <a:schemeClr val="accent1"/>
+          </a:fillRef>
+          <a:effectRef idx="0">
+            <a:schemeClr val="accent1"/>
+          </a:effectRef>
+          <a:fontRef idx="minor">
+            <a:schemeClr val="lt1"/>
+          </a:fontRef>
+        </p:style>
+        <p:txBody>
+          <a:bodyPr rtlCol="0" anchor="ctr"/>
+          <a:lstStyle/>
+          <a:p>
+            <a:pPr algn="ctr"/>
+            <a:endParaRPr lang="en-IN"/>
+          </a:p>
+        </p:txBody>
+      </p:sp>
+      <p:cxnSp>
+        <p:nvCxnSpPr>
+          <p:cNvPr id="25" name="Straight Arrow Connector 17">
+            <a:extLst>
+              <a:ext uri="{FF2B5EF4-FFF2-40B4-BE49-F238E27FC236}">
+                <a16:creationId xmlns:a16="http://schemas.microsoft.com/office/drawing/2014/main" id="{F0017BCC-EE8D-5F33-DCD0-FCCA74C85AF5}"/>
+              </a:ext>
+            </a:extLst>
+          </p:cNvPr>
+          <p:cNvCxnSpPr>
+            <a:cxnSpLocks/>
+            <a:stCxn id="3" idx="0"/>
+            <a:endCxn id="20" idx="1"/>
+          </p:cNvCxnSpPr>
+          <p:nvPr/>
+        </p:nvCxnSpPr>
+        <p:spPr>
+          <a:xfrm rot="5400000" flipH="1" flipV="1">
+            <a:off x="5303192" y="-59060"/>
+            <a:ext cx="579706" cy="2698074"/>
+          </a:xfrm>
+          <a:prstGeom prst="bentConnector2">
+            <a:avLst/>
+          </a:prstGeom>
+          <a:ln>
+            <a:tailEnd type="triangle"/>
+          </a:ln>
+        </p:spPr>
+        <p:style>
+          <a:lnRef idx="1">
+            <a:schemeClr val="dk1"/>
+          </a:lnRef>
+          <a:fillRef idx="0">
+            <a:schemeClr val="dk1"/>
+          </a:fillRef>
+          <a:effectRef idx="0">
+            <a:schemeClr val="dk1"/>
+          </a:effectRef>
+          <a:fontRef idx="minor">
+            <a:schemeClr val="tx1"/>
+          </a:fontRef>
+        </p:style>
+      </p:cxnSp>
+      <p:cxnSp>
+        <p:nvCxnSpPr>
+          <p:cNvPr id="28" name="Straight Arrow Connector 17">
+            <a:extLst>
+              <a:ext uri="{FF2B5EF4-FFF2-40B4-BE49-F238E27FC236}">
+                <a16:creationId xmlns:a16="http://schemas.microsoft.com/office/drawing/2014/main" id="{62089C0C-C3AA-5EA0-511F-85527BE6763E}"/>
+              </a:ext>
+            </a:extLst>
+          </p:cNvPr>
+          <p:cNvCxnSpPr>
+            <a:cxnSpLocks/>
+            <a:stCxn id="3" idx="0"/>
+            <a:endCxn id="24" idx="1"/>
+          </p:cNvCxnSpPr>
+          <p:nvPr/>
+        </p:nvCxnSpPr>
+        <p:spPr>
+          <a:xfrm rot="16200000" flipH="1">
+            <a:off x="5155865" y="667973"/>
+            <a:ext cx="874360" cy="2698074"/>
+          </a:xfrm>
+          <a:prstGeom prst="bentConnector4">
+            <a:avLst>
+              <a:gd name="adj1" fmla="val -26145"/>
+              <a:gd name="adj2" fmla="val 77720"/>
+            </a:avLst>
+          </a:prstGeom>
+          <a:ln>
+            <a:tailEnd type="triangle"/>
+          </a:ln>
+        </p:spPr>
+        <p:style>
+          <a:lnRef idx="1">
+            <a:schemeClr val="dk1"/>
+          </a:lnRef>
+          <a:fillRef idx="0">
+            <a:schemeClr val="dk1"/>
+          </a:fillRef>
+          <a:effectRef idx="0">
+            <a:schemeClr val="dk1"/>
+          </a:effectRef>
+          <a:fontRef idx="minor">
+            <a:schemeClr val="tx1"/>
+          </a:fontRef>
+        </p:style>
+      </p:cxnSp>
+      <p:cxnSp>
+        <p:nvCxnSpPr>
+          <p:cNvPr id="31" name="Straight Arrow Connector 17">
+            <a:extLst>
+              <a:ext uri="{FF2B5EF4-FFF2-40B4-BE49-F238E27FC236}">
+                <a16:creationId xmlns:a16="http://schemas.microsoft.com/office/drawing/2014/main" id="{D3614B25-D716-99F5-DAC4-7A29F4E53D25}"/>
+              </a:ext>
+            </a:extLst>
+          </p:cNvPr>
+          <p:cNvCxnSpPr>
+            <a:cxnSpLocks/>
+            <a:stCxn id="9" idx="2"/>
+            <a:endCxn id="14" idx="1"/>
+          </p:cNvCxnSpPr>
+          <p:nvPr/>
+        </p:nvCxnSpPr>
+        <p:spPr>
+          <a:xfrm rot="16200000" flipH="1">
+            <a:off x="215074" y="2976044"/>
+            <a:ext cx="3464877" cy="1338553"/>
+          </a:xfrm>
+          <a:prstGeom prst="bentConnector2">
+            <a:avLst/>
+          </a:prstGeom>
+          <a:ln>
+            <a:tailEnd type="triangle"/>
+          </a:ln>
+        </p:spPr>
+        <p:style>
+          <a:lnRef idx="1">
+            <a:schemeClr val="dk1"/>
+          </a:lnRef>
+          <a:fillRef idx="0">
+            <a:schemeClr val="dk1"/>
+          </a:fillRef>
+          <a:effectRef idx="0">
+            <a:schemeClr val="dk1"/>
+          </a:effectRef>
+          <a:fontRef idx="minor">
+            <a:schemeClr val="tx1"/>
+          </a:fontRef>
+        </p:style>
+      </p:cxnSp>
+    </p:spTree>
+    <p:extLst>
+      <p:ext uri="{BB962C8B-B14F-4D97-AF65-F5344CB8AC3E}">
+        <p14:creationId xmlns:p14="http://schemas.microsoft.com/office/powerpoint/2010/main" val="276909994"/>
       </p:ext>
     </p:extLst>
   </p:cSld>

--- a/UMLDiagrams.pptx
+++ b/UMLDiagrams.pptx
@@ -143,7 +143,7 @@
   <pc:docChgLst>
     <pc:chgData name="Manaswini Ray" userId="451f23f8-43b4-4daa-9511-0c9fb98bad1c" providerId="ADAL" clId="{034AA59E-D954-44E8-84AB-C770C7EA240B}"/>
     <pc:docChg chg="undo custSel addSld delSld modSld">
-      <pc:chgData name="Manaswini Ray" userId="451f23f8-43b4-4daa-9511-0c9fb98bad1c" providerId="ADAL" clId="{034AA59E-D954-44E8-84AB-C770C7EA240B}" dt="2023-09-12T15:37:46.288" v="872" actId="14100"/>
+      <pc:chgData name="Manaswini Ray" userId="451f23f8-43b4-4daa-9511-0c9fb98bad1c" providerId="ADAL" clId="{034AA59E-D954-44E8-84AB-C770C7EA240B}" dt="2023-09-12T18:03:59.773" v="886" actId="20577"/>
       <pc:docMkLst>
         <pc:docMk/>
       </pc:docMkLst>
@@ -162,7 +162,7 @@
         </pc:sldMkLst>
       </pc:sldChg>
       <pc:sldChg chg="addSp delSp modSp new mod">
-        <pc:chgData name="Manaswini Ray" userId="451f23f8-43b4-4daa-9511-0c9fb98bad1c" providerId="ADAL" clId="{034AA59E-D954-44E8-84AB-C770C7EA240B}" dt="2023-09-11T08:02:38.331" v="172" actId="20577"/>
+        <pc:chgData name="Manaswini Ray" userId="451f23f8-43b4-4daa-9511-0c9fb98bad1c" providerId="ADAL" clId="{034AA59E-D954-44E8-84AB-C770C7EA240B}" dt="2023-09-12T18:03:59.773" v="886" actId="20577"/>
         <pc:sldMkLst>
           <pc:docMk/>
           <pc:sldMk cId="2287967513" sldId="355"/>
@@ -200,7 +200,7 @@
           </ac:spMkLst>
         </pc:spChg>
         <pc:spChg chg="add mod">
-          <ac:chgData name="Manaswini Ray" userId="451f23f8-43b4-4daa-9511-0c9fb98bad1c" providerId="ADAL" clId="{034AA59E-D954-44E8-84AB-C770C7EA240B}" dt="2023-09-11T08:01:55.191" v="118" actId="20577"/>
+          <ac:chgData name="Manaswini Ray" userId="451f23f8-43b4-4daa-9511-0c9fb98bad1c" providerId="ADAL" clId="{034AA59E-D954-44E8-84AB-C770C7EA240B}" dt="2023-09-12T18:03:59.773" v="886" actId="20577"/>
           <ac:spMkLst>
             <pc:docMk/>
             <pc:sldMk cId="2287967513" sldId="355"/>
@@ -10235,7 +10235,7 @@
           <a:p>
             <a:r>
               <a:rPr lang="en-US" dirty="0" err="1"/>
-              <a:t>ExpenseApproval</a:t>
+              <a:t>ApproveExpense</a:t>
             </a:r>
             <a:r>
               <a:rPr lang="en-US" dirty="0"/>

--- a/UMLDiagrams.pptx
+++ b/UMLDiagrams.pptx
@@ -5,7 +5,7 @@
     <p:sldMasterId id="2147483648" r:id="rId1"/>
   </p:sldMasterIdLst>
   <p:notesMasterIdLst>
-    <p:notesMasterId r:id="rId18"/>
+    <p:notesMasterId r:id="rId19"/>
   </p:notesMasterIdLst>
   <p:sldIdLst>
     <p:sldId id="256" r:id="rId2"/>
@@ -24,6 +24,7 @@
     <p:sldId id="357" r:id="rId15"/>
     <p:sldId id="358" r:id="rId16"/>
     <p:sldId id="359" r:id="rId17"/>
+    <p:sldId id="360" r:id="rId18"/>
   </p:sldIdLst>
   <p:sldSz cx="12192000" cy="6858000"/>
   <p:notesSz cx="6858000" cy="9144000"/>
@@ -133,7 +134,7 @@
 <file path=ppt/revisionInfo.xml><?xml version="1.0" encoding="utf-8"?>
 <p1510:revInfo xmlns:a="http://schemas.openxmlformats.org/drawingml/2006/main" xmlns:r="http://schemas.openxmlformats.org/officeDocument/2006/relationships" xmlns:p1510="http://schemas.microsoft.com/office/powerpoint/2015/10/main">
   <p1510:revLst>
-    <p1510:client id="{034AA59E-D954-44E8-84AB-C770C7EA240B}" v="35" dt="2023-09-12T15:36:55.420"/>
+    <p1510:client id="{034AA59E-D954-44E8-84AB-C770C7EA240B}" v="37" dt="2023-09-13T10:45:01.163"/>
   </p1510:revLst>
 </p1510:revInfo>
 </file>
@@ -143,7 +144,7 @@
   <pc:docChgLst>
     <pc:chgData name="Manaswini Ray" userId="451f23f8-43b4-4daa-9511-0c9fb98bad1c" providerId="ADAL" clId="{034AA59E-D954-44E8-84AB-C770C7EA240B}"/>
     <pc:docChg chg="undo custSel addSld delSld modSld">
-      <pc:chgData name="Manaswini Ray" userId="451f23f8-43b4-4daa-9511-0c9fb98bad1c" providerId="ADAL" clId="{034AA59E-D954-44E8-84AB-C770C7EA240B}" dt="2023-09-12T18:03:59.773" v="886" actId="20577"/>
+      <pc:chgData name="Manaswini Ray" userId="451f23f8-43b4-4daa-9511-0c9fb98bad1c" providerId="ADAL" clId="{034AA59E-D954-44E8-84AB-C770C7EA240B}" dt="2023-09-13T10:45:29.047" v="1021" actId="20577"/>
       <pc:docMkLst>
         <pc:docMk/>
       </pc:docMkLst>
@@ -1385,6 +1386,197 @@
             <pc:docMk/>
             <pc:sldMk cId="276909994" sldId="359"/>
             <ac:cxnSpMk id="31" creationId="{D3614B25-D716-99F5-DAC4-7A29F4E53D25}"/>
+          </ac:cxnSpMkLst>
+        </pc:cxnChg>
+      </pc:sldChg>
+      <pc:sldChg chg="addSp modSp new mod">
+        <pc:chgData name="Manaswini Ray" userId="451f23f8-43b4-4daa-9511-0c9fb98bad1c" providerId="ADAL" clId="{034AA59E-D954-44E8-84AB-C770C7EA240B}" dt="2023-09-13T10:45:29.047" v="1021" actId="20577"/>
+        <pc:sldMkLst>
+          <pc:docMk/>
+          <pc:sldMk cId="3915814131" sldId="360"/>
+        </pc:sldMkLst>
+        <pc:spChg chg="add mod">
+          <ac:chgData name="Manaswini Ray" userId="451f23f8-43b4-4daa-9511-0c9fb98bad1c" providerId="ADAL" clId="{034AA59E-D954-44E8-84AB-C770C7EA240B}" dt="2023-09-13T10:41:07.993" v="896" actId="20577"/>
+          <ac:spMkLst>
+            <pc:docMk/>
+            <pc:sldMk cId="3915814131" sldId="360"/>
+            <ac:spMk id="2" creationId="{3FFFD708-42CC-60A0-DC30-AD272C845EA8}"/>
+          </ac:spMkLst>
+        </pc:spChg>
+        <pc:spChg chg="add mod">
+          <ac:chgData name="Manaswini Ray" userId="451f23f8-43b4-4daa-9511-0c9fb98bad1c" providerId="ADAL" clId="{034AA59E-D954-44E8-84AB-C770C7EA240B}" dt="2023-09-13T10:43:11.894" v="940" actId="14100"/>
+          <ac:spMkLst>
+            <pc:docMk/>
+            <pc:sldMk cId="3915814131" sldId="360"/>
+            <ac:spMk id="3" creationId="{9AB2EB6D-C79B-41F5-6FAF-6522384BBE93}"/>
+          </ac:spMkLst>
+        </pc:spChg>
+        <pc:spChg chg="add mod">
+          <ac:chgData name="Manaswini Ray" userId="451f23f8-43b4-4daa-9511-0c9fb98bad1c" providerId="ADAL" clId="{034AA59E-D954-44E8-84AB-C770C7EA240B}" dt="2023-09-13T10:41:03.714" v="888"/>
+          <ac:spMkLst>
+            <pc:docMk/>
+            <pc:sldMk cId="3915814131" sldId="360"/>
+            <ac:spMk id="5" creationId="{72E5852C-1F58-EF65-DE2E-1ADA3C721797}"/>
+          </ac:spMkLst>
+        </pc:spChg>
+        <pc:spChg chg="add mod">
+          <ac:chgData name="Manaswini Ray" userId="451f23f8-43b4-4daa-9511-0c9fb98bad1c" providerId="ADAL" clId="{034AA59E-D954-44E8-84AB-C770C7EA240B}" dt="2023-09-13T10:42:28.328" v="935" actId="20577"/>
+          <ac:spMkLst>
+            <pc:docMk/>
+            <pc:sldMk cId="3915814131" sldId="360"/>
+            <ac:spMk id="6" creationId="{55BEC3AC-9BC8-82BE-2AD3-8A052A6E7622}"/>
+          </ac:spMkLst>
+        </pc:spChg>
+        <pc:spChg chg="add mod">
+          <ac:chgData name="Manaswini Ray" userId="451f23f8-43b4-4daa-9511-0c9fb98bad1c" providerId="ADAL" clId="{034AA59E-D954-44E8-84AB-C770C7EA240B}" dt="2023-09-13T10:43:19.589" v="941" actId="14100"/>
+          <ac:spMkLst>
+            <pc:docMk/>
+            <pc:sldMk cId="3915814131" sldId="360"/>
+            <ac:spMk id="7" creationId="{37F74894-DF9F-0233-2F63-8E7552008CA8}"/>
+          </ac:spMkLst>
+        </pc:spChg>
+        <pc:spChg chg="add mod">
+          <ac:chgData name="Manaswini Ray" userId="451f23f8-43b4-4daa-9511-0c9fb98bad1c" providerId="ADAL" clId="{034AA59E-D954-44E8-84AB-C770C7EA240B}" dt="2023-09-13T10:41:03.714" v="888"/>
+          <ac:spMkLst>
+            <pc:docMk/>
+            <pc:sldMk cId="3915814131" sldId="360"/>
+            <ac:spMk id="8" creationId="{9985CF84-2526-6C25-109B-A1E2C0048244}"/>
+          </ac:spMkLst>
+        </pc:spChg>
+        <pc:spChg chg="add mod">
+          <ac:chgData name="Manaswini Ray" userId="451f23f8-43b4-4daa-9511-0c9fb98bad1c" providerId="ADAL" clId="{034AA59E-D954-44E8-84AB-C770C7EA240B}" dt="2023-09-13T10:41:56.898" v="920" actId="14100"/>
+          <ac:spMkLst>
+            <pc:docMk/>
+            <pc:sldMk cId="3915814131" sldId="360"/>
+            <ac:spMk id="9" creationId="{FA3EA33C-CC93-5A6D-38BF-E6207711E17A}"/>
+          </ac:spMkLst>
+        </pc:spChg>
+        <pc:spChg chg="add mod">
+          <ac:chgData name="Manaswini Ray" userId="451f23f8-43b4-4daa-9511-0c9fb98bad1c" providerId="ADAL" clId="{034AA59E-D954-44E8-84AB-C770C7EA240B}" dt="2023-09-13T10:41:30.703" v="917" actId="20577"/>
+          <ac:spMkLst>
+            <pc:docMk/>
+            <pc:sldMk cId="3915814131" sldId="360"/>
+            <ac:spMk id="11" creationId="{181966D9-9F7B-41F4-AA2A-EEEF8CEA7E06}"/>
+          </ac:spMkLst>
+        </pc:spChg>
+        <pc:spChg chg="add mod">
+          <ac:chgData name="Manaswini Ray" userId="451f23f8-43b4-4daa-9511-0c9fb98bad1c" providerId="ADAL" clId="{034AA59E-D954-44E8-84AB-C770C7EA240B}" dt="2023-09-13T10:43:38.737" v="944" actId="207"/>
+          <ac:spMkLst>
+            <pc:docMk/>
+            <pc:sldMk cId="3915814131" sldId="360"/>
+            <ac:spMk id="12" creationId="{AE8C5707-84E7-5F7B-C038-1EDFEFC90250}"/>
+          </ac:spMkLst>
+        </pc:spChg>
+        <pc:spChg chg="add mod">
+          <ac:chgData name="Manaswini Ray" userId="451f23f8-43b4-4daa-9511-0c9fb98bad1c" providerId="ADAL" clId="{034AA59E-D954-44E8-84AB-C770C7EA240B}" dt="2023-09-13T10:44:36.735" v="971" actId="20577"/>
+          <ac:spMkLst>
+            <pc:docMk/>
+            <pc:sldMk cId="3915814131" sldId="360"/>
+            <ac:spMk id="14" creationId="{0C5AE01F-464E-71D3-697A-77F40A94F056}"/>
+          </ac:spMkLst>
+        </pc:spChg>
+        <pc:spChg chg="add mod">
+          <ac:chgData name="Manaswini Ray" userId="451f23f8-43b4-4daa-9511-0c9fb98bad1c" providerId="ADAL" clId="{034AA59E-D954-44E8-84AB-C770C7EA240B}" dt="2023-09-13T10:41:03.714" v="888"/>
+          <ac:spMkLst>
+            <pc:docMk/>
+            <pc:sldMk cId="3915814131" sldId="360"/>
+            <ac:spMk id="15" creationId="{B4A369D3-3C23-81B6-5F7A-5DA14BF4C07D}"/>
+          </ac:spMkLst>
+        </pc:spChg>
+        <pc:spChg chg="add mod">
+          <ac:chgData name="Manaswini Ray" userId="451f23f8-43b4-4daa-9511-0c9fb98bad1c" providerId="ADAL" clId="{034AA59E-D954-44E8-84AB-C770C7EA240B}" dt="2023-09-13T10:44:55.556" v="1005" actId="1076"/>
+          <ac:spMkLst>
+            <pc:docMk/>
+            <pc:sldMk cId="3915814131" sldId="360"/>
+            <ac:spMk id="16" creationId="{D9E5380A-3790-41EA-E2D4-ED09DA342162}"/>
+          </ac:spMkLst>
+        </pc:spChg>
+        <pc:spChg chg="add mod">
+          <ac:chgData name="Manaswini Ray" userId="451f23f8-43b4-4daa-9511-0c9fb98bad1c" providerId="ADAL" clId="{034AA59E-D954-44E8-84AB-C770C7EA240B}" dt="2023-09-13T10:41:03.714" v="888"/>
+          <ac:spMkLst>
+            <pc:docMk/>
+            <pc:sldMk cId="3915814131" sldId="360"/>
+            <ac:spMk id="17" creationId="{CCB98DF0-B42A-6E0B-2A96-6505A875815C}"/>
+          </ac:spMkLst>
+        </pc:spChg>
+        <pc:spChg chg="add mod">
+          <ac:chgData name="Manaswini Ray" userId="451f23f8-43b4-4daa-9511-0c9fb98bad1c" providerId="ADAL" clId="{034AA59E-D954-44E8-84AB-C770C7EA240B}" dt="2023-09-13T10:45:21.054" v="1017" actId="14100"/>
+          <ac:spMkLst>
+            <pc:docMk/>
+            <pc:sldMk cId="3915814131" sldId="360"/>
+            <ac:spMk id="35" creationId="{6701FEDD-B8D6-F7B1-9884-492A7B850956}"/>
+          </ac:spMkLst>
+        </pc:spChg>
+        <pc:spChg chg="add mod">
+          <ac:chgData name="Manaswini Ray" userId="451f23f8-43b4-4daa-9511-0c9fb98bad1c" providerId="ADAL" clId="{034AA59E-D954-44E8-84AB-C770C7EA240B}" dt="2023-09-13T10:45:04.446" v="1007" actId="1076"/>
+          <ac:spMkLst>
+            <pc:docMk/>
+            <pc:sldMk cId="3915814131" sldId="360"/>
+            <ac:spMk id="36" creationId="{520E9B03-D05E-BAA2-CEFC-E5B6586F64D2}"/>
+          </ac:spMkLst>
+        </pc:spChg>
+        <pc:spChg chg="add mod">
+          <ac:chgData name="Manaswini Ray" userId="451f23f8-43b4-4daa-9511-0c9fb98bad1c" providerId="ADAL" clId="{034AA59E-D954-44E8-84AB-C770C7EA240B}" dt="2023-09-13T10:45:29.047" v="1021" actId="20577"/>
+          <ac:spMkLst>
+            <pc:docMk/>
+            <pc:sldMk cId="3915814131" sldId="360"/>
+            <ac:spMk id="37" creationId="{AF5B8F7A-DCAB-6BA4-11BD-E5265A679449}"/>
+          </ac:spMkLst>
+        </pc:spChg>
+        <pc:spChg chg="add mod">
+          <ac:chgData name="Manaswini Ray" userId="451f23f8-43b4-4daa-9511-0c9fb98bad1c" providerId="ADAL" clId="{034AA59E-D954-44E8-84AB-C770C7EA240B}" dt="2023-09-13T10:45:04.446" v="1007" actId="1076"/>
+          <ac:spMkLst>
+            <pc:docMk/>
+            <pc:sldMk cId="3915814131" sldId="360"/>
+            <ac:spMk id="38" creationId="{52FE1A19-7758-17EA-46EE-17246BC389B3}"/>
+          </ac:spMkLst>
+        </pc:spChg>
+        <pc:cxnChg chg="add mod">
+          <ac:chgData name="Manaswini Ray" userId="451f23f8-43b4-4daa-9511-0c9fb98bad1c" providerId="ADAL" clId="{034AA59E-D954-44E8-84AB-C770C7EA240B}" dt="2023-09-13T10:43:26.974" v="942" actId="14100"/>
+          <ac:cxnSpMkLst>
+            <pc:docMk/>
+            <pc:sldMk cId="3915814131" sldId="360"/>
+            <ac:cxnSpMk id="4" creationId="{65B3E460-9AAE-D170-2D27-45D43855F183}"/>
+          </ac:cxnSpMkLst>
+        </pc:cxnChg>
+        <pc:cxnChg chg="add mod">
+          <ac:chgData name="Manaswini Ray" userId="451f23f8-43b4-4daa-9511-0c9fb98bad1c" providerId="ADAL" clId="{034AA59E-D954-44E8-84AB-C770C7EA240B}" dt="2023-09-13T10:41:03.714" v="888"/>
+          <ac:cxnSpMkLst>
+            <pc:docMk/>
+            <pc:sldMk cId="3915814131" sldId="360"/>
+            <ac:cxnSpMk id="10" creationId="{C2AF493B-A3D3-ABA8-3415-6CEB2B6B39FB}"/>
+          </ac:cxnSpMkLst>
+        </pc:cxnChg>
+        <pc:cxnChg chg="add mod">
+          <ac:chgData name="Manaswini Ray" userId="451f23f8-43b4-4daa-9511-0c9fb98bad1c" providerId="ADAL" clId="{034AA59E-D954-44E8-84AB-C770C7EA240B}" dt="2023-09-13T10:43:11.894" v="940" actId="14100"/>
+          <ac:cxnSpMkLst>
+            <pc:docMk/>
+            <pc:sldMk cId="3915814131" sldId="360"/>
+            <ac:cxnSpMk id="13" creationId="{0C7B6316-526A-3EE8-445B-FDC0D22A5D0D}"/>
+          </ac:cxnSpMkLst>
+        </pc:cxnChg>
+        <pc:cxnChg chg="add mod">
+          <ac:chgData name="Manaswini Ray" userId="451f23f8-43b4-4daa-9511-0c9fb98bad1c" providerId="ADAL" clId="{034AA59E-D954-44E8-84AB-C770C7EA240B}" dt="2023-09-13T10:44:27.478" v="948" actId="14100"/>
+          <ac:cxnSpMkLst>
+            <pc:docMk/>
+            <pc:sldMk cId="3915814131" sldId="360"/>
+            <ac:cxnSpMk id="18" creationId="{F88C3840-719C-9FB2-F54C-4B29D97BB088}"/>
+          </ac:cxnSpMkLst>
+        </pc:cxnChg>
+        <pc:cxnChg chg="add mod">
+          <ac:chgData name="Manaswini Ray" userId="451f23f8-43b4-4daa-9511-0c9fb98bad1c" providerId="ADAL" clId="{034AA59E-D954-44E8-84AB-C770C7EA240B}" dt="2023-09-13T10:44:21.567" v="947" actId="14100"/>
+          <ac:cxnSpMkLst>
+            <pc:docMk/>
+            <pc:sldMk cId="3915814131" sldId="360"/>
+            <ac:cxnSpMk id="19" creationId="{2CC5B049-CC97-CA52-2E1B-4CDDDBFB90FC}"/>
+          </ac:cxnSpMkLst>
+        </pc:cxnChg>
+        <pc:cxnChg chg="add mod">
+          <ac:chgData name="Manaswini Ray" userId="451f23f8-43b4-4daa-9511-0c9fb98bad1c" providerId="ADAL" clId="{034AA59E-D954-44E8-84AB-C770C7EA240B}" dt="2023-09-13T10:44:05.698" v="946" actId="14100"/>
+          <ac:cxnSpMkLst>
+            <pc:docMk/>
+            <pc:sldMk cId="3915814131" sldId="360"/>
+            <ac:cxnSpMk id="20" creationId="{B1AFC1C3-4EE2-C261-D00F-889440E94B5E}"/>
           </ac:cxnSpMkLst>
         </pc:cxnChg>
       </pc:sldChg>
@@ -15543,6 +15735,1217 @@
     <p:extLst>
       <p:ext uri="{BB962C8B-B14F-4D97-AF65-F5344CB8AC3E}">
         <p14:creationId xmlns:p14="http://schemas.microsoft.com/office/powerpoint/2010/main" val="276909994"/>
+      </p:ext>
+    </p:extLst>
+  </p:cSld>
+  <p:clrMapOvr>
+    <a:masterClrMapping/>
+  </p:clrMapOvr>
+</p:sld>
+</file>
+
+<file path=ppt/slides/slide17.xml><?xml version="1.0" encoding="utf-8"?>
+<p:sld xmlns:a="http://schemas.openxmlformats.org/drawingml/2006/main" xmlns:r="http://schemas.openxmlformats.org/officeDocument/2006/relationships" xmlns:p="http://schemas.openxmlformats.org/presentationml/2006/main">
+  <p:cSld>
+    <p:spTree>
+      <p:nvGrpSpPr>
+        <p:cNvPr id="1" name=""/>
+        <p:cNvGrpSpPr/>
+        <p:nvPr/>
+      </p:nvGrpSpPr>
+      <p:grpSpPr>
+        <a:xfrm>
+          <a:off x="0" y="0"/>
+          <a:ext cx="0" cy="0"/>
+          <a:chOff x="0" y="0"/>
+          <a:chExt cx="0" cy="0"/>
+        </a:xfrm>
+      </p:grpSpPr>
+      <p:sp>
+        <p:nvSpPr>
+          <p:cNvPr id="2" name="TextBox 1">
+            <a:extLst>
+              <a:ext uri="{FF2B5EF4-FFF2-40B4-BE49-F238E27FC236}">
+                <a16:creationId xmlns:a16="http://schemas.microsoft.com/office/drawing/2014/main" id="{3FFFD708-42CC-60A0-DC30-AD272C845EA8}"/>
+              </a:ext>
+            </a:extLst>
+          </p:cNvPr>
+          <p:cNvSpPr txBox="1"/>
+          <p:nvPr/>
+        </p:nvSpPr>
+        <p:spPr>
+          <a:xfrm>
+            <a:off x="252248" y="393403"/>
+            <a:ext cx="6138040" cy="400110"/>
+          </a:xfrm>
+          <a:prstGeom prst="rect">
+            <a:avLst/>
+          </a:prstGeom>
+          <a:noFill/>
+        </p:spPr>
+        <p:txBody>
+          <a:bodyPr wrap="square">
+            <a:spAutoFit/>
+          </a:bodyPr>
+          <a:lstStyle/>
+          <a:p>
+            <a:r>
+              <a:rPr lang="en-US" sz="2000" b="1" u="sng" dirty="0" err="1">
+                <a:solidFill>
+                  <a:srgbClr val="000000"/>
+                </a:solidFill>
+              </a:rPr>
+              <a:t>Startegy</a:t>
+            </a:r>
+            <a:r>
+              <a:rPr lang="en-US" sz="2000" b="1" u="sng" dirty="0">
+                <a:solidFill>
+                  <a:srgbClr val="000000"/>
+                </a:solidFill>
+              </a:rPr>
+              <a:t> </a:t>
+            </a:r>
+            <a:r>
+              <a:rPr lang="en-IN" sz="2000" b="1" u="sng" dirty="0">
+                <a:solidFill>
+                  <a:srgbClr val="000000"/>
+                </a:solidFill>
+              </a:rPr>
+              <a:t>Design Pattern</a:t>
+            </a:r>
+            <a:endParaRPr lang="en-IN" sz="2000" b="1" u="sng" dirty="0"/>
+          </a:p>
+        </p:txBody>
+      </p:sp>
+      <p:sp>
+        <p:nvSpPr>
+          <p:cNvPr id="3" name="Rectangle 2">
+            <a:extLst>
+              <a:ext uri="{FF2B5EF4-FFF2-40B4-BE49-F238E27FC236}">
+                <a16:creationId xmlns:a16="http://schemas.microsoft.com/office/drawing/2014/main" id="{9AB2EB6D-C79B-41F5-6FAF-6522384BBE93}"/>
+              </a:ext>
+            </a:extLst>
+          </p:cNvPr>
+          <p:cNvSpPr/>
+          <p:nvPr/>
+        </p:nvSpPr>
+        <p:spPr>
+          <a:xfrm>
+            <a:off x="2401556" y="1579830"/>
+            <a:ext cx="3338291" cy="2102496"/>
+          </a:xfrm>
+          <a:prstGeom prst="rect">
+            <a:avLst/>
+          </a:prstGeom>
+          <a:noFill/>
+          <a:ln>
+            <a:solidFill>
+              <a:schemeClr val="bg2">
+                <a:lumMod val="10000"/>
+              </a:schemeClr>
+            </a:solidFill>
+          </a:ln>
+        </p:spPr>
+        <p:style>
+          <a:lnRef idx="2">
+            <a:schemeClr val="accent1">
+              <a:shade val="50000"/>
+            </a:schemeClr>
+          </a:lnRef>
+          <a:fillRef idx="1">
+            <a:schemeClr val="accent1"/>
+          </a:fillRef>
+          <a:effectRef idx="0">
+            <a:schemeClr val="accent1"/>
+          </a:effectRef>
+          <a:fontRef idx="minor">
+            <a:schemeClr val="lt1"/>
+          </a:fontRef>
+        </p:style>
+        <p:txBody>
+          <a:bodyPr rtlCol="0" anchor="ctr"/>
+          <a:lstStyle/>
+          <a:p>
+            <a:pPr algn="ctr"/>
+            <a:endParaRPr lang="en-IN"/>
+          </a:p>
+        </p:txBody>
+      </p:sp>
+      <p:cxnSp>
+        <p:nvCxnSpPr>
+          <p:cNvPr id="4" name="Straight Connector 3">
+            <a:extLst>
+              <a:ext uri="{FF2B5EF4-FFF2-40B4-BE49-F238E27FC236}">
+                <a16:creationId xmlns:a16="http://schemas.microsoft.com/office/drawing/2014/main" id="{65B3E460-9AAE-D170-2D27-45D43855F183}"/>
+              </a:ext>
+            </a:extLst>
+          </p:cNvPr>
+          <p:cNvCxnSpPr>
+            <a:cxnSpLocks/>
+          </p:cNvCxnSpPr>
+          <p:nvPr/>
+        </p:nvCxnSpPr>
+        <p:spPr>
+          <a:xfrm flipV="1">
+            <a:off x="2401556" y="2237170"/>
+            <a:ext cx="3338291" cy="19662"/>
+          </a:xfrm>
+          <a:prstGeom prst="line">
+            <a:avLst/>
+          </a:prstGeom>
+          <a:ln>
+            <a:solidFill>
+              <a:schemeClr val="tx1">
+                <a:lumMod val="95000"/>
+                <a:lumOff val="5000"/>
+              </a:schemeClr>
+            </a:solidFill>
+          </a:ln>
+        </p:spPr>
+        <p:style>
+          <a:lnRef idx="1">
+            <a:schemeClr val="accent1"/>
+          </a:lnRef>
+          <a:fillRef idx="0">
+            <a:schemeClr val="accent1"/>
+          </a:fillRef>
+          <a:effectRef idx="0">
+            <a:schemeClr val="accent1"/>
+          </a:effectRef>
+          <a:fontRef idx="minor">
+            <a:schemeClr val="tx1"/>
+          </a:fontRef>
+        </p:style>
+      </p:cxnSp>
+      <p:sp>
+        <p:nvSpPr>
+          <p:cNvPr id="5" name="TextBox 4">
+            <a:extLst>
+              <a:ext uri="{FF2B5EF4-FFF2-40B4-BE49-F238E27FC236}">
+                <a16:creationId xmlns:a16="http://schemas.microsoft.com/office/drawing/2014/main" id="{72E5852C-1F58-EF65-DE2E-1ADA3C721797}"/>
+              </a:ext>
+            </a:extLst>
+          </p:cNvPr>
+          <p:cNvSpPr txBox="1"/>
+          <p:nvPr/>
+        </p:nvSpPr>
+        <p:spPr>
+          <a:xfrm>
+            <a:off x="583216" y="1332637"/>
+            <a:ext cx="1373138" cy="369332"/>
+          </a:xfrm>
+          <a:prstGeom prst="rect">
+            <a:avLst/>
+          </a:prstGeom>
+          <a:noFill/>
+        </p:spPr>
+        <p:txBody>
+          <a:bodyPr wrap="square" rtlCol="0">
+            <a:spAutoFit/>
+          </a:bodyPr>
+          <a:lstStyle/>
+          <a:p>
+            <a:r>
+              <a:rPr lang="en-US" dirty="0"/>
+              <a:t>Client</a:t>
+            </a:r>
+            <a:endParaRPr lang="en-IN" dirty="0"/>
+          </a:p>
+        </p:txBody>
+      </p:sp>
+      <p:sp>
+        <p:nvSpPr>
+          <p:cNvPr id="6" name="TextBox 5">
+            <a:extLst>
+              <a:ext uri="{FF2B5EF4-FFF2-40B4-BE49-F238E27FC236}">
+                <a16:creationId xmlns:a16="http://schemas.microsoft.com/office/drawing/2014/main" id="{55BEC3AC-9BC8-82BE-2AD3-8A052A6E7622}"/>
+              </a:ext>
+            </a:extLst>
+          </p:cNvPr>
+          <p:cNvSpPr txBox="1"/>
+          <p:nvPr/>
+        </p:nvSpPr>
+        <p:spPr>
+          <a:xfrm>
+            <a:off x="2748168" y="1701969"/>
+            <a:ext cx="2613993" cy="369332"/>
+          </a:xfrm>
+          <a:prstGeom prst="rect">
+            <a:avLst/>
+          </a:prstGeom>
+          <a:noFill/>
+        </p:spPr>
+        <p:txBody>
+          <a:bodyPr wrap="square" rtlCol="0">
+            <a:spAutoFit/>
+          </a:bodyPr>
+          <a:lstStyle/>
+          <a:p>
+            <a:r>
+              <a:rPr lang="en-US" dirty="0" err="1"/>
+              <a:t>ITravelContext</a:t>
+            </a:r>
+            <a:endParaRPr lang="en-IN" dirty="0"/>
+          </a:p>
+        </p:txBody>
+      </p:sp>
+      <p:sp>
+        <p:nvSpPr>
+          <p:cNvPr id="7" name="TextBox 6">
+            <a:extLst>
+              <a:ext uri="{FF2B5EF4-FFF2-40B4-BE49-F238E27FC236}">
+                <a16:creationId xmlns:a16="http://schemas.microsoft.com/office/drawing/2014/main" id="{37F74894-DF9F-0233-2F63-8E7552008CA8}"/>
+              </a:ext>
+            </a:extLst>
+          </p:cNvPr>
+          <p:cNvSpPr txBox="1"/>
+          <p:nvPr/>
+        </p:nvSpPr>
+        <p:spPr>
+          <a:xfrm>
+            <a:off x="2401556" y="2321356"/>
+            <a:ext cx="3338291" cy="830997"/>
+          </a:xfrm>
+          <a:prstGeom prst="rect">
+            <a:avLst/>
+          </a:prstGeom>
+          <a:noFill/>
+        </p:spPr>
+        <p:txBody>
+          <a:bodyPr wrap="square" rtlCol="0">
+            <a:spAutoFit/>
+          </a:bodyPr>
+          <a:lstStyle/>
+          <a:p>
+            <a:r>
+              <a:rPr lang="en-IN" sz="1600" dirty="0">
+                <a:solidFill>
+                  <a:schemeClr val="tx1">
+                    <a:lumMod val="95000"/>
+                    <a:lumOff val="5000"/>
+                  </a:schemeClr>
+                </a:solidFill>
+              </a:rPr>
+              <a:t>void </a:t>
+            </a:r>
+            <a:r>
+              <a:rPr lang="en-IN" sz="1600" dirty="0" err="1">
+                <a:solidFill>
+                  <a:schemeClr val="tx1">
+                    <a:lumMod val="95000"/>
+                    <a:lumOff val="5000"/>
+                  </a:schemeClr>
+                </a:solidFill>
+              </a:rPr>
+              <a:t>SetTravelStartegy</a:t>
+            </a:r>
+            <a:r>
+              <a:rPr lang="en-IN" sz="1600" dirty="0">
+                <a:solidFill>
+                  <a:schemeClr val="tx1">
+                    <a:lumMod val="95000"/>
+                    <a:lumOff val="5000"/>
+                  </a:schemeClr>
+                </a:solidFill>
+              </a:rPr>
+              <a:t>(</a:t>
+            </a:r>
+            <a:r>
+              <a:rPr lang="en-IN" sz="1600" dirty="0" err="1">
+                <a:solidFill>
+                  <a:schemeClr val="tx1">
+                    <a:lumMod val="95000"/>
+                    <a:lumOff val="5000"/>
+                  </a:schemeClr>
+                </a:solidFill>
+              </a:rPr>
+              <a:t>ITravelStrategy</a:t>
+            </a:r>
+            <a:r>
+              <a:rPr lang="en-IN" sz="1600" dirty="0">
+                <a:solidFill>
+                  <a:schemeClr val="tx1">
+                    <a:lumMod val="95000"/>
+                    <a:lumOff val="5000"/>
+                  </a:schemeClr>
+                </a:solidFill>
+              </a:rPr>
+              <a:t> </a:t>
+            </a:r>
+            <a:r>
+              <a:rPr lang="en-IN" sz="1600" dirty="0" err="1">
+                <a:solidFill>
+                  <a:schemeClr val="tx1">
+                    <a:lumMod val="95000"/>
+                    <a:lumOff val="5000"/>
+                  </a:schemeClr>
+                </a:solidFill>
+              </a:rPr>
+              <a:t>travelStrategy</a:t>
+            </a:r>
+            <a:r>
+              <a:rPr lang="en-IN" sz="1600" dirty="0">
+                <a:solidFill>
+                  <a:schemeClr val="tx1">
+                    <a:lumMod val="95000"/>
+                    <a:lumOff val="5000"/>
+                  </a:schemeClr>
+                </a:solidFill>
+              </a:rPr>
+              <a:t>);</a:t>
+            </a:r>
+          </a:p>
+          <a:p>
+            <a:r>
+              <a:rPr lang="en-IN" sz="1600" dirty="0">
+                <a:solidFill>
+                  <a:schemeClr val="tx1">
+                    <a:lumMod val="95000"/>
+                    <a:lumOff val="5000"/>
+                  </a:schemeClr>
+                </a:solidFill>
+              </a:rPr>
+              <a:t>string </a:t>
+            </a:r>
+            <a:r>
+              <a:rPr lang="en-IN" sz="1600" dirty="0" err="1">
+                <a:solidFill>
+                  <a:schemeClr val="tx1">
+                    <a:lumMod val="95000"/>
+                    <a:lumOff val="5000"/>
+                  </a:schemeClr>
+                </a:solidFill>
+              </a:rPr>
+              <a:t>TravelToCollege</a:t>
+            </a:r>
+            <a:r>
+              <a:rPr lang="en-IN" sz="1600" dirty="0">
+                <a:solidFill>
+                  <a:schemeClr val="tx1">
+                    <a:lumMod val="95000"/>
+                    <a:lumOff val="5000"/>
+                  </a:schemeClr>
+                </a:solidFill>
+              </a:rPr>
+              <a:t>();</a:t>
+            </a:r>
+            <a:endParaRPr lang="en-US" sz="1600" dirty="0">
+              <a:solidFill>
+                <a:schemeClr val="tx1">
+                  <a:lumMod val="95000"/>
+                  <a:lumOff val="5000"/>
+                </a:schemeClr>
+              </a:solidFill>
+            </a:endParaRPr>
+          </a:p>
+        </p:txBody>
+      </p:sp>
+      <p:sp>
+        <p:nvSpPr>
+          <p:cNvPr id="8" name="Rectangle 7">
+            <a:extLst>
+              <a:ext uri="{FF2B5EF4-FFF2-40B4-BE49-F238E27FC236}">
+                <a16:creationId xmlns:a16="http://schemas.microsoft.com/office/drawing/2014/main" id="{9985CF84-2526-6C25-109B-A1E2C0048244}"/>
+              </a:ext>
+            </a:extLst>
+          </p:cNvPr>
+          <p:cNvSpPr/>
+          <p:nvPr/>
+        </p:nvSpPr>
+        <p:spPr>
+          <a:xfrm>
+            <a:off x="252248" y="1147106"/>
+            <a:ext cx="2051975" cy="765777"/>
+          </a:xfrm>
+          <a:prstGeom prst="rect">
+            <a:avLst/>
+          </a:prstGeom>
+          <a:noFill/>
+          <a:ln>
+            <a:solidFill>
+              <a:schemeClr val="bg2">
+                <a:lumMod val="10000"/>
+              </a:schemeClr>
+            </a:solidFill>
+          </a:ln>
+        </p:spPr>
+        <p:style>
+          <a:lnRef idx="2">
+            <a:schemeClr val="accent1">
+              <a:shade val="50000"/>
+            </a:schemeClr>
+          </a:lnRef>
+          <a:fillRef idx="1">
+            <a:schemeClr val="accent1"/>
+          </a:fillRef>
+          <a:effectRef idx="0">
+            <a:schemeClr val="accent1"/>
+          </a:effectRef>
+          <a:fontRef idx="minor">
+            <a:schemeClr val="lt1"/>
+          </a:fontRef>
+        </p:style>
+        <p:txBody>
+          <a:bodyPr rtlCol="0" anchor="ctr"/>
+          <a:lstStyle/>
+          <a:p>
+            <a:pPr algn="ctr"/>
+            <a:endParaRPr lang="en-IN"/>
+          </a:p>
+        </p:txBody>
+      </p:sp>
+      <p:sp>
+        <p:nvSpPr>
+          <p:cNvPr id="9" name="Rectangle 8">
+            <a:extLst>
+              <a:ext uri="{FF2B5EF4-FFF2-40B4-BE49-F238E27FC236}">
+                <a16:creationId xmlns:a16="http://schemas.microsoft.com/office/drawing/2014/main" id="{FA3EA33C-CC93-5A6D-38BF-E6207711E17A}"/>
+              </a:ext>
+            </a:extLst>
+          </p:cNvPr>
+          <p:cNvSpPr/>
+          <p:nvPr/>
+        </p:nvSpPr>
+        <p:spPr>
+          <a:xfrm>
+            <a:off x="2616789" y="4226570"/>
+            <a:ext cx="3653382" cy="1858921"/>
+          </a:xfrm>
+          <a:prstGeom prst="rect">
+            <a:avLst/>
+          </a:prstGeom>
+          <a:noFill/>
+          <a:ln>
+            <a:solidFill>
+              <a:schemeClr val="bg2">
+                <a:lumMod val="10000"/>
+              </a:schemeClr>
+            </a:solidFill>
+          </a:ln>
+        </p:spPr>
+        <p:style>
+          <a:lnRef idx="2">
+            <a:schemeClr val="accent1">
+              <a:shade val="50000"/>
+            </a:schemeClr>
+          </a:lnRef>
+          <a:fillRef idx="1">
+            <a:schemeClr val="accent1"/>
+          </a:fillRef>
+          <a:effectRef idx="0">
+            <a:schemeClr val="accent1"/>
+          </a:effectRef>
+          <a:fontRef idx="minor">
+            <a:schemeClr val="lt1"/>
+          </a:fontRef>
+        </p:style>
+        <p:txBody>
+          <a:bodyPr rtlCol="0" anchor="ctr"/>
+          <a:lstStyle/>
+          <a:p>
+            <a:pPr algn="ctr"/>
+            <a:endParaRPr lang="en-IN"/>
+          </a:p>
+        </p:txBody>
+      </p:sp>
+      <p:cxnSp>
+        <p:nvCxnSpPr>
+          <p:cNvPr id="10" name="Straight Connector 9">
+            <a:extLst>
+              <a:ext uri="{FF2B5EF4-FFF2-40B4-BE49-F238E27FC236}">
+                <a16:creationId xmlns:a16="http://schemas.microsoft.com/office/drawing/2014/main" id="{C2AF493B-A3D3-ABA8-3415-6CEB2B6B39FB}"/>
+              </a:ext>
+            </a:extLst>
+          </p:cNvPr>
+          <p:cNvCxnSpPr>
+            <a:cxnSpLocks/>
+          </p:cNvCxnSpPr>
+          <p:nvPr/>
+        </p:nvCxnSpPr>
+        <p:spPr>
+          <a:xfrm>
+            <a:off x="2616789" y="4883910"/>
+            <a:ext cx="2991679" cy="0"/>
+          </a:xfrm>
+          <a:prstGeom prst="line">
+            <a:avLst/>
+          </a:prstGeom>
+          <a:ln>
+            <a:solidFill>
+              <a:schemeClr val="tx1">
+                <a:lumMod val="95000"/>
+                <a:lumOff val="5000"/>
+              </a:schemeClr>
+            </a:solidFill>
+          </a:ln>
+        </p:spPr>
+        <p:style>
+          <a:lnRef idx="1">
+            <a:schemeClr val="accent1"/>
+          </a:lnRef>
+          <a:fillRef idx="0">
+            <a:schemeClr val="accent1"/>
+          </a:fillRef>
+          <a:effectRef idx="0">
+            <a:schemeClr val="accent1"/>
+          </a:effectRef>
+          <a:fontRef idx="minor">
+            <a:schemeClr val="tx1"/>
+          </a:fontRef>
+        </p:style>
+      </p:cxnSp>
+      <p:sp>
+        <p:nvSpPr>
+          <p:cNvPr id="11" name="TextBox 10">
+            <a:extLst>
+              <a:ext uri="{FF2B5EF4-FFF2-40B4-BE49-F238E27FC236}">
+                <a16:creationId xmlns:a16="http://schemas.microsoft.com/office/drawing/2014/main" id="{181966D9-9F7B-41F4-AA2A-EEEF8CEA7E06}"/>
+              </a:ext>
+            </a:extLst>
+          </p:cNvPr>
+          <p:cNvSpPr txBox="1"/>
+          <p:nvPr/>
+        </p:nvSpPr>
+        <p:spPr>
+          <a:xfrm>
+            <a:off x="2616789" y="4348709"/>
+            <a:ext cx="2613993" cy="369332"/>
+          </a:xfrm>
+          <a:prstGeom prst="rect">
+            <a:avLst/>
+          </a:prstGeom>
+          <a:noFill/>
+        </p:spPr>
+        <p:txBody>
+          <a:bodyPr wrap="square" rtlCol="0">
+            <a:spAutoFit/>
+          </a:bodyPr>
+          <a:lstStyle/>
+          <a:p>
+            <a:r>
+              <a:rPr lang="en-US" dirty="0" err="1"/>
+              <a:t>ITravelStrategy</a:t>
+            </a:r>
+            <a:endParaRPr lang="en-IN" dirty="0"/>
+          </a:p>
+        </p:txBody>
+      </p:sp>
+      <p:sp>
+        <p:nvSpPr>
+          <p:cNvPr id="12" name="TextBox 11">
+            <a:extLst>
+              <a:ext uri="{FF2B5EF4-FFF2-40B4-BE49-F238E27FC236}">
+                <a16:creationId xmlns:a16="http://schemas.microsoft.com/office/drawing/2014/main" id="{AE8C5707-84E7-5F7B-C038-1EDFEFC90250}"/>
+              </a:ext>
+            </a:extLst>
+          </p:cNvPr>
+          <p:cNvSpPr txBox="1"/>
+          <p:nvPr/>
+        </p:nvSpPr>
+        <p:spPr>
+          <a:xfrm>
+            <a:off x="2616789" y="5054594"/>
+            <a:ext cx="3211255" cy="369332"/>
+          </a:xfrm>
+          <a:prstGeom prst="rect">
+            <a:avLst/>
+          </a:prstGeom>
+          <a:noFill/>
+        </p:spPr>
+        <p:txBody>
+          <a:bodyPr wrap="square" rtlCol="0">
+            <a:spAutoFit/>
+          </a:bodyPr>
+          <a:lstStyle/>
+          <a:p>
+            <a:r>
+              <a:rPr lang="en-IN" sz="1800" dirty="0">
+                <a:solidFill>
+                  <a:schemeClr val="tx1">
+                    <a:lumMod val="95000"/>
+                    <a:lumOff val="5000"/>
+                  </a:schemeClr>
+                </a:solidFill>
+              </a:rPr>
+              <a:t>string </a:t>
+            </a:r>
+            <a:r>
+              <a:rPr lang="en-IN" sz="1800" dirty="0" err="1">
+                <a:solidFill>
+                  <a:schemeClr val="tx1">
+                    <a:lumMod val="95000"/>
+                    <a:lumOff val="5000"/>
+                  </a:schemeClr>
+                </a:solidFill>
+              </a:rPr>
+              <a:t>TravelToCollege</a:t>
+            </a:r>
+            <a:r>
+              <a:rPr lang="en-IN" sz="1800" dirty="0">
+                <a:solidFill>
+                  <a:schemeClr val="tx1">
+                    <a:lumMod val="95000"/>
+                    <a:lumOff val="5000"/>
+                  </a:schemeClr>
+                </a:solidFill>
+              </a:rPr>
+              <a:t>();</a:t>
+            </a:r>
+            <a:endParaRPr lang="en-US" dirty="0">
+              <a:solidFill>
+                <a:schemeClr val="tx1">
+                  <a:lumMod val="95000"/>
+                  <a:lumOff val="5000"/>
+                </a:schemeClr>
+              </a:solidFill>
+            </a:endParaRPr>
+          </a:p>
+        </p:txBody>
+      </p:sp>
+      <p:cxnSp>
+        <p:nvCxnSpPr>
+          <p:cNvPr id="13" name="Straight Arrow Connector 17">
+            <a:extLst>
+              <a:ext uri="{FF2B5EF4-FFF2-40B4-BE49-F238E27FC236}">
+                <a16:creationId xmlns:a16="http://schemas.microsoft.com/office/drawing/2014/main" id="{0C7B6316-526A-3EE8-445B-FDC0D22A5D0D}"/>
+              </a:ext>
+            </a:extLst>
+          </p:cNvPr>
+          <p:cNvCxnSpPr>
+            <a:cxnSpLocks/>
+            <a:stCxn id="3" idx="3"/>
+            <a:endCxn id="9" idx="0"/>
+          </p:cNvCxnSpPr>
+          <p:nvPr/>
+        </p:nvCxnSpPr>
+        <p:spPr>
+          <a:xfrm flipH="1">
+            <a:off x="4443480" y="2631078"/>
+            <a:ext cx="1296367" cy="1595492"/>
+          </a:xfrm>
+          <a:prstGeom prst="bentConnector4">
+            <a:avLst>
+              <a:gd name="adj1" fmla="val -17634"/>
+              <a:gd name="adj2" fmla="val 82944"/>
+            </a:avLst>
+          </a:prstGeom>
+          <a:ln>
+            <a:tailEnd type="triangle"/>
+          </a:ln>
+        </p:spPr>
+        <p:style>
+          <a:lnRef idx="1">
+            <a:schemeClr val="dk1"/>
+          </a:lnRef>
+          <a:fillRef idx="0">
+            <a:schemeClr val="dk1"/>
+          </a:fillRef>
+          <a:effectRef idx="0">
+            <a:schemeClr val="dk1"/>
+          </a:effectRef>
+          <a:fontRef idx="minor">
+            <a:schemeClr val="tx1"/>
+          </a:fontRef>
+        </p:style>
+      </p:cxnSp>
+      <p:sp>
+        <p:nvSpPr>
+          <p:cNvPr id="14" name="TextBox 13">
+            <a:extLst>
+              <a:ext uri="{FF2B5EF4-FFF2-40B4-BE49-F238E27FC236}">
+                <a16:creationId xmlns:a16="http://schemas.microsoft.com/office/drawing/2014/main" id="{0C5AE01F-464E-71D3-697A-77F40A94F056}"/>
+              </a:ext>
+            </a:extLst>
+          </p:cNvPr>
+          <p:cNvSpPr txBox="1"/>
+          <p:nvPr/>
+        </p:nvSpPr>
+        <p:spPr>
+          <a:xfrm>
+            <a:off x="7273050" y="802766"/>
+            <a:ext cx="1373138" cy="369332"/>
+          </a:xfrm>
+          <a:prstGeom prst="rect">
+            <a:avLst/>
+          </a:prstGeom>
+          <a:noFill/>
+        </p:spPr>
+        <p:txBody>
+          <a:bodyPr wrap="square" rtlCol="0">
+            <a:spAutoFit/>
+          </a:bodyPr>
+          <a:lstStyle/>
+          <a:p>
+            <a:r>
+              <a:rPr lang="en-US" dirty="0" err="1"/>
+              <a:t>BusStrategy</a:t>
+            </a:r>
+            <a:endParaRPr lang="en-IN" dirty="0"/>
+          </a:p>
+        </p:txBody>
+      </p:sp>
+      <p:sp>
+        <p:nvSpPr>
+          <p:cNvPr id="15" name="Rectangle 14">
+            <a:extLst>
+              <a:ext uri="{FF2B5EF4-FFF2-40B4-BE49-F238E27FC236}">
+                <a16:creationId xmlns:a16="http://schemas.microsoft.com/office/drawing/2014/main" id="{B4A369D3-3C23-81B6-5F7A-5DA14BF4C07D}"/>
+              </a:ext>
+            </a:extLst>
+          </p:cNvPr>
+          <p:cNvSpPr/>
+          <p:nvPr/>
+        </p:nvSpPr>
+        <p:spPr>
+          <a:xfrm>
+            <a:off x="6942082" y="617235"/>
+            <a:ext cx="2051975" cy="765777"/>
+          </a:xfrm>
+          <a:prstGeom prst="rect">
+            <a:avLst/>
+          </a:prstGeom>
+          <a:noFill/>
+          <a:ln>
+            <a:solidFill>
+              <a:schemeClr val="bg2">
+                <a:lumMod val="10000"/>
+              </a:schemeClr>
+            </a:solidFill>
+          </a:ln>
+        </p:spPr>
+        <p:style>
+          <a:lnRef idx="2">
+            <a:schemeClr val="accent1">
+              <a:shade val="50000"/>
+            </a:schemeClr>
+          </a:lnRef>
+          <a:fillRef idx="1">
+            <a:schemeClr val="accent1"/>
+          </a:fillRef>
+          <a:effectRef idx="0">
+            <a:schemeClr val="accent1"/>
+          </a:effectRef>
+          <a:fontRef idx="minor">
+            <a:schemeClr val="lt1"/>
+          </a:fontRef>
+        </p:style>
+        <p:txBody>
+          <a:bodyPr rtlCol="0" anchor="ctr"/>
+          <a:lstStyle/>
+          <a:p>
+            <a:pPr algn="ctr"/>
+            <a:endParaRPr lang="en-IN"/>
+          </a:p>
+        </p:txBody>
+      </p:sp>
+      <p:sp>
+        <p:nvSpPr>
+          <p:cNvPr id="16" name="TextBox 15">
+            <a:extLst>
+              <a:ext uri="{FF2B5EF4-FFF2-40B4-BE49-F238E27FC236}">
+                <a16:creationId xmlns:a16="http://schemas.microsoft.com/office/drawing/2014/main" id="{D9E5380A-3790-41EA-E2D4-ED09DA342162}"/>
+              </a:ext>
+            </a:extLst>
+          </p:cNvPr>
+          <p:cNvSpPr txBox="1"/>
+          <p:nvPr/>
+        </p:nvSpPr>
+        <p:spPr>
+          <a:xfrm>
+            <a:off x="6955483" y="2256832"/>
+            <a:ext cx="2051975" cy="369332"/>
+          </a:xfrm>
+          <a:prstGeom prst="rect">
+            <a:avLst/>
+          </a:prstGeom>
+          <a:noFill/>
+        </p:spPr>
+        <p:txBody>
+          <a:bodyPr wrap="square" rtlCol="0">
+            <a:spAutoFit/>
+          </a:bodyPr>
+          <a:lstStyle/>
+          <a:p>
+            <a:r>
+              <a:rPr lang="en-US" dirty="0" err="1"/>
+              <a:t>MetroTrainStrategy</a:t>
+            </a:r>
+            <a:endParaRPr lang="en-IN" dirty="0"/>
+          </a:p>
+        </p:txBody>
+      </p:sp>
+      <p:sp>
+        <p:nvSpPr>
+          <p:cNvPr id="17" name="Rectangle 16">
+            <a:extLst>
+              <a:ext uri="{FF2B5EF4-FFF2-40B4-BE49-F238E27FC236}">
+                <a16:creationId xmlns:a16="http://schemas.microsoft.com/office/drawing/2014/main" id="{CCB98DF0-B42A-6E0B-2A96-6505A875815C}"/>
+              </a:ext>
+            </a:extLst>
+          </p:cNvPr>
+          <p:cNvSpPr/>
+          <p:nvPr/>
+        </p:nvSpPr>
+        <p:spPr>
+          <a:xfrm>
+            <a:off x="6942082" y="2071301"/>
+            <a:ext cx="2051975" cy="765777"/>
+          </a:xfrm>
+          <a:prstGeom prst="rect">
+            <a:avLst/>
+          </a:prstGeom>
+          <a:noFill/>
+          <a:ln>
+            <a:solidFill>
+              <a:schemeClr val="bg2">
+                <a:lumMod val="10000"/>
+              </a:schemeClr>
+            </a:solidFill>
+          </a:ln>
+        </p:spPr>
+        <p:style>
+          <a:lnRef idx="2">
+            <a:schemeClr val="accent1">
+              <a:shade val="50000"/>
+            </a:schemeClr>
+          </a:lnRef>
+          <a:fillRef idx="1">
+            <a:schemeClr val="accent1"/>
+          </a:fillRef>
+          <a:effectRef idx="0">
+            <a:schemeClr val="accent1"/>
+          </a:effectRef>
+          <a:fontRef idx="minor">
+            <a:schemeClr val="lt1"/>
+          </a:fontRef>
+        </p:style>
+        <p:txBody>
+          <a:bodyPr rtlCol="0" anchor="ctr"/>
+          <a:lstStyle/>
+          <a:p>
+            <a:pPr algn="ctr"/>
+            <a:endParaRPr lang="en-IN"/>
+          </a:p>
+        </p:txBody>
+      </p:sp>
+      <p:cxnSp>
+        <p:nvCxnSpPr>
+          <p:cNvPr id="18" name="Straight Arrow Connector 17">
+            <a:extLst>
+              <a:ext uri="{FF2B5EF4-FFF2-40B4-BE49-F238E27FC236}">
+                <a16:creationId xmlns:a16="http://schemas.microsoft.com/office/drawing/2014/main" id="{F88C3840-719C-9FB2-F54C-4B29D97BB088}"/>
+              </a:ext>
+            </a:extLst>
+          </p:cNvPr>
+          <p:cNvCxnSpPr>
+            <a:cxnSpLocks/>
+            <a:stCxn id="9" idx="3"/>
+            <a:endCxn id="15" idx="1"/>
+          </p:cNvCxnSpPr>
+          <p:nvPr/>
+        </p:nvCxnSpPr>
+        <p:spPr>
+          <a:xfrm flipV="1">
+            <a:off x="6270171" y="1000124"/>
+            <a:ext cx="671911" cy="4155907"/>
+          </a:xfrm>
+          <a:prstGeom prst="bentConnector3">
+            <a:avLst>
+              <a:gd name="adj1" fmla="val 50000"/>
+            </a:avLst>
+          </a:prstGeom>
+          <a:ln>
+            <a:tailEnd type="triangle"/>
+          </a:ln>
+        </p:spPr>
+        <p:style>
+          <a:lnRef idx="1">
+            <a:schemeClr val="dk1"/>
+          </a:lnRef>
+          <a:fillRef idx="0">
+            <a:schemeClr val="dk1"/>
+          </a:fillRef>
+          <a:effectRef idx="0">
+            <a:schemeClr val="dk1"/>
+          </a:effectRef>
+          <a:fontRef idx="minor">
+            <a:schemeClr val="tx1"/>
+          </a:fontRef>
+        </p:style>
+      </p:cxnSp>
+      <p:cxnSp>
+        <p:nvCxnSpPr>
+          <p:cNvPr id="19" name="Straight Arrow Connector 17">
+            <a:extLst>
+              <a:ext uri="{FF2B5EF4-FFF2-40B4-BE49-F238E27FC236}">
+                <a16:creationId xmlns:a16="http://schemas.microsoft.com/office/drawing/2014/main" id="{2CC5B049-CC97-CA52-2E1B-4CDDDBFB90FC}"/>
+              </a:ext>
+            </a:extLst>
+          </p:cNvPr>
+          <p:cNvCxnSpPr>
+            <a:cxnSpLocks/>
+            <a:stCxn id="9" idx="3"/>
+            <a:endCxn id="17" idx="1"/>
+          </p:cNvCxnSpPr>
+          <p:nvPr/>
+        </p:nvCxnSpPr>
+        <p:spPr>
+          <a:xfrm flipV="1">
+            <a:off x="6270171" y="2454190"/>
+            <a:ext cx="671911" cy="2701841"/>
+          </a:xfrm>
+          <a:prstGeom prst="bentConnector3">
+            <a:avLst>
+              <a:gd name="adj1" fmla="val 50000"/>
+            </a:avLst>
+          </a:prstGeom>
+          <a:ln>
+            <a:tailEnd type="triangle"/>
+          </a:ln>
+        </p:spPr>
+        <p:style>
+          <a:lnRef idx="1">
+            <a:schemeClr val="dk1"/>
+          </a:lnRef>
+          <a:fillRef idx="0">
+            <a:schemeClr val="dk1"/>
+          </a:fillRef>
+          <a:effectRef idx="0">
+            <a:schemeClr val="dk1"/>
+          </a:effectRef>
+          <a:fontRef idx="minor">
+            <a:schemeClr val="tx1"/>
+          </a:fontRef>
+        </p:style>
+      </p:cxnSp>
+      <p:cxnSp>
+        <p:nvCxnSpPr>
+          <p:cNvPr id="20" name="Straight Arrow Connector 17">
+            <a:extLst>
+              <a:ext uri="{FF2B5EF4-FFF2-40B4-BE49-F238E27FC236}">
+                <a16:creationId xmlns:a16="http://schemas.microsoft.com/office/drawing/2014/main" id="{B1AFC1C3-4EE2-C261-D00F-889440E94B5E}"/>
+              </a:ext>
+            </a:extLst>
+          </p:cNvPr>
+          <p:cNvCxnSpPr>
+            <a:cxnSpLocks/>
+            <a:endCxn id="7" idx="1"/>
+          </p:cNvCxnSpPr>
+          <p:nvPr/>
+        </p:nvCxnSpPr>
+        <p:spPr>
+          <a:xfrm>
+            <a:off x="1278235" y="1912883"/>
+            <a:ext cx="1123321" cy="823972"/>
+          </a:xfrm>
+          <a:prstGeom prst="bentConnector3">
+            <a:avLst>
+              <a:gd name="adj1" fmla="val 50000"/>
+            </a:avLst>
+          </a:prstGeom>
+          <a:ln>
+            <a:tailEnd type="triangle"/>
+          </a:ln>
+        </p:spPr>
+        <p:style>
+          <a:lnRef idx="1">
+            <a:schemeClr val="dk1"/>
+          </a:lnRef>
+          <a:fillRef idx="0">
+            <a:schemeClr val="dk1"/>
+          </a:fillRef>
+          <a:effectRef idx="0">
+            <a:schemeClr val="dk1"/>
+          </a:effectRef>
+          <a:fontRef idx="minor">
+            <a:schemeClr val="tx1"/>
+          </a:fontRef>
+        </p:style>
+      </p:cxnSp>
+      <p:sp>
+        <p:nvSpPr>
+          <p:cNvPr id="35" name="TextBox 34">
+            <a:extLst>
+              <a:ext uri="{FF2B5EF4-FFF2-40B4-BE49-F238E27FC236}">
+                <a16:creationId xmlns:a16="http://schemas.microsoft.com/office/drawing/2014/main" id="{6701FEDD-B8D6-F7B1-9884-492A7B850956}"/>
+              </a:ext>
+            </a:extLst>
+          </p:cNvPr>
+          <p:cNvSpPr txBox="1"/>
+          <p:nvPr/>
+        </p:nvSpPr>
+        <p:spPr>
+          <a:xfrm>
+            <a:off x="7307542" y="3513540"/>
+            <a:ext cx="1605346" cy="369332"/>
+          </a:xfrm>
+          <a:prstGeom prst="rect">
+            <a:avLst/>
+          </a:prstGeom>
+          <a:noFill/>
+        </p:spPr>
+        <p:txBody>
+          <a:bodyPr wrap="square" rtlCol="0">
+            <a:spAutoFit/>
+          </a:bodyPr>
+          <a:lstStyle/>
+          <a:p>
+            <a:r>
+              <a:rPr lang="en-US" dirty="0" err="1"/>
+              <a:t>AutoStrategy</a:t>
+            </a:r>
+            <a:endParaRPr lang="en-IN" dirty="0"/>
+          </a:p>
+        </p:txBody>
+      </p:sp>
+      <p:sp>
+        <p:nvSpPr>
+          <p:cNvPr id="36" name="Rectangle 35">
+            <a:extLst>
+              <a:ext uri="{FF2B5EF4-FFF2-40B4-BE49-F238E27FC236}">
+                <a16:creationId xmlns:a16="http://schemas.microsoft.com/office/drawing/2014/main" id="{520E9B03-D05E-BAA2-CEFC-E5B6586F64D2}"/>
+              </a:ext>
+            </a:extLst>
+          </p:cNvPr>
+          <p:cNvSpPr/>
+          <p:nvPr/>
+        </p:nvSpPr>
+        <p:spPr>
+          <a:xfrm>
+            <a:off x="6976574" y="3328009"/>
+            <a:ext cx="2051975" cy="765777"/>
+          </a:xfrm>
+          <a:prstGeom prst="rect">
+            <a:avLst/>
+          </a:prstGeom>
+          <a:noFill/>
+          <a:ln>
+            <a:solidFill>
+              <a:schemeClr val="bg2">
+                <a:lumMod val="10000"/>
+              </a:schemeClr>
+            </a:solidFill>
+          </a:ln>
+        </p:spPr>
+        <p:style>
+          <a:lnRef idx="2">
+            <a:schemeClr val="accent1">
+              <a:shade val="50000"/>
+            </a:schemeClr>
+          </a:lnRef>
+          <a:fillRef idx="1">
+            <a:schemeClr val="accent1"/>
+          </a:fillRef>
+          <a:effectRef idx="0">
+            <a:schemeClr val="accent1"/>
+          </a:effectRef>
+          <a:fontRef idx="minor">
+            <a:schemeClr val="lt1"/>
+          </a:fontRef>
+        </p:style>
+        <p:txBody>
+          <a:bodyPr rtlCol="0" anchor="ctr"/>
+          <a:lstStyle/>
+          <a:p>
+            <a:pPr algn="ctr"/>
+            <a:endParaRPr lang="en-IN"/>
+          </a:p>
+        </p:txBody>
+      </p:sp>
+      <p:sp>
+        <p:nvSpPr>
+          <p:cNvPr id="37" name="TextBox 36">
+            <a:extLst>
+              <a:ext uri="{FF2B5EF4-FFF2-40B4-BE49-F238E27FC236}">
+                <a16:creationId xmlns:a16="http://schemas.microsoft.com/office/drawing/2014/main" id="{AF5B8F7A-DCAB-6BA4-11BD-E5265A679449}"/>
+              </a:ext>
+            </a:extLst>
+          </p:cNvPr>
+          <p:cNvSpPr txBox="1"/>
+          <p:nvPr/>
+        </p:nvSpPr>
+        <p:spPr>
+          <a:xfrm>
+            <a:off x="6989975" y="4967606"/>
+            <a:ext cx="2051975" cy="369332"/>
+          </a:xfrm>
+          <a:prstGeom prst="rect">
+            <a:avLst/>
+          </a:prstGeom>
+          <a:noFill/>
+        </p:spPr>
+        <p:txBody>
+          <a:bodyPr wrap="square" rtlCol="0">
+            <a:spAutoFit/>
+          </a:bodyPr>
+          <a:lstStyle/>
+          <a:p>
+            <a:r>
+              <a:rPr lang="en-US"/>
+              <a:t>CabStrategy</a:t>
+            </a:r>
+            <a:endParaRPr lang="en-IN" dirty="0"/>
+          </a:p>
+        </p:txBody>
+      </p:sp>
+      <p:sp>
+        <p:nvSpPr>
+          <p:cNvPr id="38" name="Rectangle 37">
+            <a:extLst>
+              <a:ext uri="{FF2B5EF4-FFF2-40B4-BE49-F238E27FC236}">
+                <a16:creationId xmlns:a16="http://schemas.microsoft.com/office/drawing/2014/main" id="{52FE1A19-7758-17EA-46EE-17246BC389B3}"/>
+              </a:ext>
+            </a:extLst>
+          </p:cNvPr>
+          <p:cNvSpPr/>
+          <p:nvPr/>
+        </p:nvSpPr>
+        <p:spPr>
+          <a:xfrm>
+            <a:off x="6976574" y="4782075"/>
+            <a:ext cx="2051975" cy="765777"/>
+          </a:xfrm>
+          <a:prstGeom prst="rect">
+            <a:avLst/>
+          </a:prstGeom>
+          <a:noFill/>
+          <a:ln>
+            <a:solidFill>
+              <a:schemeClr val="bg2">
+                <a:lumMod val="10000"/>
+              </a:schemeClr>
+            </a:solidFill>
+          </a:ln>
+        </p:spPr>
+        <p:style>
+          <a:lnRef idx="2">
+            <a:schemeClr val="accent1">
+              <a:shade val="50000"/>
+            </a:schemeClr>
+          </a:lnRef>
+          <a:fillRef idx="1">
+            <a:schemeClr val="accent1"/>
+          </a:fillRef>
+          <a:effectRef idx="0">
+            <a:schemeClr val="accent1"/>
+          </a:effectRef>
+          <a:fontRef idx="minor">
+            <a:schemeClr val="lt1"/>
+          </a:fontRef>
+        </p:style>
+        <p:txBody>
+          <a:bodyPr rtlCol="0" anchor="ctr"/>
+          <a:lstStyle/>
+          <a:p>
+            <a:pPr algn="ctr"/>
+            <a:endParaRPr lang="en-IN"/>
+          </a:p>
+        </p:txBody>
+      </p:sp>
+    </p:spTree>
+    <p:extLst>
+      <p:ext uri="{BB962C8B-B14F-4D97-AF65-F5344CB8AC3E}">
+        <p14:creationId xmlns:p14="http://schemas.microsoft.com/office/powerpoint/2010/main" val="3915814131"/>
       </p:ext>
     </p:extLst>
   </p:cSld>

--- a/UMLDiagrams.pptx
+++ b/UMLDiagrams.pptx
@@ -144,7 +144,7 @@
   <pc:docChgLst>
     <pc:chgData name="Manaswini Ray" userId="451f23f8-43b4-4daa-9511-0c9fb98bad1c" providerId="ADAL" clId="{034AA59E-D954-44E8-84AB-C770C7EA240B}"/>
     <pc:docChg chg="undo custSel addSld delSld modSld">
-      <pc:chgData name="Manaswini Ray" userId="451f23f8-43b4-4daa-9511-0c9fb98bad1c" providerId="ADAL" clId="{034AA59E-D954-44E8-84AB-C770C7EA240B}" dt="2023-09-13T10:45:29.047" v="1021" actId="20577"/>
+      <pc:chgData name="Manaswini Ray" userId="451f23f8-43b4-4daa-9511-0c9fb98bad1c" providerId="ADAL" clId="{034AA59E-D954-44E8-84AB-C770C7EA240B}" dt="2023-09-13T11:42:47.046" v="1099" actId="14100"/>
       <pc:docMkLst>
         <pc:docMk/>
       </pc:docMkLst>
@@ -729,13 +729,13 @@
         </pc:cxnChg>
       </pc:sldChg>
       <pc:sldChg chg="addSp delSp modSp new mod">
-        <pc:chgData name="Manaswini Ray" userId="451f23f8-43b4-4daa-9511-0c9fb98bad1c" providerId="ADAL" clId="{034AA59E-D954-44E8-84AB-C770C7EA240B}" dt="2023-09-12T15:35:18.016" v="812" actId="1076"/>
+        <pc:chgData name="Manaswini Ray" userId="451f23f8-43b4-4daa-9511-0c9fb98bad1c" providerId="ADAL" clId="{034AA59E-D954-44E8-84AB-C770C7EA240B}" dt="2023-09-13T11:30:15.768" v="1055" actId="20577"/>
         <pc:sldMkLst>
           <pc:docMk/>
           <pc:sldMk cId="192732721" sldId="357"/>
         </pc:sldMkLst>
         <pc:spChg chg="add mod">
-          <ac:chgData name="Manaswini Ray" userId="451f23f8-43b4-4daa-9511-0c9fb98bad1c" providerId="ADAL" clId="{034AA59E-D954-44E8-84AB-C770C7EA240B}" dt="2023-09-12T06:06:55.119" v="381" actId="20577"/>
+          <ac:chgData name="Manaswini Ray" userId="451f23f8-43b4-4daa-9511-0c9fb98bad1c" providerId="ADAL" clId="{034AA59E-D954-44E8-84AB-C770C7EA240B}" dt="2023-09-13T11:29:36.877" v="1034" actId="20577"/>
           <ac:spMkLst>
             <pc:docMk/>
             <pc:sldMk cId="192732721" sldId="357"/>
@@ -767,7 +767,7 @@
           </ac:spMkLst>
         </pc:spChg>
         <pc:spChg chg="add mod">
-          <ac:chgData name="Manaswini Ray" userId="451f23f8-43b4-4daa-9511-0c9fb98bad1c" providerId="ADAL" clId="{034AA59E-D954-44E8-84AB-C770C7EA240B}" dt="2023-09-12T06:08:59.025" v="500" actId="1076"/>
+          <ac:chgData name="Manaswini Ray" userId="451f23f8-43b4-4daa-9511-0c9fb98bad1c" providerId="ADAL" clId="{034AA59E-D954-44E8-84AB-C770C7EA240B}" dt="2023-09-13T11:30:05.780" v="1041" actId="20577"/>
           <ac:spMkLst>
             <pc:docMk/>
             <pc:sldMk cId="192732721" sldId="357"/>
@@ -831,7 +831,7 @@
           </ac:spMkLst>
         </pc:spChg>
         <pc:spChg chg="add mod">
-          <ac:chgData name="Manaswini Ray" userId="451f23f8-43b4-4daa-9511-0c9fb98bad1c" providerId="ADAL" clId="{034AA59E-D954-44E8-84AB-C770C7EA240B}" dt="2023-09-12T06:09:45.463" v="526"/>
+          <ac:chgData name="Manaswini Ray" userId="451f23f8-43b4-4daa-9511-0c9fb98bad1c" providerId="ADAL" clId="{034AA59E-D954-44E8-84AB-C770C7EA240B}" dt="2023-09-13T11:30:11.154" v="1048" actId="20577"/>
           <ac:spMkLst>
             <pc:docMk/>
             <pc:sldMk cId="192732721" sldId="357"/>
@@ -871,7 +871,7 @@
           </ac:spMkLst>
         </pc:spChg>
         <pc:spChg chg="add mod">
-          <ac:chgData name="Manaswini Ray" userId="451f23f8-43b4-4daa-9511-0c9fb98bad1c" providerId="ADAL" clId="{034AA59E-D954-44E8-84AB-C770C7EA240B}" dt="2023-09-12T06:09:59.970" v="529" actId="1076"/>
+          <ac:chgData name="Manaswini Ray" userId="451f23f8-43b4-4daa-9511-0c9fb98bad1c" providerId="ADAL" clId="{034AA59E-D954-44E8-84AB-C770C7EA240B}" dt="2023-09-13T11:30:15.768" v="1055" actId="20577"/>
           <ac:spMkLst>
             <pc:docMk/>
             <pc:sldMk cId="192732721" sldId="357"/>
@@ -1207,7 +1207,7 @@
         </pc:cxnChg>
       </pc:sldChg>
       <pc:sldChg chg="addSp delSp modSp new mod">
-        <pc:chgData name="Manaswini Ray" userId="451f23f8-43b4-4daa-9511-0c9fb98bad1c" providerId="ADAL" clId="{034AA59E-D954-44E8-84AB-C770C7EA240B}" dt="2023-09-12T15:37:46.288" v="872" actId="14100"/>
+        <pc:chgData name="Manaswini Ray" userId="451f23f8-43b4-4daa-9511-0c9fb98bad1c" providerId="ADAL" clId="{034AA59E-D954-44E8-84AB-C770C7EA240B}" dt="2023-09-13T11:38:21.450" v="1090" actId="20577"/>
         <pc:sldMkLst>
           <pc:docMk/>
           <pc:sldMk cId="276909994" sldId="359"/>
@@ -1237,7 +1237,7 @@
           </ac:spMkLst>
         </pc:spChg>
         <pc:spChg chg="add mod">
-          <ac:chgData name="Manaswini Ray" userId="451f23f8-43b4-4daa-9511-0c9fb98bad1c" providerId="ADAL" clId="{034AA59E-D954-44E8-84AB-C770C7EA240B}" dt="2023-09-12T14:19:44.856" v="748" actId="20577"/>
+          <ac:chgData name="Manaswini Ray" userId="451f23f8-43b4-4daa-9511-0c9fb98bad1c" providerId="ADAL" clId="{034AA59E-D954-44E8-84AB-C770C7EA240B}" dt="2023-09-13T11:38:21.450" v="1090" actId="20577"/>
           <ac:spMkLst>
             <pc:docMk/>
             <pc:sldMk cId="276909994" sldId="359"/>
@@ -1390,13 +1390,13 @@
         </pc:cxnChg>
       </pc:sldChg>
       <pc:sldChg chg="addSp modSp new mod">
-        <pc:chgData name="Manaswini Ray" userId="451f23f8-43b4-4daa-9511-0c9fb98bad1c" providerId="ADAL" clId="{034AA59E-D954-44E8-84AB-C770C7EA240B}" dt="2023-09-13T10:45:29.047" v="1021" actId="20577"/>
+        <pc:chgData name="Manaswini Ray" userId="451f23f8-43b4-4daa-9511-0c9fb98bad1c" providerId="ADAL" clId="{034AA59E-D954-44E8-84AB-C770C7EA240B}" dt="2023-09-13T11:42:47.046" v="1099" actId="14100"/>
         <pc:sldMkLst>
           <pc:docMk/>
           <pc:sldMk cId="3915814131" sldId="360"/>
         </pc:sldMkLst>
         <pc:spChg chg="add mod">
-          <ac:chgData name="Manaswini Ray" userId="451f23f8-43b4-4daa-9511-0c9fb98bad1c" providerId="ADAL" clId="{034AA59E-D954-44E8-84AB-C770C7EA240B}" dt="2023-09-13T10:41:07.993" v="896" actId="20577"/>
+          <ac:chgData name="Manaswini Ray" userId="451f23f8-43b4-4daa-9511-0c9fb98bad1c" providerId="ADAL" clId="{034AA59E-D954-44E8-84AB-C770C7EA240B}" dt="2023-09-13T11:40:51.101" v="1092" actId="20577"/>
           <ac:spMkLst>
             <pc:docMk/>
             <pc:sldMk cId="3915814131" sldId="360"/>
@@ -1548,7 +1548,7 @@
           </ac:cxnSpMkLst>
         </pc:cxnChg>
         <pc:cxnChg chg="add mod">
-          <ac:chgData name="Manaswini Ray" userId="451f23f8-43b4-4daa-9511-0c9fb98bad1c" providerId="ADAL" clId="{034AA59E-D954-44E8-84AB-C770C7EA240B}" dt="2023-09-13T10:43:11.894" v="940" actId="14100"/>
+          <ac:chgData name="Manaswini Ray" userId="451f23f8-43b4-4daa-9511-0c9fb98bad1c" providerId="ADAL" clId="{034AA59E-D954-44E8-84AB-C770C7EA240B}" dt="2023-09-13T11:42:14.545" v="1095" actId="14100"/>
           <ac:cxnSpMkLst>
             <pc:docMk/>
             <pc:sldMk cId="3915814131" sldId="360"/>
@@ -1564,7 +1564,7 @@
           </ac:cxnSpMkLst>
         </pc:cxnChg>
         <pc:cxnChg chg="add mod">
-          <ac:chgData name="Manaswini Ray" userId="451f23f8-43b4-4daa-9511-0c9fb98bad1c" providerId="ADAL" clId="{034AA59E-D954-44E8-84AB-C770C7EA240B}" dt="2023-09-13T10:44:21.567" v="947" actId="14100"/>
+          <ac:chgData name="Manaswini Ray" userId="451f23f8-43b4-4daa-9511-0c9fb98bad1c" providerId="ADAL" clId="{034AA59E-D954-44E8-84AB-C770C7EA240B}" dt="2023-09-13T11:42:47.046" v="1099" actId="14100"/>
           <ac:cxnSpMkLst>
             <pc:docMk/>
             <pc:sldMk cId="3915814131" sldId="360"/>
@@ -1577,6 +1577,14 @@
             <pc:docMk/>
             <pc:sldMk cId="3915814131" sldId="360"/>
             <ac:cxnSpMk id="20" creationId="{B1AFC1C3-4EE2-C261-D00F-889440E94B5E}"/>
+          </ac:cxnSpMkLst>
+        </pc:cxnChg>
+        <pc:cxnChg chg="add mod">
+          <ac:chgData name="Manaswini Ray" userId="451f23f8-43b4-4daa-9511-0c9fb98bad1c" providerId="ADAL" clId="{034AA59E-D954-44E8-84AB-C770C7EA240B}" dt="2023-09-13T11:42:37.019" v="1098" actId="693"/>
+          <ac:cxnSpMkLst>
+            <pc:docMk/>
+            <pc:sldMk cId="3915814131" sldId="360"/>
+            <ac:cxnSpMk id="25" creationId="{587EEBC2-886F-177E-CF33-4B488ADA4058}"/>
           </ac:cxnSpMkLst>
         </pc:cxnChg>
       </pc:sldChg>
@@ -4133,7 +4141,7 @@
           <a:p>
             <a:fld id="{DA65EFA3-2408-462E-A228-C020DF9C1D92}" type="datetimeFigureOut">
               <a:rPr lang="en-IN" smtClean="0"/>
-              <a:t>12-09-2023</a:t>
+              <a:t>13-09-2023</a:t>
             </a:fld>
             <a:endParaRPr lang="en-IN"/>
           </a:p>
@@ -4634,7 +4642,7 @@
           <a:p>
             <a:fld id="{DBA864D8-E328-4C18-B44D-9296865D5C31}" type="datetimeFigureOut">
               <a:rPr lang="en-IN" smtClean="0"/>
-              <a:t>12-09-2023</a:t>
+              <a:t>13-09-2023</a:t>
             </a:fld>
             <a:endParaRPr lang="en-IN"/>
           </a:p>
@@ -4834,7 +4842,7 @@
           <a:p>
             <a:fld id="{DBA864D8-E328-4C18-B44D-9296865D5C31}" type="datetimeFigureOut">
               <a:rPr lang="en-IN" smtClean="0"/>
-              <a:t>12-09-2023</a:t>
+              <a:t>13-09-2023</a:t>
             </a:fld>
             <a:endParaRPr lang="en-IN"/>
           </a:p>
@@ -5044,7 +5052,7 @@
           <a:p>
             <a:fld id="{DBA864D8-E328-4C18-B44D-9296865D5C31}" type="datetimeFigureOut">
               <a:rPr lang="en-IN" smtClean="0"/>
-              <a:t>12-09-2023</a:t>
+              <a:t>13-09-2023</a:t>
             </a:fld>
             <a:endParaRPr lang="en-IN"/>
           </a:p>
@@ -5311,7 +5319,7 @@
           <a:p>
             <a:fld id="{DBA864D8-E328-4C18-B44D-9296865D5C31}" type="datetimeFigureOut">
               <a:rPr lang="en-IN" smtClean="0"/>
-              <a:t>12-09-2023</a:t>
+              <a:t>13-09-2023</a:t>
             </a:fld>
             <a:endParaRPr lang="en-IN"/>
           </a:p>
@@ -5587,7 +5595,7 @@
           <a:p>
             <a:fld id="{DBA864D8-E328-4C18-B44D-9296865D5C31}" type="datetimeFigureOut">
               <a:rPr lang="en-IN" smtClean="0"/>
-              <a:t>12-09-2023</a:t>
+              <a:t>13-09-2023</a:t>
             </a:fld>
             <a:endParaRPr lang="en-IN"/>
           </a:p>
@@ -5855,7 +5863,7 @@
           <a:p>
             <a:fld id="{DBA864D8-E328-4C18-B44D-9296865D5C31}" type="datetimeFigureOut">
               <a:rPr lang="en-IN" smtClean="0"/>
-              <a:t>12-09-2023</a:t>
+              <a:t>13-09-2023</a:t>
             </a:fld>
             <a:endParaRPr lang="en-IN"/>
           </a:p>
@@ -6270,7 +6278,7 @@
           <a:p>
             <a:fld id="{DBA864D8-E328-4C18-B44D-9296865D5C31}" type="datetimeFigureOut">
               <a:rPr lang="en-IN" smtClean="0"/>
-              <a:t>12-09-2023</a:t>
+              <a:t>13-09-2023</a:t>
             </a:fld>
             <a:endParaRPr lang="en-IN"/>
           </a:p>
@@ -6412,7 +6420,7 @@
           <a:p>
             <a:fld id="{DBA864D8-E328-4C18-B44D-9296865D5C31}" type="datetimeFigureOut">
               <a:rPr lang="en-IN" smtClean="0"/>
-              <a:t>12-09-2023</a:t>
+              <a:t>13-09-2023</a:t>
             </a:fld>
             <a:endParaRPr lang="en-IN"/>
           </a:p>
@@ -6525,7 +6533,7 @@
           <a:p>
             <a:fld id="{DBA864D8-E328-4C18-B44D-9296865D5C31}" type="datetimeFigureOut">
               <a:rPr lang="en-IN" smtClean="0"/>
-              <a:t>12-09-2023</a:t>
+              <a:t>13-09-2023</a:t>
             </a:fld>
             <a:endParaRPr lang="en-IN"/>
           </a:p>
@@ -6838,7 +6846,7 @@
           <a:p>
             <a:fld id="{DBA864D8-E328-4C18-B44D-9296865D5C31}" type="datetimeFigureOut">
               <a:rPr lang="en-IN" smtClean="0"/>
-              <a:t>12-09-2023</a:t>
+              <a:t>13-09-2023</a:t>
             </a:fld>
             <a:endParaRPr lang="en-IN"/>
           </a:p>
@@ -7127,7 +7135,7 @@
           <a:p>
             <a:fld id="{DBA864D8-E328-4C18-B44D-9296865D5C31}" type="datetimeFigureOut">
               <a:rPr lang="en-IN" smtClean="0"/>
-              <a:t>12-09-2023</a:t>
+              <a:t>13-09-2023</a:t>
             </a:fld>
             <a:endParaRPr lang="en-IN"/>
           </a:p>
@@ -7370,7 +7378,7 @@
           <a:p>
             <a:fld id="{DBA864D8-E328-4C18-B44D-9296865D5C31}" type="datetimeFigureOut">
               <a:rPr lang="en-IN" smtClean="0"/>
-              <a:t>12-09-2023</a:t>
+              <a:t>13-09-2023</a:t>
             </a:fld>
             <a:endParaRPr lang="en-IN"/>
           </a:p>
@@ -12859,7 +12867,7 @@
                   <a:srgbClr val="000000"/>
                 </a:solidFill>
               </a:rPr>
-              <a:t>Template </a:t>
+              <a:t>Template Method </a:t>
             </a:r>
             <a:r>
               <a:rPr lang="en-IN" sz="2000" b="1" u="sng" dirty="0">
@@ -13111,7 +13119,7 @@
           <a:p>
             <a:r>
               <a:rPr lang="en-US" dirty="0" err="1"/>
-              <a:t>IsPayment</a:t>
+              <a:t>IsPaid</a:t>
             </a:r>
             <a:r>
               <a:rPr lang="en-US" dirty="0"/>
@@ -13464,7 +13472,7 @@
           <a:p>
             <a:r>
               <a:rPr lang="en-US" dirty="0" err="1"/>
-              <a:t>IsPayment</a:t>
+              <a:t>IsPaid</a:t>
             </a:r>
             <a:r>
               <a:rPr lang="en-US" dirty="0"/>
@@ -13678,7 +13686,7 @@
           <a:p>
             <a:r>
               <a:rPr lang="en-US" dirty="0" err="1"/>
-              <a:t>IsPayment</a:t>
+              <a:t>IsPaid</a:t>
             </a:r>
             <a:r>
               <a:rPr lang="en-US" dirty="0"/>
@@ -15082,7 +15090,7 @@
           <a:p>
             <a:r>
               <a:rPr lang="en-US" dirty="0" err="1"/>
-              <a:t>IYotuber</a:t>
+              <a:t>ISubscriptionService</a:t>
             </a:r>
             <a:endParaRPr lang="en-IN" dirty="0"/>
           </a:p>
@@ -15790,20 +15798,12 @@
           <a:lstStyle/>
           <a:p>
             <a:r>
-              <a:rPr lang="en-US" sz="2000" b="1" u="sng" dirty="0" err="1">
-                <a:solidFill>
-                  <a:srgbClr val="000000"/>
-                </a:solidFill>
-              </a:rPr>
-              <a:t>Startegy</a:t>
-            </a:r>
-            <a:r>
               <a:rPr lang="en-US" sz="2000" b="1" u="sng" dirty="0">
                 <a:solidFill>
                   <a:srgbClr val="000000"/>
                 </a:solidFill>
               </a:rPr>
-              <a:t> </a:t>
+              <a:t>Strategy </a:t>
             </a:r>
             <a:r>
               <a:rPr lang="en-IN" sz="2000" b="1" u="sng" dirty="0">
@@ -16413,20 +16413,18 @@
           </p:cNvPr>
           <p:cNvCxnSpPr>
             <a:cxnSpLocks/>
-            <a:stCxn id="3" idx="3"/>
-            <a:endCxn id="9" idx="0"/>
+            <a:stCxn id="38" idx="1"/>
           </p:cNvCxnSpPr>
           <p:nvPr/>
         </p:nvCxnSpPr>
         <p:spPr>
-          <a:xfrm flipH="1">
-            <a:off x="4443480" y="2631078"/>
-            <a:ext cx="1296367" cy="1595492"/>
-          </a:xfrm>
-          <a:prstGeom prst="bentConnector4">
+          <a:xfrm rot="10800000" flipV="1">
+            <a:off x="6283572" y="5164964"/>
+            <a:ext cx="693002" cy="382888"/>
+          </a:xfrm>
+          <a:prstGeom prst="bentConnector3">
             <a:avLst>
-              <a:gd name="adj1" fmla="val -17634"/>
-              <a:gd name="adj2" fmla="val 82944"/>
+              <a:gd name="adj1" fmla="val 50000"/>
             </a:avLst>
           </a:prstGeom>
           <a:ln>
@@ -16685,19 +16683,16 @@
           <p:cNvCxnSpPr>
             <a:cxnSpLocks/>
             <a:stCxn id="9" idx="3"/>
-            <a:endCxn id="17" idx="1"/>
           </p:cNvCxnSpPr>
           <p:nvPr/>
         </p:nvCxnSpPr>
         <p:spPr>
           <a:xfrm flipV="1">
-            <a:off x="6270171" y="2454190"/>
-            <a:ext cx="671911" cy="2701841"/>
-          </a:xfrm>
-          <a:prstGeom prst="bentConnector3">
-            <a:avLst>
-              <a:gd name="adj1" fmla="val 50000"/>
-            </a:avLst>
+            <a:off x="6270171" y="4348709"/>
+            <a:ext cx="93787" cy="807322"/>
+          </a:xfrm>
+          <a:prstGeom prst="bentConnector2">
+            <a:avLst/>
           </a:prstGeom>
           <a:ln>
             <a:tailEnd type="triangle"/>
@@ -16942,6 +16937,47 @@
           </a:p>
         </p:txBody>
       </p:sp>
+      <p:cxnSp>
+        <p:nvCxnSpPr>
+          <p:cNvPr id="25" name="Straight Connector 24">
+            <a:extLst>
+              <a:ext uri="{FF2B5EF4-FFF2-40B4-BE49-F238E27FC236}">
+                <a16:creationId xmlns:a16="http://schemas.microsoft.com/office/drawing/2014/main" id="{587EEBC2-886F-177E-CF33-4B488ADA4058}"/>
+              </a:ext>
+            </a:extLst>
+          </p:cNvPr>
+          <p:cNvCxnSpPr>
+            <a:stCxn id="3" idx="2"/>
+          </p:cNvCxnSpPr>
+          <p:nvPr/>
+        </p:nvCxnSpPr>
+        <p:spPr>
+          <a:xfrm>
+            <a:off x="4070702" y="3682326"/>
+            <a:ext cx="372778" cy="564160"/>
+          </a:xfrm>
+          <a:prstGeom prst="line">
+            <a:avLst/>
+          </a:prstGeom>
+          <a:ln>
+            <a:prstDash val="sysDash"/>
+          </a:ln>
+        </p:spPr>
+        <p:style>
+          <a:lnRef idx="1">
+            <a:schemeClr val="dk1"/>
+          </a:lnRef>
+          <a:fillRef idx="0">
+            <a:schemeClr val="dk1"/>
+          </a:fillRef>
+          <a:effectRef idx="0">
+            <a:schemeClr val="dk1"/>
+          </a:effectRef>
+          <a:fontRef idx="minor">
+            <a:schemeClr val="tx1"/>
+          </a:fontRef>
+        </p:style>
+      </p:cxnSp>
     </p:spTree>
     <p:extLst>
       <p:ext uri="{BB962C8B-B14F-4D97-AF65-F5344CB8AC3E}">

--- a/UMLDiagrams.pptx
+++ b/UMLDiagrams.pptx
@@ -5,7 +5,7 @@
     <p:sldMasterId id="2147483648" r:id="rId1"/>
   </p:sldMasterIdLst>
   <p:notesMasterIdLst>
-    <p:notesMasterId r:id="rId19"/>
+    <p:notesMasterId r:id="rId20"/>
   </p:notesMasterIdLst>
   <p:sldIdLst>
     <p:sldId id="256" r:id="rId2"/>
@@ -25,6 +25,7 @@
     <p:sldId id="358" r:id="rId16"/>
     <p:sldId id="359" r:id="rId17"/>
     <p:sldId id="360" r:id="rId18"/>
+    <p:sldId id="361" r:id="rId19"/>
   </p:sldIdLst>
   <p:sldSz cx="12192000" cy="6858000"/>
   <p:notesSz cx="6858000" cy="9144000"/>
@@ -134,7 +135,7 @@
 <file path=ppt/revisionInfo.xml><?xml version="1.0" encoding="utf-8"?>
 <p1510:revInfo xmlns:a="http://schemas.openxmlformats.org/drawingml/2006/main" xmlns:r="http://schemas.openxmlformats.org/officeDocument/2006/relationships" xmlns:p1510="http://schemas.microsoft.com/office/powerpoint/2015/10/main">
   <p1510:revLst>
-    <p1510:client id="{034AA59E-D954-44E8-84AB-C770C7EA240B}" v="37" dt="2023-09-13T10:45:01.163"/>
+    <p1510:client id="{034AA59E-D954-44E8-84AB-C770C7EA240B}" v="57" dt="2023-09-14T08:34:20.520"/>
   </p1510:revLst>
 </p1510:revInfo>
 </file>
@@ -144,7 +145,7 @@
   <pc:docChgLst>
     <pc:chgData name="Manaswini Ray" userId="451f23f8-43b4-4daa-9511-0c9fb98bad1c" providerId="ADAL" clId="{034AA59E-D954-44E8-84AB-C770C7EA240B}"/>
     <pc:docChg chg="undo custSel addSld delSld modSld">
-      <pc:chgData name="Manaswini Ray" userId="451f23f8-43b4-4daa-9511-0c9fb98bad1c" providerId="ADAL" clId="{034AA59E-D954-44E8-84AB-C770C7EA240B}" dt="2023-09-13T11:42:47.046" v="1099" actId="14100"/>
+      <pc:chgData name="Manaswini Ray" userId="451f23f8-43b4-4daa-9511-0c9fb98bad1c" providerId="ADAL" clId="{034AA59E-D954-44E8-84AB-C770C7EA240B}" dt="2023-09-14T08:37:23.762" v="1509" actId="478"/>
       <pc:docMkLst>
         <pc:docMk/>
       </pc:docMkLst>
@@ -1206,14 +1207,14 @@
           </ac:cxnSpMkLst>
         </pc:cxnChg>
       </pc:sldChg>
-      <pc:sldChg chg="addSp delSp modSp new mod">
-        <pc:chgData name="Manaswini Ray" userId="451f23f8-43b4-4daa-9511-0c9fb98bad1c" providerId="ADAL" clId="{034AA59E-D954-44E8-84AB-C770C7EA240B}" dt="2023-09-13T11:38:21.450" v="1090" actId="20577"/>
+      <pc:sldChg chg="addSp delSp modSp new mod modAnim">
+        <pc:chgData name="Manaswini Ray" userId="451f23f8-43b4-4daa-9511-0c9fb98bad1c" providerId="ADAL" clId="{034AA59E-D954-44E8-84AB-C770C7EA240B}" dt="2023-09-14T08:20:33.278" v="1178" actId="14100"/>
         <pc:sldMkLst>
           <pc:docMk/>
           <pc:sldMk cId="276909994" sldId="359"/>
         </pc:sldMkLst>
         <pc:spChg chg="add mod">
-          <ac:chgData name="Manaswini Ray" userId="451f23f8-43b4-4daa-9511-0c9fb98bad1c" providerId="ADAL" clId="{034AA59E-D954-44E8-84AB-C770C7EA240B}" dt="2023-09-12T14:19:17.129" v="739" actId="20577"/>
+          <ac:chgData name="Manaswini Ray" userId="451f23f8-43b4-4daa-9511-0c9fb98bad1c" providerId="ADAL" clId="{034AA59E-D954-44E8-84AB-C770C7EA240B}" dt="2023-09-14T08:17:45.638" v="1150" actId="1076"/>
           <ac:spMkLst>
             <pc:docMk/>
             <pc:sldMk cId="276909994" sldId="359"/>
@@ -1237,7 +1238,7 @@
           </ac:spMkLst>
         </pc:spChg>
         <pc:spChg chg="add mod">
-          <ac:chgData name="Manaswini Ray" userId="451f23f8-43b4-4daa-9511-0c9fb98bad1c" providerId="ADAL" clId="{034AA59E-D954-44E8-84AB-C770C7EA240B}" dt="2023-09-13T11:38:21.450" v="1090" actId="20577"/>
+          <ac:chgData name="Manaswini Ray" userId="451f23f8-43b4-4daa-9511-0c9fb98bad1c" providerId="ADAL" clId="{034AA59E-D954-44E8-84AB-C770C7EA240B}" dt="2023-09-14T08:18:26.039" v="1159" actId="20577"/>
           <ac:spMkLst>
             <pc:docMk/>
             <pc:sldMk cId="276909994" sldId="359"/>
@@ -1245,7 +1246,7 @@
           </ac:spMkLst>
         </pc:spChg>
         <pc:spChg chg="add mod">
-          <ac:chgData name="Manaswini Ray" userId="451f23f8-43b4-4daa-9511-0c9fb98bad1c" providerId="ADAL" clId="{034AA59E-D954-44E8-84AB-C770C7EA240B}" dt="2023-09-12T15:37:36.717" v="871" actId="14100"/>
+          <ac:chgData name="Manaswini Ray" userId="451f23f8-43b4-4daa-9511-0c9fb98bad1c" providerId="ADAL" clId="{034AA59E-D954-44E8-84AB-C770C7EA240B}" dt="2023-09-14T08:16:28.739" v="1149" actId="20577"/>
           <ac:spMkLst>
             <pc:docMk/>
             <pc:sldMk cId="276909994" sldId="359"/>
@@ -1261,7 +1262,15 @@
           </ac:spMkLst>
         </pc:spChg>
         <pc:spChg chg="add mod">
-          <ac:chgData name="Manaswini Ray" userId="451f23f8-43b4-4daa-9511-0c9fb98bad1c" providerId="ADAL" clId="{034AA59E-D954-44E8-84AB-C770C7EA240B}" dt="2023-09-12T14:23:50.517" v="792" actId="1076"/>
+          <ac:chgData name="Manaswini Ray" userId="451f23f8-43b4-4daa-9511-0c9fb98bad1c" providerId="ADAL" clId="{034AA59E-D954-44E8-84AB-C770C7EA240B}" dt="2023-09-14T08:18:20.079" v="1157" actId="1076"/>
+          <ac:spMkLst>
+            <pc:docMk/>
+            <pc:sldMk cId="276909994" sldId="359"/>
+            <ac:spMk id="10" creationId="{215C6DBD-A46E-824E-5C24-E2D138CDA99A}"/>
+          </ac:spMkLst>
+        </pc:spChg>
+        <pc:spChg chg="add mod">
+          <ac:chgData name="Manaswini Ray" userId="451f23f8-43b4-4daa-9511-0c9fb98bad1c" providerId="ADAL" clId="{034AA59E-D954-44E8-84AB-C770C7EA240B}" dt="2023-09-14T08:19:12.518" v="1165" actId="14100"/>
           <ac:spMkLst>
             <pc:docMk/>
             <pc:sldMk cId="276909994" sldId="359"/>
@@ -1269,7 +1278,7 @@
           </ac:spMkLst>
         </pc:spChg>
         <pc:spChg chg="add mod">
-          <ac:chgData name="Manaswini Ray" userId="451f23f8-43b4-4daa-9511-0c9fb98bad1c" providerId="ADAL" clId="{034AA59E-D954-44E8-84AB-C770C7EA240B}" dt="2023-09-12T14:23:55.720" v="803" actId="20577"/>
+          <ac:chgData name="Manaswini Ray" userId="451f23f8-43b4-4daa-9511-0c9fb98bad1c" providerId="ADAL" clId="{034AA59E-D954-44E8-84AB-C770C7EA240B}" dt="2023-09-14T08:19:12.518" v="1165" actId="14100"/>
           <ac:spMkLst>
             <pc:docMk/>
             <pc:sldMk cId="276909994" sldId="359"/>
@@ -1277,7 +1286,7 @@
           </ac:spMkLst>
         </pc:spChg>
         <pc:spChg chg="add mod">
-          <ac:chgData name="Manaswini Ray" userId="451f23f8-43b4-4daa-9511-0c9fb98bad1c" providerId="ADAL" clId="{034AA59E-D954-44E8-84AB-C770C7EA240B}" dt="2023-09-12T14:24:12.307" v="811" actId="1076"/>
+          <ac:chgData name="Manaswini Ray" userId="451f23f8-43b4-4daa-9511-0c9fb98bad1c" providerId="ADAL" clId="{034AA59E-D954-44E8-84AB-C770C7EA240B}" dt="2023-09-14T08:19:12.518" v="1165" actId="14100"/>
           <ac:spMkLst>
             <pc:docMk/>
             <pc:sldMk cId="276909994" sldId="359"/>
@@ -1285,7 +1294,23 @@
           </ac:spMkLst>
         </pc:spChg>
         <pc:spChg chg="add mod">
-          <ac:chgData name="Manaswini Ray" userId="451f23f8-43b4-4daa-9511-0c9fb98bad1c" providerId="ADAL" clId="{034AA59E-D954-44E8-84AB-C770C7EA240B}" dt="2023-09-12T15:36:11.413" v="833" actId="20577"/>
+          <ac:chgData name="Manaswini Ray" userId="451f23f8-43b4-4daa-9511-0c9fb98bad1c" providerId="ADAL" clId="{034AA59E-D954-44E8-84AB-C770C7EA240B}" dt="2023-09-14T08:18:28.677" v="1160" actId="20577"/>
+          <ac:spMkLst>
+            <pc:docMk/>
+            <pc:sldMk cId="276909994" sldId="359"/>
+            <ac:spMk id="17" creationId="{5DB790A3-AE86-4C80-32DB-13580550326B}"/>
+          </ac:spMkLst>
+        </pc:spChg>
+        <pc:spChg chg="add mod">
+          <ac:chgData name="Manaswini Ray" userId="451f23f8-43b4-4daa-9511-0c9fb98bad1c" providerId="ADAL" clId="{034AA59E-D954-44E8-84AB-C770C7EA240B}" dt="2023-09-14T08:18:20.079" v="1157" actId="1076"/>
+          <ac:spMkLst>
+            <pc:docMk/>
+            <pc:sldMk cId="276909994" sldId="359"/>
+            <ac:spMk id="18" creationId="{1F67A92E-1470-B25E-FF5B-B1FB84847C2D}"/>
+          </ac:spMkLst>
+        </pc:spChg>
+        <pc:spChg chg="add mod">
+          <ac:chgData name="Manaswini Ray" userId="451f23f8-43b4-4daa-9511-0c9fb98bad1c" providerId="ADAL" clId="{034AA59E-D954-44E8-84AB-C770C7EA240B}" dt="2023-09-14T08:20:06.474" v="1175" actId="1076"/>
           <ac:spMkLst>
             <pc:docMk/>
             <pc:sldMk cId="276909994" sldId="359"/>
@@ -1293,7 +1318,7 @@
           </ac:spMkLst>
         </pc:spChg>
         <pc:spChg chg="add mod">
-          <ac:chgData name="Manaswini Ray" userId="451f23f8-43b4-4daa-9511-0c9fb98bad1c" providerId="ADAL" clId="{034AA59E-D954-44E8-84AB-C770C7EA240B}" dt="2023-09-12T15:36:00.760" v="818" actId="1076"/>
+          <ac:chgData name="Manaswini Ray" userId="451f23f8-43b4-4daa-9511-0c9fb98bad1c" providerId="ADAL" clId="{034AA59E-D954-44E8-84AB-C770C7EA240B}" dt="2023-09-14T08:20:06.474" v="1175" actId="1076"/>
           <ac:spMkLst>
             <pc:docMk/>
             <pc:sldMk cId="276909994" sldId="359"/>
@@ -1317,7 +1342,7 @@
           </ac:spMkLst>
         </pc:spChg>
         <pc:spChg chg="add mod">
-          <ac:chgData name="Manaswini Ray" userId="451f23f8-43b4-4daa-9511-0c9fb98bad1c" providerId="ADAL" clId="{034AA59E-D954-44E8-84AB-C770C7EA240B}" dt="2023-09-12T15:36:20.067" v="837" actId="20577"/>
+          <ac:chgData name="Manaswini Ray" userId="451f23f8-43b4-4daa-9511-0c9fb98bad1c" providerId="ADAL" clId="{034AA59E-D954-44E8-84AB-C770C7EA240B}" dt="2023-09-14T08:20:00.641" v="1174" actId="1076"/>
           <ac:spMkLst>
             <pc:docMk/>
             <pc:sldMk cId="276909994" sldId="359"/>
@@ -1325,11 +1350,35 @@
           </ac:spMkLst>
         </pc:spChg>
         <pc:spChg chg="add mod">
-          <ac:chgData name="Manaswini Ray" userId="451f23f8-43b4-4daa-9511-0c9fb98bad1c" providerId="ADAL" clId="{034AA59E-D954-44E8-84AB-C770C7EA240B}" dt="2023-09-12T15:36:17.613" v="835" actId="1076"/>
+          <ac:chgData name="Manaswini Ray" userId="451f23f8-43b4-4daa-9511-0c9fb98bad1c" providerId="ADAL" clId="{034AA59E-D954-44E8-84AB-C770C7EA240B}" dt="2023-09-14T08:20:00.641" v="1174" actId="1076"/>
           <ac:spMkLst>
             <pc:docMk/>
             <pc:sldMk cId="276909994" sldId="359"/>
             <ac:spMk id="24" creationId="{3A2769D0-A856-DABE-D473-E66083977391}"/>
+          </ac:spMkLst>
+        </pc:spChg>
+        <pc:spChg chg="add mod">
+          <ac:chgData name="Manaswini Ray" userId="451f23f8-43b4-4daa-9511-0c9fb98bad1c" providerId="ADAL" clId="{034AA59E-D954-44E8-84AB-C770C7EA240B}" dt="2023-09-14T08:19:21.486" v="1167" actId="1076"/>
+          <ac:spMkLst>
+            <pc:docMk/>
+            <pc:sldMk cId="276909994" sldId="359"/>
+            <ac:spMk id="30" creationId="{9A9846CB-1D6F-2030-1A61-4CA2DD06D351}"/>
+          </ac:spMkLst>
+        </pc:spChg>
+        <pc:spChg chg="add mod">
+          <ac:chgData name="Manaswini Ray" userId="451f23f8-43b4-4daa-9511-0c9fb98bad1c" providerId="ADAL" clId="{034AA59E-D954-44E8-84AB-C770C7EA240B}" dt="2023-09-14T08:19:25.493" v="1168" actId="20577"/>
+          <ac:spMkLst>
+            <pc:docMk/>
+            <pc:sldMk cId="276909994" sldId="359"/>
+            <ac:spMk id="33" creationId="{73633E00-F7D1-43E6-622F-277635BD038C}"/>
+          </ac:spMkLst>
+        </pc:spChg>
+        <pc:spChg chg="add mod">
+          <ac:chgData name="Manaswini Ray" userId="451f23f8-43b4-4daa-9511-0c9fb98bad1c" providerId="ADAL" clId="{034AA59E-D954-44E8-84AB-C770C7EA240B}" dt="2023-09-14T08:19:21.486" v="1167" actId="1076"/>
+          <ac:spMkLst>
+            <pc:docMk/>
+            <pc:sldMk cId="276909994" sldId="359"/>
+            <ac:spMk id="34" creationId="{D62B2384-2C4C-91E7-3634-158557A48A9A}"/>
           </ac:spMkLst>
         </pc:spChg>
         <pc:cxnChg chg="add mod">
@@ -1341,6 +1390,14 @@
           </ac:cxnSpMkLst>
         </pc:cxnChg>
         <pc:cxnChg chg="add del mod">
+          <ac:chgData name="Manaswini Ray" userId="451f23f8-43b4-4daa-9511-0c9fb98bad1c" providerId="ADAL" clId="{034AA59E-D954-44E8-84AB-C770C7EA240B}" dt="2023-09-14T08:18:12.188" v="1153"/>
+          <ac:cxnSpMkLst>
+            <pc:docMk/>
+            <pc:sldMk cId="276909994" sldId="359"/>
+            <ac:cxnSpMk id="8" creationId="{8BAE5EFA-D8E0-914F-713A-1797E8AD4F9C}"/>
+          </ac:cxnSpMkLst>
+        </pc:cxnChg>
+        <pc:cxnChg chg="add del mod">
           <ac:chgData name="Manaswini Ray" userId="451f23f8-43b4-4daa-9511-0c9fb98bad1c" providerId="ADAL" clId="{034AA59E-D954-44E8-84AB-C770C7EA240B}" dt="2023-09-12T14:23:42.512" v="790" actId="478"/>
           <ac:cxnSpMkLst>
             <pc:docMk/>
@@ -1349,7 +1406,7 @@
           </ac:cxnSpMkLst>
         </pc:cxnChg>
         <pc:cxnChg chg="add mod">
-          <ac:chgData name="Manaswini Ray" userId="451f23f8-43b4-4daa-9511-0c9fb98bad1c" providerId="ADAL" clId="{034AA59E-D954-44E8-84AB-C770C7EA240B}" dt="2023-09-12T14:23:50.517" v="792" actId="1076"/>
+          <ac:chgData name="Manaswini Ray" userId="451f23f8-43b4-4daa-9511-0c9fb98bad1c" providerId="ADAL" clId="{034AA59E-D954-44E8-84AB-C770C7EA240B}" dt="2023-09-14T08:19:12.518" v="1165" actId="14100"/>
           <ac:cxnSpMkLst>
             <pc:docMk/>
             <pc:sldMk cId="276909994" sldId="359"/>
@@ -1357,7 +1414,7 @@
           </ac:cxnSpMkLst>
         </pc:cxnChg>
         <pc:cxnChg chg="add mod">
-          <ac:chgData name="Manaswini Ray" userId="451f23f8-43b4-4daa-9511-0c9fb98bad1c" providerId="ADAL" clId="{034AA59E-D954-44E8-84AB-C770C7EA240B}" dt="2023-09-12T15:37:46.288" v="872" actId="14100"/>
+          <ac:chgData name="Manaswini Ray" userId="451f23f8-43b4-4daa-9511-0c9fb98bad1c" providerId="ADAL" clId="{034AA59E-D954-44E8-84AB-C770C7EA240B}" dt="2023-09-14T08:18:45.005" v="1161" actId="14100"/>
           <ac:cxnSpMkLst>
             <pc:docMk/>
             <pc:sldMk cId="276909994" sldId="359"/>
@@ -1365,7 +1422,15 @@
           </ac:cxnSpMkLst>
         </pc:cxnChg>
         <pc:cxnChg chg="add mod">
-          <ac:chgData name="Manaswini Ray" userId="451f23f8-43b4-4daa-9511-0c9fb98bad1c" providerId="ADAL" clId="{034AA59E-D954-44E8-84AB-C770C7EA240B}" dt="2023-09-12T15:37:46.288" v="872" actId="14100"/>
+          <ac:chgData name="Manaswini Ray" userId="451f23f8-43b4-4daa-9511-0c9fb98bad1c" providerId="ADAL" clId="{034AA59E-D954-44E8-84AB-C770C7EA240B}" dt="2023-09-14T08:18:20.079" v="1157" actId="1076"/>
+          <ac:cxnSpMkLst>
+            <pc:docMk/>
+            <pc:sldMk cId="276909994" sldId="359"/>
+            <ac:cxnSpMk id="16" creationId="{FDF77AFD-C0BD-365C-F36F-A16E591E1A5E}"/>
+          </ac:cxnSpMkLst>
+        </pc:cxnChg>
+        <pc:cxnChg chg="add mod">
+          <ac:chgData name="Manaswini Ray" userId="451f23f8-43b4-4daa-9511-0c9fb98bad1c" providerId="ADAL" clId="{034AA59E-D954-44E8-84AB-C770C7EA240B}" dt="2023-09-14T08:20:06.474" v="1175" actId="1076"/>
           <ac:cxnSpMkLst>
             <pc:docMk/>
             <pc:sldMk cId="276909994" sldId="359"/>
@@ -1373,7 +1438,7 @@
           </ac:cxnSpMkLst>
         </pc:cxnChg>
         <pc:cxnChg chg="add mod">
-          <ac:chgData name="Manaswini Ray" userId="451f23f8-43b4-4daa-9511-0c9fb98bad1c" providerId="ADAL" clId="{034AA59E-D954-44E8-84AB-C770C7EA240B}" dt="2023-09-12T15:37:46.288" v="872" actId="14100"/>
+          <ac:chgData name="Manaswini Ray" userId="451f23f8-43b4-4daa-9511-0c9fb98bad1c" providerId="ADAL" clId="{034AA59E-D954-44E8-84AB-C770C7EA240B}" dt="2023-09-14T08:20:00.641" v="1174" actId="1076"/>
           <ac:cxnSpMkLst>
             <pc:docMk/>
             <pc:sldMk cId="276909994" sldId="359"/>
@@ -1381,16 +1446,40 @@
           </ac:cxnSpMkLst>
         </pc:cxnChg>
         <pc:cxnChg chg="add mod">
-          <ac:chgData name="Manaswini Ray" userId="451f23f8-43b4-4daa-9511-0c9fb98bad1c" providerId="ADAL" clId="{034AA59E-D954-44E8-84AB-C770C7EA240B}" dt="2023-09-12T15:37:02.224" v="846" actId="14100"/>
+          <ac:chgData name="Manaswini Ray" userId="451f23f8-43b4-4daa-9511-0c9fb98bad1c" providerId="ADAL" clId="{034AA59E-D954-44E8-84AB-C770C7EA240B}" dt="2023-09-14T08:19:12.518" v="1165" actId="14100"/>
           <ac:cxnSpMkLst>
             <pc:docMk/>
             <pc:sldMk cId="276909994" sldId="359"/>
             <ac:cxnSpMk id="31" creationId="{D3614B25-D716-99F5-DAC4-7A29F4E53D25}"/>
           </ac:cxnSpMkLst>
         </pc:cxnChg>
+        <pc:cxnChg chg="add mod">
+          <ac:chgData name="Manaswini Ray" userId="451f23f8-43b4-4daa-9511-0c9fb98bad1c" providerId="ADAL" clId="{034AA59E-D954-44E8-84AB-C770C7EA240B}" dt="2023-09-14T08:19:21.486" v="1167" actId="1076"/>
+          <ac:cxnSpMkLst>
+            <pc:docMk/>
+            <pc:sldMk cId="276909994" sldId="359"/>
+            <ac:cxnSpMk id="32" creationId="{723C5735-09D7-950A-4EE5-7BFE29ADF369}"/>
+          </ac:cxnSpMkLst>
+        </pc:cxnChg>
+        <pc:cxnChg chg="add mod">
+          <ac:chgData name="Manaswini Ray" userId="451f23f8-43b4-4daa-9511-0c9fb98bad1c" providerId="ADAL" clId="{034AA59E-D954-44E8-84AB-C770C7EA240B}" dt="2023-09-14T08:19:40.694" v="1171" actId="14100"/>
+          <ac:cxnSpMkLst>
+            <pc:docMk/>
+            <pc:sldMk cId="276909994" sldId="359"/>
+            <ac:cxnSpMk id="35" creationId="{2FA60120-A5F7-8D28-69C1-E46EB81ED00D}"/>
+          </ac:cxnSpMkLst>
+        </pc:cxnChg>
+        <pc:cxnChg chg="add mod">
+          <ac:chgData name="Manaswini Ray" userId="451f23f8-43b4-4daa-9511-0c9fb98bad1c" providerId="ADAL" clId="{034AA59E-D954-44E8-84AB-C770C7EA240B}" dt="2023-09-14T08:20:33.278" v="1178" actId="14100"/>
+          <ac:cxnSpMkLst>
+            <pc:docMk/>
+            <pc:sldMk cId="276909994" sldId="359"/>
+            <ac:cxnSpMk id="42" creationId="{D47E7395-3FCB-5CF4-590F-8E7F90D9DA65}"/>
+          </ac:cxnSpMkLst>
+        </pc:cxnChg>
       </pc:sldChg>
-      <pc:sldChg chg="addSp modSp new mod">
-        <pc:chgData name="Manaswini Ray" userId="451f23f8-43b4-4daa-9511-0c9fb98bad1c" providerId="ADAL" clId="{034AA59E-D954-44E8-84AB-C770C7EA240B}" dt="2023-09-13T11:42:47.046" v="1099" actId="14100"/>
+      <pc:sldChg chg="addSp delSp modSp new mod modAnim">
+        <pc:chgData name="Manaswini Ray" userId="451f23f8-43b4-4daa-9511-0c9fb98bad1c" providerId="ADAL" clId="{034AA59E-D954-44E8-84AB-C770C7EA240B}" dt="2023-09-14T08:21:08.878" v="1180" actId="14100"/>
         <pc:sldMkLst>
           <pc:docMk/>
           <pc:sldMk cId="3915814131" sldId="360"/>
@@ -1444,7 +1533,7 @@
           </ac:spMkLst>
         </pc:spChg>
         <pc:spChg chg="add mod">
-          <ac:chgData name="Manaswini Ray" userId="451f23f8-43b4-4daa-9511-0c9fb98bad1c" providerId="ADAL" clId="{034AA59E-D954-44E8-84AB-C770C7EA240B}" dt="2023-09-13T10:41:56.898" v="920" actId="14100"/>
+          <ac:chgData name="Manaswini Ray" userId="451f23f8-43b4-4daa-9511-0c9fb98bad1c" providerId="ADAL" clId="{034AA59E-D954-44E8-84AB-C770C7EA240B}" dt="2023-09-14T08:14:04.781" v="1104" actId="1076"/>
           <ac:spMkLst>
             <pc:docMk/>
             <pc:sldMk cId="3915814131" sldId="360"/>
@@ -1452,7 +1541,7 @@
           </ac:spMkLst>
         </pc:spChg>
         <pc:spChg chg="add mod">
-          <ac:chgData name="Manaswini Ray" userId="451f23f8-43b4-4daa-9511-0c9fb98bad1c" providerId="ADAL" clId="{034AA59E-D954-44E8-84AB-C770C7EA240B}" dt="2023-09-13T10:41:30.703" v="917" actId="20577"/>
+          <ac:chgData name="Manaswini Ray" userId="451f23f8-43b4-4daa-9511-0c9fb98bad1c" providerId="ADAL" clId="{034AA59E-D954-44E8-84AB-C770C7EA240B}" dt="2023-09-14T08:14:04.781" v="1104" actId="1076"/>
           <ac:spMkLst>
             <pc:docMk/>
             <pc:sldMk cId="3915814131" sldId="360"/>
@@ -1460,7 +1549,7 @@
           </ac:spMkLst>
         </pc:spChg>
         <pc:spChg chg="add mod">
-          <ac:chgData name="Manaswini Ray" userId="451f23f8-43b4-4daa-9511-0c9fb98bad1c" providerId="ADAL" clId="{034AA59E-D954-44E8-84AB-C770C7EA240B}" dt="2023-09-13T10:43:38.737" v="944" actId="207"/>
+          <ac:chgData name="Manaswini Ray" userId="451f23f8-43b4-4daa-9511-0c9fb98bad1c" providerId="ADAL" clId="{034AA59E-D954-44E8-84AB-C770C7EA240B}" dt="2023-09-14T08:14:04.781" v="1104" actId="1076"/>
           <ac:spMkLst>
             <pc:docMk/>
             <pc:sldMk cId="3915814131" sldId="360"/>
@@ -1540,7 +1629,7 @@
           </ac:cxnSpMkLst>
         </pc:cxnChg>
         <pc:cxnChg chg="add mod">
-          <ac:chgData name="Manaswini Ray" userId="451f23f8-43b4-4daa-9511-0c9fb98bad1c" providerId="ADAL" clId="{034AA59E-D954-44E8-84AB-C770C7EA240B}" dt="2023-09-13T10:41:03.714" v="888"/>
+          <ac:chgData name="Manaswini Ray" userId="451f23f8-43b4-4daa-9511-0c9fb98bad1c" providerId="ADAL" clId="{034AA59E-D954-44E8-84AB-C770C7EA240B}" dt="2023-09-14T08:14:34.086" v="1107" actId="14100"/>
           <ac:cxnSpMkLst>
             <pc:docMk/>
             <pc:sldMk cId="3915814131" sldId="360"/>
@@ -1548,23 +1637,23 @@
           </ac:cxnSpMkLst>
         </pc:cxnChg>
         <pc:cxnChg chg="add mod">
-          <ac:chgData name="Manaswini Ray" userId="451f23f8-43b4-4daa-9511-0c9fb98bad1c" providerId="ADAL" clId="{034AA59E-D954-44E8-84AB-C770C7EA240B}" dt="2023-09-13T11:42:14.545" v="1095" actId="14100"/>
+          <ac:chgData name="Manaswini Ray" userId="451f23f8-43b4-4daa-9511-0c9fb98bad1c" providerId="ADAL" clId="{034AA59E-D954-44E8-84AB-C770C7EA240B}" dt="2023-09-14T08:21:08.878" v="1180" actId="14100"/>
           <ac:cxnSpMkLst>
             <pc:docMk/>
             <pc:sldMk cId="3915814131" sldId="360"/>
             <ac:cxnSpMk id="13" creationId="{0C7B6316-526A-3EE8-445B-FDC0D22A5D0D}"/>
           </ac:cxnSpMkLst>
         </pc:cxnChg>
-        <pc:cxnChg chg="add mod">
-          <ac:chgData name="Manaswini Ray" userId="451f23f8-43b4-4daa-9511-0c9fb98bad1c" providerId="ADAL" clId="{034AA59E-D954-44E8-84AB-C770C7EA240B}" dt="2023-09-13T10:44:27.478" v="948" actId="14100"/>
+        <pc:cxnChg chg="add del mod">
+          <ac:chgData name="Manaswini Ray" userId="451f23f8-43b4-4daa-9511-0c9fb98bad1c" providerId="ADAL" clId="{034AA59E-D954-44E8-84AB-C770C7EA240B}" dt="2023-09-14T08:13:41.697" v="1100" actId="478"/>
           <ac:cxnSpMkLst>
             <pc:docMk/>
             <pc:sldMk cId="3915814131" sldId="360"/>
             <ac:cxnSpMk id="18" creationId="{F88C3840-719C-9FB2-F54C-4B29D97BB088}"/>
           </ac:cxnSpMkLst>
         </pc:cxnChg>
-        <pc:cxnChg chg="add mod">
-          <ac:chgData name="Manaswini Ray" userId="451f23f8-43b4-4daa-9511-0c9fb98bad1c" providerId="ADAL" clId="{034AA59E-D954-44E8-84AB-C770C7EA240B}" dt="2023-09-13T11:42:47.046" v="1099" actId="14100"/>
+        <pc:cxnChg chg="add del mod">
+          <ac:chgData name="Manaswini Ray" userId="451f23f8-43b4-4daa-9511-0c9fb98bad1c" providerId="ADAL" clId="{034AA59E-D954-44E8-84AB-C770C7EA240B}" dt="2023-09-14T08:13:43.721" v="1101" actId="478"/>
           <ac:cxnSpMkLst>
             <pc:docMk/>
             <pc:sldMk cId="3915814131" sldId="360"/>
@@ -1580,11 +1669,306 @@
           </ac:cxnSpMkLst>
         </pc:cxnChg>
         <pc:cxnChg chg="add mod">
-          <ac:chgData name="Manaswini Ray" userId="451f23f8-43b4-4daa-9511-0c9fb98bad1c" providerId="ADAL" clId="{034AA59E-D954-44E8-84AB-C770C7EA240B}" dt="2023-09-13T11:42:37.019" v="1098" actId="693"/>
+          <ac:chgData name="Manaswini Ray" userId="451f23f8-43b4-4daa-9511-0c9fb98bad1c" providerId="ADAL" clId="{034AA59E-D954-44E8-84AB-C770C7EA240B}" dt="2023-09-14T08:15:38.838" v="1120" actId="14100"/>
+          <ac:cxnSpMkLst>
+            <pc:docMk/>
+            <pc:sldMk cId="3915814131" sldId="360"/>
+            <ac:cxnSpMk id="21" creationId="{F9F9F70D-0793-ECDA-FCF0-11C059ACFDDE}"/>
+          </ac:cxnSpMkLst>
+        </pc:cxnChg>
+        <pc:cxnChg chg="add mod">
+          <ac:chgData name="Manaswini Ray" userId="451f23f8-43b4-4daa-9511-0c9fb98bad1c" providerId="ADAL" clId="{034AA59E-D954-44E8-84AB-C770C7EA240B}" dt="2023-09-14T08:14:27.542" v="1106" actId="693"/>
           <ac:cxnSpMkLst>
             <pc:docMk/>
             <pc:sldMk cId="3915814131" sldId="360"/>
             <ac:cxnSpMk id="25" creationId="{587EEBC2-886F-177E-CF33-4B488ADA4058}"/>
+          </ac:cxnSpMkLst>
+        </pc:cxnChg>
+        <pc:cxnChg chg="add mod">
+          <ac:chgData name="Manaswini Ray" userId="451f23f8-43b4-4daa-9511-0c9fb98bad1c" providerId="ADAL" clId="{034AA59E-D954-44E8-84AB-C770C7EA240B}" dt="2023-09-14T08:15:25.776" v="1116" actId="14100"/>
+          <ac:cxnSpMkLst>
+            <pc:docMk/>
+            <pc:sldMk cId="3915814131" sldId="360"/>
+            <ac:cxnSpMk id="30" creationId="{60DEA466-A7E7-DD70-1726-1292A8E2EEEE}"/>
+          </ac:cxnSpMkLst>
+        </pc:cxnChg>
+        <pc:cxnChg chg="add mod">
+          <ac:chgData name="Manaswini Ray" userId="451f23f8-43b4-4daa-9511-0c9fb98bad1c" providerId="ADAL" clId="{034AA59E-D954-44E8-84AB-C770C7EA240B}" dt="2023-09-14T08:15:34.396" v="1119" actId="14100"/>
+          <ac:cxnSpMkLst>
+            <pc:docMk/>
+            <pc:sldMk cId="3915814131" sldId="360"/>
+            <ac:cxnSpMk id="33" creationId="{AEF33027-B297-5AF4-AB8C-2A069A146E89}"/>
+          </ac:cxnSpMkLst>
+        </pc:cxnChg>
+      </pc:sldChg>
+      <pc:sldChg chg="addSp delSp modSp new mod">
+        <pc:chgData name="Manaswini Ray" userId="451f23f8-43b4-4daa-9511-0c9fb98bad1c" providerId="ADAL" clId="{034AA59E-D954-44E8-84AB-C770C7EA240B}" dt="2023-09-14T08:37:23.762" v="1509" actId="478"/>
+        <pc:sldMkLst>
+          <pc:docMk/>
+          <pc:sldMk cId="3697082059" sldId="361"/>
+        </pc:sldMkLst>
+        <pc:spChg chg="add mod">
+          <ac:chgData name="Manaswini Ray" userId="451f23f8-43b4-4daa-9511-0c9fb98bad1c" providerId="ADAL" clId="{034AA59E-D954-44E8-84AB-C770C7EA240B}" dt="2023-09-14T08:30:31.759" v="1453" actId="1076"/>
+          <ac:spMkLst>
+            <pc:docMk/>
+            <pc:sldMk cId="3697082059" sldId="361"/>
+            <ac:spMk id="2" creationId="{92DD9186-C38E-D691-9415-82963B85AF0B}"/>
+          </ac:spMkLst>
+        </pc:spChg>
+        <pc:spChg chg="add del mod">
+          <ac:chgData name="Manaswini Ray" userId="451f23f8-43b4-4daa-9511-0c9fb98bad1c" providerId="ADAL" clId="{034AA59E-D954-44E8-84AB-C770C7EA240B}" dt="2023-09-14T08:37:23.762" v="1509" actId="478"/>
+          <ac:spMkLst>
+            <pc:docMk/>
+            <pc:sldMk cId="3697082059" sldId="361"/>
+            <ac:spMk id="4" creationId="{5257BE4D-8ABD-2FA2-EC57-25F96543E567}"/>
+          </ac:spMkLst>
+        </pc:spChg>
+        <pc:spChg chg="add mod">
+          <ac:chgData name="Manaswini Ray" userId="451f23f8-43b4-4daa-9511-0c9fb98bad1c" providerId="ADAL" clId="{034AA59E-D954-44E8-84AB-C770C7EA240B}" dt="2023-09-14T08:30:31.759" v="1453" actId="1076"/>
+          <ac:spMkLst>
+            <pc:docMk/>
+            <pc:sldMk cId="3697082059" sldId="361"/>
+            <ac:spMk id="5" creationId="{EC3B596C-2EB1-B5F2-8D41-B11B4C91653B}"/>
+          </ac:spMkLst>
+        </pc:spChg>
+        <pc:spChg chg="add mod">
+          <ac:chgData name="Manaswini Ray" userId="451f23f8-43b4-4daa-9511-0c9fb98bad1c" providerId="ADAL" clId="{034AA59E-D954-44E8-84AB-C770C7EA240B}" dt="2023-09-14T08:30:37.641" v="1455" actId="1076"/>
+          <ac:spMkLst>
+            <pc:docMk/>
+            <pc:sldMk cId="3697082059" sldId="361"/>
+            <ac:spMk id="6" creationId="{D4B160CD-A285-4AB8-C222-FAEBD7E68F84}"/>
+          </ac:spMkLst>
+        </pc:spChg>
+        <pc:spChg chg="add del mod">
+          <ac:chgData name="Manaswini Ray" userId="451f23f8-43b4-4daa-9511-0c9fb98bad1c" providerId="ADAL" clId="{034AA59E-D954-44E8-84AB-C770C7EA240B}" dt="2023-09-14T08:37:23.762" v="1509" actId="478"/>
+          <ac:spMkLst>
+            <pc:docMk/>
+            <pc:sldMk cId="3697082059" sldId="361"/>
+            <ac:spMk id="7" creationId="{DB901374-992B-012F-22C5-DA57308B7198}"/>
+          </ac:spMkLst>
+        </pc:spChg>
+        <pc:spChg chg="add mod">
+          <ac:chgData name="Manaswini Ray" userId="451f23f8-43b4-4daa-9511-0c9fb98bad1c" providerId="ADAL" clId="{034AA59E-D954-44E8-84AB-C770C7EA240B}" dt="2023-09-14T08:29:51.197" v="1444" actId="1076"/>
+          <ac:spMkLst>
+            <pc:docMk/>
+            <pc:sldMk cId="3697082059" sldId="361"/>
+            <ac:spMk id="8" creationId="{61E10073-B156-F70F-B2ED-A5CD7C25CBEF}"/>
+          </ac:spMkLst>
+        </pc:spChg>
+        <pc:spChg chg="add mod">
+          <ac:chgData name="Manaswini Ray" userId="451f23f8-43b4-4daa-9511-0c9fb98bad1c" providerId="ADAL" clId="{034AA59E-D954-44E8-84AB-C770C7EA240B}" dt="2023-09-14T08:29:51.197" v="1444" actId="1076"/>
+          <ac:spMkLst>
+            <pc:docMk/>
+            <pc:sldMk cId="3697082059" sldId="361"/>
+            <ac:spMk id="10" creationId="{F19A3388-8AFD-3777-AC6D-4871E6844106}"/>
+          </ac:spMkLst>
+        </pc:spChg>
+        <pc:spChg chg="add mod">
+          <ac:chgData name="Manaswini Ray" userId="451f23f8-43b4-4daa-9511-0c9fb98bad1c" providerId="ADAL" clId="{034AA59E-D954-44E8-84AB-C770C7EA240B}" dt="2023-09-14T08:29:51.197" v="1444" actId="1076"/>
+          <ac:spMkLst>
+            <pc:docMk/>
+            <pc:sldMk cId="3697082059" sldId="361"/>
+            <ac:spMk id="11" creationId="{59FAD8B1-7A84-30E5-4ACA-7397D1C60EFC}"/>
+          </ac:spMkLst>
+        </pc:spChg>
+        <pc:spChg chg="add del mod">
+          <ac:chgData name="Manaswini Ray" userId="451f23f8-43b4-4daa-9511-0c9fb98bad1c" providerId="ADAL" clId="{034AA59E-D954-44E8-84AB-C770C7EA240B}" dt="2023-09-14T08:22:07.404" v="1192" actId="478"/>
+          <ac:spMkLst>
+            <pc:docMk/>
+            <pc:sldMk cId="3697082059" sldId="361"/>
+            <ac:spMk id="13" creationId="{DBAC5B10-F450-0B72-4125-08186C3B9F54}"/>
+          </ac:spMkLst>
+        </pc:spChg>
+        <pc:spChg chg="add mod">
+          <ac:chgData name="Manaswini Ray" userId="451f23f8-43b4-4daa-9511-0c9fb98bad1c" providerId="ADAL" clId="{034AA59E-D954-44E8-84AB-C770C7EA240B}" dt="2023-09-14T08:35:18.583" v="1505" actId="1076"/>
+          <ac:spMkLst>
+            <pc:docMk/>
+            <pc:sldMk cId="3697082059" sldId="361"/>
+            <ac:spMk id="14" creationId="{94BEB141-C67D-171F-9888-E5DE489EFE21}"/>
+          </ac:spMkLst>
+        </pc:spChg>
+        <pc:spChg chg="add mod">
+          <ac:chgData name="Manaswini Ray" userId="451f23f8-43b4-4daa-9511-0c9fb98bad1c" providerId="ADAL" clId="{034AA59E-D954-44E8-84AB-C770C7EA240B}" dt="2023-09-14T08:31:07.718" v="1460" actId="1076"/>
+          <ac:spMkLst>
+            <pc:docMk/>
+            <pc:sldMk cId="3697082059" sldId="361"/>
+            <ac:spMk id="16" creationId="{EAD4A740-2434-7571-4727-4458BCF808F5}"/>
+          </ac:spMkLst>
+        </pc:spChg>
+        <pc:spChg chg="add mod">
+          <ac:chgData name="Manaswini Ray" userId="451f23f8-43b4-4daa-9511-0c9fb98bad1c" providerId="ADAL" clId="{034AA59E-D954-44E8-84AB-C770C7EA240B}" dt="2023-09-14T08:31:07.718" v="1460" actId="1076"/>
+          <ac:spMkLst>
+            <pc:docMk/>
+            <pc:sldMk cId="3697082059" sldId="361"/>
+            <ac:spMk id="18" creationId="{5219602D-3401-59BA-EFBF-114EA56B669E}"/>
+          </ac:spMkLst>
+        </pc:spChg>
+        <pc:spChg chg="add mod">
+          <ac:chgData name="Manaswini Ray" userId="451f23f8-43b4-4daa-9511-0c9fb98bad1c" providerId="ADAL" clId="{034AA59E-D954-44E8-84AB-C770C7EA240B}" dt="2023-09-14T08:31:58.458" v="1473" actId="20577"/>
+          <ac:spMkLst>
+            <pc:docMk/>
+            <pc:sldMk cId="3697082059" sldId="361"/>
+            <ac:spMk id="19" creationId="{4786D029-B5B4-30D7-86FF-D380AA226071}"/>
+          </ac:spMkLst>
+        </pc:spChg>
+        <pc:spChg chg="add mod">
+          <ac:chgData name="Manaswini Ray" userId="451f23f8-43b4-4daa-9511-0c9fb98bad1c" providerId="ADAL" clId="{034AA59E-D954-44E8-84AB-C770C7EA240B}" dt="2023-09-14T08:29:51.197" v="1444" actId="1076"/>
+          <ac:spMkLst>
+            <pc:docMk/>
+            <pc:sldMk cId="3697082059" sldId="361"/>
+            <ac:spMk id="28" creationId="{D470F283-4C56-571F-DE84-61D88DE1DE61}"/>
+          </ac:spMkLst>
+        </pc:spChg>
+        <pc:spChg chg="add mod">
+          <ac:chgData name="Manaswini Ray" userId="451f23f8-43b4-4daa-9511-0c9fb98bad1c" providerId="ADAL" clId="{034AA59E-D954-44E8-84AB-C770C7EA240B}" dt="2023-09-14T08:29:51.197" v="1444" actId="1076"/>
+          <ac:spMkLst>
+            <pc:docMk/>
+            <pc:sldMk cId="3697082059" sldId="361"/>
+            <ac:spMk id="30" creationId="{0133A553-6FE8-FC94-AC61-7349EC8E13C1}"/>
+          </ac:spMkLst>
+        </pc:spChg>
+        <pc:spChg chg="add mod">
+          <ac:chgData name="Manaswini Ray" userId="451f23f8-43b4-4daa-9511-0c9fb98bad1c" providerId="ADAL" clId="{034AA59E-D954-44E8-84AB-C770C7EA240B}" dt="2023-09-14T08:29:51.197" v="1444" actId="1076"/>
+          <ac:spMkLst>
+            <pc:docMk/>
+            <pc:sldMk cId="3697082059" sldId="361"/>
+            <ac:spMk id="31" creationId="{9092B43C-D359-152A-8675-F4B8B671D2F7}"/>
+          </ac:spMkLst>
+        </pc:spChg>
+        <pc:spChg chg="add mod">
+          <ac:chgData name="Manaswini Ray" userId="451f23f8-43b4-4daa-9511-0c9fb98bad1c" providerId="ADAL" clId="{034AA59E-D954-44E8-84AB-C770C7EA240B}" dt="2023-09-14T08:32:16.945" v="1480" actId="14100"/>
+          <ac:spMkLst>
+            <pc:docMk/>
+            <pc:sldMk cId="3697082059" sldId="361"/>
+            <ac:spMk id="37" creationId="{49029FB7-CAB3-261D-A50B-7757EB93CB56}"/>
+          </ac:spMkLst>
+        </pc:spChg>
+        <pc:spChg chg="add mod">
+          <ac:chgData name="Manaswini Ray" userId="451f23f8-43b4-4daa-9511-0c9fb98bad1c" providerId="ADAL" clId="{034AA59E-D954-44E8-84AB-C770C7EA240B}" dt="2023-09-14T08:32:45.644" v="1481" actId="20577"/>
+          <ac:spMkLst>
+            <pc:docMk/>
+            <pc:sldMk cId="3697082059" sldId="361"/>
+            <ac:spMk id="39" creationId="{6FF436EF-E2F1-7B88-5B3F-9EB692419039}"/>
+          </ac:spMkLst>
+        </pc:spChg>
+        <pc:spChg chg="add mod">
+          <ac:chgData name="Manaswini Ray" userId="451f23f8-43b4-4daa-9511-0c9fb98bad1c" providerId="ADAL" clId="{034AA59E-D954-44E8-84AB-C770C7EA240B}" dt="2023-09-14T08:32:12.365" v="1478" actId="1076"/>
+          <ac:spMkLst>
+            <pc:docMk/>
+            <pc:sldMk cId="3697082059" sldId="361"/>
+            <ac:spMk id="40" creationId="{D48294BF-8262-2315-6A4B-0176A1A0D5BF}"/>
+          </ac:spMkLst>
+        </pc:spChg>
+        <pc:spChg chg="add mod">
+          <ac:chgData name="Manaswini Ray" userId="451f23f8-43b4-4daa-9511-0c9fb98bad1c" providerId="ADAL" clId="{034AA59E-D954-44E8-84AB-C770C7EA240B}" dt="2023-09-14T08:30:45.746" v="1456" actId="1076"/>
+          <ac:spMkLst>
+            <pc:docMk/>
+            <pc:sldMk cId="3697082059" sldId="361"/>
+            <ac:spMk id="45" creationId="{1065EDF4-B008-1DAB-54DC-7CD0BB97AAE1}"/>
+          </ac:spMkLst>
+        </pc:spChg>
+        <pc:spChg chg="add mod">
+          <ac:chgData name="Manaswini Ray" userId="451f23f8-43b4-4daa-9511-0c9fb98bad1c" providerId="ADAL" clId="{034AA59E-D954-44E8-84AB-C770C7EA240B}" dt="2023-09-14T08:31:35.618" v="1461" actId="20577"/>
+          <ac:spMkLst>
+            <pc:docMk/>
+            <pc:sldMk cId="3697082059" sldId="361"/>
+            <ac:spMk id="47" creationId="{C34575D1-C1BC-B3BD-00AD-6002ABBDEC52}"/>
+          </ac:spMkLst>
+        </pc:spChg>
+        <pc:spChg chg="add mod">
+          <ac:chgData name="Manaswini Ray" userId="451f23f8-43b4-4daa-9511-0c9fb98bad1c" providerId="ADAL" clId="{034AA59E-D954-44E8-84AB-C770C7EA240B}" dt="2023-09-14T08:31:52.834" v="1469" actId="20577"/>
+          <ac:spMkLst>
+            <pc:docMk/>
+            <pc:sldMk cId="3697082059" sldId="361"/>
+            <ac:spMk id="48" creationId="{D0C3C20A-A5DC-E0FC-DA4F-8F2DF0A02CFD}"/>
+          </ac:spMkLst>
+        </pc:spChg>
+        <pc:cxnChg chg="add mod">
+          <ac:chgData name="Manaswini Ray" userId="451f23f8-43b4-4daa-9511-0c9fb98bad1c" providerId="ADAL" clId="{034AA59E-D954-44E8-84AB-C770C7EA240B}" dt="2023-09-14T08:30:31.759" v="1453" actId="1076"/>
+          <ac:cxnSpMkLst>
+            <pc:docMk/>
+            <pc:sldMk cId="3697082059" sldId="361"/>
+            <ac:cxnSpMk id="3" creationId="{3A7AE566-F034-9C19-1414-420ABED7E989}"/>
+          </ac:cxnSpMkLst>
+        </pc:cxnChg>
+        <pc:cxnChg chg="add mod">
+          <ac:chgData name="Manaswini Ray" userId="451f23f8-43b4-4daa-9511-0c9fb98bad1c" providerId="ADAL" clId="{034AA59E-D954-44E8-84AB-C770C7EA240B}" dt="2023-09-14T08:29:51.197" v="1444" actId="1076"/>
+          <ac:cxnSpMkLst>
+            <pc:docMk/>
+            <pc:sldMk cId="3697082059" sldId="361"/>
+            <ac:cxnSpMk id="9" creationId="{45AB780F-AC06-58F5-9D8D-510EDB3B20CA}"/>
+          </ac:cxnSpMkLst>
+        </pc:cxnChg>
+        <pc:cxnChg chg="add del mod">
+          <ac:chgData name="Manaswini Ray" userId="451f23f8-43b4-4daa-9511-0c9fb98bad1c" providerId="ADAL" clId="{034AA59E-D954-44E8-84AB-C770C7EA240B}" dt="2023-09-14T08:29:51.197" v="1444" actId="1076"/>
+          <ac:cxnSpMkLst>
+            <pc:docMk/>
+            <pc:sldMk cId="3697082059" sldId="361"/>
+            <ac:cxnSpMk id="12" creationId="{767BE006-884B-84FA-67F1-99D1856227C9}"/>
+          </ac:cxnSpMkLst>
+        </pc:cxnChg>
+        <pc:cxnChg chg="add mod">
+          <ac:chgData name="Manaswini Ray" userId="451f23f8-43b4-4daa-9511-0c9fb98bad1c" providerId="ADAL" clId="{034AA59E-D954-44E8-84AB-C770C7EA240B}" dt="2023-09-14T08:31:07.718" v="1460" actId="1076"/>
+          <ac:cxnSpMkLst>
+            <pc:docMk/>
+            <pc:sldMk cId="3697082059" sldId="361"/>
+            <ac:cxnSpMk id="17" creationId="{0521121F-A2EF-F965-3039-DA55ECDD2DD4}"/>
+          </ac:cxnSpMkLst>
+        </pc:cxnChg>
+        <pc:cxnChg chg="add mod">
+          <ac:chgData name="Manaswini Ray" userId="451f23f8-43b4-4daa-9511-0c9fb98bad1c" providerId="ADAL" clId="{034AA59E-D954-44E8-84AB-C770C7EA240B}" dt="2023-09-14T08:29:51.197" v="1444" actId="1076"/>
+          <ac:cxnSpMkLst>
+            <pc:docMk/>
+            <pc:sldMk cId="3697082059" sldId="361"/>
+            <ac:cxnSpMk id="29" creationId="{D61EF62E-8EAE-1EDF-4F3E-EA0DA824DB22}"/>
+          </ac:cxnSpMkLst>
+        </pc:cxnChg>
+        <pc:cxnChg chg="add mod">
+          <ac:chgData name="Manaswini Ray" userId="451f23f8-43b4-4daa-9511-0c9fb98bad1c" providerId="ADAL" clId="{034AA59E-D954-44E8-84AB-C770C7EA240B}" dt="2023-09-14T08:29:32.864" v="1442" actId="1076"/>
+          <ac:cxnSpMkLst>
+            <pc:docMk/>
+            <pc:sldMk cId="3697082059" sldId="361"/>
+            <ac:cxnSpMk id="38" creationId="{B7860BA0-0C7A-74BE-AE7B-B56D1754FFE8}"/>
+          </ac:cxnSpMkLst>
+        </pc:cxnChg>
+        <pc:cxnChg chg="add mod">
+          <ac:chgData name="Manaswini Ray" userId="451f23f8-43b4-4daa-9511-0c9fb98bad1c" providerId="ADAL" clId="{034AA59E-D954-44E8-84AB-C770C7EA240B}" dt="2023-09-14T08:32:12.365" v="1478" actId="1076"/>
+          <ac:cxnSpMkLst>
+            <pc:docMk/>
+            <pc:sldMk cId="3697082059" sldId="361"/>
+            <ac:cxnSpMk id="41" creationId="{F6CE1908-AD27-E2C8-DCDA-209D458E51C5}"/>
+          </ac:cxnSpMkLst>
+        </pc:cxnChg>
+        <pc:cxnChg chg="add mod">
+          <ac:chgData name="Manaswini Ray" userId="451f23f8-43b4-4daa-9511-0c9fb98bad1c" providerId="ADAL" clId="{034AA59E-D954-44E8-84AB-C770C7EA240B}" dt="2023-09-14T08:30:45.746" v="1456" actId="1076"/>
+          <ac:cxnSpMkLst>
+            <pc:docMk/>
+            <pc:sldMk cId="3697082059" sldId="361"/>
+            <ac:cxnSpMk id="46" creationId="{34960745-5ED6-0BDC-7808-25A3C47896E8}"/>
+          </ac:cxnSpMkLst>
+        </pc:cxnChg>
+        <pc:cxnChg chg="add mod">
+          <ac:chgData name="Manaswini Ray" userId="451f23f8-43b4-4daa-9511-0c9fb98bad1c" providerId="ADAL" clId="{034AA59E-D954-44E8-84AB-C770C7EA240B}" dt="2023-09-14T08:31:01.478" v="1459" actId="14100"/>
+          <ac:cxnSpMkLst>
+            <pc:docMk/>
+            <pc:sldMk cId="3697082059" sldId="361"/>
+            <ac:cxnSpMk id="49" creationId="{C8BAE471-8D72-F07E-396B-EB34EAF8D34D}"/>
+          </ac:cxnSpMkLst>
+        </pc:cxnChg>
+        <pc:cxnChg chg="add mod">
+          <ac:chgData name="Manaswini Ray" userId="451f23f8-43b4-4daa-9511-0c9fb98bad1c" providerId="ADAL" clId="{034AA59E-D954-44E8-84AB-C770C7EA240B}" dt="2023-09-14T08:36:28.817" v="1508" actId="14100"/>
+          <ac:cxnSpMkLst>
+            <pc:docMk/>
+            <pc:sldMk cId="3697082059" sldId="361"/>
+            <ac:cxnSpMk id="54" creationId="{FFE3A72D-B047-0593-CE36-6CF4A2AA692D}"/>
+          </ac:cxnSpMkLst>
+        </pc:cxnChg>
+        <pc:cxnChg chg="add mod">
+          <ac:chgData name="Manaswini Ray" userId="451f23f8-43b4-4daa-9511-0c9fb98bad1c" providerId="ADAL" clId="{034AA59E-D954-44E8-84AB-C770C7EA240B}" dt="2023-09-14T08:36:23.874" v="1507" actId="14100"/>
+          <ac:cxnSpMkLst>
+            <pc:docMk/>
+            <pc:sldMk cId="3697082059" sldId="361"/>
+            <ac:cxnSpMk id="62" creationId="{1EE55CE0-A791-7CD7-A744-4BAE857F660A}"/>
           </ac:cxnSpMkLst>
         </pc:cxnChg>
       </pc:sldChg>
@@ -4141,7 +4525,7 @@
           <a:p>
             <a:fld id="{DA65EFA3-2408-462E-A228-C020DF9C1D92}" type="datetimeFigureOut">
               <a:rPr lang="en-IN" smtClean="0"/>
-              <a:t>13-09-2023</a:t>
+              <a:t>14-09-2023</a:t>
             </a:fld>
             <a:endParaRPr lang="en-IN"/>
           </a:p>
@@ -4642,7 +5026,7 @@
           <a:p>
             <a:fld id="{DBA864D8-E328-4C18-B44D-9296865D5C31}" type="datetimeFigureOut">
               <a:rPr lang="en-IN" smtClean="0"/>
-              <a:t>13-09-2023</a:t>
+              <a:t>14-09-2023</a:t>
             </a:fld>
             <a:endParaRPr lang="en-IN"/>
           </a:p>
@@ -4842,7 +5226,7 @@
           <a:p>
             <a:fld id="{DBA864D8-E328-4C18-B44D-9296865D5C31}" type="datetimeFigureOut">
               <a:rPr lang="en-IN" smtClean="0"/>
-              <a:t>13-09-2023</a:t>
+              <a:t>14-09-2023</a:t>
             </a:fld>
             <a:endParaRPr lang="en-IN"/>
           </a:p>
@@ -5052,7 +5436,7 @@
           <a:p>
             <a:fld id="{DBA864D8-E328-4C18-B44D-9296865D5C31}" type="datetimeFigureOut">
               <a:rPr lang="en-IN" smtClean="0"/>
-              <a:t>13-09-2023</a:t>
+              <a:t>14-09-2023</a:t>
             </a:fld>
             <a:endParaRPr lang="en-IN"/>
           </a:p>
@@ -5319,7 +5703,7 @@
           <a:p>
             <a:fld id="{DBA864D8-E328-4C18-B44D-9296865D5C31}" type="datetimeFigureOut">
               <a:rPr lang="en-IN" smtClean="0"/>
-              <a:t>13-09-2023</a:t>
+              <a:t>14-09-2023</a:t>
             </a:fld>
             <a:endParaRPr lang="en-IN"/>
           </a:p>
@@ -5595,7 +5979,7 @@
           <a:p>
             <a:fld id="{DBA864D8-E328-4C18-B44D-9296865D5C31}" type="datetimeFigureOut">
               <a:rPr lang="en-IN" smtClean="0"/>
-              <a:t>13-09-2023</a:t>
+              <a:t>14-09-2023</a:t>
             </a:fld>
             <a:endParaRPr lang="en-IN"/>
           </a:p>
@@ -5863,7 +6247,7 @@
           <a:p>
             <a:fld id="{DBA864D8-E328-4C18-B44D-9296865D5C31}" type="datetimeFigureOut">
               <a:rPr lang="en-IN" smtClean="0"/>
-              <a:t>13-09-2023</a:t>
+              <a:t>14-09-2023</a:t>
             </a:fld>
             <a:endParaRPr lang="en-IN"/>
           </a:p>
@@ -6278,7 +6662,7 @@
           <a:p>
             <a:fld id="{DBA864D8-E328-4C18-B44D-9296865D5C31}" type="datetimeFigureOut">
               <a:rPr lang="en-IN" smtClean="0"/>
-              <a:t>13-09-2023</a:t>
+              <a:t>14-09-2023</a:t>
             </a:fld>
             <a:endParaRPr lang="en-IN"/>
           </a:p>
@@ -6420,7 +6804,7 @@
           <a:p>
             <a:fld id="{DBA864D8-E328-4C18-B44D-9296865D5C31}" type="datetimeFigureOut">
               <a:rPr lang="en-IN" smtClean="0"/>
-              <a:t>13-09-2023</a:t>
+              <a:t>14-09-2023</a:t>
             </a:fld>
             <a:endParaRPr lang="en-IN"/>
           </a:p>
@@ -6533,7 +6917,7 @@
           <a:p>
             <a:fld id="{DBA864D8-E328-4C18-B44D-9296865D5C31}" type="datetimeFigureOut">
               <a:rPr lang="en-IN" smtClean="0"/>
-              <a:t>13-09-2023</a:t>
+              <a:t>14-09-2023</a:t>
             </a:fld>
             <a:endParaRPr lang="en-IN"/>
           </a:p>
@@ -6846,7 +7230,7 @@
           <a:p>
             <a:fld id="{DBA864D8-E328-4C18-B44D-9296865D5C31}" type="datetimeFigureOut">
               <a:rPr lang="en-IN" smtClean="0"/>
-              <a:t>13-09-2023</a:t>
+              <a:t>14-09-2023</a:t>
             </a:fld>
             <a:endParaRPr lang="en-IN"/>
           </a:p>
@@ -7135,7 +7519,7 @@
           <a:p>
             <a:fld id="{DBA864D8-E328-4C18-B44D-9296865D5C31}" type="datetimeFigureOut">
               <a:rPr lang="en-IN" smtClean="0"/>
-              <a:t>13-09-2023</a:t>
+              <a:t>14-09-2023</a:t>
             </a:fld>
             <a:endParaRPr lang="en-IN"/>
           </a:p>
@@ -7378,7 +7762,7 @@
           <a:p>
             <a:fld id="{DBA864D8-E328-4C18-B44D-9296865D5C31}" type="datetimeFigureOut">
               <a:rPr lang="en-IN" smtClean="0"/>
-              <a:t>13-09-2023</a:t>
+              <a:t>14-09-2023</a:t>
             </a:fld>
             <a:endParaRPr lang="en-IN"/>
           </a:p>
@@ -14890,7 +15274,7 @@
         </p:nvSpPr>
         <p:spPr>
           <a:xfrm>
-            <a:off x="252248" y="393403"/>
+            <a:off x="252248" y="235083"/>
             <a:ext cx="6138040" cy="400110"/>
           </a:xfrm>
           <a:prstGeom prst="rect">
@@ -15090,7 +15474,7 @@
           <a:p>
             <a:r>
               <a:rPr lang="en-US" dirty="0" err="1"/>
-              <a:t>ISubscriptionService</a:t>
+              <a:t>IYoutubeChannel</a:t>
             </a:r>
             <a:endParaRPr lang="en-IN" dirty="0"/>
           </a:p>
@@ -15147,8 +15531,12 @@
           </a:p>
           <a:p>
             <a:r>
+              <a:rPr lang="en-US" dirty="0" err="1"/>
+              <a:t>UploadVideo</a:t>
+            </a:r>
+            <a:r>
               <a:rPr lang="en-US" dirty="0"/>
-              <a:t>//uses the update method</a:t>
+              <a:t>()</a:t>
             </a:r>
           </a:p>
         </p:txBody>
@@ -15221,8 +15609,8 @@
         </p:nvSpPr>
         <p:spPr>
           <a:xfrm>
-            <a:off x="2616789" y="4226570"/>
-            <a:ext cx="2991679" cy="1858921"/>
+            <a:off x="460515" y="4015658"/>
+            <a:ext cx="2698074" cy="1589760"/>
           </a:xfrm>
           <a:prstGeom prst="rect">
             <a:avLst/>
@@ -15277,8 +15665,8 @@
         </p:nvCxnSpPr>
         <p:spPr>
           <a:xfrm>
-            <a:off x="2616789" y="4883910"/>
-            <a:ext cx="2991679" cy="0"/>
+            <a:off x="460514" y="4672997"/>
+            <a:ext cx="2698074" cy="0"/>
           </a:xfrm>
           <a:prstGeom prst="line">
             <a:avLst/>
@@ -15321,8 +15709,8 @@
         </p:nvSpPr>
         <p:spPr>
           <a:xfrm>
-            <a:off x="2616789" y="4348709"/>
-            <a:ext cx="2613993" cy="369332"/>
+            <a:off x="460515" y="4137796"/>
+            <a:ext cx="2357454" cy="369332"/>
           </a:xfrm>
           <a:prstGeom prst="rect">
             <a:avLst/>
@@ -15357,8 +15745,8 @@
         </p:nvSpPr>
         <p:spPr>
           <a:xfrm>
-            <a:off x="2616789" y="5054594"/>
-            <a:ext cx="2613993" cy="646331"/>
+            <a:off x="460515" y="4843682"/>
+            <a:ext cx="2357454" cy="646331"/>
           </a:xfrm>
           <a:prstGeom prst="rect">
             <a:avLst/>
@@ -15393,19 +15781,19 @@
           <p:cNvCxnSpPr>
             <a:cxnSpLocks/>
             <a:stCxn id="3" idx="3"/>
-            <a:endCxn id="11" idx="0"/>
+            <a:endCxn id="10" idx="0"/>
           </p:cNvCxnSpPr>
           <p:nvPr/>
         </p:nvCxnSpPr>
         <p:spPr>
-          <a:xfrm flipH="1">
-            <a:off x="4112629" y="2631078"/>
-            <a:ext cx="1627218" cy="1595492"/>
+          <a:xfrm flipV="1">
+            <a:off x="5739847" y="619925"/>
+            <a:ext cx="2146280" cy="2011153"/>
           </a:xfrm>
           <a:prstGeom prst="bentConnector4">
             <a:avLst>
-              <a:gd name="adj1" fmla="val -14049"/>
-              <a:gd name="adj2" fmla="val 82944"/>
+              <a:gd name="adj1" fmla="val 15153"/>
+              <a:gd name="adj2" fmla="val 111367"/>
             </a:avLst>
           </a:prstGeom>
           <a:ln>
@@ -15441,7 +15829,7 @@
         </p:nvSpPr>
         <p:spPr>
           <a:xfrm>
-            <a:off x="7273050" y="802766"/>
+            <a:off x="9188730" y="4782669"/>
             <a:ext cx="1373138" cy="369332"/>
           </a:xfrm>
           <a:prstGeom prst="rect">
@@ -15477,7 +15865,7 @@
         </p:nvSpPr>
         <p:spPr>
           <a:xfrm>
-            <a:off x="6942082" y="617235"/>
+            <a:off x="8857762" y="4597138"/>
             <a:ext cx="2051975" cy="765777"/>
           </a:xfrm>
           <a:prstGeom prst="rect">
@@ -15531,7 +15919,7 @@
         </p:nvSpPr>
         <p:spPr>
           <a:xfrm>
-            <a:off x="7273050" y="2256832"/>
+            <a:off x="9188730" y="5764413"/>
             <a:ext cx="1373138" cy="369332"/>
           </a:xfrm>
           <a:prstGeom prst="rect">
@@ -15567,7 +15955,7 @@
         </p:nvSpPr>
         <p:spPr>
           <a:xfrm>
-            <a:off x="6942082" y="2071301"/>
+            <a:off x="8857762" y="5578882"/>
             <a:ext cx="2051975" cy="765777"/>
           </a:xfrm>
           <a:prstGeom prst="rect">
@@ -15618,18 +16006,20 @@
           </p:cNvPr>
           <p:cNvCxnSpPr>
             <a:cxnSpLocks/>
-            <a:stCxn id="3" idx="0"/>
+            <a:stCxn id="30" idx="3"/>
             <a:endCxn id="20" idx="1"/>
           </p:cNvCxnSpPr>
           <p:nvPr/>
         </p:nvCxnSpPr>
         <p:spPr>
-          <a:xfrm rot="5400000" flipH="1" flipV="1">
-            <a:off x="5303192" y="-59060"/>
-            <a:ext cx="579706" cy="2698074"/>
-          </a:xfrm>
-          <a:prstGeom prst="bentConnector2">
-            <a:avLst/>
+          <a:xfrm flipV="1">
+            <a:off x="6064931" y="4980027"/>
+            <a:ext cx="2792831" cy="625390"/>
+          </a:xfrm>
+          <a:prstGeom prst="bentConnector3">
+            <a:avLst>
+              <a:gd name="adj1" fmla="val 50000"/>
+            </a:avLst>
           </a:prstGeom>
           <a:ln>
             <a:tailEnd type="triangle"/>
@@ -15661,20 +16051,19 @@
           </p:cNvPr>
           <p:cNvCxnSpPr>
             <a:cxnSpLocks/>
-            <a:stCxn id="3" idx="0"/>
+            <a:stCxn id="30" idx="3"/>
             <a:endCxn id="24" idx="1"/>
           </p:cNvCxnSpPr>
           <p:nvPr/>
         </p:nvCxnSpPr>
         <p:spPr>
-          <a:xfrm rot="16200000" flipH="1">
-            <a:off x="5155865" y="667973"/>
-            <a:ext cx="874360" cy="2698074"/>
-          </a:xfrm>
-          <a:prstGeom prst="bentConnector4">
+          <a:xfrm>
+            <a:off x="6064931" y="5605417"/>
+            <a:ext cx="2792831" cy="356354"/>
+          </a:xfrm>
+          <a:prstGeom prst="bentConnector3">
             <a:avLst>
-              <a:gd name="adj1" fmla="val -26145"/>
-              <a:gd name="adj2" fmla="val 77720"/>
+              <a:gd name="adj1" fmla="val 50000"/>
             </a:avLst>
           </a:prstGeom>
           <a:ln>
@@ -15713,15 +16102,476 @@
           <p:nvPr/>
         </p:nvCxnSpPr>
         <p:spPr>
-          <a:xfrm rot="16200000" flipH="1">
-            <a:off x="215074" y="2976044"/>
-            <a:ext cx="3464877" cy="1338553"/>
-          </a:xfrm>
-          <a:prstGeom prst="bentConnector2">
-            <a:avLst/>
+          <a:xfrm rot="5400000">
+            <a:off x="-757606" y="3131005"/>
+            <a:ext cx="3253965" cy="817721"/>
+          </a:xfrm>
+          <a:prstGeom prst="bentConnector4">
+            <a:avLst>
+              <a:gd name="adj1" fmla="val 45034"/>
+              <a:gd name="adj2" fmla="val 127956"/>
+            </a:avLst>
           </a:prstGeom>
           <a:ln>
             <a:tailEnd type="triangle"/>
+          </a:ln>
+        </p:spPr>
+        <p:style>
+          <a:lnRef idx="1">
+            <a:schemeClr val="dk1"/>
+          </a:lnRef>
+          <a:fillRef idx="0">
+            <a:schemeClr val="dk1"/>
+          </a:fillRef>
+          <a:effectRef idx="0">
+            <a:schemeClr val="dk1"/>
+          </a:effectRef>
+          <a:fontRef idx="minor">
+            <a:schemeClr val="tx1"/>
+          </a:fontRef>
+        </p:style>
+      </p:cxnSp>
+      <p:sp>
+        <p:nvSpPr>
+          <p:cNvPr id="10" name="Rectangle 9">
+            <a:extLst>
+              <a:ext uri="{FF2B5EF4-FFF2-40B4-BE49-F238E27FC236}">
+                <a16:creationId xmlns:a16="http://schemas.microsoft.com/office/drawing/2014/main" id="{215C6DBD-A46E-824E-5C24-E2D138CDA99A}"/>
+              </a:ext>
+            </a:extLst>
+          </p:cNvPr>
+          <p:cNvSpPr/>
+          <p:nvPr/>
+        </p:nvSpPr>
+        <p:spPr>
+          <a:xfrm>
+            <a:off x="6390287" y="619925"/>
+            <a:ext cx="2991679" cy="2102496"/>
+          </a:xfrm>
+          <a:prstGeom prst="rect">
+            <a:avLst/>
+          </a:prstGeom>
+          <a:noFill/>
+          <a:ln>
+            <a:solidFill>
+              <a:schemeClr val="bg2">
+                <a:lumMod val="10000"/>
+              </a:schemeClr>
+            </a:solidFill>
+          </a:ln>
+        </p:spPr>
+        <p:style>
+          <a:lnRef idx="2">
+            <a:schemeClr val="accent1">
+              <a:shade val="50000"/>
+            </a:schemeClr>
+          </a:lnRef>
+          <a:fillRef idx="1">
+            <a:schemeClr val="accent1"/>
+          </a:fillRef>
+          <a:effectRef idx="0">
+            <a:schemeClr val="accent1"/>
+          </a:effectRef>
+          <a:fontRef idx="minor">
+            <a:schemeClr val="lt1"/>
+          </a:fontRef>
+        </p:style>
+        <p:txBody>
+          <a:bodyPr rtlCol="0" anchor="ctr"/>
+          <a:lstStyle/>
+          <a:p>
+            <a:pPr algn="ctr"/>
+            <a:endParaRPr lang="en-IN"/>
+          </a:p>
+        </p:txBody>
+      </p:sp>
+      <p:cxnSp>
+        <p:nvCxnSpPr>
+          <p:cNvPr id="16" name="Straight Connector 15">
+            <a:extLst>
+              <a:ext uri="{FF2B5EF4-FFF2-40B4-BE49-F238E27FC236}">
+                <a16:creationId xmlns:a16="http://schemas.microsoft.com/office/drawing/2014/main" id="{FDF77AFD-C0BD-365C-F36F-A16E591E1A5E}"/>
+              </a:ext>
+            </a:extLst>
+          </p:cNvPr>
+          <p:cNvCxnSpPr>
+            <a:cxnSpLocks/>
+          </p:cNvCxnSpPr>
+          <p:nvPr/>
+        </p:nvCxnSpPr>
+        <p:spPr>
+          <a:xfrm>
+            <a:off x="6390287" y="1277265"/>
+            <a:ext cx="2991679" cy="0"/>
+          </a:xfrm>
+          <a:prstGeom prst="line">
+            <a:avLst/>
+          </a:prstGeom>
+          <a:ln>
+            <a:solidFill>
+              <a:schemeClr val="tx1">
+                <a:lumMod val="95000"/>
+                <a:lumOff val="5000"/>
+              </a:schemeClr>
+            </a:solidFill>
+          </a:ln>
+        </p:spPr>
+        <p:style>
+          <a:lnRef idx="1">
+            <a:schemeClr val="accent1"/>
+          </a:lnRef>
+          <a:fillRef idx="0">
+            <a:schemeClr val="accent1"/>
+          </a:fillRef>
+          <a:effectRef idx="0">
+            <a:schemeClr val="accent1"/>
+          </a:effectRef>
+          <a:fontRef idx="minor">
+            <a:schemeClr val="tx1"/>
+          </a:fontRef>
+        </p:style>
+      </p:cxnSp>
+      <p:sp>
+        <p:nvSpPr>
+          <p:cNvPr id="17" name="TextBox 16">
+            <a:extLst>
+              <a:ext uri="{FF2B5EF4-FFF2-40B4-BE49-F238E27FC236}">
+                <a16:creationId xmlns:a16="http://schemas.microsoft.com/office/drawing/2014/main" id="{5DB790A3-AE86-4C80-32DB-13580550326B}"/>
+              </a:ext>
+            </a:extLst>
+          </p:cNvPr>
+          <p:cNvSpPr txBox="1"/>
+          <p:nvPr/>
+        </p:nvSpPr>
+        <p:spPr>
+          <a:xfrm>
+            <a:off x="6390287" y="742064"/>
+            <a:ext cx="2613993" cy="369332"/>
+          </a:xfrm>
+          <a:prstGeom prst="rect">
+            <a:avLst/>
+          </a:prstGeom>
+          <a:noFill/>
+        </p:spPr>
+        <p:txBody>
+          <a:bodyPr wrap="square" rtlCol="0">
+            <a:spAutoFit/>
+          </a:bodyPr>
+          <a:lstStyle/>
+          <a:p>
+            <a:r>
+              <a:rPr lang="en-US" dirty="0" err="1"/>
+              <a:t>YoutubeChannel</a:t>
+            </a:r>
+            <a:endParaRPr lang="en-IN" dirty="0"/>
+          </a:p>
+        </p:txBody>
+      </p:sp>
+      <p:sp>
+        <p:nvSpPr>
+          <p:cNvPr id="18" name="TextBox 17">
+            <a:extLst>
+              <a:ext uri="{FF2B5EF4-FFF2-40B4-BE49-F238E27FC236}">
+                <a16:creationId xmlns:a16="http://schemas.microsoft.com/office/drawing/2014/main" id="{1F67A92E-1470-B25E-FF5B-B1FB84847C2D}"/>
+              </a:ext>
+            </a:extLst>
+          </p:cNvPr>
+          <p:cNvSpPr txBox="1"/>
+          <p:nvPr/>
+        </p:nvSpPr>
+        <p:spPr>
+          <a:xfrm>
+            <a:off x="6390287" y="1361451"/>
+            <a:ext cx="2991679" cy="1200329"/>
+          </a:xfrm>
+          <a:prstGeom prst="rect">
+            <a:avLst/>
+          </a:prstGeom>
+          <a:noFill/>
+        </p:spPr>
+        <p:txBody>
+          <a:bodyPr wrap="square" rtlCol="0">
+            <a:spAutoFit/>
+          </a:bodyPr>
+          <a:lstStyle/>
+          <a:p>
+            <a:r>
+              <a:rPr lang="en-US" dirty="0"/>
+              <a:t>Subscribe()</a:t>
+            </a:r>
+          </a:p>
+          <a:p>
+            <a:r>
+              <a:rPr lang="en-US" dirty="0"/>
+              <a:t>Unsubscribe()</a:t>
+            </a:r>
+          </a:p>
+          <a:p>
+            <a:r>
+              <a:rPr lang="en-US" dirty="0" err="1"/>
+              <a:t>NotifySubscribers</a:t>
+            </a:r>
+            <a:r>
+              <a:rPr lang="en-US" dirty="0"/>
+              <a:t>()</a:t>
+            </a:r>
+          </a:p>
+          <a:p>
+            <a:r>
+              <a:rPr lang="en-US" dirty="0" err="1"/>
+              <a:t>UploadVideo</a:t>
+            </a:r>
+            <a:r>
+              <a:rPr lang="en-US" dirty="0"/>
+              <a:t>()</a:t>
+            </a:r>
+          </a:p>
+        </p:txBody>
+      </p:sp>
+      <p:sp>
+        <p:nvSpPr>
+          <p:cNvPr id="30" name="Rectangle 29">
+            <a:extLst>
+              <a:ext uri="{FF2B5EF4-FFF2-40B4-BE49-F238E27FC236}">
+                <a16:creationId xmlns:a16="http://schemas.microsoft.com/office/drawing/2014/main" id="{9A9846CB-1D6F-2030-1A61-4CA2DD06D351}"/>
+              </a:ext>
+            </a:extLst>
+          </p:cNvPr>
+          <p:cNvSpPr/>
+          <p:nvPr/>
+        </p:nvSpPr>
+        <p:spPr>
+          <a:xfrm>
+            <a:off x="3366857" y="4810537"/>
+            <a:ext cx="2698074" cy="1589760"/>
+          </a:xfrm>
+          <a:prstGeom prst="rect">
+            <a:avLst/>
+          </a:prstGeom>
+          <a:noFill/>
+          <a:ln>
+            <a:solidFill>
+              <a:schemeClr val="bg2">
+                <a:lumMod val="10000"/>
+              </a:schemeClr>
+            </a:solidFill>
+          </a:ln>
+        </p:spPr>
+        <p:style>
+          <a:lnRef idx="2">
+            <a:schemeClr val="accent1">
+              <a:shade val="50000"/>
+            </a:schemeClr>
+          </a:lnRef>
+          <a:fillRef idx="1">
+            <a:schemeClr val="accent1"/>
+          </a:fillRef>
+          <a:effectRef idx="0">
+            <a:schemeClr val="accent1"/>
+          </a:effectRef>
+          <a:fontRef idx="minor">
+            <a:schemeClr val="lt1"/>
+          </a:fontRef>
+        </p:style>
+        <p:txBody>
+          <a:bodyPr rtlCol="0" anchor="ctr"/>
+          <a:lstStyle/>
+          <a:p>
+            <a:pPr algn="ctr"/>
+            <a:endParaRPr lang="en-IN"/>
+          </a:p>
+        </p:txBody>
+      </p:sp>
+      <p:cxnSp>
+        <p:nvCxnSpPr>
+          <p:cNvPr id="32" name="Straight Connector 31">
+            <a:extLst>
+              <a:ext uri="{FF2B5EF4-FFF2-40B4-BE49-F238E27FC236}">
+                <a16:creationId xmlns:a16="http://schemas.microsoft.com/office/drawing/2014/main" id="{723C5735-09D7-950A-4EE5-7BFE29ADF369}"/>
+              </a:ext>
+            </a:extLst>
+          </p:cNvPr>
+          <p:cNvCxnSpPr>
+            <a:cxnSpLocks/>
+          </p:cNvCxnSpPr>
+          <p:nvPr/>
+        </p:nvCxnSpPr>
+        <p:spPr>
+          <a:xfrm>
+            <a:off x="3366856" y="5467876"/>
+            <a:ext cx="2698074" cy="0"/>
+          </a:xfrm>
+          <a:prstGeom prst="line">
+            <a:avLst/>
+          </a:prstGeom>
+          <a:ln>
+            <a:solidFill>
+              <a:schemeClr val="tx1">
+                <a:lumMod val="95000"/>
+                <a:lumOff val="5000"/>
+              </a:schemeClr>
+            </a:solidFill>
+          </a:ln>
+        </p:spPr>
+        <p:style>
+          <a:lnRef idx="1">
+            <a:schemeClr val="accent1"/>
+          </a:lnRef>
+          <a:fillRef idx="0">
+            <a:schemeClr val="accent1"/>
+          </a:fillRef>
+          <a:effectRef idx="0">
+            <a:schemeClr val="accent1"/>
+          </a:effectRef>
+          <a:fontRef idx="minor">
+            <a:schemeClr val="tx1"/>
+          </a:fontRef>
+        </p:style>
+      </p:cxnSp>
+      <p:sp>
+        <p:nvSpPr>
+          <p:cNvPr id="33" name="TextBox 32">
+            <a:extLst>
+              <a:ext uri="{FF2B5EF4-FFF2-40B4-BE49-F238E27FC236}">
+                <a16:creationId xmlns:a16="http://schemas.microsoft.com/office/drawing/2014/main" id="{73633E00-F7D1-43E6-622F-277635BD038C}"/>
+              </a:ext>
+            </a:extLst>
+          </p:cNvPr>
+          <p:cNvSpPr txBox="1"/>
+          <p:nvPr/>
+        </p:nvSpPr>
+        <p:spPr>
+          <a:xfrm>
+            <a:off x="3366857" y="4932675"/>
+            <a:ext cx="2357454" cy="369332"/>
+          </a:xfrm>
+          <a:prstGeom prst="rect">
+            <a:avLst/>
+          </a:prstGeom>
+          <a:noFill/>
+        </p:spPr>
+        <p:txBody>
+          <a:bodyPr wrap="square" rtlCol="0">
+            <a:spAutoFit/>
+          </a:bodyPr>
+          <a:lstStyle/>
+          <a:p>
+            <a:r>
+              <a:rPr lang="en-US" dirty="0"/>
+              <a:t>Subscriber</a:t>
+            </a:r>
+            <a:endParaRPr lang="en-IN" dirty="0"/>
+          </a:p>
+        </p:txBody>
+      </p:sp>
+      <p:sp>
+        <p:nvSpPr>
+          <p:cNvPr id="34" name="TextBox 33">
+            <a:extLst>
+              <a:ext uri="{FF2B5EF4-FFF2-40B4-BE49-F238E27FC236}">
+                <a16:creationId xmlns:a16="http://schemas.microsoft.com/office/drawing/2014/main" id="{D62B2384-2C4C-91E7-3634-158557A48A9A}"/>
+              </a:ext>
+            </a:extLst>
+          </p:cNvPr>
+          <p:cNvSpPr txBox="1"/>
+          <p:nvPr/>
+        </p:nvSpPr>
+        <p:spPr>
+          <a:xfrm>
+            <a:off x="3366857" y="5638561"/>
+            <a:ext cx="2357454" cy="646331"/>
+          </a:xfrm>
+          <a:prstGeom prst="rect">
+            <a:avLst/>
+          </a:prstGeom>
+          <a:noFill/>
+        </p:spPr>
+        <p:txBody>
+          <a:bodyPr wrap="square" rtlCol="0">
+            <a:spAutoFit/>
+          </a:bodyPr>
+          <a:lstStyle/>
+          <a:p>
+            <a:r>
+              <a:rPr lang="en-US" dirty="0"/>
+              <a:t>Update()</a:t>
+            </a:r>
+          </a:p>
+          <a:p>
+            <a:endParaRPr lang="en-US" dirty="0"/>
+          </a:p>
+        </p:txBody>
+      </p:sp>
+      <p:cxnSp>
+        <p:nvCxnSpPr>
+          <p:cNvPr id="35" name="Straight Arrow Connector 17">
+            <a:extLst>
+              <a:ext uri="{FF2B5EF4-FFF2-40B4-BE49-F238E27FC236}">
+                <a16:creationId xmlns:a16="http://schemas.microsoft.com/office/drawing/2014/main" id="{2FA60120-A5F7-8D28-69C1-E46EB81ED00D}"/>
+              </a:ext>
+            </a:extLst>
+          </p:cNvPr>
+          <p:cNvCxnSpPr>
+            <a:cxnSpLocks/>
+            <a:stCxn id="11" idx="2"/>
+            <a:endCxn id="30" idx="2"/>
+          </p:cNvCxnSpPr>
+          <p:nvPr/>
+        </p:nvCxnSpPr>
+        <p:spPr>
+          <a:xfrm rot="16200000" flipH="1">
+            <a:off x="2865284" y="4549686"/>
+            <a:ext cx="794879" cy="2906342"/>
+          </a:xfrm>
+          <a:prstGeom prst="bentConnector3">
+            <a:avLst>
+              <a:gd name="adj1" fmla="val 128759"/>
+            </a:avLst>
+          </a:prstGeom>
+          <a:ln>
+            <a:tailEnd type="triangle"/>
+          </a:ln>
+        </p:spPr>
+        <p:style>
+          <a:lnRef idx="1">
+            <a:schemeClr val="dk1"/>
+          </a:lnRef>
+          <a:fillRef idx="0">
+            <a:schemeClr val="dk1"/>
+          </a:fillRef>
+          <a:effectRef idx="0">
+            <a:schemeClr val="dk1"/>
+          </a:effectRef>
+          <a:fontRef idx="minor">
+            <a:schemeClr val="tx1"/>
+          </a:fontRef>
+        </p:style>
+      </p:cxnSp>
+      <p:cxnSp>
+        <p:nvCxnSpPr>
+          <p:cNvPr id="42" name="Straight Connector 41">
+            <a:extLst>
+              <a:ext uri="{FF2B5EF4-FFF2-40B4-BE49-F238E27FC236}">
+                <a16:creationId xmlns:a16="http://schemas.microsoft.com/office/drawing/2014/main" id="{D47E7395-3FCB-5CF4-590F-8E7F90D9DA65}"/>
+              </a:ext>
+            </a:extLst>
+          </p:cNvPr>
+          <p:cNvCxnSpPr>
+            <a:cxnSpLocks/>
+            <a:stCxn id="10" idx="2"/>
+          </p:cNvCxnSpPr>
+          <p:nvPr/>
+        </p:nvCxnSpPr>
+        <p:spPr>
+          <a:xfrm flipH="1">
+            <a:off x="4603531" y="2722421"/>
+            <a:ext cx="3282596" cy="2121261"/>
+          </a:xfrm>
+          <a:prstGeom prst="line">
+            <a:avLst/>
+          </a:prstGeom>
+          <a:ln>
+            <a:prstDash val="lgDashDot"/>
           </a:ln>
         </p:spPr>
         <p:style>
@@ -16208,7 +17058,7 @@
         </p:nvSpPr>
         <p:spPr>
           <a:xfrm>
-            <a:off x="2616789" y="4226570"/>
+            <a:off x="1376569" y="4595902"/>
             <a:ext cx="3653382" cy="1858921"/>
           </a:xfrm>
           <a:prstGeom prst="rect">
@@ -16264,8 +17114,8 @@
         </p:nvCxnSpPr>
         <p:spPr>
           <a:xfrm>
-            <a:off x="2616789" y="4883910"/>
-            <a:ext cx="2991679" cy="0"/>
+            <a:off x="1376569" y="5253242"/>
+            <a:ext cx="3653382" cy="0"/>
           </a:xfrm>
           <a:prstGeom prst="line">
             <a:avLst/>
@@ -16308,7 +17158,7 @@
         </p:nvSpPr>
         <p:spPr>
           <a:xfrm>
-            <a:off x="2616789" y="4348709"/>
+            <a:off x="1376569" y="4718041"/>
             <a:ext cx="2613993" cy="369332"/>
           </a:xfrm>
           <a:prstGeom prst="rect">
@@ -16344,7 +17194,7 @@
         </p:nvSpPr>
         <p:spPr>
           <a:xfrm>
-            <a:off x="2616789" y="5054594"/>
+            <a:off x="1376569" y="5423926"/>
             <a:ext cx="3211255" cy="369332"/>
           </a:xfrm>
           <a:prstGeom prst="rect">
@@ -16413,18 +17263,17 @@
           </p:cNvPr>
           <p:cNvCxnSpPr>
             <a:cxnSpLocks/>
-            <a:stCxn id="38" idx="1"/>
           </p:cNvCxnSpPr>
           <p:nvPr/>
         </p:nvCxnSpPr>
         <p:spPr>
           <a:xfrm rot="10800000" flipV="1">
-            <a:off x="6283572" y="5164964"/>
-            <a:ext cx="693002" cy="382888"/>
+            <a:off x="5029951" y="5164963"/>
+            <a:ext cx="1946623" cy="360399"/>
           </a:xfrm>
           <a:prstGeom prst="bentConnector3">
             <a:avLst>
-              <a:gd name="adj1" fmla="val 50000"/>
+              <a:gd name="adj1" fmla="val 51080"/>
             </a:avLst>
           </a:prstGeom>
           <a:ln>
@@ -16628,24 +17477,23 @@
       </p:sp>
       <p:cxnSp>
         <p:nvCxnSpPr>
-          <p:cNvPr id="18" name="Straight Arrow Connector 17">
-            <a:extLst>
-              <a:ext uri="{FF2B5EF4-FFF2-40B4-BE49-F238E27FC236}">
-                <a16:creationId xmlns:a16="http://schemas.microsoft.com/office/drawing/2014/main" id="{F88C3840-719C-9FB2-F54C-4B29D97BB088}"/>
+          <p:cNvPr id="20" name="Straight Arrow Connector 17">
+            <a:extLst>
+              <a:ext uri="{FF2B5EF4-FFF2-40B4-BE49-F238E27FC236}">
+                <a16:creationId xmlns:a16="http://schemas.microsoft.com/office/drawing/2014/main" id="{B1AFC1C3-4EE2-C261-D00F-889440E94B5E}"/>
               </a:ext>
             </a:extLst>
           </p:cNvPr>
           <p:cNvCxnSpPr>
             <a:cxnSpLocks/>
-            <a:stCxn id="9" idx="3"/>
-            <a:endCxn id="15" idx="1"/>
+            <a:endCxn id="7" idx="1"/>
           </p:cNvCxnSpPr>
           <p:nvPr/>
         </p:nvCxnSpPr>
         <p:spPr>
-          <a:xfrm flipV="1">
-            <a:off x="6270171" y="1000124"/>
-            <a:ext cx="671911" cy="4155907"/>
+          <a:xfrm>
+            <a:off x="1278235" y="1912883"/>
+            <a:ext cx="1123321" cy="823972"/>
           </a:xfrm>
           <a:prstGeom prst="bentConnector3">
             <a:avLst>
@@ -16654,6 +17502,229 @@
           </a:prstGeom>
           <a:ln>
             <a:tailEnd type="triangle"/>
+          </a:ln>
+        </p:spPr>
+        <p:style>
+          <a:lnRef idx="1">
+            <a:schemeClr val="dk1"/>
+          </a:lnRef>
+          <a:fillRef idx="0">
+            <a:schemeClr val="dk1"/>
+          </a:fillRef>
+          <a:effectRef idx="0">
+            <a:schemeClr val="dk1"/>
+          </a:effectRef>
+          <a:fontRef idx="minor">
+            <a:schemeClr val="tx1"/>
+          </a:fontRef>
+        </p:style>
+      </p:cxnSp>
+      <p:sp>
+        <p:nvSpPr>
+          <p:cNvPr id="35" name="TextBox 34">
+            <a:extLst>
+              <a:ext uri="{FF2B5EF4-FFF2-40B4-BE49-F238E27FC236}">
+                <a16:creationId xmlns:a16="http://schemas.microsoft.com/office/drawing/2014/main" id="{6701FEDD-B8D6-F7B1-9884-492A7B850956}"/>
+              </a:ext>
+            </a:extLst>
+          </p:cNvPr>
+          <p:cNvSpPr txBox="1"/>
+          <p:nvPr/>
+        </p:nvSpPr>
+        <p:spPr>
+          <a:xfrm>
+            <a:off x="7307542" y="3513540"/>
+            <a:ext cx="1605346" cy="369332"/>
+          </a:xfrm>
+          <a:prstGeom prst="rect">
+            <a:avLst/>
+          </a:prstGeom>
+          <a:noFill/>
+        </p:spPr>
+        <p:txBody>
+          <a:bodyPr wrap="square" rtlCol="0">
+            <a:spAutoFit/>
+          </a:bodyPr>
+          <a:lstStyle/>
+          <a:p>
+            <a:r>
+              <a:rPr lang="en-US" dirty="0" err="1"/>
+              <a:t>AutoStrategy</a:t>
+            </a:r>
+            <a:endParaRPr lang="en-IN" dirty="0"/>
+          </a:p>
+        </p:txBody>
+      </p:sp>
+      <p:sp>
+        <p:nvSpPr>
+          <p:cNvPr id="36" name="Rectangle 35">
+            <a:extLst>
+              <a:ext uri="{FF2B5EF4-FFF2-40B4-BE49-F238E27FC236}">
+                <a16:creationId xmlns:a16="http://schemas.microsoft.com/office/drawing/2014/main" id="{520E9B03-D05E-BAA2-CEFC-E5B6586F64D2}"/>
+              </a:ext>
+            </a:extLst>
+          </p:cNvPr>
+          <p:cNvSpPr/>
+          <p:nvPr/>
+        </p:nvSpPr>
+        <p:spPr>
+          <a:xfrm>
+            <a:off x="6976574" y="3328009"/>
+            <a:ext cx="2051975" cy="765777"/>
+          </a:xfrm>
+          <a:prstGeom prst="rect">
+            <a:avLst/>
+          </a:prstGeom>
+          <a:noFill/>
+          <a:ln>
+            <a:solidFill>
+              <a:schemeClr val="bg2">
+                <a:lumMod val="10000"/>
+              </a:schemeClr>
+            </a:solidFill>
+          </a:ln>
+        </p:spPr>
+        <p:style>
+          <a:lnRef idx="2">
+            <a:schemeClr val="accent1">
+              <a:shade val="50000"/>
+            </a:schemeClr>
+          </a:lnRef>
+          <a:fillRef idx="1">
+            <a:schemeClr val="accent1"/>
+          </a:fillRef>
+          <a:effectRef idx="0">
+            <a:schemeClr val="accent1"/>
+          </a:effectRef>
+          <a:fontRef idx="minor">
+            <a:schemeClr val="lt1"/>
+          </a:fontRef>
+        </p:style>
+        <p:txBody>
+          <a:bodyPr rtlCol="0" anchor="ctr"/>
+          <a:lstStyle/>
+          <a:p>
+            <a:pPr algn="ctr"/>
+            <a:endParaRPr lang="en-IN"/>
+          </a:p>
+        </p:txBody>
+      </p:sp>
+      <p:sp>
+        <p:nvSpPr>
+          <p:cNvPr id="37" name="TextBox 36">
+            <a:extLst>
+              <a:ext uri="{FF2B5EF4-FFF2-40B4-BE49-F238E27FC236}">
+                <a16:creationId xmlns:a16="http://schemas.microsoft.com/office/drawing/2014/main" id="{AF5B8F7A-DCAB-6BA4-11BD-E5265A679449}"/>
+              </a:ext>
+            </a:extLst>
+          </p:cNvPr>
+          <p:cNvSpPr txBox="1"/>
+          <p:nvPr/>
+        </p:nvSpPr>
+        <p:spPr>
+          <a:xfrm>
+            <a:off x="6989975" y="4967606"/>
+            <a:ext cx="2051975" cy="369332"/>
+          </a:xfrm>
+          <a:prstGeom prst="rect">
+            <a:avLst/>
+          </a:prstGeom>
+          <a:noFill/>
+        </p:spPr>
+        <p:txBody>
+          <a:bodyPr wrap="square" rtlCol="0">
+            <a:spAutoFit/>
+          </a:bodyPr>
+          <a:lstStyle/>
+          <a:p>
+            <a:r>
+              <a:rPr lang="en-US"/>
+              <a:t>CabStrategy</a:t>
+            </a:r>
+            <a:endParaRPr lang="en-IN" dirty="0"/>
+          </a:p>
+        </p:txBody>
+      </p:sp>
+      <p:sp>
+        <p:nvSpPr>
+          <p:cNvPr id="38" name="Rectangle 37">
+            <a:extLst>
+              <a:ext uri="{FF2B5EF4-FFF2-40B4-BE49-F238E27FC236}">
+                <a16:creationId xmlns:a16="http://schemas.microsoft.com/office/drawing/2014/main" id="{52FE1A19-7758-17EA-46EE-17246BC389B3}"/>
+              </a:ext>
+            </a:extLst>
+          </p:cNvPr>
+          <p:cNvSpPr/>
+          <p:nvPr/>
+        </p:nvSpPr>
+        <p:spPr>
+          <a:xfrm>
+            <a:off x="6976574" y="4782075"/>
+            <a:ext cx="2051975" cy="765777"/>
+          </a:xfrm>
+          <a:prstGeom prst="rect">
+            <a:avLst/>
+          </a:prstGeom>
+          <a:noFill/>
+          <a:ln>
+            <a:solidFill>
+              <a:schemeClr val="bg2">
+                <a:lumMod val="10000"/>
+              </a:schemeClr>
+            </a:solidFill>
+          </a:ln>
+        </p:spPr>
+        <p:style>
+          <a:lnRef idx="2">
+            <a:schemeClr val="accent1">
+              <a:shade val="50000"/>
+            </a:schemeClr>
+          </a:lnRef>
+          <a:fillRef idx="1">
+            <a:schemeClr val="accent1"/>
+          </a:fillRef>
+          <a:effectRef idx="0">
+            <a:schemeClr val="accent1"/>
+          </a:effectRef>
+          <a:fontRef idx="minor">
+            <a:schemeClr val="lt1"/>
+          </a:fontRef>
+        </p:style>
+        <p:txBody>
+          <a:bodyPr rtlCol="0" anchor="ctr"/>
+          <a:lstStyle/>
+          <a:p>
+            <a:pPr algn="ctr"/>
+            <a:endParaRPr lang="en-IN"/>
+          </a:p>
+        </p:txBody>
+      </p:sp>
+      <p:cxnSp>
+        <p:nvCxnSpPr>
+          <p:cNvPr id="25" name="Straight Connector 24">
+            <a:extLst>
+              <a:ext uri="{FF2B5EF4-FFF2-40B4-BE49-F238E27FC236}">
+                <a16:creationId xmlns:a16="http://schemas.microsoft.com/office/drawing/2014/main" id="{587EEBC2-886F-177E-CF33-4B488ADA4058}"/>
+              </a:ext>
+            </a:extLst>
+          </p:cNvPr>
+          <p:cNvCxnSpPr>
+            <a:cxnSpLocks/>
+            <a:stCxn id="3" idx="2"/>
+            <a:endCxn id="9" idx="0"/>
+          </p:cNvCxnSpPr>
+          <p:nvPr/>
+        </p:nvCxnSpPr>
+        <p:spPr>
+          <a:xfrm flipH="1">
+            <a:off x="3203260" y="3682326"/>
+            <a:ext cx="867442" cy="913576"/>
+          </a:xfrm>
+          <a:prstGeom prst="line">
+            <a:avLst/>
+          </a:prstGeom>
+          <a:ln>
+            <a:prstDash val="lgDashDot"/>
           </a:ln>
         </p:spPr>
         <p:style>
@@ -16673,26 +17744,27 @@
       </p:cxnSp>
       <p:cxnSp>
         <p:nvCxnSpPr>
-          <p:cNvPr id="19" name="Straight Arrow Connector 17">
-            <a:extLst>
-              <a:ext uri="{FF2B5EF4-FFF2-40B4-BE49-F238E27FC236}">
-                <a16:creationId xmlns:a16="http://schemas.microsoft.com/office/drawing/2014/main" id="{2CC5B049-CC97-CA52-2E1B-4CDDDBFB90FC}"/>
+          <p:cNvPr id="21" name="Straight Arrow Connector 17">
+            <a:extLst>
+              <a:ext uri="{FF2B5EF4-FFF2-40B4-BE49-F238E27FC236}">
+                <a16:creationId xmlns:a16="http://schemas.microsoft.com/office/drawing/2014/main" id="{F9F9F70D-0793-ECDA-FCF0-11C059ACFDDE}"/>
               </a:ext>
             </a:extLst>
           </p:cNvPr>
           <p:cNvCxnSpPr>
             <a:cxnSpLocks/>
-            <a:stCxn id="9" idx="3"/>
           </p:cNvCxnSpPr>
           <p:nvPr/>
         </p:nvCxnSpPr>
         <p:spPr>
-          <a:xfrm flipV="1">
-            <a:off x="6270171" y="4348709"/>
-            <a:ext cx="93787" cy="807322"/>
-          </a:xfrm>
-          <a:prstGeom prst="bentConnector2">
-            <a:avLst/>
+          <a:xfrm rot="10800000" flipV="1">
+            <a:off x="5029951" y="3710897"/>
+            <a:ext cx="1946623" cy="1814465"/>
+          </a:xfrm>
+          <a:prstGeom prst="bentConnector3">
+            <a:avLst>
+              <a:gd name="adj1" fmla="val 51080"/>
+            </a:avLst>
           </a:prstGeom>
           <a:ln>
             <a:tailEnd type="triangle"/>
@@ -16715,23 +17787,24 @@
       </p:cxnSp>
       <p:cxnSp>
         <p:nvCxnSpPr>
-          <p:cNvPr id="20" name="Straight Arrow Connector 17">
-            <a:extLst>
-              <a:ext uri="{FF2B5EF4-FFF2-40B4-BE49-F238E27FC236}">
-                <a16:creationId xmlns:a16="http://schemas.microsoft.com/office/drawing/2014/main" id="{B1AFC1C3-4EE2-C261-D00F-889440E94B5E}"/>
+          <p:cNvPr id="30" name="Straight Arrow Connector 17">
+            <a:extLst>
+              <a:ext uri="{FF2B5EF4-FFF2-40B4-BE49-F238E27FC236}">
+                <a16:creationId xmlns:a16="http://schemas.microsoft.com/office/drawing/2014/main" id="{60DEA466-A7E7-DD70-1726-1292A8E2EEEE}"/>
               </a:ext>
             </a:extLst>
           </p:cNvPr>
           <p:cNvCxnSpPr>
             <a:cxnSpLocks/>
-            <a:endCxn id="7" idx="1"/>
+            <a:stCxn id="17" idx="1"/>
+            <a:endCxn id="9" idx="3"/>
           </p:cNvCxnSpPr>
           <p:nvPr/>
         </p:nvCxnSpPr>
         <p:spPr>
-          <a:xfrm>
-            <a:off x="1278235" y="1912883"/>
-            <a:ext cx="1123321" cy="823972"/>
+          <a:xfrm rot="10800000" flipV="1">
+            <a:off x="5029952" y="2454189"/>
+            <a:ext cx="1912131" cy="3071173"/>
           </a:xfrm>
           <a:prstGeom prst="bentConnector3">
             <a:avLst>
@@ -16757,210 +17830,34 @@
           </a:fontRef>
         </p:style>
       </p:cxnSp>
-      <p:sp>
-        <p:nvSpPr>
-          <p:cNvPr id="35" name="TextBox 34">
-            <a:extLst>
-              <a:ext uri="{FF2B5EF4-FFF2-40B4-BE49-F238E27FC236}">
-                <a16:creationId xmlns:a16="http://schemas.microsoft.com/office/drawing/2014/main" id="{6701FEDD-B8D6-F7B1-9884-492A7B850956}"/>
-              </a:ext>
-            </a:extLst>
-          </p:cNvPr>
-          <p:cNvSpPr txBox="1"/>
-          <p:nvPr/>
-        </p:nvSpPr>
-        <p:spPr>
-          <a:xfrm>
-            <a:off x="7307542" y="3513540"/>
-            <a:ext cx="1605346" cy="369332"/>
-          </a:xfrm>
-          <a:prstGeom prst="rect">
-            <a:avLst/>
-          </a:prstGeom>
-          <a:noFill/>
-        </p:spPr>
-        <p:txBody>
-          <a:bodyPr wrap="square" rtlCol="0">
-            <a:spAutoFit/>
-          </a:bodyPr>
-          <a:lstStyle/>
-          <a:p>
-            <a:r>
-              <a:rPr lang="en-US" dirty="0" err="1"/>
-              <a:t>AutoStrategy</a:t>
-            </a:r>
-            <a:endParaRPr lang="en-IN" dirty="0"/>
-          </a:p>
-        </p:txBody>
-      </p:sp>
-      <p:sp>
-        <p:nvSpPr>
-          <p:cNvPr id="36" name="Rectangle 35">
-            <a:extLst>
-              <a:ext uri="{FF2B5EF4-FFF2-40B4-BE49-F238E27FC236}">
-                <a16:creationId xmlns:a16="http://schemas.microsoft.com/office/drawing/2014/main" id="{520E9B03-D05E-BAA2-CEFC-E5B6586F64D2}"/>
-              </a:ext>
-            </a:extLst>
-          </p:cNvPr>
-          <p:cNvSpPr/>
-          <p:nvPr/>
-        </p:nvSpPr>
-        <p:spPr>
-          <a:xfrm>
-            <a:off x="6976574" y="3328009"/>
-            <a:ext cx="2051975" cy="765777"/>
-          </a:xfrm>
-          <a:prstGeom prst="rect">
-            <a:avLst/>
-          </a:prstGeom>
-          <a:noFill/>
-          <a:ln>
-            <a:solidFill>
-              <a:schemeClr val="bg2">
-                <a:lumMod val="10000"/>
-              </a:schemeClr>
-            </a:solidFill>
-          </a:ln>
-        </p:spPr>
-        <p:style>
-          <a:lnRef idx="2">
-            <a:schemeClr val="accent1">
-              <a:shade val="50000"/>
-            </a:schemeClr>
-          </a:lnRef>
-          <a:fillRef idx="1">
-            <a:schemeClr val="accent1"/>
-          </a:fillRef>
-          <a:effectRef idx="0">
-            <a:schemeClr val="accent1"/>
-          </a:effectRef>
-          <a:fontRef idx="minor">
-            <a:schemeClr val="lt1"/>
-          </a:fontRef>
-        </p:style>
-        <p:txBody>
-          <a:bodyPr rtlCol="0" anchor="ctr"/>
-          <a:lstStyle/>
-          <a:p>
-            <a:pPr algn="ctr"/>
-            <a:endParaRPr lang="en-IN"/>
-          </a:p>
-        </p:txBody>
-      </p:sp>
-      <p:sp>
-        <p:nvSpPr>
-          <p:cNvPr id="37" name="TextBox 36">
-            <a:extLst>
-              <a:ext uri="{FF2B5EF4-FFF2-40B4-BE49-F238E27FC236}">
-                <a16:creationId xmlns:a16="http://schemas.microsoft.com/office/drawing/2014/main" id="{AF5B8F7A-DCAB-6BA4-11BD-E5265A679449}"/>
-              </a:ext>
-            </a:extLst>
-          </p:cNvPr>
-          <p:cNvSpPr txBox="1"/>
-          <p:nvPr/>
-        </p:nvSpPr>
-        <p:spPr>
-          <a:xfrm>
-            <a:off x="6989975" y="4967606"/>
-            <a:ext cx="2051975" cy="369332"/>
-          </a:xfrm>
-          <a:prstGeom prst="rect">
-            <a:avLst/>
-          </a:prstGeom>
-          <a:noFill/>
-        </p:spPr>
-        <p:txBody>
-          <a:bodyPr wrap="square" rtlCol="0">
-            <a:spAutoFit/>
-          </a:bodyPr>
-          <a:lstStyle/>
-          <a:p>
-            <a:r>
-              <a:rPr lang="en-US"/>
-              <a:t>CabStrategy</a:t>
-            </a:r>
-            <a:endParaRPr lang="en-IN" dirty="0"/>
-          </a:p>
-        </p:txBody>
-      </p:sp>
-      <p:sp>
-        <p:nvSpPr>
-          <p:cNvPr id="38" name="Rectangle 37">
-            <a:extLst>
-              <a:ext uri="{FF2B5EF4-FFF2-40B4-BE49-F238E27FC236}">
-                <a16:creationId xmlns:a16="http://schemas.microsoft.com/office/drawing/2014/main" id="{52FE1A19-7758-17EA-46EE-17246BC389B3}"/>
-              </a:ext>
-            </a:extLst>
-          </p:cNvPr>
-          <p:cNvSpPr/>
-          <p:nvPr/>
-        </p:nvSpPr>
-        <p:spPr>
-          <a:xfrm>
-            <a:off x="6976574" y="4782075"/>
-            <a:ext cx="2051975" cy="765777"/>
-          </a:xfrm>
-          <a:prstGeom prst="rect">
-            <a:avLst/>
-          </a:prstGeom>
-          <a:noFill/>
-          <a:ln>
-            <a:solidFill>
-              <a:schemeClr val="bg2">
-                <a:lumMod val="10000"/>
-              </a:schemeClr>
-            </a:solidFill>
-          </a:ln>
-        </p:spPr>
-        <p:style>
-          <a:lnRef idx="2">
-            <a:schemeClr val="accent1">
-              <a:shade val="50000"/>
-            </a:schemeClr>
-          </a:lnRef>
-          <a:fillRef idx="1">
-            <a:schemeClr val="accent1"/>
-          </a:fillRef>
-          <a:effectRef idx="0">
-            <a:schemeClr val="accent1"/>
-          </a:effectRef>
-          <a:fontRef idx="minor">
-            <a:schemeClr val="lt1"/>
-          </a:fontRef>
-        </p:style>
-        <p:txBody>
-          <a:bodyPr rtlCol="0" anchor="ctr"/>
-          <a:lstStyle/>
-          <a:p>
-            <a:pPr algn="ctr"/>
-            <a:endParaRPr lang="en-IN"/>
-          </a:p>
-        </p:txBody>
-      </p:sp>
       <p:cxnSp>
         <p:nvCxnSpPr>
-          <p:cNvPr id="25" name="Straight Connector 24">
-            <a:extLst>
-              <a:ext uri="{FF2B5EF4-FFF2-40B4-BE49-F238E27FC236}">
-                <a16:creationId xmlns:a16="http://schemas.microsoft.com/office/drawing/2014/main" id="{587EEBC2-886F-177E-CF33-4B488ADA4058}"/>
+          <p:cNvPr id="33" name="Straight Arrow Connector 17">
+            <a:extLst>
+              <a:ext uri="{FF2B5EF4-FFF2-40B4-BE49-F238E27FC236}">
+                <a16:creationId xmlns:a16="http://schemas.microsoft.com/office/drawing/2014/main" id="{AEF33027-B297-5AF4-AB8C-2A069A146E89}"/>
               </a:ext>
             </a:extLst>
           </p:cNvPr>
           <p:cNvCxnSpPr>
-            <a:stCxn id="3" idx="2"/>
+            <a:cxnSpLocks/>
+            <a:stCxn id="15" idx="1"/>
+            <a:endCxn id="9" idx="3"/>
           </p:cNvCxnSpPr>
           <p:nvPr/>
         </p:nvCxnSpPr>
         <p:spPr>
-          <a:xfrm>
-            <a:off x="4070702" y="3682326"/>
-            <a:ext cx="372778" cy="564160"/>
-          </a:xfrm>
-          <a:prstGeom prst="line">
-            <a:avLst/>
+          <a:xfrm rot="10800000" flipV="1">
+            <a:off x="5029952" y="1000123"/>
+            <a:ext cx="1912131" cy="4525239"/>
+          </a:xfrm>
+          <a:prstGeom prst="bentConnector3">
+            <a:avLst>
+              <a:gd name="adj1" fmla="val 50000"/>
+            </a:avLst>
           </a:prstGeom>
           <a:ln>
-            <a:prstDash val="sysDash"/>
+            <a:tailEnd type="triangle"/>
           </a:ln>
         </p:spPr>
         <p:style>
@@ -16982,6 +17879,1766 @@
     <p:extLst>
       <p:ext uri="{BB962C8B-B14F-4D97-AF65-F5344CB8AC3E}">
         <p14:creationId xmlns:p14="http://schemas.microsoft.com/office/powerpoint/2010/main" val="3915814131"/>
+      </p:ext>
+    </p:extLst>
+  </p:cSld>
+  <p:clrMapOvr>
+    <a:masterClrMapping/>
+  </p:clrMapOvr>
+  <p:timing>
+    <p:tnLst>
+      <p:par>
+        <p:cTn id="1" dur="indefinite" restart="never" nodeType="tmRoot">
+          <p:childTnLst>
+            <p:seq concurrent="1" nextAc="seek">
+              <p:cTn id="2" dur="indefinite" nodeType="mainSeq">
+                <p:childTnLst>
+                  <p:par>
+                    <p:cTn id="3" fill="hold">
+                      <p:stCondLst>
+                        <p:cond delay="indefinite"/>
+                      </p:stCondLst>
+                      <p:childTnLst>
+                        <p:par>
+                          <p:cTn id="4" fill="hold">
+                            <p:stCondLst>
+                              <p:cond delay="0"/>
+                            </p:stCondLst>
+                            <p:childTnLst>
+                              <p:par>
+                                <p:cTn id="5" presetID="1" presetClass="emph" presetSubtype="2" fill="hold" nodeType="clickEffect">
+                                  <p:stCondLst>
+                                    <p:cond delay="0"/>
+                                  </p:stCondLst>
+                                  <p:childTnLst>
+                                    <p:animClr clrSpc="rgb" dir="cw">
+                                      <p:cBhvr>
+                                        <p:cTn id="6" dur="2000" fill="hold"/>
+                                        <p:tgtEl>
+                                          <p:spTgt spid="21"/>
+                                        </p:tgtEl>
+                                        <p:attrNameLst>
+                                          <p:attrName>fillcolor</p:attrName>
+                                        </p:attrNameLst>
+                                      </p:cBhvr>
+                                      <p:to>
+                                        <a:schemeClr val="accent2"/>
+                                      </p:to>
+                                    </p:animClr>
+                                    <p:set>
+                                      <p:cBhvr>
+                                        <p:cTn id="7" dur="2000" fill="hold"/>
+                                        <p:tgtEl>
+                                          <p:spTgt spid="21"/>
+                                        </p:tgtEl>
+                                        <p:attrNameLst>
+                                          <p:attrName>fill.type</p:attrName>
+                                        </p:attrNameLst>
+                                      </p:cBhvr>
+                                      <p:to>
+                                        <p:strVal val="solid"/>
+                                      </p:to>
+                                    </p:set>
+                                    <p:set>
+                                      <p:cBhvr>
+                                        <p:cTn id="8" dur="2000" fill="hold"/>
+                                        <p:tgtEl>
+                                          <p:spTgt spid="21"/>
+                                        </p:tgtEl>
+                                        <p:attrNameLst>
+                                          <p:attrName>fill.on</p:attrName>
+                                        </p:attrNameLst>
+                                      </p:cBhvr>
+                                      <p:to>
+                                        <p:strVal val="true"/>
+                                      </p:to>
+                                    </p:set>
+                                  </p:childTnLst>
+                                </p:cTn>
+                              </p:par>
+                            </p:childTnLst>
+                          </p:cTn>
+                        </p:par>
+                      </p:childTnLst>
+                    </p:cTn>
+                  </p:par>
+                  <p:par>
+                    <p:cTn id="9" fill="hold">
+                      <p:stCondLst>
+                        <p:cond delay="indefinite"/>
+                      </p:stCondLst>
+                      <p:childTnLst>
+                        <p:par>
+                          <p:cTn id="10" fill="hold">
+                            <p:stCondLst>
+                              <p:cond delay="0"/>
+                            </p:stCondLst>
+                            <p:childTnLst>
+                              <p:par>
+                                <p:cTn id="11" presetID="1" presetClass="emph" presetSubtype="2" fill="hold" nodeType="clickEffect">
+                                  <p:stCondLst>
+                                    <p:cond delay="0"/>
+                                  </p:stCondLst>
+                                  <p:childTnLst>
+                                    <p:animClr clrSpc="rgb" dir="cw">
+                                      <p:cBhvr>
+                                        <p:cTn id="12" dur="2000" fill="hold"/>
+                                        <p:tgtEl>
+                                          <p:spTgt spid="30"/>
+                                        </p:tgtEl>
+                                        <p:attrNameLst>
+                                          <p:attrName>fillcolor</p:attrName>
+                                        </p:attrNameLst>
+                                      </p:cBhvr>
+                                      <p:to>
+                                        <a:schemeClr val="accent2"/>
+                                      </p:to>
+                                    </p:animClr>
+                                    <p:set>
+                                      <p:cBhvr>
+                                        <p:cTn id="13" dur="2000" fill="hold"/>
+                                        <p:tgtEl>
+                                          <p:spTgt spid="30"/>
+                                        </p:tgtEl>
+                                        <p:attrNameLst>
+                                          <p:attrName>fill.type</p:attrName>
+                                        </p:attrNameLst>
+                                      </p:cBhvr>
+                                      <p:to>
+                                        <p:strVal val="solid"/>
+                                      </p:to>
+                                    </p:set>
+                                    <p:set>
+                                      <p:cBhvr>
+                                        <p:cTn id="14" dur="2000" fill="hold"/>
+                                        <p:tgtEl>
+                                          <p:spTgt spid="30"/>
+                                        </p:tgtEl>
+                                        <p:attrNameLst>
+                                          <p:attrName>fill.on</p:attrName>
+                                        </p:attrNameLst>
+                                      </p:cBhvr>
+                                      <p:to>
+                                        <p:strVal val="true"/>
+                                      </p:to>
+                                    </p:set>
+                                  </p:childTnLst>
+                                </p:cTn>
+                              </p:par>
+                            </p:childTnLst>
+                          </p:cTn>
+                        </p:par>
+                      </p:childTnLst>
+                    </p:cTn>
+                  </p:par>
+                  <p:par>
+                    <p:cTn id="15" fill="hold">
+                      <p:stCondLst>
+                        <p:cond delay="indefinite"/>
+                      </p:stCondLst>
+                      <p:childTnLst>
+                        <p:par>
+                          <p:cTn id="16" fill="hold">
+                            <p:stCondLst>
+                              <p:cond delay="0"/>
+                            </p:stCondLst>
+                            <p:childTnLst>
+                              <p:par>
+                                <p:cTn id="17" presetID="1" presetClass="emph" presetSubtype="2" fill="hold" nodeType="clickEffect">
+                                  <p:stCondLst>
+                                    <p:cond delay="0"/>
+                                  </p:stCondLst>
+                                  <p:childTnLst>
+                                    <p:animClr clrSpc="rgb" dir="cw">
+                                      <p:cBhvr>
+                                        <p:cTn id="18" dur="2000" fill="hold"/>
+                                        <p:tgtEl>
+                                          <p:spTgt spid="33"/>
+                                        </p:tgtEl>
+                                        <p:attrNameLst>
+                                          <p:attrName>fillcolor</p:attrName>
+                                        </p:attrNameLst>
+                                      </p:cBhvr>
+                                      <p:to>
+                                        <a:schemeClr val="accent2"/>
+                                      </p:to>
+                                    </p:animClr>
+                                    <p:set>
+                                      <p:cBhvr>
+                                        <p:cTn id="19" dur="2000" fill="hold"/>
+                                        <p:tgtEl>
+                                          <p:spTgt spid="33"/>
+                                        </p:tgtEl>
+                                        <p:attrNameLst>
+                                          <p:attrName>fill.type</p:attrName>
+                                        </p:attrNameLst>
+                                      </p:cBhvr>
+                                      <p:to>
+                                        <p:strVal val="solid"/>
+                                      </p:to>
+                                    </p:set>
+                                    <p:set>
+                                      <p:cBhvr>
+                                        <p:cTn id="20" dur="2000" fill="hold"/>
+                                        <p:tgtEl>
+                                          <p:spTgt spid="33"/>
+                                        </p:tgtEl>
+                                        <p:attrNameLst>
+                                          <p:attrName>fill.on</p:attrName>
+                                        </p:attrNameLst>
+                                      </p:cBhvr>
+                                      <p:to>
+                                        <p:strVal val="true"/>
+                                      </p:to>
+                                    </p:set>
+                                  </p:childTnLst>
+                                </p:cTn>
+                              </p:par>
+                            </p:childTnLst>
+                          </p:cTn>
+                        </p:par>
+                      </p:childTnLst>
+                    </p:cTn>
+                  </p:par>
+                </p:childTnLst>
+              </p:cTn>
+              <p:prevCondLst>
+                <p:cond evt="onPrev" delay="0">
+                  <p:tgtEl>
+                    <p:sldTgt/>
+                  </p:tgtEl>
+                </p:cond>
+              </p:prevCondLst>
+              <p:nextCondLst>
+                <p:cond evt="onNext" delay="0">
+                  <p:tgtEl>
+                    <p:sldTgt/>
+                  </p:tgtEl>
+                </p:cond>
+              </p:nextCondLst>
+            </p:seq>
+          </p:childTnLst>
+        </p:cTn>
+      </p:par>
+    </p:tnLst>
+  </p:timing>
+</p:sld>
+</file>
+
+<file path=ppt/slides/slide18.xml><?xml version="1.0" encoding="utf-8"?>
+<p:sld xmlns:a="http://schemas.openxmlformats.org/drawingml/2006/main" xmlns:r="http://schemas.openxmlformats.org/officeDocument/2006/relationships" xmlns:p="http://schemas.openxmlformats.org/presentationml/2006/main">
+  <p:cSld>
+    <p:spTree>
+      <p:nvGrpSpPr>
+        <p:cNvPr id="1" name=""/>
+        <p:cNvGrpSpPr/>
+        <p:nvPr/>
+      </p:nvGrpSpPr>
+      <p:grpSpPr>
+        <a:xfrm>
+          <a:off x="0" y="0"/>
+          <a:ext cx="0" cy="0"/>
+          <a:chOff x="0" y="0"/>
+          <a:chExt cx="0" cy="0"/>
+        </a:xfrm>
+      </p:grpSpPr>
+      <p:sp>
+        <p:nvSpPr>
+          <p:cNvPr id="2" name="Rectangle 1">
+            <a:extLst>
+              <a:ext uri="{FF2B5EF4-FFF2-40B4-BE49-F238E27FC236}">
+                <a16:creationId xmlns:a16="http://schemas.microsoft.com/office/drawing/2014/main" id="{92DD9186-C38E-D691-9415-82963B85AF0B}"/>
+              </a:ext>
+            </a:extLst>
+          </p:cNvPr>
+          <p:cNvSpPr/>
+          <p:nvPr/>
+        </p:nvSpPr>
+        <p:spPr>
+          <a:xfrm>
+            <a:off x="3195290" y="475115"/>
+            <a:ext cx="4398866" cy="2103855"/>
+          </a:xfrm>
+          <a:prstGeom prst="rect">
+            <a:avLst/>
+          </a:prstGeom>
+          <a:noFill/>
+          <a:ln>
+            <a:solidFill>
+              <a:schemeClr val="bg2">
+                <a:lumMod val="10000"/>
+              </a:schemeClr>
+            </a:solidFill>
+          </a:ln>
+        </p:spPr>
+        <p:style>
+          <a:lnRef idx="2">
+            <a:schemeClr val="accent1">
+              <a:shade val="50000"/>
+            </a:schemeClr>
+          </a:lnRef>
+          <a:fillRef idx="1">
+            <a:schemeClr val="accent1"/>
+          </a:fillRef>
+          <a:effectRef idx="0">
+            <a:schemeClr val="accent1"/>
+          </a:effectRef>
+          <a:fontRef idx="minor">
+            <a:schemeClr val="lt1"/>
+          </a:fontRef>
+        </p:style>
+        <p:txBody>
+          <a:bodyPr rtlCol="0" anchor="ctr"/>
+          <a:lstStyle/>
+          <a:p>
+            <a:pPr algn="ctr"/>
+            <a:endParaRPr lang="en-IN"/>
+          </a:p>
+        </p:txBody>
+      </p:sp>
+      <p:cxnSp>
+        <p:nvCxnSpPr>
+          <p:cNvPr id="3" name="Straight Connector 2">
+            <a:extLst>
+              <a:ext uri="{FF2B5EF4-FFF2-40B4-BE49-F238E27FC236}">
+                <a16:creationId xmlns:a16="http://schemas.microsoft.com/office/drawing/2014/main" id="{3A7AE566-F034-9C19-1414-420ABED7E989}"/>
+              </a:ext>
+            </a:extLst>
+          </p:cNvPr>
+          <p:cNvCxnSpPr>
+            <a:cxnSpLocks/>
+          </p:cNvCxnSpPr>
+          <p:nvPr/>
+        </p:nvCxnSpPr>
+        <p:spPr>
+          <a:xfrm>
+            <a:off x="3195289" y="1048373"/>
+            <a:ext cx="4398867" cy="0"/>
+          </a:xfrm>
+          <a:prstGeom prst="line">
+            <a:avLst/>
+          </a:prstGeom>
+          <a:ln>
+            <a:solidFill>
+              <a:schemeClr val="tx1">
+                <a:lumMod val="95000"/>
+                <a:lumOff val="5000"/>
+              </a:schemeClr>
+            </a:solidFill>
+          </a:ln>
+        </p:spPr>
+        <p:style>
+          <a:lnRef idx="1">
+            <a:schemeClr val="accent1"/>
+          </a:lnRef>
+          <a:fillRef idx="0">
+            <a:schemeClr val="accent1"/>
+          </a:fillRef>
+          <a:effectRef idx="0">
+            <a:schemeClr val="accent1"/>
+          </a:effectRef>
+          <a:fontRef idx="minor">
+            <a:schemeClr val="tx1"/>
+          </a:fontRef>
+        </p:style>
+      </p:cxnSp>
+      <p:sp>
+        <p:nvSpPr>
+          <p:cNvPr id="5" name="TextBox 4">
+            <a:extLst>
+              <a:ext uri="{FF2B5EF4-FFF2-40B4-BE49-F238E27FC236}">
+                <a16:creationId xmlns:a16="http://schemas.microsoft.com/office/drawing/2014/main" id="{EC3B596C-2EB1-B5F2-8D41-B11B4C91653B}"/>
+              </a:ext>
+            </a:extLst>
+          </p:cNvPr>
+          <p:cNvSpPr txBox="1"/>
+          <p:nvPr/>
+        </p:nvSpPr>
+        <p:spPr>
+          <a:xfrm>
+            <a:off x="3195290" y="597254"/>
+            <a:ext cx="2684550" cy="369571"/>
+          </a:xfrm>
+          <a:prstGeom prst="rect">
+            <a:avLst/>
+          </a:prstGeom>
+          <a:noFill/>
+        </p:spPr>
+        <p:txBody>
+          <a:bodyPr wrap="square" rtlCol="0">
+            <a:spAutoFit/>
+          </a:bodyPr>
+          <a:lstStyle/>
+          <a:p>
+            <a:r>
+              <a:rPr lang="en-US" dirty="0" err="1"/>
+              <a:t>IMusicPlayer</a:t>
+            </a:r>
+            <a:endParaRPr lang="en-IN" dirty="0"/>
+          </a:p>
+        </p:txBody>
+      </p:sp>
+      <p:sp>
+        <p:nvSpPr>
+          <p:cNvPr id="6" name="TextBox 5">
+            <a:extLst>
+              <a:ext uri="{FF2B5EF4-FFF2-40B4-BE49-F238E27FC236}">
+                <a16:creationId xmlns:a16="http://schemas.microsoft.com/office/drawing/2014/main" id="{D4B160CD-A285-4AB8-C222-FAEBD7E68F84}"/>
+              </a:ext>
+            </a:extLst>
+          </p:cNvPr>
+          <p:cNvSpPr txBox="1"/>
+          <p:nvPr/>
+        </p:nvSpPr>
+        <p:spPr>
+          <a:xfrm>
+            <a:off x="3195290" y="1216642"/>
+            <a:ext cx="4582365" cy="1201105"/>
+          </a:xfrm>
+          <a:prstGeom prst="rect">
+            <a:avLst/>
+          </a:prstGeom>
+          <a:noFill/>
+        </p:spPr>
+        <p:txBody>
+          <a:bodyPr wrap="square" rtlCol="0">
+            <a:spAutoFit/>
+          </a:bodyPr>
+          <a:lstStyle/>
+          <a:p>
+            <a:r>
+              <a:rPr lang="en-US" dirty="0"/>
+              <a:t>void </a:t>
+            </a:r>
+            <a:r>
+              <a:rPr lang="en-US" dirty="0" err="1"/>
+              <a:t>PlaySong</a:t>
+            </a:r>
+            <a:r>
+              <a:rPr lang="en-US" dirty="0"/>
+              <a:t>(string song)</a:t>
+            </a:r>
+          </a:p>
+          <a:p>
+            <a:r>
+              <a:rPr lang="en-US" dirty="0" err="1"/>
+              <a:t>IPlayback</a:t>
+            </a:r>
+            <a:r>
+              <a:rPr lang="en-US" dirty="0"/>
+              <a:t> </a:t>
+            </a:r>
+            <a:r>
+              <a:rPr lang="en-US" dirty="0" err="1"/>
+              <a:t>CreateMemento</a:t>
+            </a:r>
+            <a:r>
+              <a:rPr lang="en-US" dirty="0"/>
+              <a:t>()</a:t>
+            </a:r>
+          </a:p>
+          <a:p>
+            <a:r>
+              <a:rPr lang="en-US" dirty="0"/>
+              <a:t>void </a:t>
+            </a:r>
+            <a:r>
+              <a:rPr lang="en-US" dirty="0" err="1"/>
+              <a:t>RestoreMemento</a:t>
+            </a:r>
+            <a:r>
+              <a:rPr lang="en-US" dirty="0"/>
+              <a:t>(</a:t>
+            </a:r>
+            <a:r>
+              <a:rPr lang="en-US" dirty="0" err="1"/>
+              <a:t>IPlayback</a:t>
+            </a:r>
+            <a:r>
+              <a:rPr lang="en-US" dirty="0"/>
+              <a:t> Memento)</a:t>
+            </a:r>
+          </a:p>
+          <a:p>
+            <a:r>
+              <a:rPr lang="en-US" dirty="0"/>
+              <a:t>void </a:t>
+            </a:r>
+            <a:r>
+              <a:rPr lang="en-US" dirty="0" err="1"/>
+              <a:t>GetAllRestoredSongs</a:t>
+            </a:r>
+            <a:r>
+              <a:rPr lang="en-US" dirty="0"/>
+              <a:t>()</a:t>
+            </a:r>
+          </a:p>
+        </p:txBody>
+      </p:sp>
+      <p:sp>
+        <p:nvSpPr>
+          <p:cNvPr id="8" name="Rectangle 7">
+            <a:extLst>
+              <a:ext uri="{FF2B5EF4-FFF2-40B4-BE49-F238E27FC236}">
+                <a16:creationId xmlns:a16="http://schemas.microsoft.com/office/drawing/2014/main" id="{61E10073-B156-F70F-B2ED-A5CD7C25CBEF}"/>
+              </a:ext>
+            </a:extLst>
+          </p:cNvPr>
+          <p:cNvSpPr/>
+          <p:nvPr/>
+        </p:nvSpPr>
+        <p:spPr>
+          <a:xfrm>
+            <a:off x="252248" y="3999926"/>
+            <a:ext cx="2190374" cy="1200325"/>
+          </a:xfrm>
+          <a:prstGeom prst="rect">
+            <a:avLst/>
+          </a:prstGeom>
+          <a:noFill/>
+          <a:ln>
+            <a:solidFill>
+              <a:schemeClr val="bg2">
+                <a:lumMod val="10000"/>
+              </a:schemeClr>
+            </a:solidFill>
+          </a:ln>
+        </p:spPr>
+        <p:style>
+          <a:lnRef idx="2">
+            <a:schemeClr val="accent1">
+              <a:shade val="50000"/>
+            </a:schemeClr>
+          </a:lnRef>
+          <a:fillRef idx="1">
+            <a:schemeClr val="accent1"/>
+          </a:fillRef>
+          <a:effectRef idx="0">
+            <a:schemeClr val="accent1"/>
+          </a:effectRef>
+          <a:fontRef idx="minor">
+            <a:schemeClr val="lt1"/>
+          </a:fontRef>
+        </p:style>
+        <p:txBody>
+          <a:bodyPr rtlCol="0" anchor="ctr"/>
+          <a:lstStyle/>
+          <a:p>
+            <a:pPr algn="ctr"/>
+            <a:endParaRPr lang="en-IN"/>
+          </a:p>
+        </p:txBody>
+      </p:sp>
+      <p:cxnSp>
+        <p:nvCxnSpPr>
+          <p:cNvPr id="9" name="Straight Connector 8">
+            <a:extLst>
+              <a:ext uri="{FF2B5EF4-FFF2-40B4-BE49-F238E27FC236}">
+                <a16:creationId xmlns:a16="http://schemas.microsoft.com/office/drawing/2014/main" id="{45AB780F-AC06-58F5-9D8D-510EDB3B20CA}"/>
+              </a:ext>
+            </a:extLst>
+          </p:cNvPr>
+          <p:cNvCxnSpPr>
+            <a:cxnSpLocks/>
+          </p:cNvCxnSpPr>
+          <p:nvPr/>
+        </p:nvCxnSpPr>
+        <p:spPr>
+          <a:xfrm>
+            <a:off x="252248" y="4600088"/>
+            <a:ext cx="2190374" cy="0"/>
+          </a:xfrm>
+          <a:prstGeom prst="line">
+            <a:avLst/>
+          </a:prstGeom>
+          <a:ln>
+            <a:solidFill>
+              <a:schemeClr val="tx1">
+                <a:lumMod val="95000"/>
+                <a:lumOff val="5000"/>
+              </a:schemeClr>
+            </a:solidFill>
+          </a:ln>
+        </p:spPr>
+        <p:style>
+          <a:lnRef idx="1">
+            <a:schemeClr val="accent1"/>
+          </a:lnRef>
+          <a:fillRef idx="0">
+            <a:schemeClr val="accent1"/>
+          </a:fillRef>
+          <a:effectRef idx="0">
+            <a:schemeClr val="accent1"/>
+          </a:effectRef>
+          <a:fontRef idx="minor">
+            <a:schemeClr val="tx1"/>
+          </a:fontRef>
+        </p:style>
+      </p:cxnSp>
+      <p:sp>
+        <p:nvSpPr>
+          <p:cNvPr id="10" name="TextBox 9">
+            <a:extLst>
+              <a:ext uri="{FF2B5EF4-FFF2-40B4-BE49-F238E27FC236}">
+                <a16:creationId xmlns:a16="http://schemas.microsoft.com/office/drawing/2014/main" id="{F19A3388-8AFD-3777-AC6D-4871E6844106}"/>
+              </a:ext>
+            </a:extLst>
+          </p:cNvPr>
+          <p:cNvSpPr txBox="1"/>
+          <p:nvPr/>
+        </p:nvSpPr>
+        <p:spPr>
+          <a:xfrm>
+            <a:off x="252249" y="4145902"/>
+            <a:ext cx="2357454" cy="369332"/>
+          </a:xfrm>
+          <a:prstGeom prst="rect">
+            <a:avLst/>
+          </a:prstGeom>
+          <a:noFill/>
+        </p:spPr>
+        <p:txBody>
+          <a:bodyPr wrap="square" rtlCol="0">
+            <a:spAutoFit/>
+          </a:bodyPr>
+          <a:lstStyle/>
+          <a:p>
+            <a:r>
+              <a:rPr lang="en-US" dirty="0" err="1"/>
+              <a:t>IPlaybackMemento</a:t>
+            </a:r>
+            <a:endParaRPr lang="en-IN" dirty="0"/>
+          </a:p>
+        </p:txBody>
+      </p:sp>
+      <p:sp>
+        <p:nvSpPr>
+          <p:cNvPr id="11" name="TextBox 10">
+            <a:extLst>
+              <a:ext uri="{FF2B5EF4-FFF2-40B4-BE49-F238E27FC236}">
+                <a16:creationId xmlns:a16="http://schemas.microsoft.com/office/drawing/2014/main" id="{59FAD8B1-7A84-30E5-4ACA-7397D1C60EFC}"/>
+              </a:ext>
+            </a:extLst>
+          </p:cNvPr>
+          <p:cNvSpPr txBox="1"/>
+          <p:nvPr/>
+        </p:nvSpPr>
+        <p:spPr>
+          <a:xfrm>
+            <a:off x="252247" y="4693394"/>
+            <a:ext cx="1673087" cy="646331"/>
+          </a:xfrm>
+          <a:prstGeom prst="rect">
+            <a:avLst/>
+          </a:prstGeom>
+          <a:noFill/>
+        </p:spPr>
+        <p:txBody>
+          <a:bodyPr wrap="square" rtlCol="0">
+            <a:spAutoFit/>
+          </a:bodyPr>
+          <a:lstStyle/>
+          <a:p>
+            <a:r>
+              <a:rPr lang="en-US" dirty="0" err="1"/>
+              <a:t>SavedSong</a:t>
+            </a:r>
+            <a:endParaRPr lang="en-US" dirty="0"/>
+          </a:p>
+          <a:p>
+            <a:endParaRPr lang="en-US" dirty="0"/>
+          </a:p>
+        </p:txBody>
+      </p:sp>
+      <p:cxnSp>
+        <p:nvCxnSpPr>
+          <p:cNvPr id="12" name="Straight Arrow Connector 17">
+            <a:extLst>
+              <a:ext uri="{FF2B5EF4-FFF2-40B4-BE49-F238E27FC236}">
+                <a16:creationId xmlns:a16="http://schemas.microsoft.com/office/drawing/2014/main" id="{767BE006-884B-84FA-67F1-99D1856227C9}"/>
+              </a:ext>
+            </a:extLst>
+          </p:cNvPr>
+          <p:cNvCxnSpPr>
+            <a:cxnSpLocks/>
+          </p:cNvCxnSpPr>
+          <p:nvPr/>
+        </p:nvCxnSpPr>
+        <p:spPr>
+          <a:xfrm rot="10800000">
+            <a:off x="1069967" y="5171731"/>
+            <a:ext cx="577344" cy="591941"/>
+          </a:xfrm>
+          <a:prstGeom prst="bentConnector2">
+            <a:avLst/>
+          </a:prstGeom>
+          <a:ln>
+            <a:tailEnd type="triangle"/>
+          </a:ln>
+        </p:spPr>
+        <p:style>
+          <a:lnRef idx="1">
+            <a:schemeClr val="dk1"/>
+          </a:lnRef>
+          <a:fillRef idx="0">
+            <a:schemeClr val="dk1"/>
+          </a:fillRef>
+          <a:effectRef idx="0">
+            <a:schemeClr val="dk1"/>
+          </a:effectRef>
+          <a:fontRef idx="minor">
+            <a:schemeClr val="tx1"/>
+          </a:fontRef>
+        </p:style>
+      </p:cxnSp>
+      <p:sp>
+        <p:nvSpPr>
+          <p:cNvPr id="14" name="TextBox 13">
+            <a:extLst>
+              <a:ext uri="{FF2B5EF4-FFF2-40B4-BE49-F238E27FC236}">
+                <a16:creationId xmlns:a16="http://schemas.microsoft.com/office/drawing/2014/main" id="{94BEB141-C67D-171F-9888-E5DE489EFE21}"/>
+              </a:ext>
+            </a:extLst>
+          </p:cNvPr>
+          <p:cNvSpPr txBox="1"/>
+          <p:nvPr/>
+        </p:nvSpPr>
+        <p:spPr>
+          <a:xfrm>
+            <a:off x="34225" y="158031"/>
+            <a:ext cx="6138040" cy="400110"/>
+          </a:xfrm>
+          <a:prstGeom prst="rect">
+            <a:avLst/>
+          </a:prstGeom>
+          <a:noFill/>
+        </p:spPr>
+        <p:txBody>
+          <a:bodyPr wrap="square">
+            <a:spAutoFit/>
+          </a:bodyPr>
+          <a:lstStyle/>
+          <a:p>
+            <a:r>
+              <a:rPr lang="en-US" sz="2000" b="1" u="sng" dirty="0">
+                <a:solidFill>
+                  <a:srgbClr val="000000"/>
+                </a:solidFill>
+              </a:rPr>
+              <a:t>Memento </a:t>
+            </a:r>
+            <a:r>
+              <a:rPr lang="en-IN" sz="2000" b="1" u="sng" dirty="0">
+                <a:solidFill>
+                  <a:srgbClr val="000000"/>
+                </a:solidFill>
+              </a:rPr>
+              <a:t>Design Pattern</a:t>
+            </a:r>
+            <a:endParaRPr lang="en-IN" sz="2000" b="1" u="sng" dirty="0"/>
+          </a:p>
+        </p:txBody>
+      </p:sp>
+      <p:sp>
+        <p:nvSpPr>
+          <p:cNvPr id="16" name="Rectangle 15">
+            <a:extLst>
+              <a:ext uri="{FF2B5EF4-FFF2-40B4-BE49-F238E27FC236}">
+                <a16:creationId xmlns:a16="http://schemas.microsoft.com/office/drawing/2014/main" id="{EAD4A740-2434-7571-4727-4458BCF808F5}"/>
+              </a:ext>
+            </a:extLst>
+          </p:cNvPr>
+          <p:cNvSpPr/>
+          <p:nvPr/>
+        </p:nvSpPr>
+        <p:spPr>
+          <a:xfrm>
+            <a:off x="4090673" y="4124823"/>
+            <a:ext cx="3951887" cy="1589760"/>
+          </a:xfrm>
+          <a:prstGeom prst="rect">
+            <a:avLst/>
+          </a:prstGeom>
+          <a:noFill/>
+          <a:ln>
+            <a:solidFill>
+              <a:schemeClr val="bg2">
+                <a:lumMod val="10000"/>
+              </a:schemeClr>
+            </a:solidFill>
+          </a:ln>
+        </p:spPr>
+        <p:style>
+          <a:lnRef idx="2">
+            <a:schemeClr val="accent1">
+              <a:shade val="50000"/>
+            </a:schemeClr>
+          </a:lnRef>
+          <a:fillRef idx="1">
+            <a:schemeClr val="accent1"/>
+          </a:fillRef>
+          <a:effectRef idx="0">
+            <a:schemeClr val="accent1"/>
+          </a:effectRef>
+          <a:fontRef idx="minor">
+            <a:schemeClr val="lt1"/>
+          </a:fontRef>
+        </p:style>
+        <p:txBody>
+          <a:bodyPr rtlCol="0" anchor="ctr"/>
+          <a:lstStyle/>
+          <a:p>
+            <a:pPr algn="ctr"/>
+            <a:endParaRPr lang="en-IN"/>
+          </a:p>
+        </p:txBody>
+      </p:sp>
+      <p:cxnSp>
+        <p:nvCxnSpPr>
+          <p:cNvPr id="17" name="Straight Connector 16">
+            <a:extLst>
+              <a:ext uri="{FF2B5EF4-FFF2-40B4-BE49-F238E27FC236}">
+                <a16:creationId xmlns:a16="http://schemas.microsoft.com/office/drawing/2014/main" id="{0521121F-A2EF-F965-3039-DA55ECDD2DD4}"/>
+              </a:ext>
+            </a:extLst>
+          </p:cNvPr>
+          <p:cNvCxnSpPr>
+            <a:cxnSpLocks/>
+          </p:cNvCxnSpPr>
+          <p:nvPr/>
+        </p:nvCxnSpPr>
+        <p:spPr>
+          <a:xfrm>
+            <a:off x="4090671" y="4698080"/>
+            <a:ext cx="3951889" cy="0"/>
+          </a:xfrm>
+          <a:prstGeom prst="line">
+            <a:avLst/>
+          </a:prstGeom>
+          <a:ln>
+            <a:solidFill>
+              <a:schemeClr val="tx1">
+                <a:lumMod val="95000"/>
+                <a:lumOff val="5000"/>
+              </a:schemeClr>
+            </a:solidFill>
+          </a:ln>
+        </p:spPr>
+        <p:style>
+          <a:lnRef idx="1">
+            <a:schemeClr val="accent1"/>
+          </a:lnRef>
+          <a:fillRef idx="0">
+            <a:schemeClr val="accent1"/>
+          </a:fillRef>
+          <a:effectRef idx="0">
+            <a:schemeClr val="accent1"/>
+          </a:effectRef>
+          <a:fontRef idx="minor">
+            <a:schemeClr val="tx1"/>
+          </a:fontRef>
+        </p:style>
+      </p:cxnSp>
+      <p:sp>
+        <p:nvSpPr>
+          <p:cNvPr id="18" name="TextBox 17">
+            <a:extLst>
+              <a:ext uri="{FF2B5EF4-FFF2-40B4-BE49-F238E27FC236}">
+                <a16:creationId xmlns:a16="http://schemas.microsoft.com/office/drawing/2014/main" id="{5219602D-3401-59BA-EFBF-114EA56B669E}"/>
+              </a:ext>
+            </a:extLst>
+          </p:cNvPr>
+          <p:cNvSpPr txBox="1"/>
+          <p:nvPr/>
+        </p:nvSpPr>
+        <p:spPr>
+          <a:xfrm>
+            <a:off x="4090673" y="4246962"/>
+            <a:ext cx="2687588" cy="369332"/>
+          </a:xfrm>
+          <a:prstGeom prst="rect">
+            <a:avLst/>
+          </a:prstGeom>
+          <a:noFill/>
+        </p:spPr>
+        <p:txBody>
+          <a:bodyPr wrap="square" rtlCol="0">
+            <a:spAutoFit/>
+          </a:bodyPr>
+          <a:lstStyle/>
+          <a:p>
+            <a:r>
+              <a:rPr lang="en-US" dirty="0" err="1"/>
+              <a:t>IHistoryManager</a:t>
+            </a:r>
+            <a:endParaRPr lang="en-IN" dirty="0"/>
+          </a:p>
+        </p:txBody>
+      </p:sp>
+      <p:sp>
+        <p:nvSpPr>
+          <p:cNvPr id="19" name="TextBox 18">
+            <a:extLst>
+              <a:ext uri="{FF2B5EF4-FFF2-40B4-BE49-F238E27FC236}">
+                <a16:creationId xmlns:a16="http://schemas.microsoft.com/office/drawing/2014/main" id="{4786D029-B5B4-30D7-86FF-D380AA226071}"/>
+              </a:ext>
+            </a:extLst>
+          </p:cNvPr>
+          <p:cNvSpPr txBox="1"/>
+          <p:nvPr/>
+        </p:nvSpPr>
+        <p:spPr>
+          <a:xfrm>
+            <a:off x="4090672" y="4866349"/>
+            <a:ext cx="4138793" cy="646331"/>
+          </a:xfrm>
+          <a:prstGeom prst="rect">
+            <a:avLst/>
+          </a:prstGeom>
+          <a:noFill/>
+        </p:spPr>
+        <p:txBody>
+          <a:bodyPr wrap="square" rtlCol="0">
+            <a:spAutoFit/>
+          </a:bodyPr>
+          <a:lstStyle/>
+          <a:p>
+            <a:r>
+              <a:rPr lang="en-US" dirty="0" err="1"/>
+              <a:t>IPlayback</a:t>
+            </a:r>
+            <a:r>
+              <a:rPr lang="en-US" dirty="0"/>
+              <a:t> </a:t>
+            </a:r>
+            <a:r>
+              <a:rPr lang="en-US" dirty="0" err="1"/>
+              <a:t>GetMemento</a:t>
+            </a:r>
+            <a:r>
+              <a:rPr lang="en-US" dirty="0"/>
+              <a:t>()</a:t>
+            </a:r>
+          </a:p>
+          <a:p>
+            <a:r>
+              <a:rPr lang="en-US" dirty="0"/>
+              <a:t>void </a:t>
+            </a:r>
+            <a:r>
+              <a:rPr lang="en-US" dirty="0" err="1"/>
+              <a:t>AddMemento</a:t>
+            </a:r>
+            <a:r>
+              <a:rPr lang="en-US" dirty="0"/>
+              <a:t>(</a:t>
+            </a:r>
+            <a:r>
+              <a:rPr lang="en-US" dirty="0" err="1"/>
+              <a:t>IPlayback</a:t>
+            </a:r>
+            <a:r>
+              <a:rPr lang="en-US" dirty="0"/>
+              <a:t> Memento)</a:t>
+            </a:r>
+          </a:p>
+        </p:txBody>
+      </p:sp>
+      <p:sp>
+        <p:nvSpPr>
+          <p:cNvPr id="28" name="Rectangle 27">
+            <a:extLst>
+              <a:ext uri="{FF2B5EF4-FFF2-40B4-BE49-F238E27FC236}">
+                <a16:creationId xmlns:a16="http://schemas.microsoft.com/office/drawing/2014/main" id="{D470F283-4C56-571F-DE84-61D88DE1DE61}"/>
+              </a:ext>
+            </a:extLst>
+          </p:cNvPr>
+          <p:cNvSpPr/>
+          <p:nvPr/>
+        </p:nvSpPr>
+        <p:spPr>
+          <a:xfrm>
+            <a:off x="1647312" y="5433028"/>
+            <a:ext cx="2190374" cy="1200325"/>
+          </a:xfrm>
+          <a:prstGeom prst="rect">
+            <a:avLst/>
+          </a:prstGeom>
+          <a:noFill/>
+          <a:ln>
+            <a:solidFill>
+              <a:schemeClr val="bg2">
+                <a:lumMod val="10000"/>
+              </a:schemeClr>
+            </a:solidFill>
+          </a:ln>
+        </p:spPr>
+        <p:style>
+          <a:lnRef idx="2">
+            <a:schemeClr val="accent1">
+              <a:shade val="50000"/>
+            </a:schemeClr>
+          </a:lnRef>
+          <a:fillRef idx="1">
+            <a:schemeClr val="accent1"/>
+          </a:fillRef>
+          <a:effectRef idx="0">
+            <a:schemeClr val="accent1"/>
+          </a:effectRef>
+          <a:fontRef idx="minor">
+            <a:schemeClr val="lt1"/>
+          </a:fontRef>
+        </p:style>
+        <p:txBody>
+          <a:bodyPr rtlCol="0" anchor="ctr"/>
+          <a:lstStyle/>
+          <a:p>
+            <a:pPr algn="ctr"/>
+            <a:endParaRPr lang="en-IN"/>
+          </a:p>
+        </p:txBody>
+      </p:sp>
+      <p:cxnSp>
+        <p:nvCxnSpPr>
+          <p:cNvPr id="29" name="Straight Connector 28">
+            <a:extLst>
+              <a:ext uri="{FF2B5EF4-FFF2-40B4-BE49-F238E27FC236}">
+                <a16:creationId xmlns:a16="http://schemas.microsoft.com/office/drawing/2014/main" id="{D61EF62E-8EAE-1EDF-4F3E-EA0DA824DB22}"/>
+              </a:ext>
+            </a:extLst>
+          </p:cNvPr>
+          <p:cNvCxnSpPr>
+            <a:cxnSpLocks/>
+          </p:cNvCxnSpPr>
+          <p:nvPr/>
+        </p:nvCxnSpPr>
+        <p:spPr>
+          <a:xfrm>
+            <a:off x="1647312" y="6033190"/>
+            <a:ext cx="2190374" cy="0"/>
+          </a:xfrm>
+          <a:prstGeom prst="line">
+            <a:avLst/>
+          </a:prstGeom>
+          <a:ln>
+            <a:solidFill>
+              <a:schemeClr val="tx1">
+                <a:lumMod val="95000"/>
+                <a:lumOff val="5000"/>
+              </a:schemeClr>
+            </a:solidFill>
+          </a:ln>
+        </p:spPr>
+        <p:style>
+          <a:lnRef idx="1">
+            <a:schemeClr val="accent1"/>
+          </a:lnRef>
+          <a:fillRef idx="0">
+            <a:schemeClr val="accent1"/>
+          </a:fillRef>
+          <a:effectRef idx="0">
+            <a:schemeClr val="accent1"/>
+          </a:effectRef>
+          <a:fontRef idx="minor">
+            <a:schemeClr val="tx1"/>
+          </a:fontRef>
+        </p:style>
+      </p:cxnSp>
+      <p:sp>
+        <p:nvSpPr>
+          <p:cNvPr id="30" name="TextBox 29">
+            <a:extLst>
+              <a:ext uri="{FF2B5EF4-FFF2-40B4-BE49-F238E27FC236}">
+                <a16:creationId xmlns:a16="http://schemas.microsoft.com/office/drawing/2014/main" id="{0133A553-6FE8-FC94-AC61-7349EC8E13C1}"/>
+              </a:ext>
+            </a:extLst>
+          </p:cNvPr>
+          <p:cNvSpPr txBox="1"/>
+          <p:nvPr/>
+        </p:nvSpPr>
+        <p:spPr>
+          <a:xfrm>
+            <a:off x="1647313" y="5579004"/>
+            <a:ext cx="2357454" cy="369332"/>
+          </a:xfrm>
+          <a:prstGeom prst="rect">
+            <a:avLst/>
+          </a:prstGeom>
+          <a:noFill/>
+        </p:spPr>
+        <p:txBody>
+          <a:bodyPr wrap="square" rtlCol="0">
+            <a:spAutoFit/>
+          </a:bodyPr>
+          <a:lstStyle/>
+          <a:p>
+            <a:r>
+              <a:rPr lang="en-US" dirty="0" err="1"/>
+              <a:t>PlaybackMemento</a:t>
+            </a:r>
+            <a:endParaRPr lang="en-IN" dirty="0"/>
+          </a:p>
+        </p:txBody>
+      </p:sp>
+      <p:sp>
+        <p:nvSpPr>
+          <p:cNvPr id="31" name="TextBox 30">
+            <a:extLst>
+              <a:ext uri="{FF2B5EF4-FFF2-40B4-BE49-F238E27FC236}">
+                <a16:creationId xmlns:a16="http://schemas.microsoft.com/office/drawing/2014/main" id="{9092B43C-D359-152A-8675-F4B8B671D2F7}"/>
+              </a:ext>
+            </a:extLst>
+          </p:cNvPr>
+          <p:cNvSpPr txBox="1"/>
+          <p:nvPr/>
+        </p:nvSpPr>
+        <p:spPr>
+          <a:xfrm>
+            <a:off x="1647311" y="6126495"/>
+            <a:ext cx="2357454" cy="646331"/>
+          </a:xfrm>
+          <a:prstGeom prst="rect">
+            <a:avLst/>
+          </a:prstGeom>
+          <a:noFill/>
+        </p:spPr>
+        <p:txBody>
+          <a:bodyPr wrap="square" rtlCol="0">
+            <a:spAutoFit/>
+          </a:bodyPr>
+          <a:lstStyle/>
+          <a:p>
+            <a:r>
+              <a:rPr lang="en-US" dirty="0" err="1"/>
+              <a:t>SavedSong</a:t>
+            </a:r>
+            <a:endParaRPr lang="en-US" dirty="0"/>
+          </a:p>
+          <a:p>
+            <a:endParaRPr lang="en-US" dirty="0"/>
+          </a:p>
+        </p:txBody>
+      </p:sp>
+      <p:sp>
+        <p:nvSpPr>
+          <p:cNvPr id="37" name="Rectangle 36">
+            <a:extLst>
+              <a:ext uri="{FF2B5EF4-FFF2-40B4-BE49-F238E27FC236}">
+                <a16:creationId xmlns:a16="http://schemas.microsoft.com/office/drawing/2014/main" id="{49029FB7-CAB3-261D-A50B-7757EB93CB56}"/>
+              </a:ext>
+            </a:extLst>
+          </p:cNvPr>
+          <p:cNvSpPr/>
+          <p:nvPr/>
+        </p:nvSpPr>
+        <p:spPr>
+          <a:xfrm>
+            <a:off x="8146050" y="5171731"/>
+            <a:ext cx="3951887" cy="1589760"/>
+          </a:xfrm>
+          <a:prstGeom prst="rect">
+            <a:avLst/>
+          </a:prstGeom>
+          <a:noFill/>
+          <a:ln>
+            <a:solidFill>
+              <a:schemeClr val="bg2">
+                <a:lumMod val="10000"/>
+              </a:schemeClr>
+            </a:solidFill>
+          </a:ln>
+        </p:spPr>
+        <p:style>
+          <a:lnRef idx="2">
+            <a:schemeClr val="accent1">
+              <a:shade val="50000"/>
+            </a:schemeClr>
+          </a:lnRef>
+          <a:fillRef idx="1">
+            <a:schemeClr val="accent1"/>
+          </a:fillRef>
+          <a:effectRef idx="0">
+            <a:schemeClr val="accent1"/>
+          </a:effectRef>
+          <a:fontRef idx="minor">
+            <a:schemeClr val="lt1"/>
+          </a:fontRef>
+        </p:style>
+        <p:txBody>
+          <a:bodyPr rtlCol="0" anchor="ctr"/>
+          <a:lstStyle/>
+          <a:p>
+            <a:pPr algn="ctr"/>
+            <a:endParaRPr lang="en-IN"/>
+          </a:p>
+        </p:txBody>
+      </p:sp>
+      <p:cxnSp>
+        <p:nvCxnSpPr>
+          <p:cNvPr id="38" name="Straight Connector 37">
+            <a:extLst>
+              <a:ext uri="{FF2B5EF4-FFF2-40B4-BE49-F238E27FC236}">
+                <a16:creationId xmlns:a16="http://schemas.microsoft.com/office/drawing/2014/main" id="{B7860BA0-0C7A-74BE-AE7B-B56D1754FFE8}"/>
+              </a:ext>
+            </a:extLst>
+          </p:cNvPr>
+          <p:cNvCxnSpPr>
+            <a:cxnSpLocks/>
+          </p:cNvCxnSpPr>
+          <p:nvPr/>
+        </p:nvCxnSpPr>
+        <p:spPr>
+          <a:xfrm>
+            <a:off x="8146048" y="5748217"/>
+            <a:ext cx="3951889" cy="0"/>
+          </a:xfrm>
+          <a:prstGeom prst="line">
+            <a:avLst/>
+          </a:prstGeom>
+          <a:ln>
+            <a:solidFill>
+              <a:schemeClr val="tx1">
+                <a:lumMod val="95000"/>
+                <a:lumOff val="5000"/>
+              </a:schemeClr>
+            </a:solidFill>
+          </a:ln>
+        </p:spPr>
+        <p:style>
+          <a:lnRef idx="1">
+            <a:schemeClr val="accent1"/>
+          </a:lnRef>
+          <a:fillRef idx="0">
+            <a:schemeClr val="accent1"/>
+          </a:fillRef>
+          <a:effectRef idx="0">
+            <a:schemeClr val="accent1"/>
+          </a:effectRef>
+          <a:fontRef idx="minor">
+            <a:schemeClr val="tx1"/>
+          </a:fontRef>
+        </p:style>
+      </p:cxnSp>
+      <p:sp>
+        <p:nvSpPr>
+          <p:cNvPr id="39" name="TextBox 38">
+            <a:extLst>
+              <a:ext uri="{FF2B5EF4-FFF2-40B4-BE49-F238E27FC236}">
+                <a16:creationId xmlns:a16="http://schemas.microsoft.com/office/drawing/2014/main" id="{6FF436EF-E2F1-7B88-5B3F-9EB692419039}"/>
+              </a:ext>
+            </a:extLst>
+          </p:cNvPr>
+          <p:cNvSpPr txBox="1"/>
+          <p:nvPr/>
+        </p:nvSpPr>
+        <p:spPr>
+          <a:xfrm>
+            <a:off x="8146050" y="5297099"/>
+            <a:ext cx="2687588" cy="369332"/>
+          </a:xfrm>
+          <a:prstGeom prst="rect">
+            <a:avLst/>
+          </a:prstGeom>
+          <a:noFill/>
+        </p:spPr>
+        <p:txBody>
+          <a:bodyPr wrap="square" rtlCol="0">
+            <a:spAutoFit/>
+          </a:bodyPr>
+          <a:lstStyle/>
+          <a:p>
+            <a:r>
+              <a:rPr lang="en-US" dirty="0" err="1"/>
+              <a:t>HistoryManager</a:t>
+            </a:r>
+            <a:endParaRPr lang="en-IN" dirty="0"/>
+          </a:p>
+        </p:txBody>
+      </p:sp>
+      <p:sp>
+        <p:nvSpPr>
+          <p:cNvPr id="40" name="TextBox 39">
+            <a:extLst>
+              <a:ext uri="{FF2B5EF4-FFF2-40B4-BE49-F238E27FC236}">
+                <a16:creationId xmlns:a16="http://schemas.microsoft.com/office/drawing/2014/main" id="{D48294BF-8262-2315-6A4B-0176A1A0D5BF}"/>
+              </a:ext>
+            </a:extLst>
+          </p:cNvPr>
+          <p:cNvSpPr txBox="1"/>
+          <p:nvPr/>
+        </p:nvSpPr>
+        <p:spPr>
+          <a:xfrm>
+            <a:off x="8134540" y="5933303"/>
+            <a:ext cx="4138793" cy="646331"/>
+          </a:xfrm>
+          <a:prstGeom prst="rect">
+            <a:avLst/>
+          </a:prstGeom>
+          <a:noFill/>
+        </p:spPr>
+        <p:txBody>
+          <a:bodyPr wrap="square" rtlCol="0">
+            <a:spAutoFit/>
+          </a:bodyPr>
+          <a:lstStyle/>
+          <a:p>
+            <a:r>
+              <a:rPr lang="en-US" dirty="0" err="1"/>
+              <a:t>IPlayback</a:t>
+            </a:r>
+            <a:r>
+              <a:rPr lang="en-US" dirty="0"/>
+              <a:t> </a:t>
+            </a:r>
+            <a:r>
+              <a:rPr lang="en-US" dirty="0" err="1"/>
+              <a:t>GetMemento</a:t>
+            </a:r>
+            <a:r>
+              <a:rPr lang="en-US" dirty="0"/>
+              <a:t>(){}</a:t>
+            </a:r>
+          </a:p>
+          <a:p>
+            <a:r>
+              <a:rPr lang="en-US" dirty="0"/>
+              <a:t>void </a:t>
+            </a:r>
+            <a:r>
+              <a:rPr lang="en-US" dirty="0" err="1"/>
+              <a:t>AddMemento</a:t>
+            </a:r>
+            <a:r>
+              <a:rPr lang="en-US" dirty="0"/>
+              <a:t>(</a:t>
+            </a:r>
+            <a:r>
+              <a:rPr lang="en-US" dirty="0" err="1"/>
+              <a:t>IPlayback</a:t>
+            </a:r>
+            <a:r>
+              <a:rPr lang="en-US" dirty="0"/>
+              <a:t> Memento){}</a:t>
+            </a:r>
+          </a:p>
+        </p:txBody>
+      </p:sp>
+      <p:cxnSp>
+        <p:nvCxnSpPr>
+          <p:cNvPr id="41" name="Straight Arrow Connector 17">
+            <a:extLst>
+              <a:ext uri="{FF2B5EF4-FFF2-40B4-BE49-F238E27FC236}">
+                <a16:creationId xmlns:a16="http://schemas.microsoft.com/office/drawing/2014/main" id="{F6CE1908-AD27-E2C8-DCDA-209D458E51C5}"/>
+              </a:ext>
+            </a:extLst>
+          </p:cNvPr>
+          <p:cNvCxnSpPr>
+            <a:cxnSpLocks/>
+            <a:stCxn id="40" idx="1"/>
+            <a:endCxn id="16" idx="2"/>
+          </p:cNvCxnSpPr>
+          <p:nvPr/>
+        </p:nvCxnSpPr>
+        <p:spPr>
+          <a:xfrm rot="10800000">
+            <a:off x="6066618" y="5714583"/>
+            <a:ext cx="2067923" cy="541886"/>
+          </a:xfrm>
+          <a:prstGeom prst="bentConnector2">
+            <a:avLst/>
+          </a:prstGeom>
+          <a:ln>
+            <a:tailEnd type="triangle"/>
+          </a:ln>
+        </p:spPr>
+        <p:style>
+          <a:lnRef idx="1">
+            <a:schemeClr val="dk1"/>
+          </a:lnRef>
+          <a:fillRef idx="0">
+            <a:schemeClr val="dk1"/>
+          </a:fillRef>
+          <a:effectRef idx="0">
+            <a:schemeClr val="dk1"/>
+          </a:effectRef>
+          <a:fontRef idx="minor">
+            <a:schemeClr val="tx1"/>
+          </a:fontRef>
+        </p:style>
+      </p:cxnSp>
+      <p:sp>
+        <p:nvSpPr>
+          <p:cNvPr id="45" name="Rectangle 44">
+            <a:extLst>
+              <a:ext uri="{FF2B5EF4-FFF2-40B4-BE49-F238E27FC236}">
+                <a16:creationId xmlns:a16="http://schemas.microsoft.com/office/drawing/2014/main" id="{1065EDF4-B008-1DAB-54DC-7CD0BB97AAE1}"/>
+              </a:ext>
+            </a:extLst>
+          </p:cNvPr>
+          <p:cNvSpPr/>
+          <p:nvPr/>
+        </p:nvSpPr>
+        <p:spPr>
+          <a:xfrm>
+            <a:off x="7702477" y="1579735"/>
+            <a:ext cx="4398866" cy="2103855"/>
+          </a:xfrm>
+          <a:prstGeom prst="rect">
+            <a:avLst/>
+          </a:prstGeom>
+          <a:noFill/>
+          <a:ln>
+            <a:solidFill>
+              <a:schemeClr val="bg2">
+                <a:lumMod val="10000"/>
+              </a:schemeClr>
+            </a:solidFill>
+          </a:ln>
+        </p:spPr>
+        <p:style>
+          <a:lnRef idx="2">
+            <a:schemeClr val="accent1">
+              <a:shade val="50000"/>
+            </a:schemeClr>
+          </a:lnRef>
+          <a:fillRef idx="1">
+            <a:schemeClr val="accent1"/>
+          </a:fillRef>
+          <a:effectRef idx="0">
+            <a:schemeClr val="accent1"/>
+          </a:effectRef>
+          <a:fontRef idx="minor">
+            <a:schemeClr val="lt1"/>
+          </a:fontRef>
+        </p:style>
+        <p:txBody>
+          <a:bodyPr rtlCol="0" anchor="ctr"/>
+          <a:lstStyle/>
+          <a:p>
+            <a:pPr algn="ctr"/>
+            <a:endParaRPr lang="en-IN"/>
+          </a:p>
+        </p:txBody>
+      </p:sp>
+      <p:cxnSp>
+        <p:nvCxnSpPr>
+          <p:cNvPr id="46" name="Straight Connector 45">
+            <a:extLst>
+              <a:ext uri="{FF2B5EF4-FFF2-40B4-BE49-F238E27FC236}">
+                <a16:creationId xmlns:a16="http://schemas.microsoft.com/office/drawing/2014/main" id="{34960745-5ED6-0BDC-7808-25A3C47896E8}"/>
+              </a:ext>
+            </a:extLst>
+          </p:cNvPr>
+          <p:cNvCxnSpPr>
+            <a:cxnSpLocks/>
+          </p:cNvCxnSpPr>
+          <p:nvPr/>
+        </p:nvCxnSpPr>
+        <p:spPr>
+          <a:xfrm>
+            <a:off x="7702476" y="2152993"/>
+            <a:ext cx="4398867" cy="0"/>
+          </a:xfrm>
+          <a:prstGeom prst="line">
+            <a:avLst/>
+          </a:prstGeom>
+          <a:ln>
+            <a:solidFill>
+              <a:schemeClr val="tx1">
+                <a:lumMod val="95000"/>
+                <a:lumOff val="5000"/>
+              </a:schemeClr>
+            </a:solidFill>
+          </a:ln>
+        </p:spPr>
+        <p:style>
+          <a:lnRef idx="1">
+            <a:schemeClr val="accent1"/>
+          </a:lnRef>
+          <a:fillRef idx="0">
+            <a:schemeClr val="accent1"/>
+          </a:fillRef>
+          <a:effectRef idx="0">
+            <a:schemeClr val="accent1"/>
+          </a:effectRef>
+          <a:fontRef idx="minor">
+            <a:schemeClr val="tx1"/>
+          </a:fontRef>
+        </p:style>
+      </p:cxnSp>
+      <p:sp>
+        <p:nvSpPr>
+          <p:cNvPr id="47" name="TextBox 46">
+            <a:extLst>
+              <a:ext uri="{FF2B5EF4-FFF2-40B4-BE49-F238E27FC236}">
+                <a16:creationId xmlns:a16="http://schemas.microsoft.com/office/drawing/2014/main" id="{C34575D1-C1BC-B3BD-00AD-6002ABBDEC52}"/>
+              </a:ext>
+            </a:extLst>
+          </p:cNvPr>
+          <p:cNvSpPr txBox="1"/>
+          <p:nvPr/>
+        </p:nvSpPr>
+        <p:spPr>
+          <a:xfrm>
+            <a:off x="7702477" y="1701874"/>
+            <a:ext cx="2684550" cy="369571"/>
+          </a:xfrm>
+          <a:prstGeom prst="rect">
+            <a:avLst/>
+          </a:prstGeom>
+          <a:noFill/>
+        </p:spPr>
+        <p:txBody>
+          <a:bodyPr wrap="square" rtlCol="0">
+            <a:spAutoFit/>
+          </a:bodyPr>
+          <a:lstStyle/>
+          <a:p>
+            <a:r>
+              <a:rPr lang="en-US" dirty="0" err="1"/>
+              <a:t>MusicPlayer</a:t>
+            </a:r>
+            <a:endParaRPr lang="en-IN" dirty="0"/>
+          </a:p>
+        </p:txBody>
+      </p:sp>
+      <p:sp>
+        <p:nvSpPr>
+          <p:cNvPr id="48" name="TextBox 47">
+            <a:extLst>
+              <a:ext uri="{FF2B5EF4-FFF2-40B4-BE49-F238E27FC236}">
+                <a16:creationId xmlns:a16="http://schemas.microsoft.com/office/drawing/2014/main" id="{D0C3C20A-A5DC-E0FC-DA4F-8F2DF0A02CFD}"/>
+              </a:ext>
+            </a:extLst>
+          </p:cNvPr>
+          <p:cNvSpPr txBox="1"/>
+          <p:nvPr/>
+        </p:nvSpPr>
+        <p:spPr>
+          <a:xfrm>
+            <a:off x="7702477" y="2321262"/>
+            <a:ext cx="4582365" cy="1201105"/>
+          </a:xfrm>
+          <a:prstGeom prst="rect">
+            <a:avLst/>
+          </a:prstGeom>
+          <a:noFill/>
+        </p:spPr>
+        <p:txBody>
+          <a:bodyPr wrap="square" rtlCol="0">
+            <a:spAutoFit/>
+          </a:bodyPr>
+          <a:lstStyle/>
+          <a:p>
+            <a:r>
+              <a:rPr lang="en-US" dirty="0"/>
+              <a:t>void </a:t>
+            </a:r>
+            <a:r>
+              <a:rPr lang="en-US" dirty="0" err="1"/>
+              <a:t>PlaySong</a:t>
+            </a:r>
+            <a:r>
+              <a:rPr lang="en-US" dirty="0"/>
+              <a:t>(string song){}</a:t>
+            </a:r>
+          </a:p>
+          <a:p>
+            <a:r>
+              <a:rPr lang="en-US" dirty="0" err="1"/>
+              <a:t>IPlayback</a:t>
+            </a:r>
+            <a:r>
+              <a:rPr lang="en-US" dirty="0"/>
+              <a:t> </a:t>
+            </a:r>
+            <a:r>
+              <a:rPr lang="en-US" dirty="0" err="1"/>
+              <a:t>CreateMemento</a:t>
+            </a:r>
+            <a:r>
+              <a:rPr lang="en-US" dirty="0"/>
+              <a:t>(){}</a:t>
+            </a:r>
+          </a:p>
+          <a:p>
+            <a:r>
+              <a:rPr lang="en-US" dirty="0"/>
+              <a:t>void </a:t>
+            </a:r>
+            <a:r>
+              <a:rPr lang="en-US" dirty="0" err="1"/>
+              <a:t>RestoreMemento</a:t>
+            </a:r>
+            <a:r>
+              <a:rPr lang="en-US" dirty="0"/>
+              <a:t>(</a:t>
+            </a:r>
+            <a:r>
+              <a:rPr lang="en-US" dirty="0" err="1"/>
+              <a:t>IPlayback</a:t>
+            </a:r>
+            <a:r>
+              <a:rPr lang="en-US" dirty="0"/>
+              <a:t> Memento){}</a:t>
+            </a:r>
+          </a:p>
+          <a:p>
+            <a:r>
+              <a:rPr lang="en-US" dirty="0"/>
+              <a:t>void </a:t>
+            </a:r>
+            <a:r>
+              <a:rPr lang="en-US" dirty="0" err="1"/>
+              <a:t>GetAllRestoredSongs</a:t>
+            </a:r>
+            <a:r>
+              <a:rPr lang="en-US" dirty="0"/>
+              <a:t>(){}</a:t>
+            </a:r>
+          </a:p>
+        </p:txBody>
+      </p:sp>
+      <p:cxnSp>
+        <p:nvCxnSpPr>
+          <p:cNvPr id="49" name="Straight Arrow Connector 17">
+            <a:extLst>
+              <a:ext uri="{FF2B5EF4-FFF2-40B4-BE49-F238E27FC236}">
+                <a16:creationId xmlns:a16="http://schemas.microsoft.com/office/drawing/2014/main" id="{C8BAE471-8D72-F07E-396B-EB34EAF8D34D}"/>
+              </a:ext>
+            </a:extLst>
+          </p:cNvPr>
+          <p:cNvCxnSpPr>
+            <a:cxnSpLocks/>
+            <a:stCxn id="45" idx="2"/>
+            <a:endCxn id="2" idx="2"/>
+          </p:cNvCxnSpPr>
+          <p:nvPr/>
+        </p:nvCxnSpPr>
+        <p:spPr>
+          <a:xfrm rot="5400000" flipH="1">
+            <a:off x="7096007" y="877687"/>
+            <a:ext cx="1104620" cy="4507187"/>
+          </a:xfrm>
+          <a:prstGeom prst="bentConnector3">
+            <a:avLst>
+              <a:gd name="adj1" fmla="val -20695"/>
+            </a:avLst>
+          </a:prstGeom>
+          <a:ln>
+            <a:tailEnd type="triangle"/>
+          </a:ln>
+        </p:spPr>
+        <p:style>
+          <a:lnRef idx="1">
+            <a:schemeClr val="dk1"/>
+          </a:lnRef>
+          <a:fillRef idx="0">
+            <a:schemeClr val="dk1"/>
+          </a:fillRef>
+          <a:effectRef idx="0">
+            <a:schemeClr val="dk1"/>
+          </a:effectRef>
+          <a:fontRef idx="minor">
+            <a:schemeClr val="tx1"/>
+          </a:fontRef>
+        </p:style>
+      </p:cxnSp>
+      <p:cxnSp>
+        <p:nvCxnSpPr>
+          <p:cNvPr id="54" name="Straight Connector 53">
+            <a:extLst>
+              <a:ext uri="{FF2B5EF4-FFF2-40B4-BE49-F238E27FC236}">
+                <a16:creationId xmlns:a16="http://schemas.microsoft.com/office/drawing/2014/main" id="{FFE3A72D-B047-0593-CE36-6CF4A2AA692D}"/>
+              </a:ext>
+            </a:extLst>
+          </p:cNvPr>
+          <p:cNvCxnSpPr>
+            <a:cxnSpLocks/>
+            <a:stCxn id="19" idx="1"/>
+            <a:endCxn id="8" idx="3"/>
+          </p:cNvCxnSpPr>
+          <p:nvPr/>
+        </p:nvCxnSpPr>
+        <p:spPr>
+          <a:xfrm rot="10800000">
+            <a:off x="2442622" y="4600089"/>
+            <a:ext cx="1648050" cy="589426"/>
+          </a:xfrm>
+          <a:prstGeom prst="bentConnector3">
+            <a:avLst>
+              <a:gd name="adj1" fmla="val 50000"/>
+            </a:avLst>
+          </a:prstGeom>
+          <a:ln w="19050">
+            <a:prstDash val="lgDashDot"/>
+          </a:ln>
+        </p:spPr>
+        <p:style>
+          <a:lnRef idx="1">
+            <a:schemeClr val="dk1"/>
+          </a:lnRef>
+          <a:fillRef idx="0">
+            <a:schemeClr val="dk1"/>
+          </a:fillRef>
+          <a:effectRef idx="0">
+            <a:schemeClr val="dk1"/>
+          </a:effectRef>
+          <a:fontRef idx="minor">
+            <a:schemeClr val="tx1"/>
+          </a:fontRef>
+        </p:style>
+      </p:cxnSp>
+      <p:cxnSp>
+        <p:nvCxnSpPr>
+          <p:cNvPr id="62" name="Straight Connector 53">
+            <a:extLst>
+              <a:ext uri="{FF2B5EF4-FFF2-40B4-BE49-F238E27FC236}">
+                <a16:creationId xmlns:a16="http://schemas.microsoft.com/office/drawing/2014/main" id="{1EE55CE0-A791-7CD7-A744-4BAE857F660A}"/>
+              </a:ext>
+            </a:extLst>
+          </p:cNvPr>
+          <p:cNvCxnSpPr>
+            <a:cxnSpLocks/>
+            <a:stCxn id="6" idx="1"/>
+            <a:endCxn id="8" idx="3"/>
+          </p:cNvCxnSpPr>
+          <p:nvPr/>
+        </p:nvCxnSpPr>
+        <p:spPr>
+          <a:xfrm rot="10800000" flipV="1">
+            <a:off x="2442622" y="1817195"/>
+            <a:ext cx="752668" cy="2782894"/>
+          </a:xfrm>
+          <a:prstGeom prst="bentConnector3">
+            <a:avLst>
+              <a:gd name="adj1" fmla="val 50000"/>
+            </a:avLst>
+          </a:prstGeom>
+          <a:ln w="19050">
+            <a:prstDash val="lgDashDot"/>
+          </a:ln>
+        </p:spPr>
+        <p:style>
+          <a:lnRef idx="1">
+            <a:schemeClr val="dk1"/>
+          </a:lnRef>
+          <a:fillRef idx="0">
+            <a:schemeClr val="dk1"/>
+          </a:fillRef>
+          <a:effectRef idx="0">
+            <a:schemeClr val="dk1"/>
+          </a:effectRef>
+          <a:fontRef idx="minor">
+            <a:schemeClr val="tx1"/>
+          </a:fontRef>
+        </p:style>
+      </p:cxnSp>
+    </p:spTree>
+    <p:extLst>
+      <p:ext uri="{BB962C8B-B14F-4D97-AF65-F5344CB8AC3E}">
+        <p14:creationId xmlns:p14="http://schemas.microsoft.com/office/powerpoint/2010/main" val="3697082059"/>
       </p:ext>
     </p:extLst>
   </p:cSld>

--- a/UMLDiagrams.pptx
+++ b/UMLDiagrams.pptx
@@ -5,7 +5,7 @@
     <p:sldMasterId id="2147483648" r:id="rId1"/>
   </p:sldMasterIdLst>
   <p:notesMasterIdLst>
-    <p:notesMasterId r:id="rId20"/>
+    <p:notesMasterId r:id="rId21"/>
   </p:notesMasterIdLst>
   <p:sldIdLst>
     <p:sldId id="256" r:id="rId2"/>
@@ -26,6 +26,7 @@
     <p:sldId id="359" r:id="rId17"/>
     <p:sldId id="360" r:id="rId18"/>
     <p:sldId id="361" r:id="rId19"/>
+    <p:sldId id="362" r:id="rId20"/>
   </p:sldIdLst>
   <p:sldSz cx="12192000" cy="6858000"/>
   <p:notesSz cx="6858000" cy="9144000"/>
@@ -135,7 +136,7 @@
 <file path=ppt/revisionInfo.xml><?xml version="1.0" encoding="utf-8"?>
 <p1510:revInfo xmlns:a="http://schemas.openxmlformats.org/drawingml/2006/main" xmlns:r="http://schemas.openxmlformats.org/officeDocument/2006/relationships" xmlns:p1510="http://schemas.microsoft.com/office/powerpoint/2015/10/main">
   <p1510:revLst>
-    <p1510:client id="{034AA59E-D954-44E8-84AB-C770C7EA240B}" v="57" dt="2023-09-14T08:34:20.520"/>
+    <p1510:client id="{034AA59E-D954-44E8-84AB-C770C7EA240B}" v="70" dt="2023-09-14T10:34:06.179"/>
   </p1510:revLst>
 </p1510:revInfo>
 </file>
@@ -145,10 +146,33 @@
   <pc:docChgLst>
     <pc:chgData name="Manaswini Ray" userId="451f23f8-43b4-4daa-9511-0c9fb98bad1c" providerId="ADAL" clId="{034AA59E-D954-44E8-84AB-C770C7EA240B}"/>
     <pc:docChg chg="undo custSel addSld delSld modSld">
-      <pc:chgData name="Manaswini Ray" userId="451f23f8-43b4-4daa-9511-0c9fb98bad1c" providerId="ADAL" clId="{034AA59E-D954-44E8-84AB-C770C7EA240B}" dt="2023-09-14T08:37:23.762" v="1509" actId="478"/>
+      <pc:chgData name="Manaswini Ray" userId="451f23f8-43b4-4daa-9511-0c9fb98bad1c" providerId="ADAL" clId="{034AA59E-D954-44E8-84AB-C770C7EA240B}" dt="2023-09-14T11:16:37.611" v="2016" actId="20577"/>
       <pc:docMkLst>
         <pc:docMk/>
       </pc:docMkLst>
+      <pc:sldChg chg="delSp modSp mod">
+        <pc:chgData name="Manaswini Ray" userId="451f23f8-43b4-4daa-9511-0c9fb98bad1c" providerId="ADAL" clId="{034AA59E-D954-44E8-84AB-C770C7EA240B}" dt="2023-09-14T10:17:49.755" v="1539" actId="1076"/>
+        <pc:sldMkLst>
+          <pc:docMk/>
+          <pc:sldMk cId="2212599346" sldId="256"/>
+        </pc:sldMkLst>
+        <pc:spChg chg="mod">
+          <ac:chgData name="Manaswini Ray" userId="451f23f8-43b4-4daa-9511-0c9fb98bad1c" providerId="ADAL" clId="{034AA59E-D954-44E8-84AB-C770C7EA240B}" dt="2023-09-14T10:17:49.755" v="1539" actId="1076"/>
+          <ac:spMkLst>
+            <pc:docMk/>
+            <pc:sldMk cId="2212599346" sldId="256"/>
+            <ac:spMk id="2" creationId="{7A3FB08A-5CA4-6908-89AA-246F695D769E}"/>
+          </ac:spMkLst>
+        </pc:spChg>
+        <pc:spChg chg="del">
+          <ac:chgData name="Manaswini Ray" userId="451f23f8-43b4-4daa-9511-0c9fb98bad1c" providerId="ADAL" clId="{034AA59E-D954-44E8-84AB-C770C7EA240B}" dt="2023-09-14T10:17:27.277" v="1510" actId="478"/>
+          <ac:spMkLst>
+            <pc:docMk/>
+            <pc:sldMk cId="2212599346" sldId="256"/>
+            <ac:spMk id="3" creationId="{44716E92-FEB4-D571-8FAF-8381E74ECB33}"/>
+          </ac:spMkLst>
+        </pc:spChg>
+      </pc:sldChg>
       <pc:sldChg chg="new del">
         <pc:chgData name="Manaswini Ray" userId="451f23f8-43b4-4daa-9511-0c9fb98bad1c" providerId="ADAL" clId="{034AA59E-D954-44E8-84AB-C770C7EA240B}" dt="2023-09-11T06:36:59.563" v="2" actId="2696"/>
         <pc:sldMkLst>
@@ -1479,7 +1503,7 @@
         </pc:cxnChg>
       </pc:sldChg>
       <pc:sldChg chg="addSp delSp modSp new mod modAnim">
-        <pc:chgData name="Manaswini Ray" userId="451f23f8-43b4-4daa-9511-0c9fb98bad1c" providerId="ADAL" clId="{034AA59E-D954-44E8-84AB-C770C7EA240B}" dt="2023-09-14T08:21:08.878" v="1180" actId="14100"/>
+        <pc:chgData name="Manaswini Ray" userId="451f23f8-43b4-4daa-9511-0c9fb98bad1c" providerId="ADAL" clId="{034AA59E-D954-44E8-84AB-C770C7EA240B}" dt="2023-09-14T10:31:13.444" v="1823"/>
         <pc:sldMkLst>
           <pc:docMk/>
           <pc:sldMk cId="3915814131" sldId="360"/>
@@ -1588,6 +1612,70 @@
             <ac:spMk id="17" creationId="{CCB98DF0-B42A-6E0B-2A96-6505A875815C}"/>
           </ac:spMkLst>
         </pc:spChg>
+        <pc:spChg chg="add del mod">
+          <ac:chgData name="Manaswini Ray" userId="451f23f8-43b4-4daa-9511-0c9fb98bad1c" providerId="ADAL" clId="{034AA59E-D954-44E8-84AB-C770C7EA240B}" dt="2023-09-14T10:31:13.444" v="1823"/>
+          <ac:spMkLst>
+            <pc:docMk/>
+            <pc:sldMk cId="3915814131" sldId="360"/>
+            <ac:spMk id="19" creationId="{9FD73D94-F9FE-7EBA-F3A6-80C45F6C863D}"/>
+          </ac:spMkLst>
+        </pc:spChg>
+        <pc:spChg chg="add del mod">
+          <ac:chgData name="Manaswini Ray" userId="451f23f8-43b4-4daa-9511-0c9fb98bad1c" providerId="ADAL" clId="{034AA59E-D954-44E8-84AB-C770C7EA240B}" dt="2023-09-14T10:31:13.444" v="1823"/>
+          <ac:spMkLst>
+            <pc:docMk/>
+            <pc:sldMk cId="3915814131" sldId="360"/>
+            <ac:spMk id="22" creationId="{A10852FC-8E11-0FB6-294C-68E9484C80A3}"/>
+          </ac:spMkLst>
+        </pc:spChg>
+        <pc:spChg chg="add del mod">
+          <ac:chgData name="Manaswini Ray" userId="451f23f8-43b4-4daa-9511-0c9fb98bad1c" providerId="ADAL" clId="{034AA59E-D954-44E8-84AB-C770C7EA240B}" dt="2023-09-14T10:31:13.444" v="1823"/>
+          <ac:spMkLst>
+            <pc:docMk/>
+            <pc:sldMk cId="3915814131" sldId="360"/>
+            <ac:spMk id="23" creationId="{69A21763-40D0-F95C-CD23-4915B19E7805}"/>
+          </ac:spMkLst>
+        </pc:spChg>
+        <pc:spChg chg="add del mod">
+          <ac:chgData name="Manaswini Ray" userId="451f23f8-43b4-4daa-9511-0c9fb98bad1c" providerId="ADAL" clId="{034AA59E-D954-44E8-84AB-C770C7EA240B}" dt="2023-09-14T10:31:13.444" v="1823"/>
+          <ac:spMkLst>
+            <pc:docMk/>
+            <pc:sldMk cId="3915814131" sldId="360"/>
+            <ac:spMk id="24" creationId="{A36B7A0D-4E45-B726-5351-24175132DB7A}"/>
+          </ac:spMkLst>
+        </pc:spChg>
+        <pc:spChg chg="add del mod">
+          <ac:chgData name="Manaswini Ray" userId="451f23f8-43b4-4daa-9511-0c9fb98bad1c" providerId="ADAL" clId="{034AA59E-D954-44E8-84AB-C770C7EA240B}" dt="2023-09-14T10:31:13.444" v="1823"/>
+          <ac:spMkLst>
+            <pc:docMk/>
+            <pc:sldMk cId="3915814131" sldId="360"/>
+            <ac:spMk id="26" creationId="{A2DC764B-466E-AD89-E70A-A8E998979EC4}"/>
+          </ac:spMkLst>
+        </pc:spChg>
+        <pc:spChg chg="add del mod">
+          <ac:chgData name="Manaswini Ray" userId="451f23f8-43b4-4daa-9511-0c9fb98bad1c" providerId="ADAL" clId="{034AA59E-D954-44E8-84AB-C770C7EA240B}" dt="2023-09-14T10:31:13.444" v="1823"/>
+          <ac:spMkLst>
+            <pc:docMk/>
+            <pc:sldMk cId="3915814131" sldId="360"/>
+            <ac:spMk id="27" creationId="{E25AC591-1C5A-0C1A-5901-9A52BC3AEAC6}"/>
+          </ac:spMkLst>
+        </pc:spChg>
+        <pc:spChg chg="add del mod">
+          <ac:chgData name="Manaswini Ray" userId="451f23f8-43b4-4daa-9511-0c9fb98bad1c" providerId="ADAL" clId="{034AA59E-D954-44E8-84AB-C770C7EA240B}" dt="2023-09-14T10:31:13.444" v="1823"/>
+          <ac:spMkLst>
+            <pc:docMk/>
+            <pc:sldMk cId="3915814131" sldId="360"/>
+            <ac:spMk id="28" creationId="{44C885AC-3E5F-C501-1196-4BE83CCF52E8}"/>
+          </ac:spMkLst>
+        </pc:spChg>
+        <pc:spChg chg="add del mod">
+          <ac:chgData name="Manaswini Ray" userId="451f23f8-43b4-4daa-9511-0c9fb98bad1c" providerId="ADAL" clId="{034AA59E-D954-44E8-84AB-C770C7EA240B}" dt="2023-09-14T10:31:13.444" v="1823"/>
+          <ac:spMkLst>
+            <pc:docMk/>
+            <pc:sldMk cId="3915814131" sldId="360"/>
+            <ac:spMk id="29" creationId="{059AA9D6-1792-4DF9-A4ED-7DCA0B7E5C15}"/>
+          </ac:spMkLst>
+        </pc:spChg>
         <pc:spChg chg="add mod">
           <ac:chgData name="Manaswini Ray" userId="451f23f8-43b4-4daa-9511-0c9fb98bad1c" providerId="ADAL" clId="{034AA59E-D954-44E8-84AB-C770C7EA240B}" dt="2023-09-13T10:45:21.054" v="1017" actId="14100"/>
           <ac:spMkLst>
@@ -1645,6 +1733,14 @@
           </ac:cxnSpMkLst>
         </pc:cxnChg>
         <pc:cxnChg chg="add del mod">
+          <ac:chgData name="Manaswini Ray" userId="451f23f8-43b4-4daa-9511-0c9fb98bad1c" providerId="ADAL" clId="{034AA59E-D954-44E8-84AB-C770C7EA240B}" dt="2023-09-14T10:31:13.444" v="1823"/>
+          <ac:cxnSpMkLst>
+            <pc:docMk/>
+            <pc:sldMk cId="3915814131" sldId="360"/>
+            <ac:cxnSpMk id="18" creationId="{B692B797-F93C-8518-0DBA-0D651A0E88B5}"/>
+          </ac:cxnSpMkLst>
+        </pc:cxnChg>
+        <pc:cxnChg chg="add del mod">
           <ac:chgData name="Manaswini Ray" userId="451f23f8-43b4-4daa-9511-0c9fb98bad1c" providerId="ADAL" clId="{034AA59E-D954-44E8-84AB-C770C7EA240B}" dt="2023-09-14T08:13:41.697" v="1100" actId="478"/>
           <ac:cxnSpMkLst>
             <pc:docMk/>
@@ -1692,12 +1788,36 @@
             <ac:cxnSpMk id="30" creationId="{60DEA466-A7E7-DD70-1726-1292A8E2EEEE}"/>
           </ac:cxnSpMkLst>
         </pc:cxnChg>
+        <pc:cxnChg chg="add del mod">
+          <ac:chgData name="Manaswini Ray" userId="451f23f8-43b4-4daa-9511-0c9fb98bad1c" providerId="ADAL" clId="{034AA59E-D954-44E8-84AB-C770C7EA240B}" dt="2023-09-14T10:31:13.444" v="1823"/>
+          <ac:cxnSpMkLst>
+            <pc:docMk/>
+            <pc:sldMk cId="3915814131" sldId="360"/>
+            <ac:cxnSpMk id="31" creationId="{7A4257C6-8D19-11CF-3A7E-C1609F1F2673}"/>
+          </ac:cxnSpMkLst>
+        </pc:cxnChg>
+        <pc:cxnChg chg="add del mod">
+          <ac:chgData name="Manaswini Ray" userId="451f23f8-43b4-4daa-9511-0c9fb98bad1c" providerId="ADAL" clId="{034AA59E-D954-44E8-84AB-C770C7EA240B}" dt="2023-09-14T10:31:13.444" v="1823"/>
+          <ac:cxnSpMkLst>
+            <pc:docMk/>
+            <pc:sldMk cId="3915814131" sldId="360"/>
+            <ac:cxnSpMk id="32" creationId="{432D1A07-C8C3-714D-4D79-EC87F547C7D5}"/>
+          </ac:cxnSpMkLst>
+        </pc:cxnChg>
         <pc:cxnChg chg="add mod">
           <ac:chgData name="Manaswini Ray" userId="451f23f8-43b4-4daa-9511-0c9fb98bad1c" providerId="ADAL" clId="{034AA59E-D954-44E8-84AB-C770C7EA240B}" dt="2023-09-14T08:15:34.396" v="1119" actId="14100"/>
           <ac:cxnSpMkLst>
             <pc:docMk/>
             <pc:sldMk cId="3915814131" sldId="360"/>
             <ac:cxnSpMk id="33" creationId="{AEF33027-B297-5AF4-AB8C-2A069A146E89}"/>
+          </ac:cxnSpMkLst>
+        </pc:cxnChg>
+        <pc:cxnChg chg="add del mod">
+          <ac:chgData name="Manaswini Ray" userId="451f23f8-43b4-4daa-9511-0c9fb98bad1c" providerId="ADAL" clId="{034AA59E-D954-44E8-84AB-C770C7EA240B}" dt="2023-09-14T10:31:13.444" v="1823"/>
+          <ac:cxnSpMkLst>
+            <pc:docMk/>
+            <pc:sldMk cId="3915814131" sldId="360"/>
+            <ac:cxnSpMk id="34" creationId="{370B986B-5912-FA3D-A51D-43C537DC5E57}"/>
           </ac:cxnSpMkLst>
         </pc:cxnChg>
       </pc:sldChg>
@@ -1969,6 +2089,429 @@
             <pc:docMk/>
             <pc:sldMk cId="3697082059" sldId="361"/>
             <ac:cxnSpMk id="62" creationId="{1EE55CE0-A791-7CD7-A744-4BAE857F660A}"/>
+          </ac:cxnSpMkLst>
+        </pc:cxnChg>
+      </pc:sldChg>
+      <pc:sldChg chg="addSp delSp modSp new mod delAnim modAnim">
+        <pc:chgData name="Manaswini Ray" userId="451f23f8-43b4-4daa-9511-0c9fb98bad1c" providerId="ADAL" clId="{034AA59E-D954-44E8-84AB-C770C7EA240B}" dt="2023-09-14T11:16:37.611" v="2016" actId="20577"/>
+        <pc:sldMkLst>
+          <pc:docMk/>
+          <pc:sldMk cId="592478941" sldId="362"/>
+        </pc:sldMkLst>
+        <pc:spChg chg="add del mod">
+          <ac:chgData name="Manaswini Ray" userId="451f23f8-43b4-4daa-9511-0c9fb98bad1c" providerId="ADAL" clId="{034AA59E-D954-44E8-84AB-C770C7EA240B}" dt="2023-09-14T10:32:04.912" v="1834" actId="1076"/>
+          <ac:spMkLst>
+            <pc:docMk/>
+            <pc:sldMk cId="592478941" sldId="362"/>
+            <ac:spMk id="2" creationId="{90926BF3-B67F-A716-5A8C-4B0813531291}"/>
+          </ac:spMkLst>
+        </pc:spChg>
+        <pc:spChg chg="add del mod">
+          <ac:chgData name="Manaswini Ray" userId="451f23f8-43b4-4daa-9511-0c9fb98bad1c" providerId="ADAL" clId="{034AA59E-D954-44E8-84AB-C770C7EA240B}" dt="2023-09-14T10:32:04.912" v="1834" actId="1076"/>
+          <ac:spMkLst>
+            <pc:docMk/>
+            <pc:sldMk cId="592478941" sldId="362"/>
+            <ac:spMk id="4" creationId="{4AA06174-5F79-5624-5CF4-7CE8EC51AECB}"/>
+          </ac:spMkLst>
+        </pc:spChg>
+        <pc:spChg chg="add del mod">
+          <ac:chgData name="Manaswini Ray" userId="451f23f8-43b4-4daa-9511-0c9fb98bad1c" providerId="ADAL" clId="{034AA59E-D954-44E8-84AB-C770C7EA240B}" dt="2023-09-14T10:26:35.939" v="1767" actId="478"/>
+          <ac:spMkLst>
+            <pc:docMk/>
+            <pc:sldMk cId="592478941" sldId="362"/>
+            <ac:spMk id="5" creationId="{A5942CE1-A21B-FB52-2DC9-B1B5FC147CC3}"/>
+          </ac:spMkLst>
+        </pc:spChg>
+        <pc:spChg chg="add del mod">
+          <ac:chgData name="Manaswini Ray" userId="451f23f8-43b4-4daa-9511-0c9fb98bad1c" providerId="ADAL" clId="{034AA59E-D954-44E8-84AB-C770C7EA240B}" dt="2023-09-14T10:26:45.413" v="1770" actId="478"/>
+          <ac:spMkLst>
+            <pc:docMk/>
+            <pc:sldMk cId="592478941" sldId="362"/>
+            <ac:spMk id="7" creationId="{F0454849-8630-CB9E-EC90-0C045F634D44}"/>
+          </ac:spMkLst>
+        </pc:spChg>
+        <pc:spChg chg="add del mod">
+          <ac:chgData name="Manaswini Ray" userId="451f23f8-43b4-4daa-9511-0c9fb98bad1c" providerId="ADAL" clId="{034AA59E-D954-44E8-84AB-C770C7EA240B}" dt="2023-09-14T10:37:44.484" v="1935" actId="20577"/>
+          <ac:spMkLst>
+            <pc:docMk/>
+            <pc:sldMk cId="592478941" sldId="362"/>
+            <ac:spMk id="8" creationId="{47420239-2D63-F19A-144B-2198282C2982}"/>
+          </ac:spMkLst>
+        </pc:spChg>
+        <pc:spChg chg="add del mod">
+          <ac:chgData name="Manaswini Ray" userId="451f23f8-43b4-4daa-9511-0c9fb98bad1c" providerId="ADAL" clId="{034AA59E-D954-44E8-84AB-C770C7EA240B}" dt="2023-09-14T10:26:48.928" v="1772" actId="478"/>
+          <ac:spMkLst>
+            <pc:docMk/>
+            <pc:sldMk cId="592478941" sldId="362"/>
+            <ac:spMk id="9" creationId="{624EB18C-926B-24F2-ABF1-66FD5A4D576A}"/>
+          </ac:spMkLst>
+        </pc:spChg>
+        <pc:spChg chg="add mod">
+          <ac:chgData name="Manaswini Ray" userId="451f23f8-43b4-4daa-9511-0c9fb98bad1c" providerId="ADAL" clId="{034AA59E-D954-44E8-84AB-C770C7EA240B}" dt="2023-09-14T10:42:21.716" v="1939"/>
+          <ac:spMkLst>
+            <pc:docMk/>
+            <pc:sldMk cId="592478941" sldId="362"/>
+            <ac:spMk id="12" creationId="{E45EFFC8-FBFB-D82B-6436-8FF4ADDA1C80}"/>
+          </ac:spMkLst>
+        </pc:spChg>
+        <pc:spChg chg="add del mod">
+          <ac:chgData name="Manaswini Ray" userId="451f23f8-43b4-4daa-9511-0c9fb98bad1c" providerId="ADAL" clId="{034AA59E-D954-44E8-84AB-C770C7EA240B}" dt="2023-09-14T10:23:46.826" v="1684" actId="478"/>
+          <ac:spMkLst>
+            <pc:docMk/>
+            <pc:sldMk cId="592478941" sldId="362"/>
+            <ac:spMk id="13" creationId="{637DF406-78FE-898B-DCEE-4393AE62987D}"/>
+          </ac:spMkLst>
+        </pc:spChg>
+        <pc:spChg chg="add del mod">
+          <ac:chgData name="Manaswini Ray" userId="451f23f8-43b4-4daa-9511-0c9fb98bad1c" providerId="ADAL" clId="{034AA59E-D954-44E8-84AB-C770C7EA240B}" dt="2023-09-14T10:23:46.826" v="1684" actId="478"/>
+          <ac:spMkLst>
+            <pc:docMk/>
+            <pc:sldMk cId="592478941" sldId="362"/>
+            <ac:spMk id="15" creationId="{C479A2B4-B333-9C5C-25F8-15B4B4AB70CC}"/>
+          </ac:spMkLst>
+        </pc:spChg>
+        <pc:spChg chg="add mod">
+          <ac:chgData name="Manaswini Ray" userId="451f23f8-43b4-4daa-9511-0c9fb98bad1c" providerId="ADAL" clId="{034AA59E-D954-44E8-84AB-C770C7EA240B}" dt="2023-09-14T10:32:19.990" v="1837" actId="1076"/>
+          <ac:spMkLst>
+            <pc:docMk/>
+            <pc:sldMk cId="592478941" sldId="362"/>
+            <ac:spMk id="16" creationId="{54BE5C6B-7195-1F79-C5E4-692E1AB63DB8}"/>
+          </ac:spMkLst>
+        </pc:spChg>
+        <pc:spChg chg="add mod">
+          <ac:chgData name="Manaswini Ray" userId="451f23f8-43b4-4daa-9511-0c9fb98bad1c" providerId="ADAL" clId="{034AA59E-D954-44E8-84AB-C770C7EA240B}" dt="2023-09-14T11:02:49.695" v="2014" actId="20577"/>
+          <ac:spMkLst>
+            <pc:docMk/>
+            <pc:sldMk cId="592478941" sldId="362"/>
+            <ac:spMk id="18" creationId="{18360850-E966-ED0C-449B-6F3F2E7ED487}"/>
+          </ac:spMkLst>
+        </pc:spChg>
+        <pc:spChg chg="add mod">
+          <ac:chgData name="Manaswini Ray" userId="451f23f8-43b4-4daa-9511-0c9fb98bad1c" providerId="ADAL" clId="{034AA59E-D954-44E8-84AB-C770C7EA240B}" dt="2023-09-14T10:42:31.787" v="1943"/>
+          <ac:spMkLst>
+            <pc:docMk/>
+            <pc:sldMk cId="592478941" sldId="362"/>
+            <ac:spMk id="19" creationId="{3A649D37-3738-2FC1-7328-6F647B0111EE}"/>
+          </ac:spMkLst>
+        </pc:spChg>
+        <pc:spChg chg="add mod">
+          <ac:chgData name="Manaswini Ray" userId="451f23f8-43b4-4daa-9511-0c9fb98bad1c" providerId="ADAL" clId="{034AA59E-D954-44E8-84AB-C770C7EA240B}" dt="2023-09-14T10:27:37.537" v="1780" actId="14100"/>
+          <ac:spMkLst>
+            <pc:docMk/>
+            <pc:sldMk cId="592478941" sldId="362"/>
+            <ac:spMk id="23" creationId="{970C95FE-A257-68AD-DDF5-39E771B603ED}"/>
+          </ac:spMkLst>
+        </pc:spChg>
+        <pc:spChg chg="add mod">
+          <ac:chgData name="Manaswini Ray" userId="451f23f8-43b4-4daa-9511-0c9fb98bad1c" providerId="ADAL" clId="{034AA59E-D954-44E8-84AB-C770C7EA240B}" dt="2023-09-14T10:27:05.331" v="1773" actId="1076"/>
+          <ac:spMkLst>
+            <pc:docMk/>
+            <pc:sldMk cId="592478941" sldId="362"/>
+            <ac:spMk id="25" creationId="{F3C2EB61-61D8-D50F-ED83-CEEFC6A1E427}"/>
+          </ac:spMkLst>
+        </pc:spChg>
+        <pc:spChg chg="add mod">
+          <ac:chgData name="Manaswini Ray" userId="451f23f8-43b4-4daa-9511-0c9fb98bad1c" providerId="ADAL" clId="{034AA59E-D954-44E8-84AB-C770C7EA240B}" dt="2023-09-14T11:16:37.611" v="2016" actId="20577"/>
+          <ac:spMkLst>
+            <pc:docMk/>
+            <pc:sldMk cId="592478941" sldId="362"/>
+            <ac:spMk id="26" creationId="{0778CD71-1AFD-FD76-C4C9-08E66216D9BD}"/>
+          </ac:spMkLst>
+        </pc:spChg>
+        <pc:spChg chg="add mod">
+          <ac:chgData name="Manaswini Ray" userId="451f23f8-43b4-4daa-9511-0c9fb98bad1c" providerId="ADAL" clId="{034AA59E-D954-44E8-84AB-C770C7EA240B}" dt="2023-09-14T10:29:36.059" v="1807" actId="1076"/>
+          <ac:spMkLst>
+            <pc:docMk/>
+            <pc:sldMk cId="592478941" sldId="362"/>
+            <ac:spMk id="33" creationId="{F4136DB8-0C45-2C98-8376-850BA43EEF3E}"/>
+          </ac:spMkLst>
+        </pc:spChg>
+        <pc:spChg chg="add mod">
+          <ac:chgData name="Manaswini Ray" userId="451f23f8-43b4-4daa-9511-0c9fb98bad1c" providerId="ADAL" clId="{034AA59E-D954-44E8-84AB-C770C7EA240B}" dt="2023-09-14T10:29:38.102" v="1808" actId="20577"/>
+          <ac:spMkLst>
+            <pc:docMk/>
+            <pc:sldMk cId="592478941" sldId="362"/>
+            <ac:spMk id="35" creationId="{13EAE598-B70D-A21B-9A5B-8EE00420E2D2}"/>
+          </ac:spMkLst>
+        </pc:spChg>
+        <pc:spChg chg="add mod">
+          <ac:chgData name="Manaswini Ray" userId="451f23f8-43b4-4daa-9511-0c9fb98bad1c" providerId="ADAL" clId="{034AA59E-D954-44E8-84AB-C770C7EA240B}" dt="2023-09-14T11:16:34.641" v="2015" actId="20577"/>
+          <ac:spMkLst>
+            <pc:docMk/>
+            <pc:sldMk cId="592478941" sldId="362"/>
+            <ac:spMk id="36" creationId="{DB6325AA-741C-7D95-7289-6B3F83EA8563}"/>
+          </ac:spMkLst>
+        </pc:spChg>
+        <pc:spChg chg="add del mod">
+          <ac:chgData name="Manaswini Ray" userId="451f23f8-43b4-4daa-9511-0c9fb98bad1c" providerId="ADAL" clId="{034AA59E-D954-44E8-84AB-C770C7EA240B}" dt="2023-09-14T10:31:54.427" v="1833"/>
+          <ac:spMkLst>
+            <pc:docMk/>
+            <pc:sldMk cId="592478941" sldId="362"/>
+            <ac:spMk id="47" creationId="{E94CBE6B-C136-84DB-676F-6C0C219F7457}"/>
+          </ac:spMkLst>
+        </pc:spChg>
+        <pc:spChg chg="add del mod">
+          <ac:chgData name="Manaswini Ray" userId="451f23f8-43b4-4daa-9511-0c9fb98bad1c" providerId="ADAL" clId="{034AA59E-D954-44E8-84AB-C770C7EA240B}" dt="2023-09-14T10:31:54.427" v="1833"/>
+          <ac:spMkLst>
+            <pc:docMk/>
+            <pc:sldMk cId="592478941" sldId="362"/>
+            <ac:spMk id="48" creationId="{8DF18C20-3F1F-2465-EEA5-0620E727E455}"/>
+          </ac:spMkLst>
+        </pc:spChg>
+        <pc:spChg chg="add del mod">
+          <ac:chgData name="Manaswini Ray" userId="451f23f8-43b4-4daa-9511-0c9fb98bad1c" providerId="ADAL" clId="{034AA59E-D954-44E8-84AB-C770C7EA240B}" dt="2023-09-14T10:31:54.427" v="1833"/>
+          <ac:spMkLst>
+            <pc:docMk/>
+            <pc:sldMk cId="592478941" sldId="362"/>
+            <ac:spMk id="49" creationId="{11FDE820-C1C0-909A-DC27-B4F7FFFC5468}"/>
+          </ac:spMkLst>
+        </pc:spChg>
+        <pc:spChg chg="add del mod">
+          <ac:chgData name="Manaswini Ray" userId="451f23f8-43b4-4daa-9511-0c9fb98bad1c" providerId="ADAL" clId="{034AA59E-D954-44E8-84AB-C770C7EA240B}" dt="2023-09-14T10:31:54.427" v="1833"/>
+          <ac:spMkLst>
+            <pc:docMk/>
+            <pc:sldMk cId="592478941" sldId="362"/>
+            <ac:spMk id="50" creationId="{4B4D1A78-79F7-1C3E-1DA3-F359664161B2}"/>
+          </ac:spMkLst>
+        </pc:spChg>
+        <pc:spChg chg="add del mod">
+          <ac:chgData name="Manaswini Ray" userId="451f23f8-43b4-4daa-9511-0c9fb98bad1c" providerId="ADAL" clId="{034AA59E-D954-44E8-84AB-C770C7EA240B}" dt="2023-09-14T10:31:54.427" v="1833"/>
+          <ac:spMkLst>
+            <pc:docMk/>
+            <pc:sldMk cId="592478941" sldId="362"/>
+            <ac:spMk id="51" creationId="{C75EDC92-0CD4-610A-3FDC-9A4DD7D0441E}"/>
+          </ac:spMkLst>
+        </pc:spChg>
+        <pc:spChg chg="add del mod">
+          <ac:chgData name="Manaswini Ray" userId="451f23f8-43b4-4daa-9511-0c9fb98bad1c" providerId="ADAL" clId="{034AA59E-D954-44E8-84AB-C770C7EA240B}" dt="2023-09-14T10:31:54.427" v="1833"/>
+          <ac:spMkLst>
+            <pc:docMk/>
+            <pc:sldMk cId="592478941" sldId="362"/>
+            <ac:spMk id="52" creationId="{5D412F02-975C-E77F-55D4-3CDD11AB50E8}"/>
+          </ac:spMkLst>
+        </pc:spChg>
+        <pc:spChg chg="add del mod">
+          <ac:chgData name="Manaswini Ray" userId="451f23f8-43b4-4daa-9511-0c9fb98bad1c" providerId="ADAL" clId="{034AA59E-D954-44E8-84AB-C770C7EA240B}" dt="2023-09-14T10:31:54.427" v="1833"/>
+          <ac:spMkLst>
+            <pc:docMk/>
+            <pc:sldMk cId="592478941" sldId="362"/>
+            <ac:spMk id="53" creationId="{FC3BE06B-DC04-ECC4-2E96-93C9C0DA2FB5}"/>
+          </ac:spMkLst>
+        </pc:spChg>
+        <pc:spChg chg="add del mod">
+          <ac:chgData name="Manaswini Ray" userId="451f23f8-43b4-4daa-9511-0c9fb98bad1c" providerId="ADAL" clId="{034AA59E-D954-44E8-84AB-C770C7EA240B}" dt="2023-09-14T10:31:54.427" v="1833"/>
+          <ac:spMkLst>
+            <pc:docMk/>
+            <pc:sldMk cId="592478941" sldId="362"/>
+            <ac:spMk id="54" creationId="{D841FA6C-943E-25BC-6488-2093F2B4FB27}"/>
+          </ac:spMkLst>
+        </pc:spChg>
+        <pc:spChg chg="add del mod">
+          <ac:chgData name="Manaswini Ray" userId="451f23f8-43b4-4daa-9511-0c9fb98bad1c" providerId="ADAL" clId="{034AA59E-D954-44E8-84AB-C770C7EA240B}" dt="2023-09-14T10:35:54.074" v="1910" actId="478"/>
+          <ac:spMkLst>
+            <pc:docMk/>
+            <pc:sldMk cId="592478941" sldId="362"/>
+            <ac:spMk id="72" creationId="{9FDF0699-7CFD-892B-3CCD-950F9A66506B}"/>
+          </ac:spMkLst>
+        </pc:spChg>
+        <pc:spChg chg="add del mod">
+          <ac:chgData name="Manaswini Ray" userId="451f23f8-43b4-4daa-9511-0c9fb98bad1c" providerId="ADAL" clId="{034AA59E-D954-44E8-84AB-C770C7EA240B}" dt="2023-09-14T10:35:54.074" v="1910" actId="478"/>
+          <ac:spMkLst>
+            <pc:docMk/>
+            <pc:sldMk cId="592478941" sldId="362"/>
+            <ac:spMk id="73" creationId="{35782A67-9F58-E8D1-9F12-1034C8247CA8}"/>
+          </ac:spMkLst>
+        </pc:spChg>
+        <pc:spChg chg="add mod">
+          <ac:chgData name="Manaswini Ray" userId="451f23f8-43b4-4daa-9511-0c9fb98bad1c" providerId="ADAL" clId="{034AA59E-D954-44E8-84AB-C770C7EA240B}" dt="2023-09-14T10:37:20.799" v="1925" actId="1076"/>
+          <ac:spMkLst>
+            <pc:docMk/>
+            <pc:sldMk cId="592478941" sldId="362"/>
+            <ac:spMk id="74" creationId="{E8B12CC5-A239-D536-4BD3-2B3987830D72}"/>
+          </ac:spMkLst>
+        </pc:spChg>
+        <pc:spChg chg="add mod">
+          <ac:chgData name="Manaswini Ray" userId="451f23f8-43b4-4daa-9511-0c9fb98bad1c" providerId="ADAL" clId="{034AA59E-D954-44E8-84AB-C770C7EA240B}" dt="2023-09-14T10:37:20.799" v="1925" actId="1076"/>
+          <ac:spMkLst>
+            <pc:docMk/>
+            <pc:sldMk cId="592478941" sldId="362"/>
+            <ac:spMk id="75" creationId="{0E4CD42B-F2F9-771E-9BE1-E445178B5BDA}"/>
+          </ac:spMkLst>
+        </pc:spChg>
+        <pc:spChg chg="add mod">
+          <ac:chgData name="Manaswini Ray" userId="451f23f8-43b4-4daa-9511-0c9fb98bad1c" providerId="ADAL" clId="{034AA59E-D954-44E8-84AB-C770C7EA240B}" dt="2023-09-14T10:37:31.559" v="1927" actId="1076"/>
+          <ac:spMkLst>
+            <pc:docMk/>
+            <pc:sldMk cId="592478941" sldId="362"/>
+            <ac:spMk id="76" creationId="{2293C80C-05CB-3B49-6E7F-C73705EAFC6A}"/>
+          </ac:spMkLst>
+        </pc:spChg>
+        <pc:spChg chg="add mod">
+          <ac:chgData name="Manaswini Ray" userId="451f23f8-43b4-4daa-9511-0c9fb98bad1c" providerId="ADAL" clId="{034AA59E-D954-44E8-84AB-C770C7EA240B}" dt="2023-09-14T10:37:31.559" v="1927" actId="1076"/>
+          <ac:spMkLst>
+            <pc:docMk/>
+            <pc:sldMk cId="592478941" sldId="362"/>
+            <ac:spMk id="77" creationId="{3460E997-4B78-7170-C6AF-E9A8A246917A}"/>
+          </ac:spMkLst>
+        </pc:spChg>
+        <pc:spChg chg="add mod">
+          <ac:chgData name="Manaswini Ray" userId="451f23f8-43b4-4daa-9511-0c9fb98bad1c" providerId="ADAL" clId="{034AA59E-D954-44E8-84AB-C770C7EA240B}" dt="2023-09-14T10:35:15.179" v="1876" actId="20577"/>
+          <ac:spMkLst>
+            <pc:docMk/>
+            <pc:sldMk cId="592478941" sldId="362"/>
+            <ac:spMk id="78" creationId="{9771C93A-48F8-A1D4-59CC-83FC2737A2A7}"/>
+          </ac:spMkLst>
+        </pc:spChg>
+        <pc:spChg chg="add mod">
+          <ac:chgData name="Manaswini Ray" userId="451f23f8-43b4-4daa-9511-0c9fb98bad1c" providerId="ADAL" clId="{034AA59E-D954-44E8-84AB-C770C7EA240B}" dt="2023-09-14T10:34:22.469" v="1859" actId="14100"/>
+          <ac:spMkLst>
+            <pc:docMk/>
+            <pc:sldMk cId="592478941" sldId="362"/>
+            <ac:spMk id="79" creationId="{3C65AD0F-0AE7-D598-C2F4-F01F0E0695C8}"/>
+          </ac:spMkLst>
+        </pc:spChg>
+        <pc:cxnChg chg="add del mod">
+          <ac:chgData name="Manaswini Ray" userId="451f23f8-43b4-4daa-9511-0c9fb98bad1c" providerId="ADAL" clId="{034AA59E-D954-44E8-84AB-C770C7EA240B}" dt="2023-09-14T10:32:04.912" v="1834" actId="1076"/>
+          <ac:cxnSpMkLst>
+            <pc:docMk/>
+            <pc:sldMk cId="592478941" sldId="362"/>
+            <ac:cxnSpMk id="3" creationId="{F048E608-B3CB-B74D-755A-F8D0DDF672E4}"/>
+          </ac:cxnSpMkLst>
+        </pc:cxnChg>
+        <pc:cxnChg chg="add del mod">
+          <ac:chgData name="Manaswini Ray" userId="451f23f8-43b4-4daa-9511-0c9fb98bad1c" providerId="ADAL" clId="{034AA59E-D954-44E8-84AB-C770C7EA240B}" dt="2023-09-14T10:26:35.939" v="1767" actId="478"/>
+          <ac:cxnSpMkLst>
+            <pc:docMk/>
+            <pc:sldMk cId="592478941" sldId="362"/>
+            <ac:cxnSpMk id="6" creationId="{E3BE9AD3-7062-E680-151E-A26038D828BD}"/>
+          </ac:cxnSpMkLst>
+        </pc:cxnChg>
+        <pc:cxnChg chg="add del mod">
+          <ac:chgData name="Manaswini Ray" userId="451f23f8-43b4-4daa-9511-0c9fb98bad1c" providerId="ADAL" clId="{034AA59E-D954-44E8-84AB-C770C7EA240B}" dt="2023-09-14T10:29:00.383" v="1802" actId="478"/>
+          <ac:cxnSpMkLst>
+            <pc:docMk/>
+            <pc:sldMk cId="592478941" sldId="362"/>
+            <ac:cxnSpMk id="10" creationId="{EE7E21C1-44DE-F805-A041-A990F813359A}"/>
+          </ac:cxnSpMkLst>
+        </pc:cxnChg>
+        <pc:cxnChg chg="add del mod">
+          <ac:chgData name="Manaswini Ray" userId="451f23f8-43b4-4daa-9511-0c9fb98bad1c" providerId="ADAL" clId="{034AA59E-D954-44E8-84AB-C770C7EA240B}" dt="2023-09-14T10:33:46.935" v="1855" actId="1076"/>
+          <ac:cxnSpMkLst>
+            <pc:docMk/>
+            <pc:sldMk cId="592478941" sldId="362"/>
+            <ac:cxnSpMk id="11" creationId="{55899AEF-9D01-D2AE-E592-DD7EF712C8D5}"/>
+          </ac:cxnSpMkLst>
+        </pc:cxnChg>
+        <pc:cxnChg chg="add del mod">
+          <ac:chgData name="Manaswini Ray" userId="451f23f8-43b4-4daa-9511-0c9fb98bad1c" providerId="ADAL" clId="{034AA59E-D954-44E8-84AB-C770C7EA240B}" dt="2023-09-14T10:23:46.826" v="1684" actId="478"/>
+          <ac:cxnSpMkLst>
+            <pc:docMk/>
+            <pc:sldMk cId="592478941" sldId="362"/>
+            <ac:cxnSpMk id="14" creationId="{AC009C77-4B6B-A5C5-918B-D3FE97B2FAD8}"/>
+          </ac:cxnSpMkLst>
+        </pc:cxnChg>
+        <pc:cxnChg chg="add mod">
+          <ac:chgData name="Manaswini Ray" userId="451f23f8-43b4-4daa-9511-0c9fb98bad1c" providerId="ADAL" clId="{034AA59E-D954-44E8-84AB-C770C7EA240B}" dt="2023-09-14T10:32:19.990" v="1837" actId="1076"/>
+          <ac:cxnSpMkLst>
+            <pc:docMk/>
+            <pc:sldMk cId="592478941" sldId="362"/>
+            <ac:cxnSpMk id="17" creationId="{1A573B48-95F4-B2E3-3403-66BBAAFE4A1F}"/>
+          </ac:cxnSpMkLst>
+        </pc:cxnChg>
+        <pc:cxnChg chg="add mod">
+          <ac:chgData name="Manaswini Ray" userId="451f23f8-43b4-4daa-9511-0c9fb98bad1c" providerId="ADAL" clId="{034AA59E-D954-44E8-84AB-C770C7EA240B}" dt="2023-09-14T10:36:57.347" v="1921" actId="1582"/>
+          <ac:cxnSpMkLst>
+            <pc:docMk/>
+            <pc:sldMk cId="592478941" sldId="362"/>
+            <ac:cxnSpMk id="20" creationId="{0C3D24E1-2E8D-7176-BE07-999B0FDEF466}"/>
+          </ac:cxnSpMkLst>
+        </pc:cxnChg>
+        <pc:cxnChg chg="add mod">
+          <ac:chgData name="Manaswini Ray" userId="451f23f8-43b4-4daa-9511-0c9fb98bad1c" providerId="ADAL" clId="{034AA59E-D954-44E8-84AB-C770C7EA240B}" dt="2023-09-14T10:27:40.872" v="1781" actId="14100"/>
+          <ac:cxnSpMkLst>
+            <pc:docMk/>
+            <pc:sldMk cId="592478941" sldId="362"/>
+            <ac:cxnSpMk id="24" creationId="{17598B8D-61DD-4C6A-1587-38C9B11D0F3B}"/>
+          </ac:cxnSpMkLst>
+        </pc:cxnChg>
+        <pc:cxnChg chg="add mod">
+          <ac:chgData name="Manaswini Ray" userId="451f23f8-43b4-4daa-9511-0c9fb98bad1c" providerId="ADAL" clId="{034AA59E-D954-44E8-84AB-C770C7EA240B}" dt="2023-09-14T10:29:36.059" v="1807" actId="1076"/>
+          <ac:cxnSpMkLst>
+            <pc:docMk/>
+            <pc:sldMk cId="592478941" sldId="362"/>
+            <ac:cxnSpMk id="34" creationId="{47E9B744-1DFC-EB90-48F3-993D7CE8C34B}"/>
+          </ac:cxnSpMkLst>
+        </pc:cxnChg>
+        <pc:cxnChg chg="add mod">
+          <ac:chgData name="Manaswini Ray" userId="451f23f8-43b4-4daa-9511-0c9fb98bad1c" providerId="ADAL" clId="{034AA59E-D954-44E8-84AB-C770C7EA240B}" dt="2023-09-14T10:30:45.053" v="1820" actId="14100"/>
+          <ac:cxnSpMkLst>
+            <pc:docMk/>
+            <pc:sldMk cId="592478941" sldId="362"/>
+            <ac:cxnSpMk id="37" creationId="{FA9F5739-0F17-AB2B-7F62-21A16B54EBAD}"/>
+          </ac:cxnSpMkLst>
+        </pc:cxnChg>
+        <pc:cxnChg chg="add del mod">
+          <ac:chgData name="Manaswini Ray" userId="451f23f8-43b4-4daa-9511-0c9fb98bad1c" providerId="ADAL" clId="{034AA59E-D954-44E8-84AB-C770C7EA240B}" dt="2023-09-14T10:31:54.427" v="1833"/>
+          <ac:cxnSpMkLst>
+            <pc:docMk/>
+            <pc:sldMk cId="592478941" sldId="362"/>
+            <ac:cxnSpMk id="46" creationId="{5CA1F9F0-3445-014E-266C-C4F5CF3C1286}"/>
+          </ac:cxnSpMkLst>
+        </pc:cxnChg>
+        <pc:cxnChg chg="add del mod">
+          <ac:chgData name="Manaswini Ray" userId="451f23f8-43b4-4daa-9511-0c9fb98bad1c" providerId="ADAL" clId="{034AA59E-D954-44E8-84AB-C770C7EA240B}" dt="2023-09-14T10:31:54.427" v="1833"/>
+          <ac:cxnSpMkLst>
+            <pc:docMk/>
+            <pc:sldMk cId="592478941" sldId="362"/>
+            <ac:cxnSpMk id="55" creationId="{AE1CC08B-8AB8-AE85-C9F2-99722C7E220C}"/>
+          </ac:cxnSpMkLst>
+        </pc:cxnChg>
+        <pc:cxnChg chg="add del mod">
+          <ac:chgData name="Manaswini Ray" userId="451f23f8-43b4-4daa-9511-0c9fb98bad1c" providerId="ADAL" clId="{034AA59E-D954-44E8-84AB-C770C7EA240B}" dt="2023-09-14T10:31:54.427" v="1833"/>
+          <ac:cxnSpMkLst>
+            <pc:docMk/>
+            <pc:sldMk cId="592478941" sldId="362"/>
+            <ac:cxnSpMk id="56" creationId="{9D59ABA3-E840-B47C-8ED9-B71247C0BF87}"/>
+          </ac:cxnSpMkLst>
+        </pc:cxnChg>
+        <pc:cxnChg chg="add del mod">
+          <ac:chgData name="Manaswini Ray" userId="451f23f8-43b4-4daa-9511-0c9fb98bad1c" providerId="ADAL" clId="{034AA59E-D954-44E8-84AB-C770C7EA240B}" dt="2023-09-14T10:31:54.427" v="1833"/>
+          <ac:cxnSpMkLst>
+            <pc:docMk/>
+            <pc:sldMk cId="592478941" sldId="362"/>
+            <ac:cxnSpMk id="57" creationId="{D1707D6C-B64B-8276-96C7-6D58C531EC17}"/>
+          </ac:cxnSpMkLst>
+        </pc:cxnChg>
+        <pc:cxnChg chg="add mod">
+          <ac:chgData name="Manaswini Ray" userId="451f23f8-43b4-4daa-9511-0c9fb98bad1c" providerId="ADAL" clId="{034AA59E-D954-44E8-84AB-C770C7EA240B}" dt="2023-09-14T10:37:10.052" v="1924" actId="14100"/>
+          <ac:cxnSpMkLst>
+            <pc:docMk/>
+            <pc:sldMk cId="592478941" sldId="362"/>
+            <ac:cxnSpMk id="71" creationId="{D402AE5D-E7B4-BCB7-4431-8E12770D65EF}"/>
+          </ac:cxnSpMkLst>
+        </pc:cxnChg>
+        <pc:cxnChg chg="add mod">
+          <ac:chgData name="Manaswini Ray" userId="451f23f8-43b4-4daa-9511-0c9fb98bad1c" providerId="ADAL" clId="{034AA59E-D954-44E8-84AB-C770C7EA240B}" dt="2023-09-14T10:37:31.559" v="1927" actId="1076"/>
+          <ac:cxnSpMkLst>
+            <pc:docMk/>
+            <pc:sldMk cId="592478941" sldId="362"/>
+            <ac:cxnSpMk id="80" creationId="{661AE82D-F3EC-DACA-389B-A818DB7262F2}"/>
+          </ac:cxnSpMkLst>
+        </pc:cxnChg>
+        <pc:cxnChg chg="add mod">
+          <ac:chgData name="Manaswini Ray" userId="451f23f8-43b4-4daa-9511-0c9fb98bad1c" providerId="ADAL" clId="{034AA59E-D954-44E8-84AB-C770C7EA240B}" dt="2023-09-14T10:37:20.799" v="1925" actId="1076"/>
+          <ac:cxnSpMkLst>
+            <pc:docMk/>
+            <pc:sldMk cId="592478941" sldId="362"/>
+            <ac:cxnSpMk id="81" creationId="{05869FD4-240B-F66E-92B1-A3AB18CA67F8}"/>
+          </ac:cxnSpMkLst>
+        </pc:cxnChg>
+        <pc:cxnChg chg="add del mod">
+          <ac:chgData name="Manaswini Ray" userId="451f23f8-43b4-4daa-9511-0c9fb98bad1c" providerId="ADAL" clId="{034AA59E-D954-44E8-84AB-C770C7EA240B}" dt="2023-09-14T10:35:57.583" v="1912" actId="478"/>
+          <ac:cxnSpMkLst>
+            <pc:docMk/>
+            <pc:sldMk cId="592478941" sldId="362"/>
+            <ac:cxnSpMk id="82" creationId="{BC551395-EE64-2159-FB00-8796E988886E}"/>
           </ac:cxnSpMkLst>
         </pc:cxnChg>
       </pc:sldChg>
@@ -4794,6 +5337,90 @@
 </file>
 
 <file path=ppt/notesSlides/notesSlide1.xml><?xml version="1.0" encoding="utf-8"?>
+<p:notes xmlns:a="http://schemas.openxmlformats.org/drawingml/2006/main" xmlns:r="http://schemas.openxmlformats.org/officeDocument/2006/relationships" xmlns:p="http://schemas.openxmlformats.org/presentationml/2006/main">
+  <p:cSld>
+    <p:spTree>
+      <p:nvGrpSpPr>
+        <p:cNvPr id="1" name=""/>
+        <p:cNvGrpSpPr/>
+        <p:nvPr/>
+      </p:nvGrpSpPr>
+      <p:grpSpPr>
+        <a:xfrm>
+          <a:off x="0" y="0"/>
+          <a:ext cx="0" cy="0"/>
+          <a:chOff x="0" y="0"/>
+          <a:chExt cx="0" cy="0"/>
+        </a:xfrm>
+      </p:grpSpPr>
+      <p:sp>
+        <p:nvSpPr>
+          <p:cNvPr id="2" name="Slide Image Placeholder 1"/>
+          <p:cNvSpPr>
+            <a:spLocks noGrp="1" noRot="1" noChangeAspect="1"/>
+          </p:cNvSpPr>
+          <p:nvPr>
+            <p:ph type="sldImg"/>
+          </p:nvPr>
+        </p:nvSpPr>
+        <p:spPr/>
+      </p:sp>
+      <p:sp>
+        <p:nvSpPr>
+          <p:cNvPr id="3" name="Notes Placeholder 2"/>
+          <p:cNvSpPr>
+            <a:spLocks noGrp="1"/>
+          </p:cNvSpPr>
+          <p:nvPr>
+            <p:ph type="body" idx="1"/>
+          </p:nvPr>
+        </p:nvSpPr>
+        <p:spPr/>
+        <p:txBody>
+          <a:bodyPr/>
+          <a:lstStyle/>
+          <a:p>
+            <a:endParaRPr lang="en-IN" dirty="0"/>
+          </a:p>
+        </p:txBody>
+      </p:sp>
+      <p:sp>
+        <p:nvSpPr>
+          <p:cNvPr id="4" name="Slide Number Placeholder 3"/>
+          <p:cNvSpPr>
+            <a:spLocks noGrp="1"/>
+          </p:cNvSpPr>
+          <p:nvPr>
+            <p:ph type="sldNum" sz="quarter" idx="5"/>
+          </p:nvPr>
+        </p:nvSpPr>
+        <p:spPr/>
+        <p:txBody>
+          <a:bodyPr/>
+          <a:lstStyle/>
+          <a:p>
+            <a:fld id="{8CFD7A69-FA20-4EA6-BB4D-CD5B291B6EAE}" type="slidenum">
+              <a:rPr lang="en-IN" smtClean="0"/>
+              <a:t>1</a:t>
+            </a:fld>
+            <a:endParaRPr lang="en-IN"/>
+          </a:p>
+        </p:txBody>
+      </p:sp>
+    </p:spTree>
+    <p:extLst>
+      <p:ext uri="{BB962C8B-B14F-4D97-AF65-F5344CB8AC3E}">
+        <p14:creationId xmlns:p14="http://schemas.microsoft.com/office/powerpoint/2010/main" val="2395226955"/>
+      </p:ext>
+    </p:extLst>
+  </p:cSld>
+  <p:clrMapOvr>
+    <a:masterClrMapping/>
+  </p:clrMapOvr>
+</p:notes>
+</file>
+
+<file path=ppt/notesSlides/notesSlide2.xml><?xml version="1.0" encoding="utf-8"?>
 <p:notes xmlns:a="http://schemas.openxmlformats.org/drawingml/2006/main" xmlns:r="http://schemas.openxmlformats.org/officeDocument/2006/relationships" xmlns:p="http://schemas.openxmlformats.org/presentationml/2006/main">
   <p:cSld>
     <p:spTree>
@@ -8243,37 +8870,23 @@
             <p:ph type="ctrTitle"/>
           </p:nvPr>
         </p:nvSpPr>
-        <p:spPr/>
-        <p:txBody>
-          <a:bodyPr/>
-          <a:lstStyle/>
-          <a:p>
-            <a:endParaRPr lang="en-IN" dirty="0"/>
-          </a:p>
-        </p:txBody>
-      </p:sp>
-      <p:sp>
-        <p:nvSpPr>
-          <p:cNvPr id="3" name="Subtitle 2">
-            <a:extLst>
-              <a:ext uri="{FF2B5EF4-FFF2-40B4-BE49-F238E27FC236}">
-                <a16:creationId xmlns:a16="http://schemas.microsoft.com/office/drawing/2014/main" id="{44716E92-FEB4-D571-8FAF-8381E74ECB33}"/>
-              </a:ext>
-            </a:extLst>
-          </p:cNvPr>
-          <p:cNvSpPr>
-            <a:spLocks noGrp="1"/>
-          </p:cNvSpPr>
-          <p:nvPr>
-            <p:ph type="subTitle" idx="1"/>
-          </p:nvPr>
-        </p:nvSpPr>
-        <p:spPr/>
-        <p:txBody>
-          <a:bodyPr/>
-          <a:lstStyle/>
-          <a:p>
-            <a:endParaRPr lang="en-IN"/>
+        <p:spPr>
+          <a:xfrm>
+            <a:off x="1524000" y="1520396"/>
+            <a:ext cx="9144000" cy="2387600"/>
+          </a:xfrm>
+        </p:spPr>
+        <p:txBody>
+          <a:bodyPr>
+            <a:normAutofit/>
+          </a:bodyPr>
+          <a:lstStyle/>
+          <a:p>
+            <a:r>
+              <a:rPr lang="en-US" sz="8000" b="1" dirty="0"/>
+              <a:t>UML DIAGRAMS</a:t>
+            </a:r>
+            <a:endParaRPr lang="en-IN" sz="8000" b="1" dirty="0"/>
           </a:p>
         </p:txBody>
       </p:sp>
@@ -19645,6 +20258,1839 @@
   <p:clrMapOvr>
     <a:masterClrMapping/>
   </p:clrMapOvr>
+</p:sld>
+</file>
+
+<file path=ppt/slides/slide19.xml><?xml version="1.0" encoding="utf-8"?>
+<p:sld xmlns:a="http://schemas.openxmlformats.org/drawingml/2006/main" xmlns:r="http://schemas.openxmlformats.org/officeDocument/2006/relationships" xmlns:p="http://schemas.openxmlformats.org/presentationml/2006/main">
+  <p:cSld>
+    <p:spTree>
+      <p:nvGrpSpPr>
+        <p:cNvPr id="1" name=""/>
+        <p:cNvGrpSpPr/>
+        <p:nvPr/>
+      </p:nvGrpSpPr>
+      <p:grpSpPr>
+        <a:xfrm>
+          <a:off x="0" y="0"/>
+          <a:ext cx="0" cy="0"/>
+          <a:chOff x="0" y="0"/>
+          <a:chExt cx="0" cy="0"/>
+        </a:xfrm>
+      </p:grpSpPr>
+      <p:sp>
+        <p:nvSpPr>
+          <p:cNvPr id="2" name="Rectangle 1">
+            <a:extLst>
+              <a:ext uri="{FF2B5EF4-FFF2-40B4-BE49-F238E27FC236}">
+                <a16:creationId xmlns:a16="http://schemas.microsoft.com/office/drawing/2014/main" id="{90926BF3-B67F-A716-5A8C-4B0813531291}"/>
+              </a:ext>
+            </a:extLst>
+          </p:cNvPr>
+          <p:cNvSpPr/>
+          <p:nvPr/>
+        </p:nvSpPr>
+        <p:spPr>
+          <a:xfrm>
+            <a:off x="580254" y="581224"/>
+            <a:ext cx="4398866" cy="2658050"/>
+          </a:xfrm>
+          <a:prstGeom prst="rect">
+            <a:avLst/>
+          </a:prstGeom>
+          <a:noFill/>
+          <a:ln>
+            <a:solidFill>
+              <a:schemeClr val="bg2">
+                <a:lumMod val="10000"/>
+              </a:schemeClr>
+            </a:solidFill>
+          </a:ln>
+        </p:spPr>
+        <p:style>
+          <a:lnRef idx="2">
+            <a:schemeClr val="accent1">
+              <a:shade val="50000"/>
+            </a:schemeClr>
+          </a:lnRef>
+          <a:fillRef idx="1">
+            <a:schemeClr val="accent1"/>
+          </a:fillRef>
+          <a:effectRef idx="0">
+            <a:schemeClr val="accent1"/>
+          </a:effectRef>
+          <a:fontRef idx="minor">
+            <a:schemeClr val="lt1"/>
+          </a:fontRef>
+        </p:style>
+        <p:txBody>
+          <a:bodyPr rtlCol="0" anchor="ctr"/>
+          <a:lstStyle/>
+          <a:p>
+            <a:pPr algn="ctr"/>
+            <a:endParaRPr lang="en-IN"/>
+          </a:p>
+        </p:txBody>
+      </p:sp>
+      <p:cxnSp>
+        <p:nvCxnSpPr>
+          <p:cNvPr id="3" name="Straight Connector 2">
+            <a:extLst>
+              <a:ext uri="{FF2B5EF4-FFF2-40B4-BE49-F238E27FC236}">
+                <a16:creationId xmlns:a16="http://schemas.microsoft.com/office/drawing/2014/main" id="{F048E608-B3CB-B74D-755A-F8D0DDF672E4}"/>
+              </a:ext>
+            </a:extLst>
+          </p:cNvPr>
+          <p:cNvCxnSpPr>
+            <a:cxnSpLocks/>
+          </p:cNvCxnSpPr>
+          <p:nvPr/>
+        </p:nvCxnSpPr>
+        <p:spPr>
+          <a:xfrm>
+            <a:off x="580253" y="1154482"/>
+            <a:ext cx="4398867" cy="0"/>
+          </a:xfrm>
+          <a:prstGeom prst="line">
+            <a:avLst/>
+          </a:prstGeom>
+          <a:ln>
+            <a:solidFill>
+              <a:schemeClr val="tx1">
+                <a:lumMod val="95000"/>
+                <a:lumOff val="5000"/>
+              </a:schemeClr>
+            </a:solidFill>
+          </a:ln>
+        </p:spPr>
+        <p:style>
+          <a:lnRef idx="1">
+            <a:schemeClr val="accent1"/>
+          </a:lnRef>
+          <a:fillRef idx="0">
+            <a:schemeClr val="accent1"/>
+          </a:fillRef>
+          <a:effectRef idx="0">
+            <a:schemeClr val="accent1"/>
+          </a:effectRef>
+          <a:fontRef idx="minor">
+            <a:schemeClr val="tx1"/>
+          </a:fontRef>
+        </p:style>
+      </p:cxnSp>
+      <p:sp>
+        <p:nvSpPr>
+          <p:cNvPr id="4" name="TextBox 3">
+            <a:extLst>
+              <a:ext uri="{FF2B5EF4-FFF2-40B4-BE49-F238E27FC236}">
+                <a16:creationId xmlns:a16="http://schemas.microsoft.com/office/drawing/2014/main" id="{4AA06174-5F79-5624-5CF4-7CE8EC51AECB}"/>
+              </a:ext>
+            </a:extLst>
+          </p:cNvPr>
+          <p:cNvSpPr txBox="1"/>
+          <p:nvPr/>
+        </p:nvSpPr>
+        <p:spPr>
+          <a:xfrm>
+            <a:off x="580254" y="703363"/>
+            <a:ext cx="2684550" cy="369571"/>
+          </a:xfrm>
+          <a:prstGeom prst="rect">
+            <a:avLst/>
+          </a:prstGeom>
+          <a:noFill/>
+        </p:spPr>
+        <p:txBody>
+          <a:bodyPr wrap="square" rtlCol="0">
+            <a:spAutoFit/>
+          </a:bodyPr>
+          <a:lstStyle/>
+          <a:p>
+            <a:r>
+              <a:rPr lang="en-US" dirty="0" err="1"/>
+              <a:t>IMediator</a:t>
+            </a:r>
+            <a:endParaRPr lang="en-IN" dirty="0"/>
+          </a:p>
+        </p:txBody>
+      </p:sp>
+      <p:sp>
+        <p:nvSpPr>
+          <p:cNvPr id="8" name="TextBox 7">
+            <a:extLst>
+              <a:ext uri="{FF2B5EF4-FFF2-40B4-BE49-F238E27FC236}">
+                <a16:creationId xmlns:a16="http://schemas.microsoft.com/office/drawing/2014/main" id="{47420239-2D63-F19A-144B-2198282C2982}"/>
+              </a:ext>
+            </a:extLst>
+          </p:cNvPr>
+          <p:cNvSpPr txBox="1"/>
+          <p:nvPr/>
+        </p:nvSpPr>
+        <p:spPr>
+          <a:xfrm>
+            <a:off x="185786" y="119896"/>
+            <a:ext cx="6138040" cy="400110"/>
+          </a:xfrm>
+          <a:prstGeom prst="rect">
+            <a:avLst/>
+          </a:prstGeom>
+          <a:noFill/>
+        </p:spPr>
+        <p:txBody>
+          <a:bodyPr wrap="square">
+            <a:spAutoFit/>
+          </a:bodyPr>
+          <a:lstStyle/>
+          <a:p>
+            <a:r>
+              <a:rPr lang="en-US" sz="2000" b="1" u="sng" dirty="0">
+                <a:solidFill>
+                  <a:srgbClr val="000000"/>
+                </a:solidFill>
+              </a:rPr>
+              <a:t>Mediator </a:t>
+            </a:r>
+            <a:r>
+              <a:rPr lang="en-IN" sz="2000" b="1" u="sng" dirty="0">
+                <a:solidFill>
+                  <a:srgbClr val="000000"/>
+                </a:solidFill>
+              </a:rPr>
+              <a:t>Design Pattern</a:t>
+            </a:r>
+            <a:endParaRPr lang="en-IN" sz="2000" b="1" u="sng" dirty="0"/>
+          </a:p>
+        </p:txBody>
+      </p:sp>
+      <p:cxnSp>
+        <p:nvCxnSpPr>
+          <p:cNvPr id="11" name="Straight Connector 53">
+            <a:extLst>
+              <a:ext uri="{FF2B5EF4-FFF2-40B4-BE49-F238E27FC236}">
+                <a16:creationId xmlns:a16="http://schemas.microsoft.com/office/drawing/2014/main" id="{55899AEF-9D01-D2AE-E592-DD7EF712C8D5}"/>
+              </a:ext>
+            </a:extLst>
+          </p:cNvPr>
+          <p:cNvCxnSpPr>
+            <a:cxnSpLocks/>
+            <a:stCxn id="12" idx="1"/>
+          </p:cNvCxnSpPr>
+          <p:nvPr/>
+        </p:nvCxnSpPr>
+        <p:spPr>
+          <a:xfrm rot="10800000" flipH="1" flipV="1">
+            <a:off x="642967" y="2361334"/>
+            <a:ext cx="608059" cy="1411849"/>
+          </a:xfrm>
+          <a:prstGeom prst="bentConnector4">
+            <a:avLst>
+              <a:gd name="adj1" fmla="val -37595"/>
+              <a:gd name="adj2" fmla="val 85969"/>
+            </a:avLst>
+          </a:prstGeom>
+          <a:ln w="19050">
+            <a:prstDash val="lgDashDot"/>
+          </a:ln>
+        </p:spPr>
+        <p:style>
+          <a:lnRef idx="1">
+            <a:schemeClr val="dk1"/>
+          </a:lnRef>
+          <a:fillRef idx="0">
+            <a:schemeClr val="dk1"/>
+          </a:fillRef>
+          <a:effectRef idx="0">
+            <a:schemeClr val="dk1"/>
+          </a:effectRef>
+          <a:fontRef idx="minor">
+            <a:schemeClr val="tx1"/>
+          </a:fontRef>
+        </p:style>
+      </p:cxnSp>
+      <p:sp>
+        <p:nvSpPr>
+          <p:cNvPr id="12" name="TextBox 11">
+            <a:extLst>
+              <a:ext uri="{FF2B5EF4-FFF2-40B4-BE49-F238E27FC236}">
+                <a16:creationId xmlns:a16="http://schemas.microsoft.com/office/drawing/2014/main" id="{E45EFFC8-FBFB-D82B-6436-8FF4ADDA1C80}"/>
+              </a:ext>
+            </a:extLst>
+          </p:cNvPr>
+          <p:cNvSpPr txBox="1"/>
+          <p:nvPr/>
+        </p:nvSpPr>
+        <p:spPr>
+          <a:xfrm>
+            <a:off x="642968" y="1345672"/>
+            <a:ext cx="4582365" cy="2031325"/>
+          </a:xfrm>
+          <a:prstGeom prst="rect">
+            <a:avLst/>
+          </a:prstGeom>
+          <a:noFill/>
+        </p:spPr>
+        <p:txBody>
+          <a:bodyPr wrap="square" rtlCol="0">
+            <a:spAutoFit/>
+          </a:bodyPr>
+          <a:lstStyle/>
+          <a:p>
+            <a:r>
+              <a:rPr lang="en-US" dirty="0"/>
+              <a:t>void </a:t>
+            </a:r>
+            <a:r>
+              <a:rPr lang="en-US" dirty="0" err="1"/>
+              <a:t>RegisterDevice</a:t>
+            </a:r>
+            <a:r>
+              <a:rPr lang="en-US" dirty="0"/>
+              <a:t>(</a:t>
+            </a:r>
+            <a:r>
+              <a:rPr lang="en-US" dirty="0" err="1"/>
+              <a:t>IDevice</a:t>
+            </a:r>
+            <a:r>
+              <a:rPr lang="en-US" dirty="0"/>
+              <a:t> device);</a:t>
+            </a:r>
+          </a:p>
+          <a:p>
+            <a:r>
+              <a:rPr lang="en-US" dirty="0"/>
+              <a:t>void </a:t>
+            </a:r>
+            <a:r>
+              <a:rPr lang="en-US" dirty="0" err="1"/>
+              <a:t>TurnOffAllDevices</a:t>
+            </a:r>
+            <a:r>
+              <a:rPr lang="en-US" dirty="0"/>
+              <a:t>();</a:t>
+            </a:r>
+          </a:p>
+          <a:p>
+            <a:r>
+              <a:rPr lang="en-US" dirty="0"/>
+              <a:t>void </a:t>
+            </a:r>
+            <a:r>
+              <a:rPr lang="en-US" dirty="0" err="1"/>
+              <a:t>TurnOnAllDevices</a:t>
+            </a:r>
+            <a:r>
+              <a:rPr lang="en-US" dirty="0"/>
+              <a:t>();</a:t>
+            </a:r>
+          </a:p>
+          <a:p>
+            <a:r>
+              <a:rPr lang="en-US" dirty="0"/>
+              <a:t>void </a:t>
+            </a:r>
+            <a:r>
+              <a:rPr lang="en-US" dirty="0" err="1"/>
+              <a:t>TurnOffDevice</a:t>
+            </a:r>
+            <a:r>
+              <a:rPr lang="en-US" dirty="0"/>
+              <a:t>(</a:t>
+            </a:r>
+            <a:r>
+              <a:rPr lang="en-US" dirty="0" err="1"/>
+              <a:t>IDevice</a:t>
+            </a:r>
+            <a:r>
+              <a:rPr lang="en-US" dirty="0"/>
+              <a:t> device);</a:t>
+            </a:r>
+          </a:p>
+          <a:p>
+            <a:r>
+              <a:rPr lang="en-US" dirty="0"/>
+              <a:t>void </a:t>
+            </a:r>
+            <a:r>
+              <a:rPr lang="en-US" dirty="0" err="1"/>
+              <a:t>TurnOnDevice</a:t>
+            </a:r>
+            <a:r>
+              <a:rPr lang="en-US" dirty="0"/>
+              <a:t>(</a:t>
+            </a:r>
+            <a:r>
+              <a:rPr lang="en-US" dirty="0" err="1"/>
+              <a:t>IDevice</a:t>
+            </a:r>
+            <a:r>
+              <a:rPr lang="en-US" dirty="0"/>
+              <a:t> device);</a:t>
+            </a:r>
+          </a:p>
+          <a:p>
+            <a:r>
+              <a:rPr lang="en-US" dirty="0"/>
+              <a:t>void </a:t>
+            </a:r>
+            <a:r>
+              <a:rPr lang="en-US" dirty="0" err="1"/>
+              <a:t>AdjustDevice</a:t>
+            </a:r>
+            <a:r>
+              <a:rPr lang="en-US" dirty="0"/>
+              <a:t>(</a:t>
+            </a:r>
+            <a:r>
+              <a:rPr lang="en-US" dirty="0" err="1"/>
+              <a:t>IDevice</a:t>
+            </a:r>
+            <a:r>
+              <a:rPr lang="en-US" dirty="0"/>
+              <a:t> device);</a:t>
+            </a:r>
+          </a:p>
+          <a:p>
+            <a:endParaRPr lang="en-US" dirty="0"/>
+          </a:p>
+        </p:txBody>
+      </p:sp>
+      <p:sp>
+        <p:nvSpPr>
+          <p:cNvPr id="16" name="Rectangle 15">
+            <a:extLst>
+              <a:ext uri="{FF2B5EF4-FFF2-40B4-BE49-F238E27FC236}">
+                <a16:creationId xmlns:a16="http://schemas.microsoft.com/office/drawing/2014/main" id="{54BE5C6B-7195-1F79-C5E4-692E1AB63DB8}"/>
+              </a:ext>
+            </a:extLst>
+          </p:cNvPr>
+          <p:cNvSpPr/>
+          <p:nvPr/>
+        </p:nvSpPr>
+        <p:spPr>
+          <a:xfrm>
+            <a:off x="5471552" y="703363"/>
+            <a:ext cx="4398866" cy="2658050"/>
+          </a:xfrm>
+          <a:prstGeom prst="rect">
+            <a:avLst/>
+          </a:prstGeom>
+          <a:noFill/>
+          <a:ln>
+            <a:solidFill>
+              <a:schemeClr val="bg2">
+                <a:lumMod val="10000"/>
+              </a:schemeClr>
+            </a:solidFill>
+          </a:ln>
+        </p:spPr>
+        <p:style>
+          <a:lnRef idx="2">
+            <a:schemeClr val="accent1">
+              <a:shade val="50000"/>
+            </a:schemeClr>
+          </a:lnRef>
+          <a:fillRef idx="1">
+            <a:schemeClr val="accent1"/>
+          </a:fillRef>
+          <a:effectRef idx="0">
+            <a:schemeClr val="accent1"/>
+          </a:effectRef>
+          <a:fontRef idx="minor">
+            <a:schemeClr val="lt1"/>
+          </a:fontRef>
+        </p:style>
+        <p:txBody>
+          <a:bodyPr rtlCol="0" anchor="ctr"/>
+          <a:lstStyle/>
+          <a:p>
+            <a:pPr algn="ctr"/>
+            <a:endParaRPr lang="en-IN"/>
+          </a:p>
+        </p:txBody>
+      </p:sp>
+      <p:cxnSp>
+        <p:nvCxnSpPr>
+          <p:cNvPr id="17" name="Straight Connector 16">
+            <a:extLst>
+              <a:ext uri="{FF2B5EF4-FFF2-40B4-BE49-F238E27FC236}">
+                <a16:creationId xmlns:a16="http://schemas.microsoft.com/office/drawing/2014/main" id="{1A573B48-95F4-B2E3-3403-66BBAAFE4A1F}"/>
+              </a:ext>
+            </a:extLst>
+          </p:cNvPr>
+          <p:cNvCxnSpPr>
+            <a:cxnSpLocks/>
+          </p:cNvCxnSpPr>
+          <p:nvPr/>
+        </p:nvCxnSpPr>
+        <p:spPr>
+          <a:xfrm>
+            <a:off x="5471551" y="1276621"/>
+            <a:ext cx="4398867" cy="0"/>
+          </a:xfrm>
+          <a:prstGeom prst="line">
+            <a:avLst/>
+          </a:prstGeom>
+          <a:ln>
+            <a:solidFill>
+              <a:schemeClr val="tx1">
+                <a:lumMod val="95000"/>
+                <a:lumOff val="5000"/>
+              </a:schemeClr>
+            </a:solidFill>
+          </a:ln>
+        </p:spPr>
+        <p:style>
+          <a:lnRef idx="1">
+            <a:schemeClr val="accent1"/>
+          </a:lnRef>
+          <a:fillRef idx="0">
+            <a:schemeClr val="accent1"/>
+          </a:fillRef>
+          <a:effectRef idx="0">
+            <a:schemeClr val="accent1"/>
+          </a:effectRef>
+          <a:fontRef idx="minor">
+            <a:schemeClr val="tx1"/>
+          </a:fontRef>
+        </p:style>
+      </p:cxnSp>
+      <p:sp>
+        <p:nvSpPr>
+          <p:cNvPr id="18" name="TextBox 17">
+            <a:extLst>
+              <a:ext uri="{FF2B5EF4-FFF2-40B4-BE49-F238E27FC236}">
+                <a16:creationId xmlns:a16="http://schemas.microsoft.com/office/drawing/2014/main" id="{18360850-E966-ED0C-449B-6F3F2E7ED487}"/>
+              </a:ext>
+            </a:extLst>
+          </p:cNvPr>
+          <p:cNvSpPr txBox="1"/>
+          <p:nvPr/>
+        </p:nvSpPr>
+        <p:spPr>
+          <a:xfrm>
+            <a:off x="5471552" y="825502"/>
+            <a:ext cx="2684550" cy="369571"/>
+          </a:xfrm>
+          <a:prstGeom prst="rect">
+            <a:avLst/>
+          </a:prstGeom>
+          <a:noFill/>
+        </p:spPr>
+        <p:txBody>
+          <a:bodyPr wrap="square" rtlCol="0">
+            <a:spAutoFit/>
+          </a:bodyPr>
+          <a:lstStyle/>
+          <a:p>
+            <a:r>
+              <a:rPr lang="en-US" dirty="0" err="1"/>
+              <a:t>SmartAssistantMediator</a:t>
+            </a:r>
+            <a:endParaRPr lang="en-IN" dirty="0"/>
+          </a:p>
+        </p:txBody>
+      </p:sp>
+      <p:sp>
+        <p:nvSpPr>
+          <p:cNvPr id="19" name="TextBox 18">
+            <a:extLst>
+              <a:ext uri="{FF2B5EF4-FFF2-40B4-BE49-F238E27FC236}">
+                <a16:creationId xmlns:a16="http://schemas.microsoft.com/office/drawing/2014/main" id="{3A649D37-3738-2FC1-7328-6F647B0111EE}"/>
+              </a:ext>
+            </a:extLst>
+          </p:cNvPr>
+          <p:cNvSpPr txBox="1"/>
+          <p:nvPr/>
+        </p:nvSpPr>
+        <p:spPr>
+          <a:xfrm>
+            <a:off x="5471550" y="1260529"/>
+            <a:ext cx="4582365" cy="2308324"/>
+          </a:xfrm>
+          <a:prstGeom prst="rect">
+            <a:avLst/>
+          </a:prstGeom>
+          <a:noFill/>
+        </p:spPr>
+        <p:txBody>
+          <a:bodyPr wrap="square" rtlCol="0">
+            <a:spAutoFit/>
+          </a:bodyPr>
+          <a:lstStyle/>
+          <a:p>
+            <a:r>
+              <a:rPr lang="en-US" dirty="0"/>
+              <a:t>_</a:t>
+            </a:r>
+            <a:r>
+              <a:rPr lang="en-US" dirty="0" err="1"/>
+              <a:t>devicesList</a:t>
+            </a:r>
+            <a:endParaRPr lang="en-US" dirty="0"/>
+          </a:p>
+          <a:p>
+            <a:r>
+              <a:rPr lang="en-US" dirty="0"/>
+              <a:t>void </a:t>
+            </a:r>
+            <a:r>
+              <a:rPr lang="en-US" dirty="0" err="1"/>
+              <a:t>RegisterDevice</a:t>
+            </a:r>
+            <a:r>
+              <a:rPr lang="en-US" dirty="0"/>
+              <a:t>(</a:t>
+            </a:r>
+            <a:r>
+              <a:rPr lang="en-US" dirty="0" err="1"/>
+              <a:t>IDevice</a:t>
+            </a:r>
+            <a:r>
+              <a:rPr lang="en-US" dirty="0"/>
+              <a:t> device){}</a:t>
+            </a:r>
+          </a:p>
+          <a:p>
+            <a:r>
+              <a:rPr lang="en-US" dirty="0"/>
+              <a:t>void </a:t>
+            </a:r>
+            <a:r>
+              <a:rPr lang="en-US" dirty="0" err="1"/>
+              <a:t>TurnOffAllDevices</a:t>
+            </a:r>
+            <a:r>
+              <a:rPr lang="en-US" dirty="0"/>
+              <a:t>(){}</a:t>
+            </a:r>
+          </a:p>
+          <a:p>
+            <a:r>
+              <a:rPr lang="en-US" dirty="0"/>
+              <a:t>void </a:t>
+            </a:r>
+            <a:r>
+              <a:rPr lang="en-US" dirty="0" err="1"/>
+              <a:t>TurnOnAllDevices</a:t>
+            </a:r>
+            <a:r>
+              <a:rPr lang="en-US" dirty="0"/>
+              <a:t>(){}</a:t>
+            </a:r>
+          </a:p>
+          <a:p>
+            <a:r>
+              <a:rPr lang="en-US" dirty="0"/>
+              <a:t>void </a:t>
+            </a:r>
+            <a:r>
+              <a:rPr lang="en-US" dirty="0" err="1"/>
+              <a:t>TurnOffDevice</a:t>
+            </a:r>
+            <a:r>
+              <a:rPr lang="en-US" dirty="0"/>
+              <a:t>(</a:t>
+            </a:r>
+            <a:r>
+              <a:rPr lang="en-US" dirty="0" err="1"/>
+              <a:t>IDevice</a:t>
+            </a:r>
+            <a:r>
+              <a:rPr lang="en-US" dirty="0"/>
+              <a:t> device){}</a:t>
+            </a:r>
+          </a:p>
+          <a:p>
+            <a:r>
+              <a:rPr lang="en-US" dirty="0"/>
+              <a:t>void </a:t>
+            </a:r>
+            <a:r>
+              <a:rPr lang="en-US" dirty="0" err="1"/>
+              <a:t>TurnOnDevice</a:t>
+            </a:r>
+            <a:r>
+              <a:rPr lang="en-US" dirty="0"/>
+              <a:t>(</a:t>
+            </a:r>
+            <a:r>
+              <a:rPr lang="en-US" dirty="0" err="1"/>
+              <a:t>IDevice</a:t>
+            </a:r>
+            <a:r>
+              <a:rPr lang="en-US" dirty="0"/>
+              <a:t> device){}</a:t>
+            </a:r>
+          </a:p>
+          <a:p>
+            <a:r>
+              <a:rPr lang="en-US" dirty="0"/>
+              <a:t>void </a:t>
+            </a:r>
+            <a:r>
+              <a:rPr lang="en-US" dirty="0" err="1"/>
+              <a:t>AdjustDevice</a:t>
+            </a:r>
+            <a:r>
+              <a:rPr lang="en-US" dirty="0"/>
+              <a:t>(</a:t>
+            </a:r>
+            <a:r>
+              <a:rPr lang="en-US" dirty="0" err="1"/>
+              <a:t>IDevice</a:t>
+            </a:r>
+            <a:r>
+              <a:rPr lang="en-US" dirty="0"/>
+              <a:t> device){}</a:t>
+            </a:r>
+          </a:p>
+          <a:p>
+            <a:endParaRPr lang="en-US" dirty="0"/>
+          </a:p>
+        </p:txBody>
+      </p:sp>
+      <p:cxnSp>
+        <p:nvCxnSpPr>
+          <p:cNvPr id="20" name="Straight Arrow Connector 17">
+            <a:extLst>
+              <a:ext uri="{FF2B5EF4-FFF2-40B4-BE49-F238E27FC236}">
+                <a16:creationId xmlns:a16="http://schemas.microsoft.com/office/drawing/2014/main" id="{0C3D24E1-2E8D-7176-BE07-999B0FDEF466}"/>
+              </a:ext>
+            </a:extLst>
+          </p:cNvPr>
+          <p:cNvCxnSpPr>
+            <a:cxnSpLocks/>
+            <a:stCxn id="19" idx="1"/>
+            <a:endCxn id="2" idx="2"/>
+          </p:cNvCxnSpPr>
+          <p:nvPr/>
+        </p:nvCxnSpPr>
+        <p:spPr>
+          <a:xfrm rot="10800000" flipV="1">
+            <a:off x="2779688" y="2414690"/>
+            <a:ext cx="2691863" cy="824583"/>
+          </a:xfrm>
+          <a:prstGeom prst="bentConnector4">
+            <a:avLst>
+              <a:gd name="adj1" fmla="val 9147"/>
+              <a:gd name="adj2" fmla="val 143230"/>
+            </a:avLst>
+          </a:prstGeom>
+          <a:ln w="28575">
+            <a:tailEnd type="triangle"/>
+          </a:ln>
+        </p:spPr>
+        <p:style>
+          <a:lnRef idx="1">
+            <a:schemeClr val="dk1"/>
+          </a:lnRef>
+          <a:fillRef idx="0">
+            <a:schemeClr val="dk1"/>
+          </a:fillRef>
+          <a:effectRef idx="0">
+            <a:schemeClr val="dk1"/>
+          </a:effectRef>
+          <a:fontRef idx="minor">
+            <a:schemeClr val="tx1"/>
+          </a:fontRef>
+        </p:style>
+      </p:cxnSp>
+      <p:sp>
+        <p:nvSpPr>
+          <p:cNvPr id="23" name="Rectangle 22">
+            <a:extLst>
+              <a:ext uri="{FF2B5EF4-FFF2-40B4-BE49-F238E27FC236}">
+                <a16:creationId xmlns:a16="http://schemas.microsoft.com/office/drawing/2014/main" id="{970C95FE-A257-68AD-DDF5-39E771B603ED}"/>
+              </a:ext>
+            </a:extLst>
+          </p:cNvPr>
+          <p:cNvSpPr/>
+          <p:nvPr/>
+        </p:nvSpPr>
+        <p:spPr>
+          <a:xfrm>
+            <a:off x="736087" y="3736289"/>
+            <a:ext cx="3593866" cy="2281140"/>
+          </a:xfrm>
+          <a:prstGeom prst="rect">
+            <a:avLst/>
+          </a:prstGeom>
+          <a:noFill/>
+          <a:ln>
+            <a:solidFill>
+              <a:schemeClr val="bg2">
+                <a:lumMod val="10000"/>
+              </a:schemeClr>
+            </a:solidFill>
+          </a:ln>
+        </p:spPr>
+        <p:style>
+          <a:lnRef idx="2">
+            <a:schemeClr val="accent1">
+              <a:shade val="50000"/>
+            </a:schemeClr>
+          </a:lnRef>
+          <a:fillRef idx="1">
+            <a:schemeClr val="accent1"/>
+          </a:fillRef>
+          <a:effectRef idx="0">
+            <a:schemeClr val="accent1"/>
+          </a:effectRef>
+          <a:fontRef idx="minor">
+            <a:schemeClr val="lt1"/>
+          </a:fontRef>
+        </p:style>
+        <p:txBody>
+          <a:bodyPr rtlCol="0" anchor="ctr"/>
+          <a:lstStyle/>
+          <a:p>
+            <a:pPr algn="ctr"/>
+            <a:endParaRPr lang="en-IN"/>
+          </a:p>
+        </p:txBody>
+      </p:sp>
+      <p:cxnSp>
+        <p:nvCxnSpPr>
+          <p:cNvPr id="24" name="Straight Connector 23">
+            <a:extLst>
+              <a:ext uri="{FF2B5EF4-FFF2-40B4-BE49-F238E27FC236}">
+                <a16:creationId xmlns:a16="http://schemas.microsoft.com/office/drawing/2014/main" id="{17598B8D-61DD-4C6A-1587-38C9B11D0F3B}"/>
+              </a:ext>
+            </a:extLst>
+          </p:cNvPr>
+          <p:cNvCxnSpPr>
+            <a:cxnSpLocks/>
+          </p:cNvCxnSpPr>
+          <p:nvPr/>
+        </p:nvCxnSpPr>
+        <p:spPr>
+          <a:xfrm>
+            <a:off x="736086" y="4309547"/>
+            <a:ext cx="3593867" cy="0"/>
+          </a:xfrm>
+          <a:prstGeom prst="line">
+            <a:avLst/>
+          </a:prstGeom>
+          <a:ln>
+            <a:solidFill>
+              <a:schemeClr val="tx1">
+                <a:lumMod val="95000"/>
+                <a:lumOff val="5000"/>
+              </a:schemeClr>
+            </a:solidFill>
+          </a:ln>
+        </p:spPr>
+        <p:style>
+          <a:lnRef idx="1">
+            <a:schemeClr val="accent1"/>
+          </a:lnRef>
+          <a:fillRef idx="0">
+            <a:schemeClr val="accent1"/>
+          </a:fillRef>
+          <a:effectRef idx="0">
+            <a:schemeClr val="accent1"/>
+          </a:effectRef>
+          <a:fontRef idx="minor">
+            <a:schemeClr val="tx1"/>
+          </a:fontRef>
+        </p:style>
+      </p:cxnSp>
+      <p:sp>
+        <p:nvSpPr>
+          <p:cNvPr id="25" name="TextBox 24">
+            <a:extLst>
+              <a:ext uri="{FF2B5EF4-FFF2-40B4-BE49-F238E27FC236}">
+                <a16:creationId xmlns:a16="http://schemas.microsoft.com/office/drawing/2014/main" id="{F3C2EB61-61D8-D50F-ED83-CEEFC6A1E427}"/>
+              </a:ext>
+            </a:extLst>
+          </p:cNvPr>
+          <p:cNvSpPr txBox="1"/>
+          <p:nvPr/>
+        </p:nvSpPr>
+        <p:spPr>
+          <a:xfrm>
+            <a:off x="736087" y="3858428"/>
+            <a:ext cx="2684550" cy="369571"/>
+          </a:xfrm>
+          <a:prstGeom prst="rect">
+            <a:avLst/>
+          </a:prstGeom>
+          <a:noFill/>
+        </p:spPr>
+        <p:txBody>
+          <a:bodyPr wrap="square" rtlCol="0">
+            <a:spAutoFit/>
+          </a:bodyPr>
+          <a:lstStyle/>
+          <a:p>
+            <a:r>
+              <a:rPr lang="en-US" dirty="0" err="1"/>
+              <a:t>IDevice</a:t>
+            </a:r>
+            <a:endParaRPr lang="en-IN" dirty="0"/>
+          </a:p>
+        </p:txBody>
+      </p:sp>
+      <p:sp>
+        <p:nvSpPr>
+          <p:cNvPr id="26" name="TextBox 25">
+            <a:extLst>
+              <a:ext uri="{FF2B5EF4-FFF2-40B4-BE49-F238E27FC236}">
+                <a16:creationId xmlns:a16="http://schemas.microsoft.com/office/drawing/2014/main" id="{0778CD71-1AFD-FD76-C4C9-08E66216D9BD}"/>
+              </a:ext>
+            </a:extLst>
+          </p:cNvPr>
+          <p:cNvSpPr txBox="1"/>
+          <p:nvPr/>
+        </p:nvSpPr>
+        <p:spPr>
+          <a:xfrm>
+            <a:off x="736086" y="4540103"/>
+            <a:ext cx="4582365" cy="1477328"/>
+          </a:xfrm>
+          <a:prstGeom prst="rect">
+            <a:avLst/>
+          </a:prstGeom>
+          <a:noFill/>
+        </p:spPr>
+        <p:txBody>
+          <a:bodyPr wrap="square" rtlCol="0">
+            <a:spAutoFit/>
+          </a:bodyPr>
+          <a:lstStyle/>
+          <a:p>
+            <a:r>
+              <a:rPr lang="en-US" dirty="0"/>
+              <a:t>void </a:t>
+            </a:r>
+            <a:r>
+              <a:rPr lang="en-US" dirty="0" err="1"/>
+              <a:t>SetMediator</a:t>
+            </a:r>
+            <a:r>
+              <a:rPr lang="en-US" dirty="0"/>
+              <a:t>(</a:t>
+            </a:r>
+            <a:r>
+              <a:rPr lang="en-US" dirty="0" err="1"/>
+              <a:t>IDevice</a:t>
+            </a:r>
+            <a:r>
+              <a:rPr lang="en-US" dirty="0"/>
+              <a:t> device);</a:t>
+            </a:r>
+          </a:p>
+          <a:p>
+            <a:r>
+              <a:rPr lang="en-US" dirty="0"/>
+              <a:t>void </a:t>
+            </a:r>
+            <a:r>
+              <a:rPr lang="en-US" dirty="0" err="1"/>
+              <a:t>TurnOffDevice</a:t>
+            </a:r>
+            <a:r>
+              <a:rPr lang="en-US" dirty="0"/>
+              <a:t>(</a:t>
+            </a:r>
+            <a:r>
+              <a:rPr lang="en-US" dirty="0" err="1"/>
+              <a:t>IDevice</a:t>
+            </a:r>
+            <a:r>
+              <a:rPr lang="en-US" dirty="0"/>
+              <a:t> device);</a:t>
+            </a:r>
+          </a:p>
+          <a:p>
+            <a:r>
+              <a:rPr lang="en-US" dirty="0"/>
+              <a:t>void </a:t>
+            </a:r>
+            <a:r>
+              <a:rPr lang="en-US" dirty="0" err="1"/>
+              <a:t>TurnOnDevice</a:t>
+            </a:r>
+            <a:r>
+              <a:rPr lang="en-US" dirty="0"/>
+              <a:t>();</a:t>
+            </a:r>
+          </a:p>
+          <a:p>
+            <a:r>
+              <a:rPr lang="en-US" dirty="0"/>
+              <a:t>void </a:t>
+            </a:r>
+            <a:r>
+              <a:rPr lang="en-US" dirty="0" err="1"/>
+              <a:t>AdjustDevice</a:t>
+            </a:r>
+            <a:r>
+              <a:rPr lang="en-US" dirty="0"/>
+              <a:t>(int value);</a:t>
+            </a:r>
+          </a:p>
+          <a:p>
+            <a:endParaRPr lang="en-US" dirty="0"/>
+          </a:p>
+        </p:txBody>
+      </p:sp>
+      <p:sp>
+        <p:nvSpPr>
+          <p:cNvPr id="33" name="Rectangle 32">
+            <a:extLst>
+              <a:ext uri="{FF2B5EF4-FFF2-40B4-BE49-F238E27FC236}">
+                <a16:creationId xmlns:a16="http://schemas.microsoft.com/office/drawing/2014/main" id="{F4136DB8-0C45-2C98-8376-850BA43EEF3E}"/>
+              </a:ext>
+            </a:extLst>
+          </p:cNvPr>
+          <p:cNvSpPr/>
+          <p:nvPr/>
+        </p:nvSpPr>
+        <p:spPr>
+          <a:xfrm>
+            <a:off x="4609510" y="4429190"/>
+            <a:ext cx="3593866" cy="2281140"/>
+          </a:xfrm>
+          <a:prstGeom prst="rect">
+            <a:avLst/>
+          </a:prstGeom>
+          <a:noFill/>
+          <a:ln>
+            <a:solidFill>
+              <a:schemeClr val="bg2">
+                <a:lumMod val="10000"/>
+              </a:schemeClr>
+            </a:solidFill>
+          </a:ln>
+        </p:spPr>
+        <p:style>
+          <a:lnRef idx="2">
+            <a:schemeClr val="accent1">
+              <a:shade val="50000"/>
+            </a:schemeClr>
+          </a:lnRef>
+          <a:fillRef idx="1">
+            <a:schemeClr val="accent1"/>
+          </a:fillRef>
+          <a:effectRef idx="0">
+            <a:schemeClr val="accent1"/>
+          </a:effectRef>
+          <a:fontRef idx="minor">
+            <a:schemeClr val="lt1"/>
+          </a:fontRef>
+        </p:style>
+        <p:txBody>
+          <a:bodyPr rtlCol="0" anchor="ctr"/>
+          <a:lstStyle/>
+          <a:p>
+            <a:pPr algn="ctr"/>
+            <a:endParaRPr lang="en-IN"/>
+          </a:p>
+        </p:txBody>
+      </p:sp>
+      <p:cxnSp>
+        <p:nvCxnSpPr>
+          <p:cNvPr id="34" name="Straight Connector 33">
+            <a:extLst>
+              <a:ext uri="{FF2B5EF4-FFF2-40B4-BE49-F238E27FC236}">
+                <a16:creationId xmlns:a16="http://schemas.microsoft.com/office/drawing/2014/main" id="{47E9B744-1DFC-EB90-48F3-993D7CE8C34B}"/>
+              </a:ext>
+            </a:extLst>
+          </p:cNvPr>
+          <p:cNvCxnSpPr>
+            <a:cxnSpLocks/>
+          </p:cNvCxnSpPr>
+          <p:nvPr/>
+        </p:nvCxnSpPr>
+        <p:spPr>
+          <a:xfrm>
+            <a:off x="4609509" y="5002448"/>
+            <a:ext cx="3593867" cy="0"/>
+          </a:xfrm>
+          <a:prstGeom prst="line">
+            <a:avLst/>
+          </a:prstGeom>
+          <a:ln>
+            <a:solidFill>
+              <a:schemeClr val="tx1">
+                <a:lumMod val="95000"/>
+                <a:lumOff val="5000"/>
+              </a:schemeClr>
+            </a:solidFill>
+          </a:ln>
+        </p:spPr>
+        <p:style>
+          <a:lnRef idx="1">
+            <a:schemeClr val="accent1"/>
+          </a:lnRef>
+          <a:fillRef idx="0">
+            <a:schemeClr val="accent1"/>
+          </a:fillRef>
+          <a:effectRef idx="0">
+            <a:schemeClr val="accent1"/>
+          </a:effectRef>
+          <a:fontRef idx="minor">
+            <a:schemeClr val="tx1"/>
+          </a:fontRef>
+        </p:style>
+      </p:cxnSp>
+      <p:sp>
+        <p:nvSpPr>
+          <p:cNvPr id="35" name="TextBox 34">
+            <a:extLst>
+              <a:ext uri="{FF2B5EF4-FFF2-40B4-BE49-F238E27FC236}">
+                <a16:creationId xmlns:a16="http://schemas.microsoft.com/office/drawing/2014/main" id="{13EAE598-B70D-A21B-9A5B-8EE00420E2D2}"/>
+              </a:ext>
+            </a:extLst>
+          </p:cNvPr>
+          <p:cNvSpPr txBox="1"/>
+          <p:nvPr/>
+        </p:nvSpPr>
+        <p:spPr>
+          <a:xfrm>
+            <a:off x="4609510" y="4551329"/>
+            <a:ext cx="2684550" cy="369571"/>
+          </a:xfrm>
+          <a:prstGeom prst="rect">
+            <a:avLst/>
+          </a:prstGeom>
+          <a:noFill/>
+        </p:spPr>
+        <p:txBody>
+          <a:bodyPr wrap="square" rtlCol="0">
+            <a:spAutoFit/>
+          </a:bodyPr>
+          <a:lstStyle/>
+          <a:p>
+            <a:r>
+              <a:rPr lang="en-US" dirty="0"/>
+              <a:t>Device</a:t>
+            </a:r>
+            <a:endParaRPr lang="en-IN" dirty="0"/>
+          </a:p>
+        </p:txBody>
+      </p:sp>
+      <p:sp>
+        <p:nvSpPr>
+          <p:cNvPr id="36" name="TextBox 35">
+            <a:extLst>
+              <a:ext uri="{FF2B5EF4-FFF2-40B4-BE49-F238E27FC236}">
+                <a16:creationId xmlns:a16="http://schemas.microsoft.com/office/drawing/2014/main" id="{DB6325AA-741C-7D95-7289-6B3F83EA8563}"/>
+              </a:ext>
+            </a:extLst>
+          </p:cNvPr>
+          <p:cNvSpPr txBox="1"/>
+          <p:nvPr/>
+        </p:nvSpPr>
+        <p:spPr>
+          <a:xfrm>
+            <a:off x="4582879" y="5146768"/>
+            <a:ext cx="4211762" cy="1477328"/>
+          </a:xfrm>
+          <a:prstGeom prst="rect">
+            <a:avLst/>
+          </a:prstGeom>
+          <a:noFill/>
+        </p:spPr>
+        <p:txBody>
+          <a:bodyPr wrap="square" rtlCol="0">
+            <a:spAutoFit/>
+          </a:bodyPr>
+          <a:lstStyle/>
+          <a:p>
+            <a:r>
+              <a:rPr lang="en-US" dirty="0"/>
+              <a:t>void </a:t>
+            </a:r>
+            <a:r>
+              <a:rPr lang="en-US" dirty="0" err="1"/>
+              <a:t>SetMediator</a:t>
+            </a:r>
+            <a:r>
+              <a:rPr lang="en-US" dirty="0"/>
+              <a:t>(</a:t>
+            </a:r>
+            <a:r>
+              <a:rPr lang="en-US" dirty="0" err="1"/>
+              <a:t>IDevice</a:t>
+            </a:r>
+            <a:r>
+              <a:rPr lang="en-US" dirty="0"/>
+              <a:t> device){}</a:t>
+            </a:r>
+          </a:p>
+          <a:p>
+            <a:r>
+              <a:rPr lang="en-US" dirty="0"/>
+              <a:t>void </a:t>
+            </a:r>
+            <a:r>
+              <a:rPr lang="en-US" dirty="0" err="1"/>
+              <a:t>TurnOffDevice</a:t>
+            </a:r>
+            <a:r>
+              <a:rPr lang="en-US" dirty="0"/>
+              <a:t>();</a:t>
+            </a:r>
+          </a:p>
+          <a:p>
+            <a:r>
+              <a:rPr lang="en-US" dirty="0"/>
+              <a:t>void </a:t>
+            </a:r>
+            <a:r>
+              <a:rPr lang="en-US" dirty="0" err="1"/>
+              <a:t>TurnOnDevice</a:t>
+            </a:r>
+            <a:r>
+              <a:rPr lang="en-US" dirty="0"/>
+              <a:t>();</a:t>
+            </a:r>
+          </a:p>
+          <a:p>
+            <a:r>
+              <a:rPr lang="en-US" dirty="0"/>
+              <a:t>void </a:t>
+            </a:r>
+            <a:r>
+              <a:rPr lang="en-US" dirty="0" err="1"/>
+              <a:t>AdjustDevice</a:t>
+            </a:r>
+            <a:r>
+              <a:rPr lang="en-US" dirty="0"/>
+              <a:t>(int value);</a:t>
+            </a:r>
+          </a:p>
+          <a:p>
+            <a:endParaRPr lang="en-US" dirty="0"/>
+          </a:p>
+        </p:txBody>
+      </p:sp>
+      <p:cxnSp>
+        <p:nvCxnSpPr>
+          <p:cNvPr id="37" name="Straight Arrow Connector 17">
+            <a:extLst>
+              <a:ext uri="{FF2B5EF4-FFF2-40B4-BE49-F238E27FC236}">
+                <a16:creationId xmlns:a16="http://schemas.microsoft.com/office/drawing/2014/main" id="{FA9F5739-0F17-AB2B-7F62-21A16B54EBAD}"/>
+              </a:ext>
+            </a:extLst>
+          </p:cNvPr>
+          <p:cNvCxnSpPr>
+            <a:cxnSpLocks/>
+            <a:stCxn id="33" idx="0"/>
+          </p:cNvCxnSpPr>
+          <p:nvPr/>
+        </p:nvCxnSpPr>
+        <p:spPr>
+          <a:xfrm rot="16200000" flipV="1">
+            <a:off x="5193099" y="3215846"/>
+            <a:ext cx="350198" cy="2076490"/>
+          </a:xfrm>
+          <a:prstGeom prst="bentConnector2">
+            <a:avLst/>
+          </a:prstGeom>
+          <a:ln>
+            <a:tailEnd type="triangle"/>
+          </a:ln>
+        </p:spPr>
+        <p:style>
+          <a:lnRef idx="1">
+            <a:schemeClr val="dk1"/>
+          </a:lnRef>
+          <a:fillRef idx="0">
+            <a:schemeClr val="dk1"/>
+          </a:fillRef>
+          <a:effectRef idx="0">
+            <a:schemeClr val="dk1"/>
+          </a:effectRef>
+          <a:fontRef idx="minor">
+            <a:schemeClr val="tx1"/>
+          </a:fontRef>
+        </p:style>
+      </p:cxnSp>
+      <p:cxnSp>
+        <p:nvCxnSpPr>
+          <p:cNvPr id="71" name="Straight Arrow Connector 17">
+            <a:extLst>
+              <a:ext uri="{FF2B5EF4-FFF2-40B4-BE49-F238E27FC236}">
+                <a16:creationId xmlns:a16="http://schemas.microsoft.com/office/drawing/2014/main" id="{D402AE5D-E7B4-BCB7-4431-8E12770D65EF}"/>
+              </a:ext>
+            </a:extLst>
+          </p:cNvPr>
+          <p:cNvCxnSpPr>
+            <a:cxnSpLocks/>
+          </p:cNvCxnSpPr>
+          <p:nvPr/>
+        </p:nvCxnSpPr>
+        <p:spPr>
+          <a:xfrm rot="10800000">
+            <a:off x="8203376" y="5569760"/>
+            <a:ext cx="1858403" cy="434356"/>
+          </a:xfrm>
+          <a:prstGeom prst="bentConnector3">
+            <a:avLst>
+              <a:gd name="adj1" fmla="val 7309"/>
+            </a:avLst>
+          </a:prstGeom>
+          <a:ln>
+            <a:tailEnd type="triangle"/>
+          </a:ln>
+        </p:spPr>
+        <p:style>
+          <a:lnRef idx="1">
+            <a:schemeClr val="dk1"/>
+          </a:lnRef>
+          <a:fillRef idx="0">
+            <a:schemeClr val="dk1"/>
+          </a:fillRef>
+          <a:effectRef idx="0">
+            <a:schemeClr val="dk1"/>
+          </a:effectRef>
+          <a:fontRef idx="minor">
+            <a:schemeClr val="tx1"/>
+          </a:fontRef>
+        </p:style>
+      </p:cxnSp>
+      <p:sp>
+        <p:nvSpPr>
+          <p:cNvPr id="74" name="TextBox 73">
+            <a:extLst>
+              <a:ext uri="{FF2B5EF4-FFF2-40B4-BE49-F238E27FC236}">
+                <a16:creationId xmlns:a16="http://schemas.microsoft.com/office/drawing/2014/main" id="{E8B12CC5-A239-D536-4BD3-2B3987830D72}"/>
+              </a:ext>
+            </a:extLst>
+          </p:cNvPr>
+          <p:cNvSpPr txBox="1"/>
+          <p:nvPr/>
+        </p:nvSpPr>
+        <p:spPr>
+          <a:xfrm>
+            <a:off x="10088578" y="3549843"/>
+            <a:ext cx="2051975" cy="369332"/>
+          </a:xfrm>
+          <a:prstGeom prst="rect">
+            <a:avLst/>
+          </a:prstGeom>
+          <a:noFill/>
+        </p:spPr>
+        <p:txBody>
+          <a:bodyPr wrap="square" rtlCol="0">
+            <a:spAutoFit/>
+          </a:bodyPr>
+          <a:lstStyle/>
+          <a:p>
+            <a:r>
+              <a:rPr lang="en-US" dirty="0" err="1"/>
+              <a:t>MusicSystem</a:t>
+            </a:r>
+            <a:endParaRPr lang="en-IN" dirty="0"/>
+          </a:p>
+        </p:txBody>
+      </p:sp>
+      <p:sp>
+        <p:nvSpPr>
+          <p:cNvPr id="75" name="Rectangle 74">
+            <a:extLst>
+              <a:ext uri="{FF2B5EF4-FFF2-40B4-BE49-F238E27FC236}">
+                <a16:creationId xmlns:a16="http://schemas.microsoft.com/office/drawing/2014/main" id="{0E4CD42B-F2F9-771E-9BE1-E445178B5BDA}"/>
+              </a:ext>
+            </a:extLst>
+          </p:cNvPr>
+          <p:cNvSpPr/>
+          <p:nvPr/>
+        </p:nvSpPr>
+        <p:spPr>
+          <a:xfrm>
+            <a:off x="10075177" y="3364312"/>
+            <a:ext cx="2051975" cy="765777"/>
+          </a:xfrm>
+          <a:prstGeom prst="rect">
+            <a:avLst/>
+          </a:prstGeom>
+          <a:noFill/>
+          <a:ln>
+            <a:solidFill>
+              <a:schemeClr val="bg2">
+                <a:lumMod val="10000"/>
+              </a:schemeClr>
+            </a:solidFill>
+          </a:ln>
+        </p:spPr>
+        <p:style>
+          <a:lnRef idx="2">
+            <a:schemeClr val="accent1">
+              <a:shade val="50000"/>
+            </a:schemeClr>
+          </a:lnRef>
+          <a:fillRef idx="1">
+            <a:schemeClr val="accent1"/>
+          </a:fillRef>
+          <a:effectRef idx="0">
+            <a:schemeClr val="accent1"/>
+          </a:effectRef>
+          <a:fontRef idx="minor">
+            <a:schemeClr val="lt1"/>
+          </a:fontRef>
+        </p:style>
+        <p:txBody>
+          <a:bodyPr rtlCol="0" anchor="ctr"/>
+          <a:lstStyle/>
+          <a:p>
+            <a:pPr algn="ctr"/>
+            <a:endParaRPr lang="en-IN"/>
+          </a:p>
+        </p:txBody>
+      </p:sp>
+      <p:sp>
+        <p:nvSpPr>
+          <p:cNvPr id="76" name="TextBox 75">
+            <a:extLst>
+              <a:ext uri="{FF2B5EF4-FFF2-40B4-BE49-F238E27FC236}">
+                <a16:creationId xmlns:a16="http://schemas.microsoft.com/office/drawing/2014/main" id="{2293C80C-05CB-3B49-6E7F-C73705EAFC6A}"/>
+              </a:ext>
+            </a:extLst>
+          </p:cNvPr>
+          <p:cNvSpPr txBox="1"/>
+          <p:nvPr/>
+        </p:nvSpPr>
+        <p:spPr>
+          <a:xfrm>
+            <a:off x="10052253" y="4676879"/>
+            <a:ext cx="1961690" cy="369332"/>
+          </a:xfrm>
+          <a:prstGeom prst="rect">
+            <a:avLst/>
+          </a:prstGeom>
+          <a:noFill/>
+        </p:spPr>
+        <p:txBody>
+          <a:bodyPr wrap="square" rtlCol="0">
+            <a:spAutoFit/>
+          </a:bodyPr>
+          <a:lstStyle/>
+          <a:p>
+            <a:r>
+              <a:rPr lang="en-US" dirty="0" err="1"/>
+              <a:t>SecurityCamera</a:t>
+            </a:r>
+            <a:endParaRPr lang="en-IN" dirty="0"/>
+          </a:p>
+        </p:txBody>
+      </p:sp>
+      <p:sp>
+        <p:nvSpPr>
+          <p:cNvPr id="77" name="Rectangle 76">
+            <a:extLst>
+              <a:ext uri="{FF2B5EF4-FFF2-40B4-BE49-F238E27FC236}">
+                <a16:creationId xmlns:a16="http://schemas.microsoft.com/office/drawing/2014/main" id="{3460E997-4B78-7170-C6AF-E9A8A246917A}"/>
+              </a:ext>
+            </a:extLst>
+          </p:cNvPr>
+          <p:cNvSpPr/>
+          <p:nvPr/>
+        </p:nvSpPr>
+        <p:spPr>
+          <a:xfrm>
+            <a:off x="10088578" y="4465965"/>
+            <a:ext cx="2051975" cy="765777"/>
+          </a:xfrm>
+          <a:prstGeom prst="rect">
+            <a:avLst/>
+          </a:prstGeom>
+          <a:noFill/>
+          <a:ln>
+            <a:solidFill>
+              <a:schemeClr val="bg2">
+                <a:lumMod val="10000"/>
+              </a:schemeClr>
+            </a:solidFill>
+          </a:ln>
+        </p:spPr>
+        <p:style>
+          <a:lnRef idx="2">
+            <a:schemeClr val="accent1">
+              <a:shade val="50000"/>
+            </a:schemeClr>
+          </a:lnRef>
+          <a:fillRef idx="1">
+            <a:schemeClr val="accent1"/>
+          </a:fillRef>
+          <a:effectRef idx="0">
+            <a:schemeClr val="accent1"/>
+          </a:effectRef>
+          <a:fontRef idx="minor">
+            <a:schemeClr val="lt1"/>
+          </a:fontRef>
+        </p:style>
+        <p:txBody>
+          <a:bodyPr rtlCol="0" anchor="ctr"/>
+          <a:lstStyle/>
+          <a:p>
+            <a:pPr algn="ctr"/>
+            <a:endParaRPr lang="en-IN"/>
+          </a:p>
+        </p:txBody>
+      </p:sp>
+      <p:sp>
+        <p:nvSpPr>
+          <p:cNvPr id="78" name="TextBox 77">
+            <a:extLst>
+              <a:ext uri="{FF2B5EF4-FFF2-40B4-BE49-F238E27FC236}">
+                <a16:creationId xmlns:a16="http://schemas.microsoft.com/office/drawing/2014/main" id="{9771C93A-48F8-A1D4-59CC-83FC2737A2A7}"/>
+              </a:ext>
+            </a:extLst>
+          </p:cNvPr>
+          <p:cNvSpPr txBox="1"/>
+          <p:nvPr/>
+        </p:nvSpPr>
+        <p:spPr>
+          <a:xfrm>
+            <a:off x="10075177" y="5806760"/>
+            <a:ext cx="2051975" cy="369332"/>
+          </a:xfrm>
+          <a:prstGeom prst="rect">
+            <a:avLst/>
+          </a:prstGeom>
+          <a:noFill/>
+        </p:spPr>
+        <p:txBody>
+          <a:bodyPr wrap="square" rtlCol="0">
+            <a:spAutoFit/>
+          </a:bodyPr>
+          <a:lstStyle/>
+          <a:p>
+            <a:r>
+              <a:rPr lang="en-US" dirty="0"/>
+              <a:t>Lights</a:t>
+            </a:r>
+            <a:endParaRPr lang="en-IN" dirty="0"/>
+          </a:p>
+        </p:txBody>
+      </p:sp>
+      <p:sp>
+        <p:nvSpPr>
+          <p:cNvPr id="79" name="Rectangle 78">
+            <a:extLst>
+              <a:ext uri="{FF2B5EF4-FFF2-40B4-BE49-F238E27FC236}">
+                <a16:creationId xmlns:a16="http://schemas.microsoft.com/office/drawing/2014/main" id="{3C65AD0F-0AE7-D598-C2F4-F01F0E0695C8}"/>
+              </a:ext>
+            </a:extLst>
+          </p:cNvPr>
+          <p:cNvSpPr/>
+          <p:nvPr/>
+        </p:nvSpPr>
+        <p:spPr>
+          <a:xfrm>
+            <a:off x="10061776" y="5621229"/>
+            <a:ext cx="2051975" cy="765777"/>
+          </a:xfrm>
+          <a:prstGeom prst="rect">
+            <a:avLst/>
+          </a:prstGeom>
+          <a:noFill/>
+          <a:ln>
+            <a:solidFill>
+              <a:schemeClr val="bg2">
+                <a:lumMod val="10000"/>
+              </a:schemeClr>
+            </a:solidFill>
+          </a:ln>
+        </p:spPr>
+        <p:style>
+          <a:lnRef idx="2">
+            <a:schemeClr val="accent1">
+              <a:shade val="50000"/>
+            </a:schemeClr>
+          </a:lnRef>
+          <a:fillRef idx="1">
+            <a:schemeClr val="accent1"/>
+          </a:fillRef>
+          <a:effectRef idx="0">
+            <a:schemeClr val="accent1"/>
+          </a:effectRef>
+          <a:fontRef idx="minor">
+            <a:schemeClr val="lt1"/>
+          </a:fontRef>
+        </p:style>
+        <p:txBody>
+          <a:bodyPr rtlCol="0" anchor="ctr"/>
+          <a:lstStyle/>
+          <a:p>
+            <a:pPr algn="ctr"/>
+            <a:endParaRPr lang="en-IN"/>
+          </a:p>
+        </p:txBody>
+      </p:sp>
+      <p:cxnSp>
+        <p:nvCxnSpPr>
+          <p:cNvPr id="80" name="Straight Arrow Connector 17">
+            <a:extLst>
+              <a:ext uri="{FF2B5EF4-FFF2-40B4-BE49-F238E27FC236}">
+                <a16:creationId xmlns:a16="http://schemas.microsoft.com/office/drawing/2014/main" id="{661AE82D-F3EC-DACA-389B-A818DB7262F2}"/>
+              </a:ext>
+            </a:extLst>
+          </p:cNvPr>
+          <p:cNvCxnSpPr>
+            <a:cxnSpLocks/>
+            <a:stCxn id="77" idx="1"/>
+            <a:endCxn id="33" idx="3"/>
+          </p:cNvCxnSpPr>
+          <p:nvPr/>
+        </p:nvCxnSpPr>
+        <p:spPr>
+          <a:xfrm rot="10800000" flipV="1">
+            <a:off x="8203376" y="4848854"/>
+            <a:ext cx="1885202" cy="720906"/>
+          </a:xfrm>
+          <a:prstGeom prst="bentConnector3">
+            <a:avLst>
+              <a:gd name="adj1" fmla="val 50000"/>
+            </a:avLst>
+          </a:prstGeom>
+          <a:ln>
+            <a:tailEnd type="triangle"/>
+          </a:ln>
+        </p:spPr>
+        <p:style>
+          <a:lnRef idx="1">
+            <a:schemeClr val="dk1"/>
+          </a:lnRef>
+          <a:fillRef idx="0">
+            <a:schemeClr val="dk1"/>
+          </a:fillRef>
+          <a:effectRef idx="0">
+            <a:schemeClr val="dk1"/>
+          </a:effectRef>
+          <a:fontRef idx="minor">
+            <a:schemeClr val="tx1"/>
+          </a:fontRef>
+        </p:style>
+      </p:cxnSp>
+      <p:cxnSp>
+        <p:nvCxnSpPr>
+          <p:cNvPr id="81" name="Straight Arrow Connector 17">
+            <a:extLst>
+              <a:ext uri="{FF2B5EF4-FFF2-40B4-BE49-F238E27FC236}">
+                <a16:creationId xmlns:a16="http://schemas.microsoft.com/office/drawing/2014/main" id="{05869FD4-240B-F66E-92B1-A3AB18CA67F8}"/>
+              </a:ext>
+            </a:extLst>
+          </p:cNvPr>
+          <p:cNvCxnSpPr>
+            <a:cxnSpLocks/>
+            <a:stCxn id="75" idx="1"/>
+            <a:endCxn id="33" idx="3"/>
+          </p:cNvCxnSpPr>
+          <p:nvPr/>
+        </p:nvCxnSpPr>
+        <p:spPr>
+          <a:xfrm rot="10800000" flipV="1">
+            <a:off x="8203377" y="3747200"/>
+            <a:ext cx="1871801" cy="1822559"/>
+          </a:xfrm>
+          <a:prstGeom prst="bentConnector3">
+            <a:avLst>
+              <a:gd name="adj1" fmla="val 50000"/>
+            </a:avLst>
+          </a:prstGeom>
+          <a:ln>
+            <a:tailEnd type="triangle"/>
+          </a:ln>
+        </p:spPr>
+        <p:style>
+          <a:lnRef idx="1">
+            <a:schemeClr val="dk1"/>
+          </a:lnRef>
+          <a:fillRef idx="0">
+            <a:schemeClr val="dk1"/>
+          </a:fillRef>
+          <a:effectRef idx="0">
+            <a:schemeClr val="dk1"/>
+          </a:effectRef>
+          <a:fontRef idx="minor">
+            <a:schemeClr val="tx1"/>
+          </a:fontRef>
+        </p:style>
+      </p:cxnSp>
+    </p:spTree>
+    <p:extLst>
+      <p:ext uri="{BB962C8B-B14F-4D97-AF65-F5344CB8AC3E}">
+        <p14:creationId xmlns:p14="http://schemas.microsoft.com/office/powerpoint/2010/main" val="592478941"/>
+      </p:ext>
+    </p:extLst>
+  </p:cSld>
+  <p:clrMapOvr>
+    <a:masterClrMapping/>
+  </p:clrMapOvr>
+  <p:timing>
+    <p:tnLst>
+      <p:par>
+        <p:cTn id="1" dur="indefinite" restart="never" nodeType="tmRoot">
+          <p:childTnLst>
+            <p:seq concurrent="1" nextAc="seek">
+              <p:cTn id="2" dur="indefinite" nodeType="mainSeq">
+                <p:childTnLst>
+                  <p:par>
+                    <p:cTn id="3" fill="hold">
+                      <p:stCondLst>
+                        <p:cond delay="indefinite"/>
+                      </p:stCondLst>
+                      <p:childTnLst>
+                        <p:par>
+                          <p:cTn id="4" fill="hold">
+                            <p:stCondLst>
+                              <p:cond delay="0"/>
+                            </p:stCondLst>
+                            <p:childTnLst>
+                              <p:par>
+                                <p:cTn id="5" presetID="1" presetClass="emph" presetSubtype="2" fill="hold" nodeType="clickEffect">
+                                  <p:stCondLst>
+                                    <p:cond delay="0"/>
+                                  </p:stCondLst>
+                                  <p:childTnLst>
+                                    <p:animClr clrSpc="rgb" dir="cw">
+                                      <p:cBhvr>
+                                        <p:cTn id="6" dur="2000" fill="hold"/>
+                                        <p:tgtEl>
+                                          <p:spTgt spid="80"/>
+                                        </p:tgtEl>
+                                        <p:attrNameLst>
+                                          <p:attrName>fillcolor</p:attrName>
+                                        </p:attrNameLst>
+                                      </p:cBhvr>
+                                      <p:to>
+                                        <a:schemeClr val="accent2"/>
+                                      </p:to>
+                                    </p:animClr>
+                                    <p:set>
+                                      <p:cBhvr>
+                                        <p:cTn id="7" dur="2000" fill="hold"/>
+                                        <p:tgtEl>
+                                          <p:spTgt spid="80"/>
+                                        </p:tgtEl>
+                                        <p:attrNameLst>
+                                          <p:attrName>fill.type</p:attrName>
+                                        </p:attrNameLst>
+                                      </p:cBhvr>
+                                      <p:to>
+                                        <p:strVal val="solid"/>
+                                      </p:to>
+                                    </p:set>
+                                    <p:set>
+                                      <p:cBhvr>
+                                        <p:cTn id="8" dur="2000" fill="hold"/>
+                                        <p:tgtEl>
+                                          <p:spTgt spid="80"/>
+                                        </p:tgtEl>
+                                        <p:attrNameLst>
+                                          <p:attrName>fill.on</p:attrName>
+                                        </p:attrNameLst>
+                                      </p:cBhvr>
+                                      <p:to>
+                                        <p:strVal val="true"/>
+                                      </p:to>
+                                    </p:set>
+                                  </p:childTnLst>
+                                </p:cTn>
+                              </p:par>
+                            </p:childTnLst>
+                          </p:cTn>
+                        </p:par>
+                      </p:childTnLst>
+                    </p:cTn>
+                  </p:par>
+                  <p:par>
+                    <p:cTn id="9" fill="hold">
+                      <p:stCondLst>
+                        <p:cond delay="indefinite"/>
+                      </p:stCondLst>
+                      <p:childTnLst>
+                        <p:par>
+                          <p:cTn id="10" fill="hold">
+                            <p:stCondLst>
+                              <p:cond delay="0"/>
+                            </p:stCondLst>
+                            <p:childTnLst>
+                              <p:par>
+                                <p:cTn id="11" presetID="1" presetClass="emph" presetSubtype="2" fill="hold" nodeType="clickEffect">
+                                  <p:stCondLst>
+                                    <p:cond delay="0"/>
+                                  </p:stCondLst>
+                                  <p:childTnLst>
+                                    <p:animClr clrSpc="rgb" dir="cw">
+                                      <p:cBhvr>
+                                        <p:cTn id="12" dur="2000" fill="hold"/>
+                                        <p:tgtEl>
+                                          <p:spTgt spid="81"/>
+                                        </p:tgtEl>
+                                        <p:attrNameLst>
+                                          <p:attrName>fillcolor</p:attrName>
+                                        </p:attrNameLst>
+                                      </p:cBhvr>
+                                      <p:to>
+                                        <a:schemeClr val="accent2"/>
+                                      </p:to>
+                                    </p:animClr>
+                                    <p:set>
+                                      <p:cBhvr>
+                                        <p:cTn id="13" dur="2000" fill="hold"/>
+                                        <p:tgtEl>
+                                          <p:spTgt spid="81"/>
+                                        </p:tgtEl>
+                                        <p:attrNameLst>
+                                          <p:attrName>fill.type</p:attrName>
+                                        </p:attrNameLst>
+                                      </p:cBhvr>
+                                      <p:to>
+                                        <p:strVal val="solid"/>
+                                      </p:to>
+                                    </p:set>
+                                    <p:set>
+                                      <p:cBhvr>
+                                        <p:cTn id="14" dur="2000" fill="hold"/>
+                                        <p:tgtEl>
+                                          <p:spTgt spid="81"/>
+                                        </p:tgtEl>
+                                        <p:attrNameLst>
+                                          <p:attrName>fill.on</p:attrName>
+                                        </p:attrNameLst>
+                                      </p:cBhvr>
+                                      <p:to>
+                                        <p:strVal val="true"/>
+                                      </p:to>
+                                    </p:set>
+                                  </p:childTnLst>
+                                </p:cTn>
+                              </p:par>
+                            </p:childTnLst>
+                          </p:cTn>
+                        </p:par>
+                      </p:childTnLst>
+                    </p:cTn>
+                  </p:par>
+                </p:childTnLst>
+              </p:cTn>
+              <p:prevCondLst>
+                <p:cond evt="onPrev" delay="0">
+                  <p:tgtEl>
+                    <p:sldTgt/>
+                  </p:tgtEl>
+                </p:cond>
+              </p:prevCondLst>
+              <p:nextCondLst>
+                <p:cond evt="onNext" delay="0">
+                  <p:tgtEl>
+                    <p:sldTgt/>
+                  </p:tgtEl>
+                </p:cond>
+              </p:nextCondLst>
+            </p:seq>
+          </p:childTnLst>
+        </p:cTn>
+      </p:par>
+    </p:tnLst>
+  </p:timing>
 </p:sld>
 </file>
 

--- a/UMLDiagrams.pptx
+++ b/UMLDiagrams.pptx
@@ -5,7 +5,7 @@
     <p:sldMasterId id="2147483648" r:id="rId1"/>
   </p:sldMasterIdLst>
   <p:notesMasterIdLst>
-    <p:notesMasterId r:id="rId21"/>
+    <p:notesMasterId r:id="rId22"/>
   </p:notesMasterIdLst>
   <p:sldIdLst>
     <p:sldId id="256" r:id="rId2"/>
@@ -27,6 +27,7 @@
     <p:sldId id="360" r:id="rId18"/>
     <p:sldId id="361" r:id="rId19"/>
     <p:sldId id="362" r:id="rId20"/>
+    <p:sldId id="363" r:id="rId21"/>
   </p:sldIdLst>
   <p:sldSz cx="12192000" cy="6858000"/>
   <p:notesSz cx="6858000" cy="9144000"/>
@@ -136,7 +137,7 @@
 <file path=ppt/revisionInfo.xml><?xml version="1.0" encoding="utf-8"?>
 <p1510:revInfo xmlns:a="http://schemas.openxmlformats.org/drawingml/2006/main" xmlns:r="http://schemas.openxmlformats.org/officeDocument/2006/relationships" xmlns:p1510="http://schemas.microsoft.com/office/powerpoint/2015/10/main">
   <p1510:revLst>
-    <p1510:client id="{034AA59E-D954-44E8-84AB-C770C7EA240B}" v="70" dt="2023-09-14T10:34:06.179"/>
+    <p1510:client id="{034AA59E-D954-44E8-84AB-C770C7EA240B}" v="84" dt="2023-09-15T14:15:08.191"/>
   </p1510:revLst>
 </p1510:revInfo>
 </file>
@@ -146,7 +147,7 @@
   <pc:docChgLst>
     <pc:chgData name="Manaswini Ray" userId="451f23f8-43b4-4daa-9511-0c9fb98bad1c" providerId="ADAL" clId="{034AA59E-D954-44E8-84AB-C770C7EA240B}"/>
     <pc:docChg chg="undo custSel addSld delSld modSld">
-      <pc:chgData name="Manaswini Ray" userId="451f23f8-43b4-4daa-9511-0c9fb98bad1c" providerId="ADAL" clId="{034AA59E-D954-44E8-84AB-C770C7EA240B}" dt="2023-09-14T11:16:37.611" v="2016" actId="20577"/>
+      <pc:chgData name="Manaswini Ray" userId="451f23f8-43b4-4daa-9511-0c9fb98bad1c" providerId="ADAL" clId="{034AA59E-D954-44E8-84AB-C770C7EA240B}" dt="2023-09-15T14:15:51.103" v="2286" actId="14100"/>
       <pc:docMkLst>
         <pc:docMk/>
       </pc:docMkLst>
@@ -2093,7 +2094,7 @@
         </pc:cxnChg>
       </pc:sldChg>
       <pc:sldChg chg="addSp delSp modSp new mod delAnim modAnim">
-        <pc:chgData name="Manaswini Ray" userId="451f23f8-43b4-4daa-9511-0c9fb98bad1c" providerId="ADAL" clId="{034AA59E-D954-44E8-84AB-C770C7EA240B}" dt="2023-09-14T11:16:37.611" v="2016" actId="20577"/>
+        <pc:chgData name="Manaswini Ray" userId="451f23f8-43b4-4daa-9511-0c9fb98bad1c" providerId="ADAL" clId="{034AA59E-D954-44E8-84AB-C770C7EA240B}" dt="2023-09-15T14:13:45.218" v="2257" actId="1076"/>
         <pc:sldMkLst>
           <pc:docMk/>
           <pc:sldMk cId="592478941" sldId="362"/>
@@ -2395,7 +2396,7 @@
           </ac:cxnSpMkLst>
         </pc:cxnChg>
         <pc:cxnChg chg="add del mod">
-          <ac:chgData name="Manaswini Ray" userId="451f23f8-43b4-4daa-9511-0c9fb98bad1c" providerId="ADAL" clId="{034AA59E-D954-44E8-84AB-C770C7EA240B}" dt="2023-09-14T10:33:46.935" v="1855" actId="1076"/>
+          <ac:chgData name="Manaswini Ray" userId="451f23f8-43b4-4daa-9511-0c9fb98bad1c" providerId="ADAL" clId="{034AA59E-D954-44E8-84AB-C770C7EA240B}" dt="2023-09-15T14:13:45.218" v="2257" actId="1076"/>
           <ac:cxnSpMkLst>
             <pc:docMk/>
             <pc:sldMk cId="592478941" sldId="362"/>
@@ -2512,6 +2513,445 @@
             <pc:docMk/>
             <pc:sldMk cId="592478941" sldId="362"/>
             <ac:cxnSpMk id="82" creationId="{BC551395-EE64-2159-FB00-8796E988886E}"/>
+          </ac:cxnSpMkLst>
+        </pc:cxnChg>
+      </pc:sldChg>
+      <pc:sldChg chg="addSp delSp modSp new mod">
+        <pc:chgData name="Manaswini Ray" userId="451f23f8-43b4-4daa-9511-0c9fb98bad1c" providerId="ADAL" clId="{034AA59E-D954-44E8-84AB-C770C7EA240B}" dt="2023-09-15T14:15:51.103" v="2286" actId="14100"/>
+        <pc:sldMkLst>
+          <pc:docMk/>
+          <pc:sldMk cId="2353841070" sldId="363"/>
+        </pc:sldMkLst>
+        <pc:spChg chg="add mod">
+          <ac:chgData name="Manaswini Ray" userId="451f23f8-43b4-4daa-9511-0c9fb98bad1c" providerId="ADAL" clId="{034AA59E-D954-44E8-84AB-C770C7EA240B}" dt="2023-09-15T14:03:57.341" v="2026" actId="20577"/>
+          <ac:spMkLst>
+            <pc:docMk/>
+            <pc:sldMk cId="2353841070" sldId="363"/>
+            <ac:spMk id="2" creationId="{642FE3F9-FDD2-7B52-4DB8-9B2437ED1A93}"/>
+          </ac:spMkLst>
+        </pc:spChg>
+        <pc:spChg chg="add del mod">
+          <ac:chgData name="Manaswini Ray" userId="451f23f8-43b4-4daa-9511-0c9fb98bad1c" providerId="ADAL" clId="{034AA59E-D954-44E8-84AB-C770C7EA240B}" dt="2023-09-15T14:06:24.712" v="2055" actId="478"/>
+          <ac:spMkLst>
+            <pc:docMk/>
+            <pc:sldMk cId="2353841070" sldId="363"/>
+            <ac:spMk id="3" creationId="{B8D9A76E-67AF-8FCA-AD3E-21D28F0B4F3C}"/>
+          </ac:spMkLst>
+        </pc:spChg>
+        <pc:spChg chg="add del mod">
+          <ac:chgData name="Manaswini Ray" userId="451f23f8-43b4-4daa-9511-0c9fb98bad1c" providerId="ADAL" clId="{034AA59E-D954-44E8-84AB-C770C7EA240B}" dt="2023-09-15T14:04:05.430" v="2027" actId="478"/>
+          <ac:spMkLst>
+            <pc:docMk/>
+            <pc:sldMk cId="2353841070" sldId="363"/>
+            <ac:spMk id="5" creationId="{C171BAA0-7A59-9FBC-039B-ABFDF0784D9C}"/>
+          </ac:spMkLst>
+        </pc:spChg>
+        <pc:spChg chg="add del mod">
+          <ac:chgData name="Manaswini Ray" userId="451f23f8-43b4-4daa-9511-0c9fb98bad1c" providerId="ADAL" clId="{034AA59E-D954-44E8-84AB-C770C7EA240B}" dt="2023-09-15T14:06:24.712" v="2055" actId="478"/>
+          <ac:spMkLst>
+            <pc:docMk/>
+            <pc:sldMk cId="2353841070" sldId="363"/>
+            <ac:spMk id="6" creationId="{A92AA162-2078-D0E4-A8CF-D40DD49517AF}"/>
+          </ac:spMkLst>
+        </pc:spChg>
+        <pc:spChg chg="add del mod">
+          <ac:chgData name="Manaswini Ray" userId="451f23f8-43b4-4daa-9511-0c9fb98bad1c" providerId="ADAL" clId="{034AA59E-D954-44E8-84AB-C770C7EA240B}" dt="2023-09-15T14:06:24.712" v="2055" actId="478"/>
+          <ac:spMkLst>
+            <pc:docMk/>
+            <pc:sldMk cId="2353841070" sldId="363"/>
+            <ac:spMk id="7" creationId="{7522E267-B925-F95A-58D4-F827CEA413B5}"/>
+          </ac:spMkLst>
+        </pc:spChg>
+        <pc:spChg chg="add del mod">
+          <ac:chgData name="Manaswini Ray" userId="451f23f8-43b4-4daa-9511-0c9fb98bad1c" providerId="ADAL" clId="{034AA59E-D954-44E8-84AB-C770C7EA240B}" dt="2023-09-15T14:04:05.430" v="2027" actId="478"/>
+          <ac:spMkLst>
+            <pc:docMk/>
+            <pc:sldMk cId="2353841070" sldId="363"/>
+            <ac:spMk id="8" creationId="{06FCDD24-7C81-FF35-7C11-6D57788F6CF3}"/>
+          </ac:spMkLst>
+        </pc:spChg>
+        <pc:spChg chg="add mod">
+          <ac:chgData name="Manaswini Ray" userId="451f23f8-43b4-4daa-9511-0c9fb98bad1c" providerId="ADAL" clId="{034AA59E-D954-44E8-84AB-C770C7EA240B}" dt="2023-09-15T14:05:21.105" v="2039" actId="1076"/>
+          <ac:spMkLst>
+            <pc:docMk/>
+            <pc:sldMk cId="2353841070" sldId="363"/>
+            <ac:spMk id="9" creationId="{E0492C03-0936-0B07-7423-66A9C4C6141C}"/>
+          </ac:spMkLst>
+        </pc:spChg>
+        <pc:spChg chg="add mod">
+          <ac:chgData name="Manaswini Ray" userId="451f23f8-43b4-4daa-9511-0c9fb98bad1c" providerId="ADAL" clId="{034AA59E-D954-44E8-84AB-C770C7EA240B}" dt="2023-09-15T14:05:21.105" v="2039" actId="1076"/>
+          <ac:spMkLst>
+            <pc:docMk/>
+            <pc:sldMk cId="2353841070" sldId="363"/>
+            <ac:spMk id="11" creationId="{1A4BF080-C692-BF02-8529-8927B351E879}"/>
+          </ac:spMkLst>
+        </pc:spChg>
+        <pc:spChg chg="add mod">
+          <ac:chgData name="Manaswini Ray" userId="451f23f8-43b4-4daa-9511-0c9fb98bad1c" providerId="ADAL" clId="{034AA59E-D954-44E8-84AB-C770C7EA240B}" dt="2023-09-15T14:08:14.582" v="2124" actId="20577"/>
+          <ac:spMkLst>
+            <pc:docMk/>
+            <pc:sldMk cId="2353841070" sldId="363"/>
+            <ac:spMk id="12" creationId="{5A4271F6-666E-B530-E03C-C14E47D01B08}"/>
+          </ac:spMkLst>
+        </pc:spChg>
+        <pc:spChg chg="add del mod">
+          <ac:chgData name="Manaswini Ray" userId="451f23f8-43b4-4daa-9511-0c9fb98bad1c" providerId="ADAL" clId="{034AA59E-D954-44E8-84AB-C770C7EA240B}" dt="2023-09-15T14:06:24.712" v="2055" actId="478"/>
+          <ac:spMkLst>
+            <pc:docMk/>
+            <pc:sldMk cId="2353841070" sldId="363"/>
+            <ac:spMk id="15" creationId="{B4018402-F50F-6473-A0B8-DAF2411D4980}"/>
+          </ac:spMkLst>
+        </pc:spChg>
+        <pc:spChg chg="add del mod">
+          <ac:chgData name="Manaswini Ray" userId="451f23f8-43b4-4daa-9511-0c9fb98bad1c" providerId="ADAL" clId="{034AA59E-D954-44E8-84AB-C770C7EA240B}" dt="2023-09-15T14:06:24.712" v="2055" actId="478"/>
+          <ac:spMkLst>
+            <pc:docMk/>
+            <pc:sldMk cId="2353841070" sldId="363"/>
+            <ac:spMk id="17" creationId="{B4D93EDC-063F-C86D-2DFE-41AB80947323}"/>
+          </ac:spMkLst>
+        </pc:spChg>
+        <pc:spChg chg="add del mod">
+          <ac:chgData name="Manaswini Ray" userId="451f23f8-43b4-4daa-9511-0c9fb98bad1c" providerId="ADAL" clId="{034AA59E-D954-44E8-84AB-C770C7EA240B}" dt="2023-09-15T14:06:24.712" v="2055" actId="478"/>
+          <ac:spMkLst>
+            <pc:docMk/>
+            <pc:sldMk cId="2353841070" sldId="363"/>
+            <ac:spMk id="18" creationId="{A562DA59-C270-3CFE-6F5D-C7C1AB8DD064}"/>
+          </ac:spMkLst>
+        </pc:spChg>
+        <pc:spChg chg="add mod">
+          <ac:chgData name="Manaswini Ray" userId="451f23f8-43b4-4daa-9511-0c9fb98bad1c" providerId="ADAL" clId="{034AA59E-D954-44E8-84AB-C770C7EA240B}" dt="2023-09-15T14:05:33.063" v="2041" actId="1076"/>
+          <ac:spMkLst>
+            <pc:docMk/>
+            <pc:sldMk cId="2353841070" sldId="363"/>
+            <ac:spMk id="21" creationId="{0F258893-B3E6-B868-FC2F-B12426844E5E}"/>
+          </ac:spMkLst>
+        </pc:spChg>
+        <pc:spChg chg="add mod">
+          <ac:chgData name="Manaswini Ray" userId="451f23f8-43b4-4daa-9511-0c9fb98bad1c" providerId="ADAL" clId="{034AA59E-D954-44E8-84AB-C770C7EA240B}" dt="2023-09-15T14:05:35.750" v="2048" actId="20577"/>
+          <ac:spMkLst>
+            <pc:docMk/>
+            <pc:sldMk cId="2353841070" sldId="363"/>
+            <ac:spMk id="23" creationId="{EF47A669-04F3-853E-8C71-F4CEA58B2053}"/>
+          </ac:spMkLst>
+        </pc:spChg>
+        <pc:spChg chg="add del mod">
+          <ac:chgData name="Manaswini Ray" userId="451f23f8-43b4-4daa-9511-0c9fb98bad1c" providerId="ADAL" clId="{034AA59E-D954-44E8-84AB-C770C7EA240B}" dt="2023-09-15T14:08:22.054" v="2127" actId="478"/>
+          <ac:spMkLst>
+            <pc:docMk/>
+            <pc:sldMk cId="2353841070" sldId="363"/>
+            <ac:spMk id="24" creationId="{9AA1847A-4D7F-46D6-33B0-A9200BFD71DC}"/>
+          </ac:spMkLst>
+        </pc:spChg>
+        <pc:spChg chg="add mod">
+          <ac:chgData name="Manaswini Ray" userId="451f23f8-43b4-4daa-9511-0c9fb98bad1c" providerId="ADAL" clId="{034AA59E-D954-44E8-84AB-C770C7EA240B}" dt="2023-09-15T14:12:38.124" v="2211" actId="1076"/>
+          <ac:spMkLst>
+            <pc:docMk/>
+            <pc:sldMk cId="2353841070" sldId="363"/>
+            <ac:spMk id="28" creationId="{4C2D63D0-8C5C-2ACE-D8B0-73B5B71FD6FE}"/>
+          </ac:spMkLst>
+        </pc:spChg>
+        <pc:spChg chg="add mod">
+          <ac:chgData name="Manaswini Ray" userId="451f23f8-43b4-4daa-9511-0c9fb98bad1c" providerId="ADAL" clId="{034AA59E-D954-44E8-84AB-C770C7EA240B}" dt="2023-09-15T14:12:38.124" v="2211" actId="1076"/>
+          <ac:spMkLst>
+            <pc:docMk/>
+            <pc:sldMk cId="2353841070" sldId="363"/>
+            <ac:spMk id="30" creationId="{38C0B7B5-B62B-0BDE-AFEB-6B305030FFFD}"/>
+          </ac:spMkLst>
+        </pc:spChg>
+        <pc:spChg chg="add mod">
+          <ac:chgData name="Manaswini Ray" userId="451f23f8-43b4-4daa-9511-0c9fb98bad1c" providerId="ADAL" clId="{034AA59E-D954-44E8-84AB-C770C7EA240B}" dt="2023-09-15T14:12:38.124" v="2211" actId="1076"/>
+          <ac:spMkLst>
+            <pc:docMk/>
+            <pc:sldMk cId="2353841070" sldId="363"/>
+            <ac:spMk id="31" creationId="{552942E9-366F-78F0-2DAD-ADED1C0075AD}"/>
+          </ac:spMkLst>
+        </pc:spChg>
+        <pc:spChg chg="add mod">
+          <ac:chgData name="Manaswini Ray" userId="451f23f8-43b4-4daa-9511-0c9fb98bad1c" providerId="ADAL" clId="{034AA59E-D954-44E8-84AB-C770C7EA240B}" dt="2023-09-15T14:12:38.124" v="2211" actId="1076"/>
+          <ac:spMkLst>
+            <pc:docMk/>
+            <pc:sldMk cId="2353841070" sldId="363"/>
+            <ac:spMk id="32" creationId="{A2F62D4B-31A0-5FB0-20ED-90F53E3C521C}"/>
+          </ac:spMkLst>
+        </pc:spChg>
+        <pc:spChg chg="add mod">
+          <ac:chgData name="Manaswini Ray" userId="451f23f8-43b4-4daa-9511-0c9fb98bad1c" providerId="ADAL" clId="{034AA59E-D954-44E8-84AB-C770C7EA240B}" dt="2023-09-15T14:12:38.124" v="2211" actId="1076"/>
+          <ac:spMkLst>
+            <pc:docMk/>
+            <pc:sldMk cId="2353841070" sldId="363"/>
+            <ac:spMk id="34" creationId="{D43B9AF2-E699-B291-6003-8A5556B36B6D}"/>
+          </ac:spMkLst>
+        </pc:spChg>
+        <pc:spChg chg="add del mod">
+          <ac:chgData name="Manaswini Ray" userId="451f23f8-43b4-4daa-9511-0c9fb98bad1c" providerId="ADAL" clId="{034AA59E-D954-44E8-84AB-C770C7EA240B}" dt="2023-09-15T14:08:34.852" v="2132" actId="478"/>
+          <ac:spMkLst>
+            <pc:docMk/>
+            <pc:sldMk cId="2353841070" sldId="363"/>
+            <ac:spMk id="35" creationId="{63C532B0-6EC3-9769-2485-439ACAD876BE}"/>
+          </ac:spMkLst>
+        </pc:spChg>
+        <pc:spChg chg="add mod">
+          <ac:chgData name="Manaswini Ray" userId="451f23f8-43b4-4daa-9511-0c9fb98bad1c" providerId="ADAL" clId="{034AA59E-D954-44E8-84AB-C770C7EA240B}" dt="2023-09-15T14:08:25.687" v="2128" actId="1076"/>
+          <ac:spMkLst>
+            <pc:docMk/>
+            <pc:sldMk cId="2353841070" sldId="363"/>
+            <ac:spMk id="37" creationId="{C70541D0-C544-0241-EFBB-3A7D183D5BA4}"/>
+          </ac:spMkLst>
+        </pc:spChg>
+        <pc:spChg chg="add mod">
+          <ac:chgData name="Manaswini Ray" userId="451f23f8-43b4-4daa-9511-0c9fb98bad1c" providerId="ADAL" clId="{034AA59E-D954-44E8-84AB-C770C7EA240B}" dt="2023-09-15T14:12:38.124" v="2211" actId="1076"/>
+          <ac:spMkLst>
+            <pc:docMk/>
+            <pc:sldMk cId="2353841070" sldId="363"/>
+            <ac:spMk id="38" creationId="{71E92CCD-0824-FBB5-5B9F-105E186BDD5E}"/>
+          </ac:spMkLst>
+        </pc:spChg>
+        <pc:spChg chg="add del mod">
+          <ac:chgData name="Manaswini Ray" userId="451f23f8-43b4-4daa-9511-0c9fb98bad1c" providerId="ADAL" clId="{034AA59E-D954-44E8-84AB-C770C7EA240B}" dt="2023-09-15T14:14:49.441" v="2278" actId="14100"/>
+          <ac:spMkLst>
+            <pc:docMk/>
+            <pc:sldMk cId="2353841070" sldId="363"/>
+            <ac:spMk id="40" creationId="{CB7DFC6B-F1E2-34A9-9AE8-87DFBB1799DF}"/>
+          </ac:spMkLst>
+        </pc:spChg>
+        <pc:spChg chg="add del mod">
+          <ac:chgData name="Manaswini Ray" userId="451f23f8-43b4-4daa-9511-0c9fb98bad1c" providerId="ADAL" clId="{034AA59E-D954-44E8-84AB-C770C7EA240B}" dt="2023-09-15T14:14:49.441" v="2278" actId="14100"/>
+          <ac:spMkLst>
+            <pc:docMk/>
+            <pc:sldMk cId="2353841070" sldId="363"/>
+            <ac:spMk id="42" creationId="{BC5D6DA4-21B9-E7A5-903F-3502E6C166D9}"/>
+          </ac:spMkLst>
+        </pc:spChg>
+        <pc:spChg chg="add del mod">
+          <ac:chgData name="Manaswini Ray" userId="451f23f8-43b4-4daa-9511-0c9fb98bad1c" providerId="ADAL" clId="{034AA59E-D954-44E8-84AB-C770C7EA240B}" dt="2023-09-15T14:14:49.441" v="2278" actId="14100"/>
+          <ac:spMkLst>
+            <pc:docMk/>
+            <pc:sldMk cId="2353841070" sldId="363"/>
+            <ac:spMk id="43" creationId="{88735EF3-B78D-BC97-7411-327B48DA0666}"/>
+          </ac:spMkLst>
+        </pc:spChg>
+        <pc:spChg chg="add del mod">
+          <ac:chgData name="Manaswini Ray" userId="451f23f8-43b4-4daa-9511-0c9fb98bad1c" providerId="ADAL" clId="{034AA59E-D954-44E8-84AB-C770C7EA240B}" dt="2023-09-15T14:14:49.441" v="2278" actId="14100"/>
+          <ac:spMkLst>
+            <pc:docMk/>
+            <pc:sldMk cId="2353841070" sldId="363"/>
+            <ac:spMk id="44" creationId="{8DC80006-28A1-2555-8218-27BDC0640814}"/>
+          </ac:spMkLst>
+        </pc:spChg>
+        <pc:spChg chg="add del mod">
+          <ac:chgData name="Manaswini Ray" userId="451f23f8-43b4-4daa-9511-0c9fb98bad1c" providerId="ADAL" clId="{034AA59E-D954-44E8-84AB-C770C7EA240B}" dt="2023-09-15T14:14:49.441" v="2278" actId="14100"/>
+          <ac:spMkLst>
+            <pc:docMk/>
+            <pc:sldMk cId="2353841070" sldId="363"/>
+            <ac:spMk id="46" creationId="{1D5081E7-0228-D769-6878-DDBC631BEEC4}"/>
+          </ac:spMkLst>
+        </pc:spChg>
+        <pc:spChg chg="add del mod">
+          <ac:chgData name="Manaswini Ray" userId="451f23f8-43b4-4daa-9511-0c9fb98bad1c" providerId="ADAL" clId="{034AA59E-D954-44E8-84AB-C770C7EA240B}" dt="2023-09-15T14:09:41.158" v="2163" actId="478"/>
+          <ac:spMkLst>
+            <pc:docMk/>
+            <pc:sldMk cId="2353841070" sldId="363"/>
+            <ac:spMk id="48" creationId="{50809420-B1AD-D4FF-EEF0-AAD10C006BD2}"/>
+          </ac:spMkLst>
+        </pc:spChg>
+        <pc:spChg chg="add del mod">
+          <ac:chgData name="Manaswini Ray" userId="451f23f8-43b4-4daa-9511-0c9fb98bad1c" providerId="ADAL" clId="{034AA59E-D954-44E8-84AB-C770C7EA240B}" dt="2023-09-15T14:14:49.441" v="2278" actId="14100"/>
+          <ac:spMkLst>
+            <pc:docMk/>
+            <pc:sldMk cId="2353841070" sldId="363"/>
+            <ac:spMk id="51" creationId="{D7679119-AA57-1BBB-3956-CC31B0A92DA1}"/>
+          </ac:spMkLst>
+        </pc:spChg>
+        <pc:spChg chg="add mod">
+          <ac:chgData name="Manaswini Ray" userId="451f23f8-43b4-4daa-9511-0c9fb98bad1c" providerId="ADAL" clId="{034AA59E-D954-44E8-84AB-C770C7EA240B}" dt="2023-09-15T14:12:42.457" v="2212" actId="14100"/>
+          <ac:spMkLst>
+            <pc:docMk/>
+            <pc:sldMk cId="2353841070" sldId="363"/>
+            <ac:spMk id="63" creationId="{9EA797B9-0A6A-BA43-39B6-B76E20DECECA}"/>
+          </ac:spMkLst>
+        </pc:spChg>
+        <pc:spChg chg="add mod">
+          <ac:chgData name="Manaswini Ray" userId="451f23f8-43b4-4daa-9511-0c9fb98bad1c" providerId="ADAL" clId="{034AA59E-D954-44E8-84AB-C770C7EA240B}" dt="2023-09-15T14:12:46.959" v="2223" actId="20577"/>
+          <ac:spMkLst>
+            <pc:docMk/>
+            <pc:sldMk cId="2353841070" sldId="363"/>
+            <ac:spMk id="65" creationId="{178EBD23-7FF3-17B7-8889-07A82C590647}"/>
+          </ac:spMkLst>
+        </pc:spChg>
+        <pc:spChg chg="add mod">
+          <ac:chgData name="Manaswini Ray" userId="451f23f8-43b4-4daa-9511-0c9fb98bad1c" providerId="ADAL" clId="{034AA59E-D954-44E8-84AB-C770C7EA240B}" dt="2023-09-15T14:13:11.864" v="2256" actId="14100"/>
+          <ac:spMkLst>
+            <pc:docMk/>
+            <pc:sldMk cId="2353841070" sldId="363"/>
+            <ac:spMk id="66" creationId="{EE6A8030-B907-FA56-1376-7FFF37B448FA}"/>
+          </ac:spMkLst>
+        </pc:spChg>
+        <pc:cxnChg chg="add del mod">
+          <ac:chgData name="Manaswini Ray" userId="451f23f8-43b4-4daa-9511-0c9fb98bad1c" providerId="ADAL" clId="{034AA59E-D954-44E8-84AB-C770C7EA240B}" dt="2023-09-15T14:06:24.712" v="2055" actId="478"/>
+          <ac:cxnSpMkLst>
+            <pc:docMk/>
+            <pc:sldMk cId="2353841070" sldId="363"/>
+            <ac:cxnSpMk id="4" creationId="{00B251E8-F0B6-B39B-B98C-C9F5B8558EA7}"/>
+          </ac:cxnSpMkLst>
+        </pc:cxnChg>
+        <pc:cxnChg chg="add mod">
+          <ac:chgData name="Manaswini Ray" userId="451f23f8-43b4-4daa-9511-0c9fb98bad1c" providerId="ADAL" clId="{034AA59E-D954-44E8-84AB-C770C7EA240B}" dt="2023-09-15T14:05:21.105" v="2039" actId="1076"/>
+          <ac:cxnSpMkLst>
+            <pc:docMk/>
+            <pc:sldMk cId="2353841070" sldId="363"/>
+            <ac:cxnSpMk id="10" creationId="{28424C12-62AD-15DF-1217-44560D58F158}"/>
+          </ac:cxnSpMkLst>
+        </pc:cxnChg>
+        <pc:cxnChg chg="add del mod">
+          <ac:chgData name="Manaswini Ray" userId="451f23f8-43b4-4daa-9511-0c9fb98bad1c" providerId="ADAL" clId="{034AA59E-D954-44E8-84AB-C770C7EA240B}" dt="2023-09-15T14:14:49.441" v="2278" actId="14100"/>
+          <ac:cxnSpMkLst>
+            <pc:docMk/>
+            <pc:sldMk cId="2353841070" sldId="363"/>
+            <ac:cxnSpMk id="13" creationId="{E7C8C547-9256-F341-3351-E587CABAF734}"/>
+          </ac:cxnSpMkLst>
+        </pc:cxnChg>
+        <pc:cxnChg chg="add del mod">
+          <ac:chgData name="Manaswini Ray" userId="451f23f8-43b4-4daa-9511-0c9fb98bad1c" providerId="ADAL" clId="{034AA59E-D954-44E8-84AB-C770C7EA240B}" dt="2023-09-15T14:04:05.430" v="2027" actId="478"/>
+          <ac:cxnSpMkLst>
+            <pc:docMk/>
+            <pc:sldMk cId="2353841070" sldId="363"/>
+            <ac:cxnSpMk id="14" creationId="{867906CA-9075-7797-B16F-75D190A36268}"/>
+          </ac:cxnSpMkLst>
+        </pc:cxnChg>
+        <pc:cxnChg chg="add del mod">
+          <ac:chgData name="Manaswini Ray" userId="451f23f8-43b4-4daa-9511-0c9fb98bad1c" providerId="ADAL" clId="{034AA59E-D954-44E8-84AB-C770C7EA240B}" dt="2023-09-15T14:06:24.712" v="2055" actId="478"/>
+          <ac:cxnSpMkLst>
+            <pc:docMk/>
+            <pc:sldMk cId="2353841070" sldId="363"/>
+            <ac:cxnSpMk id="16" creationId="{3EE88FEF-D81B-7381-2588-81A39FF937D7}"/>
+          </ac:cxnSpMkLst>
+        </pc:cxnChg>
+        <pc:cxnChg chg="add del mod">
+          <ac:chgData name="Manaswini Ray" userId="451f23f8-43b4-4daa-9511-0c9fb98bad1c" providerId="ADAL" clId="{034AA59E-D954-44E8-84AB-C770C7EA240B}" dt="2023-09-15T14:05:11.471" v="2037" actId="478"/>
+          <ac:cxnSpMkLst>
+            <pc:docMk/>
+            <pc:sldMk cId="2353841070" sldId="363"/>
+            <ac:cxnSpMk id="19" creationId="{2DFC52EA-AB3B-1F1C-AD77-7F909F358EE9}"/>
+          </ac:cxnSpMkLst>
+        </pc:cxnChg>
+        <pc:cxnChg chg="add del mod">
+          <ac:chgData name="Manaswini Ray" userId="451f23f8-43b4-4daa-9511-0c9fb98bad1c" providerId="ADAL" clId="{034AA59E-D954-44E8-84AB-C770C7EA240B}" dt="2023-09-15T14:06:24.712" v="2055" actId="478"/>
+          <ac:cxnSpMkLst>
+            <pc:docMk/>
+            <pc:sldMk cId="2353841070" sldId="363"/>
+            <ac:cxnSpMk id="20" creationId="{BB0A2B68-7BA9-7410-BED5-84244D4BB55C}"/>
+          </ac:cxnSpMkLst>
+        </pc:cxnChg>
+        <pc:cxnChg chg="add mod">
+          <ac:chgData name="Manaswini Ray" userId="451f23f8-43b4-4daa-9511-0c9fb98bad1c" providerId="ADAL" clId="{034AA59E-D954-44E8-84AB-C770C7EA240B}" dt="2023-09-15T14:05:33.063" v="2041" actId="1076"/>
+          <ac:cxnSpMkLst>
+            <pc:docMk/>
+            <pc:sldMk cId="2353841070" sldId="363"/>
+            <ac:cxnSpMk id="22" creationId="{1D316FC5-5E7F-43EB-E2AD-9A678912A061}"/>
+          </ac:cxnSpMkLst>
+        </pc:cxnChg>
+        <pc:cxnChg chg="add mod">
+          <ac:chgData name="Manaswini Ray" userId="451f23f8-43b4-4daa-9511-0c9fb98bad1c" providerId="ADAL" clId="{034AA59E-D954-44E8-84AB-C770C7EA240B}" dt="2023-09-15T14:05:48.846" v="2052" actId="14100"/>
+          <ac:cxnSpMkLst>
+            <pc:docMk/>
+            <pc:sldMk cId="2353841070" sldId="363"/>
+            <ac:cxnSpMk id="25" creationId="{16BFE971-DCE4-69D1-7849-D3B3A0700A99}"/>
+          </ac:cxnSpMkLst>
+        </pc:cxnChg>
+        <pc:cxnChg chg="add mod">
+          <ac:chgData name="Manaswini Ray" userId="451f23f8-43b4-4daa-9511-0c9fb98bad1c" providerId="ADAL" clId="{034AA59E-D954-44E8-84AB-C770C7EA240B}" dt="2023-09-15T14:12:38.124" v="2211" actId="1076"/>
+          <ac:cxnSpMkLst>
+            <pc:docMk/>
+            <pc:sldMk cId="2353841070" sldId="363"/>
+            <ac:cxnSpMk id="29" creationId="{1956FB3C-AB33-5457-CAC3-A715EDACEBAF}"/>
+          </ac:cxnSpMkLst>
+        </pc:cxnChg>
+        <pc:cxnChg chg="add mod">
+          <ac:chgData name="Manaswini Ray" userId="451f23f8-43b4-4daa-9511-0c9fb98bad1c" providerId="ADAL" clId="{034AA59E-D954-44E8-84AB-C770C7EA240B}" dt="2023-09-15T14:12:38.124" v="2211" actId="1076"/>
+          <ac:cxnSpMkLst>
+            <pc:docMk/>
+            <pc:sldMk cId="2353841070" sldId="363"/>
+            <ac:cxnSpMk id="33" creationId="{B096E7A7-7619-B333-2DC5-7E7DBFF0CEF7}"/>
+          </ac:cxnSpMkLst>
+        </pc:cxnChg>
+        <pc:cxnChg chg="add mod">
+          <ac:chgData name="Manaswini Ray" userId="451f23f8-43b4-4daa-9511-0c9fb98bad1c" providerId="ADAL" clId="{034AA59E-D954-44E8-84AB-C770C7EA240B}" dt="2023-09-15T14:12:38.124" v="2211" actId="1076"/>
+          <ac:cxnSpMkLst>
+            <pc:docMk/>
+            <pc:sldMk cId="2353841070" sldId="363"/>
+            <ac:cxnSpMk id="36" creationId="{85E5CBFE-26C3-4653-A279-50BCFE31D007}"/>
+          </ac:cxnSpMkLst>
+        </pc:cxnChg>
+        <pc:cxnChg chg="add del mod">
+          <ac:chgData name="Manaswini Ray" userId="451f23f8-43b4-4daa-9511-0c9fb98bad1c" providerId="ADAL" clId="{034AA59E-D954-44E8-84AB-C770C7EA240B}" dt="2023-09-15T14:14:49.441" v="2278" actId="14100"/>
+          <ac:cxnSpMkLst>
+            <pc:docMk/>
+            <pc:sldMk cId="2353841070" sldId="363"/>
+            <ac:cxnSpMk id="41" creationId="{18106D3F-AE0D-D0F6-8A03-227B666BCAA2}"/>
+          </ac:cxnSpMkLst>
+        </pc:cxnChg>
+        <pc:cxnChg chg="add del mod">
+          <ac:chgData name="Manaswini Ray" userId="451f23f8-43b4-4daa-9511-0c9fb98bad1c" providerId="ADAL" clId="{034AA59E-D954-44E8-84AB-C770C7EA240B}" dt="2023-09-15T14:14:49.441" v="2278" actId="14100"/>
+          <ac:cxnSpMkLst>
+            <pc:docMk/>
+            <pc:sldMk cId="2353841070" sldId="363"/>
+            <ac:cxnSpMk id="45" creationId="{957222ED-C6AE-052E-5236-5835B442657C}"/>
+          </ac:cxnSpMkLst>
+        </pc:cxnChg>
+        <pc:cxnChg chg="add del mod">
+          <ac:chgData name="Manaswini Ray" userId="451f23f8-43b4-4daa-9511-0c9fb98bad1c" providerId="ADAL" clId="{034AA59E-D954-44E8-84AB-C770C7EA240B}" dt="2023-09-15T14:09:58.088" v="2167" actId="478"/>
+          <ac:cxnSpMkLst>
+            <pc:docMk/>
+            <pc:sldMk cId="2353841070" sldId="363"/>
+            <ac:cxnSpMk id="47" creationId="{AE86D5E9-4D2E-38EF-8E63-FCEC5F7F8CD9}"/>
+          </ac:cxnSpMkLst>
+        </pc:cxnChg>
+        <pc:cxnChg chg="add del mod">
+          <ac:chgData name="Manaswini Ray" userId="451f23f8-43b4-4daa-9511-0c9fb98bad1c" providerId="ADAL" clId="{034AA59E-D954-44E8-84AB-C770C7EA240B}" dt="2023-09-15T14:14:49.441" v="2278" actId="14100"/>
+          <ac:cxnSpMkLst>
+            <pc:docMk/>
+            <pc:sldMk cId="2353841070" sldId="363"/>
+            <ac:cxnSpMk id="57" creationId="{FF91ABD4-8632-2392-42F2-77B1D9A844C0}"/>
+          </ac:cxnSpMkLst>
+        </pc:cxnChg>
+        <pc:cxnChg chg="add mod">
+          <ac:chgData name="Manaswini Ray" userId="451f23f8-43b4-4daa-9511-0c9fb98bad1c" providerId="ADAL" clId="{034AA59E-D954-44E8-84AB-C770C7EA240B}" dt="2023-09-15T14:12:31.928" v="2210" actId="14100"/>
+          <ac:cxnSpMkLst>
+            <pc:docMk/>
+            <pc:sldMk cId="2353841070" sldId="363"/>
+            <ac:cxnSpMk id="64" creationId="{609A61A1-6F35-BE9E-5B15-2EA6B7FDC97A}"/>
+          </ac:cxnSpMkLst>
+        </pc:cxnChg>
+        <pc:cxnChg chg="add mod">
+          <ac:chgData name="Manaswini Ray" userId="451f23f8-43b4-4daa-9511-0c9fb98bad1c" providerId="ADAL" clId="{034AA59E-D954-44E8-84AB-C770C7EA240B}" dt="2023-09-15T14:13:56.502" v="2260" actId="14100"/>
+          <ac:cxnSpMkLst>
+            <pc:docMk/>
+            <pc:sldMk cId="2353841070" sldId="363"/>
+            <ac:cxnSpMk id="68" creationId="{C29FB2C8-DCFB-2FFA-494C-69A7D068C4D9}"/>
+          </ac:cxnSpMkLst>
+        </pc:cxnChg>
+        <pc:cxnChg chg="add mod">
+          <ac:chgData name="Manaswini Ray" userId="451f23f8-43b4-4daa-9511-0c9fb98bad1c" providerId="ADAL" clId="{034AA59E-D954-44E8-84AB-C770C7EA240B}" dt="2023-09-15T14:14:08.303" v="2263" actId="14100"/>
+          <ac:cxnSpMkLst>
+            <pc:docMk/>
+            <pc:sldMk cId="2353841070" sldId="363"/>
+            <ac:cxnSpMk id="71" creationId="{A8AAAAA4-8ED1-4DD1-9385-3631D008FCC7}"/>
+          </ac:cxnSpMkLst>
+        </pc:cxnChg>
+        <pc:cxnChg chg="add del mod">
+          <ac:chgData name="Manaswini Ray" userId="451f23f8-43b4-4daa-9511-0c9fb98bad1c" providerId="ADAL" clId="{034AA59E-D954-44E8-84AB-C770C7EA240B}" dt="2023-09-15T14:14:56.727" v="2280" actId="14100"/>
+          <ac:cxnSpMkLst>
+            <pc:docMk/>
+            <pc:sldMk cId="2353841070" sldId="363"/>
+            <ac:cxnSpMk id="74" creationId="{CF4561E7-D535-C4E1-4F0F-E1635CD332F3}"/>
+          </ac:cxnSpMkLst>
+        </pc:cxnChg>
+        <pc:cxnChg chg="add mod">
+          <ac:chgData name="Manaswini Ray" userId="451f23f8-43b4-4daa-9511-0c9fb98bad1c" providerId="ADAL" clId="{034AA59E-D954-44E8-84AB-C770C7EA240B}" dt="2023-09-15T14:15:51.103" v="2286" actId="14100"/>
+          <ac:cxnSpMkLst>
+            <pc:docMk/>
+            <pc:sldMk cId="2353841070" sldId="363"/>
+            <ac:cxnSpMk id="87" creationId="{C488F9EF-8F1C-6A6A-CFDB-9C9440D480FF}"/>
           </ac:cxnSpMkLst>
         </pc:cxnChg>
       </pc:sldChg>
@@ -5068,7 +5508,7 @@
           <a:p>
             <a:fld id="{DA65EFA3-2408-462E-A228-C020DF9C1D92}" type="datetimeFigureOut">
               <a:rPr lang="en-IN" smtClean="0"/>
-              <a:t>14-09-2023</a:t>
+              <a:t>15-09-2023</a:t>
             </a:fld>
             <a:endParaRPr lang="en-IN"/>
           </a:p>
@@ -5653,7 +6093,7 @@
           <a:p>
             <a:fld id="{DBA864D8-E328-4C18-B44D-9296865D5C31}" type="datetimeFigureOut">
               <a:rPr lang="en-IN" smtClean="0"/>
-              <a:t>14-09-2023</a:t>
+              <a:t>15-09-2023</a:t>
             </a:fld>
             <a:endParaRPr lang="en-IN"/>
           </a:p>
@@ -5853,7 +6293,7 @@
           <a:p>
             <a:fld id="{DBA864D8-E328-4C18-B44D-9296865D5C31}" type="datetimeFigureOut">
               <a:rPr lang="en-IN" smtClean="0"/>
-              <a:t>14-09-2023</a:t>
+              <a:t>15-09-2023</a:t>
             </a:fld>
             <a:endParaRPr lang="en-IN"/>
           </a:p>
@@ -6063,7 +6503,7 @@
           <a:p>
             <a:fld id="{DBA864D8-E328-4C18-B44D-9296865D5C31}" type="datetimeFigureOut">
               <a:rPr lang="en-IN" smtClean="0"/>
-              <a:t>14-09-2023</a:t>
+              <a:t>15-09-2023</a:t>
             </a:fld>
             <a:endParaRPr lang="en-IN"/>
           </a:p>
@@ -6330,7 +6770,7 @@
           <a:p>
             <a:fld id="{DBA864D8-E328-4C18-B44D-9296865D5C31}" type="datetimeFigureOut">
               <a:rPr lang="en-IN" smtClean="0"/>
-              <a:t>14-09-2023</a:t>
+              <a:t>15-09-2023</a:t>
             </a:fld>
             <a:endParaRPr lang="en-IN"/>
           </a:p>
@@ -6606,7 +7046,7 @@
           <a:p>
             <a:fld id="{DBA864D8-E328-4C18-B44D-9296865D5C31}" type="datetimeFigureOut">
               <a:rPr lang="en-IN" smtClean="0"/>
-              <a:t>14-09-2023</a:t>
+              <a:t>15-09-2023</a:t>
             </a:fld>
             <a:endParaRPr lang="en-IN"/>
           </a:p>
@@ -6874,7 +7314,7 @@
           <a:p>
             <a:fld id="{DBA864D8-E328-4C18-B44D-9296865D5C31}" type="datetimeFigureOut">
               <a:rPr lang="en-IN" smtClean="0"/>
-              <a:t>14-09-2023</a:t>
+              <a:t>15-09-2023</a:t>
             </a:fld>
             <a:endParaRPr lang="en-IN"/>
           </a:p>
@@ -7289,7 +7729,7 @@
           <a:p>
             <a:fld id="{DBA864D8-E328-4C18-B44D-9296865D5C31}" type="datetimeFigureOut">
               <a:rPr lang="en-IN" smtClean="0"/>
-              <a:t>14-09-2023</a:t>
+              <a:t>15-09-2023</a:t>
             </a:fld>
             <a:endParaRPr lang="en-IN"/>
           </a:p>
@@ -7431,7 +7871,7 @@
           <a:p>
             <a:fld id="{DBA864D8-E328-4C18-B44D-9296865D5C31}" type="datetimeFigureOut">
               <a:rPr lang="en-IN" smtClean="0"/>
-              <a:t>14-09-2023</a:t>
+              <a:t>15-09-2023</a:t>
             </a:fld>
             <a:endParaRPr lang="en-IN"/>
           </a:p>
@@ -7544,7 +7984,7 @@
           <a:p>
             <a:fld id="{DBA864D8-E328-4C18-B44D-9296865D5C31}" type="datetimeFigureOut">
               <a:rPr lang="en-IN" smtClean="0"/>
-              <a:t>14-09-2023</a:t>
+              <a:t>15-09-2023</a:t>
             </a:fld>
             <a:endParaRPr lang="en-IN"/>
           </a:p>
@@ -7857,7 +8297,7 @@
           <a:p>
             <a:fld id="{DBA864D8-E328-4C18-B44D-9296865D5C31}" type="datetimeFigureOut">
               <a:rPr lang="en-IN" smtClean="0"/>
-              <a:t>14-09-2023</a:t>
+              <a:t>15-09-2023</a:t>
             </a:fld>
             <a:endParaRPr lang="en-IN"/>
           </a:p>
@@ -8146,7 +8586,7 @@
           <a:p>
             <a:fld id="{DBA864D8-E328-4C18-B44D-9296865D5C31}" type="datetimeFigureOut">
               <a:rPr lang="en-IN" smtClean="0"/>
-              <a:t>14-09-2023</a:t>
+              <a:t>15-09-2023</a:t>
             </a:fld>
             <a:endParaRPr lang="en-IN"/>
           </a:p>
@@ -8389,7 +8829,7 @@
           <a:p>
             <a:fld id="{DBA864D8-E328-4C18-B44D-9296865D5C31}" type="datetimeFigureOut">
               <a:rPr lang="en-IN" smtClean="0"/>
-              <a:t>14-09-2023</a:t>
+              <a:t>15-09-2023</a:t>
             </a:fld>
             <a:endParaRPr lang="en-IN"/>
           </a:p>
@@ -20473,13 +20913,12 @@
           </p:cNvPr>
           <p:cNvCxnSpPr>
             <a:cxnSpLocks/>
-            <a:stCxn id="12" idx="1"/>
           </p:cNvCxnSpPr>
           <p:nvPr/>
         </p:nvCxnSpPr>
         <p:spPr>
           <a:xfrm rot="10800000" flipH="1" flipV="1">
-            <a:off x="642967" y="2361334"/>
+            <a:off x="642968" y="2335351"/>
             <a:ext cx="608059" cy="1411849"/>
           </a:xfrm>
           <a:prstGeom prst="bentConnector4">
@@ -24050,6 +24489,2082 @@
     <p:extLst>
       <p:ext uri="{BB962C8B-B14F-4D97-AF65-F5344CB8AC3E}">
         <p14:creationId xmlns:p14="http://schemas.microsoft.com/office/powerpoint/2010/main" val="715360342"/>
+      </p:ext>
+    </p:extLst>
+  </p:cSld>
+  <p:clrMapOvr>
+    <a:masterClrMapping/>
+  </p:clrMapOvr>
+</p:sld>
+</file>
+
+<file path=ppt/slides/slide20.xml><?xml version="1.0" encoding="utf-8"?>
+<p:sld xmlns:a="http://schemas.openxmlformats.org/drawingml/2006/main" xmlns:r="http://schemas.openxmlformats.org/officeDocument/2006/relationships" xmlns:p="http://schemas.openxmlformats.org/presentationml/2006/main">
+  <p:cSld>
+    <p:spTree>
+      <p:nvGrpSpPr>
+        <p:cNvPr id="1" name=""/>
+        <p:cNvGrpSpPr/>
+        <p:nvPr/>
+      </p:nvGrpSpPr>
+      <p:grpSpPr>
+        <a:xfrm>
+          <a:off x="0" y="0"/>
+          <a:ext cx="0" cy="0"/>
+          <a:chOff x="0" y="0"/>
+          <a:chExt cx="0" cy="0"/>
+        </a:xfrm>
+      </p:grpSpPr>
+      <p:sp>
+        <p:nvSpPr>
+          <p:cNvPr id="2" name="TextBox 1">
+            <a:extLst>
+              <a:ext uri="{FF2B5EF4-FFF2-40B4-BE49-F238E27FC236}">
+                <a16:creationId xmlns:a16="http://schemas.microsoft.com/office/drawing/2014/main" id="{642FE3F9-FDD2-7B52-4DB8-9B2437ED1A93}"/>
+              </a:ext>
+            </a:extLst>
+          </p:cNvPr>
+          <p:cNvSpPr txBox="1"/>
+          <p:nvPr/>
+        </p:nvSpPr>
+        <p:spPr>
+          <a:xfrm>
+            <a:off x="252248" y="235083"/>
+            <a:ext cx="6138040" cy="400110"/>
+          </a:xfrm>
+          <a:prstGeom prst="rect">
+            <a:avLst/>
+          </a:prstGeom>
+          <a:noFill/>
+        </p:spPr>
+        <p:txBody>
+          <a:bodyPr wrap="square">
+            <a:spAutoFit/>
+          </a:bodyPr>
+          <a:lstStyle/>
+          <a:p>
+            <a:r>
+              <a:rPr lang="en-US" sz="2000" b="1" u="sng" dirty="0">
+                <a:solidFill>
+                  <a:srgbClr val="000000"/>
+                </a:solidFill>
+              </a:rPr>
+              <a:t>Iterator </a:t>
+            </a:r>
+            <a:r>
+              <a:rPr lang="en-IN" sz="2000" b="1" u="sng" dirty="0">
+                <a:solidFill>
+                  <a:srgbClr val="000000"/>
+                </a:solidFill>
+              </a:rPr>
+              <a:t>Design Pattern</a:t>
+            </a:r>
+            <a:endParaRPr lang="en-IN" sz="2000" b="1" u="sng" dirty="0"/>
+          </a:p>
+        </p:txBody>
+      </p:sp>
+      <p:sp>
+        <p:nvSpPr>
+          <p:cNvPr id="9" name="Rectangle 8">
+            <a:extLst>
+              <a:ext uri="{FF2B5EF4-FFF2-40B4-BE49-F238E27FC236}">
+                <a16:creationId xmlns:a16="http://schemas.microsoft.com/office/drawing/2014/main" id="{E0492C03-0936-0B07-7423-66A9C4C6141C}"/>
+              </a:ext>
+            </a:extLst>
+          </p:cNvPr>
+          <p:cNvSpPr/>
+          <p:nvPr/>
+        </p:nvSpPr>
+        <p:spPr>
+          <a:xfrm>
+            <a:off x="252248" y="1674215"/>
+            <a:ext cx="2698074" cy="1589760"/>
+          </a:xfrm>
+          <a:prstGeom prst="rect">
+            <a:avLst/>
+          </a:prstGeom>
+          <a:noFill/>
+          <a:ln>
+            <a:solidFill>
+              <a:schemeClr val="bg2">
+                <a:lumMod val="10000"/>
+              </a:schemeClr>
+            </a:solidFill>
+          </a:ln>
+        </p:spPr>
+        <p:style>
+          <a:lnRef idx="2">
+            <a:schemeClr val="accent1">
+              <a:shade val="50000"/>
+            </a:schemeClr>
+          </a:lnRef>
+          <a:fillRef idx="1">
+            <a:schemeClr val="accent1"/>
+          </a:fillRef>
+          <a:effectRef idx="0">
+            <a:schemeClr val="accent1"/>
+          </a:effectRef>
+          <a:fontRef idx="minor">
+            <a:schemeClr val="lt1"/>
+          </a:fontRef>
+        </p:style>
+        <p:txBody>
+          <a:bodyPr rtlCol="0" anchor="ctr"/>
+          <a:lstStyle/>
+          <a:p>
+            <a:pPr algn="ctr"/>
+            <a:endParaRPr lang="en-IN"/>
+          </a:p>
+        </p:txBody>
+      </p:sp>
+      <p:cxnSp>
+        <p:nvCxnSpPr>
+          <p:cNvPr id="10" name="Straight Connector 9">
+            <a:extLst>
+              <a:ext uri="{FF2B5EF4-FFF2-40B4-BE49-F238E27FC236}">
+                <a16:creationId xmlns:a16="http://schemas.microsoft.com/office/drawing/2014/main" id="{28424C12-62AD-15DF-1217-44560D58F158}"/>
+              </a:ext>
+            </a:extLst>
+          </p:cNvPr>
+          <p:cNvCxnSpPr>
+            <a:cxnSpLocks/>
+          </p:cNvCxnSpPr>
+          <p:nvPr/>
+        </p:nvCxnSpPr>
+        <p:spPr>
+          <a:xfrm>
+            <a:off x="252247" y="2331554"/>
+            <a:ext cx="2698074" cy="0"/>
+          </a:xfrm>
+          <a:prstGeom prst="line">
+            <a:avLst/>
+          </a:prstGeom>
+          <a:ln>
+            <a:solidFill>
+              <a:schemeClr val="tx1">
+                <a:lumMod val="95000"/>
+                <a:lumOff val="5000"/>
+              </a:schemeClr>
+            </a:solidFill>
+          </a:ln>
+        </p:spPr>
+        <p:style>
+          <a:lnRef idx="1">
+            <a:schemeClr val="accent1"/>
+          </a:lnRef>
+          <a:fillRef idx="0">
+            <a:schemeClr val="accent1"/>
+          </a:fillRef>
+          <a:effectRef idx="0">
+            <a:schemeClr val="accent1"/>
+          </a:effectRef>
+          <a:fontRef idx="minor">
+            <a:schemeClr val="tx1"/>
+          </a:fontRef>
+        </p:style>
+      </p:cxnSp>
+      <p:sp>
+        <p:nvSpPr>
+          <p:cNvPr id="11" name="TextBox 10">
+            <a:extLst>
+              <a:ext uri="{FF2B5EF4-FFF2-40B4-BE49-F238E27FC236}">
+                <a16:creationId xmlns:a16="http://schemas.microsoft.com/office/drawing/2014/main" id="{1A4BF080-C692-BF02-8529-8927B351E879}"/>
+              </a:ext>
+            </a:extLst>
+          </p:cNvPr>
+          <p:cNvSpPr txBox="1"/>
+          <p:nvPr/>
+        </p:nvSpPr>
+        <p:spPr>
+          <a:xfrm>
+            <a:off x="252248" y="1796353"/>
+            <a:ext cx="2357454" cy="369332"/>
+          </a:xfrm>
+          <a:prstGeom prst="rect">
+            <a:avLst/>
+          </a:prstGeom>
+          <a:noFill/>
+        </p:spPr>
+        <p:txBody>
+          <a:bodyPr wrap="square" rtlCol="0">
+            <a:spAutoFit/>
+          </a:bodyPr>
+          <a:lstStyle/>
+          <a:p>
+            <a:r>
+              <a:rPr lang="en-US" dirty="0" err="1"/>
+              <a:t>IChannel</a:t>
+            </a:r>
+            <a:endParaRPr lang="en-IN" dirty="0"/>
+          </a:p>
+        </p:txBody>
+      </p:sp>
+      <p:sp>
+        <p:nvSpPr>
+          <p:cNvPr id="12" name="TextBox 11">
+            <a:extLst>
+              <a:ext uri="{FF2B5EF4-FFF2-40B4-BE49-F238E27FC236}">
+                <a16:creationId xmlns:a16="http://schemas.microsoft.com/office/drawing/2014/main" id="{5A4271F6-666E-B530-E03C-C14E47D01B08}"/>
+              </a:ext>
+            </a:extLst>
+          </p:cNvPr>
+          <p:cNvSpPr txBox="1"/>
+          <p:nvPr/>
+        </p:nvSpPr>
+        <p:spPr>
+          <a:xfrm>
+            <a:off x="252247" y="2502240"/>
+            <a:ext cx="2357454" cy="923330"/>
+          </a:xfrm>
+          <a:prstGeom prst="rect">
+            <a:avLst/>
+          </a:prstGeom>
+          <a:noFill/>
+        </p:spPr>
+        <p:txBody>
+          <a:bodyPr wrap="square" rtlCol="0">
+            <a:spAutoFit/>
+          </a:bodyPr>
+          <a:lstStyle/>
+          <a:p>
+            <a:r>
+              <a:rPr lang="en-US" dirty="0"/>
+              <a:t>double Frequency</a:t>
+            </a:r>
+          </a:p>
+          <a:p>
+            <a:r>
+              <a:rPr lang="en-US" dirty="0" err="1"/>
+              <a:t>ChannelType</a:t>
+            </a:r>
+            <a:r>
+              <a:rPr lang="en-US" dirty="0"/>
+              <a:t> Type</a:t>
+            </a:r>
+          </a:p>
+          <a:p>
+            <a:endParaRPr lang="en-US" dirty="0"/>
+          </a:p>
+        </p:txBody>
+      </p:sp>
+      <p:cxnSp>
+        <p:nvCxnSpPr>
+          <p:cNvPr id="13" name="Straight Arrow Connector 17">
+            <a:extLst>
+              <a:ext uri="{FF2B5EF4-FFF2-40B4-BE49-F238E27FC236}">
+                <a16:creationId xmlns:a16="http://schemas.microsoft.com/office/drawing/2014/main" id="{E7C8C547-9256-F341-3351-E587CABAF734}"/>
+              </a:ext>
+            </a:extLst>
+          </p:cNvPr>
+          <p:cNvCxnSpPr>
+            <a:cxnSpLocks/>
+            <a:stCxn id="44" idx="0"/>
+            <a:endCxn id="40" idx="2"/>
+          </p:cNvCxnSpPr>
+          <p:nvPr/>
+        </p:nvCxnSpPr>
+        <p:spPr>
+          <a:xfrm rot="16200000" flipV="1">
+            <a:off x="9488367" y="3956453"/>
+            <a:ext cx="661431" cy="1"/>
+          </a:xfrm>
+          <a:prstGeom prst="bentConnector3">
+            <a:avLst>
+              <a:gd name="adj1" fmla="val 50000"/>
+            </a:avLst>
+          </a:prstGeom>
+          <a:ln>
+            <a:tailEnd type="triangle"/>
+          </a:ln>
+        </p:spPr>
+        <p:style>
+          <a:lnRef idx="1">
+            <a:schemeClr val="dk1"/>
+          </a:lnRef>
+          <a:fillRef idx="0">
+            <a:schemeClr val="dk1"/>
+          </a:fillRef>
+          <a:effectRef idx="0">
+            <a:schemeClr val="dk1"/>
+          </a:effectRef>
+          <a:fontRef idx="minor">
+            <a:schemeClr val="tx1"/>
+          </a:fontRef>
+        </p:style>
+      </p:cxnSp>
+      <p:sp>
+        <p:nvSpPr>
+          <p:cNvPr id="21" name="Rectangle 20">
+            <a:extLst>
+              <a:ext uri="{FF2B5EF4-FFF2-40B4-BE49-F238E27FC236}">
+                <a16:creationId xmlns:a16="http://schemas.microsoft.com/office/drawing/2014/main" id="{0F258893-B3E6-B868-FC2F-B12426844E5E}"/>
+              </a:ext>
+            </a:extLst>
+          </p:cNvPr>
+          <p:cNvSpPr/>
+          <p:nvPr/>
+        </p:nvSpPr>
+        <p:spPr>
+          <a:xfrm>
+            <a:off x="252247" y="3862046"/>
+            <a:ext cx="2698074" cy="1589760"/>
+          </a:xfrm>
+          <a:prstGeom prst="rect">
+            <a:avLst/>
+          </a:prstGeom>
+          <a:noFill/>
+          <a:ln>
+            <a:solidFill>
+              <a:schemeClr val="bg2">
+                <a:lumMod val="10000"/>
+              </a:schemeClr>
+            </a:solidFill>
+          </a:ln>
+        </p:spPr>
+        <p:style>
+          <a:lnRef idx="2">
+            <a:schemeClr val="accent1">
+              <a:shade val="50000"/>
+            </a:schemeClr>
+          </a:lnRef>
+          <a:fillRef idx="1">
+            <a:schemeClr val="accent1"/>
+          </a:fillRef>
+          <a:effectRef idx="0">
+            <a:schemeClr val="accent1"/>
+          </a:effectRef>
+          <a:fontRef idx="minor">
+            <a:schemeClr val="lt1"/>
+          </a:fontRef>
+        </p:style>
+        <p:txBody>
+          <a:bodyPr rtlCol="0" anchor="ctr"/>
+          <a:lstStyle/>
+          <a:p>
+            <a:pPr algn="ctr"/>
+            <a:endParaRPr lang="en-IN"/>
+          </a:p>
+        </p:txBody>
+      </p:sp>
+      <p:cxnSp>
+        <p:nvCxnSpPr>
+          <p:cNvPr id="22" name="Straight Connector 21">
+            <a:extLst>
+              <a:ext uri="{FF2B5EF4-FFF2-40B4-BE49-F238E27FC236}">
+                <a16:creationId xmlns:a16="http://schemas.microsoft.com/office/drawing/2014/main" id="{1D316FC5-5E7F-43EB-E2AD-9A678912A061}"/>
+              </a:ext>
+            </a:extLst>
+          </p:cNvPr>
+          <p:cNvCxnSpPr>
+            <a:cxnSpLocks/>
+          </p:cNvCxnSpPr>
+          <p:nvPr/>
+        </p:nvCxnSpPr>
+        <p:spPr>
+          <a:xfrm>
+            <a:off x="252246" y="4519385"/>
+            <a:ext cx="2698074" cy="0"/>
+          </a:xfrm>
+          <a:prstGeom prst="line">
+            <a:avLst/>
+          </a:prstGeom>
+          <a:ln>
+            <a:solidFill>
+              <a:schemeClr val="tx1">
+                <a:lumMod val="95000"/>
+                <a:lumOff val="5000"/>
+              </a:schemeClr>
+            </a:solidFill>
+          </a:ln>
+        </p:spPr>
+        <p:style>
+          <a:lnRef idx="1">
+            <a:schemeClr val="accent1"/>
+          </a:lnRef>
+          <a:fillRef idx="0">
+            <a:schemeClr val="accent1"/>
+          </a:fillRef>
+          <a:effectRef idx="0">
+            <a:schemeClr val="accent1"/>
+          </a:effectRef>
+          <a:fontRef idx="minor">
+            <a:schemeClr val="tx1"/>
+          </a:fontRef>
+        </p:style>
+      </p:cxnSp>
+      <p:sp>
+        <p:nvSpPr>
+          <p:cNvPr id="23" name="TextBox 22">
+            <a:extLst>
+              <a:ext uri="{FF2B5EF4-FFF2-40B4-BE49-F238E27FC236}">
+                <a16:creationId xmlns:a16="http://schemas.microsoft.com/office/drawing/2014/main" id="{EF47A669-04F3-853E-8C71-F4CEA58B2053}"/>
+              </a:ext>
+            </a:extLst>
+          </p:cNvPr>
+          <p:cNvSpPr txBox="1"/>
+          <p:nvPr/>
+        </p:nvSpPr>
+        <p:spPr>
+          <a:xfrm>
+            <a:off x="252247" y="3984184"/>
+            <a:ext cx="2357454" cy="369332"/>
+          </a:xfrm>
+          <a:prstGeom prst="rect">
+            <a:avLst/>
+          </a:prstGeom>
+          <a:noFill/>
+        </p:spPr>
+        <p:txBody>
+          <a:bodyPr wrap="square" rtlCol="0">
+            <a:spAutoFit/>
+          </a:bodyPr>
+          <a:lstStyle/>
+          <a:p>
+            <a:r>
+              <a:rPr lang="en-US" dirty="0"/>
+              <a:t>Channel</a:t>
+            </a:r>
+            <a:endParaRPr lang="en-IN" dirty="0"/>
+          </a:p>
+        </p:txBody>
+      </p:sp>
+      <p:cxnSp>
+        <p:nvCxnSpPr>
+          <p:cNvPr id="25" name="Straight Arrow Connector 17">
+            <a:extLst>
+              <a:ext uri="{FF2B5EF4-FFF2-40B4-BE49-F238E27FC236}">
+                <a16:creationId xmlns:a16="http://schemas.microsoft.com/office/drawing/2014/main" id="{16BFE971-DCE4-69D1-7849-D3B3A0700A99}"/>
+              </a:ext>
+            </a:extLst>
+          </p:cNvPr>
+          <p:cNvCxnSpPr>
+            <a:cxnSpLocks/>
+            <a:stCxn id="21" idx="0"/>
+            <a:endCxn id="9" idx="2"/>
+          </p:cNvCxnSpPr>
+          <p:nvPr/>
+        </p:nvCxnSpPr>
+        <p:spPr>
+          <a:xfrm rot="5400000" flipH="1" flipV="1">
+            <a:off x="1302249" y="3563011"/>
+            <a:ext cx="598071" cy="1"/>
+          </a:xfrm>
+          <a:prstGeom prst="bentConnector3">
+            <a:avLst>
+              <a:gd name="adj1" fmla="val 50000"/>
+            </a:avLst>
+          </a:prstGeom>
+          <a:ln>
+            <a:tailEnd type="triangle"/>
+          </a:ln>
+        </p:spPr>
+        <p:style>
+          <a:lnRef idx="1">
+            <a:schemeClr val="dk1"/>
+          </a:lnRef>
+          <a:fillRef idx="0">
+            <a:schemeClr val="dk1"/>
+          </a:fillRef>
+          <a:effectRef idx="0">
+            <a:schemeClr val="dk1"/>
+          </a:effectRef>
+          <a:fontRef idx="minor">
+            <a:schemeClr val="tx1"/>
+          </a:fontRef>
+        </p:style>
+      </p:cxnSp>
+      <p:sp>
+        <p:nvSpPr>
+          <p:cNvPr id="28" name="Rectangle 27">
+            <a:extLst>
+              <a:ext uri="{FF2B5EF4-FFF2-40B4-BE49-F238E27FC236}">
+                <a16:creationId xmlns:a16="http://schemas.microsoft.com/office/drawing/2014/main" id="{4C2D63D0-8C5C-2ACE-D8B0-73B5B71FD6FE}"/>
+              </a:ext>
+            </a:extLst>
+          </p:cNvPr>
+          <p:cNvSpPr/>
+          <p:nvPr/>
+        </p:nvSpPr>
+        <p:spPr>
+          <a:xfrm>
+            <a:off x="3967034" y="2748277"/>
+            <a:ext cx="2698074" cy="1589760"/>
+          </a:xfrm>
+          <a:prstGeom prst="rect">
+            <a:avLst/>
+          </a:prstGeom>
+          <a:noFill/>
+          <a:ln>
+            <a:solidFill>
+              <a:schemeClr val="bg2">
+                <a:lumMod val="10000"/>
+              </a:schemeClr>
+            </a:solidFill>
+          </a:ln>
+        </p:spPr>
+        <p:style>
+          <a:lnRef idx="2">
+            <a:schemeClr val="accent1">
+              <a:shade val="50000"/>
+            </a:schemeClr>
+          </a:lnRef>
+          <a:fillRef idx="1">
+            <a:schemeClr val="accent1"/>
+          </a:fillRef>
+          <a:effectRef idx="0">
+            <a:schemeClr val="accent1"/>
+          </a:effectRef>
+          <a:fontRef idx="minor">
+            <a:schemeClr val="lt1"/>
+          </a:fontRef>
+        </p:style>
+        <p:txBody>
+          <a:bodyPr rtlCol="0" anchor="ctr"/>
+          <a:lstStyle/>
+          <a:p>
+            <a:pPr algn="ctr"/>
+            <a:endParaRPr lang="en-IN"/>
+          </a:p>
+        </p:txBody>
+      </p:sp>
+      <p:cxnSp>
+        <p:nvCxnSpPr>
+          <p:cNvPr id="29" name="Straight Connector 28">
+            <a:extLst>
+              <a:ext uri="{FF2B5EF4-FFF2-40B4-BE49-F238E27FC236}">
+                <a16:creationId xmlns:a16="http://schemas.microsoft.com/office/drawing/2014/main" id="{1956FB3C-AB33-5457-CAC3-A715EDACEBAF}"/>
+              </a:ext>
+            </a:extLst>
+          </p:cNvPr>
+          <p:cNvCxnSpPr>
+            <a:cxnSpLocks/>
+          </p:cNvCxnSpPr>
+          <p:nvPr/>
+        </p:nvCxnSpPr>
+        <p:spPr>
+          <a:xfrm>
+            <a:off x="3967033" y="3405616"/>
+            <a:ext cx="2698074" cy="0"/>
+          </a:xfrm>
+          <a:prstGeom prst="line">
+            <a:avLst/>
+          </a:prstGeom>
+          <a:ln>
+            <a:solidFill>
+              <a:schemeClr val="tx1">
+                <a:lumMod val="95000"/>
+                <a:lumOff val="5000"/>
+              </a:schemeClr>
+            </a:solidFill>
+          </a:ln>
+        </p:spPr>
+        <p:style>
+          <a:lnRef idx="1">
+            <a:schemeClr val="accent1"/>
+          </a:lnRef>
+          <a:fillRef idx="0">
+            <a:schemeClr val="accent1"/>
+          </a:fillRef>
+          <a:effectRef idx="0">
+            <a:schemeClr val="accent1"/>
+          </a:effectRef>
+          <a:fontRef idx="minor">
+            <a:schemeClr val="tx1"/>
+          </a:fontRef>
+        </p:style>
+      </p:cxnSp>
+      <p:sp>
+        <p:nvSpPr>
+          <p:cNvPr id="30" name="TextBox 29">
+            <a:extLst>
+              <a:ext uri="{FF2B5EF4-FFF2-40B4-BE49-F238E27FC236}">
+                <a16:creationId xmlns:a16="http://schemas.microsoft.com/office/drawing/2014/main" id="{38C0B7B5-B62B-0BDE-AFEB-6B305030FFFD}"/>
+              </a:ext>
+            </a:extLst>
+          </p:cNvPr>
+          <p:cNvSpPr txBox="1"/>
+          <p:nvPr/>
+        </p:nvSpPr>
+        <p:spPr>
+          <a:xfrm>
+            <a:off x="3967034" y="2870415"/>
+            <a:ext cx="2357454" cy="369332"/>
+          </a:xfrm>
+          <a:prstGeom prst="rect">
+            <a:avLst/>
+          </a:prstGeom>
+          <a:noFill/>
+        </p:spPr>
+        <p:txBody>
+          <a:bodyPr wrap="square" rtlCol="0">
+            <a:spAutoFit/>
+          </a:bodyPr>
+          <a:lstStyle/>
+          <a:p>
+            <a:r>
+              <a:rPr lang="en-US" dirty="0" err="1"/>
+              <a:t>IChannelIterator</a:t>
+            </a:r>
+            <a:endParaRPr lang="en-IN" dirty="0"/>
+          </a:p>
+        </p:txBody>
+      </p:sp>
+      <p:sp>
+        <p:nvSpPr>
+          <p:cNvPr id="31" name="TextBox 30">
+            <a:extLst>
+              <a:ext uri="{FF2B5EF4-FFF2-40B4-BE49-F238E27FC236}">
+                <a16:creationId xmlns:a16="http://schemas.microsoft.com/office/drawing/2014/main" id="{552942E9-366F-78F0-2DAD-ADED1C0075AD}"/>
+              </a:ext>
+            </a:extLst>
+          </p:cNvPr>
+          <p:cNvSpPr txBox="1"/>
+          <p:nvPr/>
+        </p:nvSpPr>
+        <p:spPr>
+          <a:xfrm>
+            <a:off x="3967034" y="3576301"/>
+            <a:ext cx="2357454" cy="646331"/>
+          </a:xfrm>
+          <a:prstGeom prst="rect">
+            <a:avLst/>
+          </a:prstGeom>
+          <a:noFill/>
+        </p:spPr>
+        <p:txBody>
+          <a:bodyPr wrap="square" rtlCol="0">
+            <a:spAutoFit/>
+          </a:bodyPr>
+          <a:lstStyle/>
+          <a:p>
+            <a:r>
+              <a:rPr lang="en-IN" sz="1800" dirty="0">
+                <a:solidFill>
+                  <a:srgbClr val="0000FF"/>
+                </a:solidFill>
+              </a:rPr>
+              <a:t>bool</a:t>
+            </a:r>
+            <a:r>
+              <a:rPr lang="en-IN" sz="1800" dirty="0">
+                <a:solidFill>
+                  <a:srgbClr val="000000"/>
+                </a:solidFill>
+              </a:rPr>
+              <a:t> </a:t>
+            </a:r>
+            <a:r>
+              <a:rPr lang="en-IN" sz="1800" dirty="0" err="1">
+                <a:solidFill>
+                  <a:srgbClr val="000000"/>
+                </a:solidFill>
+              </a:rPr>
+              <a:t>HasNext</a:t>
+            </a:r>
+            <a:r>
+              <a:rPr lang="en-IN" sz="1800" dirty="0">
+                <a:solidFill>
+                  <a:srgbClr val="000000"/>
+                </a:solidFill>
+              </a:rPr>
+              <a:t>();</a:t>
+            </a:r>
+          </a:p>
+          <a:p>
+            <a:r>
+              <a:rPr lang="en-IN" sz="1800" dirty="0" err="1">
+                <a:solidFill>
+                  <a:srgbClr val="000000"/>
+                </a:solidFill>
+              </a:rPr>
+              <a:t>IChannel</a:t>
+            </a:r>
+            <a:r>
+              <a:rPr lang="en-IN" sz="1800" dirty="0">
+                <a:solidFill>
+                  <a:srgbClr val="000000"/>
+                </a:solidFill>
+              </a:rPr>
+              <a:t> Next();</a:t>
+            </a:r>
+            <a:endParaRPr lang="en-US" dirty="0"/>
+          </a:p>
+        </p:txBody>
+      </p:sp>
+      <p:sp>
+        <p:nvSpPr>
+          <p:cNvPr id="32" name="Rectangle 31">
+            <a:extLst>
+              <a:ext uri="{FF2B5EF4-FFF2-40B4-BE49-F238E27FC236}">
+                <a16:creationId xmlns:a16="http://schemas.microsoft.com/office/drawing/2014/main" id="{A2F62D4B-31A0-5FB0-20ED-90F53E3C521C}"/>
+              </a:ext>
+            </a:extLst>
+          </p:cNvPr>
+          <p:cNvSpPr/>
+          <p:nvPr/>
+        </p:nvSpPr>
+        <p:spPr>
+          <a:xfrm>
+            <a:off x="3967033" y="4936108"/>
+            <a:ext cx="2698074" cy="1589760"/>
+          </a:xfrm>
+          <a:prstGeom prst="rect">
+            <a:avLst/>
+          </a:prstGeom>
+          <a:noFill/>
+          <a:ln>
+            <a:solidFill>
+              <a:schemeClr val="bg2">
+                <a:lumMod val="10000"/>
+              </a:schemeClr>
+            </a:solidFill>
+          </a:ln>
+        </p:spPr>
+        <p:style>
+          <a:lnRef idx="2">
+            <a:schemeClr val="accent1">
+              <a:shade val="50000"/>
+            </a:schemeClr>
+          </a:lnRef>
+          <a:fillRef idx="1">
+            <a:schemeClr val="accent1"/>
+          </a:fillRef>
+          <a:effectRef idx="0">
+            <a:schemeClr val="accent1"/>
+          </a:effectRef>
+          <a:fontRef idx="minor">
+            <a:schemeClr val="lt1"/>
+          </a:fontRef>
+        </p:style>
+        <p:txBody>
+          <a:bodyPr rtlCol="0" anchor="ctr"/>
+          <a:lstStyle/>
+          <a:p>
+            <a:pPr algn="ctr"/>
+            <a:endParaRPr lang="en-IN"/>
+          </a:p>
+        </p:txBody>
+      </p:sp>
+      <p:cxnSp>
+        <p:nvCxnSpPr>
+          <p:cNvPr id="33" name="Straight Connector 32">
+            <a:extLst>
+              <a:ext uri="{FF2B5EF4-FFF2-40B4-BE49-F238E27FC236}">
+                <a16:creationId xmlns:a16="http://schemas.microsoft.com/office/drawing/2014/main" id="{B096E7A7-7619-B333-2DC5-7E7DBFF0CEF7}"/>
+              </a:ext>
+            </a:extLst>
+          </p:cNvPr>
+          <p:cNvCxnSpPr>
+            <a:cxnSpLocks/>
+          </p:cNvCxnSpPr>
+          <p:nvPr/>
+        </p:nvCxnSpPr>
+        <p:spPr>
+          <a:xfrm>
+            <a:off x="3967032" y="5593447"/>
+            <a:ext cx="2698074" cy="0"/>
+          </a:xfrm>
+          <a:prstGeom prst="line">
+            <a:avLst/>
+          </a:prstGeom>
+          <a:ln>
+            <a:solidFill>
+              <a:schemeClr val="tx1">
+                <a:lumMod val="95000"/>
+                <a:lumOff val="5000"/>
+              </a:schemeClr>
+            </a:solidFill>
+          </a:ln>
+        </p:spPr>
+        <p:style>
+          <a:lnRef idx="1">
+            <a:schemeClr val="accent1"/>
+          </a:lnRef>
+          <a:fillRef idx="0">
+            <a:schemeClr val="accent1"/>
+          </a:fillRef>
+          <a:effectRef idx="0">
+            <a:schemeClr val="accent1"/>
+          </a:effectRef>
+          <a:fontRef idx="minor">
+            <a:schemeClr val="tx1"/>
+          </a:fontRef>
+        </p:style>
+      </p:cxnSp>
+      <p:sp>
+        <p:nvSpPr>
+          <p:cNvPr id="34" name="TextBox 33">
+            <a:extLst>
+              <a:ext uri="{FF2B5EF4-FFF2-40B4-BE49-F238E27FC236}">
+                <a16:creationId xmlns:a16="http://schemas.microsoft.com/office/drawing/2014/main" id="{D43B9AF2-E699-B291-6003-8A5556B36B6D}"/>
+              </a:ext>
+            </a:extLst>
+          </p:cNvPr>
+          <p:cNvSpPr txBox="1"/>
+          <p:nvPr/>
+        </p:nvSpPr>
+        <p:spPr>
+          <a:xfrm>
+            <a:off x="3967033" y="5058246"/>
+            <a:ext cx="2357454" cy="369332"/>
+          </a:xfrm>
+          <a:prstGeom prst="rect">
+            <a:avLst/>
+          </a:prstGeom>
+          <a:noFill/>
+        </p:spPr>
+        <p:txBody>
+          <a:bodyPr wrap="square" rtlCol="0">
+            <a:spAutoFit/>
+          </a:bodyPr>
+          <a:lstStyle/>
+          <a:p>
+            <a:r>
+              <a:rPr lang="en-US" dirty="0" err="1"/>
+              <a:t>ChannelIterator</a:t>
+            </a:r>
+            <a:endParaRPr lang="en-IN" dirty="0"/>
+          </a:p>
+        </p:txBody>
+      </p:sp>
+      <p:cxnSp>
+        <p:nvCxnSpPr>
+          <p:cNvPr id="36" name="Straight Arrow Connector 17">
+            <a:extLst>
+              <a:ext uri="{FF2B5EF4-FFF2-40B4-BE49-F238E27FC236}">
+                <a16:creationId xmlns:a16="http://schemas.microsoft.com/office/drawing/2014/main" id="{85E5CBFE-26C3-4653-A279-50BCFE31D007}"/>
+              </a:ext>
+            </a:extLst>
+          </p:cNvPr>
+          <p:cNvCxnSpPr>
+            <a:cxnSpLocks/>
+            <a:stCxn id="32" idx="0"/>
+            <a:endCxn id="28" idx="2"/>
+          </p:cNvCxnSpPr>
+          <p:nvPr/>
+        </p:nvCxnSpPr>
+        <p:spPr>
+          <a:xfrm rot="5400000" flipH="1" flipV="1">
+            <a:off x="5017035" y="4637073"/>
+            <a:ext cx="598071" cy="1"/>
+          </a:xfrm>
+          <a:prstGeom prst="bentConnector3">
+            <a:avLst>
+              <a:gd name="adj1" fmla="val 50000"/>
+            </a:avLst>
+          </a:prstGeom>
+          <a:ln>
+            <a:tailEnd type="triangle"/>
+          </a:ln>
+        </p:spPr>
+        <p:style>
+          <a:lnRef idx="1">
+            <a:schemeClr val="dk1"/>
+          </a:lnRef>
+          <a:fillRef idx="0">
+            <a:schemeClr val="dk1"/>
+          </a:fillRef>
+          <a:effectRef idx="0">
+            <a:schemeClr val="dk1"/>
+          </a:effectRef>
+          <a:fontRef idx="minor">
+            <a:schemeClr val="tx1"/>
+          </a:fontRef>
+        </p:style>
+      </p:cxnSp>
+      <p:sp>
+        <p:nvSpPr>
+          <p:cNvPr id="37" name="TextBox 36">
+            <a:extLst>
+              <a:ext uri="{FF2B5EF4-FFF2-40B4-BE49-F238E27FC236}">
+                <a16:creationId xmlns:a16="http://schemas.microsoft.com/office/drawing/2014/main" id="{C70541D0-C544-0241-EFBB-3A7D183D5BA4}"/>
+              </a:ext>
+            </a:extLst>
+          </p:cNvPr>
+          <p:cNvSpPr txBox="1"/>
+          <p:nvPr/>
+        </p:nvSpPr>
+        <p:spPr>
+          <a:xfrm>
+            <a:off x="301378" y="4562158"/>
+            <a:ext cx="2357454" cy="923330"/>
+          </a:xfrm>
+          <a:prstGeom prst="rect">
+            <a:avLst/>
+          </a:prstGeom>
+          <a:noFill/>
+        </p:spPr>
+        <p:txBody>
+          <a:bodyPr wrap="square" rtlCol="0">
+            <a:spAutoFit/>
+          </a:bodyPr>
+          <a:lstStyle/>
+          <a:p>
+            <a:r>
+              <a:rPr lang="en-US" dirty="0"/>
+              <a:t>double Frequency</a:t>
+            </a:r>
+          </a:p>
+          <a:p>
+            <a:r>
+              <a:rPr lang="en-US" dirty="0" err="1"/>
+              <a:t>ChannelType</a:t>
+            </a:r>
+            <a:r>
+              <a:rPr lang="en-US" dirty="0"/>
+              <a:t> Type</a:t>
+            </a:r>
+          </a:p>
+          <a:p>
+            <a:endParaRPr lang="en-US" dirty="0"/>
+          </a:p>
+        </p:txBody>
+      </p:sp>
+      <p:sp>
+        <p:nvSpPr>
+          <p:cNvPr id="38" name="TextBox 37">
+            <a:extLst>
+              <a:ext uri="{FF2B5EF4-FFF2-40B4-BE49-F238E27FC236}">
+                <a16:creationId xmlns:a16="http://schemas.microsoft.com/office/drawing/2014/main" id="{71E92CCD-0824-FBB5-5B9F-105E186BDD5E}"/>
+              </a:ext>
+            </a:extLst>
+          </p:cNvPr>
+          <p:cNvSpPr txBox="1"/>
+          <p:nvPr/>
+        </p:nvSpPr>
+        <p:spPr>
+          <a:xfrm>
+            <a:off x="3989201" y="5795858"/>
+            <a:ext cx="2357454" cy="646331"/>
+          </a:xfrm>
+          <a:prstGeom prst="rect">
+            <a:avLst/>
+          </a:prstGeom>
+          <a:noFill/>
+        </p:spPr>
+        <p:txBody>
+          <a:bodyPr wrap="square" rtlCol="0">
+            <a:spAutoFit/>
+          </a:bodyPr>
+          <a:lstStyle/>
+          <a:p>
+            <a:r>
+              <a:rPr lang="en-IN" sz="1800" dirty="0">
+                <a:solidFill>
+                  <a:srgbClr val="0000FF"/>
+                </a:solidFill>
+              </a:rPr>
+              <a:t>bool</a:t>
+            </a:r>
+            <a:r>
+              <a:rPr lang="en-IN" sz="1800" dirty="0">
+                <a:solidFill>
+                  <a:srgbClr val="000000"/>
+                </a:solidFill>
+              </a:rPr>
+              <a:t> </a:t>
+            </a:r>
+            <a:r>
+              <a:rPr lang="en-IN" sz="1800" dirty="0" err="1">
+                <a:solidFill>
+                  <a:srgbClr val="000000"/>
+                </a:solidFill>
+              </a:rPr>
+              <a:t>HasNext</a:t>
+            </a:r>
+            <a:r>
+              <a:rPr lang="en-IN" sz="1800" dirty="0">
+                <a:solidFill>
+                  <a:srgbClr val="000000"/>
+                </a:solidFill>
+              </a:rPr>
+              <a:t>(){}</a:t>
+            </a:r>
+          </a:p>
+          <a:p>
+            <a:r>
+              <a:rPr lang="en-IN" sz="1800" dirty="0" err="1">
+                <a:solidFill>
+                  <a:srgbClr val="000000"/>
+                </a:solidFill>
+              </a:rPr>
+              <a:t>IChannel</a:t>
+            </a:r>
+            <a:r>
+              <a:rPr lang="en-IN" sz="1800" dirty="0">
+                <a:solidFill>
+                  <a:srgbClr val="000000"/>
+                </a:solidFill>
+              </a:rPr>
+              <a:t> Next(){}</a:t>
+            </a:r>
+            <a:endParaRPr lang="en-US" dirty="0"/>
+          </a:p>
+        </p:txBody>
+      </p:sp>
+      <p:sp>
+        <p:nvSpPr>
+          <p:cNvPr id="40" name="Rectangle 39">
+            <a:extLst>
+              <a:ext uri="{FF2B5EF4-FFF2-40B4-BE49-F238E27FC236}">
+                <a16:creationId xmlns:a16="http://schemas.microsoft.com/office/drawing/2014/main" id="{CB7DFC6B-F1E2-34A9-9AE8-87DFBB1799DF}"/>
+              </a:ext>
+            </a:extLst>
+          </p:cNvPr>
+          <p:cNvSpPr/>
+          <p:nvPr/>
+        </p:nvSpPr>
+        <p:spPr>
+          <a:xfrm>
+            <a:off x="7801383" y="1312452"/>
+            <a:ext cx="4035395" cy="2313286"/>
+          </a:xfrm>
+          <a:prstGeom prst="rect">
+            <a:avLst/>
+          </a:prstGeom>
+          <a:noFill/>
+          <a:ln>
+            <a:solidFill>
+              <a:schemeClr val="bg2">
+                <a:lumMod val="10000"/>
+              </a:schemeClr>
+            </a:solidFill>
+          </a:ln>
+        </p:spPr>
+        <p:style>
+          <a:lnRef idx="2">
+            <a:schemeClr val="accent1">
+              <a:shade val="50000"/>
+            </a:schemeClr>
+          </a:lnRef>
+          <a:fillRef idx="1">
+            <a:schemeClr val="accent1"/>
+          </a:fillRef>
+          <a:effectRef idx="0">
+            <a:schemeClr val="accent1"/>
+          </a:effectRef>
+          <a:fontRef idx="minor">
+            <a:schemeClr val="lt1"/>
+          </a:fontRef>
+        </p:style>
+        <p:txBody>
+          <a:bodyPr rtlCol="0" anchor="ctr"/>
+          <a:lstStyle/>
+          <a:p>
+            <a:pPr algn="ctr"/>
+            <a:endParaRPr lang="en-IN"/>
+          </a:p>
+        </p:txBody>
+      </p:sp>
+      <p:cxnSp>
+        <p:nvCxnSpPr>
+          <p:cNvPr id="41" name="Straight Connector 40">
+            <a:extLst>
+              <a:ext uri="{FF2B5EF4-FFF2-40B4-BE49-F238E27FC236}">
+                <a16:creationId xmlns:a16="http://schemas.microsoft.com/office/drawing/2014/main" id="{18106D3F-AE0D-D0F6-8A03-227B666BCAA2}"/>
+              </a:ext>
+            </a:extLst>
+          </p:cNvPr>
+          <p:cNvCxnSpPr>
+            <a:cxnSpLocks/>
+            <a:stCxn id="44" idx="0"/>
+            <a:endCxn id="44" idx="0"/>
+          </p:cNvCxnSpPr>
+          <p:nvPr/>
+        </p:nvCxnSpPr>
+        <p:spPr>
+          <a:xfrm>
+            <a:off x="9819082" y="4287169"/>
+            <a:ext cx="0" cy="0"/>
+          </a:xfrm>
+          <a:prstGeom prst="line">
+            <a:avLst/>
+          </a:prstGeom>
+          <a:ln>
+            <a:solidFill>
+              <a:schemeClr val="tx1">
+                <a:lumMod val="95000"/>
+                <a:lumOff val="5000"/>
+              </a:schemeClr>
+            </a:solidFill>
+          </a:ln>
+        </p:spPr>
+        <p:style>
+          <a:lnRef idx="1">
+            <a:schemeClr val="accent1"/>
+          </a:lnRef>
+          <a:fillRef idx="0">
+            <a:schemeClr val="accent1"/>
+          </a:fillRef>
+          <a:effectRef idx="0">
+            <a:schemeClr val="accent1"/>
+          </a:effectRef>
+          <a:fontRef idx="minor">
+            <a:schemeClr val="tx1"/>
+          </a:fontRef>
+        </p:style>
+      </p:cxnSp>
+      <p:sp>
+        <p:nvSpPr>
+          <p:cNvPr id="42" name="TextBox 41">
+            <a:extLst>
+              <a:ext uri="{FF2B5EF4-FFF2-40B4-BE49-F238E27FC236}">
+                <a16:creationId xmlns:a16="http://schemas.microsoft.com/office/drawing/2014/main" id="{BC5D6DA4-21B9-E7A5-903F-3502E6C166D9}"/>
+              </a:ext>
+            </a:extLst>
+          </p:cNvPr>
+          <p:cNvSpPr txBox="1"/>
+          <p:nvPr/>
+        </p:nvSpPr>
+        <p:spPr>
+          <a:xfrm>
+            <a:off x="7801384" y="1434589"/>
+            <a:ext cx="3525944" cy="369332"/>
+          </a:xfrm>
+          <a:prstGeom prst="rect">
+            <a:avLst/>
+          </a:prstGeom>
+          <a:noFill/>
+        </p:spPr>
+        <p:txBody>
+          <a:bodyPr wrap="square" rtlCol="0">
+            <a:spAutoFit/>
+          </a:bodyPr>
+          <a:lstStyle/>
+          <a:p>
+            <a:r>
+              <a:rPr lang="en-US" dirty="0" err="1"/>
+              <a:t>IChannelCollection</a:t>
+            </a:r>
+            <a:endParaRPr lang="en-IN" dirty="0"/>
+          </a:p>
+        </p:txBody>
+      </p:sp>
+      <p:sp>
+        <p:nvSpPr>
+          <p:cNvPr id="43" name="TextBox 42">
+            <a:extLst>
+              <a:ext uri="{FF2B5EF4-FFF2-40B4-BE49-F238E27FC236}">
+                <a16:creationId xmlns:a16="http://schemas.microsoft.com/office/drawing/2014/main" id="{88735EF3-B78D-BC97-7411-327B48DA0666}"/>
+              </a:ext>
+            </a:extLst>
+          </p:cNvPr>
+          <p:cNvSpPr txBox="1"/>
+          <p:nvPr/>
+        </p:nvSpPr>
+        <p:spPr>
+          <a:xfrm>
+            <a:off x="7764485" y="2484677"/>
+            <a:ext cx="4298441" cy="923330"/>
+          </a:xfrm>
+          <a:prstGeom prst="rect">
+            <a:avLst/>
+          </a:prstGeom>
+          <a:noFill/>
+        </p:spPr>
+        <p:txBody>
+          <a:bodyPr wrap="square" rtlCol="0">
+            <a:spAutoFit/>
+          </a:bodyPr>
+          <a:lstStyle/>
+          <a:p>
+            <a:r>
+              <a:rPr lang="en-IN" sz="1800" dirty="0">
+                <a:solidFill>
+                  <a:srgbClr val="0000FF"/>
+                </a:solidFill>
+              </a:rPr>
+              <a:t>void</a:t>
+            </a:r>
+            <a:r>
+              <a:rPr lang="en-IN" sz="1800" dirty="0">
+                <a:solidFill>
+                  <a:srgbClr val="000000"/>
+                </a:solidFill>
+              </a:rPr>
+              <a:t> </a:t>
+            </a:r>
+            <a:r>
+              <a:rPr lang="en-IN" sz="1800" dirty="0" err="1">
+                <a:solidFill>
+                  <a:srgbClr val="000000"/>
+                </a:solidFill>
+              </a:rPr>
+              <a:t>AddChannel</a:t>
+            </a:r>
+            <a:r>
+              <a:rPr lang="en-IN" sz="1800" dirty="0">
+                <a:solidFill>
+                  <a:srgbClr val="000000"/>
+                </a:solidFill>
+              </a:rPr>
+              <a:t>(</a:t>
+            </a:r>
+            <a:r>
+              <a:rPr lang="en-IN" sz="1800" dirty="0" err="1">
+                <a:solidFill>
+                  <a:srgbClr val="000000"/>
+                </a:solidFill>
+              </a:rPr>
+              <a:t>IChannel</a:t>
+            </a:r>
+            <a:r>
+              <a:rPr lang="en-IN" sz="1800" dirty="0">
+                <a:solidFill>
+                  <a:srgbClr val="000000"/>
+                </a:solidFill>
+              </a:rPr>
+              <a:t> channel);</a:t>
+            </a:r>
+          </a:p>
+          <a:p>
+            <a:r>
+              <a:rPr lang="en-IN" sz="1800" dirty="0">
+                <a:solidFill>
+                  <a:srgbClr val="000000"/>
+                </a:solidFill>
+              </a:rPr>
+              <a:t> </a:t>
+            </a:r>
+            <a:r>
+              <a:rPr lang="en-IN" sz="1800" dirty="0">
+                <a:solidFill>
+                  <a:srgbClr val="0000FF"/>
+                </a:solidFill>
+              </a:rPr>
+              <a:t>void</a:t>
+            </a:r>
+            <a:r>
+              <a:rPr lang="en-IN" sz="1800" dirty="0">
+                <a:solidFill>
+                  <a:srgbClr val="000000"/>
+                </a:solidFill>
+              </a:rPr>
+              <a:t> </a:t>
+            </a:r>
+            <a:r>
+              <a:rPr lang="en-IN" sz="1800" dirty="0" err="1">
+                <a:solidFill>
+                  <a:srgbClr val="000000"/>
+                </a:solidFill>
+              </a:rPr>
+              <a:t>RemoveChannel</a:t>
+            </a:r>
+            <a:r>
+              <a:rPr lang="en-IN" sz="1800" dirty="0">
+                <a:solidFill>
+                  <a:srgbClr val="000000"/>
+                </a:solidFill>
+              </a:rPr>
+              <a:t>(</a:t>
+            </a:r>
+            <a:r>
+              <a:rPr lang="en-IN" sz="1800" dirty="0" err="1">
+                <a:solidFill>
+                  <a:srgbClr val="000000"/>
+                </a:solidFill>
+              </a:rPr>
+              <a:t>IChannel</a:t>
+            </a:r>
+            <a:r>
+              <a:rPr lang="en-IN" sz="1800" dirty="0">
+                <a:solidFill>
+                  <a:srgbClr val="000000"/>
+                </a:solidFill>
+              </a:rPr>
+              <a:t> channel);</a:t>
+            </a:r>
+          </a:p>
+          <a:p>
+            <a:r>
+              <a:rPr lang="en-IN" sz="1800" dirty="0">
+                <a:solidFill>
+                  <a:srgbClr val="000000"/>
+                </a:solidFill>
+              </a:rPr>
+              <a:t> </a:t>
+            </a:r>
+            <a:r>
+              <a:rPr lang="en-IN" sz="1800" dirty="0" err="1">
+                <a:solidFill>
+                  <a:srgbClr val="000000"/>
+                </a:solidFill>
+              </a:rPr>
+              <a:t>IChannelIterator</a:t>
+            </a:r>
+            <a:r>
+              <a:rPr lang="en-IN" sz="1800" dirty="0">
+                <a:solidFill>
+                  <a:srgbClr val="000000"/>
+                </a:solidFill>
+              </a:rPr>
+              <a:t> </a:t>
+            </a:r>
+            <a:r>
+              <a:rPr lang="en-IN" sz="1800" dirty="0" err="1">
+                <a:solidFill>
+                  <a:srgbClr val="000000"/>
+                </a:solidFill>
+              </a:rPr>
+              <a:t>GetIterator</a:t>
+            </a:r>
+            <a:r>
+              <a:rPr lang="en-IN" sz="1800" dirty="0">
+                <a:solidFill>
+                  <a:srgbClr val="000000"/>
+                </a:solidFill>
+              </a:rPr>
+              <a:t>();</a:t>
+            </a:r>
+            <a:endParaRPr lang="en-US" dirty="0"/>
+          </a:p>
+        </p:txBody>
+      </p:sp>
+      <p:sp>
+        <p:nvSpPr>
+          <p:cNvPr id="44" name="Rectangle 43">
+            <a:extLst>
+              <a:ext uri="{FF2B5EF4-FFF2-40B4-BE49-F238E27FC236}">
+                <a16:creationId xmlns:a16="http://schemas.microsoft.com/office/drawing/2014/main" id="{8DC80006-28A1-2555-8218-27BDC0640814}"/>
+              </a:ext>
+            </a:extLst>
+          </p:cNvPr>
+          <p:cNvSpPr/>
+          <p:nvPr/>
+        </p:nvSpPr>
+        <p:spPr>
+          <a:xfrm>
+            <a:off x="7801384" y="4287169"/>
+            <a:ext cx="4035395" cy="2313286"/>
+          </a:xfrm>
+          <a:prstGeom prst="rect">
+            <a:avLst/>
+          </a:prstGeom>
+          <a:noFill/>
+          <a:ln>
+            <a:solidFill>
+              <a:schemeClr val="bg2">
+                <a:lumMod val="10000"/>
+              </a:schemeClr>
+            </a:solidFill>
+          </a:ln>
+        </p:spPr>
+        <p:style>
+          <a:lnRef idx="2">
+            <a:schemeClr val="accent1">
+              <a:shade val="50000"/>
+            </a:schemeClr>
+          </a:lnRef>
+          <a:fillRef idx="1">
+            <a:schemeClr val="accent1"/>
+          </a:fillRef>
+          <a:effectRef idx="0">
+            <a:schemeClr val="accent1"/>
+          </a:effectRef>
+          <a:fontRef idx="minor">
+            <a:schemeClr val="lt1"/>
+          </a:fontRef>
+        </p:style>
+        <p:txBody>
+          <a:bodyPr rtlCol="0" anchor="ctr"/>
+          <a:lstStyle/>
+          <a:p>
+            <a:pPr algn="ctr"/>
+            <a:endParaRPr lang="en-IN"/>
+          </a:p>
+        </p:txBody>
+      </p:sp>
+      <p:cxnSp>
+        <p:nvCxnSpPr>
+          <p:cNvPr id="45" name="Straight Connector 44">
+            <a:extLst>
+              <a:ext uri="{FF2B5EF4-FFF2-40B4-BE49-F238E27FC236}">
+                <a16:creationId xmlns:a16="http://schemas.microsoft.com/office/drawing/2014/main" id="{957222ED-C6AE-052E-5236-5835B442657C}"/>
+              </a:ext>
+            </a:extLst>
+          </p:cNvPr>
+          <p:cNvCxnSpPr>
+            <a:cxnSpLocks/>
+          </p:cNvCxnSpPr>
+          <p:nvPr/>
+        </p:nvCxnSpPr>
+        <p:spPr>
+          <a:xfrm>
+            <a:off x="7801384" y="4944508"/>
+            <a:ext cx="4035395" cy="0"/>
+          </a:xfrm>
+          <a:prstGeom prst="line">
+            <a:avLst/>
+          </a:prstGeom>
+          <a:ln>
+            <a:solidFill>
+              <a:schemeClr val="tx1">
+                <a:lumMod val="95000"/>
+                <a:lumOff val="5000"/>
+              </a:schemeClr>
+            </a:solidFill>
+          </a:ln>
+        </p:spPr>
+        <p:style>
+          <a:lnRef idx="1">
+            <a:schemeClr val="accent1"/>
+          </a:lnRef>
+          <a:fillRef idx="0">
+            <a:schemeClr val="accent1"/>
+          </a:fillRef>
+          <a:effectRef idx="0">
+            <a:schemeClr val="accent1"/>
+          </a:effectRef>
+          <a:fontRef idx="minor">
+            <a:schemeClr val="tx1"/>
+          </a:fontRef>
+        </p:style>
+      </p:cxnSp>
+      <p:sp>
+        <p:nvSpPr>
+          <p:cNvPr id="46" name="TextBox 45">
+            <a:extLst>
+              <a:ext uri="{FF2B5EF4-FFF2-40B4-BE49-F238E27FC236}">
+                <a16:creationId xmlns:a16="http://schemas.microsoft.com/office/drawing/2014/main" id="{1D5081E7-0228-D769-6878-DDBC631BEEC4}"/>
+              </a:ext>
+            </a:extLst>
+          </p:cNvPr>
+          <p:cNvSpPr txBox="1"/>
+          <p:nvPr/>
+        </p:nvSpPr>
+        <p:spPr>
+          <a:xfrm>
+            <a:off x="7801385" y="4409306"/>
+            <a:ext cx="3525944" cy="369332"/>
+          </a:xfrm>
+          <a:prstGeom prst="rect">
+            <a:avLst/>
+          </a:prstGeom>
+          <a:noFill/>
+        </p:spPr>
+        <p:txBody>
+          <a:bodyPr wrap="square" rtlCol="0">
+            <a:spAutoFit/>
+          </a:bodyPr>
+          <a:lstStyle/>
+          <a:p>
+            <a:r>
+              <a:rPr lang="en-US" dirty="0" err="1"/>
+              <a:t>ChannelCollection</a:t>
+            </a:r>
+            <a:endParaRPr lang="en-IN" dirty="0"/>
+          </a:p>
+        </p:txBody>
+      </p:sp>
+      <p:sp>
+        <p:nvSpPr>
+          <p:cNvPr id="51" name="TextBox 50">
+            <a:extLst>
+              <a:ext uri="{FF2B5EF4-FFF2-40B4-BE49-F238E27FC236}">
+                <a16:creationId xmlns:a16="http://schemas.microsoft.com/office/drawing/2014/main" id="{D7679119-AA57-1BBB-3956-CC31B0A92DA1}"/>
+              </a:ext>
+            </a:extLst>
+          </p:cNvPr>
+          <p:cNvSpPr txBox="1"/>
+          <p:nvPr/>
+        </p:nvSpPr>
+        <p:spPr>
+          <a:xfrm>
+            <a:off x="7782870" y="5298395"/>
+            <a:ext cx="4298441" cy="923330"/>
+          </a:xfrm>
+          <a:prstGeom prst="rect">
+            <a:avLst/>
+          </a:prstGeom>
+          <a:noFill/>
+        </p:spPr>
+        <p:txBody>
+          <a:bodyPr wrap="square" rtlCol="0">
+            <a:spAutoFit/>
+          </a:bodyPr>
+          <a:lstStyle/>
+          <a:p>
+            <a:r>
+              <a:rPr lang="en-IN" sz="1800" dirty="0">
+                <a:solidFill>
+                  <a:srgbClr val="0000FF"/>
+                </a:solidFill>
+              </a:rPr>
+              <a:t>void</a:t>
+            </a:r>
+            <a:r>
+              <a:rPr lang="en-IN" sz="1800" dirty="0">
+                <a:solidFill>
+                  <a:srgbClr val="000000"/>
+                </a:solidFill>
+              </a:rPr>
+              <a:t> </a:t>
+            </a:r>
+            <a:r>
+              <a:rPr lang="en-IN" sz="1800" dirty="0" err="1">
+                <a:solidFill>
+                  <a:srgbClr val="000000"/>
+                </a:solidFill>
+              </a:rPr>
+              <a:t>AddChannel</a:t>
+            </a:r>
+            <a:r>
+              <a:rPr lang="en-IN" sz="1800" dirty="0">
+                <a:solidFill>
+                  <a:srgbClr val="000000"/>
+                </a:solidFill>
+              </a:rPr>
+              <a:t>(</a:t>
+            </a:r>
+            <a:r>
+              <a:rPr lang="en-IN" sz="1800" dirty="0" err="1">
+                <a:solidFill>
+                  <a:srgbClr val="000000"/>
+                </a:solidFill>
+              </a:rPr>
+              <a:t>IChannel</a:t>
+            </a:r>
+            <a:r>
+              <a:rPr lang="en-IN" sz="1800" dirty="0">
+                <a:solidFill>
+                  <a:srgbClr val="000000"/>
+                </a:solidFill>
+              </a:rPr>
+              <a:t> channel){}</a:t>
+            </a:r>
+          </a:p>
+          <a:p>
+            <a:r>
+              <a:rPr lang="en-IN" sz="1800" dirty="0">
+                <a:solidFill>
+                  <a:srgbClr val="000000"/>
+                </a:solidFill>
+              </a:rPr>
+              <a:t> </a:t>
+            </a:r>
+            <a:r>
+              <a:rPr lang="en-IN" sz="1800" dirty="0">
+                <a:solidFill>
+                  <a:srgbClr val="0000FF"/>
+                </a:solidFill>
+              </a:rPr>
+              <a:t>void</a:t>
+            </a:r>
+            <a:r>
+              <a:rPr lang="en-IN" sz="1800" dirty="0">
+                <a:solidFill>
+                  <a:srgbClr val="000000"/>
+                </a:solidFill>
+              </a:rPr>
+              <a:t> </a:t>
+            </a:r>
+            <a:r>
+              <a:rPr lang="en-IN" sz="1800" dirty="0" err="1">
+                <a:solidFill>
+                  <a:srgbClr val="000000"/>
+                </a:solidFill>
+              </a:rPr>
+              <a:t>RemoveChannel</a:t>
+            </a:r>
+            <a:r>
+              <a:rPr lang="en-IN" sz="1800" dirty="0">
+                <a:solidFill>
+                  <a:srgbClr val="000000"/>
+                </a:solidFill>
+              </a:rPr>
+              <a:t>(</a:t>
+            </a:r>
+            <a:r>
+              <a:rPr lang="en-IN" sz="1800" dirty="0" err="1">
+                <a:solidFill>
+                  <a:srgbClr val="000000"/>
+                </a:solidFill>
+              </a:rPr>
+              <a:t>IChannel</a:t>
+            </a:r>
+            <a:r>
+              <a:rPr lang="en-IN" sz="1800" dirty="0">
+                <a:solidFill>
+                  <a:srgbClr val="000000"/>
+                </a:solidFill>
+              </a:rPr>
+              <a:t> channel){}</a:t>
+            </a:r>
+          </a:p>
+          <a:p>
+            <a:r>
+              <a:rPr lang="en-IN" sz="1800" dirty="0">
+                <a:solidFill>
+                  <a:srgbClr val="000000"/>
+                </a:solidFill>
+              </a:rPr>
+              <a:t> </a:t>
+            </a:r>
+            <a:r>
+              <a:rPr lang="en-IN" sz="1800" dirty="0" err="1">
+                <a:solidFill>
+                  <a:srgbClr val="000000"/>
+                </a:solidFill>
+              </a:rPr>
+              <a:t>IChannelIterator</a:t>
+            </a:r>
+            <a:r>
+              <a:rPr lang="en-IN" sz="1800" dirty="0">
+                <a:solidFill>
+                  <a:srgbClr val="000000"/>
+                </a:solidFill>
+              </a:rPr>
+              <a:t> </a:t>
+            </a:r>
+            <a:r>
+              <a:rPr lang="en-IN" sz="1800" dirty="0" err="1">
+                <a:solidFill>
+                  <a:srgbClr val="000000"/>
+                </a:solidFill>
+              </a:rPr>
+              <a:t>GetIterator</a:t>
+            </a:r>
+            <a:r>
+              <a:rPr lang="en-IN" sz="1800" dirty="0">
+                <a:solidFill>
+                  <a:srgbClr val="000000"/>
+                </a:solidFill>
+              </a:rPr>
+              <a:t>(){}</a:t>
+            </a:r>
+            <a:endParaRPr lang="en-US" dirty="0"/>
+          </a:p>
+        </p:txBody>
+      </p:sp>
+      <p:cxnSp>
+        <p:nvCxnSpPr>
+          <p:cNvPr id="57" name="Straight Connector 56">
+            <a:extLst>
+              <a:ext uri="{FF2B5EF4-FFF2-40B4-BE49-F238E27FC236}">
+                <a16:creationId xmlns:a16="http://schemas.microsoft.com/office/drawing/2014/main" id="{FF91ABD4-8632-2392-42F2-77B1D9A844C0}"/>
+              </a:ext>
+            </a:extLst>
+          </p:cNvPr>
+          <p:cNvCxnSpPr>
+            <a:cxnSpLocks/>
+          </p:cNvCxnSpPr>
+          <p:nvPr/>
+        </p:nvCxnSpPr>
+        <p:spPr>
+          <a:xfrm>
+            <a:off x="7801383" y="1937509"/>
+            <a:ext cx="4035395" cy="0"/>
+          </a:xfrm>
+          <a:prstGeom prst="line">
+            <a:avLst/>
+          </a:prstGeom>
+          <a:ln>
+            <a:solidFill>
+              <a:schemeClr val="tx1">
+                <a:lumMod val="95000"/>
+                <a:lumOff val="5000"/>
+              </a:schemeClr>
+            </a:solidFill>
+          </a:ln>
+        </p:spPr>
+        <p:style>
+          <a:lnRef idx="1">
+            <a:schemeClr val="accent1"/>
+          </a:lnRef>
+          <a:fillRef idx="0">
+            <a:schemeClr val="accent1"/>
+          </a:fillRef>
+          <a:effectRef idx="0">
+            <a:schemeClr val="accent1"/>
+          </a:effectRef>
+          <a:fontRef idx="minor">
+            <a:schemeClr val="tx1"/>
+          </a:fontRef>
+        </p:style>
+      </p:cxnSp>
+      <p:sp>
+        <p:nvSpPr>
+          <p:cNvPr id="63" name="Rectangle 62">
+            <a:extLst>
+              <a:ext uri="{FF2B5EF4-FFF2-40B4-BE49-F238E27FC236}">
+                <a16:creationId xmlns:a16="http://schemas.microsoft.com/office/drawing/2014/main" id="{9EA797B9-0A6A-BA43-39B6-B76E20DECECA}"/>
+              </a:ext>
+            </a:extLst>
+          </p:cNvPr>
+          <p:cNvSpPr/>
+          <p:nvPr/>
+        </p:nvSpPr>
+        <p:spPr>
+          <a:xfrm>
+            <a:off x="3917767" y="235082"/>
+            <a:ext cx="3059229" cy="1686810"/>
+          </a:xfrm>
+          <a:prstGeom prst="rect">
+            <a:avLst/>
+          </a:prstGeom>
+          <a:noFill/>
+          <a:ln>
+            <a:solidFill>
+              <a:schemeClr val="bg2">
+                <a:lumMod val="10000"/>
+              </a:schemeClr>
+            </a:solidFill>
+          </a:ln>
+        </p:spPr>
+        <p:style>
+          <a:lnRef idx="2">
+            <a:schemeClr val="accent1">
+              <a:shade val="50000"/>
+            </a:schemeClr>
+          </a:lnRef>
+          <a:fillRef idx="1">
+            <a:schemeClr val="accent1"/>
+          </a:fillRef>
+          <a:effectRef idx="0">
+            <a:schemeClr val="accent1"/>
+          </a:effectRef>
+          <a:fontRef idx="minor">
+            <a:schemeClr val="lt1"/>
+          </a:fontRef>
+        </p:style>
+        <p:txBody>
+          <a:bodyPr rtlCol="0" anchor="ctr"/>
+          <a:lstStyle/>
+          <a:p>
+            <a:pPr algn="ctr"/>
+            <a:endParaRPr lang="en-IN"/>
+          </a:p>
+        </p:txBody>
+      </p:sp>
+      <p:cxnSp>
+        <p:nvCxnSpPr>
+          <p:cNvPr id="64" name="Straight Connector 63">
+            <a:extLst>
+              <a:ext uri="{FF2B5EF4-FFF2-40B4-BE49-F238E27FC236}">
+                <a16:creationId xmlns:a16="http://schemas.microsoft.com/office/drawing/2014/main" id="{609A61A1-6F35-BE9E-5B15-2EA6B7FDC97A}"/>
+              </a:ext>
+            </a:extLst>
+          </p:cNvPr>
+          <p:cNvCxnSpPr>
+            <a:cxnSpLocks/>
+          </p:cNvCxnSpPr>
+          <p:nvPr/>
+        </p:nvCxnSpPr>
+        <p:spPr>
+          <a:xfrm>
+            <a:off x="3917767" y="892421"/>
+            <a:ext cx="3059229" cy="0"/>
+          </a:xfrm>
+          <a:prstGeom prst="line">
+            <a:avLst/>
+          </a:prstGeom>
+          <a:ln>
+            <a:solidFill>
+              <a:schemeClr val="tx1">
+                <a:lumMod val="95000"/>
+                <a:lumOff val="5000"/>
+              </a:schemeClr>
+            </a:solidFill>
+          </a:ln>
+        </p:spPr>
+        <p:style>
+          <a:lnRef idx="1">
+            <a:schemeClr val="accent1"/>
+          </a:lnRef>
+          <a:fillRef idx="0">
+            <a:schemeClr val="accent1"/>
+          </a:fillRef>
+          <a:effectRef idx="0">
+            <a:schemeClr val="accent1"/>
+          </a:effectRef>
+          <a:fontRef idx="minor">
+            <a:schemeClr val="tx1"/>
+          </a:fontRef>
+        </p:style>
+      </p:cxnSp>
+      <p:sp>
+        <p:nvSpPr>
+          <p:cNvPr id="65" name="TextBox 64">
+            <a:extLst>
+              <a:ext uri="{FF2B5EF4-FFF2-40B4-BE49-F238E27FC236}">
+                <a16:creationId xmlns:a16="http://schemas.microsoft.com/office/drawing/2014/main" id="{178EBD23-7FF3-17B7-8889-07A82C590647}"/>
+              </a:ext>
+            </a:extLst>
+          </p:cNvPr>
+          <p:cNvSpPr txBox="1"/>
+          <p:nvPr/>
+        </p:nvSpPr>
+        <p:spPr>
+          <a:xfrm>
+            <a:off x="3917767" y="357220"/>
+            <a:ext cx="2673015" cy="369332"/>
+          </a:xfrm>
+          <a:prstGeom prst="rect">
+            <a:avLst/>
+          </a:prstGeom>
+          <a:noFill/>
+        </p:spPr>
+        <p:txBody>
+          <a:bodyPr wrap="square" rtlCol="0">
+            <a:spAutoFit/>
+          </a:bodyPr>
+          <a:lstStyle/>
+          <a:p>
+            <a:r>
+              <a:rPr lang="en-US" dirty="0" err="1"/>
+              <a:t>ChannelType</a:t>
+            </a:r>
+            <a:endParaRPr lang="en-IN" dirty="0"/>
+          </a:p>
+        </p:txBody>
+      </p:sp>
+      <p:sp>
+        <p:nvSpPr>
+          <p:cNvPr id="66" name="TextBox 65">
+            <a:extLst>
+              <a:ext uri="{FF2B5EF4-FFF2-40B4-BE49-F238E27FC236}">
+                <a16:creationId xmlns:a16="http://schemas.microsoft.com/office/drawing/2014/main" id="{EE6A8030-B907-FA56-1376-7FFF37B448FA}"/>
+              </a:ext>
+            </a:extLst>
+          </p:cNvPr>
+          <p:cNvSpPr txBox="1"/>
+          <p:nvPr/>
+        </p:nvSpPr>
+        <p:spPr>
+          <a:xfrm>
+            <a:off x="3895596" y="1014607"/>
+            <a:ext cx="2720246" cy="923330"/>
+          </a:xfrm>
+          <a:prstGeom prst="rect">
+            <a:avLst/>
+          </a:prstGeom>
+          <a:noFill/>
+        </p:spPr>
+        <p:txBody>
+          <a:bodyPr wrap="square" rtlCol="0">
+            <a:spAutoFit/>
+          </a:bodyPr>
+          <a:lstStyle/>
+          <a:p>
+            <a:r>
+              <a:rPr lang="en-IN" dirty="0">
+                <a:solidFill>
+                  <a:srgbClr val="0000FF"/>
+                </a:solidFill>
+              </a:rPr>
+              <a:t>News,</a:t>
+            </a:r>
+          </a:p>
+          <a:p>
+            <a:r>
+              <a:rPr lang="en-IN" dirty="0">
+                <a:solidFill>
+                  <a:srgbClr val="0000FF"/>
+                </a:solidFill>
+              </a:rPr>
+              <a:t>Sports,</a:t>
+            </a:r>
+          </a:p>
+          <a:p>
+            <a:r>
+              <a:rPr lang="en-IN" dirty="0">
+                <a:solidFill>
+                  <a:srgbClr val="0000FF"/>
+                </a:solidFill>
+              </a:rPr>
+              <a:t>Movies</a:t>
+            </a:r>
+            <a:endParaRPr lang="en-US" dirty="0">
+              <a:solidFill>
+                <a:schemeClr val="bg2">
+                  <a:lumMod val="10000"/>
+                </a:schemeClr>
+              </a:solidFill>
+            </a:endParaRPr>
+          </a:p>
+        </p:txBody>
+      </p:sp>
+      <p:cxnSp>
+        <p:nvCxnSpPr>
+          <p:cNvPr id="68" name="Straight Connector 53">
+            <a:extLst>
+              <a:ext uri="{FF2B5EF4-FFF2-40B4-BE49-F238E27FC236}">
+                <a16:creationId xmlns:a16="http://schemas.microsoft.com/office/drawing/2014/main" id="{C29FB2C8-DCFB-2FFA-494C-69A7D068C4D9}"/>
+              </a:ext>
+            </a:extLst>
+          </p:cNvPr>
+          <p:cNvCxnSpPr>
+            <a:cxnSpLocks/>
+            <a:stCxn id="66" idx="1"/>
+            <a:endCxn id="9" idx="0"/>
+          </p:cNvCxnSpPr>
+          <p:nvPr/>
+        </p:nvCxnSpPr>
+        <p:spPr>
+          <a:xfrm rot="10800000" flipV="1">
+            <a:off x="1601286" y="1476271"/>
+            <a:ext cx="2294311" cy="197943"/>
+          </a:xfrm>
+          <a:prstGeom prst="bentConnector2">
+            <a:avLst/>
+          </a:prstGeom>
+          <a:ln w="19050">
+            <a:prstDash val="lgDashDot"/>
+          </a:ln>
+        </p:spPr>
+        <p:style>
+          <a:lnRef idx="1">
+            <a:schemeClr val="dk1"/>
+          </a:lnRef>
+          <a:fillRef idx="0">
+            <a:schemeClr val="dk1"/>
+          </a:fillRef>
+          <a:effectRef idx="0">
+            <a:schemeClr val="dk1"/>
+          </a:effectRef>
+          <a:fontRef idx="minor">
+            <a:schemeClr val="tx1"/>
+          </a:fontRef>
+        </p:style>
+      </p:cxnSp>
+      <p:cxnSp>
+        <p:nvCxnSpPr>
+          <p:cNvPr id="71" name="Straight Connector 53">
+            <a:extLst>
+              <a:ext uri="{FF2B5EF4-FFF2-40B4-BE49-F238E27FC236}">
+                <a16:creationId xmlns:a16="http://schemas.microsoft.com/office/drawing/2014/main" id="{A8AAAAA4-8ED1-4DD1-9385-3631D008FCC7}"/>
+              </a:ext>
+            </a:extLst>
+          </p:cNvPr>
+          <p:cNvCxnSpPr>
+            <a:cxnSpLocks/>
+            <a:stCxn id="31" idx="1"/>
+            <a:endCxn id="9" idx="3"/>
+          </p:cNvCxnSpPr>
+          <p:nvPr/>
+        </p:nvCxnSpPr>
+        <p:spPr>
+          <a:xfrm rot="10800000">
+            <a:off x="2950322" y="2469095"/>
+            <a:ext cx="1016712" cy="1430372"/>
+          </a:xfrm>
+          <a:prstGeom prst="bentConnector3">
+            <a:avLst>
+              <a:gd name="adj1" fmla="val 50000"/>
+            </a:avLst>
+          </a:prstGeom>
+          <a:ln w="19050">
+            <a:prstDash val="lgDashDot"/>
+          </a:ln>
+        </p:spPr>
+        <p:style>
+          <a:lnRef idx="1">
+            <a:schemeClr val="dk1"/>
+          </a:lnRef>
+          <a:fillRef idx="0">
+            <a:schemeClr val="dk1"/>
+          </a:fillRef>
+          <a:effectRef idx="0">
+            <a:schemeClr val="dk1"/>
+          </a:effectRef>
+          <a:fontRef idx="minor">
+            <a:schemeClr val="tx1"/>
+          </a:fontRef>
+        </p:style>
+      </p:cxnSp>
+      <p:cxnSp>
+        <p:nvCxnSpPr>
+          <p:cNvPr id="74" name="Straight Connector 53">
+            <a:extLst>
+              <a:ext uri="{FF2B5EF4-FFF2-40B4-BE49-F238E27FC236}">
+                <a16:creationId xmlns:a16="http://schemas.microsoft.com/office/drawing/2014/main" id="{CF4561E7-D535-C4E1-4F0F-E1635CD332F3}"/>
+              </a:ext>
+            </a:extLst>
+          </p:cNvPr>
+          <p:cNvCxnSpPr>
+            <a:cxnSpLocks/>
+            <a:stCxn id="43" idx="1"/>
+            <a:endCxn id="28" idx="3"/>
+          </p:cNvCxnSpPr>
+          <p:nvPr/>
+        </p:nvCxnSpPr>
+        <p:spPr>
+          <a:xfrm rot="10800000" flipV="1">
+            <a:off x="6665109" y="2946341"/>
+            <a:ext cx="1099377" cy="596815"/>
+          </a:xfrm>
+          <a:prstGeom prst="bentConnector3">
+            <a:avLst>
+              <a:gd name="adj1" fmla="val 50000"/>
+            </a:avLst>
+          </a:prstGeom>
+          <a:ln w="19050">
+            <a:prstDash val="lgDashDot"/>
+          </a:ln>
+        </p:spPr>
+        <p:style>
+          <a:lnRef idx="1">
+            <a:schemeClr val="dk1"/>
+          </a:lnRef>
+          <a:fillRef idx="0">
+            <a:schemeClr val="dk1"/>
+          </a:fillRef>
+          <a:effectRef idx="0">
+            <a:schemeClr val="dk1"/>
+          </a:effectRef>
+          <a:fontRef idx="minor">
+            <a:schemeClr val="tx1"/>
+          </a:fontRef>
+        </p:style>
+      </p:cxnSp>
+      <p:cxnSp>
+        <p:nvCxnSpPr>
+          <p:cNvPr id="87" name="Straight Connector 53">
+            <a:extLst>
+              <a:ext uri="{FF2B5EF4-FFF2-40B4-BE49-F238E27FC236}">
+                <a16:creationId xmlns:a16="http://schemas.microsoft.com/office/drawing/2014/main" id="{C488F9EF-8F1C-6A6A-CFDB-9C9440D480FF}"/>
+              </a:ext>
+            </a:extLst>
+          </p:cNvPr>
+          <p:cNvCxnSpPr>
+            <a:cxnSpLocks/>
+            <a:stCxn id="43" idx="1"/>
+          </p:cNvCxnSpPr>
+          <p:nvPr/>
+        </p:nvCxnSpPr>
+        <p:spPr>
+          <a:xfrm rot="10800000">
+            <a:off x="2950321" y="2030526"/>
+            <a:ext cx="4814165" cy="915816"/>
+          </a:xfrm>
+          <a:prstGeom prst="bentConnector3">
+            <a:avLst>
+              <a:gd name="adj1" fmla="val 11492"/>
+            </a:avLst>
+          </a:prstGeom>
+          <a:ln w="19050">
+            <a:prstDash val="lgDashDot"/>
+          </a:ln>
+        </p:spPr>
+        <p:style>
+          <a:lnRef idx="1">
+            <a:schemeClr val="dk1"/>
+          </a:lnRef>
+          <a:fillRef idx="0">
+            <a:schemeClr val="dk1"/>
+          </a:fillRef>
+          <a:effectRef idx="0">
+            <a:schemeClr val="dk1"/>
+          </a:effectRef>
+          <a:fontRef idx="minor">
+            <a:schemeClr val="tx1"/>
+          </a:fontRef>
+        </p:style>
+      </p:cxnSp>
+    </p:spTree>
+    <p:extLst>
+      <p:ext uri="{BB962C8B-B14F-4D97-AF65-F5344CB8AC3E}">
+        <p14:creationId xmlns:p14="http://schemas.microsoft.com/office/powerpoint/2010/main" val="2353841070"/>
       </p:ext>
     </p:extLst>
   </p:cSld>
